--- a/ppt/软件工程-码农的自我修养.pptx
+++ b/ppt/软件工程-码农的自我修养.pptx
@@ -2,32 +2,32 @@
 <file path=ppt/presentation.xml><?xml version="1.0" encoding="utf-8"?>
 <p:presentation xmlns:a="http://schemas.openxmlformats.org/drawingml/2006/main" xmlns:r="http://schemas.openxmlformats.org/officeDocument/2006/relationships" xmlns:p="http://schemas.openxmlformats.org/presentationml/2006/main">
   <p:sldMasterIdLst>
-    <p:sldMasterId id="2147483648" r:id="rId5"/>
+    <p:sldMasterId id="2147483648" r:id="rId1"/>
   </p:sldMasterIdLst>
   <p:notesMasterIdLst>
-    <p:notesMasterId r:id="rId7"/>
+    <p:notesMasterId r:id="rId15"/>
   </p:notesMasterIdLst>
   <p:sldIdLst>
-    <p:sldId id="256" r:id="rId8"/>
-    <p:sldId id="257" r:id="rId9"/>
-    <p:sldId id="258" r:id="rId10"/>
-    <p:sldId id="259" r:id="rId11"/>
-    <p:sldId id="260" r:id="rId12"/>
-    <p:sldId id="261" r:id="rId13"/>
-    <p:sldId id="262" r:id="rId14"/>
-    <p:sldId id="263" r:id="rId15"/>
-    <p:sldId id="264" r:id="rId16"/>
-    <p:sldId id="265" r:id="rId17"/>
-    <p:sldId id="266" r:id="rId18"/>
-    <p:sldId id="267" r:id="rId19"/>
-    <p:sldId id="268" r:id="rId20"/>
-    <p:sldId id="269" r:id="rId21"/>
-    <p:sldId id="270" r:id="rId22"/>
-    <p:sldId id="271" r:id="rId23"/>
-    <p:sldId id="272" r:id="rId24"/>
-    <p:sldId id="273" r:id="rId25"/>
-    <p:sldId id="274" r:id="rId26"/>
-    <p:sldId id="275" r:id="rId27"/>
+    <p:sldId id="256" r:id="rId3"/>
+    <p:sldId id="257" r:id="rId4"/>
+    <p:sldId id="258" r:id="rId5"/>
+    <p:sldId id="259" r:id="rId6"/>
+    <p:sldId id="260" r:id="rId7"/>
+    <p:sldId id="261" r:id="rId8"/>
+    <p:sldId id="262" r:id="rId9"/>
+    <p:sldId id="263" r:id="rId10"/>
+    <p:sldId id="264" r:id="rId11"/>
+    <p:sldId id="265" r:id="rId12"/>
+    <p:sldId id="266" r:id="rId13"/>
+    <p:sldId id="267" r:id="rId14"/>
+    <p:sldId id="268" r:id="rId16"/>
+    <p:sldId id="269" r:id="rId17"/>
+    <p:sldId id="270" r:id="rId18"/>
+    <p:sldId id="271" r:id="rId19"/>
+    <p:sldId id="272" r:id="rId20"/>
+    <p:sldId id="273" r:id="rId21"/>
+    <p:sldId id="274" r:id="rId22"/>
+    <p:sldId id="275" r:id="rId23"/>
   </p:sldIdLst>
   <p:sldSz cx="24384000" cy="13716000"/>
   <p:notesSz cx="6858000" cy="9144000"/>
@@ -46,8 +46,7 @@
       <a:buSzTx/>
       <a:buFontTx/>
       <a:buNone/>
-      <a:tabLst/>
-      <a:defRPr b="0" baseline="0" cap="none" i="0" spc="0" strike="noStrike" sz="1800" u="none" kumimoji="0" normalizeH="0">
+      <a:defRPr kumimoji="0" sz="1800" b="0" i="0" u="none" strike="noStrike" cap="none" spc="0" normalizeH="0" baseline="0">
         <a:ln>
           <a:noFill/>
         </a:ln>
@@ -72,8 +71,7 @@
       <a:buSzTx/>
       <a:buFontTx/>
       <a:buNone/>
-      <a:tabLst/>
-      <a:defRPr b="0" baseline="0" cap="none" i="0" spc="0" strike="noStrike" sz="5000" u="none" kumimoji="0" normalizeH="0">
+      <a:defRPr kumimoji="0" sz="5000" b="0" i="0" u="none" strike="noStrike" cap="none" spc="0" normalizeH="0" baseline="0">
         <a:ln>
           <a:noFill/>
         </a:ln>
@@ -102,8 +100,7 @@
       <a:buSzTx/>
       <a:buFontTx/>
       <a:buNone/>
-      <a:tabLst/>
-      <a:defRPr b="0" baseline="0" cap="none" i="0" spc="0" strike="noStrike" sz="5000" u="none" kumimoji="0" normalizeH="0">
+      <a:defRPr kumimoji="0" sz="5000" b="0" i="0" u="none" strike="noStrike" cap="none" spc="0" normalizeH="0" baseline="0">
         <a:ln>
           <a:noFill/>
         </a:ln>
@@ -132,8 +129,7 @@
       <a:buSzTx/>
       <a:buFontTx/>
       <a:buNone/>
-      <a:tabLst/>
-      <a:defRPr b="0" baseline="0" cap="none" i="0" spc="0" strike="noStrike" sz="5000" u="none" kumimoji="0" normalizeH="0">
+      <a:defRPr kumimoji="0" sz="5000" b="0" i="0" u="none" strike="noStrike" cap="none" spc="0" normalizeH="0" baseline="0">
         <a:ln>
           <a:noFill/>
         </a:ln>
@@ -162,8 +158,7 @@
       <a:buSzTx/>
       <a:buFontTx/>
       <a:buNone/>
-      <a:tabLst/>
-      <a:defRPr b="0" baseline="0" cap="none" i="0" spc="0" strike="noStrike" sz="5000" u="none" kumimoji="0" normalizeH="0">
+      <a:defRPr kumimoji="0" sz="5000" b="0" i="0" u="none" strike="noStrike" cap="none" spc="0" normalizeH="0" baseline="0">
         <a:ln>
           <a:noFill/>
         </a:ln>
@@ -192,8 +187,7 @@
       <a:buSzTx/>
       <a:buFontTx/>
       <a:buNone/>
-      <a:tabLst/>
-      <a:defRPr b="0" baseline="0" cap="none" i="0" spc="0" strike="noStrike" sz="5000" u="none" kumimoji="0" normalizeH="0">
+      <a:defRPr kumimoji="0" sz="5000" b="0" i="0" u="none" strike="noStrike" cap="none" spc="0" normalizeH="0" baseline="0">
         <a:ln>
           <a:noFill/>
         </a:ln>
@@ -222,8 +216,7 @@
       <a:buSzTx/>
       <a:buFontTx/>
       <a:buNone/>
-      <a:tabLst/>
-      <a:defRPr b="0" baseline="0" cap="none" i="0" spc="0" strike="noStrike" sz="5000" u="none" kumimoji="0" normalizeH="0">
+      <a:defRPr kumimoji="0" sz="5000" b="0" i="0" u="none" strike="noStrike" cap="none" spc="0" normalizeH="0" baseline="0">
         <a:ln>
           <a:noFill/>
         </a:ln>
@@ -252,8 +245,7 @@
       <a:buSzTx/>
       <a:buFontTx/>
       <a:buNone/>
-      <a:tabLst/>
-      <a:defRPr b="0" baseline="0" cap="none" i="0" spc="0" strike="noStrike" sz="5000" u="none" kumimoji="0" normalizeH="0">
+      <a:defRPr kumimoji="0" sz="5000" b="0" i="0" u="none" strike="noStrike" cap="none" spc="0" normalizeH="0" baseline="0">
         <a:ln>
           <a:noFill/>
         </a:ln>
@@ -282,8 +274,7 @@
       <a:buSzTx/>
       <a:buFontTx/>
       <a:buNone/>
-      <a:tabLst/>
-      <a:defRPr b="0" baseline="0" cap="none" i="0" spc="0" strike="noStrike" sz="5000" u="none" kumimoji="0" normalizeH="0">
+      <a:defRPr kumimoji="0" sz="5000" b="0" i="0" u="none" strike="noStrike" cap="none" spc="0" normalizeH="0" baseline="0">
         <a:ln>
           <a:noFill/>
         </a:ln>
@@ -312,8 +303,7 @@
       <a:buSzTx/>
       <a:buFontTx/>
       <a:buNone/>
-      <a:tabLst/>
-      <a:defRPr b="0" baseline="0" cap="none" i="0" spc="0" strike="noStrike" sz="5000" u="none" kumimoji="0" normalizeH="0">
+      <a:defRPr kumimoji="0" sz="5000" b="0" i="0" u="none" strike="noStrike" cap="none" spc="0" normalizeH="0" baseline="0">
         <a:ln>
           <a:noFill/>
         </a:ln>
@@ -332,13 +322,14 @@
 </p:presentation>
 </file>
 
-<file path=ppt/commentAuthors.xml><?xml version="1.0" encoding="utf-8"?>
-<p:cmAuthorLst xmlns:a="http://schemas.openxmlformats.org/drawingml/2006/main" xmlns:r="http://schemas.openxmlformats.org/officeDocument/2006/relationships" xmlns:p="http://schemas.openxmlformats.org/presentationml/2006/main"/>
-</file>
-
 <file path=ppt/notesMasters/notesMaster1.xml><?xml version="1.0" encoding="utf-8"?>
 <p:notesMaster xmlns:a="http://schemas.openxmlformats.org/drawingml/2006/main" xmlns:r="http://schemas.openxmlformats.org/officeDocument/2006/relationships" xmlns:p="http://schemas.openxmlformats.org/presentationml/2006/main">
   <p:cSld>
+    <p:bg>
+      <p:bgRef idx="1001">
+        <a:schemeClr val="bg1"/>
+      </p:bgRef>
+    </p:bg>
     <p:spTree>
       <p:nvGrpSpPr>
         <p:cNvPr id="1" name=""/>
@@ -373,9 +364,7 @@
         <p:txBody>
           <a:bodyPr/>
           <a:lstStyle/>
-          <a:p>
-            <a:pPr/>
-          </a:p>
+          <a:p/>
         </p:txBody>
       </p:sp>
       <p:sp>
@@ -398,9 +387,7 @@
         <p:txBody>
           <a:bodyPr/>
           <a:lstStyle/>
-          <a:p>
-            <a:pPr/>
-          </a:p>
+          <a:p/>
         </p:txBody>
       </p:sp>
     </p:spTree>
@@ -409,7 +396,7 @@
   <p:notesStyle>
     <a:lvl1pPr defTabSz="457200" latinLnBrk="0">
       <a:lnSpc>
-        <a:spcPct val="117999"/>
+        <a:spcPct val="118000"/>
       </a:lnSpc>
       <a:defRPr sz="2200">
         <a:latin typeface="Helvetica Neue"/>
@@ -420,7 +407,7 @@
     </a:lvl1pPr>
     <a:lvl2pPr indent="228600" defTabSz="457200" latinLnBrk="0">
       <a:lnSpc>
-        <a:spcPct val="117999"/>
+        <a:spcPct val="118000"/>
       </a:lnSpc>
       <a:defRPr sz="2200">
         <a:latin typeface="Helvetica Neue"/>
@@ -431,7 +418,7 @@
     </a:lvl2pPr>
     <a:lvl3pPr indent="457200" defTabSz="457200" latinLnBrk="0">
       <a:lnSpc>
-        <a:spcPct val="117999"/>
+        <a:spcPct val="118000"/>
       </a:lnSpc>
       <a:defRPr sz="2200">
         <a:latin typeface="Helvetica Neue"/>
@@ -442,7 +429,7 @@
     </a:lvl3pPr>
     <a:lvl4pPr indent="685800" defTabSz="457200" latinLnBrk="0">
       <a:lnSpc>
-        <a:spcPct val="117999"/>
+        <a:spcPct val="118000"/>
       </a:lnSpc>
       <a:defRPr sz="2200">
         <a:latin typeface="Helvetica Neue"/>
@@ -453,7 +440,7 @@
     </a:lvl4pPr>
     <a:lvl5pPr indent="914400" defTabSz="457200" latinLnBrk="0">
       <a:lnSpc>
-        <a:spcPct val="117999"/>
+        <a:spcPct val="118000"/>
       </a:lnSpc>
       <a:defRPr sz="2200">
         <a:latin typeface="Helvetica Neue"/>
@@ -464,7 +451,7 @@
     </a:lvl5pPr>
     <a:lvl6pPr indent="1143000" defTabSz="457200" latinLnBrk="0">
       <a:lnSpc>
-        <a:spcPct val="117999"/>
+        <a:spcPct val="118000"/>
       </a:lnSpc>
       <a:defRPr sz="2200">
         <a:latin typeface="Helvetica Neue"/>
@@ -475,7 +462,7 @@
     </a:lvl6pPr>
     <a:lvl7pPr indent="1371600" defTabSz="457200" latinLnBrk="0">
       <a:lnSpc>
-        <a:spcPct val="117999"/>
+        <a:spcPct val="118000"/>
       </a:lnSpc>
       <a:defRPr sz="2200">
         <a:latin typeface="Helvetica Neue"/>
@@ -486,7 +473,7 @@
     </a:lvl7pPr>
     <a:lvl8pPr indent="1600200" defTabSz="457200" latinLnBrk="0">
       <a:lnSpc>
-        <a:spcPct val="117999"/>
+        <a:spcPct val="118000"/>
       </a:lnSpc>
       <a:defRPr sz="2200">
         <a:latin typeface="Helvetica Neue"/>
@@ -497,7 +484,7 @@
     </a:lvl8pPr>
     <a:lvl9pPr indent="1828800" defTabSz="457200" latinLnBrk="0">
       <a:lnSpc>
-        <a:spcPct val="117999"/>
+        <a:spcPct val="118000"/>
       </a:lnSpc>
       <a:defRPr sz="2200">
         <a:latin typeface="Helvetica Neue"/>
@@ -511,7 +498,7 @@
 </file>
 
 <file path=ppt/notesSlides/notesSlide1.xml><?xml version="1.0" encoding="utf-8"?>
-<p:notes xmlns:a="http://schemas.openxmlformats.org/drawingml/2006/main" xmlns:r="http://schemas.openxmlformats.org/officeDocument/2006/relationships" xmlns:p="http://schemas.openxmlformats.org/presentationml/2006/main" showMasterSp="1" showMasterPhAnim="1">
+<p:notes xmlns:a="http://schemas.openxmlformats.org/drawingml/2006/main" xmlns:r="http://schemas.openxmlformats.org/officeDocument/2006/relationships" xmlns:p="http://schemas.openxmlformats.org/presentationml/2006/main">
   <p:cSld>
     <p:spTree>
       <p:nvGrpSpPr>
@@ -543,9 +530,7 @@
         <p:txBody>
           <a:bodyPr/>
           <a:lstStyle/>
-          <a:p>
-            <a:pPr/>
-          </a:p>
+          <a:p/>
         </p:txBody>
       </p:sp>
       <p:sp>
@@ -570,10 +555,10 @@
                 <a:spcPct val="100000"/>
               </a:lnSpc>
               <a:defRPr sz="1200">
-                <a:latin typeface="Calibri"/>
-                <a:ea typeface="Calibri"/>
-                <a:cs typeface="Calibri"/>
-                <a:sym typeface="Calibri"/>
+                <a:latin typeface="Calibri" panose="020F0502020204030204"/>
+                <a:ea typeface="Calibri" panose="020F0502020204030204"/>
+                <a:cs typeface="Calibri" panose="020F0502020204030204"/>
+                <a:sym typeface="Calibri" panose="020F0502020204030204"/>
               </a:defRPr>
             </a:pPr>
             <a:r>
@@ -586,10 +571,10 @@
                 <a:spcPct val="100000"/>
               </a:lnSpc>
               <a:defRPr sz="1200">
-                <a:latin typeface="Calibri"/>
-                <a:ea typeface="Calibri"/>
-                <a:cs typeface="Calibri"/>
-                <a:sym typeface="Calibri"/>
+                <a:latin typeface="Calibri" panose="020F0502020204030204"/>
+                <a:ea typeface="Calibri" panose="020F0502020204030204"/>
+                <a:cs typeface="Calibri" panose="020F0502020204030204"/>
+                <a:sym typeface="Calibri" panose="020F0502020204030204"/>
               </a:defRPr>
             </a:pPr>
             <a:r>
@@ -602,10 +587,10 @@
                 <a:spcPct val="100000"/>
               </a:lnSpc>
               <a:defRPr sz="1200">
-                <a:latin typeface="Calibri"/>
-                <a:ea typeface="Calibri"/>
-                <a:cs typeface="Calibri"/>
-                <a:sym typeface="Calibri"/>
+                <a:latin typeface="Calibri" panose="020F0502020204030204"/>
+                <a:ea typeface="Calibri" panose="020F0502020204030204"/>
+                <a:cs typeface="Calibri" panose="020F0502020204030204"/>
+                <a:sym typeface="Calibri" panose="020F0502020204030204"/>
               </a:defRPr>
             </a:pPr>
             <a:r>
@@ -618,10 +603,10 @@
                 <a:spcPct val="100000"/>
               </a:lnSpc>
               <a:defRPr sz="1200">
-                <a:latin typeface="Calibri"/>
-                <a:ea typeface="Calibri"/>
-                <a:cs typeface="Calibri"/>
-                <a:sym typeface="Calibri"/>
+                <a:latin typeface="Calibri" panose="020F0502020204030204"/>
+                <a:ea typeface="Calibri" panose="020F0502020204030204"/>
+                <a:cs typeface="Calibri" panose="020F0502020204030204"/>
+                <a:sym typeface="Calibri" panose="020F0502020204030204"/>
               </a:defRPr>
             </a:pPr>
           </a:p>
@@ -631,10 +616,10 @@
                 <a:spcPct val="100000"/>
               </a:lnSpc>
               <a:defRPr sz="1200">
-                <a:latin typeface="Calibri"/>
-                <a:ea typeface="Calibri"/>
-                <a:cs typeface="Calibri"/>
-                <a:sym typeface="Calibri"/>
+                <a:latin typeface="Calibri" panose="020F0502020204030204"/>
+                <a:ea typeface="Calibri" panose="020F0502020204030204"/>
+                <a:cs typeface="Calibri" panose="020F0502020204030204"/>
+                <a:sym typeface="Calibri" panose="020F0502020204030204"/>
               </a:defRPr>
             </a:pPr>
             <a:r>
@@ -652,7 +637,7 @@
 </file>
 
 <file path=ppt/slideLayouts/slideLayout1.xml><?xml version="1.0" encoding="utf-8"?>
-<p:sldLayout xmlns:a="http://schemas.openxmlformats.org/drawingml/2006/main" xmlns:r="http://schemas.openxmlformats.org/officeDocument/2006/relationships" xmlns:p="http://schemas.openxmlformats.org/presentationml/2006/main" type="title" showMasterSp="1" showMasterPhAnim="1">
+<p:sldLayout xmlns:a="http://schemas.openxmlformats.org/drawingml/2006/main" xmlns:r="http://schemas.openxmlformats.org/officeDocument/2006/relationships" xmlns:p="http://schemas.openxmlformats.org/presentationml/2006/main" type="title">
   <p:cSld name="标题与副标题">
     <p:spTree>
       <p:nvGrpSpPr>
@@ -673,7 +658,7 @@
           <p:cNvPr id="11" name="Shape 11"/>
           <p:cNvSpPr/>
           <p:nvPr>
-            <p:ph type="title"/>
+            <p:ph type="title" hasCustomPrompt="1"/>
           </p:nvPr>
         </p:nvSpPr>
         <p:spPr>
@@ -689,7 +674,6 @@
           <a:bodyPr anchor="b"/>
           <a:lstStyle/>
           <a:p>
-            <a:pPr/>
             <a:r>
               <a:t>标题文本</a:t>
             </a:r>
@@ -701,7 +685,7 @@
           <p:cNvPr id="12" name="Shape 12"/>
           <p:cNvSpPr/>
           <p:nvPr>
-            <p:ph type="body" sz="quarter" idx="1"/>
+            <p:ph type="body" sz="quarter" idx="1" hasCustomPrompt="1"/>
           </p:nvPr>
         </p:nvSpPr>
         <p:spPr>
@@ -758,7 +742,6 @@
             </a:lvl5pPr>
           </a:lstStyle>
           <a:p>
-            <a:pPr/>
             <a:r>
               <a:t>正文级别 1</a:t>
             </a:r>
@@ -806,8 +789,10 @@
           <a:bodyPr/>
           <a:lstStyle/>
           <a:p>
-            <a:pPr/>
-            <a:fld id="{86CB4B4D-7CA3-9044-876B-883B54F8677D}" type="slidenum"/>
+            <a:fld id="{86CB4B4D-7CA3-9044-876B-883B54F8677D}" type="slidenum">
+              <a:rPr/>
+            </a:fld>
+            <a:endParaRPr/>
           </a:p>
         </p:txBody>
       </p:sp>
@@ -816,12 +801,12 @@
   <p:clrMapOvr>
     <a:masterClrMapping/>
   </p:clrMapOvr>
-  <p:transition xmlns:p14="http://schemas.microsoft.com/office/powerpoint/2010/main" spd="med" advClick="1"/>
+  <p:transition spd="med"/>
 </p:sldLayout>
 </file>
 
 <file path=ppt/slideLayouts/slideLayout10.xml><?xml version="1.0" encoding="utf-8"?>
-<p:sldLayout xmlns:a="http://schemas.openxmlformats.org/drawingml/2006/main" xmlns:r="http://schemas.openxmlformats.org/officeDocument/2006/relationships" xmlns:p="http://schemas.openxmlformats.org/presentationml/2006/main" type="tx" showMasterSp="1" showMasterPhAnim="1">
+<p:sldLayout xmlns:a="http://schemas.openxmlformats.org/drawingml/2006/main" xmlns:r="http://schemas.openxmlformats.org/officeDocument/2006/relationships" xmlns:p="http://schemas.openxmlformats.org/presentationml/2006/main" type="tx">
   <p:cSld name="引文">
     <p:spTree>
       <p:nvGrpSpPr>
@@ -842,7 +827,7 @@
           <p:cNvPr id="93" name="Shape 93"/>
           <p:cNvSpPr/>
           <p:nvPr>
-            <p:ph type="body" sz="quarter" idx="13"/>
+            <p:ph type="body" sz="quarter" idx="13" hasCustomPrompt="1"/>
           </p:nvPr>
         </p:nvSpPr>
         <p:spPr>
@@ -874,7 +859,6 @@
             </a:lvl1pPr>
           </a:lstStyle>
           <a:p>
-            <a:pPr/>
             <a:r>
               <a:t>–Johnny Appleseed</a:t>
             </a:r>
@@ -886,7 +870,7 @@
           <p:cNvPr id="94" name="Shape 94"/>
           <p:cNvSpPr/>
           <p:nvPr>
-            <p:ph type="body" sz="quarter" idx="14"/>
+            <p:ph type="body" sz="quarter" idx="14" hasCustomPrompt="1"/>
           </p:nvPr>
         </p:nvSpPr>
         <p:spPr>
@@ -912,7 +896,6 @@
             </a:lvl1pPr>
           </a:lstStyle>
           <a:p>
-            <a:pPr/>
             <a:r>
               <a:t>“在此键入引文。”</a:t>
             </a:r>
@@ -936,8 +919,10 @@
           <a:bodyPr/>
           <a:lstStyle/>
           <a:p>
-            <a:pPr/>
-            <a:fld id="{86CB4B4D-7CA3-9044-876B-883B54F8677D}" type="slidenum"/>
+            <a:fld id="{86CB4B4D-7CA3-9044-876B-883B54F8677D}" type="slidenum">
+              <a:rPr/>
+            </a:fld>
+            <a:endParaRPr/>
           </a:p>
         </p:txBody>
       </p:sp>
@@ -946,12 +931,12 @@
   <p:clrMapOvr>
     <a:masterClrMapping/>
   </p:clrMapOvr>
-  <p:transition xmlns:p14="http://schemas.microsoft.com/office/powerpoint/2010/main" spd="med" advClick="1"/>
+  <p:transition spd="med"/>
 </p:sldLayout>
 </file>
 
 <file path=ppt/slideLayouts/slideLayout11.xml><?xml version="1.0" encoding="utf-8"?>
-<p:sldLayout xmlns:a="http://schemas.openxmlformats.org/drawingml/2006/main" xmlns:r="http://schemas.openxmlformats.org/officeDocument/2006/relationships" xmlns:p="http://schemas.openxmlformats.org/presentationml/2006/main" type="tx" showMasterSp="1" showMasterPhAnim="1">
+<p:sldLayout xmlns:a="http://schemas.openxmlformats.org/drawingml/2006/main" xmlns:r="http://schemas.openxmlformats.org/officeDocument/2006/relationships" xmlns:p="http://schemas.openxmlformats.org/presentationml/2006/main" type="tx">
   <p:cSld name="照片">
     <p:spTree>
       <p:nvGrpSpPr>
@@ -989,9 +974,7 @@
             <a:noAutofit/>
           </a:bodyPr>
           <a:lstStyle/>
-          <a:p>
-            <a:pPr/>
-          </a:p>
+          <a:p/>
         </p:txBody>
       </p:sp>
       <p:sp>
@@ -1011,8 +994,10 @@
           <a:bodyPr/>
           <a:lstStyle/>
           <a:p>
-            <a:pPr/>
-            <a:fld id="{86CB4B4D-7CA3-9044-876B-883B54F8677D}" type="slidenum"/>
+            <a:fld id="{86CB4B4D-7CA3-9044-876B-883B54F8677D}" type="slidenum">
+              <a:rPr/>
+            </a:fld>
+            <a:endParaRPr/>
           </a:p>
         </p:txBody>
       </p:sp>
@@ -1021,12 +1006,12 @@
   <p:clrMapOvr>
     <a:masterClrMapping/>
   </p:clrMapOvr>
-  <p:transition xmlns:p14="http://schemas.microsoft.com/office/powerpoint/2010/main" spd="med" advClick="1"/>
+  <p:transition spd="med"/>
 </p:sldLayout>
 </file>
 
 <file path=ppt/slideLayouts/slideLayout12.xml><?xml version="1.0" encoding="utf-8"?>
-<p:sldLayout xmlns:a="http://schemas.openxmlformats.org/drawingml/2006/main" xmlns:r="http://schemas.openxmlformats.org/officeDocument/2006/relationships" xmlns:p="http://schemas.openxmlformats.org/presentationml/2006/main" type="tx" showMasterSp="1" showMasterPhAnim="1">
+<p:sldLayout xmlns:a="http://schemas.openxmlformats.org/drawingml/2006/main" xmlns:r="http://schemas.openxmlformats.org/officeDocument/2006/relationships" xmlns:p="http://schemas.openxmlformats.org/presentationml/2006/main" type="tx">
   <p:cSld name="空白">
     <p:spTree>
       <p:nvGrpSpPr>
@@ -1059,8 +1044,10 @@
           <a:bodyPr/>
           <a:lstStyle/>
           <a:p>
-            <a:pPr/>
-            <a:fld id="{86CB4B4D-7CA3-9044-876B-883B54F8677D}" type="slidenum"/>
+            <a:fld id="{86CB4B4D-7CA3-9044-876B-883B54F8677D}" type="slidenum">
+              <a:rPr/>
+            </a:fld>
+            <a:endParaRPr/>
           </a:p>
         </p:txBody>
       </p:sp>
@@ -1069,12 +1056,12 @@
   <p:clrMapOvr>
     <a:masterClrMapping/>
   </p:clrMapOvr>
-  <p:transition xmlns:p14="http://schemas.microsoft.com/office/powerpoint/2010/main" spd="med" advClick="1"/>
+  <p:transition spd="med"/>
 </p:sldLayout>
 </file>
 
 <file path=ppt/slideLayouts/slideLayout13.xml><?xml version="1.0" encoding="utf-8"?>
-<p:sldLayout xmlns:a="http://schemas.openxmlformats.org/drawingml/2006/main" xmlns:r="http://schemas.openxmlformats.org/officeDocument/2006/relationships" xmlns:p="http://schemas.openxmlformats.org/presentationml/2006/main" type="tx" showMasterSp="1" showMasterPhAnim="1">
+<p:sldLayout xmlns:a="http://schemas.openxmlformats.org/drawingml/2006/main" xmlns:r="http://schemas.openxmlformats.org/officeDocument/2006/relationships" xmlns:p="http://schemas.openxmlformats.org/presentationml/2006/main" type="tx">
   <p:cSld name="Title and Content">
     <p:spTree>
       <p:nvGrpSpPr>
@@ -1112,7 +1099,7 @@
             <a:tailEnd type="triangle"/>
           </a:ln>
           <a:effectLst>
-            <a:outerShdw sx="100000" sy="100000" kx="0" ky="0" algn="b" rotWithShape="0" blurRad="76200" dist="12700" dir="5400000">
+            <a:outerShdw blurRad="76200" dist="12700" dir="5400000" rotWithShape="0">
               <a:srgbClr val="000000">
                 <a:alpha val="60000"/>
               </a:srgbClr>
@@ -1128,10 +1115,10 @@
                 <a:solidFill>
                   <a:srgbClr val="FFFFFF"/>
                 </a:solidFill>
-                <a:latin typeface="Corbel"/>
-                <a:ea typeface="Corbel"/>
-                <a:cs typeface="Corbel"/>
-                <a:sym typeface="Corbel"/>
+                <a:latin typeface="Corbel" panose="020B0503020204020204"/>
+                <a:ea typeface="Corbel" panose="020B0503020204020204"/>
+                <a:cs typeface="Corbel" panose="020B0503020204020204"/>
+                <a:sym typeface="Corbel" panose="020B0503020204020204"/>
               </a:defRPr>
             </a:pPr>
           </a:p>
@@ -1168,10 +1155,10 @@
                 <a:solidFill>
                   <a:srgbClr val="FFFFFF"/>
                 </a:solidFill>
-                <a:latin typeface="Corbel"/>
-                <a:ea typeface="Corbel"/>
-                <a:cs typeface="Corbel"/>
-                <a:sym typeface="Corbel"/>
+                <a:latin typeface="Corbel" panose="020B0503020204020204"/>
+                <a:ea typeface="Corbel" panose="020B0503020204020204"/>
+                <a:cs typeface="Corbel" panose="020B0503020204020204"/>
+                <a:sym typeface="Corbel" panose="020B0503020204020204"/>
               </a:defRPr>
             </a:pPr>
           </a:p>
@@ -1182,7 +1169,7 @@
           <p:cNvPr id="119" name="Shape 119"/>
           <p:cNvSpPr/>
           <p:nvPr>
-            <p:ph type="title"/>
+            <p:ph type="title" hasCustomPrompt="1"/>
           </p:nvPr>
         </p:nvSpPr>
         <p:spPr>
@@ -1202,15 +1189,14 @@
                 <a:solidFill>
                   <a:srgbClr val="F0AD00"/>
                 </a:solidFill>
-                <a:latin typeface="Corbel"/>
-                <a:ea typeface="Corbel"/>
-                <a:cs typeface="Corbel"/>
-                <a:sym typeface="Corbel"/>
+                <a:latin typeface="Corbel" panose="020B0503020204020204"/>
+                <a:ea typeface="Corbel" panose="020B0503020204020204"/>
+                <a:cs typeface="Corbel" panose="020B0503020204020204"/>
+                <a:sym typeface="Corbel" panose="020B0503020204020204"/>
               </a:defRPr>
             </a:lvl1pPr>
           </a:lstStyle>
           <a:p>
-            <a:pPr/>
             <a:r>
               <a:t>标题文本</a:t>
             </a:r>
@@ -1222,7 +1208,7 @@
           <p:cNvPr id="120" name="Shape 120"/>
           <p:cNvSpPr/>
           <p:nvPr>
-            <p:ph type="body" idx="1"/>
+            <p:ph type="body" idx="1" hasCustomPrompt="1"/>
           </p:nvPr>
         </p:nvSpPr>
         <p:spPr>
@@ -1237,7 +1223,7 @@
         <p:txBody>
           <a:bodyPr lIns="91439" tIns="91439" rIns="91439" bIns="91439" anchor="t"/>
           <a:lstStyle>
-            <a:lvl1pPr marL="758952" indent="-640080" defTabSz="1828800">
+            <a:lvl1pPr marL="758825" indent="-640080" defTabSz="1828800">
               <a:spcBef>
                 <a:spcPts val="0"/>
               </a:spcBef>
@@ -1245,16 +1231,16 @@
                 <a:srgbClr val="F0AD00"/>
               </a:buClr>
               <a:buSzPct val="80000"/>
-              <a:buFont typeface="Wingdings 2"/>
+              <a:buFont typeface="Wingdings 2" panose="05020102010507070707"/>
               <a:buChar char="◼"/>
               <a:defRPr sz="6400">
-                <a:latin typeface="Corbel"/>
-                <a:ea typeface="Corbel"/>
-                <a:cs typeface="Corbel"/>
-                <a:sym typeface="Corbel"/>
+                <a:latin typeface="Corbel" panose="020B0503020204020204"/>
+                <a:ea typeface="Corbel" panose="020B0503020204020204"/>
+                <a:cs typeface="Corbel" panose="020B0503020204020204"/>
+                <a:sym typeface="Corbel" panose="020B0503020204020204"/>
               </a:defRPr>
             </a:lvl1pPr>
-            <a:lvl2pPr marL="1084217" indent="-627017" defTabSz="1828800">
+            <a:lvl2pPr marL="1083945" indent="-626745" defTabSz="1828800">
               <a:spcBef>
                 <a:spcPts val="0"/>
               </a:spcBef>
@@ -1262,16 +1248,16 @@
                 <a:srgbClr val="F0AD00"/>
               </a:buClr>
               <a:buSzPct val="90000"/>
-              <a:buFont typeface="Wingdings 2"/>
+              <a:buFont typeface="Wingdings 2" panose="05020102010507070707"/>
               <a:buChar char="▪"/>
               <a:defRPr sz="6400">
-                <a:latin typeface="Corbel"/>
-                <a:ea typeface="Corbel"/>
-                <a:cs typeface="Corbel"/>
-                <a:sym typeface="Corbel"/>
+                <a:latin typeface="Corbel" panose="020B0503020204020204"/>
+                <a:ea typeface="Corbel" panose="020B0503020204020204"/>
+                <a:cs typeface="Corbel" panose="020B0503020204020204"/>
+                <a:sym typeface="Corbel" panose="020B0503020204020204"/>
               </a:defRPr>
             </a:lvl2pPr>
-            <a:lvl3pPr marL="1377696" indent="-609600" defTabSz="1828800">
+            <a:lvl3pPr marL="1377950" indent="-609600" defTabSz="1828800">
               <a:spcBef>
                 <a:spcPts val="0"/>
               </a:spcBef>
@@ -1279,16 +1265,16 @@
                 <a:srgbClr val="F0AD00"/>
               </a:buClr>
               <a:buSzPct val="100000"/>
-              <a:buFont typeface="Wingdings 2"/>
+              <a:buFont typeface="Wingdings 2" panose="05020102010507070707"/>
               <a:buChar char="▪"/>
               <a:defRPr sz="6400">
-                <a:latin typeface="Corbel"/>
-                <a:ea typeface="Corbel"/>
-                <a:cs typeface="Corbel"/>
-                <a:sym typeface="Corbel"/>
+                <a:latin typeface="Corbel" panose="020B0503020204020204"/>
+                <a:ea typeface="Corbel" panose="020B0503020204020204"/>
+                <a:cs typeface="Corbel" panose="020B0503020204020204"/>
+                <a:sym typeface="Corbel" panose="020B0503020204020204"/>
               </a:defRPr>
             </a:lvl3pPr>
-            <a:lvl4pPr marL="1618488" indent="-585216" defTabSz="1828800">
+            <a:lvl4pPr marL="1618615" indent="-585470" defTabSz="1828800">
               <a:spcBef>
                 <a:spcPts val="0"/>
               </a:spcBef>
@@ -1296,16 +1282,16 @@
                 <a:srgbClr val="F0AD00"/>
               </a:buClr>
               <a:buSzPct val="100000"/>
-              <a:buFont typeface="Wingdings 2"/>
+              <a:buFont typeface="Wingdings 2" panose="05020102010507070707"/>
               <a:buChar char="▪"/>
               <a:defRPr sz="6400">
-                <a:latin typeface="Corbel"/>
-                <a:ea typeface="Corbel"/>
-                <a:cs typeface="Corbel"/>
-                <a:sym typeface="Corbel"/>
+                <a:latin typeface="Corbel" panose="020B0503020204020204"/>
+                <a:ea typeface="Corbel" panose="020B0503020204020204"/>
+                <a:cs typeface="Corbel" panose="020B0503020204020204"/>
+                <a:sym typeface="Corbel" panose="020B0503020204020204"/>
               </a:defRPr>
             </a:lvl4pPr>
-            <a:lvl5pPr marL="1828800" indent="-585216" defTabSz="1828800">
+            <a:lvl5pPr marL="1828800" indent="-585470" defTabSz="1828800">
               <a:spcBef>
                 <a:spcPts val="0"/>
               </a:spcBef>
@@ -1313,18 +1299,17 @@
                 <a:srgbClr val="F0AD00"/>
               </a:buClr>
               <a:buSzPct val="100000"/>
-              <a:buFont typeface="Wingdings 2"/>
+              <a:buFont typeface="Wingdings 2" panose="05020102010507070707"/>
               <a:buChar char=""/>
               <a:defRPr sz="6400">
-                <a:latin typeface="Corbel"/>
-                <a:ea typeface="Corbel"/>
-                <a:cs typeface="Corbel"/>
-                <a:sym typeface="Corbel"/>
+                <a:latin typeface="Corbel" panose="020B0503020204020204"/>
+                <a:ea typeface="Corbel" panose="020B0503020204020204"/>
+                <a:cs typeface="Corbel" panose="020B0503020204020204"/>
+                <a:sym typeface="Corbel" panose="020B0503020204020204"/>
               </a:defRPr>
             </a:lvl5pPr>
           </a:lstStyle>
           <a:p>
-            <a:pPr/>
             <a:r>
               <a:t>正文级别 1</a:t>
             </a:r>
@@ -1380,16 +1365,18 @@
                 <a:solidFill>
                   <a:srgbClr val="414141"/>
                 </a:solidFill>
-                <a:latin typeface="Corbel"/>
-                <a:ea typeface="Corbel"/>
-                <a:cs typeface="Corbel"/>
-                <a:sym typeface="Corbel"/>
+                <a:latin typeface="Corbel" panose="020B0503020204020204"/>
+                <a:ea typeface="Corbel" panose="020B0503020204020204"/>
+                <a:cs typeface="Corbel" panose="020B0503020204020204"/>
+                <a:sym typeface="Corbel" panose="020B0503020204020204"/>
               </a:defRPr>
             </a:lvl1pPr>
           </a:lstStyle>
           <a:p>
-            <a:pPr/>
-            <a:fld id="{86CB4B4D-7CA3-9044-876B-883B54F8677D}" type="slidenum"/>
+            <a:fld id="{86CB4B4D-7CA3-9044-876B-883B54F8677D}" type="slidenum">
+              <a:rPr/>
+            </a:fld>
+            <a:endParaRPr/>
           </a:p>
         </p:txBody>
       </p:sp>
@@ -1398,12 +1385,12 @@
   <p:clrMapOvr>
     <a:masterClrMapping/>
   </p:clrMapOvr>
-  <p:transition xmlns:p14="http://schemas.microsoft.com/office/powerpoint/2010/main" spd="med" advClick="1"/>
+  <p:transition spd="med"/>
 </p:sldLayout>
 </file>
 
 <file path=ppt/slideLayouts/slideLayout2.xml><?xml version="1.0" encoding="utf-8"?>
-<p:sldLayout xmlns:a="http://schemas.openxmlformats.org/drawingml/2006/main" xmlns:r="http://schemas.openxmlformats.org/officeDocument/2006/relationships" xmlns:p="http://schemas.openxmlformats.org/presentationml/2006/main" type="tx" showMasterSp="1" showMasterPhAnim="1">
+<p:sldLayout xmlns:a="http://schemas.openxmlformats.org/drawingml/2006/main" xmlns:r="http://schemas.openxmlformats.org/officeDocument/2006/relationships" xmlns:p="http://schemas.openxmlformats.org/presentationml/2006/main" type="tx">
   <p:cSld name="照片 - 水平">
     <p:spTree>
       <p:nvGrpSpPr>
@@ -1441,9 +1428,7 @@
             <a:noAutofit/>
           </a:bodyPr>
           <a:lstStyle/>
-          <a:p>
-            <a:pPr/>
-          </a:p>
+          <a:p/>
         </p:txBody>
       </p:sp>
       <p:sp>
@@ -1451,7 +1436,7 @@
           <p:cNvPr id="21" name="Shape 21"/>
           <p:cNvSpPr/>
           <p:nvPr>
-            <p:ph type="title"/>
+            <p:ph type="title" hasCustomPrompt="1"/>
           </p:nvPr>
         </p:nvSpPr>
         <p:spPr>
@@ -1467,7 +1452,6 @@
           <a:bodyPr anchor="b"/>
           <a:lstStyle/>
           <a:p>
-            <a:pPr/>
             <a:r>
               <a:t>标题文本</a:t>
             </a:r>
@@ -1479,7 +1463,7 @@
           <p:cNvPr id="22" name="Shape 22"/>
           <p:cNvSpPr/>
           <p:nvPr>
-            <p:ph type="body" sz="quarter" idx="1"/>
+            <p:ph type="body" sz="quarter" idx="1" hasCustomPrompt="1"/>
           </p:nvPr>
         </p:nvSpPr>
         <p:spPr>
@@ -1536,7 +1520,6 @@
             </a:lvl5pPr>
           </a:lstStyle>
           <a:p>
-            <a:pPr/>
             <a:r>
               <a:t>正文级别 1</a:t>
             </a:r>
@@ -1584,8 +1567,10 @@
           <a:bodyPr/>
           <a:lstStyle/>
           <a:p>
-            <a:pPr/>
-            <a:fld id="{86CB4B4D-7CA3-9044-876B-883B54F8677D}" type="slidenum"/>
+            <a:fld id="{86CB4B4D-7CA3-9044-876B-883B54F8677D}" type="slidenum">
+              <a:rPr/>
+            </a:fld>
+            <a:endParaRPr/>
           </a:p>
         </p:txBody>
       </p:sp>
@@ -1594,12 +1579,12 @@
   <p:clrMapOvr>
     <a:masterClrMapping/>
   </p:clrMapOvr>
-  <p:transition xmlns:p14="http://schemas.microsoft.com/office/powerpoint/2010/main" spd="med" advClick="1"/>
+  <p:transition spd="med"/>
 </p:sldLayout>
 </file>
 
 <file path=ppt/slideLayouts/slideLayout3.xml><?xml version="1.0" encoding="utf-8"?>
-<p:sldLayout xmlns:a="http://schemas.openxmlformats.org/drawingml/2006/main" xmlns:r="http://schemas.openxmlformats.org/officeDocument/2006/relationships" xmlns:p="http://schemas.openxmlformats.org/presentationml/2006/main" type="tx" showMasterSp="1" showMasterPhAnim="1">
+<p:sldLayout xmlns:a="http://schemas.openxmlformats.org/drawingml/2006/main" xmlns:r="http://schemas.openxmlformats.org/officeDocument/2006/relationships" xmlns:p="http://schemas.openxmlformats.org/presentationml/2006/main" type="tx">
   <p:cSld name="标题 - 居中">
     <p:spTree>
       <p:nvGrpSpPr>
@@ -1620,7 +1605,7 @@
           <p:cNvPr id="30" name="Shape 30"/>
           <p:cNvSpPr/>
           <p:nvPr>
-            <p:ph type="title"/>
+            <p:ph type="title" hasCustomPrompt="1"/>
           </p:nvPr>
         </p:nvSpPr>
         <p:spPr>
@@ -1636,7 +1621,6 @@
           <a:bodyPr/>
           <a:lstStyle/>
           <a:p>
-            <a:pPr/>
             <a:r>
               <a:t>标题文本</a:t>
             </a:r>
@@ -1660,8 +1644,10 @@
           <a:bodyPr/>
           <a:lstStyle/>
           <a:p>
-            <a:pPr/>
-            <a:fld id="{86CB4B4D-7CA3-9044-876B-883B54F8677D}" type="slidenum"/>
+            <a:fld id="{86CB4B4D-7CA3-9044-876B-883B54F8677D}" type="slidenum">
+              <a:rPr/>
+            </a:fld>
+            <a:endParaRPr/>
           </a:p>
         </p:txBody>
       </p:sp>
@@ -1670,12 +1656,12 @@
   <p:clrMapOvr>
     <a:masterClrMapping/>
   </p:clrMapOvr>
-  <p:transition xmlns:p14="http://schemas.microsoft.com/office/powerpoint/2010/main" spd="med" advClick="1"/>
+  <p:transition spd="med"/>
 </p:sldLayout>
 </file>
 
 <file path=ppt/slideLayouts/slideLayout4.xml><?xml version="1.0" encoding="utf-8"?>
-<p:sldLayout xmlns:a="http://schemas.openxmlformats.org/drawingml/2006/main" xmlns:r="http://schemas.openxmlformats.org/officeDocument/2006/relationships" xmlns:p="http://schemas.openxmlformats.org/presentationml/2006/main" type="tx" showMasterSp="1" showMasterPhAnim="1">
+<p:sldLayout xmlns:a="http://schemas.openxmlformats.org/drawingml/2006/main" xmlns:r="http://schemas.openxmlformats.org/officeDocument/2006/relationships" xmlns:p="http://schemas.openxmlformats.org/presentationml/2006/main" type="tx">
   <p:cSld name="照片 - 垂直">
     <p:spTree>
       <p:nvGrpSpPr>
@@ -1713,9 +1699,7 @@
             <a:noAutofit/>
           </a:bodyPr>
           <a:lstStyle/>
-          <a:p>
-            <a:pPr/>
-          </a:p>
+          <a:p/>
         </p:txBody>
       </p:sp>
       <p:sp>
@@ -1723,7 +1707,7 @@
           <p:cNvPr id="39" name="Shape 39"/>
           <p:cNvSpPr/>
           <p:nvPr>
-            <p:ph type="title"/>
+            <p:ph type="title" hasCustomPrompt="1"/>
           </p:nvPr>
         </p:nvSpPr>
         <p:spPr>
@@ -1743,7 +1727,6 @@
             </a:lvl1pPr>
           </a:lstStyle>
           <a:p>
-            <a:pPr/>
             <a:r>
               <a:t>标题文本</a:t>
             </a:r>
@@ -1755,7 +1738,7 @@
           <p:cNvPr id="40" name="Shape 40"/>
           <p:cNvSpPr/>
           <p:nvPr>
-            <p:ph type="body" sz="quarter" idx="1"/>
+            <p:ph type="body" sz="quarter" idx="1" hasCustomPrompt="1"/>
           </p:nvPr>
         </p:nvSpPr>
         <p:spPr>
@@ -1812,7 +1795,6 @@
             </a:lvl5pPr>
           </a:lstStyle>
           <a:p>
-            <a:pPr/>
             <a:r>
               <a:t>正文级别 1</a:t>
             </a:r>
@@ -1860,8 +1842,10 @@
           <a:bodyPr/>
           <a:lstStyle/>
           <a:p>
-            <a:pPr/>
-            <a:fld id="{86CB4B4D-7CA3-9044-876B-883B54F8677D}" type="slidenum"/>
+            <a:fld id="{86CB4B4D-7CA3-9044-876B-883B54F8677D}" type="slidenum">
+              <a:rPr/>
+            </a:fld>
+            <a:endParaRPr/>
           </a:p>
         </p:txBody>
       </p:sp>
@@ -1870,12 +1854,12 @@
   <p:clrMapOvr>
     <a:masterClrMapping/>
   </p:clrMapOvr>
-  <p:transition xmlns:p14="http://schemas.microsoft.com/office/powerpoint/2010/main" spd="med" advClick="1"/>
+  <p:transition spd="med"/>
 </p:sldLayout>
 </file>
 
 <file path=ppt/slideLayouts/slideLayout5.xml><?xml version="1.0" encoding="utf-8"?>
-<p:sldLayout xmlns:a="http://schemas.openxmlformats.org/drawingml/2006/main" xmlns:r="http://schemas.openxmlformats.org/officeDocument/2006/relationships" xmlns:p="http://schemas.openxmlformats.org/presentationml/2006/main" type="tx" showMasterSp="1" showMasterPhAnim="1">
+<p:sldLayout xmlns:a="http://schemas.openxmlformats.org/drawingml/2006/main" xmlns:r="http://schemas.openxmlformats.org/officeDocument/2006/relationships" xmlns:p="http://schemas.openxmlformats.org/presentationml/2006/main" type="tx">
   <p:cSld name="标题 - 顶部对齐">
     <p:spTree>
       <p:nvGrpSpPr>
@@ -1896,7 +1880,7 @@
           <p:cNvPr id="48" name="Shape 48"/>
           <p:cNvSpPr/>
           <p:nvPr>
-            <p:ph type="title"/>
+            <p:ph type="title" hasCustomPrompt="1"/>
           </p:nvPr>
         </p:nvSpPr>
         <p:spPr>
@@ -1908,7 +1892,6 @@
           <a:bodyPr/>
           <a:lstStyle/>
           <a:p>
-            <a:pPr/>
             <a:r>
               <a:t>标题文本</a:t>
             </a:r>
@@ -1932,8 +1915,10 @@
           <a:bodyPr/>
           <a:lstStyle/>
           <a:p>
-            <a:pPr/>
-            <a:fld id="{86CB4B4D-7CA3-9044-876B-883B54F8677D}" type="slidenum"/>
+            <a:fld id="{86CB4B4D-7CA3-9044-876B-883B54F8677D}" type="slidenum">
+              <a:rPr/>
+            </a:fld>
+            <a:endParaRPr/>
           </a:p>
         </p:txBody>
       </p:sp>
@@ -1942,12 +1927,12 @@
   <p:clrMapOvr>
     <a:masterClrMapping/>
   </p:clrMapOvr>
-  <p:transition xmlns:p14="http://schemas.microsoft.com/office/powerpoint/2010/main" spd="med" advClick="1"/>
+  <p:transition spd="med"/>
 </p:sldLayout>
 </file>
 
 <file path=ppt/slideLayouts/slideLayout6.xml><?xml version="1.0" encoding="utf-8"?>
-<p:sldLayout xmlns:a="http://schemas.openxmlformats.org/drawingml/2006/main" xmlns:r="http://schemas.openxmlformats.org/officeDocument/2006/relationships" xmlns:p="http://schemas.openxmlformats.org/presentationml/2006/main" type="tx" showMasterSp="1" showMasterPhAnim="1">
+<p:sldLayout xmlns:a="http://schemas.openxmlformats.org/drawingml/2006/main" xmlns:r="http://schemas.openxmlformats.org/officeDocument/2006/relationships" xmlns:p="http://schemas.openxmlformats.org/presentationml/2006/main" type="tx">
   <p:cSld name="标题与项目符号">
     <p:spTree>
       <p:nvGrpSpPr>
@@ -1968,7 +1953,7 @@
           <p:cNvPr id="56" name="Shape 56"/>
           <p:cNvSpPr/>
           <p:nvPr>
-            <p:ph type="title"/>
+            <p:ph type="title" hasCustomPrompt="1"/>
           </p:nvPr>
         </p:nvSpPr>
         <p:spPr>
@@ -1980,7 +1965,6 @@
           <a:bodyPr/>
           <a:lstStyle/>
           <a:p>
-            <a:pPr/>
             <a:r>
               <a:t>标题文本</a:t>
             </a:r>
@@ -1992,7 +1976,7 @@
           <p:cNvPr id="57" name="Shape 57"/>
           <p:cNvSpPr/>
           <p:nvPr>
-            <p:ph type="body" idx="1"/>
+            <p:ph type="body" idx="1" hasCustomPrompt="1"/>
           </p:nvPr>
         </p:nvSpPr>
         <p:spPr>
@@ -2004,7 +1988,6 @@
           <a:bodyPr/>
           <a:lstStyle/>
           <a:p>
-            <a:pPr/>
             <a:r>
               <a:t>正文级别 1</a:t>
             </a:r>
@@ -2052,8 +2035,10 @@
           <a:bodyPr/>
           <a:lstStyle/>
           <a:p>
-            <a:pPr/>
-            <a:fld id="{86CB4B4D-7CA3-9044-876B-883B54F8677D}" type="slidenum"/>
+            <a:fld id="{86CB4B4D-7CA3-9044-876B-883B54F8677D}" type="slidenum">
+              <a:rPr/>
+            </a:fld>
+            <a:endParaRPr/>
           </a:p>
         </p:txBody>
       </p:sp>
@@ -2062,12 +2047,12 @@
   <p:clrMapOvr>
     <a:masterClrMapping/>
   </p:clrMapOvr>
-  <p:transition xmlns:p14="http://schemas.microsoft.com/office/powerpoint/2010/main" spd="med" advClick="1"/>
+  <p:transition spd="med"/>
 </p:sldLayout>
 </file>
 
 <file path=ppt/slideLayouts/slideLayout7.xml><?xml version="1.0" encoding="utf-8"?>
-<p:sldLayout xmlns:a="http://schemas.openxmlformats.org/drawingml/2006/main" xmlns:r="http://schemas.openxmlformats.org/officeDocument/2006/relationships" xmlns:p="http://schemas.openxmlformats.org/presentationml/2006/main" type="tx" showMasterSp="1" showMasterPhAnim="1">
+<p:sldLayout xmlns:a="http://schemas.openxmlformats.org/drawingml/2006/main" xmlns:r="http://schemas.openxmlformats.org/officeDocument/2006/relationships" xmlns:p="http://schemas.openxmlformats.org/presentationml/2006/main" type="tx">
   <p:cSld name="标题、项目符号与照片">
     <p:spTree>
       <p:nvGrpSpPr>
@@ -2105,9 +2090,7 @@
             <a:noAutofit/>
           </a:bodyPr>
           <a:lstStyle/>
-          <a:p>
-            <a:pPr/>
-          </a:p>
+          <a:p/>
         </p:txBody>
       </p:sp>
       <p:sp>
@@ -2115,7 +2098,7 @@
           <p:cNvPr id="66" name="Shape 66"/>
           <p:cNvSpPr/>
           <p:nvPr>
-            <p:ph type="title"/>
+            <p:ph type="title" hasCustomPrompt="1"/>
           </p:nvPr>
         </p:nvSpPr>
         <p:spPr>
@@ -2127,7 +2110,6 @@
           <a:bodyPr/>
           <a:lstStyle/>
           <a:p>
-            <a:pPr/>
             <a:r>
               <a:t>标题文本</a:t>
             </a:r>
@@ -2139,7 +2121,7 @@
           <p:cNvPr id="67" name="Shape 67"/>
           <p:cNvSpPr/>
           <p:nvPr>
-            <p:ph type="body" sz="half" idx="1"/>
+            <p:ph type="body" sz="half" idx="1" hasCustomPrompt="1"/>
           </p:nvPr>
         </p:nvSpPr>
         <p:spPr>
@@ -2186,7 +2168,6 @@
             </a:lvl5pPr>
           </a:lstStyle>
           <a:p>
-            <a:pPr/>
             <a:r>
               <a:t>正文级别 1</a:t>
             </a:r>
@@ -2234,8 +2215,10 @@
           <a:bodyPr/>
           <a:lstStyle/>
           <a:p>
-            <a:pPr/>
-            <a:fld id="{86CB4B4D-7CA3-9044-876B-883B54F8677D}" type="slidenum"/>
+            <a:fld id="{86CB4B4D-7CA3-9044-876B-883B54F8677D}" type="slidenum">
+              <a:rPr/>
+            </a:fld>
+            <a:endParaRPr/>
           </a:p>
         </p:txBody>
       </p:sp>
@@ -2244,12 +2227,12 @@
   <p:clrMapOvr>
     <a:masterClrMapping/>
   </p:clrMapOvr>
-  <p:transition xmlns:p14="http://schemas.microsoft.com/office/powerpoint/2010/main" spd="med" advClick="1"/>
+  <p:transition spd="med"/>
 </p:sldLayout>
 </file>
 
 <file path=ppt/slideLayouts/slideLayout8.xml><?xml version="1.0" encoding="utf-8"?>
-<p:sldLayout xmlns:a="http://schemas.openxmlformats.org/drawingml/2006/main" xmlns:r="http://schemas.openxmlformats.org/officeDocument/2006/relationships" xmlns:p="http://schemas.openxmlformats.org/presentationml/2006/main" type="tx" showMasterSp="1" showMasterPhAnim="1">
+<p:sldLayout xmlns:a="http://schemas.openxmlformats.org/drawingml/2006/main" xmlns:r="http://schemas.openxmlformats.org/officeDocument/2006/relationships" xmlns:p="http://schemas.openxmlformats.org/presentationml/2006/main" type="tx">
   <p:cSld name="项目符号">
     <p:spTree>
       <p:nvGrpSpPr>
@@ -2270,7 +2253,7 @@
           <p:cNvPr id="75" name="Shape 75"/>
           <p:cNvSpPr/>
           <p:nvPr>
-            <p:ph type="body" idx="1"/>
+            <p:ph type="body" idx="1" hasCustomPrompt="1"/>
           </p:nvPr>
         </p:nvSpPr>
         <p:spPr>
@@ -2286,7 +2269,6 @@
           <a:bodyPr/>
           <a:lstStyle/>
           <a:p>
-            <a:pPr/>
             <a:r>
               <a:t>正文级别 1</a:t>
             </a:r>
@@ -2334,8 +2316,10 @@
           <a:bodyPr/>
           <a:lstStyle/>
           <a:p>
-            <a:pPr/>
-            <a:fld id="{86CB4B4D-7CA3-9044-876B-883B54F8677D}" type="slidenum"/>
+            <a:fld id="{86CB4B4D-7CA3-9044-876B-883B54F8677D}" type="slidenum">
+              <a:rPr/>
+            </a:fld>
+            <a:endParaRPr/>
           </a:p>
         </p:txBody>
       </p:sp>
@@ -2344,12 +2328,12 @@
   <p:clrMapOvr>
     <a:masterClrMapping/>
   </p:clrMapOvr>
-  <p:transition xmlns:p14="http://schemas.microsoft.com/office/powerpoint/2010/main" spd="med" advClick="1"/>
+  <p:transition spd="med"/>
 </p:sldLayout>
 </file>
 
 <file path=ppt/slideLayouts/slideLayout9.xml><?xml version="1.0" encoding="utf-8"?>
-<p:sldLayout xmlns:a="http://schemas.openxmlformats.org/drawingml/2006/main" xmlns:r="http://schemas.openxmlformats.org/officeDocument/2006/relationships" xmlns:p="http://schemas.openxmlformats.org/presentationml/2006/main" type="tx" showMasterSp="1" showMasterPhAnim="1">
+<p:sldLayout xmlns:a="http://schemas.openxmlformats.org/drawingml/2006/main" xmlns:r="http://schemas.openxmlformats.org/officeDocument/2006/relationships" xmlns:p="http://schemas.openxmlformats.org/presentationml/2006/main" type="tx">
   <p:cSld name="照片 - 3 联">
     <p:spTree>
       <p:nvGrpSpPr>
@@ -2387,9 +2371,7 @@
             <a:noAutofit/>
           </a:bodyPr>
           <a:lstStyle/>
-          <a:p>
-            <a:pPr/>
-          </a:p>
+          <a:p/>
         </p:txBody>
       </p:sp>
       <p:sp>
@@ -2414,9 +2396,7 @@
             <a:noAutofit/>
           </a:bodyPr>
           <a:lstStyle/>
-          <a:p>
-            <a:pPr/>
-          </a:p>
+          <a:p/>
         </p:txBody>
       </p:sp>
       <p:sp>
@@ -2441,9 +2421,7 @@
             <a:noAutofit/>
           </a:bodyPr>
           <a:lstStyle/>
-          <a:p>
-            <a:pPr/>
-          </a:p>
+          <a:p/>
         </p:txBody>
       </p:sp>
       <p:sp>
@@ -2463,8 +2441,10 @@
           <a:bodyPr/>
           <a:lstStyle/>
           <a:p>
-            <a:pPr/>
-            <a:fld id="{86CB4B4D-7CA3-9044-876B-883B54F8677D}" type="slidenum"/>
+            <a:fld id="{86CB4B4D-7CA3-9044-876B-883B54F8677D}" type="slidenum">
+              <a:rPr/>
+            </a:fld>
+            <a:endParaRPr/>
           </a:p>
         </p:txBody>
       </p:sp>
@@ -2473,7 +2453,7 @@
   <p:clrMapOvr>
     <a:masterClrMapping/>
   </p:clrMapOvr>
-  <p:transition xmlns:p14="http://schemas.microsoft.com/office/powerpoint/2010/main" spd="med" advClick="1"/>
+  <p:transition spd="med"/>
 </p:sldLayout>
 </file>
 
@@ -2485,6 +2465,7 @@
         <a:solidFill>
           <a:srgbClr val="FFFFFF"/>
         </a:solidFill>
+        <a:effectLst/>
       </p:bgPr>
     </p:bg>
     <p:spTree>
@@ -2520,19 +2501,13 @@
           <a:ln w="12700">
             <a:miter lim="400000"/>
           </a:ln>
-          <a:extLst>
-            <a:ext uri="{C572A759-6A51-4108-AA02-DFA0A04FC94B}">
-              <ma14:wrappingTextBoxFlag xmlns:ma14="http://schemas.microsoft.com/office/mac/drawingml/2011/main" val="1"/>
-            </a:ext>
-          </a:extLst>
         </p:spPr>
         <p:txBody>
           <a:bodyPr lIns="50800" tIns="50800" rIns="50800" bIns="50800" anchor="ctr">
-            <a:normAutofit fontScale="100000" lnSpcReduction="0"/>
+            <a:normAutofit/>
           </a:bodyPr>
           <a:lstStyle/>
           <a:p>
-            <a:pPr/>
             <a:r>
               <a:t>标题文本</a:t>
             </a:r>
@@ -2558,19 +2533,13 @@
           <a:ln w="12700">
             <a:miter lim="400000"/>
           </a:ln>
-          <a:extLst>
-            <a:ext uri="{C572A759-6A51-4108-AA02-DFA0A04FC94B}">
-              <ma14:wrappingTextBoxFlag xmlns:ma14="http://schemas.microsoft.com/office/mac/drawingml/2011/main" val="1"/>
-            </a:ext>
-          </a:extLst>
         </p:spPr>
         <p:txBody>
           <a:bodyPr lIns="50800" tIns="50800" rIns="50800" bIns="50800" anchor="ctr">
-            <a:normAutofit fontScale="100000" lnSpcReduction="0"/>
+            <a:normAutofit/>
           </a:bodyPr>
           <a:lstStyle/>
           <a:p>
-            <a:pPr/>
             <a:r>
               <a:t>正文级别 1</a:t>
             </a:r>
@@ -2631,8 +2600,10 @@
             </a:lvl1pPr>
           </a:lstStyle>
           <a:p>
-            <a:pPr/>
-            <a:fld id="{86CB4B4D-7CA3-9044-876B-883B54F8677D}" type="slidenum"/>
+            <a:fld id="{86CB4B4D-7CA3-9044-876B-883B54F8677D}" type="slidenum">
+              <a:rPr/>
+            </a:fld>
+            <a:endParaRPr/>
           </a:p>
         </p:txBody>
       </p:sp>
@@ -2640,21 +2611,21 @@
   </p:cSld>
   <p:clrMap bg1="lt1" tx1="dk1" bg2="lt2" tx2="dk2" accent1="accent1" accent2="accent2" accent3="accent3" accent4="accent4" accent5="accent5" accent6="accent6" hlink="hlink" folHlink="folHlink"/>
   <p:sldLayoutIdLst>
-    <p:sldLayoutId id="2147483649" r:id="rId2"/>
-    <p:sldLayoutId id="2147483650" r:id="rId3"/>
-    <p:sldLayoutId id="2147483651" r:id="rId4"/>
-    <p:sldLayoutId id="2147483652" r:id="rId5"/>
-    <p:sldLayoutId id="2147483653" r:id="rId6"/>
-    <p:sldLayoutId id="2147483654" r:id="rId7"/>
-    <p:sldLayoutId id="2147483655" r:id="rId8"/>
-    <p:sldLayoutId id="2147483656" r:id="rId9"/>
-    <p:sldLayoutId id="2147483657" r:id="rId10"/>
-    <p:sldLayoutId id="2147483658" r:id="rId11"/>
-    <p:sldLayoutId id="2147483659" r:id="rId12"/>
-    <p:sldLayoutId id="2147483660" r:id="rId13"/>
-    <p:sldLayoutId id="2147483661" r:id="rId14"/>
+    <p:sldLayoutId id="2147483649" r:id="rId1"/>
+    <p:sldLayoutId id="2147483650" r:id="rId2"/>
+    <p:sldLayoutId id="2147483651" r:id="rId3"/>
+    <p:sldLayoutId id="2147483652" r:id="rId4"/>
+    <p:sldLayoutId id="2147483653" r:id="rId5"/>
+    <p:sldLayoutId id="2147483654" r:id="rId6"/>
+    <p:sldLayoutId id="2147483655" r:id="rId7"/>
+    <p:sldLayoutId id="2147483656" r:id="rId8"/>
+    <p:sldLayoutId id="2147483657" r:id="rId9"/>
+    <p:sldLayoutId id="2147483658" r:id="rId10"/>
+    <p:sldLayoutId id="2147483659" r:id="rId11"/>
+    <p:sldLayoutId id="2147483660" r:id="rId12"/>
+    <p:sldLayoutId id="2147483661" r:id="rId13"/>
   </p:sldLayoutIdLst>
-  <p:transition xmlns:p14="http://schemas.microsoft.com/office/powerpoint/2010/main" spd="med" advClick="1"/>
+  <p:transition spd="med"/>
   <p:txStyles>
     <p:titleStyle>
       <a:lvl1pPr marL="0" marR="0" indent="0" algn="ctr" defTabSz="825500" rtl="0" latinLnBrk="0">
@@ -2671,8 +2642,7 @@
         <a:buSzTx/>
         <a:buFontTx/>
         <a:buNone/>
-        <a:tabLst/>
-        <a:defRPr b="0" baseline="0" cap="none" i="0" spc="0" strike="noStrike" sz="11200" u="none">
+        <a:defRPr sz="11200" b="0" i="0" u="none" strike="noStrike" cap="none" spc="0" baseline="0">
           <a:ln>
             <a:noFill/>
           </a:ln>
@@ -2700,8 +2670,7 @@
         <a:buSzTx/>
         <a:buFontTx/>
         <a:buNone/>
-        <a:tabLst/>
-        <a:defRPr b="0" baseline="0" cap="none" i="0" spc="0" strike="noStrike" sz="11200" u="none">
+        <a:defRPr sz="11200" b="0" i="0" u="none" strike="noStrike" cap="none" spc="0" baseline="0">
           <a:ln>
             <a:noFill/>
           </a:ln>
@@ -2729,8 +2698,7 @@
         <a:buSzTx/>
         <a:buFontTx/>
         <a:buNone/>
-        <a:tabLst/>
-        <a:defRPr b="0" baseline="0" cap="none" i="0" spc="0" strike="noStrike" sz="11200" u="none">
+        <a:defRPr sz="11200" b="0" i="0" u="none" strike="noStrike" cap="none" spc="0" baseline="0">
           <a:ln>
             <a:noFill/>
           </a:ln>
@@ -2758,8 +2726,7 @@
         <a:buSzTx/>
         <a:buFontTx/>
         <a:buNone/>
-        <a:tabLst/>
-        <a:defRPr b="0" baseline="0" cap="none" i="0" spc="0" strike="noStrike" sz="11200" u="none">
+        <a:defRPr sz="11200" b="0" i="0" u="none" strike="noStrike" cap="none" spc="0" baseline="0">
           <a:ln>
             <a:noFill/>
           </a:ln>
@@ -2787,8 +2754,7 @@
         <a:buSzTx/>
         <a:buFontTx/>
         <a:buNone/>
-        <a:tabLst/>
-        <a:defRPr b="0" baseline="0" cap="none" i="0" spc="0" strike="noStrike" sz="11200" u="none">
+        <a:defRPr sz="11200" b="0" i="0" u="none" strike="noStrike" cap="none" spc="0" baseline="0">
           <a:ln>
             <a:noFill/>
           </a:ln>
@@ -2816,8 +2782,7 @@
         <a:buSzTx/>
         <a:buFontTx/>
         <a:buNone/>
-        <a:tabLst/>
-        <a:defRPr b="0" baseline="0" cap="none" i="0" spc="0" strike="noStrike" sz="11200" u="none">
+        <a:defRPr sz="11200" b="0" i="0" u="none" strike="noStrike" cap="none" spc="0" baseline="0">
           <a:ln>
             <a:noFill/>
           </a:ln>
@@ -2845,8 +2810,7 @@
         <a:buSzTx/>
         <a:buFontTx/>
         <a:buNone/>
-        <a:tabLst/>
-        <a:defRPr b="0" baseline="0" cap="none" i="0" spc="0" strike="noStrike" sz="11200" u="none">
+        <a:defRPr sz="11200" b="0" i="0" u="none" strike="noStrike" cap="none" spc="0" baseline="0">
           <a:ln>
             <a:noFill/>
           </a:ln>
@@ -2874,8 +2838,7 @@
         <a:buSzTx/>
         <a:buFontTx/>
         <a:buNone/>
-        <a:tabLst/>
-        <a:defRPr b="0" baseline="0" cap="none" i="0" spc="0" strike="noStrike" sz="11200" u="none">
+        <a:defRPr sz="11200" b="0" i="0" u="none" strike="noStrike" cap="none" spc="0" baseline="0">
           <a:ln>
             <a:noFill/>
           </a:ln>
@@ -2903,8 +2866,7 @@
         <a:buSzTx/>
         <a:buFontTx/>
         <a:buNone/>
-        <a:tabLst/>
-        <a:defRPr b="0" baseline="0" cap="none" i="0" spc="0" strike="noStrike" sz="11200" u="none">
+        <a:defRPr sz="11200" b="0" i="0" u="none" strike="noStrike" cap="none" spc="0" baseline="0">
           <a:ln>
             <a:noFill/>
           </a:ln>
@@ -2934,8 +2896,7 @@
         <a:buSzPct val="75000"/>
         <a:buFontTx/>
         <a:buChar char="•"/>
-        <a:tabLst/>
-        <a:defRPr b="0" baseline="0" cap="none" i="0" spc="0" strike="noStrike" sz="5200" u="none">
+        <a:defRPr sz="5200" b="0" i="0" u="none" strike="noStrike" cap="none" spc="0" baseline="0">
           <a:ln>
             <a:noFill/>
           </a:ln>
@@ -2963,8 +2924,7 @@
         <a:buSzPct val="75000"/>
         <a:buFontTx/>
         <a:buChar char="•"/>
-        <a:tabLst/>
-        <a:defRPr b="0" baseline="0" cap="none" i="0" spc="0" strike="noStrike" sz="5200" u="none">
+        <a:defRPr sz="5200" b="0" i="0" u="none" strike="noStrike" cap="none" spc="0" baseline="0">
           <a:ln>
             <a:noFill/>
           </a:ln>
@@ -2992,8 +2952,7 @@
         <a:buSzPct val="75000"/>
         <a:buFontTx/>
         <a:buChar char="•"/>
-        <a:tabLst/>
-        <a:defRPr b="0" baseline="0" cap="none" i="0" spc="0" strike="noStrike" sz="5200" u="none">
+        <a:defRPr sz="5200" b="0" i="0" u="none" strike="noStrike" cap="none" spc="0" baseline="0">
           <a:ln>
             <a:noFill/>
           </a:ln>
@@ -3021,8 +2980,7 @@
         <a:buSzPct val="75000"/>
         <a:buFontTx/>
         <a:buChar char="•"/>
-        <a:tabLst/>
-        <a:defRPr b="0" baseline="0" cap="none" i="0" spc="0" strike="noStrike" sz="5200" u="none">
+        <a:defRPr sz="5200" b="0" i="0" u="none" strike="noStrike" cap="none" spc="0" baseline="0">
           <a:ln>
             <a:noFill/>
           </a:ln>
@@ -3050,8 +3008,7 @@
         <a:buSzPct val="75000"/>
         <a:buFontTx/>
         <a:buChar char="•"/>
-        <a:tabLst/>
-        <a:defRPr b="0" baseline="0" cap="none" i="0" spc="0" strike="noStrike" sz="5200" u="none">
+        <a:defRPr sz="5200" b="0" i="0" u="none" strike="noStrike" cap="none" spc="0" baseline="0">
           <a:ln>
             <a:noFill/>
           </a:ln>
@@ -3079,8 +3036,7 @@
         <a:buSzPct val="75000"/>
         <a:buFontTx/>
         <a:buChar char="•"/>
-        <a:tabLst/>
-        <a:defRPr b="0" baseline="0" cap="none" i="0" spc="0" strike="noStrike" sz="5200" u="none">
+        <a:defRPr sz="5200" b="0" i="0" u="none" strike="noStrike" cap="none" spc="0" baseline="0">
           <a:ln>
             <a:noFill/>
           </a:ln>
@@ -3108,8 +3064,7 @@
         <a:buSzPct val="75000"/>
         <a:buFontTx/>
         <a:buChar char="•"/>
-        <a:tabLst/>
-        <a:defRPr b="0" baseline="0" cap="none" i="0" spc="0" strike="noStrike" sz="5200" u="none">
+        <a:defRPr sz="5200" b="0" i="0" u="none" strike="noStrike" cap="none" spc="0" baseline="0">
           <a:ln>
             <a:noFill/>
           </a:ln>
@@ -3137,8 +3092,7 @@
         <a:buSzPct val="75000"/>
         <a:buFontTx/>
         <a:buChar char="•"/>
-        <a:tabLst/>
-        <a:defRPr b="0" baseline="0" cap="none" i="0" spc="0" strike="noStrike" sz="5200" u="none">
+        <a:defRPr sz="5200" b="0" i="0" u="none" strike="noStrike" cap="none" spc="0" baseline="0">
           <a:ln>
             <a:noFill/>
           </a:ln>
@@ -3166,8 +3120,7 @@
         <a:buSzPct val="75000"/>
         <a:buFontTx/>
         <a:buChar char="•"/>
-        <a:tabLst/>
-        <a:defRPr b="0" baseline="0" cap="none" i="0" spc="0" strike="noStrike" sz="5200" u="none">
+        <a:defRPr sz="5200" b="0" i="0" u="none" strike="noStrike" cap="none" spc="0" baseline="0">
           <a:ln>
             <a:noFill/>
           </a:ln>
@@ -3197,8 +3150,7 @@
         <a:buSzTx/>
         <a:buFontTx/>
         <a:buNone/>
-        <a:tabLst/>
-        <a:defRPr b="0" baseline="0" cap="none" i="0" spc="0" strike="noStrike" sz="2400" u="none">
+        <a:defRPr sz="2400" b="0" i="0" u="none" strike="noStrike" cap="none" spc="0" baseline="0">
           <a:ln>
             <a:noFill/>
           </a:ln>
@@ -3226,8 +3178,7 @@
         <a:buSzTx/>
         <a:buFontTx/>
         <a:buNone/>
-        <a:tabLst/>
-        <a:defRPr b="0" baseline="0" cap="none" i="0" spc="0" strike="noStrike" sz="2400" u="none">
+        <a:defRPr sz="2400" b="0" i="0" u="none" strike="noStrike" cap="none" spc="0" baseline="0">
           <a:ln>
             <a:noFill/>
           </a:ln>
@@ -3255,8 +3206,7 @@
         <a:buSzTx/>
         <a:buFontTx/>
         <a:buNone/>
-        <a:tabLst/>
-        <a:defRPr b="0" baseline="0" cap="none" i="0" spc="0" strike="noStrike" sz="2400" u="none">
+        <a:defRPr sz="2400" b="0" i="0" u="none" strike="noStrike" cap="none" spc="0" baseline="0">
           <a:ln>
             <a:noFill/>
           </a:ln>
@@ -3284,8 +3234,7 @@
         <a:buSzTx/>
         <a:buFontTx/>
         <a:buNone/>
-        <a:tabLst/>
-        <a:defRPr b="0" baseline="0" cap="none" i="0" spc="0" strike="noStrike" sz="2400" u="none">
+        <a:defRPr sz="2400" b="0" i="0" u="none" strike="noStrike" cap="none" spc="0" baseline="0">
           <a:ln>
             <a:noFill/>
           </a:ln>
@@ -3313,8 +3262,7 @@
         <a:buSzTx/>
         <a:buFontTx/>
         <a:buNone/>
-        <a:tabLst/>
-        <a:defRPr b="0" baseline="0" cap="none" i="0" spc="0" strike="noStrike" sz="2400" u="none">
+        <a:defRPr sz="2400" b="0" i="0" u="none" strike="noStrike" cap="none" spc="0" baseline="0">
           <a:ln>
             <a:noFill/>
           </a:ln>
@@ -3342,8 +3290,7 @@
         <a:buSzTx/>
         <a:buFontTx/>
         <a:buNone/>
-        <a:tabLst/>
-        <a:defRPr b="0" baseline="0" cap="none" i="0" spc="0" strike="noStrike" sz="2400" u="none">
+        <a:defRPr sz="2400" b="0" i="0" u="none" strike="noStrike" cap="none" spc="0" baseline="0">
           <a:ln>
             <a:noFill/>
           </a:ln>
@@ -3371,8 +3318,7 @@
         <a:buSzTx/>
         <a:buFontTx/>
         <a:buNone/>
-        <a:tabLst/>
-        <a:defRPr b="0" baseline="0" cap="none" i="0" spc="0" strike="noStrike" sz="2400" u="none">
+        <a:defRPr sz="2400" b="0" i="0" u="none" strike="noStrike" cap="none" spc="0" baseline="0">
           <a:ln>
             <a:noFill/>
           </a:ln>
@@ -3400,8 +3346,7 @@
         <a:buSzTx/>
         <a:buFontTx/>
         <a:buNone/>
-        <a:tabLst/>
-        <a:defRPr b="0" baseline="0" cap="none" i="0" spc="0" strike="noStrike" sz="2400" u="none">
+        <a:defRPr sz="2400" b="0" i="0" u="none" strike="noStrike" cap="none" spc="0" baseline="0">
           <a:ln>
             <a:noFill/>
           </a:ln>
@@ -3429,8 +3374,7 @@
         <a:buSzTx/>
         <a:buFontTx/>
         <a:buNone/>
-        <a:tabLst/>
-        <a:defRPr b="0" baseline="0" cap="none" i="0" spc="0" strike="noStrike" sz="2400" u="none">
+        <a:defRPr sz="2400" b="0" i="0" u="none" strike="noStrike" cap="none" spc="0" baseline="0">
           <a:ln>
             <a:noFill/>
           </a:ln>
@@ -3450,7 +3394,7 @@
 </file>
 
 <file path=ppt/slides/slide1.xml><?xml version="1.0" encoding="utf-8"?>
-<p:sld xmlns:a="http://schemas.openxmlformats.org/drawingml/2006/main" xmlns:r="http://schemas.openxmlformats.org/officeDocument/2006/relationships" xmlns:p="http://schemas.openxmlformats.org/presentationml/2006/main" showMasterSp="1" showMasterPhAnim="1">
+<p:sld xmlns:a="http://schemas.openxmlformats.org/drawingml/2006/main" xmlns:r="http://schemas.openxmlformats.org/officeDocument/2006/relationships" xmlns:p="http://schemas.openxmlformats.org/presentationml/2006/main">
   <p:cSld>
     <p:spTree>
       <p:nvGrpSpPr>
@@ -3487,15 +3431,8 @@
           <a:bodyPr/>
           <a:lstStyle/>
           <a:p>
-            <a:pPr/>
             <a:r>
               <a:t>Software Engineering</a:t>
-            </a:r>
-          </a:p>
-          <a:p>
-            <a:pPr/>
-            <a:r>
-              <a:t>码农的自我修养</a:t>
             </a:r>
           </a:p>
         </p:txBody>
@@ -3521,7 +3458,6 @@
           <a:bodyPr/>
           <a:lstStyle/>
           <a:p>
-            <a:pPr/>
             <a:r>
               <a:t>孟宁</a:t>
             </a:r>
@@ -3537,9 +3473,7 @@
           <p:nvPr/>
         </p:nvPicPr>
         <p:blipFill>
-          <a:blip r:embed="rId2">
-            <a:extLst/>
-          </a:blip>
+          <a:blip r:embed="rId1"/>
           <a:stretch>
             <a:fillRect/>
           </a:stretch>
@@ -3554,6 +3488,8 @@
           </a:prstGeom>
           <a:ln w="12700">
             <a:miter lim="400000"/>
+            <a:headEnd/>
+            <a:tailEnd/>
           </a:ln>
         </p:spPr>
       </p:pic>
@@ -3574,11 +3510,6 @@
           <a:ln w="12700">
             <a:miter lim="400000"/>
           </a:ln>
-          <a:extLst>
-            <a:ext uri="{C572A759-6A51-4108-AA02-DFA0A04FC94B}">
-              <ma14:wrappingTextBoxFlag xmlns:ma14="http://schemas.microsoft.com/office/mac/drawingml/2011/main" val="1"/>
-            </a:ext>
-          </a:extLst>
         </p:spPr>
         <p:txBody>
           <a:bodyPr wrap="none" lIns="50800" tIns="50800" rIns="50800" bIns="50800" anchor="ctr">
@@ -3590,7 +3521,6 @@
             </a:lvl1pPr>
           </a:lstStyle>
           <a:p>
-            <a:pPr/>
             <a:r>
               <a:t>关注孟宁</a:t>
             </a:r>
@@ -3602,12 +3532,12 @@
   <p:clrMapOvr>
     <a:masterClrMapping/>
   </p:clrMapOvr>
-  <p:transition xmlns:p14="http://schemas.microsoft.com/office/powerpoint/2010/main" spd="med" advClick="1"/>
+  <p:transition spd="med"/>
 </p:sld>
 </file>
 
 <file path=ppt/slides/slide10.xml><?xml version="1.0" encoding="utf-8"?>
-<p:sld xmlns:a="http://schemas.openxmlformats.org/drawingml/2006/main" xmlns:r="http://schemas.openxmlformats.org/officeDocument/2006/relationships" xmlns:p="http://schemas.openxmlformats.org/presentationml/2006/main" showMasterSp="1" showMasterPhAnim="1">
+<p:sld xmlns:a="http://schemas.openxmlformats.org/drawingml/2006/main" xmlns:r="http://schemas.openxmlformats.org/officeDocument/2006/relationships" xmlns:p="http://schemas.openxmlformats.org/presentationml/2006/main">
   <p:cSld>
     <p:spTree>
       <p:nvGrpSpPr>
@@ -3651,6 +3581,7 @@
               <a:rPr b="1"/>
               <a:t>为啥要做难的项目？</a:t>
             </a:r>
+            <a:endParaRPr b="1"/>
           </a:p>
         </p:txBody>
       </p:sp>
@@ -3675,78 +3606,11 @@
           <a:bodyPr/>
           <a:lstStyle/>
           <a:p>
-            <a:pPr/>
-            <a:r>
-              <a:rPr u="sng">
-                <a:solidFill>
-                  <a:srgbClr val="168BBA"/>
-                </a:solidFill>
-                <a:uFill>
-                  <a:solidFill>
-                    <a:srgbClr val="168BBA"/>
-                  </a:solidFill>
-                </a:uFill>
-                <a:hlinkClick r:id="rId2" invalidUrl="" action="" tgtFrame="" tooltip="" history="1" highlightClick="0" endSnd="0"/>
-              </a:rPr>
-              <a:t>请先看视频</a:t>
-            </a:r>
-          </a:p>
-          <a:p>
-            <a:pPr/>
-          </a:p>
-          <a:p>
-            <a:pPr/>
-            <a:r>
-              <a:rPr u="sng">
-                <a:solidFill>
-                  <a:srgbClr val="168BBA"/>
-                </a:solidFill>
-                <a:uFill>
-                  <a:solidFill>
-                    <a:srgbClr val="168BBA"/>
-                  </a:solidFill>
-                </a:uFill>
-                <a:hlinkClick r:id="rId2" invalidUrl="" action="" tgtFrame="" tooltip="" history="1" highlightClick="0" endSnd="0"/>
-              </a:rPr>
-              <a:t>http</a:t>
-            </a:r>
-            <a:r>
-              <a:rPr u="sng">
-                <a:solidFill>
-                  <a:srgbClr val="168BBA"/>
-                </a:solidFill>
-                <a:uFill>
-                  <a:solidFill>
-                    <a:srgbClr val="168BBA"/>
-                  </a:solidFill>
-                </a:uFill>
-                <a:hlinkClick r:id="rId2" invalidUrl="" action="" tgtFrame="" tooltip="" history="1" highlightClick="0" endSnd="0"/>
-              </a:rPr>
-              <a:t>://</a:t>
-            </a:r>
-            <a:r>
-              <a:rPr u="sng">
-                <a:solidFill>
-                  <a:srgbClr val="168BBA"/>
-                </a:solidFill>
-                <a:uFill>
-                  <a:solidFill>
-                    <a:srgbClr val="168BBA"/>
-                  </a:solidFill>
-                </a:uFill>
-                <a:hlinkClick r:id="rId2" invalidUrl="" action="" tgtFrame="" tooltip="" history="1" highlightClick="0" endSnd="0"/>
-              </a:rPr>
-              <a:t>weibo.com/tv/v/F6Udt9Say?fid=1034:8003d777aa3f955d0a2d22dfe63bf02e</a:t>
-            </a:r>
-            <a:r>
-              <a:t>  </a:t>
-            </a:r>
-          </a:p>
-          <a:p>
-            <a:pPr/>
-          </a:p>
-          <a:p>
-            <a:pPr/>
+            <a:pPr marL="118745" indent="0">
+              <a:buNone/>
+            </a:pPr>
+          </a:p>
+          <a:p>
             <a:r>
               <a:t>“</a:t>
             </a:r>
@@ -3758,7 +3622,6 @@
             </a:r>
           </a:p>
           <a:p>
-            <a:pPr/>
             <a:r>
               <a:t>因为你的项目水太浅！</a:t>
             </a:r>
@@ -3770,12 +3633,19 @@
   <p:clrMapOvr>
     <a:masterClrMapping/>
   </p:clrMapOvr>
-  <p:transition xmlns:p14="http://schemas.microsoft.com/office/powerpoint/2010/main" spd="med" advClick="1" p14:dur="1000"/>
+  <mc:AlternateContent xmlns:mc="http://schemas.openxmlformats.org/markup-compatibility/2006">
+    <mc:Choice xmlns:p14="http://schemas.microsoft.com/office/powerpoint/2010/main" Requires="p14">
+      <p:transition spd="med" p14:dur="1000"/>
+    </mc:Choice>
+    <mc:Fallback>
+      <p:transition spd="med"/>
+    </mc:Fallback>
+  </mc:AlternateContent>
 </p:sld>
 </file>
 
 <file path=ppt/slides/slide11.xml><?xml version="1.0" encoding="utf-8"?>
-<p:sld xmlns:a="http://schemas.openxmlformats.org/drawingml/2006/main" xmlns:r="http://schemas.openxmlformats.org/officeDocument/2006/relationships" xmlns:p="http://schemas.openxmlformats.org/presentationml/2006/main" showMasterSp="1" showMasterPhAnim="1">
+<p:sld xmlns:a="http://schemas.openxmlformats.org/drawingml/2006/main" xmlns:r="http://schemas.openxmlformats.org/officeDocument/2006/relationships" xmlns:p="http://schemas.openxmlformats.org/presentationml/2006/main">
   <p:cSld>
     <p:spTree>
       <p:nvGrpSpPr>
@@ -3808,7 +3678,6 @@
           <a:bodyPr/>
           <a:lstStyle/>
           <a:p>
-            <a:pPr/>
             <a:r>
               <a:t>I want to teach SE this way</a:t>
             </a:r>
@@ -3843,7 +3712,7 @@
             </a:r>
           </a:p>
           <a:p>
-            <a:pPr lvl="1" marL="1016000" indent="-508000" defTabSz="660400">
+            <a:pPr marL="1016000" lvl="1" indent="-508000" defTabSz="660400">
               <a:spcBef>
                 <a:spcPts val="4700"/>
               </a:spcBef>
@@ -3887,7 +3756,7 @@
             </a:r>
           </a:p>
           <a:p>
-            <a:pPr lvl="1" marL="1016000" indent="-508000" defTabSz="660400">
+            <a:pPr marL="1016000" lvl="1" indent="-508000" defTabSz="660400">
               <a:spcBef>
                 <a:spcPts val="4700"/>
               </a:spcBef>
@@ -3898,7 +3767,7 @@
             </a:r>
           </a:p>
           <a:p>
-            <a:pPr lvl="1" marL="1016000" indent="-508000" defTabSz="660400">
+            <a:pPr marL="1016000" lvl="1" indent="-508000" defTabSz="660400">
               <a:spcBef>
                 <a:spcPts val="4700"/>
               </a:spcBef>
@@ -3915,12 +3784,19 @@
   <p:clrMapOvr>
     <a:masterClrMapping/>
   </p:clrMapOvr>
-  <p:transition xmlns:p14="http://schemas.microsoft.com/office/powerpoint/2010/main" spd="med" advClick="1" p14:dur="1000"/>
+  <mc:AlternateContent xmlns:mc="http://schemas.openxmlformats.org/markup-compatibility/2006">
+    <mc:Choice xmlns:p14="http://schemas.microsoft.com/office/powerpoint/2010/main" Requires="p14">
+      <p:transition spd="med" p14:dur="1000"/>
+    </mc:Choice>
+    <mc:Fallback>
+      <p:transition spd="med"/>
+    </mc:Fallback>
+  </mc:AlternateContent>
 </p:sld>
 </file>
 
 <file path=ppt/slides/slide12.xml><?xml version="1.0" encoding="utf-8"?>
-<p:sld xmlns:a="http://schemas.openxmlformats.org/drawingml/2006/main" xmlns:r="http://schemas.openxmlformats.org/officeDocument/2006/relationships" xmlns:p="http://schemas.openxmlformats.org/presentationml/2006/main" showMasterSp="1" showMasterPhAnim="1">
+<p:sld xmlns:a="http://schemas.openxmlformats.org/drawingml/2006/main" xmlns:r="http://schemas.openxmlformats.org/officeDocument/2006/relationships" xmlns:p="http://schemas.openxmlformats.org/presentationml/2006/main">
   <p:cSld>
     <p:spTree>
       <p:nvGrpSpPr>
@@ -3953,7 +3829,6 @@
           <a:bodyPr/>
           <a:lstStyle/>
           <a:p>
-            <a:pPr/>
             <a:r>
               <a:rPr b="1"/>
               <a:t>大学教育 </a:t>
@@ -3965,6 +3840,7 @@
               <a:rPr b="1"/>
               <a:t>行业培训</a:t>
             </a:r>
+            <a:endParaRPr b="1"/>
           </a:p>
         </p:txBody>
       </p:sp>
@@ -3977,6 +3853,10 @@
           </p:nvPr>
         </p:nvSpPr>
         <p:spPr>
+          <a:xfrm>
+            <a:off x="3962400" y="3550382"/>
+            <a:ext cx="16459200" cy="9251219"/>
+          </a:xfrm>
           <a:prstGeom prst="rect">
             <a:avLst/>
           </a:prstGeom>
@@ -3996,7 +3876,7 @@
             </a:r>
           </a:p>
           <a:p>
-            <a:pPr lvl="1" marL="1005839" indent="-548639">
+            <a:pPr marL="1005840" lvl="1" indent="-548640">
               <a:lnSpc>
                 <a:spcPct val="96000"/>
               </a:lnSpc>
@@ -4006,7 +3886,7 @@
               <a:buClr>
                 <a:srgbClr val="60B5CC"/>
               </a:buClr>
-              <a:buFont typeface="Wingdings"/>
+              <a:buFont typeface="Wingdings" panose="05000000000000000000"/>
               <a:defRPr sz="3000"/>
             </a:pPr>
             <a:r>
@@ -4014,7 +3894,7 @@
             </a:r>
           </a:p>
           <a:p>
-            <a:pPr lvl="1" marL="1005839" indent="-548639">
+            <a:pPr marL="1005840" lvl="1" indent="-548640">
               <a:lnSpc>
                 <a:spcPct val="96000"/>
               </a:lnSpc>
@@ -4024,16 +3904,17 @@
               <a:buClr>
                 <a:srgbClr val="60B5CC"/>
               </a:buClr>
-              <a:buFont typeface="Wingdings"/>
+              <a:buFont typeface="Wingdings" panose="05000000000000000000"/>
               <a:defRPr sz="3000"/>
             </a:pPr>
             <a:r>
               <a:rPr b="1"/>
               <a:t>课堂练习：请翻译上面这句话</a:t>
             </a:r>
-          </a:p>
-          <a:p>
-            <a:pPr lvl="1" marL="1005839" indent="-548639">
+            <a:endParaRPr b="1"/>
+          </a:p>
+          <a:p>
+            <a:pPr marL="1005840" lvl="1" indent="-548640">
               <a:lnSpc>
                 <a:spcPct val="96000"/>
               </a:lnSpc>
@@ -4043,7 +3924,7 @@
               <a:buClr>
                 <a:srgbClr val="60B5CC"/>
               </a:buClr>
-              <a:buFont typeface="Wingdings"/>
+              <a:buFont typeface="Wingdings" panose="05000000000000000000"/>
               <a:defRPr sz="3000"/>
             </a:pPr>
             <a:r>
@@ -4065,7 +3946,7 @@
             </a:r>
           </a:p>
           <a:p>
-            <a:pPr lvl="1" marL="1005839" indent="-548639">
+            <a:pPr marL="1005840" lvl="1" indent="-548640">
               <a:lnSpc>
                 <a:spcPct val="96000"/>
               </a:lnSpc>
@@ -4075,7 +3956,7 @@
               <a:buClr>
                 <a:srgbClr val="60B5CC"/>
               </a:buClr>
-              <a:buFont typeface="Wingdings"/>
+              <a:buFont typeface="Wingdings" panose="05000000000000000000"/>
               <a:defRPr sz="3000"/>
             </a:pPr>
             <a:r>
@@ -4083,7 +3964,7 @@
             </a:r>
           </a:p>
           <a:p>
-            <a:pPr lvl="1" marL="1005839" indent="-548639">
+            <a:pPr marL="1005840" lvl="1" indent="-548640">
               <a:lnSpc>
                 <a:spcPct val="96000"/>
               </a:lnSpc>
@@ -4093,7 +3974,7 @@
               <a:buClr>
                 <a:srgbClr val="60B5CC"/>
               </a:buClr>
-              <a:buFont typeface="Wingdings"/>
+              <a:buFont typeface="Wingdings" panose="05000000000000000000"/>
               <a:defRPr sz="3000"/>
             </a:pPr>
             <a:r>
@@ -4112,7 +3993,7 @@
             </a:r>
           </a:p>
           <a:p>
-            <a:pPr lvl="1" marL="1005839" indent="-548639">
+            <a:pPr marL="1005840" lvl="1" indent="-548640">
               <a:lnSpc>
                 <a:spcPct val="96000"/>
               </a:lnSpc>
@@ -4122,7 +4003,7 @@
               <a:buClr>
                 <a:srgbClr val="60B5CC"/>
               </a:buClr>
-              <a:buFont typeface="Wingdings"/>
+              <a:buFont typeface="Wingdings" panose="05000000000000000000"/>
               <a:defRPr sz="3000"/>
             </a:pPr>
             <a:r>
@@ -4130,7 +4011,7 @@
             </a:r>
           </a:p>
           <a:p>
-            <a:pPr lvl="1" marL="1005839" indent="-548639">
+            <a:pPr marL="1005840" lvl="1" indent="-548640">
               <a:lnSpc>
                 <a:spcPct val="96000"/>
               </a:lnSpc>
@@ -4140,7 +4021,7 @@
               <a:buClr>
                 <a:srgbClr val="60B5CC"/>
               </a:buClr>
-              <a:buFont typeface="Wingdings"/>
+              <a:buFont typeface="Wingdings" panose="05000000000000000000"/>
               <a:defRPr sz="3000"/>
             </a:pPr>
             <a:r>
@@ -4148,7 +4029,7 @@
             </a:r>
           </a:p>
           <a:p>
-            <a:pPr lvl="1" marL="1005839" indent="-548639">
+            <a:pPr marL="1005840" lvl="1" indent="-548640">
               <a:lnSpc>
                 <a:spcPct val="96000"/>
               </a:lnSpc>
@@ -4158,7 +4039,7 @@
               <a:buClr>
                 <a:srgbClr val="60B5CC"/>
               </a:buClr>
-              <a:buFont typeface="Wingdings"/>
+              <a:buFont typeface="Wingdings" panose="05000000000000000000"/>
               <a:defRPr sz="3000"/>
             </a:pPr>
           </a:p>
@@ -4186,7 +4067,7 @@
             </a:r>
           </a:p>
           <a:p>
-            <a:pPr lvl="2" marL="1225296" indent="-457200">
+            <a:pPr marL="1225550" lvl="2" indent="-457200">
               <a:lnSpc>
                 <a:spcPct val="96000"/>
               </a:lnSpc>
@@ -4196,7 +4077,7 @@
               <a:buClr>
                 <a:srgbClr val="E66C7D"/>
               </a:buClr>
-              <a:buFont typeface="Arial"/>
+              <a:buFont typeface="Arial" panose="020B0604020202020204"/>
               <a:defRPr sz="2600"/>
             </a:pPr>
             <a:r>
@@ -4204,7 +4085,7 @@
             </a:r>
           </a:p>
           <a:p>
-            <a:pPr lvl="2" marL="1225296" indent="-457200">
+            <a:pPr marL="1225550" lvl="2" indent="-457200">
               <a:lnSpc>
                 <a:spcPct val="96000"/>
               </a:lnSpc>
@@ -4214,7 +4095,7 @@
               <a:buClr>
                 <a:srgbClr val="E66C7D"/>
               </a:buClr>
-              <a:buFont typeface="Arial"/>
+              <a:buFont typeface="Arial" panose="020B0604020202020204"/>
               <a:defRPr sz="2600"/>
             </a:pPr>
             <a:r>
@@ -4252,7 +4133,7 @@
             </a:r>
           </a:p>
           <a:p>
-            <a:pPr lvl="2" marL="1225296" indent="-457200">
+            <a:pPr marL="1225550" lvl="2" indent="-457200">
               <a:lnSpc>
                 <a:spcPct val="96000"/>
               </a:lnSpc>
@@ -4262,7 +4143,7 @@
               <a:buClr>
                 <a:srgbClr val="E66C7D"/>
               </a:buClr>
-              <a:buFont typeface="Arial"/>
+              <a:buFont typeface="Arial" panose="020B0604020202020204"/>
               <a:defRPr sz="2600"/>
             </a:pPr>
             <a:r>
@@ -4276,12 +4157,19 @@
   <p:clrMapOvr>
     <a:masterClrMapping/>
   </p:clrMapOvr>
-  <p:transition xmlns:p14="http://schemas.microsoft.com/office/powerpoint/2010/main" spd="med" advClick="1" p14:dur="1000"/>
+  <mc:AlternateContent xmlns:mc="http://schemas.openxmlformats.org/markup-compatibility/2006">
+    <mc:Choice xmlns:p14="http://schemas.microsoft.com/office/powerpoint/2010/main" Requires="p14">
+      <p:transition spd="med" p14:dur="1000"/>
+    </mc:Choice>
+    <mc:Fallback>
+      <p:transition spd="med"/>
+    </mc:Fallback>
+  </mc:AlternateContent>
 </p:sld>
 </file>
 
 <file path=ppt/slides/slide13.xml><?xml version="1.0" encoding="utf-8"?>
-<p:sld xmlns:a="http://schemas.openxmlformats.org/drawingml/2006/main" xmlns:r="http://schemas.openxmlformats.org/officeDocument/2006/relationships" xmlns:p="http://schemas.openxmlformats.org/presentationml/2006/main" showMasterSp="1" showMasterPhAnim="1">
+<p:sld xmlns:a="http://schemas.openxmlformats.org/drawingml/2006/main" xmlns:r="http://schemas.openxmlformats.org/officeDocument/2006/relationships" xmlns:p="http://schemas.openxmlformats.org/presentationml/2006/main">
   <p:cSld>
     <p:spTree>
       <p:nvGrpSpPr>
@@ -4318,7 +4206,6 @@
             </a:lvl1pPr>
           </a:lstStyle>
           <a:p>
-            <a:pPr/>
             <a:r>
               <a:t>What is Software Engineering（SE）</a:t>
             </a:r>
@@ -4342,19 +4229,16 @@
           <a:bodyPr/>
           <a:lstStyle/>
           <a:p>
-            <a:pPr/>
             <a:r>
               <a:t>Program = data structure + algorithm</a:t>
             </a:r>
           </a:p>
           <a:p>
-            <a:pPr/>
             <a:r>
               <a:t>Software = Program + Software Engineering</a:t>
             </a:r>
           </a:p>
           <a:p>
-            <a:pPr/>
             <a:r>
               <a:t>Software Company = Software + Business Model</a:t>
             </a:r>
@@ -4366,12 +4250,19 @@
   <p:clrMapOvr>
     <a:masterClrMapping/>
   </p:clrMapOvr>
-  <p:transition xmlns:p14="http://schemas.microsoft.com/office/powerpoint/2010/main" spd="med" advClick="1" p14:dur="1000"/>
+  <mc:AlternateContent xmlns:mc="http://schemas.openxmlformats.org/markup-compatibility/2006">
+    <mc:Choice xmlns:p14="http://schemas.microsoft.com/office/powerpoint/2010/main" Requires="p14">
+      <p:transition spd="med" p14:dur="1000"/>
+    </mc:Choice>
+    <mc:Fallback>
+      <p:transition spd="med"/>
+    </mc:Fallback>
+  </mc:AlternateContent>
 </p:sld>
 </file>
 
 <file path=ppt/slides/slide14.xml><?xml version="1.0" encoding="utf-8"?>
-<p:sld xmlns:a="http://schemas.openxmlformats.org/drawingml/2006/main" xmlns:r="http://schemas.openxmlformats.org/officeDocument/2006/relationships" xmlns:p="http://schemas.openxmlformats.org/presentationml/2006/main" showMasterSp="1" showMasterPhAnim="1">
+<p:sld xmlns:a="http://schemas.openxmlformats.org/drawingml/2006/main" xmlns:r="http://schemas.openxmlformats.org/officeDocument/2006/relationships" xmlns:p="http://schemas.openxmlformats.org/presentationml/2006/main">
   <p:cSld>
     <p:spTree>
       <p:nvGrpSpPr>
@@ -4404,7 +4295,6 @@
           <a:bodyPr/>
           <a:lstStyle/>
           <a:p>
-            <a:pPr/>
             <a:r>
               <a:t>What is SE in Waterfall Model</a:t>
             </a:r>
@@ -4428,77 +4318,77 @@
           <a:bodyPr/>
           <a:lstStyle/>
           <a:p>
-            <a:pPr marL="482600" indent="-482600" defTabSz="627379">
+            <a:pPr marL="482600" indent="-482600" defTabSz="627380">
               <a:spcBef>
                 <a:spcPts val="4400"/>
               </a:spcBef>
-              <a:defRPr sz="3952"/>
+              <a:defRPr sz="3950"/>
             </a:pPr>
             <a:r>
               <a:t>需求分析：分析现有软件,  用你们写的软件的用户量来证明你了解用户的需求</a:t>
             </a:r>
           </a:p>
           <a:p>
-            <a:pPr marL="482600" indent="-482600" defTabSz="627379">
+            <a:pPr marL="482600" indent="-482600" defTabSz="627380">
               <a:spcBef>
                 <a:spcPts val="4400"/>
               </a:spcBef>
-              <a:defRPr sz="3952"/>
+              <a:defRPr sz="3950"/>
             </a:pPr>
             <a:r>
               <a:t>设计阶段：用快速发布来证明设计是有效的,  能适应变化的。</a:t>
             </a:r>
           </a:p>
           <a:p>
-            <a:pPr marL="482600" indent="-482600" defTabSz="627379">
+            <a:pPr marL="482600" indent="-482600" defTabSz="627380">
               <a:spcBef>
                 <a:spcPts val="4400"/>
               </a:spcBef>
-              <a:defRPr sz="3952"/>
+              <a:defRPr sz="3950"/>
             </a:pPr>
             <a:r>
               <a:t>实现阶段：用各种软件工程的衡量手段来证明大家实现的能力。</a:t>
             </a:r>
           </a:p>
           <a:p>
-            <a:pPr marL="482600" indent="-482600" defTabSz="627379">
+            <a:pPr marL="482600" indent="-482600" defTabSz="627380">
               <a:spcBef>
                 <a:spcPts val="4400"/>
               </a:spcBef>
-              <a:defRPr sz="3952"/>
+              <a:defRPr sz="3950"/>
             </a:pPr>
             <a:r>
               <a:t>稳定阶段：证明测试能否覆盖代码的大部分。 </a:t>
             </a:r>
           </a:p>
           <a:p>
-            <a:pPr marL="482600" indent="-482600" defTabSz="627379">
+            <a:pPr marL="482600" indent="-482600" defTabSz="627380">
               <a:spcBef>
                 <a:spcPts val="4400"/>
               </a:spcBef>
-              <a:defRPr sz="3952"/>
+              <a:defRPr sz="3950"/>
             </a:pPr>
             <a:r>
               <a:t>发布阶段： 如期发布, 用户量,  用户评价。 </a:t>
             </a:r>
           </a:p>
           <a:p>
-            <a:pPr marL="482600" indent="-482600" defTabSz="627379">
+            <a:pPr marL="482600" indent="-482600" defTabSz="627380">
               <a:spcBef>
                 <a:spcPts val="4400"/>
               </a:spcBef>
-              <a:defRPr sz="3952"/>
+              <a:defRPr sz="3950"/>
             </a:pPr>
             <a:r>
               <a:t>维护阶段：网上的观众或下一个年级的同学能很愿意接手你们的软件。  </a:t>
             </a:r>
           </a:p>
           <a:p>
-            <a:pPr marL="482600" indent="-482600" defTabSz="627379">
+            <a:pPr marL="482600" indent="-482600" defTabSz="627380">
               <a:spcBef>
                 <a:spcPts val="4400"/>
               </a:spcBef>
-              <a:defRPr sz="3952"/>
+              <a:defRPr sz="3950"/>
             </a:pPr>
             <a:r>
               <a:t>最后大部分同学们能说:  自己做了一个有人用，有生命的软件。 然后下个学期，新的一批学生进来提高这一过程…</a:t>
@@ -4511,12 +4401,19 @@
   <p:clrMapOvr>
     <a:masterClrMapping/>
   </p:clrMapOvr>
-  <p:transition xmlns:p14="http://schemas.microsoft.com/office/powerpoint/2010/main" spd="med" advClick="1" p14:dur="1000"/>
+  <mc:AlternateContent xmlns:mc="http://schemas.openxmlformats.org/markup-compatibility/2006">
+    <mc:Choice xmlns:p14="http://schemas.microsoft.com/office/powerpoint/2010/main" Requires="p14">
+      <p:transition spd="med" p14:dur="1000"/>
+    </mc:Choice>
+    <mc:Fallback>
+      <p:transition spd="med"/>
+    </mc:Fallback>
+  </mc:AlternateContent>
 </p:sld>
 </file>
 
 <file path=ppt/slides/slide15.xml><?xml version="1.0" encoding="utf-8"?>
-<p:sld xmlns:a="http://schemas.openxmlformats.org/drawingml/2006/main" xmlns:r="http://schemas.openxmlformats.org/officeDocument/2006/relationships" xmlns:p="http://schemas.openxmlformats.org/presentationml/2006/main" showMasterSp="1" showMasterPhAnim="1">
+<p:sld xmlns:a="http://schemas.openxmlformats.org/drawingml/2006/main" xmlns:r="http://schemas.openxmlformats.org/officeDocument/2006/relationships" xmlns:p="http://schemas.openxmlformats.org/presentationml/2006/main">
   <p:cSld>
     <p:spTree>
       <p:nvGrpSpPr>
@@ -4549,7 +4446,6 @@
           <a:bodyPr/>
           <a:lstStyle/>
           <a:p>
-            <a:pPr/>
             <a:r>
               <a:t>我们在实践中能逐步感知到的SE</a:t>
             </a:r>
@@ -4573,33 +4469,51 @@
           <a:bodyPr/>
           <a:lstStyle/>
           <a:p>
-            <a:pPr/>
             <a:r>
               <a:t>工欲善其事必先利其器——Typing - VSCode - Git - Vim - RegEx</a:t>
             </a:r>
           </a:p>
           <a:p>
-            <a:pPr/>
             <a:r>
               <a:t>代码中的软件工程——一个工程化C语言项目范例</a:t>
             </a:r>
           </a:p>
           <a:p>
-            <a:pPr/>
             <a:r>
               <a:t>需求分析与设计——从分析到设计的基本方法</a:t>
             </a:r>
           </a:p>
           <a:p>
-            <a:pPr/>
             <a:r>
               <a:t>软件系统设计——软件的结构、特性和描述方法</a:t>
             </a:r>
           </a:p>
           <a:p>
-            <a:pPr/>
             <a:r>
               <a:t>工程过程与项目管理——软件危机的前生后世</a:t>
+            </a:r>
+          </a:p>
+          <a:p>
+            <a:r>
+              <a:rPr lang="zh-CN">
+                <a:ea typeface="宋体" panose="02010600030101010101" pitchFamily="2" charset="-122"/>
+                <a:sym typeface="+mn-ea"/>
+              </a:rPr>
+              <a:t>软件集成、测试和发布</a:t>
+            </a:r>
+            <a:r>
+              <a:rPr lang="en-US" altLang="zh-CN">
+                <a:ea typeface="宋体" panose="02010600030101010101" pitchFamily="2" charset="-122"/>
+                <a:sym typeface="+mn-ea"/>
+              </a:rPr>
+              <a:t>——</a:t>
+            </a:r>
+            <a:r>
+              <a:rPr lang="zh-CN">
+                <a:ea typeface="宋体" panose="02010600030101010101" pitchFamily="2" charset="-122"/>
+                <a:sym typeface="+mn-ea"/>
+              </a:rPr>
+              <a:t>构建软件产品</a:t>
             </a:r>
           </a:p>
         </p:txBody>
@@ -4612,7 +4526,7 @@
         </p:nvSpPr>
         <p:spPr>
           <a:xfrm>
-            <a:off x="5703569" y="11721100"/>
+            <a:off x="5703569" y="11989070"/>
             <a:ext cx="12976861" cy="1524001"/>
           </a:xfrm>
           <a:prstGeom prst="rect">
@@ -4621,11 +4535,6 @@
           <a:ln w="12700">
             <a:miter lim="400000"/>
           </a:ln>
-          <a:extLst>
-            <a:ext uri="{C572A759-6A51-4108-AA02-DFA0A04FC94B}">
-              <ma14:wrappingTextBoxFlag xmlns:ma14="http://schemas.microsoft.com/office/mac/drawingml/2011/main" val="1"/>
-            </a:ext>
-          </a:extLst>
         </p:spPr>
         <p:txBody>
           <a:bodyPr wrap="none" lIns="50800" tIns="50800" rIns="50800" bIns="50800" anchor="ctr">
@@ -4637,7 +4546,6 @@
             </a:lvl1pPr>
           </a:lstStyle>
           <a:p>
-            <a:pPr/>
             <a:r>
               <a:t>课程实验作业+工程实践项目</a:t>
             </a:r>
@@ -4649,14 +4557,21 @@
   <p:clrMapOvr>
     <a:masterClrMapping/>
   </p:clrMapOvr>
-  <p:transition xmlns:p14="http://schemas.microsoft.com/office/powerpoint/2010/main" spd="med" advClick="1" p14:dur="1000"/>
+  <mc:AlternateContent xmlns:mc="http://schemas.openxmlformats.org/markup-compatibility/2006">
+    <mc:Choice xmlns:p14="http://schemas.microsoft.com/office/powerpoint/2010/main" Requires="p14">
+      <p:transition spd="med" p14:dur="1000"/>
+    </mc:Choice>
+    <mc:Fallback>
+      <p:transition spd="med"/>
+    </mc:Fallback>
+  </mc:AlternateContent>
   <p:timing>
     <p:tnLst>
       <p:par>
-        <p:cTn id="1" nodeType="tmRoot" restart="never" dur="indefinite" fill="hold">
+        <p:cTn id="1" dur="indefinite" restart="never" fill="hold" nodeType="tmRoot">
           <p:childTnLst>
-            <p:seq concurrent="1" prevAc="none" nextAc="seek">
-              <p:cTn id="2" nodeType="mainSeq" dur="indefinite" fill="hold">
+            <p:seq concurrent="1" nextAc="seek">
+              <p:cTn id="2" dur="indefinite" fill="hold" nodeType="mainSeq">
                 <p:childTnLst>
                   <p:par>
                     <p:cTn id="3" fill="hold">
@@ -4671,17 +4586,17 @@
                             </p:stCondLst>
                             <p:childTnLst>
                               <p:par>
-                                <p:cTn id="5" presetClass="entr" nodeType="clickEffect" presetSubtype="8" presetID="2" grpId="1" fill="hold">
+                                <p:cTn id="5" presetID="2" presetClass="entr" presetSubtype="8" fill="hold" grpId="1" nodeType="clickEffect">
                                   <p:stCondLst>
                                     <p:cond delay="0"/>
                                   </p:stCondLst>
-                                  <p:iterate type="lt" backwards="0">
+                                  <p:iterate type="lt">
                                     <p:tmAbs val="0"/>
                                   </p:iterate>
                                   <p:childTnLst>
                                     <p:set>
                                       <p:cBhvr>
-                                        <p:cTn id="6" fill="hold"/>
+                                        <p:cTn id="6" dur="indefinite" fill="hold"/>
                                         <p:tgtEl>
                                           <p:spTgt spid="181"/>
                                         </p:tgtEl>
@@ -4770,14 +4685,14 @@
       </p:par>
     </p:tnLst>
     <p:bldLst>
-      <p:bldP build="whole" bldLvl="1" animBg="1" rev="0" advAuto="0" spid="181" grpId="1"/>
+      <p:bldP spid="181" grpId="1" animBg="1" advAuto="0"/>
     </p:bldLst>
   </p:timing>
 </p:sld>
 </file>
 
 <file path=ppt/slides/slide16.xml><?xml version="1.0" encoding="utf-8"?>
-<p:sld xmlns:a="http://schemas.openxmlformats.org/drawingml/2006/main" xmlns:r="http://schemas.openxmlformats.org/officeDocument/2006/relationships" xmlns:p="http://schemas.openxmlformats.org/presentationml/2006/main" showMasterSp="1" showMasterPhAnim="1">
+<p:sld xmlns:a="http://schemas.openxmlformats.org/drawingml/2006/main" xmlns:r="http://schemas.openxmlformats.org/officeDocument/2006/relationships" xmlns:p="http://schemas.openxmlformats.org/presentationml/2006/main">
   <p:cSld>
     <p:spTree>
       <p:nvGrpSpPr>
@@ -4810,7 +4725,6 @@
           <a:bodyPr/>
           <a:lstStyle/>
           <a:p>
-            <a:pPr/>
             <a:r>
               <a:t>“loser” </a:t>
             </a:r>
@@ -4818,6 +4732,7 @@
               <a:rPr b="1"/>
               <a:t>矛盾的行为和期望</a:t>
             </a:r>
+            <a:endParaRPr b="1"/>
           </a:p>
         </p:txBody>
       </p:sp>
@@ -4838,32 +4753,32 @@
           <a:bodyPr/>
           <a:lstStyle/>
           <a:p>
-            <a:pPr marL="751362" indent="-633679" defTabSz="1810511">
-              <a:defRPr sz="6336"/>
+            <a:pPr marL="751205" indent="-633730" defTabSz="1810385">
+              <a:defRPr sz="6335"/>
             </a:pPr>
             <a:r>
               <a:t>父母，既看不起自己的孩子，又希望孩子出人头地 ；</a:t>
             </a:r>
           </a:p>
           <a:p>
-            <a:pPr marL="751362" indent="-633679" defTabSz="1810511">
-              <a:defRPr sz="6336"/>
+            <a:pPr marL="751205" indent="-633730" defTabSz="1810385">
+              <a:defRPr sz="6335"/>
             </a:pPr>
             <a:r>
               <a:t>孩子，既厌恶父母设计的人生，又怕走错路辜负了父母的期望；</a:t>
             </a:r>
           </a:p>
           <a:p>
-            <a:pPr marL="751362" indent="-633679" defTabSz="1810511">
-              <a:defRPr sz="6336"/>
+            <a:pPr marL="751205" indent="-633730" defTabSz="1810385">
+              <a:defRPr sz="6335"/>
             </a:pPr>
             <a:r>
               <a:t>老师，既要求学生乖乖听话，又希望学生有创新精神；</a:t>
             </a:r>
           </a:p>
           <a:p>
-            <a:pPr marL="751362" indent="-633679" defTabSz="1810511">
-              <a:defRPr sz="6336"/>
+            <a:pPr marL="751205" indent="-633730" defTabSz="1810385">
+              <a:defRPr sz="6335"/>
             </a:pPr>
             <a:r>
               <a:t>学生，既不认同老师的观点，又怕得不到那鸡肋的分数。</a:t>
@@ -4876,14 +4791,21 @@
   <p:clrMapOvr>
     <a:masterClrMapping/>
   </p:clrMapOvr>
-  <p:transition xmlns:p14="http://schemas.microsoft.com/office/powerpoint/2010/main" spd="med" advClick="1" p14:dur="1000"/>
+  <mc:AlternateContent xmlns:mc="http://schemas.openxmlformats.org/markup-compatibility/2006">
+    <mc:Choice xmlns:p14="http://schemas.microsoft.com/office/powerpoint/2010/main" Requires="p14">
+      <p:transition spd="med" p14:dur="1000"/>
+    </mc:Choice>
+    <mc:Fallback>
+      <p:transition spd="med"/>
+    </mc:Fallback>
+  </mc:AlternateContent>
   <p:timing>
     <p:tnLst>
       <p:par>
-        <p:cTn id="1" nodeType="tmRoot" restart="never" dur="indefinite" fill="hold">
+        <p:cTn id="1" dur="indefinite" restart="never" fill="hold" nodeType="tmRoot">
           <p:childTnLst>
-            <p:seq concurrent="1" prevAc="none" nextAc="seek">
-              <p:cTn id="2" nodeType="mainSeq" dur="indefinite" fill="hold">
+            <p:seq concurrent="1" nextAc="seek">
+              <p:cTn id="2" dur="indefinite" fill="hold" nodeType="mainSeq">
                 <p:childTnLst>
                   <p:par>
                     <p:cTn id="3" fill="hold">
@@ -4898,17 +4820,17 @@
                             </p:stCondLst>
                             <p:childTnLst>
                               <p:par>
-                                <p:cTn id="5" presetClass="entr" nodeType="clickEffect" presetSubtype="0" presetID="1" grpId="1" fill="hold">
+                                <p:cTn id="5" presetID="1" presetClass="entr" presetSubtype="0" fill="hold" grpId="1" nodeType="clickEffect">
                                   <p:stCondLst>
                                     <p:cond delay="0"/>
                                   </p:stCondLst>
-                                  <p:iterate type="el" backwards="0">
+                                  <p:iterate type="el">
                                     <p:tmAbs val="0"/>
                                   </p:iterate>
                                   <p:childTnLst>
                                     <p:set>
                                       <p:cBhvr>
-                                        <p:cTn id="6" fill="hold"/>
+                                        <p:cTn id="6" dur="indefinite" fill="hold"/>
                                         <p:tgtEl>
                                           <p:spTgt spid="184">
                                             <p:bg/>
@@ -4926,17 +4848,17 @@
                                 </p:cTn>
                               </p:par>
                               <p:par>
-                                <p:cTn id="7" presetClass="entr" nodeType="withEffect" presetSubtype="0" presetID="1" grpId="1" fill="hold">
+                                <p:cTn id="7" presetID="1" presetClass="entr" presetSubtype="0" fill="hold" grpId="1" nodeType="withEffect">
                                   <p:stCondLst>
                                     <p:cond delay="0"/>
                                   </p:stCondLst>
-                                  <p:iterate type="el" backwards="0">
+                                  <p:iterate type="el">
                                     <p:tmAbs val="0"/>
                                   </p:iterate>
                                   <p:childTnLst>
                                     <p:set>
                                       <p:cBhvr>
-                                        <p:cTn id="8" fill="hold"/>
+                                        <p:cTn id="8" dur="indefinite" fill="hold"/>
                                         <p:tgtEl>
                                           <p:spTgt spid="184">
                                             <p:txEl>
@@ -4974,17 +4896,17 @@
                             </p:stCondLst>
                             <p:childTnLst>
                               <p:par>
-                                <p:cTn id="11" presetClass="entr" nodeType="clickEffect" presetSubtype="0" presetID="1" grpId="1" fill="hold">
+                                <p:cTn id="11" presetID="1" presetClass="entr" presetSubtype="0" fill="hold" grpId="1" nodeType="clickEffect">
                                   <p:stCondLst>
                                     <p:cond delay="0"/>
                                   </p:stCondLst>
-                                  <p:iterate type="el" backwards="0">
+                                  <p:iterate type="el">
                                     <p:tmAbs val="0"/>
                                   </p:iterate>
                                   <p:childTnLst>
                                     <p:set>
                                       <p:cBhvr>
-                                        <p:cTn id="12" fill="hold"/>
+                                        <p:cTn id="12" dur="indefinite" fill="hold"/>
                                         <p:tgtEl>
                                           <p:spTgt spid="184">
                                             <p:txEl>
@@ -5022,17 +4944,17 @@
                             </p:stCondLst>
                             <p:childTnLst>
                               <p:par>
-                                <p:cTn id="15" presetClass="entr" nodeType="clickEffect" presetSubtype="0" presetID="1" grpId="1" fill="hold">
+                                <p:cTn id="15" presetID="1" presetClass="entr" presetSubtype="0" fill="hold" grpId="1" nodeType="clickEffect">
                                   <p:stCondLst>
                                     <p:cond delay="0"/>
                                   </p:stCondLst>
-                                  <p:iterate type="el" backwards="0">
+                                  <p:iterate type="el">
                                     <p:tmAbs val="0"/>
                                   </p:iterate>
                                   <p:childTnLst>
                                     <p:set>
                                       <p:cBhvr>
-                                        <p:cTn id="16" fill="hold"/>
+                                        <p:cTn id="16" dur="indefinite" fill="hold"/>
                                         <p:tgtEl>
                                           <p:spTgt spid="184">
                                             <p:txEl>
@@ -5070,17 +4992,17 @@
                             </p:stCondLst>
                             <p:childTnLst>
                               <p:par>
-                                <p:cTn id="19" presetClass="entr" nodeType="clickEffect" presetSubtype="0" presetID="1" grpId="1" fill="hold">
+                                <p:cTn id="19" presetID="1" presetClass="entr" presetSubtype="0" fill="hold" grpId="1" nodeType="clickEffect">
                                   <p:stCondLst>
                                     <p:cond delay="0"/>
                                   </p:stCondLst>
-                                  <p:iterate type="el" backwards="0">
+                                  <p:iterate type="el">
                                     <p:tmAbs val="0"/>
                                   </p:iterate>
                                   <p:childTnLst>
                                     <p:set>
                                       <p:cBhvr>
-                                        <p:cTn id="20" fill="hold"/>
+                                        <p:cTn id="20" dur="indefinite" fill="hold"/>
                                         <p:tgtEl>
                                           <p:spTgt spid="184">
                                             <p:txEl>
@@ -5127,14 +5049,14 @@
       </p:par>
     </p:tnLst>
     <p:bldLst>
-      <p:bldP build="p" bldLvl="1" animBg="1" rev="0" advAuto="0" spid="184" grpId="1"/>
+      <p:bldP spid="184" grpId="1" animBg="1" advAuto="0" build="p"/>
     </p:bldLst>
   </p:timing>
 </p:sld>
 </file>
 
 <file path=ppt/slides/slide17.xml><?xml version="1.0" encoding="utf-8"?>
-<p:sld xmlns:a="http://schemas.openxmlformats.org/drawingml/2006/main" xmlns:r="http://schemas.openxmlformats.org/officeDocument/2006/relationships" xmlns:p="http://schemas.openxmlformats.org/presentationml/2006/main" showMasterSp="1" showMasterPhAnim="1">
+<p:sld xmlns:a="http://schemas.openxmlformats.org/drawingml/2006/main" xmlns:r="http://schemas.openxmlformats.org/officeDocument/2006/relationships" xmlns:p="http://schemas.openxmlformats.org/presentationml/2006/main">
   <p:cSld>
     <p:spTree>
       <p:nvGrpSpPr>
@@ -5193,6 +5115,12 @@
               </a:rPr>
               <a:t>如何看待学习中的各种失败？</a:t>
             </a:r>
+            <a:endParaRPr>
+              <a:latin typeface="冬青黑体简体中文 W6"/>
+              <a:ea typeface="冬青黑体简体中文 W6"/>
+              <a:cs typeface="冬青黑体简体中文 W6"/>
+              <a:sym typeface="冬青黑体简体中文 W6"/>
+            </a:endParaRPr>
           </a:p>
         </p:txBody>
       </p:sp>
@@ -5205,9 +5133,7 @@
           <p:nvPr/>
         </p:nvPicPr>
         <p:blipFill>
-          <a:blip r:embed="rId2">
-            <a:extLst/>
-          </a:blip>
+          <a:blip r:embed="rId1"/>
           <a:stretch>
             <a:fillRect/>
           </a:stretch>
@@ -5222,6 +5148,8 @@
           </a:prstGeom>
           <a:ln w="12700">
             <a:miter lim="400000"/>
+            <a:headEnd/>
+            <a:tailEnd/>
           </a:ln>
         </p:spPr>
       </p:pic>
@@ -5242,11 +5170,6 @@
           <a:ln w="12700">
             <a:miter lim="400000"/>
           </a:ln>
-          <a:extLst>
-            <a:ext uri="{C572A759-6A51-4108-AA02-DFA0A04FC94B}">
-              <ma14:wrappingTextBoxFlag xmlns:ma14="http://schemas.microsoft.com/office/mac/drawingml/2011/main" val="1"/>
-            </a:ext>
-          </a:extLst>
         </p:spPr>
         <p:txBody>
           <a:bodyPr tIns="91439" bIns="91439">
@@ -5256,7 +5179,7 @@
           <a:p>
             <a:pPr marL="571500" indent="-571500" algn="l" defTabSz="1828800">
               <a:buSzPct val="100000"/>
-              <a:buFont typeface="Arial"/>
+              <a:buFont typeface="Arial" panose="020B0604020202020204"/>
               <a:buChar char="•"/>
               <a:defRPr sz="4800">
                 <a:latin typeface="冬青黑体简体中文 W3"/>
@@ -5272,7 +5195,7 @@
           <a:p>
             <a:pPr marL="571500" indent="-571500" algn="l" defTabSz="1828800">
               <a:buSzPct val="100000"/>
-              <a:buFont typeface="Arial"/>
+              <a:buFont typeface="Arial" panose="020B0604020202020204"/>
               <a:buChar char="•"/>
               <a:defRPr sz="4800">
                 <a:latin typeface="冬青黑体简体中文 W3"/>
@@ -5286,9 +5209,9 @@
             </a:r>
           </a:p>
           <a:p>
-            <a:pPr lvl="1" marL="1028700" indent="-571500" algn="l" defTabSz="1828800">
+            <a:pPr marL="1028700" lvl="1" indent="-571500" algn="l" defTabSz="1828800">
               <a:buSzPct val="100000"/>
-              <a:buFont typeface="Arial"/>
+              <a:buFont typeface="Arial" panose="020B0604020202020204"/>
               <a:buChar char="•"/>
               <a:defRPr sz="4800">
                 <a:latin typeface="冬青黑体简体中文 W3"/>
@@ -5302,9 +5225,9 @@
             </a:r>
           </a:p>
           <a:p>
-            <a:pPr lvl="1" marL="1028700" indent="-571500" algn="l" defTabSz="1828800">
+            <a:pPr marL="1028700" lvl="1" indent="-571500" algn="l" defTabSz="1828800">
               <a:buSzPct val="100000"/>
-              <a:buFont typeface="Arial"/>
+              <a:buFont typeface="Arial" panose="020B0604020202020204"/>
               <a:buChar char="•"/>
               <a:defRPr sz="4800">
                 <a:latin typeface="冬青黑体简体中文 W3"/>
@@ -5318,9 +5241,9 @@
             </a:r>
           </a:p>
           <a:p>
-            <a:pPr lvl="1" marL="1028700" indent="-571500" algn="l" defTabSz="1828800">
+            <a:pPr marL="1028700" lvl="1" indent="-571500" algn="l" defTabSz="1828800">
               <a:buSzPct val="100000"/>
-              <a:buFont typeface="Arial"/>
+              <a:buFont typeface="Arial" panose="020B0604020202020204"/>
               <a:buChar char="•"/>
               <a:defRPr sz="4800">
                 <a:latin typeface="冬青黑体简体中文 W3"/>
@@ -5343,12 +5266,19 @@
   <p:clrMapOvr>
     <a:masterClrMapping/>
   </p:clrMapOvr>
-  <p:transition xmlns:p14="http://schemas.microsoft.com/office/powerpoint/2010/main" spd="med" advClick="1" p14:dur="1000"/>
+  <mc:AlternateContent xmlns:mc="http://schemas.openxmlformats.org/markup-compatibility/2006">
+    <mc:Choice xmlns:p14="http://schemas.microsoft.com/office/powerpoint/2010/main" Requires="p14">
+      <p:transition spd="med" p14:dur="1000"/>
+    </mc:Choice>
+    <mc:Fallback>
+      <p:transition spd="med"/>
+    </mc:Fallback>
+  </mc:AlternateContent>
 </p:sld>
 </file>
 
 <file path=ppt/slides/slide18.xml><?xml version="1.0" encoding="utf-8"?>
-<p:sld xmlns:a="http://schemas.openxmlformats.org/drawingml/2006/main" xmlns:r="http://schemas.openxmlformats.org/officeDocument/2006/relationships" xmlns:p="http://schemas.openxmlformats.org/presentationml/2006/main" showMasterSp="1" showMasterPhAnim="1">
+<p:sld xmlns:a="http://schemas.openxmlformats.org/drawingml/2006/main" xmlns:r="http://schemas.openxmlformats.org/officeDocument/2006/relationships" xmlns:p="http://schemas.openxmlformats.org/presentationml/2006/main">
   <p:cSld>
     <p:spTree>
       <p:nvGrpSpPr>
@@ -5381,7 +5311,6 @@
           <a:bodyPr/>
           <a:lstStyle/>
           <a:p>
-            <a:pPr/>
             <a:r>
               <a:t>Text Books</a:t>
             </a:r>
@@ -5405,23 +5334,23 @@
           <a:bodyPr/>
           <a:lstStyle/>
           <a:p>
-            <a:pPr marL="690646" indent="-582472" defTabSz="1664208">
-              <a:defRPr sz="5824"/>
+            <a:pPr marL="690880" indent="-582295" defTabSz="1664335">
+              <a:defRPr sz="5825"/>
             </a:pPr>
             <a:r>
               <a:t>课本</a:t>
             </a:r>
           </a:p>
           <a:p>
-            <a:pPr lvl="1" marL="915314" indent="-499262" defTabSz="1664208">
+            <a:pPr marL="915035" lvl="1" indent="-499110" defTabSz="1664335">
               <a:spcBef>
                 <a:spcPts val="1200"/>
               </a:spcBef>
               <a:buClr>
                 <a:srgbClr val="60B5CC"/>
               </a:buClr>
-              <a:buFont typeface="Wingdings"/>
-              <a:defRPr sz="5096"/>
+              <a:buFont typeface="Wingdings" panose="05000000000000000000"/>
+              <a:defRPr sz="5095"/>
             </a:pPr>
             <a:r>
               <a:t>《构建之法 </a:t>
@@ -5434,76 +5363,76 @@
             </a:r>
           </a:p>
           <a:p>
-            <a:pPr lvl="1" marL="915314" indent="-499262" defTabSz="1664208">
+            <a:pPr marL="915035" lvl="1" indent="-499110" defTabSz="1664335">
               <a:spcBef>
                 <a:spcPts val="1200"/>
               </a:spcBef>
               <a:buClr>
                 <a:srgbClr val="60B5CC"/>
               </a:buClr>
-              <a:buFont typeface="Wingdings"/>
-              <a:defRPr sz="5096"/>
+              <a:buFont typeface="Wingdings" panose="05000000000000000000"/>
+              <a:defRPr sz="5095"/>
             </a:pPr>
             <a:r>
               <a:t>《软件工程——理论与实践》</a:t>
             </a:r>
           </a:p>
           <a:p>
-            <a:pPr marL="690646" indent="-582472" defTabSz="1664208">
-              <a:defRPr sz="5824"/>
+            <a:pPr marL="690880" indent="-582295" defTabSz="1664335">
+              <a:defRPr sz="5825"/>
             </a:pPr>
             <a:r>
               <a:t>必读书</a:t>
             </a:r>
           </a:p>
           <a:p>
-            <a:pPr lvl="1" marL="915314" indent="-499262" defTabSz="1664208">
+            <a:pPr marL="915035" lvl="1" indent="-499110" defTabSz="1664335">
               <a:spcBef>
                 <a:spcPts val="1200"/>
               </a:spcBef>
               <a:buClr>
                 <a:srgbClr val="60B5CC"/>
               </a:buClr>
-              <a:buFont typeface="Wingdings"/>
-              <a:defRPr sz="5096"/>
+              <a:buFont typeface="Wingdings" panose="05000000000000000000"/>
+              <a:defRPr sz="5095"/>
             </a:pPr>
             <a:r>
               <a:t>（必读）《梦断代码》http://bestcbooks.com/dreamingincode/</a:t>
             </a:r>
           </a:p>
           <a:p>
-            <a:pPr lvl="1" marL="915314" indent="-499262" defTabSz="1664208">
+            <a:pPr marL="915035" lvl="1" indent="-499110" defTabSz="1664335">
               <a:spcBef>
                 <a:spcPts val="1200"/>
               </a:spcBef>
               <a:buClr>
                 <a:srgbClr val="60B5CC"/>
               </a:buClr>
-              <a:buFont typeface="Wingdings"/>
-              <a:defRPr sz="5096"/>
+              <a:buFont typeface="Wingdings" panose="05000000000000000000"/>
+              <a:defRPr sz="5095"/>
             </a:pPr>
             <a:r>
               <a:t>（必读）《人月神话》Frederick Brooks</a:t>
             </a:r>
           </a:p>
           <a:p>
-            <a:pPr marL="690646" indent="-582472" defTabSz="1664208">
-              <a:defRPr sz="5824"/>
+            <a:pPr marL="690880" indent="-582295" defTabSz="1664335">
+              <a:defRPr sz="5825"/>
             </a:pPr>
             <a:r>
               <a:t>其它参考书</a:t>
             </a:r>
           </a:p>
           <a:p>
-            <a:pPr lvl="1" marL="915314" indent="-499262" defTabSz="1664208">
+            <a:pPr marL="915035" lvl="1" indent="-499110" defTabSz="1664335">
               <a:spcBef>
                 <a:spcPts val="1200"/>
               </a:spcBef>
               <a:buClr>
                 <a:srgbClr val="60B5CC"/>
               </a:buClr>
-              <a:buFont typeface="Wingdings"/>
-              <a:defRPr sz="5096"/>
+              <a:buFont typeface="Wingdings" panose="05000000000000000000"/>
+              <a:defRPr sz="5095"/>
             </a:pPr>
             <a:r>
               <a:rPr u="sng">
@@ -5515,7 +5444,6 @@
                     <a:srgbClr val="168BBA"/>
                   </a:solidFill>
                 </a:uFill>
-                <a:hlinkClick r:id="rId2" invalidUrl="" action="" tgtFrame="" tooltip="" history="1" highlightClick="0" endSnd="0"/>
               </a:rPr>
               <a:t>http://book.douban.com/doulist/1204928/</a:t>
             </a:r>
@@ -5530,14 +5458,21 @@
   <p:clrMapOvr>
     <a:masterClrMapping/>
   </p:clrMapOvr>
-  <p:transition xmlns:p14="http://schemas.microsoft.com/office/powerpoint/2010/main" spd="med" advClick="1" p14:dur="1000"/>
+  <mc:AlternateContent xmlns:mc="http://schemas.openxmlformats.org/markup-compatibility/2006">
+    <mc:Choice xmlns:p14="http://schemas.microsoft.com/office/powerpoint/2010/main" Requires="p14">
+      <p:transition spd="med" p14:dur="1000"/>
+    </mc:Choice>
+    <mc:Fallback>
+      <p:transition spd="med"/>
+    </mc:Fallback>
+  </mc:AlternateContent>
   <p:timing>
     <p:tnLst>
       <p:par>
-        <p:cTn id="1" nodeType="tmRoot" restart="never" dur="indefinite" fill="hold">
+        <p:cTn id="1" dur="indefinite" restart="never" fill="hold" nodeType="tmRoot">
           <p:childTnLst>
-            <p:seq concurrent="1" prevAc="none" nextAc="seek">
-              <p:cTn id="2" nodeType="mainSeq" dur="indefinite" fill="hold">
+            <p:seq concurrent="1" nextAc="seek">
+              <p:cTn id="2" dur="indefinite" fill="hold" nodeType="mainSeq">
                 <p:childTnLst>
                   <p:par>
                     <p:cTn id="3" fill="hold">
@@ -5552,17 +5487,17 @@
                             </p:stCondLst>
                             <p:childTnLst>
                               <p:par>
-                                <p:cTn id="5" presetClass="entr" nodeType="clickEffect" presetID="9" grpId="1" fill="hold">
+                                <p:cTn id="5" presetID="9" presetClass="entr" presetSubtype="0" fill="hold" grpId="1" nodeType="clickEffect">
                                   <p:stCondLst>
                                     <p:cond delay="0"/>
                                   </p:stCondLst>
-                                  <p:iterate type="el" backwards="0">
+                                  <p:iterate type="el">
                                     <p:tmAbs val="0"/>
                                   </p:iterate>
                                   <p:childTnLst>
                                     <p:set>
                                       <p:cBhvr>
-                                        <p:cTn id="6" fill="hold"/>
+                                        <p:cTn id="6" dur="indefinite" fill="hold"/>
                                         <p:tgtEl>
                                           <p:spTgt spid="191">
                                             <p:bg/>
@@ -5576,7 +5511,7 @@
                                         <p:strVal val="visible"/>
                                       </p:to>
                                     </p:set>
-                                    <p:animEffect filter="dissolve" transition="in">
+                                    <p:animEffect transition="in" filter="dissolve">
                                       <p:cBhvr>
                                         <p:cTn id="7" dur="2000"/>
                                         <p:tgtEl>
@@ -5590,17 +5525,17 @@
                                 </p:cTn>
                               </p:par>
                               <p:par>
-                                <p:cTn id="8" presetClass="entr" nodeType="withEffect" presetSubtype="0" presetID="9" grpId="1" fill="hold">
+                                <p:cTn id="8" presetID="9" presetClass="entr" presetSubtype="0" fill="hold" grpId="1" nodeType="withEffect">
                                   <p:stCondLst>
                                     <p:cond delay="0"/>
                                   </p:stCondLst>
-                                  <p:iterate type="el" backwards="0">
+                                  <p:iterate type="el">
                                     <p:tmAbs val="0"/>
                                   </p:iterate>
                                   <p:childTnLst>
                                     <p:set>
                                       <p:cBhvr>
-                                        <p:cTn id="9" fill="hold"/>
+                                        <p:cTn id="9" dur="indefinite" fill="hold"/>
                                         <p:tgtEl>
                                           <p:spTgt spid="191">
                                             <p:txEl>
@@ -5616,7 +5551,7 @@
                                         <p:strVal val="visible"/>
                                       </p:to>
                                     </p:set>
-                                    <p:animEffect filter="dissolve" transition="in">
+                                    <p:animEffect transition="in" filter="dissolve">
                                       <p:cBhvr>
                                         <p:cTn id="10" dur="2000"/>
                                         <p:tgtEl>
@@ -5632,17 +5567,17 @@
                                 </p:cTn>
                               </p:par>
                               <p:par>
-                                <p:cTn id="11" presetClass="entr" nodeType="withEffect" presetSubtype="0" presetID="9" grpId="1" fill="hold">
+                                <p:cTn id="11" presetID="9" presetClass="entr" presetSubtype="0" fill="hold" grpId="1" nodeType="withEffect">
                                   <p:stCondLst>
                                     <p:cond delay="0"/>
                                   </p:stCondLst>
-                                  <p:iterate type="el" backwards="0">
+                                  <p:iterate type="el">
                                     <p:tmAbs val="0"/>
                                   </p:iterate>
                                   <p:childTnLst>
                                     <p:set>
                                       <p:cBhvr>
-                                        <p:cTn id="12" fill="hold"/>
+                                        <p:cTn id="12" dur="indefinite" fill="hold"/>
                                         <p:tgtEl>
                                           <p:spTgt spid="191">
                                             <p:txEl>
@@ -5658,7 +5593,7 @@
                                         <p:strVal val="visible"/>
                                       </p:to>
                                     </p:set>
-                                    <p:animEffect filter="dissolve" transition="in">
+                                    <p:animEffect transition="in" filter="dissolve">
                                       <p:cBhvr>
                                         <p:cTn id="13" dur="2000"/>
                                         <p:tgtEl>
@@ -5674,17 +5609,17 @@
                                 </p:cTn>
                               </p:par>
                               <p:par>
-                                <p:cTn id="14" presetClass="entr" nodeType="withEffect" presetSubtype="0" presetID="9" grpId="1" fill="hold">
+                                <p:cTn id="14" presetID="9" presetClass="entr" presetSubtype="0" fill="hold" grpId="1" nodeType="withEffect">
                                   <p:stCondLst>
                                     <p:cond delay="0"/>
                                   </p:stCondLst>
-                                  <p:iterate type="el" backwards="0">
+                                  <p:iterate type="el">
                                     <p:tmAbs val="0"/>
                                   </p:iterate>
                                   <p:childTnLst>
                                     <p:set>
                                       <p:cBhvr>
-                                        <p:cTn id="15" fill="hold"/>
+                                        <p:cTn id="15" dur="indefinite" fill="hold"/>
                                         <p:tgtEl>
                                           <p:spTgt spid="191">
                                             <p:txEl>
@@ -5700,7 +5635,7 @@
                                         <p:strVal val="visible"/>
                                       </p:to>
                                     </p:set>
-                                    <p:animEffect filter="dissolve" transition="in">
+                                    <p:animEffect transition="in" filter="dissolve">
                                       <p:cBhvr>
                                         <p:cTn id="16" dur="2000"/>
                                         <p:tgtEl>
@@ -5734,17 +5669,17 @@
                             </p:stCondLst>
                             <p:childTnLst>
                               <p:par>
-                                <p:cTn id="19" presetClass="entr" nodeType="clickEffect" presetID="9" grpId="1" fill="hold">
+                                <p:cTn id="19" presetID="9" presetClass="entr" presetSubtype="0" fill="hold" grpId="1" nodeType="clickEffect">
                                   <p:stCondLst>
                                     <p:cond delay="0"/>
                                   </p:stCondLst>
-                                  <p:iterate type="el" backwards="0">
+                                  <p:iterate type="el">
                                     <p:tmAbs val="0"/>
                                   </p:iterate>
                                   <p:childTnLst>
                                     <p:set>
                                       <p:cBhvr>
-                                        <p:cTn id="20" fill="hold"/>
+                                        <p:cTn id="20" dur="indefinite" fill="hold"/>
                                         <p:tgtEl>
                                           <p:spTgt spid="191">
                                             <p:txEl>
@@ -5760,7 +5695,7 @@
                                         <p:strVal val="visible"/>
                                       </p:to>
                                     </p:set>
-                                    <p:animEffect filter="dissolve" transition="in">
+                                    <p:animEffect transition="in" filter="dissolve">
                                       <p:cBhvr>
                                         <p:cTn id="21" dur="2000"/>
                                         <p:tgtEl>
@@ -5776,17 +5711,17 @@
                                 </p:cTn>
                               </p:par>
                               <p:par>
-                                <p:cTn id="22" presetClass="entr" nodeType="withEffect" presetSubtype="0" presetID="9" grpId="1" fill="hold">
+                                <p:cTn id="22" presetID="9" presetClass="entr" presetSubtype="0" fill="hold" grpId="1" nodeType="withEffect">
                                   <p:stCondLst>
                                     <p:cond delay="0"/>
                                   </p:stCondLst>
-                                  <p:iterate type="el" backwards="0">
+                                  <p:iterate type="el">
                                     <p:tmAbs val="0"/>
                                   </p:iterate>
                                   <p:childTnLst>
                                     <p:set>
                                       <p:cBhvr>
-                                        <p:cTn id="23" fill="hold"/>
+                                        <p:cTn id="23" dur="indefinite" fill="hold"/>
                                         <p:tgtEl>
                                           <p:spTgt spid="191">
                                             <p:txEl>
@@ -5802,7 +5737,7 @@
                                         <p:strVal val="visible"/>
                                       </p:to>
                                     </p:set>
-                                    <p:animEffect filter="dissolve" transition="in">
+                                    <p:animEffect transition="in" filter="dissolve">
                                       <p:cBhvr>
                                         <p:cTn id="24" dur="2000"/>
                                         <p:tgtEl>
@@ -5818,17 +5753,17 @@
                                 </p:cTn>
                               </p:par>
                               <p:par>
-                                <p:cTn id="25" presetClass="entr" nodeType="withEffect" presetSubtype="0" presetID="9" grpId="1" fill="hold">
+                                <p:cTn id="25" presetID="9" presetClass="entr" presetSubtype="0" fill="hold" grpId="1" nodeType="withEffect">
                                   <p:stCondLst>
                                     <p:cond delay="0"/>
                                   </p:stCondLst>
-                                  <p:iterate type="el" backwards="0">
+                                  <p:iterate type="el">
                                     <p:tmAbs val="0"/>
                                   </p:iterate>
                                   <p:childTnLst>
                                     <p:set>
                                       <p:cBhvr>
-                                        <p:cTn id="26" fill="hold"/>
+                                        <p:cTn id="26" dur="indefinite" fill="hold"/>
                                         <p:tgtEl>
                                           <p:spTgt spid="191">
                                             <p:txEl>
@@ -5844,7 +5779,7 @@
                                         <p:strVal val="visible"/>
                                       </p:to>
                                     </p:set>
-                                    <p:animEffect filter="dissolve" transition="in">
+                                    <p:animEffect transition="in" filter="dissolve">
                                       <p:cBhvr>
                                         <p:cTn id="27" dur="2000"/>
                                         <p:tgtEl>
@@ -5878,17 +5813,17 @@
                             </p:stCondLst>
                             <p:childTnLst>
                               <p:par>
-                                <p:cTn id="30" presetClass="entr" nodeType="clickEffect" presetID="9" grpId="1" fill="hold">
+                                <p:cTn id="30" presetID="9" presetClass="entr" presetSubtype="0" fill="hold" grpId="1" nodeType="clickEffect">
                                   <p:stCondLst>
                                     <p:cond delay="0"/>
                                   </p:stCondLst>
-                                  <p:iterate type="el" backwards="0">
+                                  <p:iterate type="el">
                                     <p:tmAbs val="0"/>
                                   </p:iterate>
                                   <p:childTnLst>
                                     <p:set>
                                       <p:cBhvr>
-                                        <p:cTn id="31" fill="hold"/>
+                                        <p:cTn id="31" dur="indefinite" fill="hold"/>
                                         <p:tgtEl>
                                           <p:spTgt spid="191">
                                             <p:txEl>
@@ -5904,7 +5839,7 @@
                                         <p:strVal val="visible"/>
                                       </p:to>
                                     </p:set>
-                                    <p:animEffect filter="dissolve" transition="in">
+                                    <p:animEffect transition="in" filter="dissolve">
                                       <p:cBhvr>
                                         <p:cTn id="32" dur="2000"/>
                                         <p:tgtEl>
@@ -5920,17 +5855,17 @@
                                 </p:cTn>
                               </p:par>
                               <p:par>
-                                <p:cTn id="33" presetClass="entr" nodeType="withEffect" presetSubtype="0" presetID="9" grpId="1" fill="hold">
+                                <p:cTn id="33" presetID="9" presetClass="entr" presetSubtype="0" fill="hold" grpId="1" nodeType="withEffect">
                                   <p:stCondLst>
                                     <p:cond delay="0"/>
                                   </p:stCondLst>
-                                  <p:iterate type="el" backwards="0">
+                                  <p:iterate type="el">
                                     <p:tmAbs val="0"/>
                                   </p:iterate>
                                   <p:childTnLst>
                                     <p:set>
                                       <p:cBhvr>
-                                        <p:cTn id="34" fill="hold"/>
+                                        <p:cTn id="34" dur="indefinite" fill="hold"/>
                                         <p:tgtEl>
                                           <p:spTgt spid="191">
                                             <p:txEl>
@@ -5946,7 +5881,7 @@
                                         <p:strVal val="visible"/>
                                       </p:to>
                                     </p:set>
-                                    <p:animEffect filter="dissolve" transition="in">
+                                    <p:animEffect transition="in" filter="dissolve">
                                       <p:cBhvr>
                                         <p:cTn id="35" dur="2000"/>
                                         <p:tgtEl>
@@ -5989,14 +5924,14 @@
       </p:par>
     </p:tnLst>
     <p:bldLst>
-      <p:bldP build="p" bldLvl="1" animBg="1" rev="0" advAuto="0" spid="191" grpId="1"/>
+      <p:bldP spid="191" grpId="1" animBg="1" advAuto="0" build="p"/>
     </p:bldLst>
   </p:timing>
 </p:sld>
 </file>
 
 <file path=ppt/slides/slide19.xml><?xml version="1.0" encoding="utf-8"?>
-<p:sld xmlns:a="http://schemas.openxmlformats.org/drawingml/2006/main" xmlns:r="http://schemas.openxmlformats.org/officeDocument/2006/relationships" xmlns:p="http://schemas.openxmlformats.org/presentationml/2006/main" showMasterSp="1" showMasterPhAnim="1">
+<p:sld xmlns:a="http://schemas.openxmlformats.org/drawingml/2006/main" xmlns:r="http://schemas.openxmlformats.org/officeDocument/2006/relationships" xmlns:p="http://schemas.openxmlformats.org/presentationml/2006/main">
   <p:cSld>
     <p:spTree>
       <p:nvGrpSpPr>
@@ -6029,7 +5964,6 @@
           <a:bodyPr/>
           <a:lstStyle/>
           <a:p>
-            <a:pPr/>
             <a:r>
               <a:t>课程成绩构成</a:t>
             </a:r>
@@ -6053,13 +5987,11 @@
           <a:bodyPr/>
           <a:lstStyle/>
           <a:p>
-            <a:pPr/>
             <a:r>
               <a:t>考试占60分</a:t>
             </a:r>
           </a:p>
           <a:p>
-            <a:pPr/>
             <a:r>
               <a:t>实验作业</a:t>
             </a:r>
@@ -6083,12 +6015,19 @@
   <p:clrMapOvr>
     <a:masterClrMapping/>
   </p:clrMapOvr>
-  <p:transition xmlns:p14="http://schemas.microsoft.com/office/powerpoint/2010/main" spd="med" advClick="1" p14:dur="1000"/>
+  <mc:AlternateContent xmlns:mc="http://schemas.openxmlformats.org/markup-compatibility/2006">
+    <mc:Choice xmlns:p14="http://schemas.microsoft.com/office/powerpoint/2010/main" Requires="p14">
+      <p:transition spd="med" p14:dur="1000"/>
+    </mc:Choice>
+    <mc:Fallback>
+      <p:transition spd="med"/>
+    </mc:Fallback>
+  </mc:AlternateContent>
 </p:sld>
 </file>
 
 <file path=ppt/slides/slide2.xml><?xml version="1.0" encoding="utf-8"?>
-<p:sld xmlns:a="http://schemas.openxmlformats.org/drawingml/2006/main" xmlns:r="http://schemas.openxmlformats.org/officeDocument/2006/relationships" xmlns:p="http://schemas.openxmlformats.org/presentationml/2006/main" showMasterSp="1" showMasterPhAnim="1">
+<p:sld xmlns:a="http://schemas.openxmlformats.org/drawingml/2006/main" xmlns:r="http://schemas.openxmlformats.org/officeDocument/2006/relationships" xmlns:p="http://schemas.openxmlformats.org/presentationml/2006/main">
   <p:cSld>
     <p:spTree>
       <p:nvGrpSpPr>
@@ -6121,7 +6060,6 @@
           <a:bodyPr/>
           <a:lstStyle/>
           <a:p>
-            <a:pPr/>
             <a:r>
               <a:t>How SE is usually taught</a:t>
             </a:r>
@@ -6149,7 +6087,7 @@
               <a:spcBef>
                 <a:spcPts val="4100"/>
               </a:spcBef>
-              <a:defRPr sz="3639"/>
+              <a:defRPr sz="3640"/>
             </a:pPr>
             <a:r>
               <a:t>需求分析：学生们都不懂企业的需求是什么，上课睡觉。</a:t>
@@ -6160,7 +6098,7 @@
               <a:spcBef>
                 <a:spcPts val="4100"/>
               </a:spcBef>
-              <a:defRPr sz="3639"/>
+              <a:defRPr sz="3640"/>
             </a:pPr>
             <a:r>
               <a:t>设计阶段：学生们画了许多 UML 图，用设计工具画了各种形状的图形，仅此而已。</a:t>
@@ -6171,7 +6109,7 @@
               <a:spcBef>
                 <a:spcPts val="4100"/>
               </a:spcBef>
-              <a:defRPr sz="3639"/>
+              <a:defRPr sz="3640"/>
             </a:pPr>
             <a:r>
               <a:t>实现阶段：学生们开始热烈讨论，UML 图早已经扔到一边。</a:t>
@@ -6182,7 +6120,7 @@
               <a:spcBef>
                 <a:spcPts val="4100"/>
               </a:spcBef>
-              <a:defRPr sz="3639"/>
+              <a:defRPr sz="3640"/>
             </a:pPr>
             <a:r>
               <a:t>稳定阶段：学生们中十分之一的人开始写代码，其他人不知道在干什么．代码大部分情况下都不能工作，所有设计过的种种黑箱和白箱测试都无从开始。</a:t>
@@ -6193,7 +6131,7 @@
               <a:spcBef>
                 <a:spcPts val="4100"/>
               </a:spcBef>
-              <a:defRPr sz="3639"/>
+              <a:defRPr sz="3640"/>
             </a:pPr>
             <a:r>
               <a:t>发布阶段： 这个阶段只有一天时间，就是最后检查的那一天，同时还有人在调试程序．</a:t>
@@ -6204,7 +6142,7 @@
               <a:spcBef>
                 <a:spcPts val="4100"/>
               </a:spcBef>
-              <a:defRPr sz="3639"/>
+              <a:defRPr sz="3640"/>
             </a:pPr>
             <a:r>
               <a:t>维护阶段：课程结束了，同学们对自己的产品没有任何维护，放假了! </a:t>
@@ -6215,7 +6153,7 @@
               <a:spcBef>
                 <a:spcPts val="4100"/>
               </a:spcBef>
-              <a:defRPr sz="3639"/>
+              <a:defRPr sz="3640"/>
             </a:pPr>
             <a:r>
               <a:t>最后大部分同学们都说自己根本没学到什么本事，然后下个学期，新的一批学生进来重复这一过程…</a:t>
@@ -6228,12 +6166,19 @@
   <p:clrMapOvr>
     <a:masterClrMapping/>
   </p:clrMapOvr>
-  <p:transition xmlns:p14="http://schemas.microsoft.com/office/powerpoint/2010/main" spd="med" advClick="1" p14:dur="1000"/>
+  <mc:AlternateContent xmlns:mc="http://schemas.openxmlformats.org/markup-compatibility/2006">
+    <mc:Choice xmlns:p14="http://schemas.microsoft.com/office/powerpoint/2010/main" Requires="p14">
+      <p:transition spd="med" p14:dur="1000"/>
+    </mc:Choice>
+    <mc:Fallback>
+      <p:transition spd="med"/>
+    </mc:Fallback>
+  </mc:AlternateContent>
 </p:sld>
 </file>
 
 <file path=ppt/slides/slide20.xml><?xml version="1.0" encoding="utf-8"?>
-<p:sld xmlns:a="http://schemas.openxmlformats.org/drawingml/2006/main" xmlns:r="http://schemas.openxmlformats.org/officeDocument/2006/relationships" xmlns:p="http://schemas.openxmlformats.org/presentationml/2006/main" showMasterSp="1" showMasterPhAnim="1">
+<p:sld xmlns:a="http://schemas.openxmlformats.org/drawingml/2006/main" xmlns:r="http://schemas.openxmlformats.org/officeDocument/2006/relationships" xmlns:p="http://schemas.openxmlformats.org/presentationml/2006/main">
   <p:cSld>
     <p:spTree>
       <p:nvGrpSpPr>
@@ -6266,7 +6211,6 @@
           <a:bodyPr/>
           <a:lstStyle/>
           <a:p>
-            <a:pPr/>
             <a:r>
               <a:t>课程主页</a:t>
             </a:r>
@@ -6290,22 +6234,18 @@
           <a:bodyPr/>
           <a:lstStyle/>
           <a:p>
-            <a:pPr/>
-            <a:r>
-              <a:rPr u="sng">
-                <a:hlinkClick r:id="rId2" invalidUrl="" action="" tgtFrame="" tooltip="" history="1" highlightClick="0" endSnd="0"/>
-              </a:rPr>
+            <a:r>
+              <a:rPr u="sng"/>
               <a:t>https://gitee.com/mengning997/se</a:t>
             </a:r>
-          </a:p>
-          <a:p>
-            <a:pPr/>
-            <a:r>
-              <a:rPr u="sng">
-                <a:hlinkClick r:id="rId3" invalidUrl="" action="" tgtFrame="" tooltip="" history="1" highlightClick="0" endSnd="0"/>
-              </a:rPr>
+            <a:endParaRPr u="sng"/>
+          </a:p>
+          <a:p>
+            <a:r>
+              <a:rPr u="sng"/>
               <a:t>mengning@ustc.edu.cn</a:t>
             </a:r>
+            <a:endParaRPr u="sng"/>
           </a:p>
         </p:txBody>
       </p:sp>
@@ -6318,9 +6258,7 @@
           <p:nvPr/>
         </p:nvPicPr>
         <p:blipFill>
-          <a:blip r:embed="rId4">
-            <a:extLst/>
-          </a:blip>
+          <a:blip r:embed="rId1"/>
           <a:stretch>
             <a:fillRect/>
           </a:stretch>
@@ -6335,6 +6273,8 @@
           </a:prstGeom>
           <a:ln w="12700">
             <a:miter lim="400000"/>
+            <a:headEnd/>
+            <a:tailEnd/>
           </a:ln>
         </p:spPr>
       </p:pic>
@@ -6355,11 +6295,6 @@
           <a:ln w="12700">
             <a:miter lim="400000"/>
           </a:ln>
-          <a:extLst>
-            <a:ext uri="{C572A759-6A51-4108-AA02-DFA0A04FC94B}">
-              <ma14:wrappingTextBoxFlag xmlns:ma14="http://schemas.microsoft.com/office/mac/drawingml/2011/main" val="1"/>
-            </a:ext>
-          </a:extLst>
         </p:spPr>
         <p:txBody>
           <a:bodyPr wrap="none" lIns="50800" tIns="50800" rIns="50800" bIns="50800" anchor="ctr">
@@ -6371,7 +6306,6 @@
             </a:lvl1pPr>
           </a:lstStyle>
           <a:p>
-            <a:pPr/>
             <a:r>
               <a:t>关注孟宁</a:t>
             </a:r>
@@ -6383,12 +6317,19 @@
   <p:clrMapOvr>
     <a:masterClrMapping/>
   </p:clrMapOvr>
-  <p:transition xmlns:p14="http://schemas.microsoft.com/office/powerpoint/2010/main" spd="med" advClick="1" p14:dur="1000"/>
+  <mc:AlternateContent xmlns:mc="http://schemas.openxmlformats.org/markup-compatibility/2006">
+    <mc:Choice xmlns:p14="http://schemas.microsoft.com/office/powerpoint/2010/main" Requires="p14">
+      <p:transition spd="med" p14:dur="1000"/>
+    </mc:Choice>
+    <mc:Fallback>
+      <p:transition spd="med"/>
+    </mc:Fallback>
+  </mc:AlternateContent>
 </p:sld>
 </file>
 
 <file path=ppt/slides/slide3.xml><?xml version="1.0" encoding="utf-8"?>
-<p:sld xmlns:a="http://schemas.openxmlformats.org/drawingml/2006/main" xmlns:r="http://schemas.openxmlformats.org/officeDocument/2006/relationships" xmlns:p="http://schemas.openxmlformats.org/presentationml/2006/main" showMasterSp="1" showMasterPhAnim="1">
+<p:sld xmlns:a="http://schemas.openxmlformats.org/drawingml/2006/main" xmlns:r="http://schemas.openxmlformats.org/officeDocument/2006/relationships" xmlns:p="http://schemas.openxmlformats.org/presentationml/2006/main">
   <p:cSld>
     <p:spTree>
       <p:nvGrpSpPr>
@@ -6421,7 +6362,6 @@
           <a:bodyPr/>
           <a:lstStyle/>
           <a:p>
-            <a:pPr/>
             <a:r>
               <a:t>How SE should be taught</a:t>
             </a:r>
@@ -6445,77 +6385,77 @@
           <a:bodyPr/>
           <a:lstStyle/>
           <a:p>
-            <a:pPr marL="482600" indent="-482600" defTabSz="627379">
+            <a:pPr marL="482600" indent="-482600" defTabSz="627380">
               <a:spcBef>
                 <a:spcPts val="4400"/>
               </a:spcBef>
-              <a:defRPr sz="3952"/>
+              <a:defRPr sz="3950"/>
             </a:pPr>
             <a:r>
               <a:t>需求分析：分析现有软件,  用你们写的软件的用户量来证明你了解用户的需求</a:t>
             </a:r>
           </a:p>
           <a:p>
-            <a:pPr marL="482600" indent="-482600" defTabSz="627379">
+            <a:pPr marL="482600" indent="-482600" defTabSz="627380">
               <a:spcBef>
                 <a:spcPts val="4400"/>
               </a:spcBef>
-              <a:defRPr sz="3952"/>
+              <a:defRPr sz="3950"/>
             </a:pPr>
             <a:r>
               <a:t>设计阶段：用快速发布来证明设计是有效的,  能适应变化的。</a:t>
             </a:r>
           </a:p>
           <a:p>
-            <a:pPr marL="482600" indent="-482600" defTabSz="627379">
+            <a:pPr marL="482600" indent="-482600" defTabSz="627380">
               <a:spcBef>
                 <a:spcPts val="4400"/>
               </a:spcBef>
-              <a:defRPr sz="3952"/>
+              <a:defRPr sz="3950"/>
             </a:pPr>
             <a:r>
               <a:t>实现阶段：用各种软件工程的衡量手段来证明大家实现的能力。</a:t>
             </a:r>
           </a:p>
           <a:p>
-            <a:pPr marL="482600" indent="-482600" defTabSz="627379">
+            <a:pPr marL="482600" indent="-482600" defTabSz="627380">
               <a:spcBef>
                 <a:spcPts val="4400"/>
               </a:spcBef>
-              <a:defRPr sz="3952"/>
+              <a:defRPr sz="3950"/>
             </a:pPr>
             <a:r>
               <a:t>稳定阶段：证明测试能否覆盖代码的大部分。 </a:t>
             </a:r>
           </a:p>
           <a:p>
-            <a:pPr marL="482600" indent="-482600" defTabSz="627379">
+            <a:pPr marL="482600" indent="-482600" defTabSz="627380">
               <a:spcBef>
                 <a:spcPts val="4400"/>
               </a:spcBef>
-              <a:defRPr sz="3952"/>
+              <a:defRPr sz="3950"/>
             </a:pPr>
             <a:r>
               <a:t>发布阶段： 如期发布, 用户量,  用户评价。 </a:t>
             </a:r>
           </a:p>
           <a:p>
-            <a:pPr marL="482600" indent="-482600" defTabSz="627379">
+            <a:pPr marL="482600" indent="-482600" defTabSz="627380">
               <a:spcBef>
                 <a:spcPts val="4400"/>
               </a:spcBef>
-              <a:defRPr sz="3952"/>
+              <a:defRPr sz="3950"/>
             </a:pPr>
             <a:r>
               <a:t>维护阶段：网上的观众或下一个年级的同学能很愿意接手你们的软件。  </a:t>
             </a:r>
           </a:p>
           <a:p>
-            <a:pPr marL="482600" indent="-482600" defTabSz="627379">
+            <a:pPr marL="482600" indent="-482600" defTabSz="627380">
               <a:spcBef>
                 <a:spcPts val="4400"/>
               </a:spcBef>
-              <a:defRPr sz="3952"/>
+              <a:defRPr sz="3950"/>
             </a:pPr>
             <a:r>
               <a:t>最后大部分同学们能说:  自己做了一个有人用，有生命的软件。 然后下个学期，新的一批学生进来提高这一过程…</a:t>
@@ -6528,12 +6468,19 @@
   <p:clrMapOvr>
     <a:masterClrMapping/>
   </p:clrMapOvr>
-  <p:transition xmlns:p14="http://schemas.microsoft.com/office/powerpoint/2010/main" spd="med" advClick="1" p14:dur="1000"/>
+  <mc:AlternateContent xmlns:mc="http://schemas.openxmlformats.org/markup-compatibility/2006">
+    <mc:Choice xmlns:p14="http://schemas.microsoft.com/office/powerpoint/2010/main" Requires="p14">
+      <p:transition spd="med" p14:dur="1000"/>
+    </mc:Choice>
+    <mc:Fallback>
+      <p:transition spd="med"/>
+    </mc:Fallback>
+  </mc:AlternateContent>
 </p:sld>
 </file>
 
 <file path=ppt/slides/slide4.xml><?xml version="1.0" encoding="utf-8"?>
-<p:sld xmlns:a="http://schemas.openxmlformats.org/drawingml/2006/main" xmlns:r="http://schemas.openxmlformats.org/officeDocument/2006/relationships" xmlns:p="http://schemas.openxmlformats.org/presentationml/2006/main" showMasterSp="1" showMasterPhAnim="1">
+<p:sld xmlns:a="http://schemas.openxmlformats.org/drawingml/2006/main" xmlns:r="http://schemas.openxmlformats.org/officeDocument/2006/relationships" xmlns:p="http://schemas.openxmlformats.org/presentationml/2006/main">
   <p:cSld>
     <p:spTree>
       <p:nvGrpSpPr>
@@ -6566,7 +6513,6 @@
           <a:bodyPr/>
           <a:lstStyle/>
           <a:p>
-            <a:pPr/>
             <a:r>
               <a:t>现实 vs. 理想</a:t>
             </a:r>
@@ -6678,15 +6624,10 @@
           <a:ln w="12700">
             <a:miter lim="400000"/>
           </a:ln>
-          <a:extLst>
-            <a:ext uri="{C572A759-6A51-4108-AA02-DFA0A04FC94B}">
-              <ma14:wrappingTextBoxFlag xmlns:ma14="http://schemas.microsoft.com/office/mac/drawingml/2011/main" val="1"/>
-            </a:ext>
-          </a:extLst>
         </p:spPr>
         <p:txBody>
           <a:bodyPr lIns="50800" tIns="50800" rIns="50800" bIns="50800" anchor="ctr">
-            <a:normAutofit fontScale="100000" lnSpcReduction="0"/>
+            <a:normAutofit/>
           </a:bodyPr>
           <a:lstStyle/>
           <a:p>
@@ -6696,7 +6637,7 @@
               </a:spcBef>
               <a:buSzPct val="75000"/>
               <a:buChar char="•"/>
-              <a:defRPr sz="3639"/>
+              <a:defRPr sz="3640"/>
             </a:pPr>
             <a:r>
               <a:t>需求分析：分析现有软件, 归纳初步需求；基础差的同学学习技术</a:t>
@@ -6709,7 +6650,7 @@
               </a:spcBef>
               <a:buSzPct val="75000"/>
               <a:buChar char="•"/>
-              <a:defRPr sz="3639"/>
+              <a:defRPr sz="3640"/>
             </a:pPr>
             <a:r>
               <a:t>设计阶段：用快速发布来证明设计是有效的,  能适应变化的。</a:t>
@@ -6722,7 +6663,7 @@
               </a:spcBef>
               <a:buSzPct val="75000"/>
               <a:buChar char="•"/>
-              <a:defRPr sz="3639"/>
+              <a:defRPr sz="3640"/>
             </a:pPr>
             <a:r>
               <a:t>实现阶段：用各种软件工程的衡量手段来证明大家实现的能力。</a:t>
@@ -6735,7 +6676,7 @@
               </a:spcBef>
               <a:buSzPct val="75000"/>
               <a:buChar char="•"/>
-              <a:defRPr sz="3639"/>
+              <a:defRPr sz="3640"/>
             </a:pPr>
             <a:r>
               <a:t>稳定阶段：证明测试能否覆盖代码的大部分。 </a:t>
@@ -6748,7 +6689,7 @@
               </a:spcBef>
               <a:buSzPct val="75000"/>
               <a:buChar char="•"/>
-              <a:defRPr sz="3639"/>
+              <a:defRPr sz="3640"/>
             </a:pPr>
             <a:r>
               <a:t>发布阶段： 如期发布, 用户量,  用户评价。</a:t>
@@ -6761,7 +6702,7 @@
               </a:spcBef>
               <a:buSzPct val="75000"/>
               <a:buChar char="•"/>
-              <a:defRPr sz="3639"/>
+              <a:defRPr sz="3640"/>
             </a:pPr>
             <a:r>
               <a:t>维护阶段：网上的观众或下一个年级的同学能很愿意接手你们的软件。  </a:t>
@@ -6774,12 +6715,19 @@
   <p:clrMapOvr>
     <a:masterClrMapping/>
   </p:clrMapOvr>
-  <p:transition xmlns:p14="http://schemas.microsoft.com/office/powerpoint/2010/main" spd="med" advClick="1" p14:dur="1000"/>
+  <mc:AlternateContent xmlns:mc="http://schemas.openxmlformats.org/markup-compatibility/2006">
+    <mc:Choice xmlns:p14="http://schemas.microsoft.com/office/powerpoint/2010/main" Requires="p14">
+      <p:transition spd="med" p14:dur="1000"/>
+    </mc:Choice>
+    <mc:Fallback>
+      <p:transition spd="med"/>
+    </mc:Fallback>
+  </mc:AlternateContent>
 </p:sld>
 </file>
 
 <file path=ppt/slides/slide5.xml><?xml version="1.0" encoding="utf-8"?>
-<p:sld xmlns:a="http://schemas.openxmlformats.org/drawingml/2006/main" xmlns:r="http://schemas.openxmlformats.org/officeDocument/2006/relationships" xmlns:p="http://schemas.openxmlformats.org/presentationml/2006/main" showMasterSp="1" showMasterPhAnim="1">
+<p:sld xmlns:a="http://schemas.openxmlformats.org/drawingml/2006/main" xmlns:r="http://schemas.openxmlformats.org/officeDocument/2006/relationships" xmlns:p="http://schemas.openxmlformats.org/presentationml/2006/main">
   <p:cSld>
     <p:spTree>
       <p:nvGrpSpPr>
@@ -6812,7 +6760,6 @@
           <a:bodyPr/>
           <a:lstStyle/>
           <a:p>
-            <a:pPr/>
             <a:r>
               <a:t>I want to teach SE this way</a:t>
             </a:r>
@@ -6836,25 +6783,21 @@
           <a:bodyPr/>
           <a:lstStyle/>
           <a:p>
-            <a:pPr/>
             <a:r>
               <a:t>现实与理想之间需要一些适当的台阶</a:t>
             </a:r>
           </a:p>
           <a:p>
-            <a:pPr/>
             <a:r>
               <a:t>Step by Step，Learning by doing</a:t>
             </a:r>
           </a:p>
           <a:p>
-            <a:pPr/>
             <a:r>
               <a:t>由近及远、由浅入深、多学多练，有针对性的训练程序员的基本功</a:t>
             </a:r>
           </a:p>
           <a:p>
-            <a:pPr/>
             <a:r>
               <a:t>单项技能训练（课程实验作业） + 工程实践项目（学院统一组织）</a:t>
             </a:r>
@@ -6866,12 +6809,19 @@
   <p:clrMapOvr>
     <a:masterClrMapping/>
   </p:clrMapOvr>
-  <p:transition xmlns:p14="http://schemas.microsoft.com/office/powerpoint/2010/main" spd="med" advClick="1" p14:dur="1000"/>
+  <mc:AlternateContent xmlns:mc="http://schemas.openxmlformats.org/markup-compatibility/2006">
+    <mc:Choice xmlns:p14="http://schemas.microsoft.com/office/powerpoint/2010/main" Requires="p14">
+      <p:transition spd="med" p14:dur="1000"/>
+    </mc:Choice>
+    <mc:Fallback>
+      <p:transition spd="med"/>
+    </mc:Fallback>
+  </mc:AlternateContent>
 </p:sld>
 </file>
 
 <file path=ppt/slides/slide6.xml><?xml version="1.0" encoding="utf-8"?>
-<p:sld xmlns:a="http://schemas.openxmlformats.org/drawingml/2006/main" xmlns:r="http://schemas.openxmlformats.org/officeDocument/2006/relationships" xmlns:p="http://schemas.openxmlformats.org/presentationml/2006/main" showMasterSp="1" showMasterPhAnim="1">
+<p:sld xmlns:a="http://schemas.openxmlformats.org/drawingml/2006/main" xmlns:r="http://schemas.openxmlformats.org/officeDocument/2006/relationships" xmlns:p="http://schemas.openxmlformats.org/presentationml/2006/main">
   <p:cSld>
     <p:spTree>
       <p:nvGrpSpPr>
@@ -6904,19 +6854,14 @@
           <a:ln w="12700">
             <a:miter lim="400000"/>
           </a:ln>
-          <a:extLst>
-            <a:ext uri="{C572A759-6A51-4108-AA02-DFA0A04FC94B}">
-              <ma14:wrappingTextBoxFlag xmlns:ma14="http://schemas.microsoft.com/office/mac/drawingml/2011/main" val="1"/>
-            </a:ext>
-          </a:extLst>
         </p:spPr>
         <p:txBody>
           <a:bodyPr tIns="91439" bIns="91439">
-            <a:normAutofit fontScale="100000" lnSpcReduction="0"/>
+            <a:normAutofit/>
           </a:bodyPr>
           <a:lstStyle/>
           <a:p>
-            <a:pPr marL="758952" indent="-640080" algn="l" defTabSz="1828800">
+            <a:pPr marL="758825" indent="-640080" algn="l" defTabSz="1828800">
               <a:lnSpc>
                 <a:spcPct val="90000"/>
               </a:lnSpc>
@@ -6924,13 +6869,13 @@
                 <a:srgbClr val="F0AD00"/>
               </a:buClr>
               <a:buSzPct val="80000"/>
-              <a:buFont typeface="Wingdings 2"/>
+              <a:buFont typeface="Wingdings 2" panose="05020102010507070707"/>
               <a:buChar char="◼"/>
               <a:defRPr sz="5800">
-                <a:latin typeface="Corbel"/>
-                <a:ea typeface="Corbel"/>
-                <a:cs typeface="Corbel"/>
-                <a:sym typeface="Corbel"/>
+                <a:latin typeface="Corbel" panose="020B0503020204020204"/>
+                <a:ea typeface="Corbel" panose="020B0503020204020204"/>
+                <a:cs typeface="Corbel" panose="020B0503020204020204"/>
+                <a:sym typeface="Corbel" panose="020B0503020204020204"/>
               </a:defRPr>
             </a:pPr>
             <a:r>
@@ -6938,7 +6883,7 @@
             </a:r>
           </a:p>
           <a:p>
-            <a:pPr lvl="1" marL="1307591" indent="-914400" algn="l" defTabSz="1828800">
+            <a:pPr marL="1307465" lvl="1" indent="-914400" algn="l" defTabSz="1828800">
               <a:lnSpc>
                 <a:spcPct val="90000"/>
               </a:lnSpc>
@@ -6949,12 +6894,12 @@
                 <a:srgbClr val="60B5CC"/>
               </a:buClr>
               <a:buSzPct val="90000"/>
-              <a:buAutoNum type="alphaLcParenR" startAt="1"/>
+              <a:buAutoNum type="alphaLcParenR"/>
               <a:defRPr>
-                <a:latin typeface="Corbel"/>
-                <a:ea typeface="Corbel"/>
-                <a:cs typeface="Corbel"/>
-                <a:sym typeface="Corbel"/>
+                <a:latin typeface="Corbel" panose="020B0503020204020204"/>
+                <a:ea typeface="Corbel" panose="020B0503020204020204"/>
+                <a:cs typeface="Corbel" panose="020B0503020204020204"/>
+                <a:sym typeface="Corbel" panose="020B0503020204020204"/>
               </a:defRPr>
             </a:pPr>
             <a:r>
@@ -6962,7 +6907,7 @@
             </a:r>
           </a:p>
           <a:p>
-            <a:pPr lvl="1" marL="1307591" indent="-914400" algn="l" defTabSz="1828800">
+            <a:pPr marL="1307465" lvl="1" indent="-914400" algn="l" defTabSz="1828800">
               <a:lnSpc>
                 <a:spcPct val="90000"/>
               </a:lnSpc>
@@ -6973,12 +6918,12 @@
                 <a:srgbClr val="60B5CC"/>
               </a:buClr>
               <a:buSzPct val="90000"/>
-              <a:buAutoNum type="alphaLcParenR" startAt="1"/>
+              <a:buAutoNum type="alphaLcParenR"/>
               <a:defRPr>
-                <a:latin typeface="Corbel"/>
-                <a:ea typeface="Corbel"/>
-                <a:cs typeface="Corbel"/>
-                <a:sym typeface="Corbel"/>
+                <a:latin typeface="Corbel" panose="020B0503020204020204"/>
+                <a:ea typeface="Corbel" panose="020B0503020204020204"/>
+                <a:cs typeface="Corbel" panose="020B0503020204020204"/>
+                <a:sym typeface="Corbel" panose="020B0503020204020204"/>
               </a:defRPr>
             </a:pPr>
             <a:r>
@@ -6986,7 +6931,7 @@
             </a:r>
           </a:p>
           <a:p>
-            <a:pPr lvl="1" marL="1307591" indent="-914400" algn="l" defTabSz="1828800">
+            <a:pPr marL="1307465" lvl="1" indent="-914400" algn="l" defTabSz="1828800">
               <a:lnSpc>
                 <a:spcPct val="90000"/>
               </a:lnSpc>
@@ -6997,12 +6942,12 @@
                 <a:srgbClr val="60B5CC"/>
               </a:buClr>
               <a:buSzPct val="90000"/>
-              <a:buAutoNum type="alphaLcParenR" startAt="1"/>
+              <a:buAutoNum type="alphaLcParenR"/>
               <a:defRPr>
-                <a:latin typeface="Corbel"/>
-                <a:ea typeface="Corbel"/>
-                <a:cs typeface="Corbel"/>
-                <a:sym typeface="Corbel"/>
+                <a:latin typeface="Corbel" panose="020B0503020204020204"/>
+                <a:ea typeface="Corbel" panose="020B0503020204020204"/>
+                <a:cs typeface="Corbel" panose="020B0503020204020204"/>
+                <a:sym typeface="Corbel" panose="020B0503020204020204"/>
               </a:defRPr>
             </a:pPr>
             <a:r>
@@ -7010,7 +6955,7 @@
             </a:r>
           </a:p>
           <a:p>
-            <a:pPr lvl="1" marL="1307591" indent="-914400" algn="l" defTabSz="1828800">
+            <a:pPr marL="1307465" lvl="1" indent="-914400" algn="l" defTabSz="1828800">
               <a:lnSpc>
                 <a:spcPct val="90000"/>
               </a:lnSpc>
@@ -7021,12 +6966,12 @@
                 <a:srgbClr val="60B5CC"/>
               </a:buClr>
               <a:buSzPct val="90000"/>
-              <a:buAutoNum type="alphaLcParenR" startAt="1"/>
+              <a:buAutoNum type="alphaLcParenR"/>
               <a:defRPr>
-                <a:latin typeface="Corbel"/>
-                <a:ea typeface="Corbel"/>
-                <a:cs typeface="Corbel"/>
-                <a:sym typeface="Corbel"/>
+                <a:latin typeface="Corbel" panose="020B0503020204020204"/>
+                <a:ea typeface="Corbel" panose="020B0503020204020204"/>
+                <a:cs typeface="Corbel" panose="020B0503020204020204"/>
+                <a:sym typeface="Corbel" panose="020B0503020204020204"/>
               </a:defRPr>
             </a:pPr>
             <a:r>
@@ -7040,7 +6985,7 @@
             </a:r>
           </a:p>
           <a:p>
-            <a:pPr lvl="1" marL="1307591" indent="-914400" algn="l" defTabSz="1828800">
+            <a:pPr marL="1307465" lvl="1" indent="-914400" algn="l" defTabSz="1828800">
               <a:lnSpc>
                 <a:spcPct val="90000"/>
               </a:lnSpc>
@@ -7051,12 +6996,12 @@
                 <a:srgbClr val="60B5CC"/>
               </a:buClr>
               <a:buSzPct val="90000"/>
-              <a:buAutoNum type="alphaLcParenR" startAt="1"/>
+              <a:buAutoNum type="alphaLcParenR"/>
               <a:defRPr>
-                <a:latin typeface="Corbel"/>
-                <a:ea typeface="Corbel"/>
-                <a:cs typeface="Corbel"/>
-                <a:sym typeface="Corbel"/>
+                <a:latin typeface="Corbel" panose="020B0503020204020204"/>
+                <a:ea typeface="Corbel" panose="020B0503020204020204"/>
+                <a:cs typeface="Corbel" panose="020B0503020204020204"/>
+                <a:sym typeface="Corbel" panose="020B0503020204020204"/>
               </a:defRPr>
             </a:pPr>
             <a:r>
@@ -7080,9 +7025,7 @@
           <p:nvPr/>
         </p:nvPicPr>
         <p:blipFill>
-          <a:blip r:embed="rId2">
-            <a:extLst/>
-          </a:blip>
+          <a:blip r:embed="rId1"/>
           <a:stretch>
             <a:fillRect/>
           </a:stretch>
@@ -7097,6 +7040,8 @@
           </a:prstGeom>
           <a:ln w="12700">
             <a:miter lim="400000"/>
+            <a:headEnd/>
+            <a:tailEnd/>
           </a:ln>
         </p:spPr>
       </p:pic>
@@ -7105,14 +7050,21 @@
   <p:clrMapOvr>
     <a:masterClrMapping/>
   </p:clrMapOvr>
-  <p:transition xmlns:p14="http://schemas.microsoft.com/office/powerpoint/2010/main" spd="med" advClick="1" p14:dur="1000"/>
+  <mc:AlternateContent xmlns:mc="http://schemas.openxmlformats.org/markup-compatibility/2006">
+    <mc:Choice xmlns:p14="http://schemas.microsoft.com/office/powerpoint/2010/main" Requires="p14">
+      <p:transition spd="med" p14:dur="1000"/>
+    </mc:Choice>
+    <mc:Fallback>
+      <p:transition spd="med"/>
+    </mc:Fallback>
+  </mc:AlternateContent>
   <p:timing>
     <p:tnLst>
       <p:par>
-        <p:cTn id="1" nodeType="tmRoot" restart="never" dur="indefinite" fill="hold">
+        <p:cTn id="1" dur="indefinite" restart="never" fill="hold" nodeType="tmRoot">
           <p:childTnLst>
-            <p:seq concurrent="1" prevAc="none" nextAc="seek">
-              <p:cTn id="2" nodeType="mainSeq" dur="indefinite" fill="hold">
+            <p:seq concurrent="1" nextAc="seek">
+              <p:cTn id="2" dur="indefinite" fill="hold" nodeType="mainSeq">
                 <p:childTnLst>
                   <p:par>
                     <p:cTn id="3" fill="hold">
@@ -7127,17 +7079,17 @@
                             </p:stCondLst>
                             <p:childTnLst>
                               <p:par>
-                                <p:cTn id="5" presetClass="entr" nodeType="clickEffect" presetID="9" grpId="1" fill="hold">
+                                <p:cTn id="5" presetID="9" presetClass="entr" presetSubtype="0" fill="hold" grpId="1" nodeType="clickEffect">
                                   <p:stCondLst>
                                     <p:cond delay="0"/>
                                   </p:stCondLst>
-                                  <p:iterate type="el" backwards="0">
+                                  <p:iterate type="el">
                                     <p:tmAbs val="0"/>
                                   </p:iterate>
                                   <p:childTnLst>
                                     <p:set>
                                       <p:cBhvr>
-                                        <p:cTn id="6" fill="hold"/>
+                                        <p:cTn id="6" dur="indefinite" fill="hold"/>
                                         <p:tgtEl>
                                           <p:spTgt spid="148">
                                             <p:bg/>
@@ -7151,7 +7103,7 @@
                                         <p:strVal val="visible"/>
                                       </p:to>
                                     </p:set>
-                                    <p:animEffect filter="dissolve" transition="in">
+                                    <p:animEffect transition="in" filter="dissolve">
                                       <p:cBhvr>
                                         <p:cTn id="7" dur="2000"/>
                                         <p:tgtEl>
@@ -7165,17 +7117,17 @@
                                 </p:cTn>
                               </p:par>
                               <p:par>
-                                <p:cTn id="8" presetClass="entr" nodeType="withEffect" presetSubtype="0" presetID="9" grpId="1" fill="hold">
+                                <p:cTn id="8" presetID="9" presetClass="entr" presetSubtype="0" fill="hold" grpId="1" nodeType="withEffect">
                                   <p:stCondLst>
                                     <p:cond delay="0"/>
                                   </p:stCondLst>
-                                  <p:iterate type="el" backwards="0">
+                                  <p:iterate type="el">
                                     <p:tmAbs val="0"/>
                                   </p:iterate>
                                   <p:childTnLst>
                                     <p:set>
                                       <p:cBhvr>
-                                        <p:cTn id="9" fill="hold"/>
+                                        <p:cTn id="9" dur="indefinite" fill="hold"/>
                                         <p:tgtEl>
                                           <p:spTgt spid="148">
                                             <p:txEl>
@@ -7191,7 +7143,7 @@
                                         <p:strVal val="visible"/>
                                       </p:to>
                                     </p:set>
-                                    <p:animEffect filter="dissolve" transition="in">
+                                    <p:animEffect transition="in" filter="dissolve">
                                       <p:cBhvr>
                                         <p:cTn id="10" dur="2000"/>
                                         <p:tgtEl>
@@ -7225,17 +7177,17 @@
                             </p:stCondLst>
                             <p:childTnLst>
                               <p:par>
-                                <p:cTn id="13" presetClass="entr" nodeType="clickEffect" presetID="9" grpId="1" fill="hold">
+                                <p:cTn id="13" presetID="9" presetClass="entr" presetSubtype="0" fill="hold" grpId="1" nodeType="clickEffect">
                                   <p:stCondLst>
                                     <p:cond delay="0"/>
                                   </p:stCondLst>
-                                  <p:iterate type="el" backwards="0">
+                                  <p:iterate type="el">
                                     <p:tmAbs val="0"/>
                                   </p:iterate>
                                   <p:childTnLst>
                                     <p:set>
                                       <p:cBhvr>
-                                        <p:cTn id="14" fill="hold"/>
+                                        <p:cTn id="14" dur="indefinite" fill="hold"/>
                                         <p:tgtEl>
                                           <p:spTgt spid="148">
                                             <p:txEl>
@@ -7251,7 +7203,7 @@
                                         <p:strVal val="visible"/>
                                       </p:to>
                                     </p:set>
-                                    <p:animEffect filter="dissolve" transition="in">
+                                    <p:animEffect transition="in" filter="dissolve">
                                       <p:cBhvr>
                                         <p:cTn id="15" dur="2000"/>
                                         <p:tgtEl>
@@ -7285,17 +7237,17 @@
                             </p:stCondLst>
                             <p:childTnLst>
                               <p:par>
-                                <p:cTn id="18" presetClass="entr" nodeType="clickEffect" presetID="9" grpId="1" fill="hold">
+                                <p:cTn id="18" presetID="9" presetClass="entr" presetSubtype="0" fill="hold" grpId="1" nodeType="clickEffect">
                                   <p:stCondLst>
                                     <p:cond delay="0"/>
                                   </p:stCondLst>
-                                  <p:iterate type="el" backwards="0">
+                                  <p:iterate type="el">
                                     <p:tmAbs val="0"/>
                                   </p:iterate>
                                   <p:childTnLst>
                                     <p:set>
                                       <p:cBhvr>
-                                        <p:cTn id="19" fill="hold"/>
+                                        <p:cTn id="19" dur="indefinite" fill="hold"/>
                                         <p:tgtEl>
                                           <p:spTgt spid="148">
                                             <p:txEl>
@@ -7311,7 +7263,7 @@
                                         <p:strVal val="visible"/>
                                       </p:to>
                                     </p:set>
-                                    <p:animEffect filter="dissolve" transition="in">
+                                    <p:animEffect transition="in" filter="dissolve">
                                       <p:cBhvr>
                                         <p:cTn id="20" dur="2000"/>
                                         <p:tgtEl>
@@ -7345,17 +7297,17 @@
                             </p:stCondLst>
                             <p:childTnLst>
                               <p:par>
-                                <p:cTn id="23" presetClass="entr" nodeType="clickEffect" presetID="9" grpId="1" fill="hold">
+                                <p:cTn id="23" presetID="9" presetClass="entr" presetSubtype="0" fill="hold" grpId="1" nodeType="clickEffect">
                                   <p:stCondLst>
                                     <p:cond delay="0"/>
                                   </p:stCondLst>
-                                  <p:iterate type="el" backwards="0">
+                                  <p:iterate type="el">
                                     <p:tmAbs val="0"/>
                                   </p:iterate>
                                   <p:childTnLst>
                                     <p:set>
                                       <p:cBhvr>
-                                        <p:cTn id="24" fill="hold"/>
+                                        <p:cTn id="24" dur="indefinite" fill="hold"/>
                                         <p:tgtEl>
                                           <p:spTgt spid="148">
                                             <p:txEl>
@@ -7371,7 +7323,7 @@
                                         <p:strVal val="visible"/>
                                       </p:to>
                                     </p:set>
-                                    <p:animEffect filter="dissolve" transition="in">
+                                    <p:animEffect transition="in" filter="dissolve">
                                       <p:cBhvr>
                                         <p:cTn id="25" dur="2000"/>
                                         <p:tgtEl>
@@ -7405,17 +7357,17 @@
                             </p:stCondLst>
                             <p:childTnLst>
                               <p:par>
-                                <p:cTn id="28" presetClass="entr" nodeType="clickEffect" presetID="9" grpId="1" fill="hold">
+                                <p:cTn id="28" presetID="9" presetClass="entr" presetSubtype="0" fill="hold" grpId="1" nodeType="clickEffect">
                                   <p:stCondLst>
                                     <p:cond delay="0"/>
                                   </p:stCondLst>
-                                  <p:iterate type="el" backwards="0">
+                                  <p:iterate type="el">
                                     <p:tmAbs val="0"/>
                                   </p:iterate>
                                   <p:childTnLst>
                                     <p:set>
                                       <p:cBhvr>
-                                        <p:cTn id="29" fill="hold"/>
+                                        <p:cTn id="29" dur="indefinite" fill="hold"/>
                                         <p:tgtEl>
                                           <p:spTgt spid="148">
                                             <p:txEl>
@@ -7431,7 +7383,7 @@
                                         <p:strVal val="visible"/>
                                       </p:to>
                                     </p:set>
-                                    <p:animEffect filter="dissolve" transition="in">
+                                    <p:animEffect transition="in" filter="dissolve">
                                       <p:cBhvr>
                                         <p:cTn id="30" dur="2000"/>
                                         <p:tgtEl>
@@ -7465,17 +7417,17 @@
                             </p:stCondLst>
                             <p:childTnLst>
                               <p:par>
-                                <p:cTn id="33" presetClass="entr" nodeType="clickEffect" presetID="9" grpId="1" fill="hold">
+                                <p:cTn id="33" presetID="9" presetClass="entr" presetSubtype="0" fill="hold" grpId="1" nodeType="clickEffect">
                                   <p:stCondLst>
                                     <p:cond delay="0"/>
                                   </p:stCondLst>
-                                  <p:iterate type="el" backwards="0">
+                                  <p:iterate type="el">
                                     <p:tmAbs val="0"/>
                                   </p:iterate>
                                   <p:childTnLst>
                                     <p:set>
                                       <p:cBhvr>
-                                        <p:cTn id="34" fill="hold"/>
+                                        <p:cTn id="34" dur="indefinite" fill="hold"/>
                                         <p:tgtEl>
                                           <p:spTgt spid="148">
                                             <p:txEl>
@@ -7491,7 +7443,7 @@
                                         <p:strVal val="visible"/>
                                       </p:to>
                                     </p:set>
-                                    <p:animEffect filter="dissolve" transition="in">
+                                    <p:animEffect transition="in" filter="dissolve">
                                       <p:cBhvr>
                                         <p:cTn id="35" dur="2000"/>
                                         <p:tgtEl>
@@ -7525,7 +7477,7 @@
                             </p:stCondLst>
                             <p:childTnLst>
                               <p:par>
-                                <p:cTn id="38" presetClass="emph" nodeType="clickEffect" presetSubtype="0" presetID="6" grpId="2" accel="50000" decel="50000" fill="hold">
+                                <p:cTn id="38" presetID="6" presetClass="emph" presetSubtype="0" accel="50000" decel="50000" fill="hold" grpId="2" nodeType="clickEffect">
                                   <p:stCondLst>
                                     <p:cond delay="0"/>
                                   </p:stCondLst>
@@ -7544,46 +7496,6 @@
                                       <p:by x="150000" y="150000"/>
                                     </p:animScale>
                                   </p:childTnLst>
-                                </p:cTn>
-                              </p:par>
-                              <p:par>
-                                <p:cTn id="40" presetClass="emph" nodeType="withEffect" presetSubtype="0" presetID="6" grpId="2" fill="hold">
-                                  <p:stCondLst>
-                                    <p:cond delay="0"/>
-                                  </p:stCondLst>
-                                  <p:childTnLst/>
-                                </p:cTn>
-                              </p:par>
-                              <p:par>
-                                <p:cTn id="41" presetClass="emph" nodeType="withEffect" presetSubtype="0" presetID="6" grpId="2" fill="hold">
-                                  <p:stCondLst>
-                                    <p:cond delay="0"/>
-                                  </p:stCondLst>
-                                  <p:childTnLst/>
-                                </p:cTn>
-                              </p:par>
-                              <p:par>
-                                <p:cTn id="42" presetClass="emph" nodeType="withEffect" presetSubtype="0" presetID="6" grpId="2" fill="hold">
-                                  <p:stCondLst>
-                                    <p:cond delay="0"/>
-                                  </p:stCondLst>
-                                  <p:childTnLst/>
-                                </p:cTn>
-                              </p:par>
-                              <p:par>
-                                <p:cTn id="43" presetClass="emph" nodeType="withEffect" presetSubtype="0" presetID="6" grpId="2" fill="hold">
-                                  <p:stCondLst>
-                                    <p:cond delay="0"/>
-                                  </p:stCondLst>
-                                  <p:childTnLst/>
-                                </p:cTn>
-                              </p:par>
-                              <p:par>
-                                <p:cTn id="44" presetClass="emph" nodeType="withEffect" presetSubtype="0" presetID="6" grpId="2" fill="hold">
-                                  <p:stCondLst>
-                                    <p:cond delay="0"/>
-                                  </p:stCondLst>
-                                  <p:childTnLst/>
                                 </p:cTn>
                               </p:par>
                             </p:childTnLst>
@@ -7614,15 +7526,15 @@
       </p:par>
     </p:tnLst>
     <p:bldLst>
-      <p:bldP build="p" bldLvl="5" animBg="1" rev="0" advAuto="0" spid="148" grpId="2"/>
-      <p:bldP build="p" bldLvl="5" animBg="1" rev="0" advAuto="0" spid="148" grpId="1"/>
+      <p:bldP spid="148" grpId="2" bldLvl="5" animBg="1" advAuto="0" build="p"/>
+      <p:bldP spid="148" grpId="1" bldLvl="5" animBg="1" advAuto="0" build="p"/>
     </p:bldLst>
   </p:timing>
 </p:sld>
 </file>
 
 <file path=ppt/slides/slide7.xml><?xml version="1.0" encoding="utf-8"?>
-<p:sld xmlns:a="http://schemas.openxmlformats.org/drawingml/2006/main" xmlns:r="http://schemas.openxmlformats.org/officeDocument/2006/relationships" xmlns:p="http://schemas.openxmlformats.org/presentationml/2006/main" showMasterSp="1" showMasterPhAnim="1">
+<p:sld xmlns:a="http://schemas.openxmlformats.org/drawingml/2006/main" xmlns:r="http://schemas.openxmlformats.org/officeDocument/2006/relationships" xmlns:p="http://schemas.openxmlformats.org/presentationml/2006/main">
   <p:cSld>
     <p:spTree>
       <p:nvGrpSpPr>
@@ -7655,7 +7567,6 @@
           <a:bodyPr/>
           <a:lstStyle/>
           <a:p>
-            <a:pPr/>
             <a:r>
               <a:t>I want to teach SE this way</a:t>
             </a:r>
@@ -7679,34 +7590,52 @@
           <a:bodyPr/>
           <a:lstStyle/>
           <a:p>
-            <a:pPr/>
             <a:r>
               <a:t>工欲善其事必先利其器——Typing - VSCode - Git - Vim - RegEx</a:t>
             </a:r>
           </a:p>
           <a:p>
-            <a:pPr/>
             <a:r>
               <a:t>代码中的软件工程——一个工程化C语言项目范例</a:t>
             </a:r>
           </a:p>
           <a:p>
-            <a:pPr/>
             <a:r>
               <a:t>需求分析与设计——从分析到设计的基本方法</a:t>
             </a:r>
           </a:p>
           <a:p>
-            <a:pPr/>
             <a:r>
               <a:t>软件系统设计——代码的结构、特性和描述方法</a:t>
             </a:r>
           </a:p>
           <a:p>
-            <a:pPr/>
             <a:r>
               <a:t>工程过程与项目管理——软件危机的前生后世</a:t>
             </a:r>
+          </a:p>
+          <a:p>
+            <a:r>
+              <a:rPr lang="zh-CN">
+                <a:ea typeface="宋体" panose="02010600030101010101" pitchFamily="2" charset="-122"/>
+              </a:rPr>
+              <a:t>软件集成、测试和发布</a:t>
+            </a:r>
+            <a:r>
+              <a:rPr lang="en-US" altLang="zh-CN">
+                <a:ea typeface="宋体" panose="02010600030101010101" pitchFamily="2" charset="-122"/>
+              </a:rPr>
+              <a:t>——</a:t>
+            </a:r>
+            <a:r>
+              <a:rPr lang="zh-CN">
+                <a:ea typeface="宋体" panose="02010600030101010101" pitchFamily="2" charset="-122"/>
+              </a:rPr>
+              <a:t>构建软件产品</a:t>
+            </a:r>
+            <a:endParaRPr lang="zh-CN">
+              <a:ea typeface="宋体" panose="02010600030101010101" pitchFamily="2" charset="-122"/>
+            </a:endParaRPr>
           </a:p>
         </p:txBody>
       </p:sp>
@@ -7718,7 +7647,7 @@
         </p:nvSpPr>
         <p:spPr>
           <a:xfrm>
-            <a:off x="5703569" y="11721100"/>
+            <a:off x="5703569" y="12046855"/>
             <a:ext cx="12976861" cy="1524001"/>
           </a:xfrm>
           <a:prstGeom prst="rect">
@@ -7727,11 +7656,6 @@
           <a:ln w="12700">
             <a:miter lim="400000"/>
           </a:ln>
-          <a:extLst>
-            <a:ext uri="{C572A759-6A51-4108-AA02-DFA0A04FC94B}">
-              <ma14:wrappingTextBoxFlag xmlns:ma14="http://schemas.microsoft.com/office/mac/drawingml/2011/main" val="1"/>
-            </a:ext>
-          </a:extLst>
         </p:spPr>
         <p:txBody>
           <a:bodyPr wrap="none" lIns="50800" tIns="50800" rIns="50800" bIns="50800" anchor="ctr">
@@ -7743,7 +7667,6 @@
             </a:lvl1pPr>
           </a:lstStyle>
           <a:p>
-            <a:pPr/>
             <a:r>
               <a:t>课程实验作业+工程实践项目</a:t>
             </a:r>
@@ -7755,14 +7678,21 @@
   <p:clrMapOvr>
     <a:masterClrMapping/>
   </p:clrMapOvr>
-  <p:transition xmlns:p14="http://schemas.microsoft.com/office/powerpoint/2010/main" spd="med" advClick="1" p14:dur="1000"/>
+  <mc:AlternateContent xmlns:mc="http://schemas.openxmlformats.org/markup-compatibility/2006">
+    <mc:Choice xmlns:p14="http://schemas.microsoft.com/office/powerpoint/2010/main" Requires="p14">
+      <p:transition spd="med" p14:dur="1000"/>
+    </mc:Choice>
+    <mc:Fallback>
+      <p:transition spd="med"/>
+    </mc:Fallback>
+  </mc:AlternateContent>
   <p:timing>
     <p:tnLst>
       <p:par>
-        <p:cTn id="1" nodeType="tmRoot" restart="never" dur="indefinite" fill="hold">
+        <p:cTn id="1" dur="indefinite" restart="never" fill="hold" nodeType="tmRoot">
           <p:childTnLst>
-            <p:seq concurrent="1" prevAc="none" nextAc="seek">
-              <p:cTn id="2" nodeType="mainSeq" dur="indefinite" fill="hold">
+            <p:seq concurrent="1" nextAc="seek">
+              <p:cTn id="2" dur="indefinite" fill="hold" nodeType="mainSeq">
                 <p:childTnLst>
                   <p:par>
                     <p:cTn id="3" fill="hold">
@@ -7777,17 +7707,17 @@
                             </p:stCondLst>
                             <p:childTnLst>
                               <p:par>
-                                <p:cTn id="5" presetClass="entr" nodeType="clickEffect" presetSubtype="8" presetID="2" grpId="1" fill="hold">
+                                <p:cTn id="5" presetID="2" presetClass="entr" presetSubtype="8" fill="hold" grpId="1" nodeType="clickEffect">
                                   <p:stCondLst>
                                     <p:cond delay="0"/>
                                   </p:stCondLst>
-                                  <p:iterate type="lt" backwards="0">
+                                  <p:iterate type="lt">
                                     <p:tmAbs val="0"/>
                                   </p:iterate>
                                   <p:childTnLst>
                                     <p:set>
                                       <p:cBhvr>
-                                        <p:cTn id="6" fill="hold"/>
+                                        <p:cTn id="6" dur="indefinite" fill="hold"/>
                                         <p:tgtEl>
                                           <p:spTgt spid="153"/>
                                         </p:tgtEl>
@@ -7876,14 +7806,14 @@
       </p:par>
     </p:tnLst>
     <p:bldLst>
-      <p:bldP build="whole" bldLvl="1" animBg="1" rev="0" advAuto="0" spid="153" grpId="1"/>
+      <p:bldP spid="153" grpId="1" animBg="1" advAuto="0"/>
     </p:bldLst>
   </p:timing>
 </p:sld>
 </file>
 
 <file path=ppt/slides/slide8.xml><?xml version="1.0" encoding="utf-8"?>
-<p:sld xmlns:a="http://schemas.openxmlformats.org/drawingml/2006/main" xmlns:r="http://schemas.openxmlformats.org/officeDocument/2006/relationships" xmlns:p="http://schemas.openxmlformats.org/presentationml/2006/main" showMasterSp="1" showMasterPhAnim="1">
+<p:sld xmlns:a="http://schemas.openxmlformats.org/drawingml/2006/main" xmlns:r="http://schemas.openxmlformats.org/officeDocument/2006/relationships" xmlns:p="http://schemas.openxmlformats.org/presentationml/2006/main">
   <p:cSld>
     <p:spTree>
       <p:nvGrpSpPr>
@@ -7927,6 +7857,7 @@
               <a:rPr b="1"/>
               <a:t>为啥那么多动手的练习？</a:t>
             </a:r>
+            <a:endParaRPr b="1"/>
           </a:p>
         </p:txBody>
       </p:sp>
@@ -7951,19 +7882,17 @@
           <a:bodyPr/>
           <a:lstStyle/>
           <a:p>
-            <a:pPr/>
             <a:r>
               <a:t>因为以前动手太少</a:t>
             </a:r>
           </a:p>
           <a:p>
-            <a:pPr/>
             <a:r>
               <a:t>没有量的积累，不会有进一步讨论和探索的基础，也没有掌握理论的条件。 </a:t>
             </a:r>
           </a:p>
           <a:p>
-            <a:pPr marL="0" indent="118871">
+            <a:pPr marL="0" indent="118745">
               <a:buSzTx/>
               <a:buNone/>
             </a:pPr>
@@ -7978,14 +7907,21 @@
   <p:clrMapOvr>
     <a:masterClrMapping/>
   </p:clrMapOvr>
-  <p:transition xmlns:p14="http://schemas.microsoft.com/office/powerpoint/2010/main" spd="med" advClick="1" p14:dur="1000"/>
+  <mc:AlternateContent xmlns:mc="http://schemas.openxmlformats.org/markup-compatibility/2006">
+    <mc:Choice xmlns:p14="http://schemas.microsoft.com/office/powerpoint/2010/main" Requires="p14">
+      <p:transition spd="med" p14:dur="1000"/>
+    </mc:Choice>
+    <mc:Fallback>
+      <p:transition spd="med"/>
+    </mc:Fallback>
+  </mc:AlternateContent>
   <p:timing>
     <p:tnLst>
       <p:par>
-        <p:cTn id="1" nodeType="tmRoot" restart="never" dur="indefinite" fill="hold">
+        <p:cTn id="1" dur="indefinite" restart="never" fill="hold" nodeType="tmRoot">
           <p:childTnLst>
-            <p:seq concurrent="1" prevAc="none" nextAc="seek">
-              <p:cTn id="2" nodeType="mainSeq" dur="indefinite" fill="hold">
+            <p:seq concurrent="1" nextAc="seek">
+              <p:cTn id="2" dur="indefinite" fill="hold" nodeType="mainSeq">
                 <p:childTnLst>
                   <p:par>
                     <p:cTn id="3" fill="hold">
@@ -8000,17 +7936,17 @@
                             </p:stCondLst>
                             <p:childTnLst>
                               <p:par>
-                                <p:cTn id="5" presetClass="entr" nodeType="clickEffect" presetID="9" grpId="1" fill="hold">
+                                <p:cTn id="5" presetID="9" presetClass="entr" presetSubtype="0" fill="hold" grpId="1" nodeType="clickEffect">
                                   <p:stCondLst>
                                     <p:cond delay="0"/>
                                   </p:stCondLst>
-                                  <p:iterate type="el" backwards="0">
+                                  <p:iterate type="el">
                                     <p:tmAbs val="0"/>
                                   </p:iterate>
                                   <p:childTnLst>
                                     <p:set>
                                       <p:cBhvr>
-                                        <p:cTn id="6" fill="hold"/>
+                                        <p:cTn id="6" dur="indefinite" fill="hold"/>
                                         <p:tgtEl>
                                           <p:spTgt spid="156">
                                             <p:bg/>
@@ -8024,7 +7960,7 @@
                                         <p:strVal val="visible"/>
                                       </p:to>
                                     </p:set>
-                                    <p:animEffect filter="dissolve" transition="in">
+                                    <p:animEffect transition="in" filter="dissolve">
                                       <p:cBhvr>
                                         <p:cTn id="7" dur="2000"/>
                                         <p:tgtEl>
@@ -8038,17 +7974,17 @@
                                 </p:cTn>
                               </p:par>
                               <p:par>
-                                <p:cTn id="8" presetClass="entr" nodeType="withEffect" presetSubtype="0" presetID="9" grpId="1" fill="hold">
+                                <p:cTn id="8" presetID="9" presetClass="entr" presetSubtype="0" fill="hold" grpId="1" nodeType="withEffect">
                                   <p:stCondLst>
                                     <p:cond delay="0"/>
                                   </p:stCondLst>
-                                  <p:iterate type="el" backwards="0">
+                                  <p:iterate type="el">
                                     <p:tmAbs val="0"/>
                                   </p:iterate>
                                   <p:childTnLst>
                                     <p:set>
                                       <p:cBhvr>
-                                        <p:cTn id="9" fill="hold"/>
+                                        <p:cTn id="9" dur="indefinite" fill="hold"/>
                                         <p:tgtEl>
                                           <p:spTgt spid="156">
                                             <p:txEl>
@@ -8064,7 +8000,7 @@
                                         <p:strVal val="visible"/>
                                       </p:to>
                                     </p:set>
-                                    <p:animEffect filter="dissolve" transition="in">
+                                    <p:animEffect transition="in" filter="dissolve">
                                       <p:cBhvr>
                                         <p:cTn id="10" dur="2000"/>
                                         <p:tgtEl>
@@ -8098,17 +8034,17 @@
                             </p:stCondLst>
                             <p:childTnLst>
                               <p:par>
-                                <p:cTn id="13" presetClass="entr" nodeType="clickEffect" presetID="9" grpId="1" fill="hold">
+                                <p:cTn id="13" presetID="9" presetClass="entr" presetSubtype="0" fill="hold" grpId="1" nodeType="clickEffect">
                                   <p:stCondLst>
                                     <p:cond delay="0"/>
                                   </p:stCondLst>
-                                  <p:iterate type="el" backwards="0">
+                                  <p:iterate type="el">
                                     <p:tmAbs val="0"/>
                                   </p:iterate>
                                   <p:childTnLst>
                                     <p:set>
                                       <p:cBhvr>
-                                        <p:cTn id="14" fill="hold"/>
+                                        <p:cTn id="14" dur="indefinite" fill="hold"/>
                                         <p:tgtEl>
                                           <p:spTgt spid="156">
                                             <p:txEl>
@@ -8124,7 +8060,7 @@
                                         <p:strVal val="visible"/>
                                       </p:to>
                                     </p:set>
-                                    <p:animEffect filter="dissolve" transition="in">
+                                    <p:animEffect transition="in" filter="dissolve">
                                       <p:cBhvr>
                                         <p:cTn id="15" dur="2000"/>
                                         <p:tgtEl>
@@ -8158,17 +8094,17 @@
                             </p:stCondLst>
                             <p:childTnLst>
                               <p:par>
-                                <p:cTn id="18" presetClass="entr" nodeType="clickEffect" presetID="9" grpId="1" fill="hold">
+                                <p:cTn id="18" presetID="9" presetClass="entr" presetSubtype="0" fill="hold" grpId="1" nodeType="clickEffect">
                                   <p:stCondLst>
                                     <p:cond delay="0"/>
                                   </p:stCondLst>
-                                  <p:iterate type="el" backwards="0">
+                                  <p:iterate type="el">
                                     <p:tmAbs val="0"/>
                                   </p:iterate>
                                   <p:childTnLst>
                                     <p:set>
                                       <p:cBhvr>
-                                        <p:cTn id="19" fill="hold"/>
+                                        <p:cTn id="19" dur="indefinite" fill="hold"/>
                                         <p:tgtEl>
                                           <p:spTgt spid="156">
                                             <p:txEl>
@@ -8184,7 +8120,7 @@
                                         <p:strVal val="visible"/>
                                       </p:to>
                                     </p:set>
-                                    <p:animEffect filter="dissolve" transition="in">
+                                    <p:animEffect transition="in" filter="dissolve">
                                       <p:cBhvr>
                                         <p:cTn id="20" dur="2000"/>
                                         <p:tgtEl>
@@ -8227,14 +8163,14 @@
       </p:par>
     </p:tnLst>
     <p:bldLst>
-      <p:bldP build="p" bldLvl="1" animBg="1" rev="0" advAuto="0" spid="156" grpId="1"/>
+      <p:bldP spid="156" grpId="1" animBg="1" advAuto="0" build="p"/>
     </p:bldLst>
   </p:timing>
 </p:sld>
 </file>
 
 <file path=ppt/slides/slide9.xml><?xml version="1.0" encoding="utf-8"?>
-<p:sld xmlns:a="http://schemas.openxmlformats.org/drawingml/2006/main" xmlns:r="http://schemas.openxmlformats.org/officeDocument/2006/relationships" xmlns:p="http://schemas.openxmlformats.org/presentationml/2006/main" showMasterSp="1" showMasterPhAnim="1">
+<p:sld xmlns:a="http://schemas.openxmlformats.org/drawingml/2006/main" xmlns:r="http://schemas.openxmlformats.org/officeDocument/2006/relationships" xmlns:p="http://schemas.openxmlformats.org/presentationml/2006/main">
   <p:cSld>
     <p:spTree>
       <p:nvGrpSpPr>
@@ -8278,6 +8214,7 @@
               <a:rPr b="1"/>
               <a:t>陶艺课</a:t>
             </a:r>
+            <a:endParaRPr b="1"/>
           </a:p>
         </p:txBody>
       </p:sp>
@@ -8290,9 +8227,7 @@
           <p:nvPr/>
         </p:nvPicPr>
         <p:blipFill>
-          <a:blip r:embed="rId2">
-            <a:extLst/>
-          </a:blip>
+          <a:blip r:embed="rId1"/>
           <a:stretch>
             <a:fillRect/>
           </a:stretch>
@@ -8307,6 +8242,8 @@
           </a:prstGeom>
           <a:ln w="12700">
             <a:miter lim="400000"/>
+            <a:headEnd/>
+            <a:tailEnd/>
           </a:ln>
         </p:spPr>
       </p:pic>
@@ -8327,11 +8264,6 @@
           <a:ln w="12700">
             <a:miter lim="400000"/>
           </a:ln>
-          <a:extLst>
-            <a:ext uri="{C572A759-6A51-4108-AA02-DFA0A04FC94B}">
-              <ma14:wrappingTextBoxFlag xmlns:ma14="http://schemas.microsoft.com/office/mac/drawingml/2011/main" val="1"/>
-            </a:ext>
-          </a:extLst>
         </p:spPr>
         <p:txBody>
           <a:bodyPr tIns="91439" bIns="91439">
@@ -8341,10 +8273,10 @@
           <a:p>
             <a:pPr algn="l" defTabSz="1828800">
               <a:defRPr sz="4000">
-                <a:latin typeface="Corbel"/>
-                <a:ea typeface="Corbel"/>
-                <a:cs typeface="Corbel"/>
-                <a:sym typeface="Corbel"/>
+                <a:latin typeface="Corbel" panose="020B0503020204020204"/>
+                <a:ea typeface="Corbel" panose="020B0503020204020204"/>
+                <a:cs typeface="Corbel" panose="020B0503020204020204"/>
+                <a:sym typeface="Corbel" panose="020B0503020204020204"/>
               </a:defRPr>
             </a:pPr>
             <a:r>
@@ -8354,13 +8286,13 @@
           <a:p>
             <a:pPr marL="571500" indent="-571500" algn="l" defTabSz="1828800">
               <a:buSzPct val="100000"/>
-              <a:buFont typeface="Arial"/>
+              <a:buFont typeface="Arial" panose="020B0604020202020204"/>
               <a:buChar char="•"/>
               <a:defRPr sz="4000">
-                <a:latin typeface="Corbel"/>
-                <a:ea typeface="Corbel"/>
-                <a:cs typeface="Corbel"/>
-                <a:sym typeface="Corbel"/>
+                <a:latin typeface="Corbel" panose="020B0503020204020204"/>
+                <a:ea typeface="Corbel" panose="020B0503020204020204"/>
+                <a:cs typeface="Corbel" panose="020B0503020204020204"/>
+                <a:sym typeface="Corbel" panose="020B0503020204020204"/>
               </a:defRPr>
             </a:pPr>
             <a:r>
@@ -8370,13 +8302,13 @@
           <a:p>
             <a:pPr marL="571500" indent="-571500" algn="l" defTabSz="1828800">
               <a:buSzPct val="100000"/>
-              <a:buFont typeface="Arial"/>
+              <a:buFont typeface="Arial" panose="020B0604020202020204"/>
               <a:buChar char="•"/>
               <a:defRPr sz="4000">
-                <a:latin typeface="Corbel"/>
-                <a:ea typeface="Corbel"/>
-                <a:cs typeface="Corbel"/>
-                <a:sym typeface="Corbel"/>
+                <a:latin typeface="Corbel" panose="020B0503020204020204"/>
+                <a:ea typeface="Corbel" panose="020B0503020204020204"/>
+                <a:cs typeface="Corbel" panose="020B0503020204020204"/>
+                <a:sym typeface="Corbel" panose="020B0503020204020204"/>
               </a:defRPr>
             </a:pPr>
             <a:r>
@@ -8392,13 +8324,13 @@
           <a:p>
             <a:pPr marL="571500" indent="-571500" algn="l" defTabSz="1828800">
               <a:buSzPct val="100000"/>
-              <a:buFont typeface="Arial"/>
+              <a:buFont typeface="Arial" panose="020B0604020202020204"/>
               <a:buChar char="•"/>
               <a:defRPr sz="4000">
-                <a:latin typeface="Corbel"/>
-                <a:ea typeface="Corbel"/>
-                <a:cs typeface="Corbel"/>
-                <a:sym typeface="Corbel"/>
+                <a:latin typeface="Corbel" panose="020B0503020204020204"/>
+                <a:ea typeface="Corbel" panose="020B0503020204020204"/>
+                <a:cs typeface="Corbel" panose="020B0503020204020204"/>
+                <a:sym typeface="Corbel" panose="020B0503020204020204"/>
               </a:defRPr>
             </a:pPr>
             <a:r>
@@ -8408,10 +8340,10 @@
           <a:p>
             <a:pPr algn="l" defTabSz="1828800">
               <a:defRPr sz="4000">
-                <a:latin typeface="Corbel"/>
-                <a:ea typeface="Corbel"/>
-                <a:cs typeface="Corbel"/>
-                <a:sym typeface="Corbel"/>
+                <a:latin typeface="Corbel" panose="020B0503020204020204"/>
+                <a:ea typeface="Corbel" panose="020B0503020204020204"/>
+                <a:cs typeface="Corbel" panose="020B0503020204020204"/>
+                <a:sym typeface="Corbel" panose="020B0503020204020204"/>
               </a:defRPr>
             </a:pPr>
             <a:r>
@@ -8424,21 +8356,30 @@
                     <a:srgbClr val="168BBA"/>
                   </a:solidFill>
                 </a:uFill>
-                <a:hlinkClick r:id="rId3" invalidUrl="" action="" tgtFrame="" tooltip="" history="1" highlightClick="0" endSnd="0"/>
               </a:rPr>
               <a:t>http://www.cnblogs.com/codingcrazy/archive/2011/02/28/1967503.html</a:t>
             </a:r>
+            <a:endParaRPr u="sng">
+              <a:solidFill>
+                <a:srgbClr val="168BBA"/>
+              </a:solidFill>
+              <a:uFill>
+                <a:solidFill>
+                  <a:srgbClr val="168BBA"/>
+                </a:solidFill>
+              </a:uFill>
+            </a:endParaRPr>
           </a:p>
           <a:p>
             <a:pPr marL="571500" indent="-571500" algn="l" defTabSz="1828800">
               <a:buSzPct val="100000"/>
-              <a:buFont typeface="Arial"/>
+              <a:buFont typeface="Arial" panose="020B0604020202020204"/>
               <a:buChar char="•"/>
               <a:defRPr sz="4000">
-                <a:latin typeface="Corbel"/>
-                <a:ea typeface="Corbel"/>
-                <a:cs typeface="Corbel"/>
-                <a:sym typeface="Corbel"/>
+                <a:latin typeface="Corbel" panose="020B0503020204020204"/>
+                <a:ea typeface="Corbel" panose="020B0503020204020204"/>
+                <a:cs typeface="Corbel" panose="020B0503020204020204"/>
+                <a:sym typeface="Corbel" panose="020B0503020204020204"/>
               </a:defRPr>
             </a:pPr>
           </a:p>
@@ -8449,12 +8390,19 @@
   <p:clrMapOvr>
     <a:masterClrMapping/>
   </p:clrMapOvr>
-  <p:transition xmlns:p14="http://schemas.microsoft.com/office/powerpoint/2010/main" spd="med" advClick="1" p14:dur="1000"/>
+  <mc:AlternateContent xmlns:mc="http://schemas.openxmlformats.org/markup-compatibility/2006">
+    <mc:Choice xmlns:p14="http://schemas.microsoft.com/office/powerpoint/2010/main" Requires="p14">
+      <p:transition spd="med" p14:dur="1000"/>
+    </mc:Choice>
+    <mc:Fallback>
+      <p:transition spd="med"/>
+    </mc:Fallback>
+  </mc:AlternateContent>
 </p:sld>
 </file>
 
 <file path=ppt/theme/theme1.xml><?xml version="1.0" encoding="utf-8"?>
-<a:theme xmlns:a="http://schemas.openxmlformats.org/drawingml/2006/main" xmlns:r="http://schemas.openxmlformats.org/officeDocument/2006/relationships" name="White">
+<a:theme xmlns:a="http://schemas.openxmlformats.org/drawingml/2006/main" name="White">
   <a:themeElements>
     <a:clrScheme name="White">
       <a:dk1>
@@ -8580,7 +8528,7 @@
       <a:effectStyleLst>
         <a:effectStyle>
           <a:effectLst>
-            <a:outerShdw sx="100000" sy="100000" kx="0" ky="0" algn="b" rotWithShape="0" blurRad="38100" dist="25400" dir="5400000">
+            <a:outerShdw blurRad="38100" dist="25400" dir="5400000" rotWithShape="0">
               <a:srgbClr val="000000">
                 <a:alpha val="50000"/>
               </a:srgbClr>
@@ -8589,7 +8537,7 @@
         </a:effectStyle>
         <a:effectStyle>
           <a:effectLst>
-            <a:outerShdw sx="100000" sy="100000" kx="0" ky="0" algn="b" rotWithShape="0" blurRad="50800" dist="12700" dir="0">
+            <a:outerShdw blurRad="50800" dist="12700" rotWithShape="0">
               <a:srgbClr val="000000">
                 <a:alpha val="50000"/>
               </a:srgbClr>
@@ -8598,7 +8546,7 @@
         </a:effectStyle>
         <a:effectStyle>
           <a:effectLst>
-            <a:outerShdw sx="100000" sy="100000" kx="0" ky="0" algn="b" rotWithShape="0" blurRad="38100" dist="25400" dir="5400000">
+            <a:outerShdw blurRad="38100" dist="25400" dir="5400000" rotWithShape="0">
               <a:srgbClr val="000000">
                 <a:alpha val="50000"/>
               </a:srgbClr>
@@ -8662,8 +8610,8 @@
     <a:spDef>
       <a:spPr>
         <a:blipFill rotWithShape="1">
-          <a:blip r:embed="rId1"/>
-          <a:srcRect l="0" t="0" r="0" b="0"/>
+          <a:blip xmlns:r="http://schemas.openxmlformats.org/officeDocument/2006/relationships" r:embed="rId1"/>
+          <a:srcRect/>
           <a:tile tx="0" ty="0" sx="100000" sy="100000" flip="none" algn="tl"/>
         </a:blipFill>
         <a:ln w="12700" cap="flat">
@@ -8671,13 +8619,12 @@
           <a:miter lim="400000"/>
         </a:ln>
         <a:effectLst>
-          <a:outerShdw sx="100000" sy="100000" kx="0" ky="0" algn="b" rotWithShape="0" blurRad="38100" dist="25400" dir="5400000">
+          <a:outerShdw blurRad="38100" dist="25400" dir="5400000" rotWithShape="0">
             <a:srgbClr val="000000">
               <a:alpha val="50000"/>
             </a:srgbClr>
           </a:outerShdw>
         </a:effectLst>
-        <a:sp3d/>
       </a:spPr>
       <a:bodyPr rot="0" spcFirstLastPara="1" vertOverflow="overflow" horzOverflow="overflow" vert="horz" wrap="square" lIns="50800" tIns="50800" rIns="50800" bIns="50800" numCol="1" spcCol="38100" rtlCol="0" anchor="ctr" upright="0">
         <a:spAutoFit/>
@@ -8697,8 +8644,7 @@
           <a:buSzTx/>
           <a:buFontTx/>
           <a:buNone/>
-          <a:tabLst/>
-          <a:defRPr b="0" baseline="0" cap="none" i="0" spc="0" strike="noStrike" sz="3200" u="none" kumimoji="0" normalizeH="0">
+          <a:defRPr kumimoji="0" sz="3200" b="0" i="0" u="none" strike="noStrike" cap="none" spc="0" normalizeH="0" baseline="0">
             <a:ln>
               <a:noFill/>
             </a:ln>
@@ -8727,8 +8673,7 @@
           <a:buSzTx/>
           <a:buFontTx/>
           <a:buNone/>
-          <a:tabLst/>
-          <a:defRPr b="0" baseline="0" cap="none" i="0" spc="0" strike="noStrike" sz="1800" u="none" kumimoji="0" normalizeH="0">
+          <a:defRPr kumimoji="0" sz="1800" b="0" i="0" u="none" strike="noStrike" cap="none" spc="0" normalizeH="0" baseline="0">
             <a:ln>
               <a:noFill/>
             </a:ln>
@@ -8753,8 +8698,7 @@
           <a:buSzTx/>
           <a:buFontTx/>
           <a:buNone/>
-          <a:tabLst/>
-          <a:defRPr b="0" baseline="0" cap="none" i="0" spc="0" strike="noStrike" sz="1800" u="none" kumimoji="0" normalizeH="0">
+          <a:defRPr kumimoji="0" sz="1800" b="0" i="0" u="none" strike="noStrike" cap="none" spc="0" normalizeH="0" baseline="0">
             <a:ln>
               <a:noFill/>
             </a:ln>
@@ -8779,8 +8723,7 @@
           <a:buSzTx/>
           <a:buFontTx/>
           <a:buNone/>
-          <a:tabLst/>
-          <a:defRPr b="0" baseline="0" cap="none" i="0" spc="0" strike="noStrike" sz="1800" u="none" kumimoji="0" normalizeH="0">
+          <a:defRPr kumimoji="0" sz="1800" b="0" i="0" u="none" strike="noStrike" cap="none" spc="0" normalizeH="0" baseline="0">
             <a:ln>
               <a:noFill/>
             </a:ln>
@@ -8805,8 +8748,7 @@
           <a:buSzTx/>
           <a:buFontTx/>
           <a:buNone/>
-          <a:tabLst/>
-          <a:defRPr b="0" baseline="0" cap="none" i="0" spc="0" strike="noStrike" sz="1800" u="none" kumimoji="0" normalizeH="0">
+          <a:defRPr kumimoji="0" sz="1800" b="0" i="0" u="none" strike="noStrike" cap="none" spc="0" normalizeH="0" baseline="0">
             <a:ln>
               <a:noFill/>
             </a:ln>
@@ -8831,8 +8773,7 @@
           <a:buSzTx/>
           <a:buFontTx/>
           <a:buNone/>
-          <a:tabLst/>
-          <a:defRPr b="0" baseline="0" cap="none" i="0" spc="0" strike="noStrike" sz="1800" u="none" kumimoji="0" normalizeH="0">
+          <a:defRPr kumimoji="0" sz="1800" b="0" i="0" u="none" strike="noStrike" cap="none" spc="0" normalizeH="0" baseline="0">
             <a:ln>
               <a:noFill/>
             </a:ln>
@@ -8857,8 +8798,7 @@
           <a:buSzTx/>
           <a:buFontTx/>
           <a:buNone/>
-          <a:tabLst/>
-          <a:defRPr b="0" baseline="0" cap="none" i="0" spc="0" strike="noStrike" sz="1800" u="none" kumimoji="0" normalizeH="0">
+          <a:defRPr kumimoji="0" sz="1800" b="0" i="0" u="none" strike="noStrike" cap="none" spc="0" normalizeH="0" baseline="0">
             <a:ln>
               <a:noFill/>
             </a:ln>
@@ -8883,8 +8823,7 @@
           <a:buSzTx/>
           <a:buFontTx/>
           <a:buNone/>
-          <a:tabLst/>
-          <a:defRPr b="0" baseline="0" cap="none" i="0" spc="0" strike="noStrike" sz="1800" u="none" kumimoji="0" normalizeH="0">
+          <a:defRPr kumimoji="0" sz="1800" b="0" i="0" u="none" strike="noStrike" cap="none" spc="0" normalizeH="0" baseline="0">
             <a:ln>
               <a:noFill/>
             </a:ln>
@@ -8909,8 +8848,7 @@
           <a:buSzTx/>
           <a:buFontTx/>
           <a:buNone/>
-          <a:tabLst/>
-          <a:defRPr b="0" baseline="0" cap="none" i="0" spc="0" strike="noStrike" sz="1800" u="none" kumimoji="0" normalizeH="0">
+          <a:defRPr kumimoji="0" sz="1800" b="0" i="0" u="none" strike="noStrike" cap="none" spc="0" normalizeH="0" baseline="0">
             <a:ln>
               <a:noFill/>
             </a:ln>
@@ -8935,8 +8873,7 @@
           <a:buSzTx/>
           <a:buFontTx/>
           <a:buNone/>
-          <a:tabLst/>
-          <a:defRPr b="0" baseline="0" cap="none" i="0" spc="0" strike="noStrike" sz="1800" u="none" kumimoji="0" normalizeH="0">
+          <a:defRPr kumimoji="0" sz="1800" b="0" i="0" u="none" strike="noStrike" cap="none" spc="0" normalizeH="0" baseline="0">
             <a:ln>
               <a:noFill/>
             </a:ln>
@@ -8949,9 +8886,15 @@
         </a:lvl9pPr>
       </a:lstStyle>
       <a:style>
-        <a:lnRef idx="0"/>
-        <a:fillRef idx="0"/>
-        <a:effectRef idx="0"/>
+        <a:lnRef idx="0">
+          <a:srgbClr val="FFFFFF"/>
+        </a:lnRef>
+        <a:fillRef idx="0">
+          <a:srgbClr val="FFFFFF"/>
+        </a:fillRef>
+        <a:effectRef idx="0">
+          <a:srgbClr val="FFFFFF"/>
+        </a:effectRef>
         <a:fontRef idx="none"/>
       </a:style>
     </a:spDef>
@@ -8965,8 +8908,6 @@
           <a:prstDash val="solid"/>
           <a:miter lim="400000"/>
         </a:ln>
-        <a:effectLst/>
-        <a:sp3d/>
       </a:spPr>
       <a:bodyPr rot="0" spcFirstLastPara="1" vertOverflow="overflow" horzOverflow="overflow" vert="horz" wrap="square" lIns="91439" tIns="45719" rIns="91439" bIns="45719" numCol="1" spcCol="38100" rtlCol="0" anchor="t" upright="0">
         <a:noAutofit/>
@@ -8986,8 +8927,7 @@
           <a:buSzTx/>
           <a:buFontTx/>
           <a:buNone/>
-          <a:tabLst/>
-          <a:defRPr b="0" baseline="0" cap="none" i="0" spc="0" strike="noStrike" sz="1800" u="none" kumimoji="0" normalizeH="0">
+          <a:defRPr kumimoji="0" sz="1800" b="0" i="0" u="none" strike="noStrike" cap="none" spc="0" normalizeH="0" baseline="0">
             <a:ln>
               <a:noFill/>
             </a:ln>
@@ -9012,8 +8952,7 @@
           <a:buSzTx/>
           <a:buFontTx/>
           <a:buNone/>
-          <a:tabLst/>
-          <a:defRPr b="0" baseline="0" cap="none" i="0" spc="0" strike="noStrike" sz="1800" u="none" kumimoji="0" normalizeH="0">
+          <a:defRPr kumimoji="0" sz="1800" b="0" i="0" u="none" strike="noStrike" cap="none" spc="0" normalizeH="0" baseline="0">
             <a:ln>
               <a:noFill/>
             </a:ln>
@@ -9038,8 +8977,7 @@
           <a:buSzTx/>
           <a:buFontTx/>
           <a:buNone/>
-          <a:tabLst/>
-          <a:defRPr b="0" baseline="0" cap="none" i="0" spc="0" strike="noStrike" sz="1800" u="none" kumimoji="0" normalizeH="0">
+          <a:defRPr kumimoji="0" sz="1800" b="0" i="0" u="none" strike="noStrike" cap="none" spc="0" normalizeH="0" baseline="0">
             <a:ln>
               <a:noFill/>
             </a:ln>
@@ -9064,8 +9002,7 @@
           <a:buSzTx/>
           <a:buFontTx/>
           <a:buNone/>
-          <a:tabLst/>
-          <a:defRPr b="0" baseline="0" cap="none" i="0" spc="0" strike="noStrike" sz="1800" u="none" kumimoji="0" normalizeH="0">
+          <a:defRPr kumimoji="0" sz="1800" b="0" i="0" u="none" strike="noStrike" cap="none" spc="0" normalizeH="0" baseline="0">
             <a:ln>
               <a:noFill/>
             </a:ln>
@@ -9090,8 +9027,7 @@
           <a:buSzTx/>
           <a:buFontTx/>
           <a:buNone/>
-          <a:tabLst/>
-          <a:defRPr b="0" baseline="0" cap="none" i="0" spc="0" strike="noStrike" sz="1800" u="none" kumimoji="0" normalizeH="0">
+          <a:defRPr kumimoji="0" sz="1800" b="0" i="0" u="none" strike="noStrike" cap="none" spc="0" normalizeH="0" baseline="0">
             <a:ln>
               <a:noFill/>
             </a:ln>
@@ -9116,8 +9052,7 @@
           <a:buSzTx/>
           <a:buFontTx/>
           <a:buNone/>
-          <a:tabLst/>
-          <a:defRPr b="0" baseline="0" cap="none" i="0" spc="0" strike="noStrike" sz="1800" u="none" kumimoji="0" normalizeH="0">
+          <a:defRPr kumimoji="0" sz="1800" b="0" i="0" u="none" strike="noStrike" cap="none" spc="0" normalizeH="0" baseline="0">
             <a:ln>
               <a:noFill/>
             </a:ln>
@@ -9142,8 +9077,7 @@
           <a:buSzTx/>
           <a:buFontTx/>
           <a:buNone/>
-          <a:tabLst/>
-          <a:defRPr b="0" baseline="0" cap="none" i="0" spc="0" strike="noStrike" sz="1800" u="none" kumimoji="0" normalizeH="0">
+          <a:defRPr kumimoji="0" sz="1800" b="0" i="0" u="none" strike="noStrike" cap="none" spc="0" normalizeH="0" baseline="0">
             <a:ln>
               <a:noFill/>
             </a:ln>
@@ -9168,8 +9102,7 @@
           <a:buSzTx/>
           <a:buFontTx/>
           <a:buNone/>
-          <a:tabLst/>
-          <a:defRPr b="0" baseline="0" cap="none" i="0" spc="0" strike="noStrike" sz="1800" u="none" kumimoji="0" normalizeH="0">
+          <a:defRPr kumimoji="0" sz="1800" b="0" i="0" u="none" strike="noStrike" cap="none" spc="0" normalizeH="0" baseline="0">
             <a:ln>
               <a:noFill/>
             </a:ln>
@@ -9194,8 +9127,7 @@
           <a:buSzTx/>
           <a:buFontTx/>
           <a:buNone/>
-          <a:tabLst/>
-          <a:defRPr b="0" baseline="0" cap="none" i="0" spc="0" strike="noStrike" sz="1800" u="none" kumimoji="0" normalizeH="0">
+          <a:defRPr kumimoji="0" sz="1800" b="0" i="0" u="none" strike="noStrike" cap="none" spc="0" normalizeH="0" baseline="0">
             <a:ln>
               <a:noFill/>
             </a:ln>
@@ -9220,8 +9152,7 @@
           <a:buSzTx/>
           <a:buFontTx/>
           <a:buNone/>
-          <a:tabLst/>
-          <a:defRPr b="0" baseline="0" cap="none" i="0" spc="0" strike="noStrike" sz="1800" u="none" kumimoji="0" normalizeH="0">
+          <a:defRPr kumimoji="0" sz="1800" b="0" i="0" u="none" strike="noStrike" cap="none" spc="0" normalizeH="0" baseline="0">
             <a:ln>
               <a:noFill/>
             </a:ln>
@@ -9234,9 +9165,15 @@
         </a:lvl9pPr>
       </a:lstStyle>
       <a:style>
-        <a:lnRef idx="0"/>
-        <a:fillRef idx="0"/>
-        <a:effectRef idx="0"/>
+        <a:lnRef idx="0">
+          <a:srgbClr val="FFFFFF"/>
+        </a:lnRef>
+        <a:fillRef idx="0">
+          <a:srgbClr val="FFFFFF"/>
+        </a:fillRef>
+        <a:effectRef idx="0">
+          <a:srgbClr val="FFFFFF"/>
+        </a:effectRef>
         <a:fontRef idx="none"/>
       </a:style>
     </a:lnDef>
@@ -9247,8 +9184,6 @@
           <a:noFill/>
           <a:miter lim="400000"/>
         </a:ln>
-        <a:effectLst/>
-        <a:sp3d/>
       </a:spPr>
       <a:bodyPr rot="0" spcFirstLastPara="1" vertOverflow="overflow" horzOverflow="overflow" vert="horz" wrap="square" lIns="50800" tIns="50800" rIns="50800" bIns="50800" numCol="1" spcCol="38100" rtlCol="0" anchor="ctr" upright="0">
         <a:spAutoFit/>
@@ -9268,8 +9203,7 @@
           <a:buSzTx/>
           <a:buFontTx/>
           <a:buNone/>
-          <a:tabLst/>
-          <a:defRPr b="0" baseline="0" cap="none" i="0" spc="0" strike="noStrike" sz="5000" u="none" kumimoji="0" normalizeH="0">
+          <a:defRPr kumimoji="0" sz="5000" b="0" i="0" u="none" strike="noStrike" cap="none" spc="0" normalizeH="0" baseline="0">
             <a:ln>
               <a:noFill/>
             </a:ln>
@@ -9298,8 +9232,7 @@
           <a:buSzTx/>
           <a:buFontTx/>
           <a:buNone/>
-          <a:tabLst/>
-          <a:defRPr b="0" baseline="0" cap="none" i="0" spc="0" strike="noStrike" sz="1800" u="none" kumimoji="0" normalizeH="0">
+          <a:defRPr kumimoji="0" sz="1800" b="0" i="0" u="none" strike="noStrike" cap="none" spc="0" normalizeH="0" baseline="0">
             <a:ln>
               <a:noFill/>
             </a:ln>
@@ -9324,8 +9257,7 @@
           <a:buSzTx/>
           <a:buFontTx/>
           <a:buNone/>
-          <a:tabLst/>
-          <a:defRPr b="0" baseline="0" cap="none" i="0" spc="0" strike="noStrike" sz="1800" u="none" kumimoji="0" normalizeH="0">
+          <a:defRPr kumimoji="0" sz="1800" b="0" i="0" u="none" strike="noStrike" cap="none" spc="0" normalizeH="0" baseline="0">
             <a:ln>
               <a:noFill/>
             </a:ln>
@@ -9350,8 +9282,7 @@
           <a:buSzTx/>
           <a:buFontTx/>
           <a:buNone/>
-          <a:tabLst/>
-          <a:defRPr b="0" baseline="0" cap="none" i="0" spc="0" strike="noStrike" sz="1800" u="none" kumimoji="0" normalizeH="0">
+          <a:defRPr kumimoji="0" sz="1800" b="0" i="0" u="none" strike="noStrike" cap="none" spc="0" normalizeH="0" baseline="0">
             <a:ln>
               <a:noFill/>
             </a:ln>
@@ -9376,8 +9307,7 @@
           <a:buSzTx/>
           <a:buFontTx/>
           <a:buNone/>
-          <a:tabLst/>
-          <a:defRPr b="0" baseline="0" cap="none" i="0" spc="0" strike="noStrike" sz="1800" u="none" kumimoji="0" normalizeH="0">
+          <a:defRPr kumimoji="0" sz="1800" b="0" i="0" u="none" strike="noStrike" cap="none" spc="0" normalizeH="0" baseline="0">
             <a:ln>
               <a:noFill/>
             </a:ln>
@@ -9402,8 +9332,7 @@
           <a:buSzTx/>
           <a:buFontTx/>
           <a:buNone/>
-          <a:tabLst/>
-          <a:defRPr b="0" baseline="0" cap="none" i="0" spc="0" strike="noStrike" sz="1800" u="none" kumimoji="0" normalizeH="0">
+          <a:defRPr kumimoji="0" sz="1800" b="0" i="0" u="none" strike="noStrike" cap="none" spc="0" normalizeH="0" baseline="0">
             <a:ln>
               <a:noFill/>
             </a:ln>
@@ -9428,8 +9357,7 @@
           <a:buSzTx/>
           <a:buFontTx/>
           <a:buNone/>
-          <a:tabLst/>
-          <a:defRPr b="0" baseline="0" cap="none" i="0" spc="0" strike="noStrike" sz="1800" u="none" kumimoji="0" normalizeH="0">
+          <a:defRPr kumimoji="0" sz="1800" b="0" i="0" u="none" strike="noStrike" cap="none" spc="0" normalizeH="0" baseline="0">
             <a:ln>
               <a:noFill/>
             </a:ln>
@@ -9454,8 +9382,7 @@
           <a:buSzTx/>
           <a:buFontTx/>
           <a:buNone/>
-          <a:tabLst/>
-          <a:defRPr b="0" baseline="0" cap="none" i="0" spc="0" strike="noStrike" sz="1800" u="none" kumimoji="0" normalizeH="0">
+          <a:defRPr kumimoji="0" sz="1800" b="0" i="0" u="none" strike="noStrike" cap="none" spc="0" normalizeH="0" baseline="0">
             <a:ln>
               <a:noFill/>
             </a:ln>
@@ -9480,8 +9407,7 @@
           <a:buSzTx/>
           <a:buFontTx/>
           <a:buNone/>
-          <a:tabLst/>
-          <a:defRPr b="0" baseline="0" cap="none" i="0" spc="0" strike="noStrike" sz="1800" u="none" kumimoji="0" normalizeH="0">
+          <a:defRPr kumimoji="0" sz="1800" b="0" i="0" u="none" strike="noStrike" cap="none" spc="0" normalizeH="0" baseline="0">
             <a:ln>
               <a:noFill/>
             </a:ln>
@@ -9506,8 +9432,7 @@
           <a:buSzTx/>
           <a:buFontTx/>
           <a:buNone/>
-          <a:tabLst/>
-          <a:defRPr b="0" baseline="0" cap="none" i="0" spc="0" strike="noStrike" sz="1800" u="none" kumimoji="0" normalizeH="0">
+          <a:defRPr kumimoji="0" sz="1800" b="0" i="0" u="none" strike="noStrike" cap="none" spc="0" normalizeH="0" baseline="0">
             <a:ln>
               <a:noFill/>
             </a:ln>
@@ -9520,18 +9445,29 @@
         </a:lvl9pPr>
       </a:lstStyle>
       <a:style>
-        <a:lnRef idx="0"/>
-        <a:fillRef idx="0"/>
-        <a:effectRef idx="0"/>
+        <a:lnRef idx="0">
+          <a:srgbClr val="FFFFFF"/>
+        </a:lnRef>
+        <a:fillRef idx="0">
+          <a:srgbClr val="FFFFFF"/>
+        </a:fillRef>
+        <a:effectRef idx="0">
+          <a:srgbClr val="FFFFFF"/>
+        </a:effectRef>
         <a:fontRef idx="none"/>
       </a:style>
     </a:txDef>
   </a:objectDefaults>
+  <a:extLst>
+    <a:ext uri="{05A4C25C-085E-4340-85A3-A5531E510DB2}">
+      <thm15:themeFamily xmlns:thm15="http://schemas.microsoft.com/office/thememl/2012/main" name="Office Theme" id="{62F939B6-93AF-4DB8-9C6B-D6C7DFDC589F}" vid="{4A3C46E8-61CC-4603-A589-7422A47A8E4A}"/>
+    </a:ext>
+  </a:extLst>
 </a:theme>
 </file>
 
 <file path=ppt/theme/theme2.xml><?xml version="1.0" encoding="utf-8"?>
-<a:theme xmlns:a="http://schemas.openxmlformats.org/drawingml/2006/main" xmlns:r="http://schemas.openxmlformats.org/officeDocument/2006/relationships" name="White">
+<a:theme xmlns:a="http://schemas.openxmlformats.org/drawingml/2006/main" name="White">
   <a:themeElements>
     <a:clrScheme name="White">
       <a:dk1>
@@ -9657,7 +9593,7 @@
       <a:effectStyleLst>
         <a:effectStyle>
           <a:effectLst>
-            <a:outerShdw sx="100000" sy="100000" kx="0" ky="0" algn="b" rotWithShape="0" blurRad="38100" dist="25400" dir="5400000">
+            <a:outerShdw blurRad="38100" dist="25400" dir="5400000" rotWithShape="0">
               <a:srgbClr val="000000">
                 <a:alpha val="50000"/>
               </a:srgbClr>
@@ -9666,7 +9602,7 @@
         </a:effectStyle>
         <a:effectStyle>
           <a:effectLst>
-            <a:outerShdw sx="100000" sy="100000" kx="0" ky="0" algn="b" rotWithShape="0" blurRad="50800" dist="12700" dir="0">
+            <a:outerShdw blurRad="50800" dist="12700" rotWithShape="0">
               <a:srgbClr val="000000">
                 <a:alpha val="50000"/>
               </a:srgbClr>
@@ -9675,7 +9611,7 @@
         </a:effectStyle>
         <a:effectStyle>
           <a:effectLst>
-            <a:outerShdw sx="100000" sy="100000" kx="0" ky="0" algn="b" rotWithShape="0" blurRad="38100" dist="25400" dir="5400000">
+            <a:outerShdw blurRad="38100" dist="25400" dir="5400000" rotWithShape="0">
               <a:srgbClr val="000000">
                 <a:alpha val="50000"/>
               </a:srgbClr>
@@ -9739,8 +9675,8 @@
     <a:spDef>
       <a:spPr>
         <a:blipFill rotWithShape="1">
-          <a:blip r:embed="rId1"/>
-          <a:srcRect l="0" t="0" r="0" b="0"/>
+          <a:blip xmlns:r="http://schemas.openxmlformats.org/officeDocument/2006/relationships" r:embed="rId1"/>
+          <a:srcRect/>
           <a:tile tx="0" ty="0" sx="100000" sy="100000" flip="none" algn="tl"/>
         </a:blipFill>
         <a:ln w="12700" cap="flat">
@@ -9748,13 +9684,12 @@
           <a:miter lim="400000"/>
         </a:ln>
         <a:effectLst>
-          <a:outerShdw sx="100000" sy="100000" kx="0" ky="0" algn="b" rotWithShape="0" blurRad="38100" dist="25400" dir="5400000">
+          <a:outerShdw blurRad="38100" dist="25400" dir="5400000" rotWithShape="0">
             <a:srgbClr val="000000">
               <a:alpha val="50000"/>
             </a:srgbClr>
           </a:outerShdw>
         </a:effectLst>
-        <a:sp3d/>
       </a:spPr>
       <a:bodyPr rot="0" spcFirstLastPara="1" vertOverflow="overflow" horzOverflow="overflow" vert="horz" wrap="square" lIns="50800" tIns="50800" rIns="50800" bIns="50800" numCol="1" spcCol="38100" rtlCol="0" anchor="ctr" upright="0">
         <a:spAutoFit/>
@@ -9774,8 +9709,7 @@
           <a:buSzTx/>
           <a:buFontTx/>
           <a:buNone/>
-          <a:tabLst/>
-          <a:defRPr b="0" baseline="0" cap="none" i="0" spc="0" strike="noStrike" sz="3200" u="none" kumimoji="0" normalizeH="0">
+          <a:defRPr kumimoji="0" sz="3200" b="0" i="0" u="none" strike="noStrike" cap="none" spc="0" normalizeH="0" baseline="0">
             <a:ln>
               <a:noFill/>
             </a:ln>
@@ -9804,8 +9738,7 @@
           <a:buSzTx/>
           <a:buFontTx/>
           <a:buNone/>
-          <a:tabLst/>
-          <a:defRPr b="0" baseline="0" cap="none" i="0" spc="0" strike="noStrike" sz="1800" u="none" kumimoji="0" normalizeH="0">
+          <a:defRPr kumimoji="0" sz="1800" b="0" i="0" u="none" strike="noStrike" cap="none" spc="0" normalizeH="0" baseline="0">
             <a:ln>
               <a:noFill/>
             </a:ln>
@@ -9830,8 +9763,7 @@
           <a:buSzTx/>
           <a:buFontTx/>
           <a:buNone/>
-          <a:tabLst/>
-          <a:defRPr b="0" baseline="0" cap="none" i="0" spc="0" strike="noStrike" sz="1800" u="none" kumimoji="0" normalizeH="0">
+          <a:defRPr kumimoji="0" sz="1800" b="0" i="0" u="none" strike="noStrike" cap="none" spc="0" normalizeH="0" baseline="0">
             <a:ln>
               <a:noFill/>
             </a:ln>
@@ -9856,8 +9788,7 @@
           <a:buSzTx/>
           <a:buFontTx/>
           <a:buNone/>
-          <a:tabLst/>
-          <a:defRPr b="0" baseline="0" cap="none" i="0" spc="0" strike="noStrike" sz="1800" u="none" kumimoji="0" normalizeH="0">
+          <a:defRPr kumimoji="0" sz="1800" b="0" i="0" u="none" strike="noStrike" cap="none" spc="0" normalizeH="0" baseline="0">
             <a:ln>
               <a:noFill/>
             </a:ln>
@@ -9882,8 +9813,7 @@
           <a:buSzTx/>
           <a:buFontTx/>
           <a:buNone/>
-          <a:tabLst/>
-          <a:defRPr b="0" baseline="0" cap="none" i="0" spc="0" strike="noStrike" sz="1800" u="none" kumimoji="0" normalizeH="0">
+          <a:defRPr kumimoji="0" sz="1800" b="0" i="0" u="none" strike="noStrike" cap="none" spc="0" normalizeH="0" baseline="0">
             <a:ln>
               <a:noFill/>
             </a:ln>
@@ -9908,8 +9838,7 @@
           <a:buSzTx/>
           <a:buFontTx/>
           <a:buNone/>
-          <a:tabLst/>
-          <a:defRPr b="0" baseline="0" cap="none" i="0" spc="0" strike="noStrike" sz="1800" u="none" kumimoji="0" normalizeH="0">
+          <a:defRPr kumimoji="0" sz="1800" b="0" i="0" u="none" strike="noStrike" cap="none" spc="0" normalizeH="0" baseline="0">
             <a:ln>
               <a:noFill/>
             </a:ln>
@@ -9934,8 +9863,7 @@
           <a:buSzTx/>
           <a:buFontTx/>
           <a:buNone/>
-          <a:tabLst/>
-          <a:defRPr b="0" baseline="0" cap="none" i="0" spc="0" strike="noStrike" sz="1800" u="none" kumimoji="0" normalizeH="0">
+          <a:defRPr kumimoji="0" sz="1800" b="0" i="0" u="none" strike="noStrike" cap="none" spc="0" normalizeH="0" baseline="0">
             <a:ln>
               <a:noFill/>
             </a:ln>
@@ -9960,8 +9888,7 @@
           <a:buSzTx/>
           <a:buFontTx/>
           <a:buNone/>
-          <a:tabLst/>
-          <a:defRPr b="0" baseline="0" cap="none" i="0" spc="0" strike="noStrike" sz="1800" u="none" kumimoji="0" normalizeH="0">
+          <a:defRPr kumimoji="0" sz="1800" b="0" i="0" u="none" strike="noStrike" cap="none" spc="0" normalizeH="0" baseline="0">
             <a:ln>
               <a:noFill/>
             </a:ln>
@@ -9986,8 +9913,7 @@
           <a:buSzTx/>
           <a:buFontTx/>
           <a:buNone/>
-          <a:tabLst/>
-          <a:defRPr b="0" baseline="0" cap="none" i="0" spc="0" strike="noStrike" sz="1800" u="none" kumimoji="0" normalizeH="0">
+          <a:defRPr kumimoji="0" sz="1800" b="0" i="0" u="none" strike="noStrike" cap="none" spc="0" normalizeH="0" baseline="0">
             <a:ln>
               <a:noFill/>
             </a:ln>
@@ -10012,8 +9938,7 @@
           <a:buSzTx/>
           <a:buFontTx/>
           <a:buNone/>
-          <a:tabLst/>
-          <a:defRPr b="0" baseline="0" cap="none" i="0" spc="0" strike="noStrike" sz="1800" u="none" kumimoji="0" normalizeH="0">
+          <a:defRPr kumimoji="0" sz="1800" b="0" i="0" u="none" strike="noStrike" cap="none" spc="0" normalizeH="0" baseline="0">
             <a:ln>
               <a:noFill/>
             </a:ln>
@@ -10026,9 +9951,15 @@
         </a:lvl9pPr>
       </a:lstStyle>
       <a:style>
-        <a:lnRef idx="0"/>
-        <a:fillRef idx="0"/>
-        <a:effectRef idx="0"/>
+        <a:lnRef idx="0">
+          <a:srgbClr val="FFFFFF"/>
+        </a:lnRef>
+        <a:fillRef idx="0">
+          <a:srgbClr val="FFFFFF"/>
+        </a:fillRef>
+        <a:effectRef idx="0">
+          <a:srgbClr val="FFFFFF"/>
+        </a:effectRef>
         <a:fontRef idx="none"/>
       </a:style>
     </a:spDef>
@@ -10042,8 +9973,6 @@
           <a:prstDash val="solid"/>
           <a:miter lim="400000"/>
         </a:ln>
-        <a:effectLst/>
-        <a:sp3d/>
       </a:spPr>
       <a:bodyPr rot="0" spcFirstLastPara="1" vertOverflow="overflow" horzOverflow="overflow" vert="horz" wrap="square" lIns="91439" tIns="45719" rIns="91439" bIns="45719" numCol="1" spcCol="38100" rtlCol="0" anchor="t" upright="0">
         <a:noAutofit/>
@@ -10063,8 +9992,7 @@
           <a:buSzTx/>
           <a:buFontTx/>
           <a:buNone/>
-          <a:tabLst/>
-          <a:defRPr b="0" baseline="0" cap="none" i="0" spc="0" strike="noStrike" sz="1800" u="none" kumimoji="0" normalizeH="0">
+          <a:defRPr kumimoji="0" sz="1800" b="0" i="0" u="none" strike="noStrike" cap="none" spc="0" normalizeH="0" baseline="0">
             <a:ln>
               <a:noFill/>
             </a:ln>
@@ -10089,8 +10017,7 @@
           <a:buSzTx/>
           <a:buFontTx/>
           <a:buNone/>
-          <a:tabLst/>
-          <a:defRPr b="0" baseline="0" cap="none" i="0" spc="0" strike="noStrike" sz="1800" u="none" kumimoji="0" normalizeH="0">
+          <a:defRPr kumimoji="0" sz="1800" b="0" i="0" u="none" strike="noStrike" cap="none" spc="0" normalizeH="0" baseline="0">
             <a:ln>
               <a:noFill/>
             </a:ln>
@@ -10115,8 +10042,7 @@
           <a:buSzTx/>
           <a:buFontTx/>
           <a:buNone/>
-          <a:tabLst/>
-          <a:defRPr b="0" baseline="0" cap="none" i="0" spc="0" strike="noStrike" sz="1800" u="none" kumimoji="0" normalizeH="0">
+          <a:defRPr kumimoji="0" sz="1800" b="0" i="0" u="none" strike="noStrike" cap="none" spc="0" normalizeH="0" baseline="0">
             <a:ln>
               <a:noFill/>
             </a:ln>
@@ -10141,8 +10067,7 @@
           <a:buSzTx/>
           <a:buFontTx/>
           <a:buNone/>
-          <a:tabLst/>
-          <a:defRPr b="0" baseline="0" cap="none" i="0" spc="0" strike="noStrike" sz="1800" u="none" kumimoji="0" normalizeH="0">
+          <a:defRPr kumimoji="0" sz="1800" b="0" i="0" u="none" strike="noStrike" cap="none" spc="0" normalizeH="0" baseline="0">
             <a:ln>
               <a:noFill/>
             </a:ln>
@@ -10167,8 +10092,7 @@
           <a:buSzTx/>
           <a:buFontTx/>
           <a:buNone/>
-          <a:tabLst/>
-          <a:defRPr b="0" baseline="0" cap="none" i="0" spc="0" strike="noStrike" sz="1800" u="none" kumimoji="0" normalizeH="0">
+          <a:defRPr kumimoji="0" sz="1800" b="0" i="0" u="none" strike="noStrike" cap="none" spc="0" normalizeH="0" baseline="0">
             <a:ln>
               <a:noFill/>
             </a:ln>
@@ -10193,8 +10117,7 @@
           <a:buSzTx/>
           <a:buFontTx/>
           <a:buNone/>
-          <a:tabLst/>
-          <a:defRPr b="0" baseline="0" cap="none" i="0" spc="0" strike="noStrike" sz="1800" u="none" kumimoji="0" normalizeH="0">
+          <a:defRPr kumimoji="0" sz="1800" b="0" i="0" u="none" strike="noStrike" cap="none" spc="0" normalizeH="0" baseline="0">
             <a:ln>
               <a:noFill/>
             </a:ln>
@@ -10219,8 +10142,7 @@
           <a:buSzTx/>
           <a:buFontTx/>
           <a:buNone/>
-          <a:tabLst/>
-          <a:defRPr b="0" baseline="0" cap="none" i="0" spc="0" strike="noStrike" sz="1800" u="none" kumimoji="0" normalizeH="0">
+          <a:defRPr kumimoji="0" sz="1800" b="0" i="0" u="none" strike="noStrike" cap="none" spc="0" normalizeH="0" baseline="0">
             <a:ln>
               <a:noFill/>
             </a:ln>
@@ -10245,8 +10167,7 @@
           <a:buSzTx/>
           <a:buFontTx/>
           <a:buNone/>
-          <a:tabLst/>
-          <a:defRPr b="0" baseline="0" cap="none" i="0" spc="0" strike="noStrike" sz="1800" u="none" kumimoji="0" normalizeH="0">
+          <a:defRPr kumimoji="0" sz="1800" b="0" i="0" u="none" strike="noStrike" cap="none" spc="0" normalizeH="0" baseline="0">
             <a:ln>
               <a:noFill/>
             </a:ln>
@@ -10271,8 +10192,7 @@
           <a:buSzTx/>
           <a:buFontTx/>
           <a:buNone/>
-          <a:tabLst/>
-          <a:defRPr b="0" baseline="0" cap="none" i="0" spc="0" strike="noStrike" sz="1800" u="none" kumimoji="0" normalizeH="0">
+          <a:defRPr kumimoji="0" sz="1800" b="0" i="0" u="none" strike="noStrike" cap="none" spc="0" normalizeH="0" baseline="0">
             <a:ln>
               <a:noFill/>
             </a:ln>
@@ -10297,8 +10217,7 @@
           <a:buSzTx/>
           <a:buFontTx/>
           <a:buNone/>
-          <a:tabLst/>
-          <a:defRPr b="0" baseline="0" cap="none" i="0" spc="0" strike="noStrike" sz="1800" u="none" kumimoji="0" normalizeH="0">
+          <a:defRPr kumimoji="0" sz="1800" b="0" i="0" u="none" strike="noStrike" cap="none" spc="0" normalizeH="0" baseline="0">
             <a:ln>
               <a:noFill/>
             </a:ln>
@@ -10311,9 +10230,15 @@
         </a:lvl9pPr>
       </a:lstStyle>
       <a:style>
-        <a:lnRef idx="0"/>
-        <a:fillRef idx="0"/>
-        <a:effectRef idx="0"/>
+        <a:lnRef idx="0">
+          <a:srgbClr val="FFFFFF"/>
+        </a:lnRef>
+        <a:fillRef idx="0">
+          <a:srgbClr val="FFFFFF"/>
+        </a:fillRef>
+        <a:effectRef idx="0">
+          <a:srgbClr val="FFFFFF"/>
+        </a:effectRef>
         <a:fontRef idx="none"/>
       </a:style>
     </a:lnDef>
@@ -10324,8 +10249,6 @@
           <a:noFill/>
           <a:miter lim="400000"/>
         </a:ln>
-        <a:effectLst/>
-        <a:sp3d/>
       </a:spPr>
       <a:bodyPr rot="0" spcFirstLastPara="1" vertOverflow="overflow" horzOverflow="overflow" vert="horz" wrap="square" lIns="50800" tIns="50800" rIns="50800" bIns="50800" numCol="1" spcCol="38100" rtlCol="0" anchor="ctr" upright="0">
         <a:spAutoFit/>
@@ -10345,8 +10268,7 @@
           <a:buSzTx/>
           <a:buFontTx/>
           <a:buNone/>
-          <a:tabLst/>
-          <a:defRPr b="0" baseline="0" cap="none" i="0" spc="0" strike="noStrike" sz="5000" u="none" kumimoji="0" normalizeH="0">
+          <a:defRPr kumimoji="0" sz="5000" b="0" i="0" u="none" strike="noStrike" cap="none" spc="0" normalizeH="0" baseline="0">
             <a:ln>
               <a:noFill/>
             </a:ln>
@@ -10375,8 +10297,7 @@
           <a:buSzTx/>
           <a:buFontTx/>
           <a:buNone/>
-          <a:tabLst/>
-          <a:defRPr b="0" baseline="0" cap="none" i="0" spc="0" strike="noStrike" sz="1800" u="none" kumimoji="0" normalizeH="0">
+          <a:defRPr kumimoji="0" sz="1800" b="0" i="0" u="none" strike="noStrike" cap="none" spc="0" normalizeH="0" baseline="0">
             <a:ln>
               <a:noFill/>
             </a:ln>
@@ -10401,8 +10322,7 @@
           <a:buSzTx/>
           <a:buFontTx/>
           <a:buNone/>
-          <a:tabLst/>
-          <a:defRPr b="0" baseline="0" cap="none" i="0" spc="0" strike="noStrike" sz="1800" u="none" kumimoji="0" normalizeH="0">
+          <a:defRPr kumimoji="0" sz="1800" b="0" i="0" u="none" strike="noStrike" cap="none" spc="0" normalizeH="0" baseline="0">
             <a:ln>
               <a:noFill/>
             </a:ln>
@@ -10427,8 +10347,7 @@
           <a:buSzTx/>
           <a:buFontTx/>
           <a:buNone/>
-          <a:tabLst/>
-          <a:defRPr b="0" baseline="0" cap="none" i="0" spc="0" strike="noStrike" sz="1800" u="none" kumimoji="0" normalizeH="0">
+          <a:defRPr kumimoji="0" sz="1800" b="0" i="0" u="none" strike="noStrike" cap="none" spc="0" normalizeH="0" baseline="0">
             <a:ln>
               <a:noFill/>
             </a:ln>
@@ -10453,8 +10372,7 @@
           <a:buSzTx/>
           <a:buFontTx/>
           <a:buNone/>
-          <a:tabLst/>
-          <a:defRPr b="0" baseline="0" cap="none" i="0" spc="0" strike="noStrike" sz="1800" u="none" kumimoji="0" normalizeH="0">
+          <a:defRPr kumimoji="0" sz="1800" b="0" i="0" u="none" strike="noStrike" cap="none" spc="0" normalizeH="0" baseline="0">
             <a:ln>
               <a:noFill/>
             </a:ln>
@@ -10479,8 +10397,7 @@
           <a:buSzTx/>
           <a:buFontTx/>
           <a:buNone/>
-          <a:tabLst/>
-          <a:defRPr b="0" baseline="0" cap="none" i="0" spc="0" strike="noStrike" sz="1800" u="none" kumimoji="0" normalizeH="0">
+          <a:defRPr kumimoji="0" sz="1800" b="0" i="0" u="none" strike="noStrike" cap="none" spc="0" normalizeH="0" baseline="0">
             <a:ln>
               <a:noFill/>
             </a:ln>
@@ -10505,8 +10422,7 @@
           <a:buSzTx/>
           <a:buFontTx/>
           <a:buNone/>
-          <a:tabLst/>
-          <a:defRPr b="0" baseline="0" cap="none" i="0" spc="0" strike="noStrike" sz="1800" u="none" kumimoji="0" normalizeH="0">
+          <a:defRPr kumimoji="0" sz="1800" b="0" i="0" u="none" strike="noStrike" cap="none" spc="0" normalizeH="0" baseline="0">
             <a:ln>
               <a:noFill/>
             </a:ln>
@@ -10531,8 +10447,7 @@
           <a:buSzTx/>
           <a:buFontTx/>
           <a:buNone/>
-          <a:tabLst/>
-          <a:defRPr b="0" baseline="0" cap="none" i="0" spc="0" strike="noStrike" sz="1800" u="none" kumimoji="0" normalizeH="0">
+          <a:defRPr kumimoji="0" sz="1800" b="0" i="0" u="none" strike="noStrike" cap="none" spc="0" normalizeH="0" baseline="0">
             <a:ln>
               <a:noFill/>
             </a:ln>
@@ -10557,8 +10472,7 @@
           <a:buSzTx/>
           <a:buFontTx/>
           <a:buNone/>
-          <a:tabLst/>
-          <a:defRPr b="0" baseline="0" cap="none" i="0" spc="0" strike="noStrike" sz="1800" u="none" kumimoji="0" normalizeH="0">
+          <a:defRPr kumimoji="0" sz="1800" b="0" i="0" u="none" strike="noStrike" cap="none" spc="0" normalizeH="0" baseline="0">
             <a:ln>
               <a:noFill/>
             </a:ln>
@@ -10583,8 +10497,7 @@
           <a:buSzTx/>
           <a:buFontTx/>
           <a:buNone/>
-          <a:tabLst/>
-          <a:defRPr b="0" baseline="0" cap="none" i="0" spc="0" strike="noStrike" sz="1800" u="none" kumimoji="0" normalizeH="0">
+          <a:defRPr kumimoji="0" sz="1800" b="0" i="0" u="none" strike="noStrike" cap="none" spc="0" normalizeH="0" baseline="0">
             <a:ln>
               <a:noFill/>
             </a:ln>
@@ -10597,12 +10510,23 @@
         </a:lvl9pPr>
       </a:lstStyle>
       <a:style>
-        <a:lnRef idx="0"/>
-        <a:fillRef idx="0"/>
-        <a:effectRef idx="0"/>
+        <a:lnRef idx="0">
+          <a:srgbClr val="FFFFFF"/>
+        </a:lnRef>
+        <a:fillRef idx="0">
+          <a:srgbClr val="FFFFFF"/>
+        </a:fillRef>
+        <a:effectRef idx="0">
+          <a:srgbClr val="FFFFFF"/>
+        </a:effectRef>
         <a:fontRef idx="none"/>
       </a:style>
     </a:txDef>
   </a:objectDefaults>
+  <a:extLst>
+    <a:ext uri="{05A4C25C-085E-4340-85A3-A5531E510DB2}">
+      <thm15:themeFamily xmlns:thm15="http://schemas.microsoft.com/office/thememl/2012/main" name="Office Theme" id="{62F939B6-93AF-4DB8-9C6B-D6C7DFDC589F}" vid="{4A3C46E8-61CC-4603-A589-7422A47A8E4A}"/>
+    </a:ext>
+  </a:extLst>
 </a:theme>
 </file>
--- a/ppt/软件工程-码农的自我修养.pptx
+++ b/ppt/软件工程-码农的自我修养.pptx
@@ -2,32 +2,32 @@
 <file path=ppt/presentation.xml><?xml version="1.0" encoding="utf-8"?>
 <p:presentation xmlns:a="http://schemas.openxmlformats.org/drawingml/2006/main" xmlns:r="http://schemas.openxmlformats.org/officeDocument/2006/relationships" xmlns:p="http://schemas.openxmlformats.org/presentationml/2006/main">
   <p:sldMasterIdLst>
-    <p:sldMasterId id="2147483648" r:id="rId1"/>
+    <p:sldMasterId id="2147483648" r:id="rId5"/>
   </p:sldMasterIdLst>
   <p:notesMasterIdLst>
-    <p:notesMasterId r:id="rId15"/>
+    <p:notesMasterId r:id="rId7"/>
   </p:notesMasterIdLst>
   <p:sldIdLst>
-    <p:sldId id="256" r:id="rId3"/>
-    <p:sldId id="257" r:id="rId4"/>
-    <p:sldId id="258" r:id="rId5"/>
-    <p:sldId id="259" r:id="rId6"/>
-    <p:sldId id="260" r:id="rId7"/>
-    <p:sldId id="261" r:id="rId8"/>
-    <p:sldId id="262" r:id="rId9"/>
-    <p:sldId id="263" r:id="rId10"/>
-    <p:sldId id="264" r:id="rId11"/>
-    <p:sldId id="265" r:id="rId12"/>
-    <p:sldId id="266" r:id="rId13"/>
-    <p:sldId id="267" r:id="rId14"/>
-    <p:sldId id="268" r:id="rId16"/>
-    <p:sldId id="269" r:id="rId17"/>
-    <p:sldId id="270" r:id="rId18"/>
-    <p:sldId id="271" r:id="rId19"/>
-    <p:sldId id="272" r:id="rId20"/>
-    <p:sldId id="273" r:id="rId21"/>
-    <p:sldId id="274" r:id="rId22"/>
-    <p:sldId id="275" r:id="rId23"/>
+    <p:sldId id="256" r:id="rId8"/>
+    <p:sldId id="257" r:id="rId9"/>
+    <p:sldId id="258" r:id="rId10"/>
+    <p:sldId id="259" r:id="rId11"/>
+    <p:sldId id="260" r:id="rId12"/>
+    <p:sldId id="261" r:id="rId13"/>
+    <p:sldId id="262" r:id="rId14"/>
+    <p:sldId id="263" r:id="rId15"/>
+    <p:sldId id="264" r:id="rId16"/>
+    <p:sldId id="265" r:id="rId17"/>
+    <p:sldId id="266" r:id="rId18"/>
+    <p:sldId id="267" r:id="rId19"/>
+    <p:sldId id="268" r:id="rId20"/>
+    <p:sldId id="269" r:id="rId21"/>
+    <p:sldId id="270" r:id="rId22"/>
+    <p:sldId id="271" r:id="rId23"/>
+    <p:sldId id="272" r:id="rId24"/>
+    <p:sldId id="273" r:id="rId25"/>
+    <p:sldId id="274" r:id="rId26"/>
+    <p:sldId id="275" r:id="rId27"/>
   </p:sldIdLst>
   <p:sldSz cx="24384000" cy="13716000"/>
   <p:notesSz cx="6858000" cy="9144000"/>
@@ -46,7 +46,8 @@
       <a:buSzTx/>
       <a:buFontTx/>
       <a:buNone/>
-      <a:defRPr kumimoji="0" sz="1800" b="0" i="0" u="none" strike="noStrike" cap="none" spc="0" normalizeH="0" baseline="0">
+      <a:tabLst/>
+      <a:defRPr b="0" baseline="0" cap="none" i="0" spc="0" strike="noStrike" sz="1800" u="none" kumimoji="0" normalizeH="0">
         <a:ln>
           <a:noFill/>
         </a:ln>
@@ -71,7 +72,8 @@
       <a:buSzTx/>
       <a:buFontTx/>
       <a:buNone/>
-      <a:defRPr kumimoji="0" sz="5000" b="0" i="0" u="none" strike="noStrike" cap="none" spc="0" normalizeH="0" baseline="0">
+      <a:tabLst/>
+      <a:defRPr b="0" baseline="0" cap="none" i="0" spc="0" strike="noStrike" sz="5000" u="none" kumimoji="0" normalizeH="0">
         <a:ln>
           <a:noFill/>
         </a:ln>
@@ -100,7 +102,8 @@
       <a:buSzTx/>
       <a:buFontTx/>
       <a:buNone/>
-      <a:defRPr kumimoji="0" sz="5000" b="0" i="0" u="none" strike="noStrike" cap="none" spc="0" normalizeH="0" baseline="0">
+      <a:tabLst/>
+      <a:defRPr b="0" baseline="0" cap="none" i="0" spc="0" strike="noStrike" sz="5000" u="none" kumimoji="0" normalizeH="0">
         <a:ln>
           <a:noFill/>
         </a:ln>
@@ -129,7 +132,8 @@
       <a:buSzTx/>
       <a:buFontTx/>
       <a:buNone/>
-      <a:defRPr kumimoji="0" sz="5000" b="0" i="0" u="none" strike="noStrike" cap="none" spc="0" normalizeH="0" baseline="0">
+      <a:tabLst/>
+      <a:defRPr b="0" baseline="0" cap="none" i="0" spc="0" strike="noStrike" sz="5000" u="none" kumimoji="0" normalizeH="0">
         <a:ln>
           <a:noFill/>
         </a:ln>
@@ -158,7 +162,8 @@
       <a:buSzTx/>
       <a:buFontTx/>
       <a:buNone/>
-      <a:defRPr kumimoji="0" sz="5000" b="0" i="0" u="none" strike="noStrike" cap="none" spc="0" normalizeH="0" baseline="0">
+      <a:tabLst/>
+      <a:defRPr b="0" baseline="0" cap="none" i="0" spc="0" strike="noStrike" sz="5000" u="none" kumimoji="0" normalizeH="0">
         <a:ln>
           <a:noFill/>
         </a:ln>
@@ -187,7 +192,8 @@
       <a:buSzTx/>
       <a:buFontTx/>
       <a:buNone/>
-      <a:defRPr kumimoji="0" sz="5000" b="0" i="0" u="none" strike="noStrike" cap="none" spc="0" normalizeH="0" baseline="0">
+      <a:tabLst/>
+      <a:defRPr b="0" baseline="0" cap="none" i="0" spc="0" strike="noStrike" sz="5000" u="none" kumimoji="0" normalizeH="0">
         <a:ln>
           <a:noFill/>
         </a:ln>
@@ -216,7 +222,8 @@
       <a:buSzTx/>
       <a:buFontTx/>
       <a:buNone/>
-      <a:defRPr kumimoji="0" sz="5000" b="0" i="0" u="none" strike="noStrike" cap="none" spc="0" normalizeH="0" baseline="0">
+      <a:tabLst/>
+      <a:defRPr b="0" baseline="0" cap="none" i="0" spc="0" strike="noStrike" sz="5000" u="none" kumimoji="0" normalizeH="0">
         <a:ln>
           <a:noFill/>
         </a:ln>
@@ -245,7 +252,8 @@
       <a:buSzTx/>
       <a:buFontTx/>
       <a:buNone/>
-      <a:defRPr kumimoji="0" sz="5000" b="0" i="0" u="none" strike="noStrike" cap="none" spc="0" normalizeH="0" baseline="0">
+      <a:tabLst/>
+      <a:defRPr b="0" baseline="0" cap="none" i="0" spc="0" strike="noStrike" sz="5000" u="none" kumimoji="0" normalizeH="0">
         <a:ln>
           <a:noFill/>
         </a:ln>
@@ -274,7 +282,8 @@
       <a:buSzTx/>
       <a:buFontTx/>
       <a:buNone/>
-      <a:defRPr kumimoji="0" sz="5000" b="0" i="0" u="none" strike="noStrike" cap="none" spc="0" normalizeH="0" baseline="0">
+      <a:tabLst/>
+      <a:defRPr b="0" baseline="0" cap="none" i="0" spc="0" strike="noStrike" sz="5000" u="none" kumimoji="0" normalizeH="0">
         <a:ln>
           <a:noFill/>
         </a:ln>
@@ -303,7 +312,8 @@
       <a:buSzTx/>
       <a:buFontTx/>
       <a:buNone/>
-      <a:defRPr kumimoji="0" sz="5000" b="0" i="0" u="none" strike="noStrike" cap="none" spc="0" normalizeH="0" baseline="0">
+      <a:tabLst/>
+      <a:defRPr b="0" baseline="0" cap="none" i="0" spc="0" strike="noStrike" sz="5000" u="none" kumimoji="0" normalizeH="0">
         <a:ln>
           <a:noFill/>
         </a:ln>
@@ -322,14 +332,13 @@
 </p:presentation>
 </file>
 
+<file path=ppt/commentAuthors.xml><?xml version="1.0" encoding="utf-8"?>
+<p:cmAuthorLst xmlns:a="http://schemas.openxmlformats.org/drawingml/2006/main" xmlns:r="http://schemas.openxmlformats.org/officeDocument/2006/relationships" xmlns:p="http://schemas.openxmlformats.org/presentationml/2006/main"/>
+</file>
+
 <file path=ppt/notesMasters/notesMaster1.xml><?xml version="1.0" encoding="utf-8"?>
 <p:notesMaster xmlns:a="http://schemas.openxmlformats.org/drawingml/2006/main" xmlns:r="http://schemas.openxmlformats.org/officeDocument/2006/relationships" xmlns:p="http://schemas.openxmlformats.org/presentationml/2006/main">
   <p:cSld>
-    <p:bg>
-      <p:bgRef idx="1001">
-        <a:schemeClr val="bg1"/>
-      </p:bgRef>
-    </p:bg>
     <p:spTree>
       <p:nvGrpSpPr>
         <p:cNvPr id="1" name=""/>
@@ -364,7 +373,9 @@
         <p:txBody>
           <a:bodyPr/>
           <a:lstStyle/>
-          <a:p/>
+          <a:p>
+            <a:pPr/>
+          </a:p>
         </p:txBody>
       </p:sp>
       <p:sp>
@@ -387,7 +398,9 @@
         <p:txBody>
           <a:bodyPr/>
           <a:lstStyle/>
-          <a:p/>
+          <a:p>
+            <a:pPr/>
+          </a:p>
         </p:txBody>
       </p:sp>
     </p:spTree>
@@ -396,7 +409,7 @@
   <p:notesStyle>
     <a:lvl1pPr defTabSz="457200" latinLnBrk="0">
       <a:lnSpc>
-        <a:spcPct val="118000"/>
+        <a:spcPct val="117999"/>
       </a:lnSpc>
       <a:defRPr sz="2200">
         <a:latin typeface="Helvetica Neue"/>
@@ -407,7 +420,7 @@
     </a:lvl1pPr>
     <a:lvl2pPr indent="228600" defTabSz="457200" latinLnBrk="0">
       <a:lnSpc>
-        <a:spcPct val="118000"/>
+        <a:spcPct val="117999"/>
       </a:lnSpc>
       <a:defRPr sz="2200">
         <a:latin typeface="Helvetica Neue"/>
@@ -418,7 +431,7 @@
     </a:lvl2pPr>
     <a:lvl3pPr indent="457200" defTabSz="457200" latinLnBrk="0">
       <a:lnSpc>
-        <a:spcPct val="118000"/>
+        <a:spcPct val="117999"/>
       </a:lnSpc>
       <a:defRPr sz="2200">
         <a:latin typeface="Helvetica Neue"/>
@@ -429,7 +442,7 @@
     </a:lvl3pPr>
     <a:lvl4pPr indent="685800" defTabSz="457200" latinLnBrk="0">
       <a:lnSpc>
-        <a:spcPct val="118000"/>
+        <a:spcPct val="117999"/>
       </a:lnSpc>
       <a:defRPr sz="2200">
         <a:latin typeface="Helvetica Neue"/>
@@ -440,7 +453,7 @@
     </a:lvl4pPr>
     <a:lvl5pPr indent="914400" defTabSz="457200" latinLnBrk="0">
       <a:lnSpc>
-        <a:spcPct val="118000"/>
+        <a:spcPct val="117999"/>
       </a:lnSpc>
       <a:defRPr sz="2200">
         <a:latin typeface="Helvetica Neue"/>
@@ -451,7 +464,7 @@
     </a:lvl5pPr>
     <a:lvl6pPr indent="1143000" defTabSz="457200" latinLnBrk="0">
       <a:lnSpc>
-        <a:spcPct val="118000"/>
+        <a:spcPct val="117999"/>
       </a:lnSpc>
       <a:defRPr sz="2200">
         <a:latin typeface="Helvetica Neue"/>
@@ -462,7 +475,7 @@
     </a:lvl6pPr>
     <a:lvl7pPr indent="1371600" defTabSz="457200" latinLnBrk="0">
       <a:lnSpc>
-        <a:spcPct val="118000"/>
+        <a:spcPct val="117999"/>
       </a:lnSpc>
       <a:defRPr sz="2200">
         <a:latin typeface="Helvetica Neue"/>
@@ -473,7 +486,7 @@
     </a:lvl7pPr>
     <a:lvl8pPr indent="1600200" defTabSz="457200" latinLnBrk="0">
       <a:lnSpc>
-        <a:spcPct val="118000"/>
+        <a:spcPct val="117999"/>
       </a:lnSpc>
       <a:defRPr sz="2200">
         <a:latin typeface="Helvetica Neue"/>
@@ -484,7 +497,7 @@
     </a:lvl8pPr>
     <a:lvl9pPr indent="1828800" defTabSz="457200" latinLnBrk="0">
       <a:lnSpc>
-        <a:spcPct val="118000"/>
+        <a:spcPct val="117999"/>
       </a:lnSpc>
       <a:defRPr sz="2200">
         <a:latin typeface="Helvetica Neue"/>
@@ -498,7 +511,7 @@
 </file>
 
 <file path=ppt/notesSlides/notesSlide1.xml><?xml version="1.0" encoding="utf-8"?>
-<p:notes xmlns:a="http://schemas.openxmlformats.org/drawingml/2006/main" xmlns:r="http://schemas.openxmlformats.org/officeDocument/2006/relationships" xmlns:p="http://schemas.openxmlformats.org/presentationml/2006/main">
+<p:notes xmlns:a="http://schemas.openxmlformats.org/drawingml/2006/main" xmlns:r="http://schemas.openxmlformats.org/officeDocument/2006/relationships" xmlns:p="http://schemas.openxmlformats.org/presentationml/2006/main" showMasterSp="1" showMasterPhAnim="1">
   <p:cSld>
     <p:spTree>
       <p:nvGrpSpPr>
@@ -530,7 +543,9 @@
         <p:txBody>
           <a:bodyPr/>
           <a:lstStyle/>
-          <a:p/>
+          <a:p>
+            <a:pPr/>
+          </a:p>
         </p:txBody>
       </p:sp>
       <p:sp>
@@ -555,10 +570,10 @@
                 <a:spcPct val="100000"/>
               </a:lnSpc>
               <a:defRPr sz="1200">
-                <a:latin typeface="Calibri" panose="020F0502020204030204"/>
-                <a:ea typeface="Calibri" panose="020F0502020204030204"/>
-                <a:cs typeface="Calibri" panose="020F0502020204030204"/>
-                <a:sym typeface="Calibri" panose="020F0502020204030204"/>
+                <a:latin typeface="Calibri"/>
+                <a:ea typeface="Calibri"/>
+                <a:cs typeface="Calibri"/>
+                <a:sym typeface="Calibri"/>
               </a:defRPr>
             </a:pPr>
             <a:r>
@@ -571,10 +586,10 @@
                 <a:spcPct val="100000"/>
               </a:lnSpc>
               <a:defRPr sz="1200">
-                <a:latin typeface="Calibri" panose="020F0502020204030204"/>
-                <a:ea typeface="Calibri" panose="020F0502020204030204"/>
-                <a:cs typeface="Calibri" panose="020F0502020204030204"/>
-                <a:sym typeface="Calibri" panose="020F0502020204030204"/>
+                <a:latin typeface="Calibri"/>
+                <a:ea typeface="Calibri"/>
+                <a:cs typeface="Calibri"/>
+                <a:sym typeface="Calibri"/>
               </a:defRPr>
             </a:pPr>
             <a:r>
@@ -587,10 +602,10 @@
                 <a:spcPct val="100000"/>
               </a:lnSpc>
               <a:defRPr sz="1200">
-                <a:latin typeface="Calibri" panose="020F0502020204030204"/>
-                <a:ea typeface="Calibri" panose="020F0502020204030204"/>
-                <a:cs typeface="Calibri" panose="020F0502020204030204"/>
-                <a:sym typeface="Calibri" panose="020F0502020204030204"/>
+                <a:latin typeface="Calibri"/>
+                <a:ea typeface="Calibri"/>
+                <a:cs typeface="Calibri"/>
+                <a:sym typeface="Calibri"/>
               </a:defRPr>
             </a:pPr>
             <a:r>
@@ -603,10 +618,10 @@
                 <a:spcPct val="100000"/>
               </a:lnSpc>
               <a:defRPr sz="1200">
-                <a:latin typeface="Calibri" panose="020F0502020204030204"/>
-                <a:ea typeface="Calibri" panose="020F0502020204030204"/>
-                <a:cs typeface="Calibri" panose="020F0502020204030204"/>
-                <a:sym typeface="Calibri" panose="020F0502020204030204"/>
+                <a:latin typeface="Calibri"/>
+                <a:ea typeface="Calibri"/>
+                <a:cs typeface="Calibri"/>
+                <a:sym typeface="Calibri"/>
               </a:defRPr>
             </a:pPr>
           </a:p>
@@ -616,10 +631,10 @@
                 <a:spcPct val="100000"/>
               </a:lnSpc>
               <a:defRPr sz="1200">
-                <a:latin typeface="Calibri" panose="020F0502020204030204"/>
-                <a:ea typeface="Calibri" panose="020F0502020204030204"/>
-                <a:cs typeface="Calibri" panose="020F0502020204030204"/>
-                <a:sym typeface="Calibri" panose="020F0502020204030204"/>
+                <a:latin typeface="Calibri"/>
+                <a:ea typeface="Calibri"/>
+                <a:cs typeface="Calibri"/>
+                <a:sym typeface="Calibri"/>
               </a:defRPr>
             </a:pPr>
             <a:r>
@@ -637,7 +652,7 @@
 </file>
 
 <file path=ppt/slideLayouts/slideLayout1.xml><?xml version="1.0" encoding="utf-8"?>
-<p:sldLayout xmlns:a="http://schemas.openxmlformats.org/drawingml/2006/main" xmlns:r="http://schemas.openxmlformats.org/officeDocument/2006/relationships" xmlns:p="http://schemas.openxmlformats.org/presentationml/2006/main" type="title">
+<p:sldLayout xmlns:a="http://schemas.openxmlformats.org/drawingml/2006/main" xmlns:r="http://schemas.openxmlformats.org/officeDocument/2006/relationships" xmlns:p="http://schemas.openxmlformats.org/presentationml/2006/main" type="title" showMasterSp="1" showMasterPhAnim="1">
   <p:cSld name="标题与副标题">
     <p:spTree>
       <p:nvGrpSpPr>
@@ -658,7 +673,7 @@
           <p:cNvPr id="11" name="Shape 11"/>
           <p:cNvSpPr/>
           <p:nvPr>
-            <p:ph type="title" hasCustomPrompt="1"/>
+            <p:ph type="title"/>
           </p:nvPr>
         </p:nvSpPr>
         <p:spPr>
@@ -674,6 +689,7 @@
           <a:bodyPr anchor="b"/>
           <a:lstStyle/>
           <a:p>
+            <a:pPr/>
             <a:r>
               <a:t>标题文本</a:t>
             </a:r>
@@ -685,7 +701,7 @@
           <p:cNvPr id="12" name="Shape 12"/>
           <p:cNvSpPr/>
           <p:nvPr>
-            <p:ph type="body" sz="quarter" idx="1" hasCustomPrompt="1"/>
+            <p:ph type="body" sz="quarter" idx="1"/>
           </p:nvPr>
         </p:nvSpPr>
         <p:spPr>
@@ -742,6 +758,7 @@
             </a:lvl5pPr>
           </a:lstStyle>
           <a:p>
+            <a:pPr/>
             <a:r>
               <a:t>正文级别 1</a:t>
             </a:r>
@@ -789,10 +806,8 @@
           <a:bodyPr/>
           <a:lstStyle/>
           <a:p>
-            <a:fld id="{86CB4B4D-7CA3-9044-876B-883B54F8677D}" type="slidenum">
-              <a:rPr/>
-            </a:fld>
-            <a:endParaRPr/>
+            <a:pPr/>
+            <a:fld id="{86CB4B4D-7CA3-9044-876B-883B54F8677D}" type="slidenum"/>
           </a:p>
         </p:txBody>
       </p:sp>
@@ -801,12 +816,12 @@
   <p:clrMapOvr>
     <a:masterClrMapping/>
   </p:clrMapOvr>
-  <p:transition spd="med"/>
+  <p:transition xmlns:p14="http://schemas.microsoft.com/office/powerpoint/2010/main" spd="med" advClick="1"/>
 </p:sldLayout>
 </file>
 
 <file path=ppt/slideLayouts/slideLayout10.xml><?xml version="1.0" encoding="utf-8"?>
-<p:sldLayout xmlns:a="http://schemas.openxmlformats.org/drawingml/2006/main" xmlns:r="http://schemas.openxmlformats.org/officeDocument/2006/relationships" xmlns:p="http://schemas.openxmlformats.org/presentationml/2006/main" type="tx">
+<p:sldLayout xmlns:a="http://schemas.openxmlformats.org/drawingml/2006/main" xmlns:r="http://schemas.openxmlformats.org/officeDocument/2006/relationships" xmlns:p="http://schemas.openxmlformats.org/presentationml/2006/main" type="tx" showMasterSp="1" showMasterPhAnim="1">
   <p:cSld name="引文">
     <p:spTree>
       <p:nvGrpSpPr>
@@ -827,7 +842,7 @@
           <p:cNvPr id="93" name="Shape 93"/>
           <p:cNvSpPr/>
           <p:nvPr>
-            <p:ph type="body" sz="quarter" idx="13" hasCustomPrompt="1"/>
+            <p:ph type="body" sz="quarter" idx="13"/>
           </p:nvPr>
         </p:nvSpPr>
         <p:spPr>
@@ -859,6 +874,7 @@
             </a:lvl1pPr>
           </a:lstStyle>
           <a:p>
+            <a:pPr/>
             <a:r>
               <a:t>–Johnny Appleseed</a:t>
             </a:r>
@@ -870,7 +886,7 @@
           <p:cNvPr id="94" name="Shape 94"/>
           <p:cNvSpPr/>
           <p:nvPr>
-            <p:ph type="body" sz="quarter" idx="14" hasCustomPrompt="1"/>
+            <p:ph type="body" sz="quarter" idx="14"/>
           </p:nvPr>
         </p:nvSpPr>
         <p:spPr>
@@ -896,6 +912,7 @@
             </a:lvl1pPr>
           </a:lstStyle>
           <a:p>
+            <a:pPr/>
             <a:r>
               <a:t>“在此键入引文。”</a:t>
             </a:r>
@@ -919,10 +936,8 @@
           <a:bodyPr/>
           <a:lstStyle/>
           <a:p>
-            <a:fld id="{86CB4B4D-7CA3-9044-876B-883B54F8677D}" type="slidenum">
-              <a:rPr/>
-            </a:fld>
-            <a:endParaRPr/>
+            <a:pPr/>
+            <a:fld id="{86CB4B4D-7CA3-9044-876B-883B54F8677D}" type="slidenum"/>
           </a:p>
         </p:txBody>
       </p:sp>
@@ -931,12 +946,12 @@
   <p:clrMapOvr>
     <a:masterClrMapping/>
   </p:clrMapOvr>
-  <p:transition spd="med"/>
+  <p:transition xmlns:p14="http://schemas.microsoft.com/office/powerpoint/2010/main" spd="med" advClick="1"/>
 </p:sldLayout>
 </file>
 
 <file path=ppt/slideLayouts/slideLayout11.xml><?xml version="1.0" encoding="utf-8"?>
-<p:sldLayout xmlns:a="http://schemas.openxmlformats.org/drawingml/2006/main" xmlns:r="http://schemas.openxmlformats.org/officeDocument/2006/relationships" xmlns:p="http://schemas.openxmlformats.org/presentationml/2006/main" type="tx">
+<p:sldLayout xmlns:a="http://schemas.openxmlformats.org/drawingml/2006/main" xmlns:r="http://schemas.openxmlformats.org/officeDocument/2006/relationships" xmlns:p="http://schemas.openxmlformats.org/presentationml/2006/main" type="tx" showMasterSp="1" showMasterPhAnim="1">
   <p:cSld name="照片">
     <p:spTree>
       <p:nvGrpSpPr>
@@ -974,7 +989,9 @@
             <a:noAutofit/>
           </a:bodyPr>
           <a:lstStyle/>
-          <a:p/>
+          <a:p>
+            <a:pPr/>
+          </a:p>
         </p:txBody>
       </p:sp>
       <p:sp>
@@ -994,10 +1011,8 @@
           <a:bodyPr/>
           <a:lstStyle/>
           <a:p>
-            <a:fld id="{86CB4B4D-7CA3-9044-876B-883B54F8677D}" type="slidenum">
-              <a:rPr/>
-            </a:fld>
-            <a:endParaRPr/>
+            <a:pPr/>
+            <a:fld id="{86CB4B4D-7CA3-9044-876B-883B54F8677D}" type="slidenum"/>
           </a:p>
         </p:txBody>
       </p:sp>
@@ -1006,12 +1021,12 @@
   <p:clrMapOvr>
     <a:masterClrMapping/>
   </p:clrMapOvr>
-  <p:transition spd="med"/>
+  <p:transition xmlns:p14="http://schemas.microsoft.com/office/powerpoint/2010/main" spd="med" advClick="1"/>
 </p:sldLayout>
 </file>
 
 <file path=ppt/slideLayouts/slideLayout12.xml><?xml version="1.0" encoding="utf-8"?>
-<p:sldLayout xmlns:a="http://schemas.openxmlformats.org/drawingml/2006/main" xmlns:r="http://schemas.openxmlformats.org/officeDocument/2006/relationships" xmlns:p="http://schemas.openxmlformats.org/presentationml/2006/main" type="tx">
+<p:sldLayout xmlns:a="http://schemas.openxmlformats.org/drawingml/2006/main" xmlns:r="http://schemas.openxmlformats.org/officeDocument/2006/relationships" xmlns:p="http://schemas.openxmlformats.org/presentationml/2006/main" type="tx" showMasterSp="1" showMasterPhAnim="1">
   <p:cSld name="空白">
     <p:spTree>
       <p:nvGrpSpPr>
@@ -1044,10 +1059,8 @@
           <a:bodyPr/>
           <a:lstStyle/>
           <a:p>
-            <a:fld id="{86CB4B4D-7CA3-9044-876B-883B54F8677D}" type="slidenum">
-              <a:rPr/>
-            </a:fld>
-            <a:endParaRPr/>
+            <a:pPr/>
+            <a:fld id="{86CB4B4D-7CA3-9044-876B-883B54F8677D}" type="slidenum"/>
           </a:p>
         </p:txBody>
       </p:sp>
@@ -1056,12 +1069,12 @@
   <p:clrMapOvr>
     <a:masterClrMapping/>
   </p:clrMapOvr>
-  <p:transition spd="med"/>
+  <p:transition xmlns:p14="http://schemas.microsoft.com/office/powerpoint/2010/main" spd="med" advClick="1"/>
 </p:sldLayout>
 </file>
 
 <file path=ppt/slideLayouts/slideLayout13.xml><?xml version="1.0" encoding="utf-8"?>
-<p:sldLayout xmlns:a="http://schemas.openxmlformats.org/drawingml/2006/main" xmlns:r="http://schemas.openxmlformats.org/officeDocument/2006/relationships" xmlns:p="http://schemas.openxmlformats.org/presentationml/2006/main" type="tx">
+<p:sldLayout xmlns:a="http://schemas.openxmlformats.org/drawingml/2006/main" xmlns:r="http://schemas.openxmlformats.org/officeDocument/2006/relationships" xmlns:p="http://schemas.openxmlformats.org/presentationml/2006/main" type="tx" showMasterSp="1" showMasterPhAnim="1">
   <p:cSld name="Title and Content">
     <p:spTree>
       <p:nvGrpSpPr>
@@ -1099,7 +1112,7 @@
             <a:tailEnd type="triangle"/>
           </a:ln>
           <a:effectLst>
-            <a:outerShdw blurRad="76200" dist="12700" dir="5400000" rotWithShape="0">
+            <a:outerShdw sx="100000" sy="100000" kx="0" ky="0" algn="b" rotWithShape="0" blurRad="76200" dist="12700" dir="5400000">
               <a:srgbClr val="000000">
                 <a:alpha val="60000"/>
               </a:srgbClr>
@@ -1115,10 +1128,10 @@
                 <a:solidFill>
                   <a:srgbClr val="FFFFFF"/>
                 </a:solidFill>
-                <a:latin typeface="Corbel" panose="020B0503020204020204"/>
-                <a:ea typeface="Corbel" panose="020B0503020204020204"/>
-                <a:cs typeface="Corbel" panose="020B0503020204020204"/>
-                <a:sym typeface="Corbel" panose="020B0503020204020204"/>
+                <a:latin typeface="Corbel"/>
+                <a:ea typeface="Corbel"/>
+                <a:cs typeface="Corbel"/>
+                <a:sym typeface="Corbel"/>
               </a:defRPr>
             </a:pPr>
           </a:p>
@@ -1155,10 +1168,10 @@
                 <a:solidFill>
                   <a:srgbClr val="FFFFFF"/>
                 </a:solidFill>
-                <a:latin typeface="Corbel" panose="020B0503020204020204"/>
-                <a:ea typeface="Corbel" panose="020B0503020204020204"/>
-                <a:cs typeface="Corbel" panose="020B0503020204020204"/>
-                <a:sym typeface="Corbel" panose="020B0503020204020204"/>
+                <a:latin typeface="Corbel"/>
+                <a:ea typeface="Corbel"/>
+                <a:cs typeface="Corbel"/>
+                <a:sym typeface="Corbel"/>
               </a:defRPr>
             </a:pPr>
           </a:p>
@@ -1169,7 +1182,7 @@
           <p:cNvPr id="119" name="Shape 119"/>
           <p:cNvSpPr/>
           <p:nvPr>
-            <p:ph type="title" hasCustomPrompt="1"/>
+            <p:ph type="title"/>
           </p:nvPr>
         </p:nvSpPr>
         <p:spPr>
@@ -1189,14 +1202,15 @@
                 <a:solidFill>
                   <a:srgbClr val="F0AD00"/>
                 </a:solidFill>
-                <a:latin typeface="Corbel" panose="020B0503020204020204"/>
-                <a:ea typeface="Corbel" panose="020B0503020204020204"/>
-                <a:cs typeface="Corbel" panose="020B0503020204020204"/>
-                <a:sym typeface="Corbel" panose="020B0503020204020204"/>
+                <a:latin typeface="Corbel"/>
+                <a:ea typeface="Corbel"/>
+                <a:cs typeface="Corbel"/>
+                <a:sym typeface="Corbel"/>
               </a:defRPr>
             </a:lvl1pPr>
           </a:lstStyle>
           <a:p>
+            <a:pPr/>
             <a:r>
               <a:t>标题文本</a:t>
             </a:r>
@@ -1208,7 +1222,7 @@
           <p:cNvPr id="120" name="Shape 120"/>
           <p:cNvSpPr/>
           <p:nvPr>
-            <p:ph type="body" idx="1" hasCustomPrompt="1"/>
+            <p:ph type="body" idx="1"/>
           </p:nvPr>
         </p:nvSpPr>
         <p:spPr>
@@ -1223,7 +1237,7 @@
         <p:txBody>
           <a:bodyPr lIns="91439" tIns="91439" rIns="91439" bIns="91439" anchor="t"/>
           <a:lstStyle>
-            <a:lvl1pPr marL="758825" indent="-640080" defTabSz="1828800">
+            <a:lvl1pPr marL="758952" indent="-640080" defTabSz="1828800">
               <a:spcBef>
                 <a:spcPts val="0"/>
               </a:spcBef>
@@ -1231,16 +1245,16 @@
                 <a:srgbClr val="F0AD00"/>
               </a:buClr>
               <a:buSzPct val="80000"/>
-              <a:buFont typeface="Wingdings 2" panose="05020102010507070707"/>
+              <a:buFont typeface="Wingdings 2"/>
               <a:buChar char="◼"/>
               <a:defRPr sz="6400">
-                <a:latin typeface="Corbel" panose="020B0503020204020204"/>
-                <a:ea typeface="Corbel" panose="020B0503020204020204"/>
-                <a:cs typeface="Corbel" panose="020B0503020204020204"/>
-                <a:sym typeface="Corbel" panose="020B0503020204020204"/>
+                <a:latin typeface="Corbel"/>
+                <a:ea typeface="Corbel"/>
+                <a:cs typeface="Corbel"/>
+                <a:sym typeface="Corbel"/>
               </a:defRPr>
             </a:lvl1pPr>
-            <a:lvl2pPr marL="1083945" indent="-626745" defTabSz="1828800">
+            <a:lvl2pPr marL="1084217" indent="-627017" defTabSz="1828800">
               <a:spcBef>
                 <a:spcPts val="0"/>
               </a:spcBef>
@@ -1248,16 +1262,16 @@
                 <a:srgbClr val="F0AD00"/>
               </a:buClr>
               <a:buSzPct val="90000"/>
-              <a:buFont typeface="Wingdings 2" panose="05020102010507070707"/>
+              <a:buFont typeface="Wingdings 2"/>
               <a:buChar char="▪"/>
               <a:defRPr sz="6400">
-                <a:latin typeface="Corbel" panose="020B0503020204020204"/>
-                <a:ea typeface="Corbel" panose="020B0503020204020204"/>
-                <a:cs typeface="Corbel" panose="020B0503020204020204"/>
-                <a:sym typeface="Corbel" panose="020B0503020204020204"/>
+                <a:latin typeface="Corbel"/>
+                <a:ea typeface="Corbel"/>
+                <a:cs typeface="Corbel"/>
+                <a:sym typeface="Corbel"/>
               </a:defRPr>
             </a:lvl2pPr>
-            <a:lvl3pPr marL="1377950" indent="-609600" defTabSz="1828800">
+            <a:lvl3pPr marL="1377696" indent="-609600" defTabSz="1828800">
               <a:spcBef>
                 <a:spcPts val="0"/>
               </a:spcBef>
@@ -1265,16 +1279,16 @@
                 <a:srgbClr val="F0AD00"/>
               </a:buClr>
               <a:buSzPct val="100000"/>
-              <a:buFont typeface="Wingdings 2" panose="05020102010507070707"/>
+              <a:buFont typeface="Wingdings 2"/>
               <a:buChar char="▪"/>
               <a:defRPr sz="6400">
-                <a:latin typeface="Corbel" panose="020B0503020204020204"/>
-                <a:ea typeface="Corbel" panose="020B0503020204020204"/>
-                <a:cs typeface="Corbel" panose="020B0503020204020204"/>
-                <a:sym typeface="Corbel" panose="020B0503020204020204"/>
+                <a:latin typeface="Corbel"/>
+                <a:ea typeface="Corbel"/>
+                <a:cs typeface="Corbel"/>
+                <a:sym typeface="Corbel"/>
               </a:defRPr>
             </a:lvl3pPr>
-            <a:lvl4pPr marL="1618615" indent="-585470" defTabSz="1828800">
+            <a:lvl4pPr marL="1618488" indent="-585216" defTabSz="1828800">
               <a:spcBef>
                 <a:spcPts val="0"/>
               </a:spcBef>
@@ -1282,16 +1296,16 @@
                 <a:srgbClr val="F0AD00"/>
               </a:buClr>
               <a:buSzPct val="100000"/>
-              <a:buFont typeface="Wingdings 2" panose="05020102010507070707"/>
+              <a:buFont typeface="Wingdings 2"/>
               <a:buChar char="▪"/>
               <a:defRPr sz="6400">
-                <a:latin typeface="Corbel" panose="020B0503020204020204"/>
-                <a:ea typeface="Corbel" panose="020B0503020204020204"/>
-                <a:cs typeface="Corbel" panose="020B0503020204020204"/>
-                <a:sym typeface="Corbel" panose="020B0503020204020204"/>
+                <a:latin typeface="Corbel"/>
+                <a:ea typeface="Corbel"/>
+                <a:cs typeface="Corbel"/>
+                <a:sym typeface="Corbel"/>
               </a:defRPr>
             </a:lvl4pPr>
-            <a:lvl5pPr marL="1828800" indent="-585470" defTabSz="1828800">
+            <a:lvl5pPr marL="1828800" indent="-585216" defTabSz="1828800">
               <a:spcBef>
                 <a:spcPts val="0"/>
               </a:spcBef>
@@ -1299,17 +1313,18 @@
                 <a:srgbClr val="F0AD00"/>
               </a:buClr>
               <a:buSzPct val="100000"/>
-              <a:buFont typeface="Wingdings 2" panose="05020102010507070707"/>
+              <a:buFont typeface="Wingdings 2"/>
               <a:buChar char=""/>
               <a:defRPr sz="6400">
-                <a:latin typeface="Corbel" panose="020B0503020204020204"/>
-                <a:ea typeface="Corbel" panose="020B0503020204020204"/>
-                <a:cs typeface="Corbel" panose="020B0503020204020204"/>
-                <a:sym typeface="Corbel" panose="020B0503020204020204"/>
+                <a:latin typeface="Corbel"/>
+                <a:ea typeface="Corbel"/>
+                <a:cs typeface="Corbel"/>
+                <a:sym typeface="Corbel"/>
               </a:defRPr>
             </a:lvl5pPr>
           </a:lstStyle>
           <a:p>
+            <a:pPr/>
             <a:r>
               <a:t>正文级别 1</a:t>
             </a:r>
@@ -1365,18 +1380,16 @@
                 <a:solidFill>
                   <a:srgbClr val="414141"/>
                 </a:solidFill>
-                <a:latin typeface="Corbel" panose="020B0503020204020204"/>
-                <a:ea typeface="Corbel" panose="020B0503020204020204"/>
-                <a:cs typeface="Corbel" panose="020B0503020204020204"/>
-                <a:sym typeface="Corbel" panose="020B0503020204020204"/>
+                <a:latin typeface="Corbel"/>
+                <a:ea typeface="Corbel"/>
+                <a:cs typeface="Corbel"/>
+                <a:sym typeface="Corbel"/>
               </a:defRPr>
             </a:lvl1pPr>
           </a:lstStyle>
           <a:p>
-            <a:fld id="{86CB4B4D-7CA3-9044-876B-883B54F8677D}" type="slidenum">
-              <a:rPr/>
-            </a:fld>
-            <a:endParaRPr/>
+            <a:pPr/>
+            <a:fld id="{86CB4B4D-7CA3-9044-876B-883B54F8677D}" type="slidenum"/>
           </a:p>
         </p:txBody>
       </p:sp>
@@ -1385,12 +1398,12 @@
   <p:clrMapOvr>
     <a:masterClrMapping/>
   </p:clrMapOvr>
-  <p:transition spd="med"/>
+  <p:transition xmlns:p14="http://schemas.microsoft.com/office/powerpoint/2010/main" spd="med" advClick="1"/>
 </p:sldLayout>
 </file>
 
 <file path=ppt/slideLayouts/slideLayout2.xml><?xml version="1.0" encoding="utf-8"?>
-<p:sldLayout xmlns:a="http://schemas.openxmlformats.org/drawingml/2006/main" xmlns:r="http://schemas.openxmlformats.org/officeDocument/2006/relationships" xmlns:p="http://schemas.openxmlformats.org/presentationml/2006/main" type="tx">
+<p:sldLayout xmlns:a="http://schemas.openxmlformats.org/drawingml/2006/main" xmlns:r="http://schemas.openxmlformats.org/officeDocument/2006/relationships" xmlns:p="http://schemas.openxmlformats.org/presentationml/2006/main" type="tx" showMasterSp="1" showMasterPhAnim="1">
   <p:cSld name="照片 - 水平">
     <p:spTree>
       <p:nvGrpSpPr>
@@ -1428,7 +1441,9 @@
             <a:noAutofit/>
           </a:bodyPr>
           <a:lstStyle/>
-          <a:p/>
+          <a:p>
+            <a:pPr/>
+          </a:p>
         </p:txBody>
       </p:sp>
       <p:sp>
@@ -1436,7 +1451,7 @@
           <p:cNvPr id="21" name="Shape 21"/>
           <p:cNvSpPr/>
           <p:nvPr>
-            <p:ph type="title" hasCustomPrompt="1"/>
+            <p:ph type="title"/>
           </p:nvPr>
         </p:nvSpPr>
         <p:spPr>
@@ -1452,6 +1467,7 @@
           <a:bodyPr anchor="b"/>
           <a:lstStyle/>
           <a:p>
+            <a:pPr/>
             <a:r>
               <a:t>标题文本</a:t>
             </a:r>
@@ -1463,7 +1479,7 @@
           <p:cNvPr id="22" name="Shape 22"/>
           <p:cNvSpPr/>
           <p:nvPr>
-            <p:ph type="body" sz="quarter" idx="1" hasCustomPrompt="1"/>
+            <p:ph type="body" sz="quarter" idx="1"/>
           </p:nvPr>
         </p:nvSpPr>
         <p:spPr>
@@ -1520,6 +1536,7 @@
             </a:lvl5pPr>
           </a:lstStyle>
           <a:p>
+            <a:pPr/>
             <a:r>
               <a:t>正文级别 1</a:t>
             </a:r>
@@ -1567,10 +1584,8 @@
           <a:bodyPr/>
           <a:lstStyle/>
           <a:p>
-            <a:fld id="{86CB4B4D-7CA3-9044-876B-883B54F8677D}" type="slidenum">
-              <a:rPr/>
-            </a:fld>
-            <a:endParaRPr/>
+            <a:pPr/>
+            <a:fld id="{86CB4B4D-7CA3-9044-876B-883B54F8677D}" type="slidenum"/>
           </a:p>
         </p:txBody>
       </p:sp>
@@ -1579,12 +1594,12 @@
   <p:clrMapOvr>
     <a:masterClrMapping/>
   </p:clrMapOvr>
-  <p:transition spd="med"/>
+  <p:transition xmlns:p14="http://schemas.microsoft.com/office/powerpoint/2010/main" spd="med" advClick="1"/>
 </p:sldLayout>
 </file>
 
 <file path=ppt/slideLayouts/slideLayout3.xml><?xml version="1.0" encoding="utf-8"?>
-<p:sldLayout xmlns:a="http://schemas.openxmlformats.org/drawingml/2006/main" xmlns:r="http://schemas.openxmlformats.org/officeDocument/2006/relationships" xmlns:p="http://schemas.openxmlformats.org/presentationml/2006/main" type="tx">
+<p:sldLayout xmlns:a="http://schemas.openxmlformats.org/drawingml/2006/main" xmlns:r="http://schemas.openxmlformats.org/officeDocument/2006/relationships" xmlns:p="http://schemas.openxmlformats.org/presentationml/2006/main" type="tx" showMasterSp="1" showMasterPhAnim="1">
   <p:cSld name="标题 - 居中">
     <p:spTree>
       <p:nvGrpSpPr>
@@ -1605,7 +1620,7 @@
           <p:cNvPr id="30" name="Shape 30"/>
           <p:cNvSpPr/>
           <p:nvPr>
-            <p:ph type="title" hasCustomPrompt="1"/>
+            <p:ph type="title"/>
           </p:nvPr>
         </p:nvSpPr>
         <p:spPr>
@@ -1621,6 +1636,7 @@
           <a:bodyPr/>
           <a:lstStyle/>
           <a:p>
+            <a:pPr/>
             <a:r>
               <a:t>标题文本</a:t>
             </a:r>
@@ -1644,10 +1660,8 @@
           <a:bodyPr/>
           <a:lstStyle/>
           <a:p>
-            <a:fld id="{86CB4B4D-7CA3-9044-876B-883B54F8677D}" type="slidenum">
-              <a:rPr/>
-            </a:fld>
-            <a:endParaRPr/>
+            <a:pPr/>
+            <a:fld id="{86CB4B4D-7CA3-9044-876B-883B54F8677D}" type="slidenum"/>
           </a:p>
         </p:txBody>
       </p:sp>
@@ -1656,12 +1670,12 @@
   <p:clrMapOvr>
     <a:masterClrMapping/>
   </p:clrMapOvr>
-  <p:transition spd="med"/>
+  <p:transition xmlns:p14="http://schemas.microsoft.com/office/powerpoint/2010/main" spd="med" advClick="1"/>
 </p:sldLayout>
 </file>
 
 <file path=ppt/slideLayouts/slideLayout4.xml><?xml version="1.0" encoding="utf-8"?>
-<p:sldLayout xmlns:a="http://schemas.openxmlformats.org/drawingml/2006/main" xmlns:r="http://schemas.openxmlformats.org/officeDocument/2006/relationships" xmlns:p="http://schemas.openxmlformats.org/presentationml/2006/main" type="tx">
+<p:sldLayout xmlns:a="http://schemas.openxmlformats.org/drawingml/2006/main" xmlns:r="http://schemas.openxmlformats.org/officeDocument/2006/relationships" xmlns:p="http://schemas.openxmlformats.org/presentationml/2006/main" type="tx" showMasterSp="1" showMasterPhAnim="1">
   <p:cSld name="照片 - 垂直">
     <p:spTree>
       <p:nvGrpSpPr>
@@ -1699,7 +1713,9 @@
             <a:noAutofit/>
           </a:bodyPr>
           <a:lstStyle/>
-          <a:p/>
+          <a:p>
+            <a:pPr/>
+          </a:p>
         </p:txBody>
       </p:sp>
       <p:sp>
@@ -1707,7 +1723,7 @@
           <p:cNvPr id="39" name="Shape 39"/>
           <p:cNvSpPr/>
           <p:nvPr>
-            <p:ph type="title" hasCustomPrompt="1"/>
+            <p:ph type="title"/>
           </p:nvPr>
         </p:nvSpPr>
         <p:spPr>
@@ -1727,6 +1743,7 @@
             </a:lvl1pPr>
           </a:lstStyle>
           <a:p>
+            <a:pPr/>
             <a:r>
               <a:t>标题文本</a:t>
             </a:r>
@@ -1738,7 +1755,7 @@
           <p:cNvPr id="40" name="Shape 40"/>
           <p:cNvSpPr/>
           <p:nvPr>
-            <p:ph type="body" sz="quarter" idx="1" hasCustomPrompt="1"/>
+            <p:ph type="body" sz="quarter" idx="1"/>
           </p:nvPr>
         </p:nvSpPr>
         <p:spPr>
@@ -1795,6 +1812,7 @@
             </a:lvl5pPr>
           </a:lstStyle>
           <a:p>
+            <a:pPr/>
             <a:r>
               <a:t>正文级别 1</a:t>
             </a:r>
@@ -1842,10 +1860,8 @@
           <a:bodyPr/>
           <a:lstStyle/>
           <a:p>
-            <a:fld id="{86CB4B4D-7CA3-9044-876B-883B54F8677D}" type="slidenum">
-              <a:rPr/>
-            </a:fld>
-            <a:endParaRPr/>
+            <a:pPr/>
+            <a:fld id="{86CB4B4D-7CA3-9044-876B-883B54F8677D}" type="slidenum"/>
           </a:p>
         </p:txBody>
       </p:sp>
@@ -1854,12 +1870,12 @@
   <p:clrMapOvr>
     <a:masterClrMapping/>
   </p:clrMapOvr>
-  <p:transition spd="med"/>
+  <p:transition xmlns:p14="http://schemas.microsoft.com/office/powerpoint/2010/main" spd="med" advClick="1"/>
 </p:sldLayout>
 </file>
 
 <file path=ppt/slideLayouts/slideLayout5.xml><?xml version="1.0" encoding="utf-8"?>
-<p:sldLayout xmlns:a="http://schemas.openxmlformats.org/drawingml/2006/main" xmlns:r="http://schemas.openxmlformats.org/officeDocument/2006/relationships" xmlns:p="http://schemas.openxmlformats.org/presentationml/2006/main" type="tx">
+<p:sldLayout xmlns:a="http://schemas.openxmlformats.org/drawingml/2006/main" xmlns:r="http://schemas.openxmlformats.org/officeDocument/2006/relationships" xmlns:p="http://schemas.openxmlformats.org/presentationml/2006/main" type="tx" showMasterSp="1" showMasterPhAnim="1">
   <p:cSld name="标题 - 顶部对齐">
     <p:spTree>
       <p:nvGrpSpPr>
@@ -1880,7 +1896,7 @@
           <p:cNvPr id="48" name="Shape 48"/>
           <p:cNvSpPr/>
           <p:nvPr>
-            <p:ph type="title" hasCustomPrompt="1"/>
+            <p:ph type="title"/>
           </p:nvPr>
         </p:nvSpPr>
         <p:spPr>
@@ -1892,6 +1908,7 @@
           <a:bodyPr/>
           <a:lstStyle/>
           <a:p>
+            <a:pPr/>
             <a:r>
               <a:t>标题文本</a:t>
             </a:r>
@@ -1915,10 +1932,8 @@
           <a:bodyPr/>
           <a:lstStyle/>
           <a:p>
-            <a:fld id="{86CB4B4D-7CA3-9044-876B-883B54F8677D}" type="slidenum">
-              <a:rPr/>
-            </a:fld>
-            <a:endParaRPr/>
+            <a:pPr/>
+            <a:fld id="{86CB4B4D-7CA3-9044-876B-883B54F8677D}" type="slidenum"/>
           </a:p>
         </p:txBody>
       </p:sp>
@@ -1927,12 +1942,12 @@
   <p:clrMapOvr>
     <a:masterClrMapping/>
   </p:clrMapOvr>
-  <p:transition spd="med"/>
+  <p:transition xmlns:p14="http://schemas.microsoft.com/office/powerpoint/2010/main" spd="med" advClick="1"/>
 </p:sldLayout>
 </file>
 
 <file path=ppt/slideLayouts/slideLayout6.xml><?xml version="1.0" encoding="utf-8"?>
-<p:sldLayout xmlns:a="http://schemas.openxmlformats.org/drawingml/2006/main" xmlns:r="http://schemas.openxmlformats.org/officeDocument/2006/relationships" xmlns:p="http://schemas.openxmlformats.org/presentationml/2006/main" type="tx">
+<p:sldLayout xmlns:a="http://schemas.openxmlformats.org/drawingml/2006/main" xmlns:r="http://schemas.openxmlformats.org/officeDocument/2006/relationships" xmlns:p="http://schemas.openxmlformats.org/presentationml/2006/main" type="tx" showMasterSp="1" showMasterPhAnim="1">
   <p:cSld name="标题与项目符号">
     <p:spTree>
       <p:nvGrpSpPr>
@@ -1953,7 +1968,7 @@
           <p:cNvPr id="56" name="Shape 56"/>
           <p:cNvSpPr/>
           <p:nvPr>
-            <p:ph type="title" hasCustomPrompt="1"/>
+            <p:ph type="title"/>
           </p:nvPr>
         </p:nvSpPr>
         <p:spPr>
@@ -1965,6 +1980,7 @@
           <a:bodyPr/>
           <a:lstStyle/>
           <a:p>
+            <a:pPr/>
             <a:r>
               <a:t>标题文本</a:t>
             </a:r>
@@ -1976,7 +1992,7 @@
           <p:cNvPr id="57" name="Shape 57"/>
           <p:cNvSpPr/>
           <p:nvPr>
-            <p:ph type="body" idx="1" hasCustomPrompt="1"/>
+            <p:ph type="body" idx="1"/>
           </p:nvPr>
         </p:nvSpPr>
         <p:spPr>
@@ -1988,6 +2004,7 @@
           <a:bodyPr/>
           <a:lstStyle/>
           <a:p>
+            <a:pPr/>
             <a:r>
               <a:t>正文级别 1</a:t>
             </a:r>
@@ -2035,10 +2052,8 @@
           <a:bodyPr/>
           <a:lstStyle/>
           <a:p>
-            <a:fld id="{86CB4B4D-7CA3-9044-876B-883B54F8677D}" type="slidenum">
-              <a:rPr/>
-            </a:fld>
-            <a:endParaRPr/>
+            <a:pPr/>
+            <a:fld id="{86CB4B4D-7CA3-9044-876B-883B54F8677D}" type="slidenum"/>
           </a:p>
         </p:txBody>
       </p:sp>
@@ -2047,12 +2062,12 @@
   <p:clrMapOvr>
     <a:masterClrMapping/>
   </p:clrMapOvr>
-  <p:transition spd="med"/>
+  <p:transition xmlns:p14="http://schemas.microsoft.com/office/powerpoint/2010/main" spd="med" advClick="1"/>
 </p:sldLayout>
 </file>
 
 <file path=ppt/slideLayouts/slideLayout7.xml><?xml version="1.0" encoding="utf-8"?>
-<p:sldLayout xmlns:a="http://schemas.openxmlformats.org/drawingml/2006/main" xmlns:r="http://schemas.openxmlformats.org/officeDocument/2006/relationships" xmlns:p="http://schemas.openxmlformats.org/presentationml/2006/main" type="tx">
+<p:sldLayout xmlns:a="http://schemas.openxmlformats.org/drawingml/2006/main" xmlns:r="http://schemas.openxmlformats.org/officeDocument/2006/relationships" xmlns:p="http://schemas.openxmlformats.org/presentationml/2006/main" type="tx" showMasterSp="1" showMasterPhAnim="1">
   <p:cSld name="标题、项目符号与照片">
     <p:spTree>
       <p:nvGrpSpPr>
@@ -2090,7 +2105,9 @@
             <a:noAutofit/>
           </a:bodyPr>
           <a:lstStyle/>
-          <a:p/>
+          <a:p>
+            <a:pPr/>
+          </a:p>
         </p:txBody>
       </p:sp>
       <p:sp>
@@ -2098,7 +2115,7 @@
           <p:cNvPr id="66" name="Shape 66"/>
           <p:cNvSpPr/>
           <p:nvPr>
-            <p:ph type="title" hasCustomPrompt="1"/>
+            <p:ph type="title"/>
           </p:nvPr>
         </p:nvSpPr>
         <p:spPr>
@@ -2110,6 +2127,7 @@
           <a:bodyPr/>
           <a:lstStyle/>
           <a:p>
+            <a:pPr/>
             <a:r>
               <a:t>标题文本</a:t>
             </a:r>
@@ -2121,7 +2139,7 @@
           <p:cNvPr id="67" name="Shape 67"/>
           <p:cNvSpPr/>
           <p:nvPr>
-            <p:ph type="body" sz="half" idx="1" hasCustomPrompt="1"/>
+            <p:ph type="body" sz="half" idx="1"/>
           </p:nvPr>
         </p:nvSpPr>
         <p:spPr>
@@ -2168,6 +2186,7 @@
             </a:lvl5pPr>
           </a:lstStyle>
           <a:p>
+            <a:pPr/>
             <a:r>
               <a:t>正文级别 1</a:t>
             </a:r>
@@ -2215,10 +2234,8 @@
           <a:bodyPr/>
           <a:lstStyle/>
           <a:p>
-            <a:fld id="{86CB4B4D-7CA3-9044-876B-883B54F8677D}" type="slidenum">
-              <a:rPr/>
-            </a:fld>
-            <a:endParaRPr/>
+            <a:pPr/>
+            <a:fld id="{86CB4B4D-7CA3-9044-876B-883B54F8677D}" type="slidenum"/>
           </a:p>
         </p:txBody>
       </p:sp>
@@ -2227,12 +2244,12 @@
   <p:clrMapOvr>
     <a:masterClrMapping/>
   </p:clrMapOvr>
-  <p:transition spd="med"/>
+  <p:transition xmlns:p14="http://schemas.microsoft.com/office/powerpoint/2010/main" spd="med" advClick="1"/>
 </p:sldLayout>
 </file>
 
 <file path=ppt/slideLayouts/slideLayout8.xml><?xml version="1.0" encoding="utf-8"?>
-<p:sldLayout xmlns:a="http://schemas.openxmlformats.org/drawingml/2006/main" xmlns:r="http://schemas.openxmlformats.org/officeDocument/2006/relationships" xmlns:p="http://schemas.openxmlformats.org/presentationml/2006/main" type="tx">
+<p:sldLayout xmlns:a="http://schemas.openxmlformats.org/drawingml/2006/main" xmlns:r="http://schemas.openxmlformats.org/officeDocument/2006/relationships" xmlns:p="http://schemas.openxmlformats.org/presentationml/2006/main" type="tx" showMasterSp="1" showMasterPhAnim="1">
   <p:cSld name="项目符号">
     <p:spTree>
       <p:nvGrpSpPr>
@@ -2253,7 +2270,7 @@
           <p:cNvPr id="75" name="Shape 75"/>
           <p:cNvSpPr/>
           <p:nvPr>
-            <p:ph type="body" idx="1" hasCustomPrompt="1"/>
+            <p:ph type="body" idx="1"/>
           </p:nvPr>
         </p:nvSpPr>
         <p:spPr>
@@ -2269,6 +2286,7 @@
           <a:bodyPr/>
           <a:lstStyle/>
           <a:p>
+            <a:pPr/>
             <a:r>
               <a:t>正文级别 1</a:t>
             </a:r>
@@ -2316,10 +2334,8 @@
           <a:bodyPr/>
           <a:lstStyle/>
           <a:p>
-            <a:fld id="{86CB4B4D-7CA3-9044-876B-883B54F8677D}" type="slidenum">
-              <a:rPr/>
-            </a:fld>
-            <a:endParaRPr/>
+            <a:pPr/>
+            <a:fld id="{86CB4B4D-7CA3-9044-876B-883B54F8677D}" type="slidenum"/>
           </a:p>
         </p:txBody>
       </p:sp>
@@ -2328,12 +2344,12 @@
   <p:clrMapOvr>
     <a:masterClrMapping/>
   </p:clrMapOvr>
-  <p:transition spd="med"/>
+  <p:transition xmlns:p14="http://schemas.microsoft.com/office/powerpoint/2010/main" spd="med" advClick="1"/>
 </p:sldLayout>
 </file>
 
 <file path=ppt/slideLayouts/slideLayout9.xml><?xml version="1.0" encoding="utf-8"?>
-<p:sldLayout xmlns:a="http://schemas.openxmlformats.org/drawingml/2006/main" xmlns:r="http://schemas.openxmlformats.org/officeDocument/2006/relationships" xmlns:p="http://schemas.openxmlformats.org/presentationml/2006/main" type="tx">
+<p:sldLayout xmlns:a="http://schemas.openxmlformats.org/drawingml/2006/main" xmlns:r="http://schemas.openxmlformats.org/officeDocument/2006/relationships" xmlns:p="http://schemas.openxmlformats.org/presentationml/2006/main" type="tx" showMasterSp="1" showMasterPhAnim="1">
   <p:cSld name="照片 - 3 联">
     <p:spTree>
       <p:nvGrpSpPr>
@@ -2371,7 +2387,9 @@
             <a:noAutofit/>
           </a:bodyPr>
           <a:lstStyle/>
-          <a:p/>
+          <a:p>
+            <a:pPr/>
+          </a:p>
         </p:txBody>
       </p:sp>
       <p:sp>
@@ -2396,7 +2414,9 @@
             <a:noAutofit/>
           </a:bodyPr>
           <a:lstStyle/>
-          <a:p/>
+          <a:p>
+            <a:pPr/>
+          </a:p>
         </p:txBody>
       </p:sp>
       <p:sp>
@@ -2421,7 +2441,9 @@
             <a:noAutofit/>
           </a:bodyPr>
           <a:lstStyle/>
-          <a:p/>
+          <a:p>
+            <a:pPr/>
+          </a:p>
         </p:txBody>
       </p:sp>
       <p:sp>
@@ -2441,10 +2463,8 @@
           <a:bodyPr/>
           <a:lstStyle/>
           <a:p>
-            <a:fld id="{86CB4B4D-7CA3-9044-876B-883B54F8677D}" type="slidenum">
-              <a:rPr/>
-            </a:fld>
-            <a:endParaRPr/>
+            <a:pPr/>
+            <a:fld id="{86CB4B4D-7CA3-9044-876B-883B54F8677D}" type="slidenum"/>
           </a:p>
         </p:txBody>
       </p:sp>
@@ -2453,7 +2473,7 @@
   <p:clrMapOvr>
     <a:masterClrMapping/>
   </p:clrMapOvr>
-  <p:transition spd="med"/>
+  <p:transition xmlns:p14="http://schemas.microsoft.com/office/powerpoint/2010/main" spd="med" advClick="1"/>
 </p:sldLayout>
 </file>
 
@@ -2465,7 +2485,6 @@
         <a:solidFill>
           <a:srgbClr val="FFFFFF"/>
         </a:solidFill>
-        <a:effectLst/>
       </p:bgPr>
     </p:bg>
     <p:spTree>
@@ -2501,13 +2520,19 @@
           <a:ln w="12700">
             <a:miter lim="400000"/>
           </a:ln>
+          <a:extLst>
+            <a:ext uri="{C572A759-6A51-4108-AA02-DFA0A04FC94B}">
+              <ma14:wrappingTextBoxFlag xmlns:ma14="http://schemas.microsoft.com/office/mac/drawingml/2011/main" val="1"/>
+            </a:ext>
+          </a:extLst>
         </p:spPr>
         <p:txBody>
           <a:bodyPr lIns="50800" tIns="50800" rIns="50800" bIns="50800" anchor="ctr">
-            <a:normAutofit/>
+            <a:normAutofit fontScale="100000" lnSpcReduction="0"/>
           </a:bodyPr>
           <a:lstStyle/>
           <a:p>
+            <a:pPr/>
             <a:r>
               <a:t>标题文本</a:t>
             </a:r>
@@ -2533,13 +2558,19 @@
           <a:ln w="12700">
             <a:miter lim="400000"/>
           </a:ln>
+          <a:extLst>
+            <a:ext uri="{C572A759-6A51-4108-AA02-DFA0A04FC94B}">
+              <ma14:wrappingTextBoxFlag xmlns:ma14="http://schemas.microsoft.com/office/mac/drawingml/2011/main" val="1"/>
+            </a:ext>
+          </a:extLst>
         </p:spPr>
         <p:txBody>
           <a:bodyPr lIns="50800" tIns="50800" rIns="50800" bIns="50800" anchor="ctr">
-            <a:normAutofit/>
+            <a:normAutofit fontScale="100000" lnSpcReduction="0"/>
           </a:bodyPr>
           <a:lstStyle/>
           <a:p>
+            <a:pPr/>
             <a:r>
               <a:t>正文级别 1</a:t>
             </a:r>
@@ -2600,10 +2631,8 @@
             </a:lvl1pPr>
           </a:lstStyle>
           <a:p>
-            <a:fld id="{86CB4B4D-7CA3-9044-876B-883B54F8677D}" type="slidenum">
-              <a:rPr/>
-            </a:fld>
-            <a:endParaRPr/>
+            <a:pPr/>
+            <a:fld id="{86CB4B4D-7CA3-9044-876B-883B54F8677D}" type="slidenum"/>
           </a:p>
         </p:txBody>
       </p:sp>
@@ -2611,21 +2640,21 @@
   </p:cSld>
   <p:clrMap bg1="lt1" tx1="dk1" bg2="lt2" tx2="dk2" accent1="accent1" accent2="accent2" accent3="accent3" accent4="accent4" accent5="accent5" accent6="accent6" hlink="hlink" folHlink="folHlink"/>
   <p:sldLayoutIdLst>
-    <p:sldLayoutId id="2147483649" r:id="rId1"/>
-    <p:sldLayoutId id="2147483650" r:id="rId2"/>
-    <p:sldLayoutId id="2147483651" r:id="rId3"/>
-    <p:sldLayoutId id="2147483652" r:id="rId4"/>
-    <p:sldLayoutId id="2147483653" r:id="rId5"/>
-    <p:sldLayoutId id="2147483654" r:id="rId6"/>
-    <p:sldLayoutId id="2147483655" r:id="rId7"/>
-    <p:sldLayoutId id="2147483656" r:id="rId8"/>
-    <p:sldLayoutId id="2147483657" r:id="rId9"/>
-    <p:sldLayoutId id="2147483658" r:id="rId10"/>
-    <p:sldLayoutId id="2147483659" r:id="rId11"/>
-    <p:sldLayoutId id="2147483660" r:id="rId12"/>
-    <p:sldLayoutId id="2147483661" r:id="rId13"/>
+    <p:sldLayoutId id="2147483649" r:id="rId2"/>
+    <p:sldLayoutId id="2147483650" r:id="rId3"/>
+    <p:sldLayoutId id="2147483651" r:id="rId4"/>
+    <p:sldLayoutId id="2147483652" r:id="rId5"/>
+    <p:sldLayoutId id="2147483653" r:id="rId6"/>
+    <p:sldLayoutId id="2147483654" r:id="rId7"/>
+    <p:sldLayoutId id="2147483655" r:id="rId8"/>
+    <p:sldLayoutId id="2147483656" r:id="rId9"/>
+    <p:sldLayoutId id="2147483657" r:id="rId10"/>
+    <p:sldLayoutId id="2147483658" r:id="rId11"/>
+    <p:sldLayoutId id="2147483659" r:id="rId12"/>
+    <p:sldLayoutId id="2147483660" r:id="rId13"/>
+    <p:sldLayoutId id="2147483661" r:id="rId14"/>
   </p:sldLayoutIdLst>
-  <p:transition spd="med"/>
+  <p:transition xmlns:p14="http://schemas.microsoft.com/office/powerpoint/2010/main" spd="med" advClick="1"/>
   <p:txStyles>
     <p:titleStyle>
       <a:lvl1pPr marL="0" marR="0" indent="0" algn="ctr" defTabSz="825500" rtl="0" latinLnBrk="0">
@@ -2642,7 +2671,8 @@
         <a:buSzTx/>
         <a:buFontTx/>
         <a:buNone/>
-        <a:defRPr sz="11200" b="0" i="0" u="none" strike="noStrike" cap="none" spc="0" baseline="0">
+        <a:tabLst/>
+        <a:defRPr b="0" baseline="0" cap="none" i="0" spc="0" strike="noStrike" sz="11200" u="none">
           <a:ln>
             <a:noFill/>
           </a:ln>
@@ -2670,7 +2700,8 @@
         <a:buSzTx/>
         <a:buFontTx/>
         <a:buNone/>
-        <a:defRPr sz="11200" b="0" i="0" u="none" strike="noStrike" cap="none" spc="0" baseline="0">
+        <a:tabLst/>
+        <a:defRPr b="0" baseline="0" cap="none" i="0" spc="0" strike="noStrike" sz="11200" u="none">
           <a:ln>
             <a:noFill/>
           </a:ln>
@@ -2698,7 +2729,8 @@
         <a:buSzTx/>
         <a:buFontTx/>
         <a:buNone/>
-        <a:defRPr sz="11200" b="0" i="0" u="none" strike="noStrike" cap="none" spc="0" baseline="0">
+        <a:tabLst/>
+        <a:defRPr b="0" baseline="0" cap="none" i="0" spc="0" strike="noStrike" sz="11200" u="none">
           <a:ln>
             <a:noFill/>
           </a:ln>
@@ -2726,7 +2758,8 @@
         <a:buSzTx/>
         <a:buFontTx/>
         <a:buNone/>
-        <a:defRPr sz="11200" b="0" i="0" u="none" strike="noStrike" cap="none" spc="0" baseline="0">
+        <a:tabLst/>
+        <a:defRPr b="0" baseline="0" cap="none" i="0" spc="0" strike="noStrike" sz="11200" u="none">
           <a:ln>
             <a:noFill/>
           </a:ln>
@@ -2754,7 +2787,8 @@
         <a:buSzTx/>
         <a:buFontTx/>
         <a:buNone/>
-        <a:defRPr sz="11200" b="0" i="0" u="none" strike="noStrike" cap="none" spc="0" baseline="0">
+        <a:tabLst/>
+        <a:defRPr b="0" baseline="0" cap="none" i="0" spc="0" strike="noStrike" sz="11200" u="none">
           <a:ln>
             <a:noFill/>
           </a:ln>
@@ -2782,7 +2816,8 @@
         <a:buSzTx/>
         <a:buFontTx/>
         <a:buNone/>
-        <a:defRPr sz="11200" b="0" i="0" u="none" strike="noStrike" cap="none" spc="0" baseline="0">
+        <a:tabLst/>
+        <a:defRPr b="0" baseline="0" cap="none" i="0" spc="0" strike="noStrike" sz="11200" u="none">
           <a:ln>
             <a:noFill/>
           </a:ln>
@@ -2810,7 +2845,8 @@
         <a:buSzTx/>
         <a:buFontTx/>
         <a:buNone/>
-        <a:defRPr sz="11200" b="0" i="0" u="none" strike="noStrike" cap="none" spc="0" baseline="0">
+        <a:tabLst/>
+        <a:defRPr b="0" baseline="0" cap="none" i="0" spc="0" strike="noStrike" sz="11200" u="none">
           <a:ln>
             <a:noFill/>
           </a:ln>
@@ -2838,7 +2874,8 @@
         <a:buSzTx/>
         <a:buFontTx/>
         <a:buNone/>
-        <a:defRPr sz="11200" b="0" i="0" u="none" strike="noStrike" cap="none" spc="0" baseline="0">
+        <a:tabLst/>
+        <a:defRPr b="0" baseline="0" cap="none" i="0" spc="0" strike="noStrike" sz="11200" u="none">
           <a:ln>
             <a:noFill/>
           </a:ln>
@@ -2866,7 +2903,8 @@
         <a:buSzTx/>
         <a:buFontTx/>
         <a:buNone/>
-        <a:defRPr sz="11200" b="0" i="0" u="none" strike="noStrike" cap="none" spc="0" baseline="0">
+        <a:tabLst/>
+        <a:defRPr b="0" baseline="0" cap="none" i="0" spc="0" strike="noStrike" sz="11200" u="none">
           <a:ln>
             <a:noFill/>
           </a:ln>
@@ -2896,7 +2934,8 @@
         <a:buSzPct val="75000"/>
         <a:buFontTx/>
         <a:buChar char="•"/>
-        <a:defRPr sz="5200" b="0" i="0" u="none" strike="noStrike" cap="none" spc="0" baseline="0">
+        <a:tabLst/>
+        <a:defRPr b="0" baseline="0" cap="none" i="0" spc="0" strike="noStrike" sz="5200" u="none">
           <a:ln>
             <a:noFill/>
           </a:ln>
@@ -2924,7 +2963,8 @@
         <a:buSzPct val="75000"/>
         <a:buFontTx/>
         <a:buChar char="•"/>
-        <a:defRPr sz="5200" b="0" i="0" u="none" strike="noStrike" cap="none" spc="0" baseline="0">
+        <a:tabLst/>
+        <a:defRPr b="0" baseline="0" cap="none" i="0" spc="0" strike="noStrike" sz="5200" u="none">
           <a:ln>
             <a:noFill/>
           </a:ln>
@@ -2952,7 +2992,8 @@
         <a:buSzPct val="75000"/>
         <a:buFontTx/>
         <a:buChar char="•"/>
-        <a:defRPr sz="5200" b="0" i="0" u="none" strike="noStrike" cap="none" spc="0" baseline="0">
+        <a:tabLst/>
+        <a:defRPr b="0" baseline="0" cap="none" i="0" spc="0" strike="noStrike" sz="5200" u="none">
           <a:ln>
             <a:noFill/>
           </a:ln>
@@ -2980,7 +3021,8 @@
         <a:buSzPct val="75000"/>
         <a:buFontTx/>
         <a:buChar char="•"/>
-        <a:defRPr sz="5200" b="0" i="0" u="none" strike="noStrike" cap="none" spc="0" baseline="0">
+        <a:tabLst/>
+        <a:defRPr b="0" baseline="0" cap="none" i="0" spc="0" strike="noStrike" sz="5200" u="none">
           <a:ln>
             <a:noFill/>
           </a:ln>
@@ -3008,7 +3050,8 @@
         <a:buSzPct val="75000"/>
         <a:buFontTx/>
         <a:buChar char="•"/>
-        <a:defRPr sz="5200" b="0" i="0" u="none" strike="noStrike" cap="none" spc="0" baseline="0">
+        <a:tabLst/>
+        <a:defRPr b="0" baseline="0" cap="none" i="0" spc="0" strike="noStrike" sz="5200" u="none">
           <a:ln>
             <a:noFill/>
           </a:ln>
@@ -3036,7 +3079,8 @@
         <a:buSzPct val="75000"/>
         <a:buFontTx/>
         <a:buChar char="•"/>
-        <a:defRPr sz="5200" b="0" i="0" u="none" strike="noStrike" cap="none" spc="0" baseline="0">
+        <a:tabLst/>
+        <a:defRPr b="0" baseline="0" cap="none" i="0" spc="0" strike="noStrike" sz="5200" u="none">
           <a:ln>
             <a:noFill/>
           </a:ln>
@@ -3064,7 +3108,8 @@
         <a:buSzPct val="75000"/>
         <a:buFontTx/>
         <a:buChar char="•"/>
-        <a:defRPr sz="5200" b="0" i="0" u="none" strike="noStrike" cap="none" spc="0" baseline="0">
+        <a:tabLst/>
+        <a:defRPr b="0" baseline="0" cap="none" i="0" spc="0" strike="noStrike" sz="5200" u="none">
           <a:ln>
             <a:noFill/>
           </a:ln>
@@ -3092,7 +3137,8 @@
         <a:buSzPct val="75000"/>
         <a:buFontTx/>
         <a:buChar char="•"/>
-        <a:defRPr sz="5200" b="0" i="0" u="none" strike="noStrike" cap="none" spc="0" baseline="0">
+        <a:tabLst/>
+        <a:defRPr b="0" baseline="0" cap="none" i="0" spc="0" strike="noStrike" sz="5200" u="none">
           <a:ln>
             <a:noFill/>
           </a:ln>
@@ -3120,7 +3166,8 @@
         <a:buSzPct val="75000"/>
         <a:buFontTx/>
         <a:buChar char="•"/>
-        <a:defRPr sz="5200" b="0" i="0" u="none" strike="noStrike" cap="none" spc="0" baseline="0">
+        <a:tabLst/>
+        <a:defRPr b="0" baseline="0" cap="none" i="0" spc="0" strike="noStrike" sz="5200" u="none">
           <a:ln>
             <a:noFill/>
           </a:ln>
@@ -3150,7 +3197,8 @@
         <a:buSzTx/>
         <a:buFontTx/>
         <a:buNone/>
-        <a:defRPr sz="2400" b="0" i="0" u="none" strike="noStrike" cap="none" spc="0" baseline="0">
+        <a:tabLst/>
+        <a:defRPr b="0" baseline="0" cap="none" i="0" spc="0" strike="noStrike" sz="2400" u="none">
           <a:ln>
             <a:noFill/>
           </a:ln>
@@ -3178,7 +3226,8 @@
         <a:buSzTx/>
         <a:buFontTx/>
         <a:buNone/>
-        <a:defRPr sz="2400" b="0" i="0" u="none" strike="noStrike" cap="none" spc="0" baseline="0">
+        <a:tabLst/>
+        <a:defRPr b="0" baseline="0" cap="none" i="0" spc="0" strike="noStrike" sz="2400" u="none">
           <a:ln>
             <a:noFill/>
           </a:ln>
@@ -3206,7 +3255,8 @@
         <a:buSzTx/>
         <a:buFontTx/>
         <a:buNone/>
-        <a:defRPr sz="2400" b="0" i="0" u="none" strike="noStrike" cap="none" spc="0" baseline="0">
+        <a:tabLst/>
+        <a:defRPr b="0" baseline="0" cap="none" i="0" spc="0" strike="noStrike" sz="2400" u="none">
           <a:ln>
             <a:noFill/>
           </a:ln>
@@ -3234,7 +3284,8 @@
         <a:buSzTx/>
         <a:buFontTx/>
         <a:buNone/>
-        <a:defRPr sz="2400" b="0" i="0" u="none" strike="noStrike" cap="none" spc="0" baseline="0">
+        <a:tabLst/>
+        <a:defRPr b="0" baseline="0" cap="none" i="0" spc="0" strike="noStrike" sz="2400" u="none">
           <a:ln>
             <a:noFill/>
           </a:ln>
@@ -3262,7 +3313,8 @@
         <a:buSzTx/>
         <a:buFontTx/>
         <a:buNone/>
-        <a:defRPr sz="2400" b="0" i="0" u="none" strike="noStrike" cap="none" spc="0" baseline="0">
+        <a:tabLst/>
+        <a:defRPr b="0" baseline="0" cap="none" i="0" spc="0" strike="noStrike" sz="2400" u="none">
           <a:ln>
             <a:noFill/>
           </a:ln>
@@ -3290,7 +3342,8 @@
         <a:buSzTx/>
         <a:buFontTx/>
         <a:buNone/>
-        <a:defRPr sz="2400" b="0" i="0" u="none" strike="noStrike" cap="none" spc="0" baseline="0">
+        <a:tabLst/>
+        <a:defRPr b="0" baseline="0" cap="none" i="0" spc="0" strike="noStrike" sz="2400" u="none">
           <a:ln>
             <a:noFill/>
           </a:ln>
@@ -3318,7 +3371,8 @@
         <a:buSzTx/>
         <a:buFontTx/>
         <a:buNone/>
-        <a:defRPr sz="2400" b="0" i="0" u="none" strike="noStrike" cap="none" spc="0" baseline="0">
+        <a:tabLst/>
+        <a:defRPr b="0" baseline="0" cap="none" i="0" spc="0" strike="noStrike" sz="2400" u="none">
           <a:ln>
             <a:noFill/>
           </a:ln>
@@ -3346,7 +3400,8 @@
         <a:buSzTx/>
         <a:buFontTx/>
         <a:buNone/>
-        <a:defRPr sz="2400" b="0" i="0" u="none" strike="noStrike" cap="none" spc="0" baseline="0">
+        <a:tabLst/>
+        <a:defRPr b="0" baseline="0" cap="none" i="0" spc="0" strike="noStrike" sz="2400" u="none">
           <a:ln>
             <a:noFill/>
           </a:ln>
@@ -3374,7 +3429,8 @@
         <a:buSzTx/>
         <a:buFontTx/>
         <a:buNone/>
-        <a:defRPr sz="2400" b="0" i="0" u="none" strike="noStrike" cap="none" spc="0" baseline="0">
+        <a:tabLst/>
+        <a:defRPr b="0" baseline="0" cap="none" i="0" spc="0" strike="noStrike" sz="2400" u="none">
           <a:ln>
             <a:noFill/>
           </a:ln>
@@ -3394,7 +3450,7 @@
 </file>
 
 <file path=ppt/slides/slide1.xml><?xml version="1.0" encoding="utf-8"?>
-<p:sld xmlns:a="http://schemas.openxmlformats.org/drawingml/2006/main" xmlns:r="http://schemas.openxmlformats.org/officeDocument/2006/relationships" xmlns:p="http://schemas.openxmlformats.org/presentationml/2006/main">
+<p:sld xmlns:a="http://schemas.openxmlformats.org/drawingml/2006/main" xmlns:r="http://schemas.openxmlformats.org/officeDocument/2006/relationships" xmlns:p="http://schemas.openxmlformats.org/presentationml/2006/main" showMasterSp="1" showMasterPhAnim="1">
   <p:cSld>
     <p:spTree>
       <p:nvGrpSpPr>
@@ -3431,8 +3487,15 @@
           <a:bodyPr/>
           <a:lstStyle/>
           <a:p>
+            <a:pPr/>
             <a:r>
               <a:t>Software Engineering</a:t>
+            </a:r>
+          </a:p>
+          <a:p>
+            <a:pPr/>
+            <a:r>
+              <a:t>码农的自我修养</a:t>
             </a:r>
           </a:p>
         </p:txBody>
@@ -3458,6 +3521,7 @@
           <a:bodyPr/>
           <a:lstStyle/>
           <a:p>
+            <a:pPr/>
             <a:r>
               <a:t>孟宁</a:t>
             </a:r>
@@ -3473,7 +3537,9 @@
           <p:nvPr/>
         </p:nvPicPr>
         <p:blipFill>
-          <a:blip r:embed="rId1"/>
+          <a:blip r:embed="rId2">
+            <a:extLst/>
+          </a:blip>
           <a:stretch>
             <a:fillRect/>
           </a:stretch>
@@ -3488,8 +3554,6 @@
           </a:prstGeom>
           <a:ln w="12700">
             <a:miter lim="400000"/>
-            <a:headEnd/>
-            <a:tailEnd/>
           </a:ln>
         </p:spPr>
       </p:pic>
@@ -3510,6 +3574,11 @@
           <a:ln w="12700">
             <a:miter lim="400000"/>
           </a:ln>
+          <a:extLst>
+            <a:ext uri="{C572A759-6A51-4108-AA02-DFA0A04FC94B}">
+              <ma14:wrappingTextBoxFlag xmlns:ma14="http://schemas.microsoft.com/office/mac/drawingml/2011/main" val="1"/>
+            </a:ext>
+          </a:extLst>
         </p:spPr>
         <p:txBody>
           <a:bodyPr wrap="none" lIns="50800" tIns="50800" rIns="50800" bIns="50800" anchor="ctr">
@@ -3521,6 +3590,7 @@
             </a:lvl1pPr>
           </a:lstStyle>
           <a:p>
+            <a:pPr/>
             <a:r>
               <a:t>关注孟宁</a:t>
             </a:r>
@@ -3532,12 +3602,12 @@
   <p:clrMapOvr>
     <a:masterClrMapping/>
   </p:clrMapOvr>
-  <p:transition spd="med"/>
+  <p:transition xmlns:p14="http://schemas.microsoft.com/office/powerpoint/2010/main" spd="med" advClick="1"/>
 </p:sld>
 </file>
 
 <file path=ppt/slides/slide10.xml><?xml version="1.0" encoding="utf-8"?>
-<p:sld xmlns:a="http://schemas.openxmlformats.org/drawingml/2006/main" xmlns:r="http://schemas.openxmlformats.org/officeDocument/2006/relationships" xmlns:p="http://schemas.openxmlformats.org/presentationml/2006/main">
+<p:sld xmlns:a="http://schemas.openxmlformats.org/drawingml/2006/main" xmlns:r="http://schemas.openxmlformats.org/officeDocument/2006/relationships" xmlns:p="http://schemas.openxmlformats.org/presentationml/2006/main" showMasterSp="1" showMasterPhAnim="1">
   <p:cSld>
     <p:spTree>
       <p:nvGrpSpPr>
@@ -3581,7 +3651,6 @@
               <a:rPr b="1"/>
               <a:t>为啥要做难的项目？</a:t>
             </a:r>
-            <a:endParaRPr b="1"/>
           </a:p>
         </p:txBody>
       </p:sp>
@@ -3606,11 +3675,78 @@
           <a:bodyPr/>
           <a:lstStyle/>
           <a:p>
-            <a:pPr marL="118745" indent="0">
-              <a:buNone/>
-            </a:pPr>
-          </a:p>
-          <a:p>
+            <a:pPr/>
+            <a:r>
+              <a:rPr u="sng">
+                <a:solidFill>
+                  <a:srgbClr val="168BBA"/>
+                </a:solidFill>
+                <a:uFill>
+                  <a:solidFill>
+                    <a:srgbClr val="168BBA"/>
+                  </a:solidFill>
+                </a:uFill>
+                <a:hlinkClick r:id="rId2" invalidUrl="" action="" tgtFrame="" tooltip="" history="1" highlightClick="0" endSnd="0"/>
+              </a:rPr>
+              <a:t>请先看视频</a:t>
+            </a:r>
+          </a:p>
+          <a:p>
+            <a:pPr/>
+          </a:p>
+          <a:p>
+            <a:pPr/>
+            <a:r>
+              <a:rPr u="sng">
+                <a:solidFill>
+                  <a:srgbClr val="168BBA"/>
+                </a:solidFill>
+                <a:uFill>
+                  <a:solidFill>
+                    <a:srgbClr val="168BBA"/>
+                  </a:solidFill>
+                </a:uFill>
+                <a:hlinkClick r:id="rId2" invalidUrl="" action="" tgtFrame="" tooltip="" history="1" highlightClick="0" endSnd="0"/>
+              </a:rPr>
+              <a:t>http</a:t>
+            </a:r>
+            <a:r>
+              <a:rPr u="sng">
+                <a:solidFill>
+                  <a:srgbClr val="168BBA"/>
+                </a:solidFill>
+                <a:uFill>
+                  <a:solidFill>
+                    <a:srgbClr val="168BBA"/>
+                  </a:solidFill>
+                </a:uFill>
+                <a:hlinkClick r:id="rId2" invalidUrl="" action="" tgtFrame="" tooltip="" history="1" highlightClick="0" endSnd="0"/>
+              </a:rPr>
+              <a:t>://</a:t>
+            </a:r>
+            <a:r>
+              <a:rPr u="sng">
+                <a:solidFill>
+                  <a:srgbClr val="168BBA"/>
+                </a:solidFill>
+                <a:uFill>
+                  <a:solidFill>
+                    <a:srgbClr val="168BBA"/>
+                  </a:solidFill>
+                </a:uFill>
+                <a:hlinkClick r:id="rId2" invalidUrl="" action="" tgtFrame="" tooltip="" history="1" highlightClick="0" endSnd="0"/>
+              </a:rPr>
+              <a:t>weibo.com/tv/v/F6Udt9Say?fid=1034:8003d777aa3f955d0a2d22dfe63bf02e</a:t>
+            </a:r>
+            <a:r>
+              <a:t>  </a:t>
+            </a:r>
+          </a:p>
+          <a:p>
+            <a:pPr/>
+          </a:p>
+          <a:p>
+            <a:pPr/>
             <a:r>
               <a:t>“</a:t>
             </a:r>
@@ -3622,6 +3758,7 @@
             </a:r>
           </a:p>
           <a:p>
+            <a:pPr/>
             <a:r>
               <a:t>因为你的项目水太浅！</a:t>
             </a:r>
@@ -3633,19 +3770,12 @@
   <p:clrMapOvr>
     <a:masterClrMapping/>
   </p:clrMapOvr>
-  <mc:AlternateContent xmlns:mc="http://schemas.openxmlformats.org/markup-compatibility/2006">
-    <mc:Choice xmlns:p14="http://schemas.microsoft.com/office/powerpoint/2010/main" Requires="p14">
-      <p:transition spd="med" p14:dur="1000"/>
-    </mc:Choice>
-    <mc:Fallback>
-      <p:transition spd="med"/>
-    </mc:Fallback>
-  </mc:AlternateContent>
+  <p:transition xmlns:p14="http://schemas.microsoft.com/office/powerpoint/2010/main" spd="med" advClick="1" p14:dur="1000"/>
 </p:sld>
 </file>
 
 <file path=ppt/slides/slide11.xml><?xml version="1.0" encoding="utf-8"?>
-<p:sld xmlns:a="http://schemas.openxmlformats.org/drawingml/2006/main" xmlns:r="http://schemas.openxmlformats.org/officeDocument/2006/relationships" xmlns:p="http://schemas.openxmlformats.org/presentationml/2006/main">
+<p:sld xmlns:a="http://schemas.openxmlformats.org/drawingml/2006/main" xmlns:r="http://schemas.openxmlformats.org/officeDocument/2006/relationships" xmlns:p="http://schemas.openxmlformats.org/presentationml/2006/main" showMasterSp="1" showMasterPhAnim="1">
   <p:cSld>
     <p:spTree>
       <p:nvGrpSpPr>
@@ -3678,6 +3808,7 @@
           <a:bodyPr/>
           <a:lstStyle/>
           <a:p>
+            <a:pPr/>
             <a:r>
               <a:t>I want to teach SE this way</a:t>
             </a:r>
@@ -3712,7 +3843,7 @@
             </a:r>
           </a:p>
           <a:p>
-            <a:pPr marL="1016000" lvl="1" indent="-508000" defTabSz="660400">
+            <a:pPr lvl="1" marL="1016000" indent="-508000" defTabSz="660400">
               <a:spcBef>
                 <a:spcPts val="4700"/>
               </a:spcBef>
@@ -3756,7 +3887,7 @@
             </a:r>
           </a:p>
           <a:p>
-            <a:pPr marL="1016000" lvl="1" indent="-508000" defTabSz="660400">
+            <a:pPr lvl="1" marL="1016000" indent="-508000" defTabSz="660400">
               <a:spcBef>
                 <a:spcPts val="4700"/>
               </a:spcBef>
@@ -3767,7 +3898,7 @@
             </a:r>
           </a:p>
           <a:p>
-            <a:pPr marL="1016000" lvl="1" indent="-508000" defTabSz="660400">
+            <a:pPr lvl="1" marL="1016000" indent="-508000" defTabSz="660400">
               <a:spcBef>
                 <a:spcPts val="4700"/>
               </a:spcBef>
@@ -3784,19 +3915,12 @@
   <p:clrMapOvr>
     <a:masterClrMapping/>
   </p:clrMapOvr>
-  <mc:AlternateContent xmlns:mc="http://schemas.openxmlformats.org/markup-compatibility/2006">
-    <mc:Choice xmlns:p14="http://schemas.microsoft.com/office/powerpoint/2010/main" Requires="p14">
-      <p:transition spd="med" p14:dur="1000"/>
-    </mc:Choice>
-    <mc:Fallback>
-      <p:transition spd="med"/>
-    </mc:Fallback>
-  </mc:AlternateContent>
+  <p:transition xmlns:p14="http://schemas.microsoft.com/office/powerpoint/2010/main" spd="med" advClick="1" p14:dur="1000"/>
 </p:sld>
 </file>
 
 <file path=ppt/slides/slide12.xml><?xml version="1.0" encoding="utf-8"?>
-<p:sld xmlns:a="http://schemas.openxmlformats.org/drawingml/2006/main" xmlns:r="http://schemas.openxmlformats.org/officeDocument/2006/relationships" xmlns:p="http://schemas.openxmlformats.org/presentationml/2006/main">
+<p:sld xmlns:a="http://schemas.openxmlformats.org/drawingml/2006/main" xmlns:r="http://schemas.openxmlformats.org/officeDocument/2006/relationships" xmlns:p="http://schemas.openxmlformats.org/presentationml/2006/main" showMasterSp="1" showMasterPhAnim="1">
   <p:cSld>
     <p:spTree>
       <p:nvGrpSpPr>
@@ -3829,6 +3953,7 @@
           <a:bodyPr/>
           <a:lstStyle/>
           <a:p>
+            <a:pPr/>
             <a:r>
               <a:rPr b="1"/>
               <a:t>大学教育 </a:t>
@@ -3840,7 +3965,6 @@
               <a:rPr b="1"/>
               <a:t>行业培训</a:t>
             </a:r>
-            <a:endParaRPr b="1"/>
           </a:p>
         </p:txBody>
       </p:sp>
@@ -3853,10 +3977,6 @@
           </p:nvPr>
         </p:nvSpPr>
         <p:spPr>
-          <a:xfrm>
-            <a:off x="3962400" y="3550382"/>
-            <a:ext cx="16459200" cy="9251219"/>
-          </a:xfrm>
           <a:prstGeom prst="rect">
             <a:avLst/>
           </a:prstGeom>
@@ -3876,7 +3996,7 @@
             </a:r>
           </a:p>
           <a:p>
-            <a:pPr marL="1005840" lvl="1" indent="-548640">
+            <a:pPr lvl="1" marL="1005839" indent="-548639">
               <a:lnSpc>
                 <a:spcPct val="96000"/>
               </a:lnSpc>
@@ -3886,7 +4006,7 @@
               <a:buClr>
                 <a:srgbClr val="60B5CC"/>
               </a:buClr>
-              <a:buFont typeface="Wingdings" panose="05000000000000000000"/>
+              <a:buFont typeface="Wingdings"/>
               <a:defRPr sz="3000"/>
             </a:pPr>
             <a:r>
@@ -3894,7 +4014,7 @@
             </a:r>
           </a:p>
           <a:p>
-            <a:pPr marL="1005840" lvl="1" indent="-548640">
+            <a:pPr lvl="1" marL="1005839" indent="-548639">
               <a:lnSpc>
                 <a:spcPct val="96000"/>
               </a:lnSpc>
@@ -3904,17 +4024,16 @@
               <a:buClr>
                 <a:srgbClr val="60B5CC"/>
               </a:buClr>
-              <a:buFont typeface="Wingdings" panose="05000000000000000000"/>
+              <a:buFont typeface="Wingdings"/>
               <a:defRPr sz="3000"/>
             </a:pPr>
             <a:r>
               <a:rPr b="1"/>
               <a:t>课堂练习：请翻译上面这句话</a:t>
             </a:r>
-            <a:endParaRPr b="1"/>
-          </a:p>
-          <a:p>
-            <a:pPr marL="1005840" lvl="1" indent="-548640">
+          </a:p>
+          <a:p>
+            <a:pPr lvl="1" marL="1005839" indent="-548639">
               <a:lnSpc>
                 <a:spcPct val="96000"/>
               </a:lnSpc>
@@ -3924,7 +4043,7 @@
               <a:buClr>
                 <a:srgbClr val="60B5CC"/>
               </a:buClr>
-              <a:buFont typeface="Wingdings" panose="05000000000000000000"/>
+              <a:buFont typeface="Wingdings"/>
               <a:defRPr sz="3000"/>
             </a:pPr>
             <a:r>
@@ -3946,7 +4065,7 @@
             </a:r>
           </a:p>
           <a:p>
-            <a:pPr marL="1005840" lvl="1" indent="-548640">
+            <a:pPr lvl="1" marL="1005839" indent="-548639">
               <a:lnSpc>
                 <a:spcPct val="96000"/>
               </a:lnSpc>
@@ -3956,7 +4075,7 @@
               <a:buClr>
                 <a:srgbClr val="60B5CC"/>
               </a:buClr>
-              <a:buFont typeface="Wingdings" panose="05000000000000000000"/>
+              <a:buFont typeface="Wingdings"/>
               <a:defRPr sz="3000"/>
             </a:pPr>
             <a:r>
@@ -3964,7 +4083,7 @@
             </a:r>
           </a:p>
           <a:p>
-            <a:pPr marL="1005840" lvl="1" indent="-548640">
+            <a:pPr lvl="1" marL="1005839" indent="-548639">
               <a:lnSpc>
                 <a:spcPct val="96000"/>
               </a:lnSpc>
@@ -3974,7 +4093,7 @@
               <a:buClr>
                 <a:srgbClr val="60B5CC"/>
               </a:buClr>
-              <a:buFont typeface="Wingdings" panose="05000000000000000000"/>
+              <a:buFont typeface="Wingdings"/>
               <a:defRPr sz="3000"/>
             </a:pPr>
             <a:r>
@@ -3993,7 +4112,7 @@
             </a:r>
           </a:p>
           <a:p>
-            <a:pPr marL="1005840" lvl="1" indent="-548640">
+            <a:pPr lvl="1" marL="1005839" indent="-548639">
               <a:lnSpc>
                 <a:spcPct val="96000"/>
               </a:lnSpc>
@@ -4003,7 +4122,7 @@
               <a:buClr>
                 <a:srgbClr val="60B5CC"/>
               </a:buClr>
-              <a:buFont typeface="Wingdings" panose="05000000000000000000"/>
+              <a:buFont typeface="Wingdings"/>
               <a:defRPr sz="3000"/>
             </a:pPr>
             <a:r>
@@ -4011,7 +4130,7 @@
             </a:r>
           </a:p>
           <a:p>
-            <a:pPr marL="1005840" lvl="1" indent="-548640">
+            <a:pPr lvl="1" marL="1005839" indent="-548639">
               <a:lnSpc>
                 <a:spcPct val="96000"/>
               </a:lnSpc>
@@ -4021,7 +4140,7 @@
               <a:buClr>
                 <a:srgbClr val="60B5CC"/>
               </a:buClr>
-              <a:buFont typeface="Wingdings" panose="05000000000000000000"/>
+              <a:buFont typeface="Wingdings"/>
               <a:defRPr sz="3000"/>
             </a:pPr>
             <a:r>
@@ -4029,7 +4148,7 @@
             </a:r>
           </a:p>
           <a:p>
-            <a:pPr marL="1005840" lvl="1" indent="-548640">
+            <a:pPr lvl="1" marL="1005839" indent="-548639">
               <a:lnSpc>
                 <a:spcPct val="96000"/>
               </a:lnSpc>
@@ -4039,7 +4158,7 @@
               <a:buClr>
                 <a:srgbClr val="60B5CC"/>
               </a:buClr>
-              <a:buFont typeface="Wingdings" panose="05000000000000000000"/>
+              <a:buFont typeface="Wingdings"/>
               <a:defRPr sz="3000"/>
             </a:pPr>
           </a:p>
@@ -4067,7 +4186,7 @@
             </a:r>
           </a:p>
           <a:p>
-            <a:pPr marL="1225550" lvl="2" indent="-457200">
+            <a:pPr lvl="2" marL="1225296" indent="-457200">
               <a:lnSpc>
                 <a:spcPct val="96000"/>
               </a:lnSpc>
@@ -4077,7 +4196,7 @@
               <a:buClr>
                 <a:srgbClr val="E66C7D"/>
               </a:buClr>
-              <a:buFont typeface="Arial" panose="020B0604020202020204"/>
+              <a:buFont typeface="Arial"/>
               <a:defRPr sz="2600"/>
             </a:pPr>
             <a:r>
@@ -4085,7 +4204,7 @@
             </a:r>
           </a:p>
           <a:p>
-            <a:pPr marL="1225550" lvl="2" indent="-457200">
+            <a:pPr lvl="2" marL="1225296" indent="-457200">
               <a:lnSpc>
                 <a:spcPct val="96000"/>
               </a:lnSpc>
@@ -4095,7 +4214,7 @@
               <a:buClr>
                 <a:srgbClr val="E66C7D"/>
               </a:buClr>
-              <a:buFont typeface="Arial" panose="020B0604020202020204"/>
+              <a:buFont typeface="Arial"/>
               <a:defRPr sz="2600"/>
             </a:pPr>
             <a:r>
@@ -4133,7 +4252,7 @@
             </a:r>
           </a:p>
           <a:p>
-            <a:pPr marL="1225550" lvl="2" indent="-457200">
+            <a:pPr lvl="2" marL="1225296" indent="-457200">
               <a:lnSpc>
                 <a:spcPct val="96000"/>
               </a:lnSpc>
@@ -4143,7 +4262,7 @@
               <a:buClr>
                 <a:srgbClr val="E66C7D"/>
               </a:buClr>
-              <a:buFont typeface="Arial" panose="020B0604020202020204"/>
+              <a:buFont typeface="Arial"/>
               <a:defRPr sz="2600"/>
             </a:pPr>
             <a:r>
@@ -4157,19 +4276,12 @@
   <p:clrMapOvr>
     <a:masterClrMapping/>
   </p:clrMapOvr>
-  <mc:AlternateContent xmlns:mc="http://schemas.openxmlformats.org/markup-compatibility/2006">
-    <mc:Choice xmlns:p14="http://schemas.microsoft.com/office/powerpoint/2010/main" Requires="p14">
-      <p:transition spd="med" p14:dur="1000"/>
-    </mc:Choice>
-    <mc:Fallback>
-      <p:transition spd="med"/>
-    </mc:Fallback>
-  </mc:AlternateContent>
+  <p:transition xmlns:p14="http://schemas.microsoft.com/office/powerpoint/2010/main" spd="med" advClick="1" p14:dur="1000"/>
 </p:sld>
 </file>
 
 <file path=ppt/slides/slide13.xml><?xml version="1.0" encoding="utf-8"?>
-<p:sld xmlns:a="http://schemas.openxmlformats.org/drawingml/2006/main" xmlns:r="http://schemas.openxmlformats.org/officeDocument/2006/relationships" xmlns:p="http://schemas.openxmlformats.org/presentationml/2006/main">
+<p:sld xmlns:a="http://schemas.openxmlformats.org/drawingml/2006/main" xmlns:r="http://schemas.openxmlformats.org/officeDocument/2006/relationships" xmlns:p="http://schemas.openxmlformats.org/presentationml/2006/main" showMasterSp="1" showMasterPhAnim="1">
   <p:cSld>
     <p:spTree>
       <p:nvGrpSpPr>
@@ -4206,6 +4318,7 @@
             </a:lvl1pPr>
           </a:lstStyle>
           <a:p>
+            <a:pPr/>
             <a:r>
               <a:t>What is Software Engineering（SE）</a:t>
             </a:r>
@@ -4229,16 +4342,19 @@
           <a:bodyPr/>
           <a:lstStyle/>
           <a:p>
+            <a:pPr/>
             <a:r>
               <a:t>Program = data structure + algorithm</a:t>
             </a:r>
           </a:p>
           <a:p>
+            <a:pPr/>
             <a:r>
               <a:t>Software = Program + Software Engineering</a:t>
             </a:r>
           </a:p>
           <a:p>
+            <a:pPr/>
             <a:r>
               <a:t>Software Company = Software + Business Model</a:t>
             </a:r>
@@ -4250,19 +4366,12 @@
   <p:clrMapOvr>
     <a:masterClrMapping/>
   </p:clrMapOvr>
-  <mc:AlternateContent xmlns:mc="http://schemas.openxmlformats.org/markup-compatibility/2006">
-    <mc:Choice xmlns:p14="http://schemas.microsoft.com/office/powerpoint/2010/main" Requires="p14">
-      <p:transition spd="med" p14:dur="1000"/>
-    </mc:Choice>
-    <mc:Fallback>
-      <p:transition spd="med"/>
-    </mc:Fallback>
-  </mc:AlternateContent>
+  <p:transition xmlns:p14="http://schemas.microsoft.com/office/powerpoint/2010/main" spd="med" advClick="1" p14:dur="1000"/>
 </p:sld>
 </file>
 
 <file path=ppt/slides/slide14.xml><?xml version="1.0" encoding="utf-8"?>
-<p:sld xmlns:a="http://schemas.openxmlformats.org/drawingml/2006/main" xmlns:r="http://schemas.openxmlformats.org/officeDocument/2006/relationships" xmlns:p="http://schemas.openxmlformats.org/presentationml/2006/main">
+<p:sld xmlns:a="http://schemas.openxmlformats.org/drawingml/2006/main" xmlns:r="http://schemas.openxmlformats.org/officeDocument/2006/relationships" xmlns:p="http://schemas.openxmlformats.org/presentationml/2006/main" showMasterSp="1" showMasterPhAnim="1">
   <p:cSld>
     <p:spTree>
       <p:nvGrpSpPr>
@@ -4295,6 +4404,7 @@
           <a:bodyPr/>
           <a:lstStyle/>
           <a:p>
+            <a:pPr/>
             <a:r>
               <a:t>What is SE in Waterfall Model</a:t>
             </a:r>
@@ -4318,77 +4428,77 @@
           <a:bodyPr/>
           <a:lstStyle/>
           <a:p>
-            <a:pPr marL="482600" indent="-482600" defTabSz="627380">
+            <a:pPr marL="482600" indent="-482600" defTabSz="627379">
               <a:spcBef>
                 <a:spcPts val="4400"/>
               </a:spcBef>
-              <a:defRPr sz="3950"/>
+              <a:defRPr sz="3952"/>
             </a:pPr>
             <a:r>
               <a:t>需求分析：分析现有软件,  用你们写的软件的用户量来证明你了解用户的需求</a:t>
             </a:r>
           </a:p>
           <a:p>
-            <a:pPr marL="482600" indent="-482600" defTabSz="627380">
+            <a:pPr marL="482600" indent="-482600" defTabSz="627379">
               <a:spcBef>
                 <a:spcPts val="4400"/>
               </a:spcBef>
-              <a:defRPr sz="3950"/>
+              <a:defRPr sz="3952"/>
             </a:pPr>
             <a:r>
               <a:t>设计阶段：用快速发布来证明设计是有效的,  能适应变化的。</a:t>
             </a:r>
           </a:p>
           <a:p>
-            <a:pPr marL="482600" indent="-482600" defTabSz="627380">
+            <a:pPr marL="482600" indent="-482600" defTabSz="627379">
               <a:spcBef>
                 <a:spcPts val="4400"/>
               </a:spcBef>
-              <a:defRPr sz="3950"/>
+              <a:defRPr sz="3952"/>
             </a:pPr>
             <a:r>
               <a:t>实现阶段：用各种软件工程的衡量手段来证明大家实现的能力。</a:t>
             </a:r>
           </a:p>
           <a:p>
-            <a:pPr marL="482600" indent="-482600" defTabSz="627380">
+            <a:pPr marL="482600" indent="-482600" defTabSz="627379">
               <a:spcBef>
                 <a:spcPts val="4400"/>
               </a:spcBef>
-              <a:defRPr sz="3950"/>
+              <a:defRPr sz="3952"/>
             </a:pPr>
             <a:r>
               <a:t>稳定阶段：证明测试能否覆盖代码的大部分。 </a:t>
             </a:r>
           </a:p>
           <a:p>
-            <a:pPr marL="482600" indent="-482600" defTabSz="627380">
+            <a:pPr marL="482600" indent="-482600" defTabSz="627379">
               <a:spcBef>
                 <a:spcPts val="4400"/>
               </a:spcBef>
-              <a:defRPr sz="3950"/>
+              <a:defRPr sz="3952"/>
             </a:pPr>
             <a:r>
               <a:t>发布阶段： 如期发布, 用户量,  用户评价。 </a:t>
             </a:r>
           </a:p>
           <a:p>
-            <a:pPr marL="482600" indent="-482600" defTabSz="627380">
+            <a:pPr marL="482600" indent="-482600" defTabSz="627379">
               <a:spcBef>
                 <a:spcPts val="4400"/>
               </a:spcBef>
-              <a:defRPr sz="3950"/>
+              <a:defRPr sz="3952"/>
             </a:pPr>
             <a:r>
               <a:t>维护阶段：网上的观众或下一个年级的同学能很愿意接手你们的软件。  </a:t>
             </a:r>
           </a:p>
           <a:p>
-            <a:pPr marL="482600" indent="-482600" defTabSz="627380">
+            <a:pPr marL="482600" indent="-482600" defTabSz="627379">
               <a:spcBef>
                 <a:spcPts val="4400"/>
               </a:spcBef>
-              <a:defRPr sz="3950"/>
+              <a:defRPr sz="3952"/>
             </a:pPr>
             <a:r>
               <a:t>最后大部分同学们能说:  自己做了一个有人用，有生命的软件。 然后下个学期，新的一批学生进来提高这一过程…</a:t>
@@ -4401,19 +4511,12 @@
   <p:clrMapOvr>
     <a:masterClrMapping/>
   </p:clrMapOvr>
-  <mc:AlternateContent xmlns:mc="http://schemas.openxmlformats.org/markup-compatibility/2006">
-    <mc:Choice xmlns:p14="http://schemas.microsoft.com/office/powerpoint/2010/main" Requires="p14">
-      <p:transition spd="med" p14:dur="1000"/>
-    </mc:Choice>
-    <mc:Fallback>
-      <p:transition spd="med"/>
-    </mc:Fallback>
-  </mc:AlternateContent>
+  <p:transition xmlns:p14="http://schemas.microsoft.com/office/powerpoint/2010/main" spd="med" advClick="1" p14:dur="1000"/>
 </p:sld>
 </file>
 
 <file path=ppt/slides/slide15.xml><?xml version="1.0" encoding="utf-8"?>
-<p:sld xmlns:a="http://schemas.openxmlformats.org/drawingml/2006/main" xmlns:r="http://schemas.openxmlformats.org/officeDocument/2006/relationships" xmlns:p="http://schemas.openxmlformats.org/presentationml/2006/main">
+<p:sld xmlns:a="http://schemas.openxmlformats.org/drawingml/2006/main" xmlns:r="http://schemas.openxmlformats.org/officeDocument/2006/relationships" xmlns:p="http://schemas.openxmlformats.org/presentationml/2006/main" showMasterSp="1" showMasterPhAnim="1">
   <p:cSld>
     <p:spTree>
       <p:nvGrpSpPr>
@@ -4446,6 +4549,7 @@
           <a:bodyPr/>
           <a:lstStyle/>
           <a:p>
+            <a:pPr/>
             <a:r>
               <a:t>我们在实践中能逐步感知到的SE</a:t>
             </a:r>
@@ -4469,51 +4573,33 @@
           <a:bodyPr/>
           <a:lstStyle/>
           <a:p>
+            <a:pPr/>
             <a:r>
               <a:t>工欲善其事必先利其器——Typing - VSCode - Git - Vim - RegEx</a:t>
             </a:r>
           </a:p>
           <a:p>
+            <a:pPr/>
             <a:r>
               <a:t>代码中的软件工程——一个工程化C语言项目范例</a:t>
             </a:r>
           </a:p>
           <a:p>
+            <a:pPr/>
             <a:r>
               <a:t>需求分析与设计——从分析到设计的基本方法</a:t>
             </a:r>
           </a:p>
           <a:p>
+            <a:pPr/>
             <a:r>
               <a:t>软件系统设计——软件的结构、特性和描述方法</a:t>
             </a:r>
           </a:p>
           <a:p>
+            <a:pPr/>
             <a:r>
               <a:t>工程过程与项目管理——软件危机的前生后世</a:t>
-            </a:r>
-          </a:p>
-          <a:p>
-            <a:r>
-              <a:rPr lang="zh-CN">
-                <a:ea typeface="宋体" panose="02010600030101010101" pitchFamily="2" charset="-122"/>
-                <a:sym typeface="+mn-ea"/>
-              </a:rPr>
-              <a:t>软件集成、测试和发布</a:t>
-            </a:r>
-            <a:r>
-              <a:rPr lang="en-US" altLang="zh-CN">
-                <a:ea typeface="宋体" panose="02010600030101010101" pitchFamily="2" charset="-122"/>
-                <a:sym typeface="+mn-ea"/>
-              </a:rPr>
-              <a:t>——</a:t>
-            </a:r>
-            <a:r>
-              <a:rPr lang="zh-CN">
-                <a:ea typeface="宋体" panose="02010600030101010101" pitchFamily="2" charset="-122"/>
-                <a:sym typeface="+mn-ea"/>
-              </a:rPr>
-              <a:t>构建软件产品</a:t>
             </a:r>
           </a:p>
         </p:txBody>
@@ -4526,7 +4612,7 @@
         </p:nvSpPr>
         <p:spPr>
           <a:xfrm>
-            <a:off x="5703569" y="11989070"/>
+            <a:off x="5703569" y="11721100"/>
             <a:ext cx="12976861" cy="1524001"/>
           </a:xfrm>
           <a:prstGeom prst="rect">
@@ -4535,6 +4621,11 @@
           <a:ln w="12700">
             <a:miter lim="400000"/>
           </a:ln>
+          <a:extLst>
+            <a:ext uri="{C572A759-6A51-4108-AA02-DFA0A04FC94B}">
+              <ma14:wrappingTextBoxFlag xmlns:ma14="http://schemas.microsoft.com/office/mac/drawingml/2011/main" val="1"/>
+            </a:ext>
+          </a:extLst>
         </p:spPr>
         <p:txBody>
           <a:bodyPr wrap="none" lIns="50800" tIns="50800" rIns="50800" bIns="50800" anchor="ctr">
@@ -4546,6 +4637,7 @@
             </a:lvl1pPr>
           </a:lstStyle>
           <a:p>
+            <a:pPr/>
             <a:r>
               <a:t>课程实验作业+工程实践项目</a:t>
             </a:r>
@@ -4557,21 +4649,14 @@
   <p:clrMapOvr>
     <a:masterClrMapping/>
   </p:clrMapOvr>
-  <mc:AlternateContent xmlns:mc="http://schemas.openxmlformats.org/markup-compatibility/2006">
-    <mc:Choice xmlns:p14="http://schemas.microsoft.com/office/powerpoint/2010/main" Requires="p14">
-      <p:transition spd="med" p14:dur="1000"/>
-    </mc:Choice>
-    <mc:Fallback>
-      <p:transition spd="med"/>
-    </mc:Fallback>
-  </mc:AlternateContent>
+  <p:transition xmlns:p14="http://schemas.microsoft.com/office/powerpoint/2010/main" spd="med" advClick="1" p14:dur="1000"/>
   <p:timing>
     <p:tnLst>
       <p:par>
-        <p:cTn id="1" dur="indefinite" restart="never" fill="hold" nodeType="tmRoot">
+        <p:cTn id="1" nodeType="tmRoot" restart="never" dur="indefinite" fill="hold">
           <p:childTnLst>
-            <p:seq concurrent="1" nextAc="seek">
-              <p:cTn id="2" dur="indefinite" fill="hold" nodeType="mainSeq">
+            <p:seq concurrent="1" prevAc="none" nextAc="seek">
+              <p:cTn id="2" nodeType="mainSeq" dur="indefinite" fill="hold">
                 <p:childTnLst>
                   <p:par>
                     <p:cTn id="3" fill="hold">
@@ -4586,17 +4671,17 @@
                             </p:stCondLst>
                             <p:childTnLst>
                               <p:par>
-                                <p:cTn id="5" presetID="2" presetClass="entr" presetSubtype="8" fill="hold" grpId="1" nodeType="clickEffect">
+                                <p:cTn id="5" presetClass="entr" nodeType="clickEffect" presetSubtype="8" presetID="2" grpId="1" fill="hold">
                                   <p:stCondLst>
                                     <p:cond delay="0"/>
                                   </p:stCondLst>
-                                  <p:iterate type="lt">
+                                  <p:iterate type="lt" backwards="0">
                                     <p:tmAbs val="0"/>
                                   </p:iterate>
                                   <p:childTnLst>
                                     <p:set>
                                       <p:cBhvr>
-                                        <p:cTn id="6" dur="indefinite" fill="hold"/>
+                                        <p:cTn id="6" fill="hold"/>
                                         <p:tgtEl>
                                           <p:spTgt spid="181"/>
                                         </p:tgtEl>
@@ -4685,14 +4770,14 @@
       </p:par>
     </p:tnLst>
     <p:bldLst>
-      <p:bldP spid="181" grpId="1" animBg="1" advAuto="0"/>
+      <p:bldP build="whole" bldLvl="1" animBg="1" rev="0" advAuto="0" spid="181" grpId="1"/>
     </p:bldLst>
   </p:timing>
 </p:sld>
 </file>
 
 <file path=ppt/slides/slide16.xml><?xml version="1.0" encoding="utf-8"?>
-<p:sld xmlns:a="http://schemas.openxmlformats.org/drawingml/2006/main" xmlns:r="http://schemas.openxmlformats.org/officeDocument/2006/relationships" xmlns:p="http://schemas.openxmlformats.org/presentationml/2006/main">
+<p:sld xmlns:a="http://schemas.openxmlformats.org/drawingml/2006/main" xmlns:r="http://schemas.openxmlformats.org/officeDocument/2006/relationships" xmlns:p="http://schemas.openxmlformats.org/presentationml/2006/main" showMasterSp="1" showMasterPhAnim="1">
   <p:cSld>
     <p:spTree>
       <p:nvGrpSpPr>
@@ -4725,6 +4810,7 @@
           <a:bodyPr/>
           <a:lstStyle/>
           <a:p>
+            <a:pPr/>
             <a:r>
               <a:t>“loser” </a:t>
             </a:r>
@@ -4732,7 +4818,6 @@
               <a:rPr b="1"/>
               <a:t>矛盾的行为和期望</a:t>
             </a:r>
-            <a:endParaRPr b="1"/>
           </a:p>
         </p:txBody>
       </p:sp>
@@ -4753,32 +4838,32 @@
           <a:bodyPr/>
           <a:lstStyle/>
           <a:p>
-            <a:pPr marL="751205" indent="-633730" defTabSz="1810385">
-              <a:defRPr sz="6335"/>
+            <a:pPr marL="751362" indent="-633679" defTabSz="1810511">
+              <a:defRPr sz="6336"/>
             </a:pPr>
             <a:r>
               <a:t>父母，既看不起自己的孩子，又希望孩子出人头地 ；</a:t>
             </a:r>
           </a:p>
           <a:p>
-            <a:pPr marL="751205" indent="-633730" defTabSz="1810385">
-              <a:defRPr sz="6335"/>
+            <a:pPr marL="751362" indent="-633679" defTabSz="1810511">
+              <a:defRPr sz="6336"/>
             </a:pPr>
             <a:r>
               <a:t>孩子，既厌恶父母设计的人生，又怕走错路辜负了父母的期望；</a:t>
             </a:r>
           </a:p>
           <a:p>
-            <a:pPr marL="751205" indent="-633730" defTabSz="1810385">
-              <a:defRPr sz="6335"/>
+            <a:pPr marL="751362" indent="-633679" defTabSz="1810511">
+              <a:defRPr sz="6336"/>
             </a:pPr>
             <a:r>
               <a:t>老师，既要求学生乖乖听话，又希望学生有创新精神；</a:t>
             </a:r>
           </a:p>
           <a:p>
-            <a:pPr marL="751205" indent="-633730" defTabSz="1810385">
-              <a:defRPr sz="6335"/>
+            <a:pPr marL="751362" indent="-633679" defTabSz="1810511">
+              <a:defRPr sz="6336"/>
             </a:pPr>
             <a:r>
               <a:t>学生，既不认同老师的观点，又怕得不到那鸡肋的分数。</a:t>
@@ -4791,21 +4876,14 @@
   <p:clrMapOvr>
     <a:masterClrMapping/>
   </p:clrMapOvr>
-  <mc:AlternateContent xmlns:mc="http://schemas.openxmlformats.org/markup-compatibility/2006">
-    <mc:Choice xmlns:p14="http://schemas.microsoft.com/office/powerpoint/2010/main" Requires="p14">
-      <p:transition spd="med" p14:dur="1000"/>
-    </mc:Choice>
-    <mc:Fallback>
-      <p:transition spd="med"/>
-    </mc:Fallback>
-  </mc:AlternateContent>
+  <p:transition xmlns:p14="http://schemas.microsoft.com/office/powerpoint/2010/main" spd="med" advClick="1" p14:dur="1000"/>
   <p:timing>
     <p:tnLst>
       <p:par>
-        <p:cTn id="1" dur="indefinite" restart="never" fill="hold" nodeType="tmRoot">
+        <p:cTn id="1" nodeType="tmRoot" restart="never" dur="indefinite" fill="hold">
           <p:childTnLst>
-            <p:seq concurrent="1" nextAc="seek">
-              <p:cTn id="2" dur="indefinite" fill="hold" nodeType="mainSeq">
+            <p:seq concurrent="1" prevAc="none" nextAc="seek">
+              <p:cTn id="2" nodeType="mainSeq" dur="indefinite" fill="hold">
                 <p:childTnLst>
                   <p:par>
                     <p:cTn id="3" fill="hold">
@@ -4820,17 +4898,17 @@
                             </p:stCondLst>
                             <p:childTnLst>
                               <p:par>
-                                <p:cTn id="5" presetID="1" presetClass="entr" presetSubtype="0" fill="hold" grpId="1" nodeType="clickEffect">
+                                <p:cTn id="5" presetClass="entr" nodeType="clickEffect" presetSubtype="0" presetID="1" grpId="1" fill="hold">
                                   <p:stCondLst>
                                     <p:cond delay="0"/>
                                   </p:stCondLst>
-                                  <p:iterate type="el">
+                                  <p:iterate type="el" backwards="0">
                                     <p:tmAbs val="0"/>
                                   </p:iterate>
                                   <p:childTnLst>
                                     <p:set>
                                       <p:cBhvr>
-                                        <p:cTn id="6" dur="indefinite" fill="hold"/>
+                                        <p:cTn id="6" fill="hold"/>
                                         <p:tgtEl>
                                           <p:spTgt spid="184">
                                             <p:bg/>
@@ -4848,17 +4926,17 @@
                                 </p:cTn>
                               </p:par>
                               <p:par>
-                                <p:cTn id="7" presetID="1" presetClass="entr" presetSubtype="0" fill="hold" grpId="1" nodeType="withEffect">
+                                <p:cTn id="7" presetClass="entr" nodeType="withEffect" presetSubtype="0" presetID="1" grpId="1" fill="hold">
                                   <p:stCondLst>
                                     <p:cond delay="0"/>
                                   </p:stCondLst>
-                                  <p:iterate type="el">
+                                  <p:iterate type="el" backwards="0">
                                     <p:tmAbs val="0"/>
                                   </p:iterate>
                                   <p:childTnLst>
                                     <p:set>
                                       <p:cBhvr>
-                                        <p:cTn id="8" dur="indefinite" fill="hold"/>
+                                        <p:cTn id="8" fill="hold"/>
                                         <p:tgtEl>
                                           <p:spTgt spid="184">
                                             <p:txEl>
@@ -4896,17 +4974,17 @@
                             </p:stCondLst>
                             <p:childTnLst>
                               <p:par>
-                                <p:cTn id="11" presetID="1" presetClass="entr" presetSubtype="0" fill="hold" grpId="1" nodeType="clickEffect">
+                                <p:cTn id="11" presetClass="entr" nodeType="clickEffect" presetSubtype="0" presetID="1" grpId="1" fill="hold">
                                   <p:stCondLst>
                                     <p:cond delay="0"/>
                                   </p:stCondLst>
-                                  <p:iterate type="el">
+                                  <p:iterate type="el" backwards="0">
                                     <p:tmAbs val="0"/>
                                   </p:iterate>
                                   <p:childTnLst>
                                     <p:set>
                                       <p:cBhvr>
-                                        <p:cTn id="12" dur="indefinite" fill="hold"/>
+                                        <p:cTn id="12" fill="hold"/>
                                         <p:tgtEl>
                                           <p:spTgt spid="184">
                                             <p:txEl>
@@ -4944,17 +5022,17 @@
                             </p:stCondLst>
                             <p:childTnLst>
                               <p:par>
-                                <p:cTn id="15" presetID="1" presetClass="entr" presetSubtype="0" fill="hold" grpId="1" nodeType="clickEffect">
+                                <p:cTn id="15" presetClass="entr" nodeType="clickEffect" presetSubtype="0" presetID="1" grpId="1" fill="hold">
                                   <p:stCondLst>
                                     <p:cond delay="0"/>
                                   </p:stCondLst>
-                                  <p:iterate type="el">
+                                  <p:iterate type="el" backwards="0">
                                     <p:tmAbs val="0"/>
                                   </p:iterate>
                                   <p:childTnLst>
                                     <p:set>
                                       <p:cBhvr>
-                                        <p:cTn id="16" dur="indefinite" fill="hold"/>
+                                        <p:cTn id="16" fill="hold"/>
                                         <p:tgtEl>
                                           <p:spTgt spid="184">
                                             <p:txEl>
@@ -4992,17 +5070,17 @@
                             </p:stCondLst>
                             <p:childTnLst>
                               <p:par>
-                                <p:cTn id="19" presetID="1" presetClass="entr" presetSubtype="0" fill="hold" grpId="1" nodeType="clickEffect">
+                                <p:cTn id="19" presetClass="entr" nodeType="clickEffect" presetSubtype="0" presetID="1" grpId="1" fill="hold">
                                   <p:stCondLst>
                                     <p:cond delay="0"/>
                                   </p:stCondLst>
-                                  <p:iterate type="el">
+                                  <p:iterate type="el" backwards="0">
                                     <p:tmAbs val="0"/>
                                   </p:iterate>
                                   <p:childTnLst>
                                     <p:set>
                                       <p:cBhvr>
-                                        <p:cTn id="20" dur="indefinite" fill="hold"/>
+                                        <p:cTn id="20" fill="hold"/>
                                         <p:tgtEl>
                                           <p:spTgt spid="184">
                                             <p:txEl>
@@ -5049,14 +5127,14 @@
       </p:par>
     </p:tnLst>
     <p:bldLst>
-      <p:bldP spid="184" grpId="1" animBg="1" advAuto="0" build="p"/>
+      <p:bldP build="p" bldLvl="1" animBg="1" rev="0" advAuto="0" spid="184" grpId="1"/>
     </p:bldLst>
   </p:timing>
 </p:sld>
 </file>
 
 <file path=ppt/slides/slide17.xml><?xml version="1.0" encoding="utf-8"?>
-<p:sld xmlns:a="http://schemas.openxmlformats.org/drawingml/2006/main" xmlns:r="http://schemas.openxmlformats.org/officeDocument/2006/relationships" xmlns:p="http://schemas.openxmlformats.org/presentationml/2006/main">
+<p:sld xmlns:a="http://schemas.openxmlformats.org/drawingml/2006/main" xmlns:r="http://schemas.openxmlformats.org/officeDocument/2006/relationships" xmlns:p="http://schemas.openxmlformats.org/presentationml/2006/main" showMasterSp="1" showMasterPhAnim="1">
   <p:cSld>
     <p:spTree>
       <p:nvGrpSpPr>
@@ -5115,12 +5193,6 @@
               </a:rPr>
               <a:t>如何看待学习中的各种失败？</a:t>
             </a:r>
-            <a:endParaRPr>
-              <a:latin typeface="冬青黑体简体中文 W6"/>
-              <a:ea typeface="冬青黑体简体中文 W6"/>
-              <a:cs typeface="冬青黑体简体中文 W6"/>
-              <a:sym typeface="冬青黑体简体中文 W6"/>
-            </a:endParaRPr>
           </a:p>
         </p:txBody>
       </p:sp>
@@ -5133,7 +5205,9 @@
           <p:nvPr/>
         </p:nvPicPr>
         <p:blipFill>
-          <a:blip r:embed="rId1"/>
+          <a:blip r:embed="rId2">
+            <a:extLst/>
+          </a:blip>
           <a:stretch>
             <a:fillRect/>
           </a:stretch>
@@ -5148,8 +5222,6 @@
           </a:prstGeom>
           <a:ln w="12700">
             <a:miter lim="400000"/>
-            <a:headEnd/>
-            <a:tailEnd/>
           </a:ln>
         </p:spPr>
       </p:pic>
@@ -5170,6 +5242,11 @@
           <a:ln w="12700">
             <a:miter lim="400000"/>
           </a:ln>
+          <a:extLst>
+            <a:ext uri="{C572A759-6A51-4108-AA02-DFA0A04FC94B}">
+              <ma14:wrappingTextBoxFlag xmlns:ma14="http://schemas.microsoft.com/office/mac/drawingml/2011/main" val="1"/>
+            </a:ext>
+          </a:extLst>
         </p:spPr>
         <p:txBody>
           <a:bodyPr tIns="91439" bIns="91439">
@@ -5179,7 +5256,7 @@
           <a:p>
             <a:pPr marL="571500" indent="-571500" algn="l" defTabSz="1828800">
               <a:buSzPct val="100000"/>
-              <a:buFont typeface="Arial" panose="020B0604020202020204"/>
+              <a:buFont typeface="Arial"/>
               <a:buChar char="•"/>
               <a:defRPr sz="4800">
                 <a:latin typeface="冬青黑体简体中文 W3"/>
@@ -5195,7 +5272,7 @@
           <a:p>
             <a:pPr marL="571500" indent="-571500" algn="l" defTabSz="1828800">
               <a:buSzPct val="100000"/>
-              <a:buFont typeface="Arial" panose="020B0604020202020204"/>
+              <a:buFont typeface="Arial"/>
               <a:buChar char="•"/>
               <a:defRPr sz="4800">
                 <a:latin typeface="冬青黑体简体中文 W3"/>
@@ -5209,9 +5286,9 @@
             </a:r>
           </a:p>
           <a:p>
-            <a:pPr marL="1028700" lvl="1" indent="-571500" algn="l" defTabSz="1828800">
+            <a:pPr lvl="1" marL="1028700" indent="-571500" algn="l" defTabSz="1828800">
               <a:buSzPct val="100000"/>
-              <a:buFont typeface="Arial" panose="020B0604020202020204"/>
+              <a:buFont typeface="Arial"/>
               <a:buChar char="•"/>
               <a:defRPr sz="4800">
                 <a:latin typeface="冬青黑体简体中文 W3"/>
@@ -5225,9 +5302,9 @@
             </a:r>
           </a:p>
           <a:p>
-            <a:pPr marL="1028700" lvl="1" indent="-571500" algn="l" defTabSz="1828800">
+            <a:pPr lvl="1" marL="1028700" indent="-571500" algn="l" defTabSz="1828800">
               <a:buSzPct val="100000"/>
-              <a:buFont typeface="Arial" panose="020B0604020202020204"/>
+              <a:buFont typeface="Arial"/>
               <a:buChar char="•"/>
               <a:defRPr sz="4800">
                 <a:latin typeface="冬青黑体简体中文 W3"/>
@@ -5241,9 +5318,9 @@
             </a:r>
           </a:p>
           <a:p>
-            <a:pPr marL="1028700" lvl="1" indent="-571500" algn="l" defTabSz="1828800">
+            <a:pPr lvl="1" marL="1028700" indent="-571500" algn="l" defTabSz="1828800">
               <a:buSzPct val="100000"/>
-              <a:buFont typeface="Arial" panose="020B0604020202020204"/>
+              <a:buFont typeface="Arial"/>
               <a:buChar char="•"/>
               <a:defRPr sz="4800">
                 <a:latin typeface="冬青黑体简体中文 W3"/>
@@ -5266,19 +5343,12 @@
   <p:clrMapOvr>
     <a:masterClrMapping/>
   </p:clrMapOvr>
-  <mc:AlternateContent xmlns:mc="http://schemas.openxmlformats.org/markup-compatibility/2006">
-    <mc:Choice xmlns:p14="http://schemas.microsoft.com/office/powerpoint/2010/main" Requires="p14">
-      <p:transition spd="med" p14:dur="1000"/>
-    </mc:Choice>
-    <mc:Fallback>
-      <p:transition spd="med"/>
-    </mc:Fallback>
-  </mc:AlternateContent>
+  <p:transition xmlns:p14="http://schemas.microsoft.com/office/powerpoint/2010/main" spd="med" advClick="1" p14:dur="1000"/>
 </p:sld>
 </file>
 
 <file path=ppt/slides/slide18.xml><?xml version="1.0" encoding="utf-8"?>
-<p:sld xmlns:a="http://schemas.openxmlformats.org/drawingml/2006/main" xmlns:r="http://schemas.openxmlformats.org/officeDocument/2006/relationships" xmlns:p="http://schemas.openxmlformats.org/presentationml/2006/main">
+<p:sld xmlns:a="http://schemas.openxmlformats.org/drawingml/2006/main" xmlns:r="http://schemas.openxmlformats.org/officeDocument/2006/relationships" xmlns:p="http://schemas.openxmlformats.org/presentationml/2006/main" showMasterSp="1" showMasterPhAnim="1">
   <p:cSld>
     <p:spTree>
       <p:nvGrpSpPr>
@@ -5311,6 +5381,7 @@
           <a:bodyPr/>
           <a:lstStyle/>
           <a:p>
+            <a:pPr/>
             <a:r>
               <a:t>Text Books</a:t>
             </a:r>
@@ -5334,105 +5405,123 @@
           <a:bodyPr/>
           <a:lstStyle/>
           <a:p>
-            <a:pPr marL="690880" indent="-582295" defTabSz="1664335">
-              <a:defRPr sz="5825"/>
+            <a:pPr marL="637519" indent="-537667" defTabSz="1536191">
+              <a:defRPr sz="5376"/>
             </a:pPr>
             <a:r>
               <a:t>课本</a:t>
             </a:r>
           </a:p>
           <a:p>
-            <a:pPr marL="915035" lvl="1" indent="-499110" defTabSz="1664335">
+            <a:pPr lvl="1" marL="844905" indent="-460857" defTabSz="1536191">
               <a:spcBef>
-                <a:spcPts val="1200"/>
+                <a:spcPts val="1100"/>
               </a:spcBef>
               <a:buClr>
                 <a:srgbClr val="60B5CC"/>
               </a:buClr>
-              <a:buFont typeface="Wingdings" panose="05000000000000000000"/>
-              <a:defRPr sz="5095"/>
+              <a:buFont typeface="Wingdings"/>
+              <a:defRPr sz="4703"/>
             </a:pPr>
             <a:r>
-              <a:t>《构建之法 </a:t>
-            </a:r>
-            <a:r>
-              <a:t>– </a:t>
-            </a:r>
-            <a:r>
-              <a:t>现代软件工程》</a:t>
-            </a:r>
-          </a:p>
-          <a:p>
-            <a:pPr marL="915035" lvl="1" indent="-499110" defTabSz="1664335">
+              <a:t> </a:t>
+            </a:r>
+            <a:r>
+              <a:t>自编教程</a:t>
+            </a:r>
+          </a:p>
+          <a:p>
+            <a:pPr lvl="1" marL="844905" indent="-460857" defTabSz="1536191">
               <a:spcBef>
-                <a:spcPts val="1200"/>
+                <a:spcPts val="1100"/>
               </a:spcBef>
               <a:buClr>
                 <a:srgbClr val="60B5CC"/>
               </a:buClr>
-              <a:buFont typeface="Wingdings" panose="05000000000000000000"/>
-              <a:defRPr sz="5095"/>
+              <a:buFont typeface="Wingdings"/>
+              <a:defRPr sz="4703"/>
             </a:pPr>
             <a:r>
-              <a:t>《软件工程——理论与实践》</a:t>
-            </a:r>
-          </a:p>
-          <a:p>
-            <a:pPr marL="690880" indent="-582295" defTabSz="1664335">
-              <a:defRPr sz="5825"/>
-            </a:pPr>
-            <a:r>
-              <a:t>必读书</a:t>
-            </a:r>
-          </a:p>
-          <a:p>
-            <a:pPr marL="915035" lvl="1" indent="-499110" defTabSz="1664335">
+              <a:t>《构建之法 </a:t>
+            </a:r>
+            <a:r>
+              <a:t>– </a:t>
+            </a:r>
+            <a:r>
+              <a:t>现代软件工程》</a:t>
+            </a:r>
+          </a:p>
+          <a:p>
+            <a:pPr lvl="1" marL="844905" indent="-460857" defTabSz="1536191">
               <a:spcBef>
-                <a:spcPts val="1200"/>
+                <a:spcPts val="1100"/>
               </a:spcBef>
               <a:buClr>
                 <a:srgbClr val="60B5CC"/>
               </a:buClr>
-              <a:buFont typeface="Wingdings" panose="05000000000000000000"/>
-              <a:defRPr sz="5095"/>
+              <a:buFont typeface="Wingdings"/>
+              <a:defRPr sz="4703"/>
             </a:pPr>
             <a:r>
-              <a:t>（必读）《梦断代码》http://bestcbooks.com/dreamingincode/</a:t>
-            </a:r>
-          </a:p>
-          <a:p>
-            <a:pPr marL="915035" lvl="1" indent="-499110" defTabSz="1664335">
+              <a:t>《软件工程——理论与实践》</a:t>
+            </a:r>
+          </a:p>
+          <a:p>
+            <a:pPr marL="637519" indent="-537667" defTabSz="1536191">
+              <a:defRPr sz="5376"/>
+            </a:pPr>
+            <a:r>
+              <a:t>必读书</a:t>
+            </a:r>
+          </a:p>
+          <a:p>
+            <a:pPr lvl="1" marL="844905" indent="-460857" defTabSz="1536191">
               <a:spcBef>
-                <a:spcPts val="1200"/>
+                <a:spcPts val="1100"/>
               </a:spcBef>
               <a:buClr>
                 <a:srgbClr val="60B5CC"/>
               </a:buClr>
-              <a:buFont typeface="Wingdings" panose="05000000000000000000"/>
-              <a:defRPr sz="5095"/>
+              <a:buFont typeface="Wingdings"/>
+              <a:defRPr sz="4703"/>
             </a:pPr>
             <a:r>
-              <a:t>（必读）《人月神话》Frederick Brooks</a:t>
-            </a:r>
-          </a:p>
-          <a:p>
-            <a:pPr marL="690880" indent="-582295" defTabSz="1664335">
-              <a:defRPr sz="5825"/>
-            </a:pPr>
-            <a:r>
-              <a:t>其它参考书</a:t>
-            </a:r>
-          </a:p>
-          <a:p>
-            <a:pPr marL="915035" lvl="1" indent="-499110" defTabSz="1664335">
+              <a:t>（必读）《梦断代码》http://bestcbooks.com/dreamingincode/</a:t>
+            </a:r>
+          </a:p>
+          <a:p>
+            <a:pPr lvl="1" marL="844905" indent="-460857" defTabSz="1536191">
               <a:spcBef>
-                <a:spcPts val="1200"/>
+                <a:spcPts val="1100"/>
               </a:spcBef>
               <a:buClr>
                 <a:srgbClr val="60B5CC"/>
               </a:buClr>
-              <a:buFont typeface="Wingdings" panose="05000000000000000000"/>
-              <a:defRPr sz="5095"/>
+              <a:buFont typeface="Wingdings"/>
+              <a:defRPr sz="4703"/>
+            </a:pPr>
+            <a:r>
+              <a:t>（必读）《人月神话》Frederick Brooks</a:t>
+            </a:r>
+          </a:p>
+          <a:p>
+            <a:pPr marL="637519" indent="-537667" defTabSz="1536191">
+              <a:defRPr sz="5376"/>
+            </a:pPr>
+            <a:r>
+              <a:t>其它参考书</a:t>
+            </a:r>
+          </a:p>
+          <a:p>
+            <a:pPr lvl="1" marL="844905" indent="-460857" defTabSz="1536191">
+              <a:spcBef>
+                <a:spcPts val="1100"/>
+              </a:spcBef>
+              <a:buClr>
+                <a:srgbClr val="60B5CC"/>
+              </a:buClr>
+              <a:buFont typeface="Wingdings"/>
+              <a:defRPr sz="4703"/>
             </a:pPr>
             <a:r>
               <a:rPr u="sng">
@@ -5444,6 +5533,7 @@
                     <a:srgbClr val="168BBA"/>
                   </a:solidFill>
                 </a:uFill>
+                <a:hlinkClick r:id="rId2" invalidUrl="" action="" tgtFrame="" tooltip="" history="1" highlightClick="0" endSnd="0"/>
               </a:rPr>
               <a:t>http://book.douban.com/doulist/1204928/</a:t>
             </a:r>
@@ -5458,21 +5548,14 @@
   <p:clrMapOvr>
     <a:masterClrMapping/>
   </p:clrMapOvr>
-  <mc:AlternateContent xmlns:mc="http://schemas.openxmlformats.org/markup-compatibility/2006">
-    <mc:Choice xmlns:p14="http://schemas.microsoft.com/office/powerpoint/2010/main" Requires="p14">
-      <p:transition spd="med" p14:dur="1000"/>
-    </mc:Choice>
-    <mc:Fallback>
-      <p:transition spd="med"/>
-    </mc:Fallback>
-  </mc:AlternateContent>
+  <p:transition xmlns:p14="http://schemas.microsoft.com/office/powerpoint/2010/main" spd="med" advClick="1" p14:dur="1000"/>
   <p:timing>
     <p:tnLst>
       <p:par>
-        <p:cTn id="1" dur="indefinite" restart="never" fill="hold" nodeType="tmRoot">
+        <p:cTn id="1" nodeType="tmRoot" restart="never" dur="indefinite" fill="hold">
           <p:childTnLst>
-            <p:seq concurrent="1" nextAc="seek">
-              <p:cTn id="2" dur="indefinite" fill="hold" nodeType="mainSeq">
+            <p:seq concurrent="1" prevAc="none" nextAc="seek">
+              <p:cTn id="2" nodeType="mainSeq" dur="indefinite" fill="hold">
                 <p:childTnLst>
                   <p:par>
                     <p:cTn id="3" fill="hold">
@@ -5487,17 +5570,17 @@
                             </p:stCondLst>
                             <p:childTnLst>
                               <p:par>
-                                <p:cTn id="5" presetID="9" presetClass="entr" presetSubtype="0" fill="hold" grpId="1" nodeType="clickEffect">
+                                <p:cTn id="5" presetClass="entr" nodeType="clickEffect" presetID="9" grpId="1" fill="hold">
                                   <p:stCondLst>
                                     <p:cond delay="0"/>
                                   </p:stCondLst>
-                                  <p:iterate type="el">
+                                  <p:iterate type="el" backwards="0">
                                     <p:tmAbs val="0"/>
                                   </p:iterate>
                                   <p:childTnLst>
                                     <p:set>
                                       <p:cBhvr>
-                                        <p:cTn id="6" dur="indefinite" fill="hold"/>
+                                        <p:cTn id="6" fill="hold"/>
                                         <p:tgtEl>
                                           <p:spTgt spid="191">
                                             <p:bg/>
@@ -5511,7 +5594,7 @@
                                         <p:strVal val="visible"/>
                                       </p:to>
                                     </p:set>
-                                    <p:animEffect transition="in" filter="dissolve">
+                                    <p:animEffect filter="dissolve" transition="in">
                                       <p:cBhvr>
                                         <p:cTn id="7" dur="2000"/>
                                         <p:tgtEl>
@@ -5525,17 +5608,17 @@
                                 </p:cTn>
                               </p:par>
                               <p:par>
-                                <p:cTn id="8" presetID="9" presetClass="entr" presetSubtype="0" fill="hold" grpId="1" nodeType="withEffect">
+                                <p:cTn id="8" presetClass="entr" nodeType="withEffect" presetSubtype="0" presetID="9" grpId="1" fill="hold">
                                   <p:stCondLst>
                                     <p:cond delay="0"/>
                                   </p:stCondLst>
-                                  <p:iterate type="el">
+                                  <p:iterate type="el" backwards="0">
                                     <p:tmAbs val="0"/>
                                   </p:iterate>
                                   <p:childTnLst>
                                     <p:set>
                                       <p:cBhvr>
-                                        <p:cTn id="9" dur="indefinite" fill="hold"/>
+                                        <p:cTn id="9" fill="hold"/>
                                         <p:tgtEl>
                                           <p:spTgt spid="191">
                                             <p:txEl>
@@ -5551,7 +5634,7 @@
                                         <p:strVal val="visible"/>
                                       </p:to>
                                     </p:set>
-                                    <p:animEffect transition="in" filter="dissolve">
+                                    <p:animEffect filter="dissolve" transition="in">
                                       <p:cBhvr>
                                         <p:cTn id="10" dur="2000"/>
                                         <p:tgtEl>
@@ -5567,17 +5650,17 @@
                                 </p:cTn>
                               </p:par>
                               <p:par>
-                                <p:cTn id="11" presetID="9" presetClass="entr" presetSubtype="0" fill="hold" grpId="1" nodeType="withEffect">
+                                <p:cTn id="11" presetClass="entr" nodeType="withEffect" presetSubtype="0" presetID="9" grpId="1" fill="hold">
                                   <p:stCondLst>
                                     <p:cond delay="0"/>
                                   </p:stCondLst>
-                                  <p:iterate type="el">
+                                  <p:iterate type="el" backwards="0">
                                     <p:tmAbs val="0"/>
                                   </p:iterate>
                                   <p:childTnLst>
                                     <p:set>
                                       <p:cBhvr>
-                                        <p:cTn id="12" dur="indefinite" fill="hold"/>
+                                        <p:cTn id="12" fill="hold"/>
                                         <p:tgtEl>
                                           <p:spTgt spid="191">
                                             <p:txEl>
@@ -5593,7 +5676,7 @@
                                         <p:strVal val="visible"/>
                                       </p:to>
                                     </p:set>
-                                    <p:animEffect transition="in" filter="dissolve">
+                                    <p:animEffect filter="dissolve" transition="in">
                                       <p:cBhvr>
                                         <p:cTn id="13" dur="2000"/>
                                         <p:tgtEl>
@@ -5609,17 +5692,17 @@
                                 </p:cTn>
                               </p:par>
                               <p:par>
-                                <p:cTn id="14" presetID="9" presetClass="entr" presetSubtype="0" fill="hold" grpId="1" nodeType="withEffect">
+                                <p:cTn id="14" presetClass="entr" nodeType="withEffect" presetSubtype="0" presetID="9" grpId="1" fill="hold">
                                   <p:stCondLst>
                                     <p:cond delay="0"/>
                                   </p:stCondLst>
-                                  <p:iterate type="el">
+                                  <p:iterate type="el" backwards="0">
                                     <p:tmAbs val="0"/>
                                   </p:iterate>
                                   <p:childTnLst>
                                     <p:set>
                                       <p:cBhvr>
-                                        <p:cTn id="15" dur="indefinite" fill="hold"/>
+                                        <p:cTn id="15" fill="hold"/>
                                         <p:tgtEl>
                                           <p:spTgt spid="191">
                                             <p:txEl>
@@ -5635,13 +5718,55 @@
                                         <p:strVal val="visible"/>
                                       </p:to>
                                     </p:set>
-                                    <p:animEffect transition="in" filter="dissolve">
+                                    <p:animEffect filter="dissolve" transition="in">
                                       <p:cBhvr>
                                         <p:cTn id="16" dur="2000"/>
                                         <p:tgtEl>
                                           <p:spTgt spid="191">
                                             <p:txEl>
                                               <p:pRg st="2" end="2"/>
+                                            </p:txEl>
+                                          </p:spTgt>
+                                        </p:tgtEl>
+                                      </p:cBhvr>
+                                    </p:animEffect>
+                                  </p:childTnLst>
+                                </p:cTn>
+                              </p:par>
+                              <p:par>
+                                <p:cTn id="17" presetClass="entr" nodeType="withEffect" presetSubtype="0" presetID="9" grpId="1" fill="hold">
+                                  <p:stCondLst>
+                                    <p:cond delay="0"/>
+                                  </p:stCondLst>
+                                  <p:iterate type="el" backwards="0">
+                                    <p:tmAbs val="0"/>
+                                  </p:iterate>
+                                  <p:childTnLst>
+                                    <p:set>
+                                      <p:cBhvr>
+                                        <p:cTn id="18" fill="hold"/>
+                                        <p:tgtEl>
+                                          <p:spTgt spid="191">
+                                            <p:txEl>
+                                              <p:pRg st="3" end="3"/>
+                                            </p:txEl>
+                                          </p:spTgt>
+                                        </p:tgtEl>
+                                        <p:attrNameLst>
+                                          <p:attrName>style.visibility</p:attrName>
+                                        </p:attrNameLst>
+                                      </p:cBhvr>
+                                      <p:to>
+                                        <p:strVal val="visible"/>
+                                      </p:to>
+                                    </p:set>
+                                    <p:animEffect filter="dissolve" transition="in">
+                                      <p:cBhvr>
+                                        <p:cTn id="19" dur="2000"/>
+                                        <p:tgtEl>
+                                          <p:spTgt spid="191">
+                                            <p:txEl>
+                                              <p:pRg st="3" end="3"/>
                                             </p:txEl>
                                           </p:spTgt>
                                         </p:tgtEl>
@@ -5657,71 +5782,29 @@
                     </p:cTn>
                   </p:par>
                   <p:par>
-                    <p:cTn id="17" fill="hold">
+                    <p:cTn id="20" fill="hold">
                       <p:stCondLst>
                         <p:cond delay="indefinite"/>
                       </p:stCondLst>
                       <p:childTnLst>
                         <p:par>
-                          <p:cTn id="18" fill="hold">
+                          <p:cTn id="21" fill="hold">
                             <p:stCondLst>
                               <p:cond delay="0"/>
                             </p:stCondLst>
                             <p:childTnLst>
                               <p:par>
-                                <p:cTn id="19" presetID="9" presetClass="entr" presetSubtype="0" fill="hold" grpId="1" nodeType="clickEffect">
+                                <p:cTn id="22" presetClass="entr" nodeType="clickEffect" presetID="9" grpId="1" fill="hold">
                                   <p:stCondLst>
                                     <p:cond delay="0"/>
                                   </p:stCondLst>
-                                  <p:iterate type="el">
+                                  <p:iterate type="el" backwards="0">
                                     <p:tmAbs val="0"/>
                                   </p:iterate>
                                   <p:childTnLst>
                                     <p:set>
                                       <p:cBhvr>
-                                        <p:cTn id="20" dur="indefinite" fill="hold"/>
-                                        <p:tgtEl>
-                                          <p:spTgt spid="191">
-                                            <p:txEl>
-                                              <p:pRg st="3" end="3"/>
-                                            </p:txEl>
-                                          </p:spTgt>
-                                        </p:tgtEl>
-                                        <p:attrNameLst>
-                                          <p:attrName>style.visibility</p:attrName>
-                                        </p:attrNameLst>
-                                      </p:cBhvr>
-                                      <p:to>
-                                        <p:strVal val="visible"/>
-                                      </p:to>
-                                    </p:set>
-                                    <p:animEffect transition="in" filter="dissolve">
-                                      <p:cBhvr>
-                                        <p:cTn id="21" dur="2000"/>
-                                        <p:tgtEl>
-                                          <p:spTgt spid="191">
-                                            <p:txEl>
-                                              <p:pRg st="3" end="3"/>
-                                            </p:txEl>
-                                          </p:spTgt>
-                                        </p:tgtEl>
-                                      </p:cBhvr>
-                                    </p:animEffect>
-                                  </p:childTnLst>
-                                </p:cTn>
-                              </p:par>
-                              <p:par>
-                                <p:cTn id="22" presetID="9" presetClass="entr" presetSubtype="0" fill="hold" grpId="1" nodeType="withEffect">
-                                  <p:stCondLst>
-                                    <p:cond delay="0"/>
-                                  </p:stCondLst>
-                                  <p:iterate type="el">
-                                    <p:tmAbs val="0"/>
-                                  </p:iterate>
-                                  <p:childTnLst>
-                                    <p:set>
-                                      <p:cBhvr>
-                                        <p:cTn id="23" dur="indefinite" fill="hold"/>
+                                        <p:cTn id="23" fill="hold"/>
                                         <p:tgtEl>
                                           <p:spTgt spid="191">
                                             <p:txEl>
@@ -5737,7 +5820,7 @@
                                         <p:strVal val="visible"/>
                                       </p:to>
                                     </p:set>
-                                    <p:animEffect transition="in" filter="dissolve">
+                                    <p:animEffect filter="dissolve" transition="in">
                                       <p:cBhvr>
                                         <p:cTn id="24" dur="2000"/>
                                         <p:tgtEl>
@@ -5753,17 +5836,17 @@
                                 </p:cTn>
                               </p:par>
                               <p:par>
-                                <p:cTn id="25" presetID="9" presetClass="entr" presetSubtype="0" fill="hold" grpId="1" nodeType="withEffect">
+                                <p:cTn id="25" presetClass="entr" nodeType="withEffect" presetSubtype="0" presetID="9" grpId="1" fill="hold">
                                   <p:stCondLst>
                                     <p:cond delay="0"/>
                                   </p:stCondLst>
-                                  <p:iterate type="el">
+                                  <p:iterate type="el" backwards="0">
                                     <p:tmAbs val="0"/>
                                   </p:iterate>
                                   <p:childTnLst>
                                     <p:set>
                                       <p:cBhvr>
-                                        <p:cTn id="26" dur="indefinite" fill="hold"/>
+                                        <p:cTn id="26" fill="hold"/>
                                         <p:tgtEl>
                                           <p:spTgt spid="191">
                                             <p:txEl>
@@ -5779,13 +5862,55 @@
                                         <p:strVal val="visible"/>
                                       </p:to>
                                     </p:set>
-                                    <p:animEffect transition="in" filter="dissolve">
+                                    <p:animEffect filter="dissolve" transition="in">
                                       <p:cBhvr>
                                         <p:cTn id="27" dur="2000"/>
                                         <p:tgtEl>
                                           <p:spTgt spid="191">
                                             <p:txEl>
                                               <p:pRg st="5" end="5"/>
+                                            </p:txEl>
+                                          </p:spTgt>
+                                        </p:tgtEl>
+                                      </p:cBhvr>
+                                    </p:animEffect>
+                                  </p:childTnLst>
+                                </p:cTn>
+                              </p:par>
+                              <p:par>
+                                <p:cTn id="28" presetClass="entr" nodeType="withEffect" presetSubtype="0" presetID="9" grpId="1" fill="hold">
+                                  <p:stCondLst>
+                                    <p:cond delay="0"/>
+                                  </p:stCondLst>
+                                  <p:iterate type="el" backwards="0">
+                                    <p:tmAbs val="0"/>
+                                  </p:iterate>
+                                  <p:childTnLst>
+                                    <p:set>
+                                      <p:cBhvr>
+                                        <p:cTn id="29" fill="hold"/>
+                                        <p:tgtEl>
+                                          <p:spTgt spid="191">
+                                            <p:txEl>
+                                              <p:pRg st="6" end="6"/>
+                                            </p:txEl>
+                                          </p:spTgt>
+                                        </p:tgtEl>
+                                        <p:attrNameLst>
+                                          <p:attrName>style.visibility</p:attrName>
+                                        </p:attrNameLst>
+                                      </p:cBhvr>
+                                      <p:to>
+                                        <p:strVal val="visible"/>
+                                      </p:to>
+                                    </p:set>
+                                    <p:animEffect filter="dissolve" transition="in">
+                                      <p:cBhvr>
+                                        <p:cTn id="30" dur="2000"/>
+                                        <p:tgtEl>
+                                          <p:spTgt spid="191">
+                                            <p:txEl>
+                                              <p:pRg st="6" end="6"/>
                                             </p:txEl>
                                           </p:spTgt>
                                         </p:tgtEl>
@@ -5801,71 +5926,29 @@
                     </p:cTn>
                   </p:par>
                   <p:par>
-                    <p:cTn id="28" fill="hold">
+                    <p:cTn id="31" fill="hold">
                       <p:stCondLst>
                         <p:cond delay="indefinite"/>
                       </p:stCondLst>
                       <p:childTnLst>
                         <p:par>
-                          <p:cTn id="29" fill="hold">
+                          <p:cTn id="32" fill="hold">
                             <p:stCondLst>
                               <p:cond delay="0"/>
                             </p:stCondLst>
                             <p:childTnLst>
                               <p:par>
-                                <p:cTn id="30" presetID="9" presetClass="entr" presetSubtype="0" fill="hold" grpId="1" nodeType="clickEffect">
+                                <p:cTn id="33" presetClass="entr" nodeType="clickEffect" presetID="9" grpId="1" fill="hold">
                                   <p:stCondLst>
                                     <p:cond delay="0"/>
                                   </p:stCondLst>
-                                  <p:iterate type="el">
+                                  <p:iterate type="el" backwards="0">
                                     <p:tmAbs val="0"/>
                                   </p:iterate>
                                   <p:childTnLst>
                                     <p:set>
                                       <p:cBhvr>
-                                        <p:cTn id="31" dur="indefinite" fill="hold"/>
-                                        <p:tgtEl>
-                                          <p:spTgt spid="191">
-                                            <p:txEl>
-                                              <p:pRg st="6" end="6"/>
-                                            </p:txEl>
-                                          </p:spTgt>
-                                        </p:tgtEl>
-                                        <p:attrNameLst>
-                                          <p:attrName>style.visibility</p:attrName>
-                                        </p:attrNameLst>
-                                      </p:cBhvr>
-                                      <p:to>
-                                        <p:strVal val="visible"/>
-                                      </p:to>
-                                    </p:set>
-                                    <p:animEffect transition="in" filter="dissolve">
-                                      <p:cBhvr>
-                                        <p:cTn id="32" dur="2000"/>
-                                        <p:tgtEl>
-                                          <p:spTgt spid="191">
-                                            <p:txEl>
-                                              <p:pRg st="6" end="6"/>
-                                            </p:txEl>
-                                          </p:spTgt>
-                                        </p:tgtEl>
-                                      </p:cBhvr>
-                                    </p:animEffect>
-                                  </p:childTnLst>
-                                </p:cTn>
-                              </p:par>
-                              <p:par>
-                                <p:cTn id="33" presetID="9" presetClass="entr" presetSubtype="0" fill="hold" grpId="1" nodeType="withEffect">
-                                  <p:stCondLst>
-                                    <p:cond delay="0"/>
-                                  </p:stCondLst>
-                                  <p:iterate type="el">
-                                    <p:tmAbs val="0"/>
-                                  </p:iterate>
-                                  <p:childTnLst>
-                                    <p:set>
-                                      <p:cBhvr>
-                                        <p:cTn id="34" dur="indefinite" fill="hold"/>
+                                        <p:cTn id="34" fill="hold"/>
                                         <p:tgtEl>
                                           <p:spTgt spid="191">
                                             <p:txEl>
@@ -5881,13 +5964,55 @@
                                         <p:strVal val="visible"/>
                                       </p:to>
                                     </p:set>
-                                    <p:animEffect transition="in" filter="dissolve">
+                                    <p:animEffect filter="dissolve" transition="in">
                                       <p:cBhvr>
                                         <p:cTn id="35" dur="2000"/>
                                         <p:tgtEl>
                                           <p:spTgt spid="191">
                                             <p:txEl>
                                               <p:pRg st="7" end="7"/>
+                                            </p:txEl>
+                                          </p:spTgt>
+                                        </p:tgtEl>
+                                      </p:cBhvr>
+                                    </p:animEffect>
+                                  </p:childTnLst>
+                                </p:cTn>
+                              </p:par>
+                              <p:par>
+                                <p:cTn id="36" presetClass="entr" nodeType="withEffect" presetSubtype="0" presetID="9" grpId="1" fill="hold">
+                                  <p:stCondLst>
+                                    <p:cond delay="0"/>
+                                  </p:stCondLst>
+                                  <p:iterate type="el" backwards="0">
+                                    <p:tmAbs val="0"/>
+                                  </p:iterate>
+                                  <p:childTnLst>
+                                    <p:set>
+                                      <p:cBhvr>
+                                        <p:cTn id="37" fill="hold"/>
+                                        <p:tgtEl>
+                                          <p:spTgt spid="191">
+                                            <p:txEl>
+                                              <p:pRg st="8" end="8"/>
+                                            </p:txEl>
+                                          </p:spTgt>
+                                        </p:tgtEl>
+                                        <p:attrNameLst>
+                                          <p:attrName>style.visibility</p:attrName>
+                                        </p:attrNameLst>
+                                      </p:cBhvr>
+                                      <p:to>
+                                        <p:strVal val="visible"/>
+                                      </p:to>
+                                    </p:set>
+                                    <p:animEffect filter="dissolve" transition="in">
+                                      <p:cBhvr>
+                                        <p:cTn id="38" dur="2000"/>
+                                        <p:tgtEl>
+                                          <p:spTgt spid="191">
+                                            <p:txEl>
+                                              <p:pRg st="8" end="8"/>
                                             </p:txEl>
                                           </p:spTgt>
                                         </p:tgtEl>
@@ -5924,14 +6049,14 @@
       </p:par>
     </p:tnLst>
     <p:bldLst>
-      <p:bldP spid="191" grpId="1" animBg="1" advAuto="0" build="p"/>
+      <p:bldP build="p" bldLvl="1" animBg="1" rev="0" advAuto="0" spid="191" grpId="1"/>
     </p:bldLst>
   </p:timing>
 </p:sld>
 </file>
 
 <file path=ppt/slides/slide19.xml><?xml version="1.0" encoding="utf-8"?>
-<p:sld xmlns:a="http://schemas.openxmlformats.org/drawingml/2006/main" xmlns:r="http://schemas.openxmlformats.org/officeDocument/2006/relationships" xmlns:p="http://schemas.openxmlformats.org/presentationml/2006/main">
+<p:sld xmlns:a="http://schemas.openxmlformats.org/drawingml/2006/main" xmlns:r="http://schemas.openxmlformats.org/officeDocument/2006/relationships" xmlns:p="http://schemas.openxmlformats.org/presentationml/2006/main" showMasterSp="1" showMasterPhAnim="1">
   <p:cSld>
     <p:spTree>
       <p:nvGrpSpPr>
@@ -5964,6 +6089,7 @@
           <a:bodyPr/>
           <a:lstStyle/>
           <a:p>
+            <a:pPr/>
             <a:r>
               <a:t>课程成绩构成</a:t>
             </a:r>
@@ -5987,11 +6113,13 @@
           <a:bodyPr/>
           <a:lstStyle/>
           <a:p>
+            <a:pPr/>
             <a:r>
               <a:t>考试占60分</a:t>
             </a:r>
           </a:p>
           <a:p>
+            <a:pPr/>
             <a:r>
               <a:t>实验作业</a:t>
             </a:r>
@@ -5999,13 +6127,13 @@
           <a:p>
             <a:pPr lvl="1"/>
             <a:r>
-              <a:t>必做占40分，评分按5分制，5分不超过总人数的10%，3-4分占绝大多数，个别比较糟糕的情况2、1、0分。</a:t>
+              <a:t>必做占40分</a:t>
             </a:r>
           </a:p>
           <a:p>
             <a:pPr lvl="1"/>
             <a:r>
-              <a:t>选作附加10分，满分不超过100分，做了不一定有分，只有较为突出的表现和突破才有可能获得额外附加分。</a:t>
+              <a:t>主要采用随机抽查督促的方式</a:t>
             </a:r>
           </a:p>
         </p:txBody>
@@ -6015,19 +6143,12 @@
   <p:clrMapOvr>
     <a:masterClrMapping/>
   </p:clrMapOvr>
-  <mc:AlternateContent xmlns:mc="http://schemas.openxmlformats.org/markup-compatibility/2006">
-    <mc:Choice xmlns:p14="http://schemas.microsoft.com/office/powerpoint/2010/main" Requires="p14">
-      <p:transition spd="med" p14:dur="1000"/>
-    </mc:Choice>
-    <mc:Fallback>
-      <p:transition spd="med"/>
-    </mc:Fallback>
-  </mc:AlternateContent>
+  <p:transition xmlns:p14="http://schemas.microsoft.com/office/powerpoint/2010/main" spd="med" advClick="1" p14:dur="1000"/>
 </p:sld>
 </file>
 
 <file path=ppt/slides/slide2.xml><?xml version="1.0" encoding="utf-8"?>
-<p:sld xmlns:a="http://schemas.openxmlformats.org/drawingml/2006/main" xmlns:r="http://schemas.openxmlformats.org/officeDocument/2006/relationships" xmlns:p="http://schemas.openxmlformats.org/presentationml/2006/main">
+<p:sld xmlns:a="http://schemas.openxmlformats.org/drawingml/2006/main" xmlns:r="http://schemas.openxmlformats.org/officeDocument/2006/relationships" xmlns:p="http://schemas.openxmlformats.org/presentationml/2006/main" showMasterSp="1" showMasterPhAnim="1">
   <p:cSld>
     <p:spTree>
       <p:nvGrpSpPr>
@@ -6060,6 +6181,7 @@
           <a:bodyPr/>
           <a:lstStyle/>
           <a:p>
+            <a:pPr/>
             <a:r>
               <a:t>How SE is usually taught</a:t>
             </a:r>
@@ -6087,7 +6209,7 @@
               <a:spcBef>
                 <a:spcPts val="4100"/>
               </a:spcBef>
-              <a:defRPr sz="3640"/>
+              <a:defRPr sz="3639"/>
             </a:pPr>
             <a:r>
               <a:t>需求分析：学生们都不懂企业的需求是什么，上课睡觉。</a:t>
@@ -6098,7 +6220,7 @@
               <a:spcBef>
                 <a:spcPts val="4100"/>
               </a:spcBef>
-              <a:defRPr sz="3640"/>
+              <a:defRPr sz="3639"/>
             </a:pPr>
             <a:r>
               <a:t>设计阶段：学生们画了许多 UML 图，用设计工具画了各种形状的图形，仅此而已。</a:t>
@@ -6109,7 +6231,7 @@
               <a:spcBef>
                 <a:spcPts val="4100"/>
               </a:spcBef>
-              <a:defRPr sz="3640"/>
+              <a:defRPr sz="3639"/>
             </a:pPr>
             <a:r>
               <a:t>实现阶段：学生们开始热烈讨论，UML 图早已经扔到一边。</a:t>
@@ -6120,7 +6242,7 @@
               <a:spcBef>
                 <a:spcPts val="4100"/>
               </a:spcBef>
-              <a:defRPr sz="3640"/>
+              <a:defRPr sz="3639"/>
             </a:pPr>
             <a:r>
               <a:t>稳定阶段：学生们中十分之一的人开始写代码，其他人不知道在干什么．代码大部分情况下都不能工作，所有设计过的种种黑箱和白箱测试都无从开始。</a:t>
@@ -6131,7 +6253,7 @@
               <a:spcBef>
                 <a:spcPts val="4100"/>
               </a:spcBef>
-              <a:defRPr sz="3640"/>
+              <a:defRPr sz="3639"/>
             </a:pPr>
             <a:r>
               <a:t>发布阶段： 这个阶段只有一天时间，就是最后检查的那一天，同时还有人在调试程序．</a:t>
@@ -6142,7 +6264,7 @@
               <a:spcBef>
                 <a:spcPts val="4100"/>
               </a:spcBef>
-              <a:defRPr sz="3640"/>
+              <a:defRPr sz="3639"/>
             </a:pPr>
             <a:r>
               <a:t>维护阶段：课程结束了，同学们对自己的产品没有任何维护，放假了! </a:t>
@@ -6153,7 +6275,7 @@
               <a:spcBef>
                 <a:spcPts val="4100"/>
               </a:spcBef>
-              <a:defRPr sz="3640"/>
+              <a:defRPr sz="3639"/>
             </a:pPr>
             <a:r>
               <a:t>最后大部分同学们都说自己根本没学到什么本事，然后下个学期，新的一批学生进来重复这一过程…</a:t>
@@ -6166,19 +6288,12 @@
   <p:clrMapOvr>
     <a:masterClrMapping/>
   </p:clrMapOvr>
-  <mc:AlternateContent xmlns:mc="http://schemas.openxmlformats.org/markup-compatibility/2006">
-    <mc:Choice xmlns:p14="http://schemas.microsoft.com/office/powerpoint/2010/main" Requires="p14">
-      <p:transition spd="med" p14:dur="1000"/>
-    </mc:Choice>
-    <mc:Fallback>
-      <p:transition spd="med"/>
-    </mc:Fallback>
-  </mc:AlternateContent>
+  <p:transition xmlns:p14="http://schemas.microsoft.com/office/powerpoint/2010/main" spd="med" advClick="1" p14:dur="1000"/>
 </p:sld>
 </file>
 
 <file path=ppt/slides/slide20.xml><?xml version="1.0" encoding="utf-8"?>
-<p:sld xmlns:a="http://schemas.openxmlformats.org/drawingml/2006/main" xmlns:r="http://schemas.openxmlformats.org/officeDocument/2006/relationships" xmlns:p="http://schemas.openxmlformats.org/presentationml/2006/main">
+<p:sld xmlns:a="http://schemas.openxmlformats.org/drawingml/2006/main" xmlns:r="http://schemas.openxmlformats.org/officeDocument/2006/relationships" xmlns:p="http://schemas.openxmlformats.org/presentationml/2006/main" showMasterSp="1" showMasterPhAnim="1">
   <p:cSld>
     <p:spTree>
       <p:nvGrpSpPr>
@@ -6211,6 +6326,7 @@
           <a:bodyPr/>
           <a:lstStyle/>
           <a:p>
+            <a:pPr/>
             <a:r>
               <a:t>课程主页</a:t>
             </a:r>
@@ -6234,18 +6350,22 @@
           <a:bodyPr/>
           <a:lstStyle/>
           <a:p>
-            <a:r>
-              <a:rPr u="sng"/>
+            <a:pPr/>
+            <a:r>
+              <a:rPr u="sng">
+                <a:hlinkClick r:id="rId2" invalidUrl="" action="" tgtFrame="" tooltip="" history="1" highlightClick="0" endSnd="0"/>
+              </a:rPr>
               <a:t>https://gitee.com/mengning997/se</a:t>
             </a:r>
-            <a:endParaRPr u="sng"/>
-          </a:p>
-          <a:p>
-            <a:r>
-              <a:rPr u="sng"/>
+          </a:p>
+          <a:p>
+            <a:pPr/>
+            <a:r>
+              <a:rPr u="sng">
+                <a:hlinkClick r:id="rId3" invalidUrl="" action="" tgtFrame="" tooltip="" history="1" highlightClick="0" endSnd="0"/>
+              </a:rPr>
               <a:t>mengning@ustc.edu.cn</a:t>
             </a:r>
-            <a:endParaRPr u="sng"/>
           </a:p>
         </p:txBody>
       </p:sp>
@@ -6258,7 +6378,9 @@
           <p:nvPr/>
         </p:nvPicPr>
         <p:blipFill>
-          <a:blip r:embed="rId1"/>
+          <a:blip r:embed="rId4">
+            <a:extLst/>
+          </a:blip>
           <a:stretch>
             <a:fillRect/>
           </a:stretch>
@@ -6273,8 +6395,6 @@
           </a:prstGeom>
           <a:ln w="12700">
             <a:miter lim="400000"/>
-            <a:headEnd/>
-            <a:tailEnd/>
           </a:ln>
         </p:spPr>
       </p:pic>
@@ -6295,6 +6415,11 @@
           <a:ln w="12700">
             <a:miter lim="400000"/>
           </a:ln>
+          <a:extLst>
+            <a:ext uri="{C572A759-6A51-4108-AA02-DFA0A04FC94B}">
+              <ma14:wrappingTextBoxFlag xmlns:ma14="http://schemas.microsoft.com/office/mac/drawingml/2011/main" val="1"/>
+            </a:ext>
+          </a:extLst>
         </p:spPr>
         <p:txBody>
           <a:bodyPr wrap="none" lIns="50800" tIns="50800" rIns="50800" bIns="50800" anchor="ctr">
@@ -6306,6 +6431,7 @@
             </a:lvl1pPr>
           </a:lstStyle>
           <a:p>
+            <a:pPr/>
             <a:r>
               <a:t>关注孟宁</a:t>
             </a:r>
@@ -6317,19 +6443,12 @@
   <p:clrMapOvr>
     <a:masterClrMapping/>
   </p:clrMapOvr>
-  <mc:AlternateContent xmlns:mc="http://schemas.openxmlformats.org/markup-compatibility/2006">
-    <mc:Choice xmlns:p14="http://schemas.microsoft.com/office/powerpoint/2010/main" Requires="p14">
-      <p:transition spd="med" p14:dur="1000"/>
-    </mc:Choice>
-    <mc:Fallback>
-      <p:transition spd="med"/>
-    </mc:Fallback>
-  </mc:AlternateContent>
+  <p:transition xmlns:p14="http://schemas.microsoft.com/office/powerpoint/2010/main" spd="med" advClick="1" p14:dur="1000"/>
 </p:sld>
 </file>
 
 <file path=ppt/slides/slide3.xml><?xml version="1.0" encoding="utf-8"?>
-<p:sld xmlns:a="http://schemas.openxmlformats.org/drawingml/2006/main" xmlns:r="http://schemas.openxmlformats.org/officeDocument/2006/relationships" xmlns:p="http://schemas.openxmlformats.org/presentationml/2006/main">
+<p:sld xmlns:a="http://schemas.openxmlformats.org/drawingml/2006/main" xmlns:r="http://schemas.openxmlformats.org/officeDocument/2006/relationships" xmlns:p="http://schemas.openxmlformats.org/presentationml/2006/main" showMasterSp="1" showMasterPhAnim="1">
   <p:cSld>
     <p:spTree>
       <p:nvGrpSpPr>
@@ -6362,6 +6481,7 @@
           <a:bodyPr/>
           <a:lstStyle/>
           <a:p>
+            <a:pPr/>
             <a:r>
               <a:t>How SE should be taught</a:t>
             </a:r>
@@ -6385,77 +6505,77 @@
           <a:bodyPr/>
           <a:lstStyle/>
           <a:p>
-            <a:pPr marL="482600" indent="-482600" defTabSz="627380">
+            <a:pPr marL="482600" indent="-482600" defTabSz="627379">
               <a:spcBef>
                 <a:spcPts val="4400"/>
               </a:spcBef>
-              <a:defRPr sz="3950"/>
+              <a:defRPr sz="3952"/>
             </a:pPr>
             <a:r>
               <a:t>需求分析：分析现有软件,  用你们写的软件的用户量来证明你了解用户的需求</a:t>
             </a:r>
           </a:p>
           <a:p>
-            <a:pPr marL="482600" indent="-482600" defTabSz="627380">
+            <a:pPr marL="482600" indent="-482600" defTabSz="627379">
               <a:spcBef>
                 <a:spcPts val="4400"/>
               </a:spcBef>
-              <a:defRPr sz="3950"/>
+              <a:defRPr sz="3952"/>
             </a:pPr>
             <a:r>
               <a:t>设计阶段：用快速发布来证明设计是有效的,  能适应变化的。</a:t>
             </a:r>
           </a:p>
           <a:p>
-            <a:pPr marL="482600" indent="-482600" defTabSz="627380">
+            <a:pPr marL="482600" indent="-482600" defTabSz="627379">
               <a:spcBef>
                 <a:spcPts val="4400"/>
               </a:spcBef>
-              <a:defRPr sz="3950"/>
+              <a:defRPr sz="3952"/>
             </a:pPr>
             <a:r>
               <a:t>实现阶段：用各种软件工程的衡量手段来证明大家实现的能力。</a:t>
             </a:r>
           </a:p>
           <a:p>
-            <a:pPr marL="482600" indent="-482600" defTabSz="627380">
+            <a:pPr marL="482600" indent="-482600" defTabSz="627379">
               <a:spcBef>
                 <a:spcPts val="4400"/>
               </a:spcBef>
-              <a:defRPr sz="3950"/>
+              <a:defRPr sz="3952"/>
             </a:pPr>
             <a:r>
               <a:t>稳定阶段：证明测试能否覆盖代码的大部分。 </a:t>
             </a:r>
           </a:p>
           <a:p>
-            <a:pPr marL="482600" indent="-482600" defTabSz="627380">
+            <a:pPr marL="482600" indent="-482600" defTabSz="627379">
               <a:spcBef>
                 <a:spcPts val="4400"/>
               </a:spcBef>
-              <a:defRPr sz="3950"/>
+              <a:defRPr sz="3952"/>
             </a:pPr>
             <a:r>
               <a:t>发布阶段： 如期发布, 用户量,  用户评价。 </a:t>
             </a:r>
           </a:p>
           <a:p>
-            <a:pPr marL="482600" indent="-482600" defTabSz="627380">
+            <a:pPr marL="482600" indent="-482600" defTabSz="627379">
               <a:spcBef>
                 <a:spcPts val="4400"/>
               </a:spcBef>
-              <a:defRPr sz="3950"/>
+              <a:defRPr sz="3952"/>
             </a:pPr>
             <a:r>
               <a:t>维护阶段：网上的观众或下一个年级的同学能很愿意接手你们的软件。  </a:t>
             </a:r>
           </a:p>
           <a:p>
-            <a:pPr marL="482600" indent="-482600" defTabSz="627380">
+            <a:pPr marL="482600" indent="-482600" defTabSz="627379">
               <a:spcBef>
                 <a:spcPts val="4400"/>
               </a:spcBef>
-              <a:defRPr sz="3950"/>
+              <a:defRPr sz="3952"/>
             </a:pPr>
             <a:r>
               <a:t>最后大部分同学们能说:  自己做了一个有人用，有生命的软件。 然后下个学期，新的一批学生进来提高这一过程…</a:t>
@@ -6468,19 +6588,12 @@
   <p:clrMapOvr>
     <a:masterClrMapping/>
   </p:clrMapOvr>
-  <mc:AlternateContent xmlns:mc="http://schemas.openxmlformats.org/markup-compatibility/2006">
-    <mc:Choice xmlns:p14="http://schemas.microsoft.com/office/powerpoint/2010/main" Requires="p14">
-      <p:transition spd="med" p14:dur="1000"/>
-    </mc:Choice>
-    <mc:Fallback>
-      <p:transition spd="med"/>
-    </mc:Fallback>
-  </mc:AlternateContent>
+  <p:transition xmlns:p14="http://schemas.microsoft.com/office/powerpoint/2010/main" spd="med" advClick="1" p14:dur="1000"/>
 </p:sld>
 </file>
 
 <file path=ppt/slides/slide4.xml><?xml version="1.0" encoding="utf-8"?>
-<p:sld xmlns:a="http://schemas.openxmlformats.org/drawingml/2006/main" xmlns:r="http://schemas.openxmlformats.org/officeDocument/2006/relationships" xmlns:p="http://schemas.openxmlformats.org/presentationml/2006/main">
+<p:sld xmlns:a="http://schemas.openxmlformats.org/drawingml/2006/main" xmlns:r="http://schemas.openxmlformats.org/officeDocument/2006/relationships" xmlns:p="http://schemas.openxmlformats.org/presentationml/2006/main" showMasterSp="1" showMasterPhAnim="1">
   <p:cSld>
     <p:spTree>
       <p:nvGrpSpPr>
@@ -6513,6 +6626,7 @@
           <a:bodyPr/>
           <a:lstStyle/>
           <a:p>
+            <a:pPr/>
             <a:r>
               <a:t>现实 vs. 理想</a:t>
             </a:r>
@@ -6624,10 +6738,15 @@
           <a:ln w="12700">
             <a:miter lim="400000"/>
           </a:ln>
+          <a:extLst>
+            <a:ext uri="{C572A759-6A51-4108-AA02-DFA0A04FC94B}">
+              <ma14:wrappingTextBoxFlag xmlns:ma14="http://schemas.microsoft.com/office/mac/drawingml/2011/main" val="1"/>
+            </a:ext>
+          </a:extLst>
         </p:spPr>
         <p:txBody>
           <a:bodyPr lIns="50800" tIns="50800" rIns="50800" bIns="50800" anchor="ctr">
-            <a:normAutofit/>
+            <a:normAutofit fontScale="100000" lnSpcReduction="0"/>
           </a:bodyPr>
           <a:lstStyle/>
           <a:p>
@@ -6637,7 +6756,7 @@
               </a:spcBef>
               <a:buSzPct val="75000"/>
               <a:buChar char="•"/>
-              <a:defRPr sz="3640"/>
+              <a:defRPr sz="3639"/>
             </a:pPr>
             <a:r>
               <a:t>需求分析：分析现有软件, 归纳初步需求；基础差的同学学习技术</a:t>
@@ -6650,7 +6769,7 @@
               </a:spcBef>
               <a:buSzPct val="75000"/>
               <a:buChar char="•"/>
-              <a:defRPr sz="3640"/>
+              <a:defRPr sz="3639"/>
             </a:pPr>
             <a:r>
               <a:t>设计阶段：用快速发布来证明设计是有效的,  能适应变化的。</a:t>
@@ -6663,7 +6782,7 @@
               </a:spcBef>
               <a:buSzPct val="75000"/>
               <a:buChar char="•"/>
-              <a:defRPr sz="3640"/>
+              <a:defRPr sz="3639"/>
             </a:pPr>
             <a:r>
               <a:t>实现阶段：用各种软件工程的衡量手段来证明大家实现的能力。</a:t>
@@ -6676,7 +6795,7 @@
               </a:spcBef>
               <a:buSzPct val="75000"/>
               <a:buChar char="•"/>
-              <a:defRPr sz="3640"/>
+              <a:defRPr sz="3639"/>
             </a:pPr>
             <a:r>
               <a:t>稳定阶段：证明测试能否覆盖代码的大部分。 </a:t>
@@ -6689,7 +6808,7 @@
               </a:spcBef>
               <a:buSzPct val="75000"/>
               <a:buChar char="•"/>
-              <a:defRPr sz="3640"/>
+              <a:defRPr sz="3639"/>
             </a:pPr>
             <a:r>
               <a:t>发布阶段： 如期发布, 用户量,  用户评价。</a:t>
@@ -6702,7 +6821,7 @@
               </a:spcBef>
               <a:buSzPct val="75000"/>
               <a:buChar char="•"/>
-              <a:defRPr sz="3640"/>
+              <a:defRPr sz="3639"/>
             </a:pPr>
             <a:r>
               <a:t>维护阶段：网上的观众或下一个年级的同学能很愿意接手你们的软件。  </a:t>
@@ -6715,19 +6834,12 @@
   <p:clrMapOvr>
     <a:masterClrMapping/>
   </p:clrMapOvr>
-  <mc:AlternateContent xmlns:mc="http://schemas.openxmlformats.org/markup-compatibility/2006">
-    <mc:Choice xmlns:p14="http://schemas.microsoft.com/office/powerpoint/2010/main" Requires="p14">
-      <p:transition spd="med" p14:dur="1000"/>
-    </mc:Choice>
-    <mc:Fallback>
-      <p:transition spd="med"/>
-    </mc:Fallback>
-  </mc:AlternateContent>
+  <p:transition xmlns:p14="http://schemas.microsoft.com/office/powerpoint/2010/main" spd="med" advClick="1" p14:dur="1000"/>
 </p:sld>
 </file>
 
 <file path=ppt/slides/slide5.xml><?xml version="1.0" encoding="utf-8"?>
-<p:sld xmlns:a="http://schemas.openxmlformats.org/drawingml/2006/main" xmlns:r="http://schemas.openxmlformats.org/officeDocument/2006/relationships" xmlns:p="http://schemas.openxmlformats.org/presentationml/2006/main">
+<p:sld xmlns:a="http://schemas.openxmlformats.org/drawingml/2006/main" xmlns:r="http://schemas.openxmlformats.org/officeDocument/2006/relationships" xmlns:p="http://schemas.openxmlformats.org/presentationml/2006/main" showMasterSp="1" showMasterPhAnim="1">
   <p:cSld>
     <p:spTree>
       <p:nvGrpSpPr>
@@ -6760,6 +6872,7 @@
           <a:bodyPr/>
           <a:lstStyle/>
           <a:p>
+            <a:pPr/>
             <a:r>
               <a:t>I want to teach SE this way</a:t>
             </a:r>
@@ -6783,21 +6896,25 @@
           <a:bodyPr/>
           <a:lstStyle/>
           <a:p>
+            <a:pPr/>
             <a:r>
               <a:t>现实与理想之间需要一些适当的台阶</a:t>
             </a:r>
           </a:p>
           <a:p>
+            <a:pPr/>
             <a:r>
               <a:t>Step by Step，Learning by doing</a:t>
             </a:r>
           </a:p>
           <a:p>
+            <a:pPr/>
             <a:r>
               <a:t>由近及远、由浅入深、多学多练，有针对性的训练程序员的基本功</a:t>
             </a:r>
           </a:p>
           <a:p>
+            <a:pPr/>
             <a:r>
               <a:t>单项技能训练（课程实验作业） + 工程实践项目（学院统一组织）</a:t>
             </a:r>
@@ -6809,19 +6926,12 @@
   <p:clrMapOvr>
     <a:masterClrMapping/>
   </p:clrMapOvr>
-  <mc:AlternateContent xmlns:mc="http://schemas.openxmlformats.org/markup-compatibility/2006">
-    <mc:Choice xmlns:p14="http://schemas.microsoft.com/office/powerpoint/2010/main" Requires="p14">
-      <p:transition spd="med" p14:dur="1000"/>
-    </mc:Choice>
-    <mc:Fallback>
-      <p:transition spd="med"/>
-    </mc:Fallback>
-  </mc:AlternateContent>
+  <p:transition xmlns:p14="http://schemas.microsoft.com/office/powerpoint/2010/main" spd="med" advClick="1" p14:dur="1000"/>
 </p:sld>
 </file>
 
 <file path=ppt/slides/slide6.xml><?xml version="1.0" encoding="utf-8"?>
-<p:sld xmlns:a="http://schemas.openxmlformats.org/drawingml/2006/main" xmlns:r="http://schemas.openxmlformats.org/officeDocument/2006/relationships" xmlns:p="http://schemas.openxmlformats.org/presentationml/2006/main">
+<p:sld xmlns:a="http://schemas.openxmlformats.org/drawingml/2006/main" xmlns:r="http://schemas.openxmlformats.org/officeDocument/2006/relationships" xmlns:p="http://schemas.openxmlformats.org/presentationml/2006/main" showMasterSp="1" showMasterPhAnim="1">
   <p:cSld>
     <p:spTree>
       <p:nvGrpSpPr>
@@ -6854,14 +6964,19 @@
           <a:ln w="12700">
             <a:miter lim="400000"/>
           </a:ln>
+          <a:extLst>
+            <a:ext uri="{C572A759-6A51-4108-AA02-DFA0A04FC94B}">
+              <ma14:wrappingTextBoxFlag xmlns:ma14="http://schemas.microsoft.com/office/mac/drawingml/2011/main" val="1"/>
+            </a:ext>
+          </a:extLst>
         </p:spPr>
         <p:txBody>
           <a:bodyPr tIns="91439" bIns="91439">
-            <a:normAutofit/>
+            <a:normAutofit fontScale="100000" lnSpcReduction="0"/>
           </a:bodyPr>
           <a:lstStyle/>
           <a:p>
-            <a:pPr marL="758825" indent="-640080" algn="l" defTabSz="1828800">
+            <a:pPr marL="758952" indent="-640080" algn="l" defTabSz="1828800">
               <a:lnSpc>
                 <a:spcPct val="90000"/>
               </a:lnSpc>
@@ -6869,13 +6984,13 @@
                 <a:srgbClr val="F0AD00"/>
               </a:buClr>
               <a:buSzPct val="80000"/>
-              <a:buFont typeface="Wingdings 2" panose="05020102010507070707"/>
+              <a:buFont typeface="Wingdings 2"/>
               <a:buChar char="◼"/>
               <a:defRPr sz="5800">
-                <a:latin typeface="Corbel" panose="020B0503020204020204"/>
-                <a:ea typeface="Corbel" panose="020B0503020204020204"/>
-                <a:cs typeface="Corbel" panose="020B0503020204020204"/>
-                <a:sym typeface="Corbel" panose="020B0503020204020204"/>
+                <a:latin typeface="Corbel"/>
+                <a:ea typeface="Corbel"/>
+                <a:cs typeface="Corbel"/>
+                <a:sym typeface="Corbel"/>
               </a:defRPr>
             </a:pPr>
             <a:r>
@@ -6883,7 +6998,7 @@
             </a:r>
           </a:p>
           <a:p>
-            <a:pPr marL="1307465" lvl="1" indent="-914400" algn="l" defTabSz="1828800">
+            <a:pPr lvl="1" marL="1307591" indent="-914400" algn="l" defTabSz="1828800">
               <a:lnSpc>
                 <a:spcPct val="90000"/>
               </a:lnSpc>
@@ -6894,12 +7009,12 @@
                 <a:srgbClr val="60B5CC"/>
               </a:buClr>
               <a:buSzPct val="90000"/>
-              <a:buAutoNum type="alphaLcParenR"/>
+              <a:buAutoNum type="alphaLcParenR" startAt="1"/>
               <a:defRPr>
-                <a:latin typeface="Corbel" panose="020B0503020204020204"/>
-                <a:ea typeface="Corbel" panose="020B0503020204020204"/>
-                <a:cs typeface="Corbel" panose="020B0503020204020204"/>
-                <a:sym typeface="Corbel" panose="020B0503020204020204"/>
+                <a:latin typeface="Corbel"/>
+                <a:ea typeface="Corbel"/>
+                <a:cs typeface="Corbel"/>
+                <a:sym typeface="Corbel"/>
               </a:defRPr>
             </a:pPr>
             <a:r>
@@ -6907,7 +7022,7 @@
             </a:r>
           </a:p>
           <a:p>
-            <a:pPr marL="1307465" lvl="1" indent="-914400" algn="l" defTabSz="1828800">
+            <a:pPr lvl="1" marL="1307591" indent="-914400" algn="l" defTabSz="1828800">
               <a:lnSpc>
                 <a:spcPct val="90000"/>
               </a:lnSpc>
@@ -6918,12 +7033,12 @@
                 <a:srgbClr val="60B5CC"/>
               </a:buClr>
               <a:buSzPct val="90000"/>
-              <a:buAutoNum type="alphaLcParenR"/>
+              <a:buAutoNum type="alphaLcParenR" startAt="1"/>
               <a:defRPr>
-                <a:latin typeface="Corbel" panose="020B0503020204020204"/>
-                <a:ea typeface="Corbel" panose="020B0503020204020204"/>
-                <a:cs typeface="Corbel" panose="020B0503020204020204"/>
-                <a:sym typeface="Corbel" panose="020B0503020204020204"/>
+                <a:latin typeface="Corbel"/>
+                <a:ea typeface="Corbel"/>
+                <a:cs typeface="Corbel"/>
+                <a:sym typeface="Corbel"/>
               </a:defRPr>
             </a:pPr>
             <a:r>
@@ -6931,7 +7046,7 @@
             </a:r>
           </a:p>
           <a:p>
-            <a:pPr marL="1307465" lvl="1" indent="-914400" algn="l" defTabSz="1828800">
+            <a:pPr lvl="1" marL="1307591" indent="-914400" algn="l" defTabSz="1828800">
               <a:lnSpc>
                 <a:spcPct val="90000"/>
               </a:lnSpc>
@@ -6942,12 +7057,12 @@
                 <a:srgbClr val="60B5CC"/>
               </a:buClr>
               <a:buSzPct val="90000"/>
-              <a:buAutoNum type="alphaLcParenR"/>
+              <a:buAutoNum type="alphaLcParenR" startAt="1"/>
               <a:defRPr>
-                <a:latin typeface="Corbel" panose="020B0503020204020204"/>
-                <a:ea typeface="Corbel" panose="020B0503020204020204"/>
-                <a:cs typeface="Corbel" panose="020B0503020204020204"/>
-                <a:sym typeface="Corbel" panose="020B0503020204020204"/>
+                <a:latin typeface="Corbel"/>
+                <a:ea typeface="Corbel"/>
+                <a:cs typeface="Corbel"/>
+                <a:sym typeface="Corbel"/>
               </a:defRPr>
             </a:pPr>
             <a:r>
@@ -6955,7 +7070,7 @@
             </a:r>
           </a:p>
           <a:p>
-            <a:pPr marL="1307465" lvl="1" indent="-914400" algn="l" defTabSz="1828800">
+            <a:pPr lvl="1" marL="1307591" indent="-914400" algn="l" defTabSz="1828800">
               <a:lnSpc>
                 <a:spcPct val="90000"/>
               </a:lnSpc>
@@ -6966,12 +7081,12 @@
                 <a:srgbClr val="60B5CC"/>
               </a:buClr>
               <a:buSzPct val="90000"/>
-              <a:buAutoNum type="alphaLcParenR"/>
+              <a:buAutoNum type="alphaLcParenR" startAt="1"/>
               <a:defRPr>
-                <a:latin typeface="Corbel" panose="020B0503020204020204"/>
-                <a:ea typeface="Corbel" panose="020B0503020204020204"/>
-                <a:cs typeface="Corbel" panose="020B0503020204020204"/>
-                <a:sym typeface="Corbel" panose="020B0503020204020204"/>
+                <a:latin typeface="Corbel"/>
+                <a:ea typeface="Corbel"/>
+                <a:cs typeface="Corbel"/>
+                <a:sym typeface="Corbel"/>
               </a:defRPr>
             </a:pPr>
             <a:r>
@@ -6985,7 +7100,7 @@
             </a:r>
           </a:p>
           <a:p>
-            <a:pPr marL="1307465" lvl="1" indent="-914400" algn="l" defTabSz="1828800">
+            <a:pPr lvl="1" marL="1307591" indent="-914400" algn="l" defTabSz="1828800">
               <a:lnSpc>
                 <a:spcPct val="90000"/>
               </a:lnSpc>
@@ -6996,12 +7111,12 @@
                 <a:srgbClr val="60B5CC"/>
               </a:buClr>
               <a:buSzPct val="90000"/>
-              <a:buAutoNum type="alphaLcParenR"/>
+              <a:buAutoNum type="alphaLcParenR" startAt="1"/>
               <a:defRPr>
-                <a:latin typeface="Corbel" panose="020B0503020204020204"/>
-                <a:ea typeface="Corbel" panose="020B0503020204020204"/>
-                <a:cs typeface="Corbel" panose="020B0503020204020204"/>
-                <a:sym typeface="Corbel" panose="020B0503020204020204"/>
+                <a:latin typeface="Corbel"/>
+                <a:ea typeface="Corbel"/>
+                <a:cs typeface="Corbel"/>
+                <a:sym typeface="Corbel"/>
               </a:defRPr>
             </a:pPr>
             <a:r>
@@ -7025,7 +7140,9 @@
           <p:nvPr/>
         </p:nvPicPr>
         <p:blipFill>
-          <a:blip r:embed="rId1"/>
+          <a:blip r:embed="rId2">
+            <a:extLst/>
+          </a:blip>
           <a:stretch>
             <a:fillRect/>
           </a:stretch>
@@ -7040,8 +7157,6 @@
           </a:prstGeom>
           <a:ln w="12700">
             <a:miter lim="400000"/>
-            <a:headEnd/>
-            <a:tailEnd/>
           </a:ln>
         </p:spPr>
       </p:pic>
@@ -7050,21 +7165,14 @@
   <p:clrMapOvr>
     <a:masterClrMapping/>
   </p:clrMapOvr>
-  <mc:AlternateContent xmlns:mc="http://schemas.openxmlformats.org/markup-compatibility/2006">
-    <mc:Choice xmlns:p14="http://schemas.microsoft.com/office/powerpoint/2010/main" Requires="p14">
-      <p:transition spd="med" p14:dur="1000"/>
-    </mc:Choice>
-    <mc:Fallback>
-      <p:transition spd="med"/>
-    </mc:Fallback>
-  </mc:AlternateContent>
+  <p:transition xmlns:p14="http://schemas.microsoft.com/office/powerpoint/2010/main" spd="med" advClick="1" p14:dur="1000"/>
   <p:timing>
     <p:tnLst>
       <p:par>
-        <p:cTn id="1" dur="indefinite" restart="never" fill="hold" nodeType="tmRoot">
+        <p:cTn id="1" nodeType="tmRoot" restart="never" dur="indefinite" fill="hold">
           <p:childTnLst>
-            <p:seq concurrent="1" nextAc="seek">
-              <p:cTn id="2" dur="indefinite" fill="hold" nodeType="mainSeq">
+            <p:seq concurrent="1" prevAc="none" nextAc="seek">
+              <p:cTn id="2" nodeType="mainSeq" dur="indefinite" fill="hold">
                 <p:childTnLst>
                   <p:par>
                     <p:cTn id="3" fill="hold">
@@ -7079,17 +7187,17 @@
                             </p:stCondLst>
                             <p:childTnLst>
                               <p:par>
-                                <p:cTn id="5" presetID="9" presetClass="entr" presetSubtype="0" fill="hold" grpId="1" nodeType="clickEffect">
+                                <p:cTn id="5" presetClass="entr" nodeType="clickEffect" presetID="9" grpId="1" fill="hold">
                                   <p:stCondLst>
                                     <p:cond delay="0"/>
                                   </p:stCondLst>
-                                  <p:iterate type="el">
+                                  <p:iterate type="el" backwards="0">
                                     <p:tmAbs val="0"/>
                                   </p:iterate>
                                   <p:childTnLst>
                                     <p:set>
                                       <p:cBhvr>
-                                        <p:cTn id="6" dur="indefinite" fill="hold"/>
+                                        <p:cTn id="6" fill="hold"/>
                                         <p:tgtEl>
                                           <p:spTgt spid="148">
                                             <p:bg/>
@@ -7103,7 +7211,7 @@
                                         <p:strVal val="visible"/>
                                       </p:to>
                                     </p:set>
-                                    <p:animEffect transition="in" filter="dissolve">
+                                    <p:animEffect filter="dissolve" transition="in">
                                       <p:cBhvr>
                                         <p:cTn id="7" dur="2000"/>
                                         <p:tgtEl>
@@ -7117,17 +7225,17 @@
                                 </p:cTn>
                               </p:par>
                               <p:par>
-                                <p:cTn id="8" presetID="9" presetClass="entr" presetSubtype="0" fill="hold" grpId="1" nodeType="withEffect">
+                                <p:cTn id="8" presetClass="entr" nodeType="withEffect" presetSubtype="0" presetID="9" grpId="1" fill="hold">
                                   <p:stCondLst>
                                     <p:cond delay="0"/>
                                   </p:stCondLst>
-                                  <p:iterate type="el">
+                                  <p:iterate type="el" backwards="0">
                                     <p:tmAbs val="0"/>
                                   </p:iterate>
                                   <p:childTnLst>
                                     <p:set>
                                       <p:cBhvr>
-                                        <p:cTn id="9" dur="indefinite" fill="hold"/>
+                                        <p:cTn id="9" fill="hold"/>
                                         <p:tgtEl>
                                           <p:spTgt spid="148">
                                             <p:txEl>
@@ -7143,7 +7251,7 @@
                                         <p:strVal val="visible"/>
                                       </p:to>
                                     </p:set>
-                                    <p:animEffect transition="in" filter="dissolve">
+                                    <p:animEffect filter="dissolve" transition="in">
                                       <p:cBhvr>
                                         <p:cTn id="10" dur="2000"/>
                                         <p:tgtEl>
@@ -7177,17 +7285,17 @@
                             </p:stCondLst>
                             <p:childTnLst>
                               <p:par>
-                                <p:cTn id="13" presetID="9" presetClass="entr" presetSubtype="0" fill="hold" grpId="1" nodeType="clickEffect">
+                                <p:cTn id="13" presetClass="entr" nodeType="clickEffect" presetID="9" grpId="1" fill="hold">
                                   <p:stCondLst>
                                     <p:cond delay="0"/>
                                   </p:stCondLst>
-                                  <p:iterate type="el">
+                                  <p:iterate type="el" backwards="0">
                                     <p:tmAbs val="0"/>
                                   </p:iterate>
                                   <p:childTnLst>
                                     <p:set>
                                       <p:cBhvr>
-                                        <p:cTn id="14" dur="indefinite" fill="hold"/>
+                                        <p:cTn id="14" fill="hold"/>
                                         <p:tgtEl>
                                           <p:spTgt spid="148">
                                             <p:txEl>
@@ -7203,7 +7311,7 @@
                                         <p:strVal val="visible"/>
                                       </p:to>
                                     </p:set>
-                                    <p:animEffect transition="in" filter="dissolve">
+                                    <p:animEffect filter="dissolve" transition="in">
                                       <p:cBhvr>
                                         <p:cTn id="15" dur="2000"/>
                                         <p:tgtEl>
@@ -7237,17 +7345,17 @@
                             </p:stCondLst>
                             <p:childTnLst>
                               <p:par>
-                                <p:cTn id="18" presetID="9" presetClass="entr" presetSubtype="0" fill="hold" grpId="1" nodeType="clickEffect">
+                                <p:cTn id="18" presetClass="entr" nodeType="clickEffect" presetID="9" grpId="1" fill="hold">
                                   <p:stCondLst>
                                     <p:cond delay="0"/>
                                   </p:stCondLst>
-                                  <p:iterate type="el">
+                                  <p:iterate type="el" backwards="0">
                                     <p:tmAbs val="0"/>
                                   </p:iterate>
                                   <p:childTnLst>
                                     <p:set>
                                       <p:cBhvr>
-                                        <p:cTn id="19" dur="indefinite" fill="hold"/>
+                                        <p:cTn id="19" fill="hold"/>
                                         <p:tgtEl>
                                           <p:spTgt spid="148">
                                             <p:txEl>
@@ -7263,7 +7371,7 @@
                                         <p:strVal val="visible"/>
                                       </p:to>
                                     </p:set>
-                                    <p:animEffect transition="in" filter="dissolve">
+                                    <p:animEffect filter="dissolve" transition="in">
                                       <p:cBhvr>
                                         <p:cTn id="20" dur="2000"/>
                                         <p:tgtEl>
@@ -7297,17 +7405,17 @@
                             </p:stCondLst>
                             <p:childTnLst>
                               <p:par>
-                                <p:cTn id="23" presetID="9" presetClass="entr" presetSubtype="0" fill="hold" grpId="1" nodeType="clickEffect">
+                                <p:cTn id="23" presetClass="entr" nodeType="clickEffect" presetID="9" grpId="1" fill="hold">
                                   <p:stCondLst>
                                     <p:cond delay="0"/>
                                   </p:stCondLst>
-                                  <p:iterate type="el">
+                                  <p:iterate type="el" backwards="0">
                                     <p:tmAbs val="0"/>
                                   </p:iterate>
                                   <p:childTnLst>
                                     <p:set>
                                       <p:cBhvr>
-                                        <p:cTn id="24" dur="indefinite" fill="hold"/>
+                                        <p:cTn id="24" fill="hold"/>
                                         <p:tgtEl>
                                           <p:spTgt spid="148">
                                             <p:txEl>
@@ -7323,7 +7431,7 @@
                                         <p:strVal val="visible"/>
                                       </p:to>
                                     </p:set>
-                                    <p:animEffect transition="in" filter="dissolve">
+                                    <p:animEffect filter="dissolve" transition="in">
                                       <p:cBhvr>
                                         <p:cTn id="25" dur="2000"/>
                                         <p:tgtEl>
@@ -7357,17 +7465,17 @@
                             </p:stCondLst>
                             <p:childTnLst>
                               <p:par>
-                                <p:cTn id="28" presetID="9" presetClass="entr" presetSubtype="0" fill="hold" grpId="1" nodeType="clickEffect">
+                                <p:cTn id="28" presetClass="entr" nodeType="clickEffect" presetID="9" grpId="1" fill="hold">
                                   <p:stCondLst>
                                     <p:cond delay="0"/>
                                   </p:stCondLst>
-                                  <p:iterate type="el">
+                                  <p:iterate type="el" backwards="0">
                                     <p:tmAbs val="0"/>
                                   </p:iterate>
                                   <p:childTnLst>
                                     <p:set>
                                       <p:cBhvr>
-                                        <p:cTn id="29" dur="indefinite" fill="hold"/>
+                                        <p:cTn id="29" fill="hold"/>
                                         <p:tgtEl>
                                           <p:spTgt spid="148">
                                             <p:txEl>
@@ -7383,7 +7491,7 @@
                                         <p:strVal val="visible"/>
                                       </p:to>
                                     </p:set>
-                                    <p:animEffect transition="in" filter="dissolve">
+                                    <p:animEffect filter="dissolve" transition="in">
                                       <p:cBhvr>
                                         <p:cTn id="30" dur="2000"/>
                                         <p:tgtEl>
@@ -7417,17 +7525,17 @@
                             </p:stCondLst>
                             <p:childTnLst>
                               <p:par>
-                                <p:cTn id="33" presetID="9" presetClass="entr" presetSubtype="0" fill="hold" grpId="1" nodeType="clickEffect">
+                                <p:cTn id="33" presetClass="entr" nodeType="clickEffect" presetID="9" grpId="1" fill="hold">
                                   <p:stCondLst>
                                     <p:cond delay="0"/>
                                   </p:stCondLst>
-                                  <p:iterate type="el">
+                                  <p:iterate type="el" backwards="0">
                                     <p:tmAbs val="0"/>
                                   </p:iterate>
                                   <p:childTnLst>
                                     <p:set>
                                       <p:cBhvr>
-                                        <p:cTn id="34" dur="indefinite" fill="hold"/>
+                                        <p:cTn id="34" fill="hold"/>
                                         <p:tgtEl>
                                           <p:spTgt spid="148">
                                             <p:txEl>
@@ -7443,7 +7551,7 @@
                                         <p:strVal val="visible"/>
                                       </p:to>
                                     </p:set>
-                                    <p:animEffect transition="in" filter="dissolve">
+                                    <p:animEffect filter="dissolve" transition="in">
                                       <p:cBhvr>
                                         <p:cTn id="35" dur="2000"/>
                                         <p:tgtEl>
@@ -7477,7 +7585,7 @@
                             </p:stCondLst>
                             <p:childTnLst>
                               <p:par>
-                                <p:cTn id="38" presetID="6" presetClass="emph" presetSubtype="0" accel="50000" decel="50000" fill="hold" grpId="2" nodeType="clickEffect">
+                                <p:cTn id="38" presetClass="emph" nodeType="clickEffect" presetSubtype="0" presetID="6" grpId="2" accel="50000" decel="50000" fill="hold">
                                   <p:stCondLst>
                                     <p:cond delay="0"/>
                                   </p:stCondLst>
@@ -7496,6 +7604,46 @@
                                       <p:by x="150000" y="150000"/>
                                     </p:animScale>
                                   </p:childTnLst>
+                                </p:cTn>
+                              </p:par>
+                              <p:par>
+                                <p:cTn id="40" presetClass="emph" nodeType="withEffect" presetSubtype="0" presetID="6" grpId="2" fill="hold">
+                                  <p:stCondLst>
+                                    <p:cond delay="0"/>
+                                  </p:stCondLst>
+                                  <p:childTnLst/>
+                                </p:cTn>
+                              </p:par>
+                              <p:par>
+                                <p:cTn id="41" presetClass="emph" nodeType="withEffect" presetSubtype="0" presetID="6" grpId="2" fill="hold">
+                                  <p:stCondLst>
+                                    <p:cond delay="0"/>
+                                  </p:stCondLst>
+                                  <p:childTnLst/>
+                                </p:cTn>
+                              </p:par>
+                              <p:par>
+                                <p:cTn id="42" presetClass="emph" nodeType="withEffect" presetSubtype="0" presetID="6" grpId="2" fill="hold">
+                                  <p:stCondLst>
+                                    <p:cond delay="0"/>
+                                  </p:stCondLst>
+                                  <p:childTnLst/>
+                                </p:cTn>
+                              </p:par>
+                              <p:par>
+                                <p:cTn id="43" presetClass="emph" nodeType="withEffect" presetSubtype="0" presetID="6" grpId="2" fill="hold">
+                                  <p:stCondLst>
+                                    <p:cond delay="0"/>
+                                  </p:stCondLst>
+                                  <p:childTnLst/>
+                                </p:cTn>
+                              </p:par>
+                              <p:par>
+                                <p:cTn id="44" presetClass="emph" nodeType="withEffect" presetSubtype="0" presetID="6" grpId="2" fill="hold">
+                                  <p:stCondLst>
+                                    <p:cond delay="0"/>
+                                  </p:stCondLst>
+                                  <p:childTnLst/>
                                 </p:cTn>
                               </p:par>
                             </p:childTnLst>
@@ -7526,15 +7674,15 @@
       </p:par>
     </p:tnLst>
     <p:bldLst>
-      <p:bldP spid="148" grpId="2" bldLvl="5" animBg="1" advAuto="0" build="p"/>
-      <p:bldP spid="148" grpId="1" bldLvl="5" animBg="1" advAuto="0" build="p"/>
+      <p:bldP build="p" bldLvl="5" animBg="1" rev="0" advAuto="0" spid="148" grpId="2"/>
+      <p:bldP build="p" bldLvl="5" animBg="1" rev="0" advAuto="0" spid="148" grpId="1"/>
     </p:bldLst>
   </p:timing>
 </p:sld>
 </file>
 
 <file path=ppt/slides/slide7.xml><?xml version="1.0" encoding="utf-8"?>
-<p:sld xmlns:a="http://schemas.openxmlformats.org/drawingml/2006/main" xmlns:r="http://schemas.openxmlformats.org/officeDocument/2006/relationships" xmlns:p="http://schemas.openxmlformats.org/presentationml/2006/main">
+<p:sld xmlns:a="http://schemas.openxmlformats.org/drawingml/2006/main" xmlns:r="http://schemas.openxmlformats.org/officeDocument/2006/relationships" xmlns:p="http://schemas.openxmlformats.org/presentationml/2006/main" showMasterSp="1" showMasterPhAnim="1">
   <p:cSld>
     <p:spTree>
       <p:nvGrpSpPr>
@@ -7567,6 +7715,7 @@
           <a:bodyPr/>
           <a:lstStyle/>
           <a:p>
+            <a:pPr/>
             <a:r>
               <a:t>I want to teach SE this way</a:t>
             </a:r>
@@ -7590,52 +7739,34 @@
           <a:bodyPr/>
           <a:lstStyle/>
           <a:p>
+            <a:pPr/>
             <a:r>
               <a:t>工欲善其事必先利其器——Typing - VSCode - Git - Vim - RegEx</a:t>
             </a:r>
           </a:p>
           <a:p>
+            <a:pPr/>
             <a:r>
               <a:t>代码中的软件工程——一个工程化C语言项目范例</a:t>
             </a:r>
           </a:p>
           <a:p>
+            <a:pPr/>
             <a:r>
               <a:t>需求分析与设计——从分析到设计的基本方法</a:t>
             </a:r>
           </a:p>
           <a:p>
+            <a:pPr/>
             <a:r>
               <a:t>软件系统设计——代码的结构、特性和描述方法</a:t>
             </a:r>
           </a:p>
           <a:p>
+            <a:pPr/>
             <a:r>
               <a:t>工程过程与项目管理——软件危机的前生后世</a:t>
             </a:r>
-          </a:p>
-          <a:p>
-            <a:r>
-              <a:rPr lang="zh-CN">
-                <a:ea typeface="宋体" panose="02010600030101010101" pitchFamily="2" charset="-122"/>
-              </a:rPr>
-              <a:t>软件集成、测试和发布</a:t>
-            </a:r>
-            <a:r>
-              <a:rPr lang="en-US" altLang="zh-CN">
-                <a:ea typeface="宋体" panose="02010600030101010101" pitchFamily="2" charset="-122"/>
-              </a:rPr>
-              <a:t>——</a:t>
-            </a:r>
-            <a:r>
-              <a:rPr lang="zh-CN">
-                <a:ea typeface="宋体" panose="02010600030101010101" pitchFamily="2" charset="-122"/>
-              </a:rPr>
-              <a:t>构建软件产品</a:t>
-            </a:r>
-            <a:endParaRPr lang="zh-CN">
-              <a:ea typeface="宋体" panose="02010600030101010101" pitchFamily="2" charset="-122"/>
-            </a:endParaRPr>
           </a:p>
         </p:txBody>
       </p:sp>
@@ -7647,7 +7778,7 @@
         </p:nvSpPr>
         <p:spPr>
           <a:xfrm>
-            <a:off x="5703569" y="12046855"/>
+            <a:off x="5703569" y="11721100"/>
             <a:ext cx="12976861" cy="1524001"/>
           </a:xfrm>
           <a:prstGeom prst="rect">
@@ -7656,6 +7787,11 @@
           <a:ln w="12700">
             <a:miter lim="400000"/>
           </a:ln>
+          <a:extLst>
+            <a:ext uri="{C572A759-6A51-4108-AA02-DFA0A04FC94B}">
+              <ma14:wrappingTextBoxFlag xmlns:ma14="http://schemas.microsoft.com/office/mac/drawingml/2011/main" val="1"/>
+            </a:ext>
+          </a:extLst>
         </p:spPr>
         <p:txBody>
           <a:bodyPr wrap="none" lIns="50800" tIns="50800" rIns="50800" bIns="50800" anchor="ctr">
@@ -7667,6 +7803,7 @@
             </a:lvl1pPr>
           </a:lstStyle>
           <a:p>
+            <a:pPr/>
             <a:r>
               <a:t>课程实验作业+工程实践项目</a:t>
             </a:r>
@@ -7678,21 +7815,14 @@
   <p:clrMapOvr>
     <a:masterClrMapping/>
   </p:clrMapOvr>
-  <mc:AlternateContent xmlns:mc="http://schemas.openxmlformats.org/markup-compatibility/2006">
-    <mc:Choice xmlns:p14="http://schemas.microsoft.com/office/powerpoint/2010/main" Requires="p14">
-      <p:transition spd="med" p14:dur="1000"/>
-    </mc:Choice>
-    <mc:Fallback>
-      <p:transition spd="med"/>
-    </mc:Fallback>
-  </mc:AlternateContent>
+  <p:transition xmlns:p14="http://schemas.microsoft.com/office/powerpoint/2010/main" spd="med" advClick="1" p14:dur="1000"/>
   <p:timing>
     <p:tnLst>
       <p:par>
-        <p:cTn id="1" dur="indefinite" restart="never" fill="hold" nodeType="tmRoot">
+        <p:cTn id="1" nodeType="tmRoot" restart="never" dur="indefinite" fill="hold">
           <p:childTnLst>
-            <p:seq concurrent="1" nextAc="seek">
-              <p:cTn id="2" dur="indefinite" fill="hold" nodeType="mainSeq">
+            <p:seq concurrent="1" prevAc="none" nextAc="seek">
+              <p:cTn id="2" nodeType="mainSeq" dur="indefinite" fill="hold">
                 <p:childTnLst>
                   <p:par>
                     <p:cTn id="3" fill="hold">
@@ -7707,17 +7837,17 @@
                             </p:stCondLst>
                             <p:childTnLst>
                               <p:par>
-                                <p:cTn id="5" presetID="2" presetClass="entr" presetSubtype="8" fill="hold" grpId="1" nodeType="clickEffect">
+                                <p:cTn id="5" presetClass="entr" nodeType="clickEffect" presetSubtype="8" presetID="2" grpId="1" fill="hold">
                                   <p:stCondLst>
                                     <p:cond delay="0"/>
                                   </p:stCondLst>
-                                  <p:iterate type="lt">
+                                  <p:iterate type="lt" backwards="0">
                                     <p:tmAbs val="0"/>
                                   </p:iterate>
                                   <p:childTnLst>
                                     <p:set>
                                       <p:cBhvr>
-                                        <p:cTn id="6" dur="indefinite" fill="hold"/>
+                                        <p:cTn id="6" fill="hold"/>
                                         <p:tgtEl>
                                           <p:spTgt spid="153"/>
                                         </p:tgtEl>
@@ -7806,14 +7936,14 @@
       </p:par>
     </p:tnLst>
     <p:bldLst>
-      <p:bldP spid="153" grpId="1" animBg="1" advAuto="0"/>
+      <p:bldP build="whole" bldLvl="1" animBg="1" rev="0" advAuto="0" spid="153" grpId="1"/>
     </p:bldLst>
   </p:timing>
 </p:sld>
 </file>
 
 <file path=ppt/slides/slide8.xml><?xml version="1.0" encoding="utf-8"?>
-<p:sld xmlns:a="http://schemas.openxmlformats.org/drawingml/2006/main" xmlns:r="http://schemas.openxmlformats.org/officeDocument/2006/relationships" xmlns:p="http://schemas.openxmlformats.org/presentationml/2006/main">
+<p:sld xmlns:a="http://schemas.openxmlformats.org/drawingml/2006/main" xmlns:r="http://schemas.openxmlformats.org/officeDocument/2006/relationships" xmlns:p="http://schemas.openxmlformats.org/presentationml/2006/main" showMasterSp="1" showMasterPhAnim="1">
   <p:cSld>
     <p:spTree>
       <p:nvGrpSpPr>
@@ -7857,7 +7987,6 @@
               <a:rPr b="1"/>
               <a:t>为啥那么多动手的练习？</a:t>
             </a:r>
-            <a:endParaRPr b="1"/>
           </a:p>
         </p:txBody>
       </p:sp>
@@ -7882,17 +8011,19 @@
           <a:bodyPr/>
           <a:lstStyle/>
           <a:p>
+            <a:pPr/>
             <a:r>
               <a:t>因为以前动手太少</a:t>
             </a:r>
           </a:p>
           <a:p>
+            <a:pPr/>
             <a:r>
               <a:t>没有量的积累，不会有进一步讨论和探索的基础，也没有掌握理论的条件。 </a:t>
             </a:r>
           </a:p>
           <a:p>
-            <a:pPr marL="0" indent="118745">
+            <a:pPr marL="0" indent="118871">
               <a:buSzTx/>
               <a:buNone/>
             </a:pPr>
@@ -7907,21 +8038,14 @@
   <p:clrMapOvr>
     <a:masterClrMapping/>
   </p:clrMapOvr>
-  <mc:AlternateContent xmlns:mc="http://schemas.openxmlformats.org/markup-compatibility/2006">
-    <mc:Choice xmlns:p14="http://schemas.microsoft.com/office/powerpoint/2010/main" Requires="p14">
-      <p:transition spd="med" p14:dur="1000"/>
-    </mc:Choice>
-    <mc:Fallback>
-      <p:transition spd="med"/>
-    </mc:Fallback>
-  </mc:AlternateContent>
+  <p:transition xmlns:p14="http://schemas.microsoft.com/office/powerpoint/2010/main" spd="med" advClick="1" p14:dur="1000"/>
   <p:timing>
     <p:tnLst>
       <p:par>
-        <p:cTn id="1" dur="indefinite" restart="never" fill="hold" nodeType="tmRoot">
+        <p:cTn id="1" nodeType="tmRoot" restart="never" dur="indefinite" fill="hold">
           <p:childTnLst>
-            <p:seq concurrent="1" nextAc="seek">
-              <p:cTn id="2" dur="indefinite" fill="hold" nodeType="mainSeq">
+            <p:seq concurrent="1" prevAc="none" nextAc="seek">
+              <p:cTn id="2" nodeType="mainSeq" dur="indefinite" fill="hold">
                 <p:childTnLst>
                   <p:par>
                     <p:cTn id="3" fill="hold">
@@ -7936,17 +8060,17 @@
                             </p:stCondLst>
                             <p:childTnLst>
                               <p:par>
-                                <p:cTn id="5" presetID="9" presetClass="entr" presetSubtype="0" fill="hold" grpId="1" nodeType="clickEffect">
+                                <p:cTn id="5" presetClass="entr" nodeType="clickEffect" presetID="9" grpId="1" fill="hold">
                                   <p:stCondLst>
                                     <p:cond delay="0"/>
                                   </p:stCondLst>
-                                  <p:iterate type="el">
+                                  <p:iterate type="el" backwards="0">
                                     <p:tmAbs val="0"/>
                                   </p:iterate>
                                   <p:childTnLst>
                                     <p:set>
                                       <p:cBhvr>
-                                        <p:cTn id="6" dur="indefinite" fill="hold"/>
+                                        <p:cTn id="6" fill="hold"/>
                                         <p:tgtEl>
                                           <p:spTgt spid="156">
                                             <p:bg/>
@@ -7960,7 +8084,7 @@
                                         <p:strVal val="visible"/>
                                       </p:to>
                                     </p:set>
-                                    <p:animEffect transition="in" filter="dissolve">
+                                    <p:animEffect filter="dissolve" transition="in">
                                       <p:cBhvr>
                                         <p:cTn id="7" dur="2000"/>
                                         <p:tgtEl>
@@ -7974,17 +8098,17 @@
                                 </p:cTn>
                               </p:par>
                               <p:par>
-                                <p:cTn id="8" presetID="9" presetClass="entr" presetSubtype="0" fill="hold" grpId="1" nodeType="withEffect">
+                                <p:cTn id="8" presetClass="entr" nodeType="withEffect" presetSubtype="0" presetID="9" grpId="1" fill="hold">
                                   <p:stCondLst>
                                     <p:cond delay="0"/>
                                   </p:stCondLst>
-                                  <p:iterate type="el">
+                                  <p:iterate type="el" backwards="0">
                                     <p:tmAbs val="0"/>
                                   </p:iterate>
                                   <p:childTnLst>
                                     <p:set>
                                       <p:cBhvr>
-                                        <p:cTn id="9" dur="indefinite" fill="hold"/>
+                                        <p:cTn id="9" fill="hold"/>
                                         <p:tgtEl>
                                           <p:spTgt spid="156">
                                             <p:txEl>
@@ -8000,7 +8124,7 @@
                                         <p:strVal val="visible"/>
                                       </p:to>
                                     </p:set>
-                                    <p:animEffect transition="in" filter="dissolve">
+                                    <p:animEffect filter="dissolve" transition="in">
                                       <p:cBhvr>
                                         <p:cTn id="10" dur="2000"/>
                                         <p:tgtEl>
@@ -8034,17 +8158,17 @@
                             </p:stCondLst>
                             <p:childTnLst>
                               <p:par>
-                                <p:cTn id="13" presetID="9" presetClass="entr" presetSubtype="0" fill="hold" grpId="1" nodeType="clickEffect">
+                                <p:cTn id="13" presetClass="entr" nodeType="clickEffect" presetID="9" grpId="1" fill="hold">
                                   <p:stCondLst>
                                     <p:cond delay="0"/>
                                   </p:stCondLst>
-                                  <p:iterate type="el">
+                                  <p:iterate type="el" backwards="0">
                                     <p:tmAbs val="0"/>
                                   </p:iterate>
                                   <p:childTnLst>
                                     <p:set>
                                       <p:cBhvr>
-                                        <p:cTn id="14" dur="indefinite" fill="hold"/>
+                                        <p:cTn id="14" fill="hold"/>
                                         <p:tgtEl>
                                           <p:spTgt spid="156">
                                             <p:txEl>
@@ -8060,7 +8184,7 @@
                                         <p:strVal val="visible"/>
                                       </p:to>
                                     </p:set>
-                                    <p:animEffect transition="in" filter="dissolve">
+                                    <p:animEffect filter="dissolve" transition="in">
                                       <p:cBhvr>
                                         <p:cTn id="15" dur="2000"/>
                                         <p:tgtEl>
@@ -8094,17 +8218,17 @@
                             </p:stCondLst>
                             <p:childTnLst>
                               <p:par>
-                                <p:cTn id="18" presetID="9" presetClass="entr" presetSubtype="0" fill="hold" grpId="1" nodeType="clickEffect">
+                                <p:cTn id="18" presetClass="entr" nodeType="clickEffect" presetID="9" grpId="1" fill="hold">
                                   <p:stCondLst>
                                     <p:cond delay="0"/>
                                   </p:stCondLst>
-                                  <p:iterate type="el">
+                                  <p:iterate type="el" backwards="0">
                                     <p:tmAbs val="0"/>
                                   </p:iterate>
                                   <p:childTnLst>
                                     <p:set>
                                       <p:cBhvr>
-                                        <p:cTn id="19" dur="indefinite" fill="hold"/>
+                                        <p:cTn id="19" fill="hold"/>
                                         <p:tgtEl>
                                           <p:spTgt spid="156">
                                             <p:txEl>
@@ -8120,7 +8244,7 @@
                                         <p:strVal val="visible"/>
                                       </p:to>
                                     </p:set>
-                                    <p:animEffect transition="in" filter="dissolve">
+                                    <p:animEffect filter="dissolve" transition="in">
                                       <p:cBhvr>
                                         <p:cTn id="20" dur="2000"/>
                                         <p:tgtEl>
@@ -8163,14 +8287,14 @@
       </p:par>
     </p:tnLst>
     <p:bldLst>
-      <p:bldP spid="156" grpId="1" animBg="1" advAuto="0" build="p"/>
+      <p:bldP build="p" bldLvl="1" animBg="1" rev="0" advAuto="0" spid="156" grpId="1"/>
     </p:bldLst>
   </p:timing>
 </p:sld>
 </file>
 
 <file path=ppt/slides/slide9.xml><?xml version="1.0" encoding="utf-8"?>
-<p:sld xmlns:a="http://schemas.openxmlformats.org/drawingml/2006/main" xmlns:r="http://schemas.openxmlformats.org/officeDocument/2006/relationships" xmlns:p="http://schemas.openxmlformats.org/presentationml/2006/main">
+<p:sld xmlns:a="http://schemas.openxmlformats.org/drawingml/2006/main" xmlns:r="http://schemas.openxmlformats.org/officeDocument/2006/relationships" xmlns:p="http://schemas.openxmlformats.org/presentationml/2006/main" showMasterSp="1" showMasterPhAnim="1">
   <p:cSld>
     <p:spTree>
       <p:nvGrpSpPr>
@@ -8214,7 +8338,6 @@
               <a:rPr b="1"/>
               <a:t>陶艺课</a:t>
             </a:r>
-            <a:endParaRPr b="1"/>
           </a:p>
         </p:txBody>
       </p:sp>
@@ -8227,7 +8350,9 @@
           <p:nvPr/>
         </p:nvPicPr>
         <p:blipFill>
-          <a:blip r:embed="rId1"/>
+          <a:blip r:embed="rId2">
+            <a:extLst/>
+          </a:blip>
           <a:stretch>
             <a:fillRect/>
           </a:stretch>
@@ -8242,8 +8367,6 @@
           </a:prstGeom>
           <a:ln w="12700">
             <a:miter lim="400000"/>
-            <a:headEnd/>
-            <a:tailEnd/>
           </a:ln>
         </p:spPr>
       </p:pic>
@@ -8264,6 +8387,11 @@
           <a:ln w="12700">
             <a:miter lim="400000"/>
           </a:ln>
+          <a:extLst>
+            <a:ext uri="{C572A759-6A51-4108-AA02-DFA0A04FC94B}">
+              <ma14:wrappingTextBoxFlag xmlns:ma14="http://schemas.microsoft.com/office/mac/drawingml/2011/main" val="1"/>
+            </a:ext>
+          </a:extLst>
         </p:spPr>
         <p:txBody>
           <a:bodyPr tIns="91439" bIns="91439">
@@ -8273,10 +8401,10 @@
           <a:p>
             <a:pPr algn="l" defTabSz="1828800">
               <a:defRPr sz="4000">
-                <a:latin typeface="Corbel" panose="020B0503020204020204"/>
-                <a:ea typeface="Corbel" panose="020B0503020204020204"/>
-                <a:cs typeface="Corbel" panose="020B0503020204020204"/>
-                <a:sym typeface="Corbel" panose="020B0503020204020204"/>
+                <a:latin typeface="Corbel"/>
+                <a:ea typeface="Corbel"/>
+                <a:cs typeface="Corbel"/>
+                <a:sym typeface="Corbel"/>
               </a:defRPr>
             </a:pPr>
             <a:r>
@@ -8286,13 +8414,13 @@
           <a:p>
             <a:pPr marL="571500" indent="-571500" algn="l" defTabSz="1828800">
               <a:buSzPct val="100000"/>
-              <a:buFont typeface="Arial" panose="020B0604020202020204"/>
+              <a:buFont typeface="Arial"/>
               <a:buChar char="•"/>
               <a:defRPr sz="4000">
-                <a:latin typeface="Corbel" panose="020B0503020204020204"/>
-                <a:ea typeface="Corbel" panose="020B0503020204020204"/>
-                <a:cs typeface="Corbel" panose="020B0503020204020204"/>
-                <a:sym typeface="Corbel" panose="020B0503020204020204"/>
+                <a:latin typeface="Corbel"/>
+                <a:ea typeface="Corbel"/>
+                <a:cs typeface="Corbel"/>
+                <a:sym typeface="Corbel"/>
               </a:defRPr>
             </a:pPr>
             <a:r>
@@ -8302,13 +8430,13 @@
           <a:p>
             <a:pPr marL="571500" indent="-571500" algn="l" defTabSz="1828800">
               <a:buSzPct val="100000"/>
-              <a:buFont typeface="Arial" panose="020B0604020202020204"/>
+              <a:buFont typeface="Arial"/>
               <a:buChar char="•"/>
               <a:defRPr sz="4000">
-                <a:latin typeface="Corbel" panose="020B0503020204020204"/>
-                <a:ea typeface="Corbel" panose="020B0503020204020204"/>
-                <a:cs typeface="Corbel" panose="020B0503020204020204"/>
-                <a:sym typeface="Corbel" panose="020B0503020204020204"/>
+                <a:latin typeface="Corbel"/>
+                <a:ea typeface="Corbel"/>
+                <a:cs typeface="Corbel"/>
+                <a:sym typeface="Corbel"/>
               </a:defRPr>
             </a:pPr>
             <a:r>
@@ -8324,13 +8452,13 @@
           <a:p>
             <a:pPr marL="571500" indent="-571500" algn="l" defTabSz="1828800">
               <a:buSzPct val="100000"/>
-              <a:buFont typeface="Arial" panose="020B0604020202020204"/>
+              <a:buFont typeface="Arial"/>
               <a:buChar char="•"/>
               <a:defRPr sz="4000">
-                <a:latin typeface="Corbel" panose="020B0503020204020204"/>
-                <a:ea typeface="Corbel" panose="020B0503020204020204"/>
-                <a:cs typeface="Corbel" panose="020B0503020204020204"/>
-                <a:sym typeface="Corbel" panose="020B0503020204020204"/>
+                <a:latin typeface="Corbel"/>
+                <a:ea typeface="Corbel"/>
+                <a:cs typeface="Corbel"/>
+                <a:sym typeface="Corbel"/>
               </a:defRPr>
             </a:pPr>
             <a:r>
@@ -8340,10 +8468,10 @@
           <a:p>
             <a:pPr algn="l" defTabSz="1828800">
               <a:defRPr sz="4000">
-                <a:latin typeface="Corbel" panose="020B0503020204020204"/>
-                <a:ea typeface="Corbel" panose="020B0503020204020204"/>
-                <a:cs typeface="Corbel" panose="020B0503020204020204"/>
-                <a:sym typeface="Corbel" panose="020B0503020204020204"/>
+                <a:latin typeface="Corbel"/>
+                <a:ea typeface="Corbel"/>
+                <a:cs typeface="Corbel"/>
+                <a:sym typeface="Corbel"/>
               </a:defRPr>
             </a:pPr>
             <a:r>
@@ -8356,30 +8484,21 @@
                     <a:srgbClr val="168BBA"/>
                   </a:solidFill>
                 </a:uFill>
+                <a:hlinkClick r:id="rId3" invalidUrl="" action="" tgtFrame="" tooltip="" history="1" highlightClick="0" endSnd="0"/>
               </a:rPr>
               <a:t>http://www.cnblogs.com/codingcrazy/archive/2011/02/28/1967503.html</a:t>
             </a:r>
-            <a:endParaRPr u="sng">
-              <a:solidFill>
-                <a:srgbClr val="168BBA"/>
-              </a:solidFill>
-              <a:uFill>
-                <a:solidFill>
-                  <a:srgbClr val="168BBA"/>
-                </a:solidFill>
-              </a:uFill>
-            </a:endParaRPr>
           </a:p>
           <a:p>
             <a:pPr marL="571500" indent="-571500" algn="l" defTabSz="1828800">
               <a:buSzPct val="100000"/>
-              <a:buFont typeface="Arial" panose="020B0604020202020204"/>
+              <a:buFont typeface="Arial"/>
               <a:buChar char="•"/>
               <a:defRPr sz="4000">
-                <a:latin typeface="Corbel" panose="020B0503020204020204"/>
-                <a:ea typeface="Corbel" panose="020B0503020204020204"/>
-                <a:cs typeface="Corbel" panose="020B0503020204020204"/>
-                <a:sym typeface="Corbel" panose="020B0503020204020204"/>
+                <a:latin typeface="Corbel"/>
+                <a:ea typeface="Corbel"/>
+                <a:cs typeface="Corbel"/>
+                <a:sym typeface="Corbel"/>
               </a:defRPr>
             </a:pPr>
           </a:p>
@@ -8390,19 +8509,12 @@
   <p:clrMapOvr>
     <a:masterClrMapping/>
   </p:clrMapOvr>
-  <mc:AlternateContent xmlns:mc="http://schemas.openxmlformats.org/markup-compatibility/2006">
-    <mc:Choice xmlns:p14="http://schemas.microsoft.com/office/powerpoint/2010/main" Requires="p14">
-      <p:transition spd="med" p14:dur="1000"/>
-    </mc:Choice>
-    <mc:Fallback>
-      <p:transition spd="med"/>
-    </mc:Fallback>
-  </mc:AlternateContent>
+  <p:transition xmlns:p14="http://schemas.microsoft.com/office/powerpoint/2010/main" spd="med" advClick="1" p14:dur="1000"/>
 </p:sld>
 </file>
 
 <file path=ppt/theme/theme1.xml><?xml version="1.0" encoding="utf-8"?>
-<a:theme xmlns:a="http://schemas.openxmlformats.org/drawingml/2006/main" name="White">
+<a:theme xmlns:a="http://schemas.openxmlformats.org/drawingml/2006/main" xmlns:r="http://schemas.openxmlformats.org/officeDocument/2006/relationships" name="White">
   <a:themeElements>
     <a:clrScheme name="White">
       <a:dk1>
@@ -8528,7 +8640,7 @@
       <a:effectStyleLst>
         <a:effectStyle>
           <a:effectLst>
-            <a:outerShdw blurRad="38100" dist="25400" dir="5400000" rotWithShape="0">
+            <a:outerShdw sx="100000" sy="100000" kx="0" ky="0" algn="b" rotWithShape="0" blurRad="38100" dist="25400" dir="5400000">
               <a:srgbClr val="000000">
                 <a:alpha val="50000"/>
               </a:srgbClr>
@@ -8537,7 +8649,7 @@
         </a:effectStyle>
         <a:effectStyle>
           <a:effectLst>
-            <a:outerShdw blurRad="50800" dist="12700" rotWithShape="0">
+            <a:outerShdw sx="100000" sy="100000" kx="0" ky="0" algn="b" rotWithShape="0" blurRad="50800" dist="12700" dir="0">
               <a:srgbClr val="000000">
                 <a:alpha val="50000"/>
               </a:srgbClr>
@@ -8546,7 +8658,7 @@
         </a:effectStyle>
         <a:effectStyle>
           <a:effectLst>
-            <a:outerShdw blurRad="38100" dist="25400" dir="5400000" rotWithShape="0">
+            <a:outerShdw sx="100000" sy="100000" kx="0" ky="0" algn="b" rotWithShape="0" blurRad="38100" dist="25400" dir="5400000">
               <a:srgbClr val="000000">
                 <a:alpha val="50000"/>
               </a:srgbClr>
@@ -8610,8 +8722,8 @@
     <a:spDef>
       <a:spPr>
         <a:blipFill rotWithShape="1">
-          <a:blip xmlns:r="http://schemas.openxmlformats.org/officeDocument/2006/relationships" r:embed="rId1"/>
-          <a:srcRect/>
+          <a:blip r:embed="rId1"/>
+          <a:srcRect l="0" t="0" r="0" b="0"/>
           <a:tile tx="0" ty="0" sx="100000" sy="100000" flip="none" algn="tl"/>
         </a:blipFill>
         <a:ln w="12700" cap="flat">
@@ -8619,12 +8731,13 @@
           <a:miter lim="400000"/>
         </a:ln>
         <a:effectLst>
-          <a:outerShdw blurRad="38100" dist="25400" dir="5400000" rotWithShape="0">
+          <a:outerShdw sx="100000" sy="100000" kx="0" ky="0" algn="b" rotWithShape="0" blurRad="38100" dist="25400" dir="5400000">
             <a:srgbClr val="000000">
               <a:alpha val="50000"/>
             </a:srgbClr>
           </a:outerShdw>
         </a:effectLst>
+        <a:sp3d/>
       </a:spPr>
       <a:bodyPr rot="0" spcFirstLastPara="1" vertOverflow="overflow" horzOverflow="overflow" vert="horz" wrap="square" lIns="50800" tIns="50800" rIns="50800" bIns="50800" numCol="1" spcCol="38100" rtlCol="0" anchor="ctr" upright="0">
         <a:spAutoFit/>
@@ -8644,7 +8757,8 @@
           <a:buSzTx/>
           <a:buFontTx/>
           <a:buNone/>
-          <a:defRPr kumimoji="0" sz="3200" b="0" i="0" u="none" strike="noStrike" cap="none" spc="0" normalizeH="0" baseline="0">
+          <a:tabLst/>
+          <a:defRPr b="0" baseline="0" cap="none" i="0" spc="0" strike="noStrike" sz="3200" u="none" kumimoji="0" normalizeH="0">
             <a:ln>
               <a:noFill/>
             </a:ln>
@@ -8673,7 +8787,8 @@
           <a:buSzTx/>
           <a:buFontTx/>
           <a:buNone/>
-          <a:defRPr kumimoji="0" sz="1800" b="0" i="0" u="none" strike="noStrike" cap="none" spc="0" normalizeH="0" baseline="0">
+          <a:tabLst/>
+          <a:defRPr b="0" baseline="0" cap="none" i="0" spc="0" strike="noStrike" sz="1800" u="none" kumimoji="0" normalizeH="0">
             <a:ln>
               <a:noFill/>
             </a:ln>
@@ -8698,7 +8813,8 @@
           <a:buSzTx/>
           <a:buFontTx/>
           <a:buNone/>
-          <a:defRPr kumimoji="0" sz="1800" b="0" i="0" u="none" strike="noStrike" cap="none" spc="0" normalizeH="0" baseline="0">
+          <a:tabLst/>
+          <a:defRPr b="0" baseline="0" cap="none" i="0" spc="0" strike="noStrike" sz="1800" u="none" kumimoji="0" normalizeH="0">
             <a:ln>
               <a:noFill/>
             </a:ln>
@@ -8723,7 +8839,8 @@
           <a:buSzTx/>
           <a:buFontTx/>
           <a:buNone/>
-          <a:defRPr kumimoji="0" sz="1800" b="0" i="0" u="none" strike="noStrike" cap="none" spc="0" normalizeH="0" baseline="0">
+          <a:tabLst/>
+          <a:defRPr b="0" baseline="0" cap="none" i="0" spc="0" strike="noStrike" sz="1800" u="none" kumimoji="0" normalizeH="0">
             <a:ln>
               <a:noFill/>
             </a:ln>
@@ -8748,7 +8865,8 @@
           <a:buSzTx/>
           <a:buFontTx/>
           <a:buNone/>
-          <a:defRPr kumimoji="0" sz="1800" b="0" i="0" u="none" strike="noStrike" cap="none" spc="0" normalizeH="0" baseline="0">
+          <a:tabLst/>
+          <a:defRPr b="0" baseline="0" cap="none" i="0" spc="0" strike="noStrike" sz="1800" u="none" kumimoji="0" normalizeH="0">
             <a:ln>
               <a:noFill/>
             </a:ln>
@@ -8773,7 +8891,8 @@
           <a:buSzTx/>
           <a:buFontTx/>
           <a:buNone/>
-          <a:defRPr kumimoji="0" sz="1800" b="0" i="0" u="none" strike="noStrike" cap="none" spc="0" normalizeH="0" baseline="0">
+          <a:tabLst/>
+          <a:defRPr b="0" baseline="0" cap="none" i="0" spc="0" strike="noStrike" sz="1800" u="none" kumimoji="0" normalizeH="0">
             <a:ln>
               <a:noFill/>
             </a:ln>
@@ -8798,7 +8917,8 @@
           <a:buSzTx/>
           <a:buFontTx/>
           <a:buNone/>
-          <a:defRPr kumimoji="0" sz="1800" b="0" i="0" u="none" strike="noStrike" cap="none" spc="0" normalizeH="0" baseline="0">
+          <a:tabLst/>
+          <a:defRPr b="0" baseline="0" cap="none" i="0" spc="0" strike="noStrike" sz="1800" u="none" kumimoji="0" normalizeH="0">
             <a:ln>
               <a:noFill/>
             </a:ln>
@@ -8823,7 +8943,8 @@
           <a:buSzTx/>
           <a:buFontTx/>
           <a:buNone/>
-          <a:defRPr kumimoji="0" sz="1800" b="0" i="0" u="none" strike="noStrike" cap="none" spc="0" normalizeH="0" baseline="0">
+          <a:tabLst/>
+          <a:defRPr b="0" baseline="0" cap="none" i="0" spc="0" strike="noStrike" sz="1800" u="none" kumimoji="0" normalizeH="0">
             <a:ln>
               <a:noFill/>
             </a:ln>
@@ -8848,7 +8969,8 @@
           <a:buSzTx/>
           <a:buFontTx/>
           <a:buNone/>
-          <a:defRPr kumimoji="0" sz="1800" b="0" i="0" u="none" strike="noStrike" cap="none" spc="0" normalizeH="0" baseline="0">
+          <a:tabLst/>
+          <a:defRPr b="0" baseline="0" cap="none" i="0" spc="0" strike="noStrike" sz="1800" u="none" kumimoji="0" normalizeH="0">
             <a:ln>
               <a:noFill/>
             </a:ln>
@@ -8873,7 +8995,8 @@
           <a:buSzTx/>
           <a:buFontTx/>
           <a:buNone/>
-          <a:defRPr kumimoji="0" sz="1800" b="0" i="0" u="none" strike="noStrike" cap="none" spc="0" normalizeH="0" baseline="0">
+          <a:tabLst/>
+          <a:defRPr b="0" baseline="0" cap="none" i="0" spc="0" strike="noStrike" sz="1800" u="none" kumimoji="0" normalizeH="0">
             <a:ln>
               <a:noFill/>
             </a:ln>
@@ -8886,15 +9009,9 @@
         </a:lvl9pPr>
       </a:lstStyle>
       <a:style>
-        <a:lnRef idx="0">
-          <a:srgbClr val="FFFFFF"/>
-        </a:lnRef>
-        <a:fillRef idx="0">
-          <a:srgbClr val="FFFFFF"/>
-        </a:fillRef>
-        <a:effectRef idx="0">
-          <a:srgbClr val="FFFFFF"/>
-        </a:effectRef>
+        <a:lnRef idx="0"/>
+        <a:fillRef idx="0"/>
+        <a:effectRef idx="0"/>
         <a:fontRef idx="none"/>
       </a:style>
     </a:spDef>
@@ -8908,6 +9025,8 @@
           <a:prstDash val="solid"/>
           <a:miter lim="400000"/>
         </a:ln>
+        <a:effectLst/>
+        <a:sp3d/>
       </a:spPr>
       <a:bodyPr rot="0" spcFirstLastPara="1" vertOverflow="overflow" horzOverflow="overflow" vert="horz" wrap="square" lIns="91439" tIns="45719" rIns="91439" bIns="45719" numCol="1" spcCol="38100" rtlCol="0" anchor="t" upright="0">
         <a:noAutofit/>
@@ -8927,7 +9046,8 @@
           <a:buSzTx/>
           <a:buFontTx/>
           <a:buNone/>
-          <a:defRPr kumimoji="0" sz="1800" b="0" i="0" u="none" strike="noStrike" cap="none" spc="0" normalizeH="0" baseline="0">
+          <a:tabLst/>
+          <a:defRPr b="0" baseline="0" cap="none" i="0" spc="0" strike="noStrike" sz="1800" u="none" kumimoji="0" normalizeH="0">
             <a:ln>
               <a:noFill/>
             </a:ln>
@@ -8952,7 +9072,8 @@
           <a:buSzTx/>
           <a:buFontTx/>
           <a:buNone/>
-          <a:defRPr kumimoji="0" sz="1800" b="0" i="0" u="none" strike="noStrike" cap="none" spc="0" normalizeH="0" baseline="0">
+          <a:tabLst/>
+          <a:defRPr b="0" baseline="0" cap="none" i="0" spc="0" strike="noStrike" sz="1800" u="none" kumimoji="0" normalizeH="0">
             <a:ln>
               <a:noFill/>
             </a:ln>
@@ -8977,7 +9098,8 @@
           <a:buSzTx/>
           <a:buFontTx/>
           <a:buNone/>
-          <a:defRPr kumimoji="0" sz="1800" b="0" i="0" u="none" strike="noStrike" cap="none" spc="0" normalizeH="0" baseline="0">
+          <a:tabLst/>
+          <a:defRPr b="0" baseline="0" cap="none" i="0" spc="0" strike="noStrike" sz="1800" u="none" kumimoji="0" normalizeH="0">
             <a:ln>
               <a:noFill/>
             </a:ln>
@@ -9002,7 +9124,8 @@
           <a:buSzTx/>
           <a:buFontTx/>
           <a:buNone/>
-          <a:defRPr kumimoji="0" sz="1800" b="0" i="0" u="none" strike="noStrike" cap="none" spc="0" normalizeH="0" baseline="0">
+          <a:tabLst/>
+          <a:defRPr b="0" baseline="0" cap="none" i="0" spc="0" strike="noStrike" sz="1800" u="none" kumimoji="0" normalizeH="0">
             <a:ln>
               <a:noFill/>
             </a:ln>
@@ -9027,7 +9150,8 @@
           <a:buSzTx/>
           <a:buFontTx/>
           <a:buNone/>
-          <a:defRPr kumimoji="0" sz="1800" b="0" i="0" u="none" strike="noStrike" cap="none" spc="0" normalizeH="0" baseline="0">
+          <a:tabLst/>
+          <a:defRPr b="0" baseline="0" cap="none" i="0" spc="0" strike="noStrike" sz="1800" u="none" kumimoji="0" normalizeH="0">
             <a:ln>
               <a:noFill/>
             </a:ln>
@@ -9052,7 +9176,8 @@
           <a:buSzTx/>
           <a:buFontTx/>
           <a:buNone/>
-          <a:defRPr kumimoji="0" sz="1800" b="0" i="0" u="none" strike="noStrike" cap="none" spc="0" normalizeH="0" baseline="0">
+          <a:tabLst/>
+          <a:defRPr b="0" baseline="0" cap="none" i="0" spc="0" strike="noStrike" sz="1800" u="none" kumimoji="0" normalizeH="0">
             <a:ln>
               <a:noFill/>
             </a:ln>
@@ -9077,7 +9202,8 @@
           <a:buSzTx/>
           <a:buFontTx/>
           <a:buNone/>
-          <a:defRPr kumimoji="0" sz="1800" b="0" i="0" u="none" strike="noStrike" cap="none" spc="0" normalizeH="0" baseline="0">
+          <a:tabLst/>
+          <a:defRPr b="0" baseline="0" cap="none" i="0" spc="0" strike="noStrike" sz="1800" u="none" kumimoji="0" normalizeH="0">
             <a:ln>
               <a:noFill/>
             </a:ln>
@@ -9102,7 +9228,8 @@
           <a:buSzTx/>
           <a:buFontTx/>
           <a:buNone/>
-          <a:defRPr kumimoji="0" sz="1800" b="0" i="0" u="none" strike="noStrike" cap="none" spc="0" normalizeH="0" baseline="0">
+          <a:tabLst/>
+          <a:defRPr b="0" baseline="0" cap="none" i="0" spc="0" strike="noStrike" sz="1800" u="none" kumimoji="0" normalizeH="0">
             <a:ln>
               <a:noFill/>
             </a:ln>
@@ -9127,7 +9254,8 @@
           <a:buSzTx/>
           <a:buFontTx/>
           <a:buNone/>
-          <a:defRPr kumimoji="0" sz="1800" b="0" i="0" u="none" strike="noStrike" cap="none" spc="0" normalizeH="0" baseline="0">
+          <a:tabLst/>
+          <a:defRPr b="0" baseline="0" cap="none" i="0" spc="0" strike="noStrike" sz="1800" u="none" kumimoji="0" normalizeH="0">
             <a:ln>
               <a:noFill/>
             </a:ln>
@@ -9152,7 +9280,8 @@
           <a:buSzTx/>
           <a:buFontTx/>
           <a:buNone/>
-          <a:defRPr kumimoji="0" sz="1800" b="0" i="0" u="none" strike="noStrike" cap="none" spc="0" normalizeH="0" baseline="0">
+          <a:tabLst/>
+          <a:defRPr b="0" baseline="0" cap="none" i="0" spc="0" strike="noStrike" sz="1800" u="none" kumimoji="0" normalizeH="0">
             <a:ln>
               <a:noFill/>
             </a:ln>
@@ -9165,15 +9294,9 @@
         </a:lvl9pPr>
       </a:lstStyle>
       <a:style>
-        <a:lnRef idx="0">
-          <a:srgbClr val="FFFFFF"/>
-        </a:lnRef>
-        <a:fillRef idx="0">
-          <a:srgbClr val="FFFFFF"/>
-        </a:fillRef>
-        <a:effectRef idx="0">
-          <a:srgbClr val="FFFFFF"/>
-        </a:effectRef>
+        <a:lnRef idx="0"/>
+        <a:fillRef idx="0"/>
+        <a:effectRef idx="0"/>
         <a:fontRef idx="none"/>
       </a:style>
     </a:lnDef>
@@ -9184,6 +9307,8 @@
           <a:noFill/>
           <a:miter lim="400000"/>
         </a:ln>
+        <a:effectLst/>
+        <a:sp3d/>
       </a:spPr>
       <a:bodyPr rot="0" spcFirstLastPara="1" vertOverflow="overflow" horzOverflow="overflow" vert="horz" wrap="square" lIns="50800" tIns="50800" rIns="50800" bIns="50800" numCol="1" spcCol="38100" rtlCol="0" anchor="ctr" upright="0">
         <a:spAutoFit/>
@@ -9203,7 +9328,8 @@
           <a:buSzTx/>
           <a:buFontTx/>
           <a:buNone/>
-          <a:defRPr kumimoji="0" sz="5000" b="0" i="0" u="none" strike="noStrike" cap="none" spc="0" normalizeH="0" baseline="0">
+          <a:tabLst/>
+          <a:defRPr b="0" baseline="0" cap="none" i="0" spc="0" strike="noStrike" sz="5000" u="none" kumimoji="0" normalizeH="0">
             <a:ln>
               <a:noFill/>
             </a:ln>
@@ -9232,7 +9358,8 @@
           <a:buSzTx/>
           <a:buFontTx/>
           <a:buNone/>
-          <a:defRPr kumimoji="0" sz="1800" b="0" i="0" u="none" strike="noStrike" cap="none" spc="0" normalizeH="0" baseline="0">
+          <a:tabLst/>
+          <a:defRPr b="0" baseline="0" cap="none" i="0" spc="0" strike="noStrike" sz="1800" u="none" kumimoji="0" normalizeH="0">
             <a:ln>
               <a:noFill/>
             </a:ln>
@@ -9257,7 +9384,8 @@
           <a:buSzTx/>
           <a:buFontTx/>
           <a:buNone/>
-          <a:defRPr kumimoji="0" sz="1800" b="0" i="0" u="none" strike="noStrike" cap="none" spc="0" normalizeH="0" baseline="0">
+          <a:tabLst/>
+          <a:defRPr b="0" baseline="0" cap="none" i="0" spc="0" strike="noStrike" sz="1800" u="none" kumimoji="0" normalizeH="0">
             <a:ln>
               <a:noFill/>
             </a:ln>
@@ -9282,7 +9410,8 @@
           <a:buSzTx/>
           <a:buFontTx/>
           <a:buNone/>
-          <a:defRPr kumimoji="0" sz="1800" b="0" i="0" u="none" strike="noStrike" cap="none" spc="0" normalizeH="0" baseline="0">
+          <a:tabLst/>
+          <a:defRPr b="0" baseline="0" cap="none" i="0" spc="0" strike="noStrike" sz="1800" u="none" kumimoji="0" normalizeH="0">
             <a:ln>
               <a:noFill/>
             </a:ln>
@@ -9307,7 +9436,8 @@
           <a:buSzTx/>
           <a:buFontTx/>
           <a:buNone/>
-          <a:defRPr kumimoji="0" sz="1800" b="0" i="0" u="none" strike="noStrike" cap="none" spc="0" normalizeH="0" baseline="0">
+          <a:tabLst/>
+          <a:defRPr b="0" baseline="0" cap="none" i="0" spc="0" strike="noStrike" sz="1800" u="none" kumimoji="0" normalizeH="0">
             <a:ln>
               <a:noFill/>
             </a:ln>
@@ -9332,7 +9462,8 @@
           <a:buSzTx/>
           <a:buFontTx/>
           <a:buNone/>
-          <a:defRPr kumimoji="0" sz="1800" b="0" i="0" u="none" strike="noStrike" cap="none" spc="0" normalizeH="0" baseline="0">
+          <a:tabLst/>
+          <a:defRPr b="0" baseline="0" cap="none" i="0" spc="0" strike="noStrike" sz="1800" u="none" kumimoji="0" normalizeH="0">
             <a:ln>
               <a:noFill/>
             </a:ln>
@@ -9357,7 +9488,8 @@
           <a:buSzTx/>
           <a:buFontTx/>
           <a:buNone/>
-          <a:defRPr kumimoji="0" sz="1800" b="0" i="0" u="none" strike="noStrike" cap="none" spc="0" normalizeH="0" baseline="0">
+          <a:tabLst/>
+          <a:defRPr b="0" baseline="0" cap="none" i="0" spc="0" strike="noStrike" sz="1800" u="none" kumimoji="0" normalizeH="0">
             <a:ln>
               <a:noFill/>
             </a:ln>
@@ -9382,7 +9514,8 @@
           <a:buSzTx/>
           <a:buFontTx/>
           <a:buNone/>
-          <a:defRPr kumimoji="0" sz="1800" b="0" i="0" u="none" strike="noStrike" cap="none" spc="0" normalizeH="0" baseline="0">
+          <a:tabLst/>
+          <a:defRPr b="0" baseline="0" cap="none" i="0" spc="0" strike="noStrike" sz="1800" u="none" kumimoji="0" normalizeH="0">
             <a:ln>
               <a:noFill/>
             </a:ln>
@@ -9407,7 +9540,8 @@
           <a:buSzTx/>
           <a:buFontTx/>
           <a:buNone/>
-          <a:defRPr kumimoji="0" sz="1800" b="0" i="0" u="none" strike="noStrike" cap="none" spc="0" normalizeH="0" baseline="0">
+          <a:tabLst/>
+          <a:defRPr b="0" baseline="0" cap="none" i="0" spc="0" strike="noStrike" sz="1800" u="none" kumimoji="0" normalizeH="0">
             <a:ln>
               <a:noFill/>
             </a:ln>
@@ -9432,7 +9566,8 @@
           <a:buSzTx/>
           <a:buFontTx/>
           <a:buNone/>
-          <a:defRPr kumimoji="0" sz="1800" b="0" i="0" u="none" strike="noStrike" cap="none" spc="0" normalizeH="0" baseline="0">
+          <a:tabLst/>
+          <a:defRPr b="0" baseline="0" cap="none" i="0" spc="0" strike="noStrike" sz="1800" u="none" kumimoji="0" normalizeH="0">
             <a:ln>
               <a:noFill/>
             </a:ln>
@@ -9445,29 +9580,18 @@
         </a:lvl9pPr>
       </a:lstStyle>
       <a:style>
-        <a:lnRef idx="0">
-          <a:srgbClr val="FFFFFF"/>
-        </a:lnRef>
-        <a:fillRef idx="0">
-          <a:srgbClr val="FFFFFF"/>
-        </a:fillRef>
-        <a:effectRef idx="0">
-          <a:srgbClr val="FFFFFF"/>
-        </a:effectRef>
+        <a:lnRef idx="0"/>
+        <a:fillRef idx="0"/>
+        <a:effectRef idx="0"/>
         <a:fontRef idx="none"/>
       </a:style>
     </a:txDef>
   </a:objectDefaults>
-  <a:extLst>
-    <a:ext uri="{05A4C25C-085E-4340-85A3-A5531E510DB2}">
-      <thm15:themeFamily xmlns:thm15="http://schemas.microsoft.com/office/thememl/2012/main" name="Office Theme" id="{62F939B6-93AF-4DB8-9C6B-D6C7DFDC589F}" vid="{4A3C46E8-61CC-4603-A589-7422A47A8E4A}"/>
-    </a:ext>
-  </a:extLst>
 </a:theme>
 </file>
 
 <file path=ppt/theme/theme2.xml><?xml version="1.0" encoding="utf-8"?>
-<a:theme xmlns:a="http://schemas.openxmlformats.org/drawingml/2006/main" name="White">
+<a:theme xmlns:a="http://schemas.openxmlformats.org/drawingml/2006/main" xmlns:r="http://schemas.openxmlformats.org/officeDocument/2006/relationships" name="White">
   <a:themeElements>
     <a:clrScheme name="White">
       <a:dk1>
@@ -9593,7 +9717,7 @@
       <a:effectStyleLst>
         <a:effectStyle>
           <a:effectLst>
-            <a:outerShdw blurRad="38100" dist="25400" dir="5400000" rotWithShape="0">
+            <a:outerShdw sx="100000" sy="100000" kx="0" ky="0" algn="b" rotWithShape="0" blurRad="38100" dist="25400" dir="5400000">
               <a:srgbClr val="000000">
                 <a:alpha val="50000"/>
               </a:srgbClr>
@@ -9602,7 +9726,7 @@
         </a:effectStyle>
         <a:effectStyle>
           <a:effectLst>
-            <a:outerShdw blurRad="50800" dist="12700" rotWithShape="0">
+            <a:outerShdw sx="100000" sy="100000" kx="0" ky="0" algn="b" rotWithShape="0" blurRad="50800" dist="12700" dir="0">
               <a:srgbClr val="000000">
                 <a:alpha val="50000"/>
               </a:srgbClr>
@@ -9611,7 +9735,7 @@
         </a:effectStyle>
         <a:effectStyle>
           <a:effectLst>
-            <a:outerShdw blurRad="38100" dist="25400" dir="5400000" rotWithShape="0">
+            <a:outerShdw sx="100000" sy="100000" kx="0" ky="0" algn="b" rotWithShape="0" blurRad="38100" dist="25400" dir="5400000">
               <a:srgbClr val="000000">
                 <a:alpha val="50000"/>
               </a:srgbClr>
@@ -9675,8 +9799,8 @@
     <a:spDef>
       <a:spPr>
         <a:blipFill rotWithShape="1">
-          <a:blip xmlns:r="http://schemas.openxmlformats.org/officeDocument/2006/relationships" r:embed="rId1"/>
-          <a:srcRect/>
+          <a:blip r:embed="rId1"/>
+          <a:srcRect l="0" t="0" r="0" b="0"/>
           <a:tile tx="0" ty="0" sx="100000" sy="100000" flip="none" algn="tl"/>
         </a:blipFill>
         <a:ln w="12700" cap="flat">
@@ -9684,12 +9808,13 @@
           <a:miter lim="400000"/>
         </a:ln>
         <a:effectLst>
-          <a:outerShdw blurRad="38100" dist="25400" dir="5400000" rotWithShape="0">
+          <a:outerShdw sx="100000" sy="100000" kx="0" ky="0" algn="b" rotWithShape="0" blurRad="38100" dist="25400" dir="5400000">
             <a:srgbClr val="000000">
               <a:alpha val="50000"/>
             </a:srgbClr>
           </a:outerShdw>
         </a:effectLst>
+        <a:sp3d/>
       </a:spPr>
       <a:bodyPr rot="0" spcFirstLastPara="1" vertOverflow="overflow" horzOverflow="overflow" vert="horz" wrap="square" lIns="50800" tIns="50800" rIns="50800" bIns="50800" numCol="1" spcCol="38100" rtlCol="0" anchor="ctr" upright="0">
         <a:spAutoFit/>
@@ -9709,7 +9834,8 @@
           <a:buSzTx/>
           <a:buFontTx/>
           <a:buNone/>
-          <a:defRPr kumimoji="0" sz="3200" b="0" i="0" u="none" strike="noStrike" cap="none" spc="0" normalizeH="0" baseline="0">
+          <a:tabLst/>
+          <a:defRPr b="0" baseline="0" cap="none" i="0" spc="0" strike="noStrike" sz="3200" u="none" kumimoji="0" normalizeH="0">
             <a:ln>
               <a:noFill/>
             </a:ln>
@@ -9738,7 +9864,8 @@
           <a:buSzTx/>
           <a:buFontTx/>
           <a:buNone/>
-          <a:defRPr kumimoji="0" sz="1800" b="0" i="0" u="none" strike="noStrike" cap="none" spc="0" normalizeH="0" baseline="0">
+          <a:tabLst/>
+          <a:defRPr b="0" baseline="0" cap="none" i="0" spc="0" strike="noStrike" sz="1800" u="none" kumimoji="0" normalizeH="0">
             <a:ln>
               <a:noFill/>
             </a:ln>
@@ -9763,7 +9890,8 @@
           <a:buSzTx/>
           <a:buFontTx/>
           <a:buNone/>
-          <a:defRPr kumimoji="0" sz="1800" b="0" i="0" u="none" strike="noStrike" cap="none" spc="0" normalizeH="0" baseline="0">
+          <a:tabLst/>
+          <a:defRPr b="0" baseline="0" cap="none" i="0" spc="0" strike="noStrike" sz="1800" u="none" kumimoji="0" normalizeH="0">
             <a:ln>
               <a:noFill/>
             </a:ln>
@@ -9788,7 +9916,8 @@
           <a:buSzTx/>
           <a:buFontTx/>
           <a:buNone/>
-          <a:defRPr kumimoji="0" sz="1800" b="0" i="0" u="none" strike="noStrike" cap="none" spc="0" normalizeH="0" baseline="0">
+          <a:tabLst/>
+          <a:defRPr b="0" baseline="0" cap="none" i="0" spc="0" strike="noStrike" sz="1800" u="none" kumimoji="0" normalizeH="0">
             <a:ln>
               <a:noFill/>
             </a:ln>
@@ -9813,7 +9942,8 @@
           <a:buSzTx/>
           <a:buFontTx/>
           <a:buNone/>
-          <a:defRPr kumimoji="0" sz="1800" b="0" i="0" u="none" strike="noStrike" cap="none" spc="0" normalizeH="0" baseline="0">
+          <a:tabLst/>
+          <a:defRPr b="0" baseline="0" cap="none" i="0" spc="0" strike="noStrike" sz="1800" u="none" kumimoji="0" normalizeH="0">
             <a:ln>
               <a:noFill/>
             </a:ln>
@@ -9838,7 +9968,8 @@
           <a:buSzTx/>
           <a:buFontTx/>
           <a:buNone/>
-          <a:defRPr kumimoji="0" sz="1800" b="0" i="0" u="none" strike="noStrike" cap="none" spc="0" normalizeH="0" baseline="0">
+          <a:tabLst/>
+          <a:defRPr b="0" baseline="0" cap="none" i="0" spc="0" strike="noStrike" sz="1800" u="none" kumimoji="0" normalizeH="0">
             <a:ln>
               <a:noFill/>
             </a:ln>
@@ -9863,7 +9994,8 @@
           <a:buSzTx/>
           <a:buFontTx/>
           <a:buNone/>
-          <a:defRPr kumimoji="0" sz="1800" b="0" i="0" u="none" strike="noStrike" cap="none" spc="0" normalizeH="0" baseline="0">
+          <a:tabLst/>
+          <a:defRPr b="0" baseline="0" cap="none" i="0" spc="0" strike="noStrike" sz="1800" u="none" kumimoji="0" normalizeH="0">
             <a:ln>
               <a:noFill/>
             </a:ln>
@@ -9888,7 +10020,8 @@
           <a:buSzTx/>
           <a:buFontTx/>
           <a:buNone/>
-          <a:defRPr kumimoji="0" sz="1800" b="0" i="0" u="none" strike="noStrike" cap="none" spc="0" normalizeH="0" baseline="0">
+          <a:tabLst/>
+          <a:defRPr b="0" baseline="0" cap="none" i="0" spc="0" strike="noStrike" sz="1800" u="none" kumimoji="0" normalizeH="0">
             <a:ln>
               <a:noFill/>
             </a:ln>
@@ -9913,7 +10046,8 @@
           <a:buSzTx/>
           <a:buFontTx/>
           <a:buNone/>
-          <a:defRPr kumimoji="0" sz="1800" b="0" i="0" u="none" strike="noStrike" cap="none" spc="0" normalizeH="0" baseline="0">
+          <a:tabLst/>
+          <a:defRPr b="0" baseline="0" cap="none" i="0" spc="0" strike="noStrike" sz="1800" u="none" kumimoji="0" normalizeH="0">
             <a:ln>
               <a:noFill/>
             </a:ln>
@@ -9938,7 +10072,8 @@
           <a:buSzTx/>
           <a:buFontTx/>
           <a:buNone/>
-          <a:defRPr kumimoji="0" sz="1800" b="0" i="0" u="none" strike="noStrike" cap="none" spc="0" normalizeH="0" baseline="0">
+          <a:tabLst/>
+          <a:defRPr b="0" baseline="0" cap="none" i="0" spc="0" strike="noStrike" sz="1800" u="none" kumimoji="0" normalizeH="0">
             <a:ln>
               <a:noFill/>
             </a:ln>
@@ -9951,15 +10086,9 @@
         </a:lvl9pPr>
       </a:lstStyle>
       <a:style>
-        <a:lnRef idx="0">
-          <a:srgbClr val="FFFFFF"/>
-        </a:lnRef>
-        <a:fillRef idx="0">
-          <a:srgbClr val="FFFFFF"/>
-        </a:fillRef>
-        <a:effectRef idx="0">
-          <a:srgbClr val="FFFFFF"/>
-        </a:effectRef>
+        <a:lnRef idx="0"/>
+        <a:fillRef idx="0"/>
+        <a:effectRef idx="0"/>
         <a:fontRef idx="none"/>
       </a:style>
     </a:spDef>
@@ -9973,6 +10102,8 @@
           <a:prstDash val="solid"/>
           <a:miter lim="400000"/>
         </a:ln>
+        <a:effectLst/>
+        <a:sp3d/>
       </a:spPr>
       <a:bodyPr rot="0" spcFirstLastPara="1" vertOverflow="overflow" horzOverflow="overflow" vert="horz" wrap="square" lIns="91439" tIns="45719" rIns="91439" bIns="45719" numCol="1" spcCol="38100" rtlCol="0" anchor="t" upright="0">
         <a:noAutofit/>
@@ -9992,7 +10123,8 @@
           <a:buSzTx/>
           <a:buFontTx/>
           <a:buNone/>
-          <a:defRPr kumimoji="0" sz="1800" b="0" i="0" u="none" strike="noStrike" cap="none" spc="0" normalizeH="0" baseline="0">
+          <a:tabLst/>
+          <a:defRPr b="0" baseline="0" cap="none" i="0" spc="0" strike="noStrike" sz="1800" u="none" kumimoji="0" normalizeH="0">
             <a:ln>
               <a:noFill/>
             </a:ln>
@@ -10017,7 +10149,8 @@
           <a:buSzTx/>
           <a:buFontTx/>
           <a:buNone/>
-          <a:defRPr kumimoji="0" sz="1800" b="0" i="0" u="none" strike="noStrike" cap="none" spc="0" normalizeH="0" baseline="0">
+          <a:tabLst/>
+          <a:defRPr b="0" baseline="0" cap="none" i="0" spc="0" strike="noStrike" sz="1800" u="none" kumimoji="0" normalizeH="0">
             <a:ln>
               <a:noFill/>
             </a:ln>
@@ -10042,7 +10175,8 @@
           <a:buSzTx/>
           <a:buFontTx/>
           <a:buNone/>
-          <a:defRPr kumimoji="0" sz="1800" b="0" i="0" u="none" strike="noStrike" cap="none" spc="0" normalizeH="0" baseline="0">
+          <a:tabLst/>
+          <a:defRPr b="0" baseline="0" cap="none" i="0" spc="0" strike="noStrike" sz="1800" u="none" kumimoji="0" normalizeH="0">
             <a:ln>
               <a:noFill/>
             </a:ln>
@@ -10067,7 +10201,8 @@
           <a:buSzTx/>
           <a:buFontTx/>
           <a:buNone/>
-          <a:defRPr kumimoji="0" sz="1800" b="0" i="0" u="none" strike="noStrike" cap="none" spc="0" normalizeH="0" baseline="0">
+          <a:tabLst/>
+          <a:defRPr b="0" baseline="0" cap="none" i="0" spc="0" strike="noStrike" sz="1800" u="none" kumimoji="0" normalizeH="0">
             <a:ln>
               <a:noFill/>
             </a:ln>
@@ -10092,7 +10227,8 @@
           <a:buSzTx/>
           <a:buFontTx/>
           <a:buNone/>
-          <a:defRPr kumimoji="0" sz="1800" b="0" i="0" u="none" strike="noStrike" cap="none" spc="0" normalizeH="0" baseline="0">
+          <a:tabLst/>
+          <a:defRPr b="0" baseline="0" cap="none" i="0" spc="0" strike="noStrike" sz="1800" u="none" kumimoji="0" normalizeH="0">
             <a:ln>
               <a:noFill/>
             </a:ln>
@@ -10117,7 +10253,8 @@
           <a:buSzTx/>
           <a:buFontTx/>
           <a:buNone/>
-          <a:defRPr kumimoji="0" sz="1800" b="0" i="0" u="none" strike="noStrike" cap="none" spc="0" normalizeH="0" baseline="0">
+          <a:tabLst/>
+          <a:defRPr b="0" baseline="0" cap="none" i="0" spc="0" strike="noStrike" sz="1800" u="none" kumimoji="0" normalizeH="0">
             <a:ln>
               <a:noFill/>
             </a:ln>
@@ -10142,7 +10279,8 @@
           <a:buSzTx/>
           <a:buFontTx/>
           <a:buNone/>
-          <a:defRPr kumimoji="0" sz="1800" b="0" i="0" u="none" strike="noStrike" cap="none" spc="0" normalizeH="0" baseline="0">
+          <a:tabLst/>
+          <a:defRPr b="0" baseline="0" cap="none" i="0" spc="0" strike="noStrike" sz="1800" u="none" kumimoji="0" normalizeH="0">
             <a:ln>
               <a:noFill/>
             </a:ln>
@@ -10167,7 +10305,8 @@
           <a:buSzTx/>
           <a:buFontTx/>
           <a:buNone/>
-          <a:defRPr kumimoji="0" sz="1800" b="0" i="0" u="none" strike="noStrike" cap="none" spc="0" normalizeH="0" baseline="0">
+          <a:tabLst/>
+          <a:defRPr b="0" baseline="0" cap="none" i="0" spc="0" strike="noStrike" sz="1800" u="none" kumimoji="0" normalizeH="0">
             <a:ln>
               <a:noFill/>
             </a:ln>
@@ -10192,7 +10331,8 @@
           <a:buSzTx/>
           <a:buFontTx/>
           <a:buNone/>
-          <a:defRPr kumimoji="0" sz="1800" b="0" i="0" u="none" strike="noStrike" cap="none" spc="0" normalizeH="0" baseline="0">
+          <a:tabLst/>
+          <a:defRPr b="0" baseline="0" cap="none" i="0" spc="0" strike="noStrike" sz="1800" u="none" kumimoji="0" normalizeH="0">
             <a:ln>
               <a:noFill/>
             </a:ln>
@@ -10217,7 +10357,8 @@
           <a:buSzTx/>
           <a:buFontTx/>
           <a:buNone/>
-          <a:defRPr kumimoji="0" sz="1800" b="0" i="0" u="none" strike="noStrike" cap="none" spc="0" normalizeH="0" baseline="0">
+          <a:tabLst/>
+          <a:defRPr b="0" baseline="0" cap="none" i="0" spc="0" strike="noStrike" sz="1800" u="none" kumimoji="0" normalizeH="0">
             <a:ln>
               <a:noFill/>
             </a:ln>
@@ -10230,15 +10371,9 @@
         </a:lvl9pPr>
       </a:lstStyle>
       <a:style>
-        <a:lnRef idx="0">
-          <a:srgbClr val="FFFFFF"/>
-        </a:lnRef>
-        <a:fillRef idx="0">
-          <a:srgbClr val="FFFFFF"/>
-        </a:fillRef>
-        <a:effectRef idx="0">
-          <a:srgbClr val="FFFFFF"/>
-        </a:effectRef>
+        <a:lnRef idx="0"/>
+        <a:fillRef idx="0"/>
+        <a:effectRef idx="0"/>
         <a:fontRef idx="none"/>
       </a:style>
     </a:lnDef>
@@ -10249,6 +10384,8 @@
           <a:noFill/>
           <a:miter lim="400000"/>
         </a:ln>
+        <a:effectLst/>
+        <a:sp3d/>
       </a:spPr>
       <a:bodyPr rot="0" spcFirstLastPara="1" vertOverflow="overflow" horzOverflow="overflow" vert="horz" wrap="square" lIns="50800" tIns="50800" rIns="50800" bIns="50800" numCol="1" spcCol="38100" rtlCol="0" anchor="ctr" upright="0">
         <a:spAutoFit/>
@@ -10268,7 +10405,8 @@
           <a:buSzTx/>
           <a:buFontTx/>
           <a:buNone/>
-          <a:defRPr kumimoji="0" sz="5000" b="0" i="0" u="none" strike="noStrike" cap="none" spc="0" normalizeH="0" baseline="0">
+          <a:tabLst/>
+          <a:defRPr b="0" baseline="0" cap="none" i="0" spc="0" strike="noStrike" sz="5000" u="none" kumimoji="0" normalizeH="0">
             <a:ln>
               <a:noFill/>
             </a:ln>
@@ -10297,7 +10435,8 @@
           <a:buSzTx/>
           <a:buFontTx/>
           <a:buNone/>
-          <a:defRPr kumimoji="0" sz="1800" b="0" i="0" u="none" strike="noStrike" cap="none" spc="0" normalizeH="0" baseline="0">
+          <a:tabLst/>
+          <a:defRPr b="0" baseline="0" cap="none" i="0" spc="0" strike="noStrike" sz="1800" u="none" kumimoji="0" normalizeH="0">
             <a:ln>
               <a:noFill/>
             </a:ln>
@@ -10322,7 +10461,8 @@
           <a:buSzTx/>
           <a:buFontTx/>
           <a:buNone/>
-          <a:defRPr kumimoji="0" sz="1800" b="0" i="0" u="none" strike="noStrike" cap="none" spc="0" normalizeH="0" baseline="0">
+          <a:tabLst/>
+          <a:defRPr b="0" baseline="0" cap="none" i="0" spc="0" strike="noStrike" sz="1800" u="none" kumimoji="0" normalizeH="0">
             <a:ln>
               <a:noFill/>
             </a:ln>
@@ -10347,7 +10487,8 @@
           <a:buSzTx/>
           <a:buFontTx/>
           <a:buNone/>
-          <a:defRPr kumimoji="0" sz="1800" b="0" i="0" u="none" strike="noStrike" cap="none" spc="0" normalizeH="0" baseline="0">
+          <a:tabLst/>
+          <a:defRPr b="0" baseline="0" cap="none" i="0" spc="0" strike="noStrike" sz="1800" u="none" kumimoji="0" normalizeH="0">
             <a:ln>
               <a:noFill/>
             </a:ln>
@@ -10372,7 +10513,8 @@
           <a:buSzTx/>
           <a:buFontTx/>
           <a:buNone/>
-          <a:defRPr kumimoji="0" sz="1800" b="0" i="0" u="none" strike="noStrike" cap="none" spc="0" normalizeH="0" baseline="0">
+          <a:tabLst/>
+          <a:defRPr b="0" baseline="0" cap="none" i="0" spc="0" strike="noStrike" sz="1800" u="none" kumimoji="0" normalizeH="0">
             <a:ln>
               <a:noFill/>
             </a:ln>
@@ -10397,7 +10539,8 @@
           <a:buSzTx/>
           <a:buFontTx/>
           <a:buNone/>
-          <a:defRPr kumimoji="0" sz="1800" b="0" i="0" u="none" strike="noStrike" cap="none" spc="0" normalizeH="0" baseline="0">
+          <a:tabLst/>
+          <a:defRPr b="0" baseline="0" cap="none" i="0" spc="0" strike="noStrike" sz="1800" u="none" kumimoji="0" normalizeH="0">
             <a:ln>
               <a:noFill/>
             </a:ln>
@@ -10422,7 +10565,8 @@
           <a:buSzTx/>
           <a:buFontTx/>
           <a:buNone/>
-          <a:defRPr kumimoji="0" sz="1800" b="0" i="0" u="none" strike="noStrike" cap="none" spc="0" normalizeH="0" baseline="0">
+          <a:tabLst/>
+          <a:defRPr b="0" baseline="0" cap="none" i="0" spc="0" strike="noStrike" sz="1800" u="none" kumimoji="0" normalizeH="0">
             <a:ln>
               <a:noFill/>
             </a:ln>
@@ -10447,7 +10591,8 @@
           <a:buSzTx/>
           <a:buFontTx/>
           <a:buNone/>
-          <a:defRPr kumimoji="0" sz="1800" b="0" i="0" u="none" strike="noStrike" cap="none" spc="0" normalizeH="0" baseline="0">
+          <a:tabLst/>
+          <a:defRPr b="0" baseline="0" cap="none" i="0" spc="0" strike="noStrike" sz="1800" u="none" kumimoji="0" normalizeH="0">
             <a:ln>
               <a:noFill/>
             </a:ln>
@@ -10472,7 +10617,8 @@
           <a:buSzTx/>
           <a:buFontTx/>
           <a:buNone/>
-          <a:defRPr kumimoji="0" sz="1800" b="0" i="0" u="none" strike="noStrike" cap="none" spc="0" normalizeH="0" baseline="0">
+          <a:tabLst/>
+          <a:defRPr b="0" baseline="0" cap="none" i="0" spc="0" strike="noStrike" sz="1800" u="none" kumimoji="0" normalizeH="0">
             <a:ln>
               <a:noFill/>
             </a:ln>
@@ -10497,7 +10643,8 @@
           <a:buSzTx/>
           <a:buFontTx/>
           <a:buNone/>
-          <a:defRPr kumimoji="0" sz="1800" b="0" i="0" u="none" strike="noStrike" cap="none" spc="0" normalizeH="0" baseline="0">
+          <a:tabLst/>
+          <a:defRPr b="0" baseline="0" cap="none" i="0" spc="0" strike="noStrike" sz="1800" u="none" kumimoji="0" normalizeH="0">
             <a:ln>
               <a:noFill/>
             </a:ln>
@@ -10510,23 +10657,12 @@
         </a:lvl9pPr>
       </a:lstStyle>
       <a:style>
-        <a:lnRef idx="0">
-          <a:srgbClr val="FFFFFF"/>
-        </a:lnRef>
-        <a:fillRef idx="0">
-          <a:srgbClr val="FFFFFF"/>
-        </a:fillRef>
-        <a:effectRef idx="0">
-          <a:srgbClr val="FFFFFF"/>
-        </a:effectRef>
+        <a:lnRef idx="0"/>
+        <a:fillRef idx="0"/>
+        <a:effectRef idx="0"/>
         <a:fontRef idx="none"/>
       </a:style>
     </a:txDef>
   </a:objectDefaults>
-  <a:extLst>
-    <a:ext uri="{05A4C25C-085E-4340-85A3-A5531E510DB2}">
-      <thm15:themeFamily xmlns:thm15="http://schemas.microsoft.com/office/thememl/2012/main" name="Office Theme" id="{62F939B6-93AF-4DB8-9C6B-D6C7DFDC589F}" vid="{4A3C46E8-61CC-4603-A589-7422A47A8E4A}"/>
-    </a:ext>
-  </a:extLst>
 </a:theme>
 </file>
--- a/ppt/软件工程-码农的自我修养.pptx
+++ b/ppt/软件工程-码农的自我修养.pptx
@@ -2,32 +2,33 @@
 <file path=ppt/presentation.xml><?xml version="1.0" encoding="utf-8"?>
 <p:presentation xmlns:a="http://schemas.openxmlformats.org/drawingml/2006/main" xmlns:r="http://schemas.openxmlformats.org/officeDocument/2006/relationships" xmlns:p="http://schemas.openxmlformats.org/presentationml/2006/main">
   <p:sldMasterIdLst>
-    <p:sldMasterId id="2147483648" r:id="rId5"/>
+    <p:sldMasterId id="2147483648" r:id="rId1"/>
   </p:sldMasterIdLst>
   <p:notesMasterIdLst>
-    <p:notesMasterId r:id="rId7"/>
+    <p:notesMasterId r:id="rId16"/>
   </p:notesMasterIdLst>
   <p:sldIdLst>
-    <p:sldId id="256" r:id="rId8"/>
-    <p:sldId id="257" r:id="rId9"/>
-    <p:sldId id="258" r:id="rId10"/>
-    <p:sldId id="259" r:id="rId11"/>
-    <p:sldId id="260" r:id="rId12"/>
-    <p:sldId id="261" r:id="rId13"/>
-    <p:sldId id="262" r:id="rId14"/>
-    <p:sldId id="263" r:id="rId15"/>
-    <p:sldId id="264" r:id="rId16"/>
-    <p:sldId id="265" r:id="rId17"/>
-    <p:sldId id="266" r:id="rId18"/>
-    <p:sldId id="267" r:id="rId19"/>
-    <p:sldId id="268" r:id="rId20"/>
-    <p:sldId id="269" r:id="rId21"/>
-    <p:sldId id="270" r:id="rId22"/>
-    <p:sldId id="271" r:id="rId23"/>
-    <p:sldId id="272" r:id="rId24"/>
-    <p:sldId id="273" r:id="rId25"/>
-    <p:sldId id="274" r:id="rId26"/>
-    <p:sldId id="275" r:id="rId27"/>
+    <p:sldId id="256" r:id="rId3"/>
+    <p:sldId id="276" r:id="rId4"/>
+    <p:sldId id="257" r:id="rId5"/>
+    <p:sldId id="258" r:id="rId6"/>
+    <p:sldId id="259" r:id="rId7"/>
+    <p:sldId id="260" r:id="rId8"/>
+    <p:sldId id="261" r:id="rId9"/>
+    <p:sldId id="262" r:id="rId10"/>
+    <p:sldId id="263" r:id="rId11"/>
+    <p:sldId id="264" r:id="rId12"/>
+    <p:sldId id="265" r:id="rId13"/>
+    <p:sldId id="266" r:id="rId14"/>
+    <p:sldId id="267" r:id="rId15"/>
+    <p:sldId id="268" r:id="rId17"/>
+    <p:sldId id="269" r:id="rId18"/>
+    <p:sldId id="270" r:id="rId19"/>
+    <p:sldId id="271" r:id="rId20"/>
+    <p:sldId id="272" r:id="rId21"/>
+    <p:sldId id="273" r:id="rId22"/>
+    <p:sldId id="274" r:id="rId23"/>
+    <p:sldId id="275" r:id="rId24"/>
   </p:sldIdLst>
   <p:sldSz cx="24384000" cy="13716000"/>
   <p:notesSz cx="6858000" cy="9144000"/>
@@ -46,8 +47,7 @@
       <a:buSzTx/>
       <a:buFontTx/>
       <a:buNone/>
-      <a:tabLst/>
-      <a:defRPr b="0" baseline="0" cap="none" i="0" spc="0" strike="noStrike" sz="1800" u="none" kumimoji="0" normalizeH="0">
+      <a:defRPr kumimoji="0" sz="1800" b="0" i="0" u="none" strike="noStrike" cap="none" spc="0" normalizeH="0" baseline="0">
         <a:ln>
           <a:noFill/>
         </a:ln>
@@ -72,8 +72,7 @@
       <a:buSzTx/>
       <a:buFontTx/>
       <a:buNone/>
-      <a:tabLst/>
-      <a:defRPr b="0" baseline="0" cap="none" i="0" spc="0" strike="noStrike" sz="5000" u="none" kumimoji="0" normalizeH="0">
+      <a:defRPr kumimoji="0" sz="5000" b="0" i="0" u="none" strike="noStrike" cap="none" spc="0" normalizeH="0" baseline="0">
         <a:ln>
           <a:noFill/>
         </a:ln>
@@ -102,8 +101,7 @@
       <a:buSzTx/>
       <a:buFontTx/>
       <a:buNone/>
-      <a:tabLst/>
-      <a:defRPr b="0" baseline="0" cap="none" i="0" spc="0" strike="noStrike" sz="5000" u="none" kumimoji="0" normalizeH="0">
+      <a:defRPr kumimoji="0" sz="5000" b="0" i="0" u="none" strike="noStrike" cap="none" spc="0" normalizeH="0" baseline="0">
         <a:ln>
           <a:noFill/>
         </a:ln>
@@ -132,8 +130,7 @@
       <a:buSzTx/>
       <a:buFontTx/>
       <a:buNone/>
-      <a:tabLst/>
-      <a:defRPr b="0" baseline="0" cap="none" i="0" spc="0" strike="noStrike" sz="5000" u="none" kumimoji="0" normalizeH="0">
+      <a:defRPr kumimoji="0" sz="5000" b="0" i="0" u="none" strike="noStrike" cap="none" spc="0" normalizeH="0" baseline="0">
         <a:ln>
           <a:noFill/>
         </a:ln>
@@ -162,8 +159,7 @@
       <a:buSzTx/>
       <a:buFontTx/>
       <a:buNone/>
-      <a:tabLst/>
-      <a:defRPr b="0" baseline="0" cap="none" i="0" spc="0" strike="noStrike" sz="5000" u="none" kumimoji="0" normalizeH="0">
+      <a:defRPr kumimoji="0" sz="5000" b="0" i="0" u="none" strike="noStrike" cap="none" spc="0" normalizeH="0" baseline="0">
         <a:ln>
           <a:noFill/>
         </a:ln>
@@ -192,8 +188,7 @@
       <a:buSzTx/>
       <a:buFontTx/>
       <a:buNone/>
-      <a:tabLst/>
-      <a:defRPr b="0" baseline="0" cap="none" i="0" spc="0" strike="noStrike" sz="5000" u="none" kumimoji="0" normalizeH="0">
+      <a:defRPr kumimoji="0" sz="5000" b="0" i="0" u="none" strike="noStrike" cap="none" spc="0" normalizeH="0" baseline="0">
         <a:ln>
           <a:noFill/>
         </a:ln>
@@ -222,8 +217,7 @@
       <a:buSzTx/>
       <a:buFontTx/>
       <a:buNone/>
-      <a:tabLst/>
-      <a:defRPr b="0" baseline="0" cap="none" i="0" spc="0" strike="noStrike" sz="5000" u="none" kumimoji="0" normalizeH="0">
+      <a:defRPr kumimoji="0" sz="5000" b="0" i="0" u="none" strike="noStrike" cap="none" spc="0" normalizeH="0" baseline="0">
         <a:ln>
           <a:noFill/>
         </a:ln>
@@ -252,8 +246,7 @@
       <a:buSzTx/>
       <a:buFontTx/>
       <a:buNone/>
-      <a:tabLst/>
-      <a:defRPr b="0" baseline="0" cap="none" i="0" spc="0" strike="noStrike" sz="5000" u="none" kumimoji="0" normalizeH="0">
+      <a:defRPr kumimoji="0" sz="5000" b="0" i="0" u="none" strike="noStrike" cap="none" spc="0" normalizeH="0" baseline="0">
         <a:ln>
           <a:noFill/>
         </a:ln>
@@ -282,8 +275,7 @@
       <a:buSzTx/>
       <a:buFontTx/>
       <a:buNone/>
-      <a:tabLst/>
-      <a:defRPr b="0" baseline="0" cap="none" i="0" spc="0" strike="noStrike" sz="5000" u="none" kumimoji="0" normalizeH="0">
+      <a:defRPr kumimoji="0" sz="5000" b="0" i="0" u="none" strike="noStrike" cap="none" spc="0" normalizeH="0" baseline="0">
         <a:ln>
           <a:noFill/>
         </a:ln>
@@ -312,8 +304,7 @@
       <a:buSzTx/>
       <a:buFontTx/>
       <a:buNone/>
-      <a:tabLst/>
-      <a:defRPr b="0" baseline="0" cap="none" i="0" spc="0" strike="noStrike" sz="5000" u="none" kumimoji="0" normalizeH="0">
+      <a:defRPr kumimoji="0" sz="5000" b="0" i="0" u="none" strike="noStrike" cap="none" spc="0" normalizeH="0" baseline="0">
         <a:ln>
           <a:noFill/>
         </a:ln>
@@ -332,13 +323,14 @@
 </p:presentation>
 </file>
 
-<file path=ppt/commentAuthors.xml><?xml version="1.0" encoding="utf-8"?>
-<p:cmAuthorLst xmlns:a="http://schemas.openxmlformats.org/drawingml/2006/main" xmlns:r="http://schemas.openxmlformats.org/officeDocument/2006/relationships" xmlns:p="http://schemas.openxmlformats.org/presentationml/2006/main"/>
-</file>
-
 <file path=ppt/notesMasters/notesMaster1.xml><?xml version="1.0" encoding="utf-8"?>
 <p:notesMaster xmlns:a="http://schemas.openxmlformats.org/drawingml/2006/main" xmlns:r="http://schemas.openxmlformats.org/officeDocument/2006/relationships" xmlns:p="http://schemas.openxmlformats.org/presentationml/2006/main">
   <p:cSld>
+    <p:bg>
+      <p:bgRef idx="1001">
+        <a:schemeClr val="bg1"/>
+      </p:bgRef>
+    </p:bg>
     <p:spTree>
       <p:nvGrpSpPr>
         <p:cNvPr id="1" name=""/>
@@ -373,9 +365,7 @@
         <p:txBody>
           <a:bodyPr/>
           <a:lstStyle/>
-          <a:p>
-            <a:pPr/>
-          </a:p>
+          <a:p/>
         </p:txBody>
       </p:sp>
       <p:sp>
@@ -398,9 +388,7 @@
         <p:txBody>
           <a:bodyPr/>
           <a:lstStyle/>
-          <a:p>
-            <a:pPr/>
-          </a:p>
+          <a:p/>
         </p:txBody>
       </p:sp>
     </p:spTree>
@@ -409,101 +397,101 @@
   <p:notesStyle>
     <a:lvl1pPr defTabSz="457200" latinLnBrk="0">
       <a:lnSpc>
-        <a:spcPct val="117999"/>
+        <a:spcPct val="118000"/>
       </a:lnSpc>
       <a:defRPr sz="2200">
-        <a:latin typeface="Helvetica Neue"/>
-        <a:ea typeface="Helvetica Neue"/>
-        <a:cs typeface="Helvetica Neue"/>
-        <a:sym typeface="Helvetica Neue"/>
+        <a:latin typeface="Helvetica Neue" panose="02000503000000020004"/>
+        <a:ea typeface="Helvetica Neue" panose="02000503000000020004"/>
+        <a:cs typeface="Helvetica Neue" panose="02000503000000020004"/>
+        <a:sym typeface="Helvetica Neue" panose="02000503000000020004"/>
       </a:defRPr>
     </a:lvl1pPr>
     <a:lvl2pPr indent="228600" defTabSz="457200" latinLnBrk="0">
       <a:lnSpc>
-        <a:spcPct val="117999"/>
+        <a:spcPct val="118000"/>
       </a:lnSpc>
       <a:defRPr sz="2200">
-        <a:latin typeface="Helvetica Neue"/>
-        <a:ea typeface="Helvetica Neue"/>
-        <a:cs typeface="Helvetica Neue"/>
-        <a:sym typeface="Helvetica Neue"/>
+        <a:latin typeface="Helvetica Neue" panose="02000503000000020004"/>
+        <a:ea typeface="Helvetica Neue" panose="02000503000000020004"/>
+        <a:cs typeface="Helvetica Neue" panose="02000503000000020004"/>
+        <a:sym typeface="Helvetica Neue" panose="02000503000000020004"/>
       </a:defRPr>
     </a:lvl2pPr>
     <a:lvl3pPr indent="457200" defTabSz="457200" latinLnBrk="0">
       <a:lnSpc>
-        <a:spcPct val="117999"/>
+        <a:spcPct val="118000"/>
       </a:lnSpc>
       <a:defRPr sz="2200">
-        <a:latin typeface="Helvetica Neue"/>
-        <a:ea typeface="Helvetica Neue"/>
-        <a:cs typeface="Helvetica Neue"/>
-        <a:sym typeface="Helvetica Neue"/>
+        <a:latin typeface="Helvetica Neue" panose="02000503000000020004"/>
+        <a:ea typeface="Helvetica Neue" panose="02000503000000020004"/>
+        <a:cs typeface="Helvetica Neue" panose="02000503000000020004"/>
+        <a:sym typeface="Helvetica Neue" panose="02000503000000020004"/>
       </a:defRPr>
     </a:lvl3pPr>
     <a:lvl4pPr indent="685800" defTabSz="457200" latinLnBrk="0">
       <a:lnSpc>
-        <a:spcPct val="117999"/>
+        <a:spcPct val="118000"/>
       </a:lnSpc>
       <a:defRPr sz="2200">
-        <a:latin typeface="Helvetica Neue"/>
-        <a:ea typeface="Helvetica Neue"/>
-        <a:cs typeface="Helvetica Neue"/>
-        <a:sym typeface="Helvetica Neue"/>
+        <a:latin typeface="Helvetica Neue" panose="02000503000000020004"/>
+        <a:ea typeface="Helvetica Neue" panose="02000503000000020004"/>
+        <a:cs typeface="Helvetica Neue" panose="02000503000000020004"/>
+        <a:sym typeface="Helvetica Neue" panose="02000503000000020004"/>
       </a:defRPr>
     </a:lvl4pPr>
     <a:lvl5pPr indent="914400" defTabSz="457200" latinLnBrk="0">
       <a:lnSpc>
-        <a:spcPct val="117999"/>
+        <a:spcPct val="118000"/>
       </a:lnSpc>
       <a:defRPr sz="2200">
-        <a:latin typeface="Helvetica Neue"/>
-        <a:ea typeface="Helvetica Neue"/>
-        <a:cs typeface="Helvetica Neue"/>
-        <a:sym typeface="Helvetica Neue"/>
+        <a:latin typeface="Helvetica Neue" panose="02000503000000020004"/>
+        <a:ea typeface="Helvetica Neue" panose="02000503000000020004"/>
+        <a:cs typeface="Helvetica Neue" panose="02000503000000020004"/>
+        <a:sym typeface="Helvetica Neue" panose="02000503000000020004"/>
       </a:defRPr>
     </a:lvl5pPr>
     <a:lvl6pPr indent="1143000" defTabSz="457200" latinLnBrk="0">
       <a:lnSpc>
-        <a:spcPct val="117999"/>
+        <a:spcPct val="118000"/>
       </a:lnSpc>
       <a:defRPr sz="2200">
-        <a:latin typeface="Helvetica Neue"/>
-        <a:ea typeface="Helvetica Neue"/>
-        <a:cs typeface="Helvetica Neue"/>
-        <a:sym typeface="Helvetica Neue"/>
+        <a:latin typeface="Helvetica Neue" panose="02000503000000020004"/>
+        <a:ea typeface="Helvetica Neue" panose="02000503000000020004"/>
+        <a:cs typeface="Helvetica Neue" panose="02000503000000020004"/>
+        <a:sym typeface="Helvetica Neue" panose="02000503000000020004"/>
       </a:defRPr>
     </a:lvl6pPr>
     <a:lvl7pPr indent="1371600" defTabSz="457200" latinLnBrk="0">
       <a:lnSpc>
-        <a:spcPct val="117999"/>
+        <a:spcPct val="118000"/>
       </a:lnSpc>
       <a:defRPr sz="2200">
-        <a:latin typeface="Helvetica Neue"/>
-        <a:ea typeface="Helvetica Neue"/>
-        <a:cs typeface="Helvetica Neue"/>
-        <a:sym typeface="Helvetica Neue"/>
+        <a:latin typeface="Helvetica Neue" panose="02000503000000020004"/>
+        <a:ea typeface="Helvetica Neue" panose="02000503000000020004"/>
+        <a:cs typeface="Helvetica Neue" panose="02000503000000020004"/>
+        <a:sym typeface="Helvetica Neue" panose="02000503000000020004"/>
       </a:defRPr>
     </a:lvl7pPr>
     <a:lvl8pPr indent="1600200" defTabSz="457200" latinLnBrk="0">
       <a:lnSpc>
-        <a:spcPct val="117999"/>
+        <a:spcPct val="118000"/>
       </a:lnSpc>
       <a:defRPr sz="2200">
-        <a:latin typeface="Helvetica Neue"/>
-        <a:ea typeface="Helvetica Neue"/>
-        <a:cs typeface="Helvetica Neue"/>
-        <a:sym typeface="Helvetica Neue"/>
+        <a:latin typeface="Helvetica Neue" panose="02000503000000020004"/>
+        <a:ea typeface="Helvetica Neue" panose="02000503000000020004"/>
+        <a:cs typeface="Helvetica Neue" panose="02000503000000020004"/>
+        <a:sym typeface="Helvetica Neue" panose="02000503000000020004"/>
       </a:defRPr>
     </a:lvl8pPr>
     <a:lvl9pPr indent="1828800" defTabSz="457200" latinLnBrk="0">
       <a:lnSpc>
-        <a:spcPct val="117999"/>
+        <a:spcPct val="118000"/>
       </a:lnSpc>
       <a:defRPr sz="2200">
-        <a:latin typeface="Helvetica Neue"/>
-        <a:ea typeface="Helvetica Neue"/>
-        <a:cs typeface="Helvetica Neue"/>
-        <a:sym typeface="Helvetica Neue"/>
+        <a:latin typeface="Helvetica Neue" panose="02000503000000020004"/>
+        <a:ea typeface="Helvetica Neue" panose="02000503000000020004"/>
+        <a:cs typeface="Helvetica Neue" panose="02000503000000020004"/>
+        <a:sym typeface="Helvetica Neue" panose="02000503000000020004"/>
       </a:defRPr>
     </a:lvl9pPr>
   </p:notesStyle>
@@ -511,7 +499,7 @@
 </file>
 
 <file path=ppt/notesSlides/notesSlide1.xml><?xml version="1.0" encoding="utf-8"?>
-<p:notes xmlns:a="http://schemas.openxmlformats.org/drawingml/2006/main" xmlns:r="http://schemas.openxmlformats.org/officeDocument/2006/relationships" xmlns:p="http://schemas.openxmlformats.org/presentationml/2006/main" showMasterSp="1" showMasterPhAnim="1">
+<p:notes xmlns:a="http://schemas.openxmlformats.org/drawingml/2006/main" xmlns:r="http://schemas.openxmlformats.org/officeDocument/2006/relationships" xmlns:p="http://schemas.openxmlformats.org/presentationml/2006/main">
   <p:cSld>
     <p:spTree>
       <p:nvGrpSpPr>
@@ -543,9 +531,7 @@
         <p:txBody>
           <a:bodyPr/>
           <a:lstStyle/>
-          <a:p>
-            <a:pPr/>
-          </a:p>
+          <a:p/>
         </p:txBody>
       </p:sp>
       <p:sp>
@@ -652,7 +638,7 @@
 </file>
 
 <file path=ppt/slideLayouts/slideLayout1.xml><?xml version="1.0" encoding="utf-8"?>
-<p:sldLayout xmlns:a="http://schemas.openxmlformats.org/drawingml/2006/main" xmlns:r="http://schemas.openxmlformats.org/officeDocument/2006/relationships" xmlns:p="http://schemas.openxmlformats.org/presentationml/2006/main" type="title" showMasterSp="1" showMasterPhAnim="1">
+<p:sldLayout xmlns:a="http://schemas.openxmlformats.org/drawingml/2006/main" xmlns:r="http://schemas.openxmlformats.org/officeDocument/2006/relationships" xmlns:p="http://schemas.openxmlformats.org/presentationml/2006/main" type="title">
   <p:cSld name="标题与副标题">
     <p:spTree>
       <p:nvGrpSpPr>
@@ -673,7 +659,7 @@
           <p:cNvPr id="11" name="Shape 11"/>
           <p:cNvSpPr/>
           <p:nvPr>
-            <p:ph type="title"/>
+            <p:ph type="title" hasCustomPrompt="1"/>
           </p:nvPr>
         </p:nvSpPr>
         <p:spPr>
@@ -689,7 +675,6 @@
           <a:bodyPr anchor="b"/>
           <a:lstStyle/>
           <a:p>
-            <a:pPr/>
             <a:r>
               <a:t>标题文本</a:t>
             </a:r>
@@ -701,7 +686,7 @@
           <p:cNvPr id="12" name="Shape 12"/>
           <p:cNvSpPr/>
           <p:nvPr>
-            <p:ph type="body" sz="quarter" idx="1"/>
+            <p:ph type="body" sz="quarter" idx="1" hasCustomPrompt="1"/>
           </p:nvPr>
         </p:nvSpPr>
         <p:spPr>
@@ -758,7 +743,6 @@
             </a:lvl5pPr>
           </a:lstStyle>
           <a:p>
-            <a:pPr/>
             <a:r>
               <a:t>正文级别 1</a:t>
             </a:r>
@@ -806,8 +790,10 @@
           <a:bodyPr/>
           <a:lstStyle/>
           <a:p>
-            <a:pPr/>
-            <a:fld id="{86CB4B4D-7CA3-9044-876B-883B54F8677D}" type="slidenum"/>
+            <a:fld id="{86CB4B4D-7CA3-9044-876B-883B54F8677D}" type="slidenum">
+              <a:rPr/>
+            </a:fld>
+            <a:endParaRPr/>
           </a:p>
         </p:txBody>
       </p:sp>
@@ -816,12 +802,12 @@
   <p:clrMapOvr>
     <a:masterClrMapping/>
   </p:clrMapOvr>
-  <p:transition xmlns:p14="http://schemas.microsoft.com/office/powerpoint/2010/main" spd="med" advClick="1"/>
+  <p:transition spd="med"/>
 </p:sldLayout>
 </file>
 
 <file path=ppt/slideLayouts/slideLayout10.xml><?xml version="1.0" encoding="utf-8"?>
-<p:sldLayout xmlns:a="http://schemas.openxmlformats.org/drawingml/2006/main" xmlns:r="http://schemas.openxmlformats.org/officeDocument/2006/relationships" xmlns:p="http://schemas.openxmlformats.org/presentationml/2006/main" type="tx" showMasterSp="1" showMasterPhAnim="1">
+<p:sldLayout xmlns:a="http://schemas.openxmlformats.org/drawingml/2006/main" xmlns:r="http://schemas.openxmlformats.org/officeDocument/2006/relationships" xmlns:p="http://schemas.openxmlformats.org/presentationml/2006/main" type="tx">
   <p:cSld name="引文">
     <p:spTree>
       <p:nvGrpSpPr>
@@ -842,7 +828,7 @@
           <p:cNvPr id="93" name="Shape 93"/>
           <p:cNvSpPr/>
           <p:nvPr>
-            <p:ph type="body" sz="quarter" idx="13"/>
+            <p:ph type="body" sz="quarter" idx="13" hasCustomPrompt="1"/>
           </p:nvPr>
         </p:nvSpPr>
         <p:spPr>
@@ -874,7 +860,6 @@
             </a:lvl1pPr>
           </a:lstStyle>
           <a:p>
-            <a:pPr/>
             <a:r>
               <a:t>–Johnny Appleseed</a:t>
             </a:r>
@@ -886,7 +871,7 @@
           <p:cNvPr id="94" name="Shape 94"/>
           <p:cNvSpPr/>
           <p:nvPr>
-            <p:ph type="body" sz="quarter" idx="14"/>
+            <p:ph type="body" sz="quarter" idx="14" hasCustomPrompt="1"/>
           </p:nvPr>
         </p:nvSpPr>
         <p:spPr>
@@ -912,7 +897,6 @@
             </a:lvl1pPr>
           </a:lstStyle>
           <a:p>
-            <a:pPr/>
             <a:r>
               <a:t>“在此键入引文。”</a:t>
             </a:r>
@@ -936,8 +920,10 @@
           <a:bodyPr/>
           <a:lstStyle/>
           <a:p>
-            <a:pPr/>
-            <a:fld id="{86CB4B4D-7CA3-9044-876B-883B54F8677D}" type="slidenum"/>
+            <a:fld id="{86CB4B4D-7CA3-9044-876B-883B54F8677D}" type="slidenum">
+              <a:rPr/>
+            </a:fld>
+            <a:endParaRPr/>
           </a:p>
         </p:txBody>
       </p:sp>
@@ -946,12 +932,12 @@
   <p:clrMapOvr>
     <a:masterClrMapping/>
   </p:clrMapOvr>
-  <p:transition xmlns:p14="http://schemas.microsoft.com/office/powerpoint/2010/main" spd="med" advClick="1"/>
+  <p:transition spd="med"/>
 </p:sldLayout>
 </file>
 
 <file path=ppt/slideLayouts/slideLayout11.xml><?xml version="1.0" encoding="utf-8"?>
-<p:sldLayout xmlns:a="http://schemas.openxmlformats.org/drawingml/2006/main" xmlns:r="http://schemas.openxmlformats.org/officeDocument/2006/relationships" xmlns:p="http://schemas.openxmlformats.org/presentationml/2006/main" type="tx" showMasterSp="1" showMasterPhAnim="1">
+<p:sldLayout xmlns:a="http://schemas.openxmlformats.org/drawingml/2006/main" xmlns:r="http://schemas.openxmlformats.org/officeDocument/2006/relationships" xmlns:p="http://schemas.openxmlformats.org/presentationml/2006/main" type="tx">
   <p:cSld name="照片">
     <p:spTree>
       <p:nvGrpSpPr>
@@ -989,9 +975,7 @@
             <a:noAutofit/>
           </a:bodyPr>
           <a:lstStyle/>
-          <a:p>
-            <a:pPr/>
-          </a:p>
+          <a:p/>
         </p:txBody>
       </p:sp>
       <p:sp>
@@ -1011,8 +995,10 @@
           <a:bodyPr/>
           <a:lstStyle/>
           <a:p>
-            <a:pPr/>
-            <a:fld id="{86CB4B4D-7CA3-9044-876B-883B54F8677D}" type="slidenum"/>
+            <a:fld id="{86CB4B4D-7CA3-9044-876B-883B54F8677D}" type="slidenum">
+              <a:rPr/>
+            </a:fld>
+            <a:endParaRPr/>
           </a:p>
         </p:txBody>
       </p:sp>
@@ -1021,12 +1007,12 @@
   <p:clrMapOvr>
     <a:masterClrMapping/>
   </p:clrMapOvr>
-  <p:transition xmlns:p14="http://schemas.microsoft.com/office/powerpoint/2010/main" spd="med" advClick="1"/>
+  <p:transition spd="med"/>
 </p:sldLayout>
 </file>
 
 <file path=ppt/slideLayouts/slideLayout12.xml><?xml version="1.0" encoding="utf-8"?>
-<p:sldLayout xmlns:a="http://schemas.openxmlformats.org/drawingml/2006/main" xmlns:r="http://schemas.openxmlformats.org/officeDocument/2006/relationships" xmlns:p="http://schemas.openxmlformats.org/presentationml/2006/main" type="tx" showMasterSp="1" showMasterPhAnim="1">
+<p:sldLayout xmlns:a="http://schemas.openxmlformats.org/drawingml/2006/main" xmlns:r="http://schemas.openxmlformats.org/officeDocument/2006/relationships" xmlns:p="http://schemas.openxmlformats.org/presentationml/2006/main" type="tx">
   <p:cSld name="空白">
     <p:spTree>
       <p:nvGrpSpPr>
@@ -1059,8 +1045,10 @@
           <a:bodyPr/>
           <a:lstStyle/>
           <a:p>
-            <a:pPr/>
-            <a:fld id="{86CB4B4D-7CA3-9044-876B-883B54F8677D}" type="slidenum"/>
+            <a:fld id="{86CB4B4D-7CA3-9044-876B-883B54F8677D}" type="slidenum">
+              <a:rPr/>
+            </a:fld>
+            <a:endParaRPr/>
           </a:p>
         </p:txBody>
       </p:sp>
@@ -1069,12 +1057,12 @@
   <p:clrMapOvr>
     <a:masterClrMapping/>
   </p:clrMapOvr>
-  <p:transition xmlns:p14="http://schemas.microsoft.com/office/powerpoint/2010/main" spd="med" advClick="1"/>
+  <p:transition spd="med"/>
 </p:sldLayout>
 </file>
 
 <file path=ppt/slideLayouts/slideLayout13.xml><?xml version="1.0" encoding="utf-8"?>
-<p:sldLayout xmlns:a="http://schemas.openxmlformats.org/drawingml/2006/main" xmlns:r="http://schemas.openxmlformats.org/officeDocument/2006/relationships" xmlns:p="http://schemas.openxmlformats.org/presentationml/2006/main" type="tx" showMasterSp="1" showMasterPhAnim="1">
+<p:sldLayout xmlns:a="http://schemas.openxmlformats.org/drawingml/2006/main" xmlns:r="http://schemas.openxmlformats.org/officeDocument/2006/relationships" xmlns:p="http://schemas.openxmlformats.org/presentationml/2006/main" type="tx">
   <p:cSld name="Title and Content">
     <p:spTree>
       <p:nvGrpSpPr>
@@ -1112,7 +1100,7 @@
             <a:tailEnd type="triangle"/>
           </a:ln>
           <a:effectLst>
-            <a:outerShdw sx="100000" sy="100000" kx="0" ky="0" algn="b" rotWithShape="0" blurRad="76200" dist="12700" dir="5400000">
+            <a:outerShdw blurRad="76200" dist="12700" dir="5400000" rotWithShape="0">
               <a:srgbClr val="000000">
                 <a:alpha val="60000"/>
               </a:srgbClr>
@@ -1182,7 +1170,7 @@
           <p:cNvPr id="119" name="Shape 119"/>
           <p:cNvSpPr/>
           <p:nvPr>
-            <p:ph type="title"/>
+            <p:ph type="title" hasCustomPrompt="1"/>
           </p:nvPr>
         </p:nvSpPr>
         <p:spPr>
@@ -1210,7 +1198,6 @@
             </a:lvl1pPr>
           </a:lstStyle>
           <a:p>
-            <a:pPr/>
             <a:r>
               <a:t>标题文本</a:t>
             </a:r>
@@ -1222,7 +1209,7 @@
           <p:cNvPr id="120" name="Shape 120"/>
           <p:cNvSpPr/>
           <p:nvPr>
-            <p:ph type="body" idx="1"/>
+            <p:ph type="body" idx="1" hasCustomPrompt="1"/>
           </p:nvPr>
         </p:nvSpPr>
         <p:spPr>
@@ -1237,7 +1224,7 @@
         <p:txBody>
           <a:bodyPr lIns="91439" tIns="91439" rIns="91439" bIns="91439" anchor="t"/>
           <a:lstStyle>
-            <a:lvl1pPr marL="758952" indent="-640080" defTabSz="1828800">
+            <a:lvl1pPr marL="758825" indent="-640080" defTabSz="1828800">
               <a:spcBef>
                 <a:spcPts val="0"/>
               </a:spcBef>
@@ -1245,7 +1232,7 @@
                 <a:srgbClr val="F0AD00"/>
               </a:buClr>
               <a:buSzPct val="80000"/>
-              <a:buFont typeface="Wingdings 2"/>
+              <a:buFont typeface="Wingdings 2" panose="05020102010507070707"/>
               <a:buChar char="◼"/>
               <a:defRPr sz="6400">
                 <a:latin typeface="Corbel"/>
@@ -1254,7 +1241,7 @@
                 <a:sym typeface="Corbel"/>
               </a:defRPr>
             </a:lvl1pPr>
-            <a:lvl2pPr marL="1084217" indent="-627017" defTabSz="1828800">
+            <a:lvl2pPr marL="1083945" indent="-626745" defTabSz="1828800">
               <a:spcBef>
                 <a:spcPts val="0"/>
               </a:spcBef>
@@ -1262,7 +1249,7 @@
                 <a:srgbClr val="F0AD00"/>
               </a:buClr>
               <a:buSzPct val="90000"/>
-              <a:buFont typeface="Wingdings 2"/>
+              <a:buFont typeface="Wingdings 2" panose="05020102010507070707"/>
               <a:buChar char="▪"/>
               <a:defRPr sz="6400">
                 <a:latin typeface="Corbel"/>
@@ -1271,7 +1258,7 @@
                 <a:sym typeface="Corbel"/>
               </a:defRPr>
             </a:lvl2pPr>
-            <a:lvl3pPr marL="1377696" indent="-609600" defTabSz="1828800">
+            <a:lvl3pPr marL="1377950" indent="-609600" defTabSz="1828800">
               <a:spcBef>
                 <a:spcPts val="0"/>
               </a:spcBef>
@@ -1279,7 +1266,7 @@
                 <a:srgbClr val="F0AD00"/>
               </a:buClr>
               <a:buSzPct val="100000"/>
-              <a:buFont typeface="Wingdings 2"/>
+              <a:buFont typeface="Wingdings 2" panose="05020102010507070707"/>
               <a:buChar char="▪"/>
               <a:defRPr sz="6400">
                 <a:latin typeface="Corbel"/>
@@ -1288,7 +1275,7 @@
                 <a:sym typeface="Corbel"/>
               </a:defRPr>
             </a:lvl3pPr>
-            <a:lvl4pPr marL="1618488" indent="-585216" defTabSz="1828800">
+            <a:lvl4pPr marL="1618615" indent="-585470" defTabSz="1828800">
               <a:spcBef>
                 <a:spcPts val="0"/>
               </a:spcBef>
@@ -1296,7 +1283,7 @@
                 <a:srgbClr val="F0AD00"/>
               </a:buClr>
               <a:buSzPct val="100000"/>
-              <a:buFont typeface="Wingdings 2"/>
+              <a:buFont typeface="Wingdings 2" panose="05020102010507070707"/>
               <a:buChar char="▪"/>
               <a:defRPr sz="6400">
                 <a:latin typeface="Corbel"/>
@@ -1305,7 +1292,7 @@
                 <a:sym typeface="Corbel"/>
               </a:defRPr>
             </a:lvl4pPr>
-            <a:lvl5pPr marL="1828800" indent="-585216" defTabSz="1828800">
+            <a:lvl5pPr marL="1828800" indent="-585470" defTabSz="1828800">
               <a:spcBef>
                 <a:spcPts val="0"/>
               </a:spcBef>
@@ -1313,7 +1300,7 @@
                 <a:srgbClr val="F0AD00"/>
               </a:buClr>
               <a:buSzPct val="100000"/>
-              <a:buFont typeface="Wingdings 2"/>
+              <a:buFont typeface="Wingdings 2" panose="05020102010507070707"/>
               <a:buChar char=""/>
               <a:defRPr sz="6400">
                 <a:latin typeface="Corbel"/>
@@ -1324,7 +1311,6 @@
             </a:lvl5pPr>
           </a:lstStyle>
           <a:p>
-            <a:pPr/>
             <a:r>
               <a:t>正文级别 1</a:t>
             </a:r>
@@ -1388,8 +1374,10 @@
             </a:lvl1pPr>
           </a:lstStyle>
           <a:p>
-            <a:pPr/>
-            <a:fld id="{86CB4B4D-7CA3-9044-876B-883B54F8677D}" type="slidenum"/>
+            <a:fld id="{86CB4B4D-7CA3-9044-876B-883B54F8677D}" type="slidenum">
+              <a:rPr/>
+            </a:fld>
+            <a:endParaRPr/>
           </a:p>
         </p:txBody>
       </p:sp>
@@ -1398,12 +1386,12 @@
   <p:clrMapOvr>
     <a:masterClrMapping/>
   </p:clrMapOvr>
-  <p:transition xmlns:p14="http://schemas.microsoft.com/office/powerpoint/2010/main" spd="med" advClick="1"/>
+  <p:transition spd="med"/>
 </p:sldLayout>
 </file>
 
 <file path=ppt/slideLayouts/slideLayout2.xml><?xml version="1.0" encoding="utf-8"?>
-<p:sldLayout xmlns:a="http://schemas.openxmlformats.org/drawingml/2006/main" xmlns:r="http://schemas.openxmlformats.org/officeDocument/2006/relationships" xmlns:p="http://schemas.openxmlformats.org/presentationml/2006/main" type="tx" showMasterSp="1" showMasterPhAnim="1">
+<p:sldLayout xmlns:a="http://schemas.openxmlformats.org/drawingml/2006/main" xmlns:r="http://schemas.openxmlformats.org/officeDocument/2006/relationships" xmlns:p="http://schemas.openxmlformats.org/presentationml/2006/main" type="tx">
   <p:cSld name="照片 - 水平">
     <p:spTree>
       <p:nvGrpSpPr>
@@ -1441,9 +1429,7 @@
             <a:noAutofit/>
           </a:bodyPr>
           <a:lstStyle/>
-          <a:p>
-            <a:pPr/>
-          </a:p>
+          <a:p/>
         </p:txBody>
       </p:sp>
       <p:sp>
@@ -1451,7 +1437,7 @@
           <p:cNvPr id="21" name="Shape 21"/>
           <p:cNvSpPr/>
           <p:nvPr>
-            <p:ph type="title"/>
+            <p:ph type="title" hasCustomPrompt="1"/>
           </p:nvPr>
         </p:nvSpPr>
         <p:spPr>
@@ -1467,7 +1453,6 @@
           <a:bodyPr anchor="b"/>
           <a:lstStyle/>
           <a:p>
-            <a:pPr/>
             <a:r>
               <a:t>标题文本</a:t>
             </a:r>
@@ -1479,7 +1464,7 @@
           <p:cNvPr id="22" name="Shape 22"/>
           <p:cNvSpPr/>
           <p:nvPr>
-            <p:ph type="body" sz="quarter" idx="1"/>
+            <p:ph type="body" sz="quarter" idx="1" hasCustomPrompt="1"/>
           </p:nvPr>
         </p:nvSpPr>
         <p:spPr>
@@ -1536,7 +1521,6 @@
             </a:lvl5pPr>
           </a:lstStyle>
           <a:p>
-            <a:pPr/>
             <a:r>
               <a:t>正文级别 1</a:t>
             </a:r>
@@ -1584,8 +1568,10 @@
           <a:bodyPr/>
           <a:lstStyle/>
           <a:p>
-            <a:pPr/>
-            <a:fld id="{86CB4B4D-7CA3-9044-876B-883B54F8677D}" type="slidenum"/>
+            <a:fld id="{86CB4B4D-7CA3-9044-876B-883B54F8677D}" type="slidenum">
+              <a:rPr/>
+            </a:fld>
+            <a:endParaRPr/>
           </a:p>
         </p:txBody>
       </p:sp>
@@ -1594,12 +1580,12 @@
   <p:clrMapOvr>
     <a:masterClrMapping/>
   </p:clrMapOvr>
-  <p:transition xmlns:p14="http://schemas.microsoft.com/office/powerpoint/2010/main" spd="med" advClick="1"/>
+  <p:transition spd="med"/>
 </p:sldLayout>
 </file>
 
 <file path=ppt/slideLayouts/slideLayout3.xml><?xml version="1.0" encoding="utf-8"?>
-<p:sldLayout xmlns:a="http://schemas.openxmlformats.org/drawingml/2006/main" xmlns:r="http://schemas.openxmlformats.org/officeDocument/2006/relationships" xmlns:p="http://schemas.openxmlformats.org/presentationml/2006/main" type="tx" showMasterSp="1" showMasterPhAnim="1">
+<p:sldLayout xmlns:a="http://schemas.openxmlformats.org/drawingml/2006/main" xmlns:r="http://schemas.openxmlformats.org/officeDocument/2006/relationships" xmlns:p="http://schemas.openxmlformats.org/presentationml/2006/main" type="tx">
   <p:cSld name="标题 - 居中">
     <p:spTree>
       <p:nvGrpSpPr>
@@ -1620,7 +1606,7 @@
           <p:cNvPr id="30" name="Shape 30"/>
           <p:cNvSpPr/>
           <p:nvPr>
-            <p:ph type="title"/>
+            <p:ph type="title" hasCustomPrompt="1"/>
           </p:nvPr>
         </p:nvSpPr>
         <p:spPr>
@@ -1636,7 +1622,6 @@
           <a:bodyPr/>
           <a:lstStyle/>
           <a:p>
-            <a:pPr/>
             <a:r>
               <a:t>标题文本</a:t>
             </a:r>
@@ -1660,8 +1645,10 @@
           <a:bodyPr/>
           <a:lstStyle/>
           <a:p>
-            <a:pPr/>
-            <a:fld id="{86CB4B4D-7CA3-9044-876B-883B54F8677D}" type="slidenum"/>
+            <a:fld id="{86CB4B4D-7CA3-9044-876B-883B54F8677D}" type="slidenum">
+              <a:rPr/>
+            </a:fld>
+            <a:endParaRPr/>
           </a:p>
         </p:txBody>
       </p:sp>
@@ -1670,12 +1657,12 @@
   <p:clrMapOvr>
     <a:masterClrMapping/>
   </p:clrMapOvr>
-  <p:transition xmlns:p14="http://schemas.microsoft.com/office/powerpoint/2010/main" spd="med" advClick="1"/>
+  <p:transition spd="med"/>
 </p:sldLayout>
 </file>
 
 <file path=ppt/slideLayouts/slideLayout4.xml><?xml version="1.0" encoding="utf-8"?>
-<p:sldLayout xmlns:a="http://schemas.openxmlformats.org/drawingml/2006/main" xmlns:r="http://schemas.openxmlformats.org/officeDocument/2006/relationships" xmlns:p="http://schemas.openxmlformats.org/presentationml/2006/main" type="tx" showMasterSp="1" showMasterPhAnim="1">
+<p:sldLayout xmlns:a="http://schemas.openxmlformats.org/drawingml/2006/main" xmlns:r="http://schemas.openxmlformats.org/officeDocument/2006/relationships" xmlns:p="http://schemas.openxmlformats.org/presentationml/2006/main" type="tx">
   <p:cSld name="照片 - 垂直">
     <p:spTree>
       <p:nvGrpSpPr>
@@ -1713,9 +1700,7 @@
             <a:noAutofit/>
           </a:bodyPr>
           <a:lstStyle/>
-          <a:p>
-            <a:pPr/>
-          </a:p>
+          <a:p/>
         </p:txBody>
       </p:sp>
       <p:sp>
@@ -1723,7 +1708,7 @@
           <p:cNvPr id="39" name="Shape 39"/>
           <p:cNvSpPr/>
           <p:nvPr>
-            <p:ph type="title"/>
+            <p:ph type="title" hasCustomPrompt="1"/>
           </p:nvPr>
         </p:nvSpPr>
         <p:spPr>
@@ -1743,7 +1728,6 @@
             </a:lvl1pPr>
           </a:lstStyle>
           <a:p>
-            <a:pPr/>
             <a:r>
               <a:t>标题文本</a:t>
             </a:r>
@@ -1755,7 +1739,7 @@
           <p:cNvPr id="40" name="Shape 40"/>
           <p:cNvSpPr/>
           <p:nvPr>
-            <p:ph type="body" sz="quarter" idx="1"/>
+            <p:ph type="body" sz="quarter" idx="1" hasCustomPrompt="1"/>
           </p:nvPr>
         </p:nvSpPr>
         <p:spPr>
@@ -1812,7 +1796,6 @@
             </a:lvl5pPr>
           </a:lstStyle>
           <a:p>
-            <a:pPr/>
             <a:r>
               <a:t>正文级别 1</a:t>
             </a:r>
@@ -1860,8 +1843,10 @@
           <a:bodyPr/>
           <a:lstStyle/>
           <a:p>
-            <a:pPr/>
-            <a:fld id="{86CB4B4D-7CA3-9044-876B-883B54F8677D}" type="slidenum"/>
+            <a:fld id="{86CB4B4D-7CA3-9044-876B-883B54F8677D}" type="slidenum">
+              <a:rPr/>
+            </a:fld>
+            <a:endParaRPr/>
           </a:p>
         </p:txBody>
       </p:sp>
@@ -1870,12 +1855,12 @@
   <p:clrMapOvr>
     <a:masterClrMapping/>
   </p:clrMapOvr>
-  <p:transition xmlns:p14="http://schemas.microsoft.com/office/powerpoint/2010/main" spd="med" advClick="1"/>
+  <p:transition spd="med"/>
 </p:sldLayout>
 </file>
 
 <file path=ppt/slideLayouts/slideLayout5.xml><?xml version="1.0" encoding="utf-8"?>
-<p:sldLayout xmlns:a="http://schemas.openxmlformats.org/drawingml/2006/main" xmlns:r="http://schemas.openxmlformats.org/officeDocument/2006/relationships" xmlns:p="http://schemas.openxmlformats.org/presentationml/2006/main" type="tx" showMasterSp="1" showMasterPhAnim="1">
+<p:sldLayout xmlns:a="http://schemas.openxmlformats.org/drawingml/2006/main" xmlns:r="http://schemas.openxmlformats.org/officeDocument/2006/relationships" xmlns:p="http://schemas.openxmlformats.org/presentationml/2006/main" type="tx">
   <p:cSld name="标题 - 顶部对齐">
     <p:spTree>
       <p:nvGrpSpPr>
@@ -1896,7 +1881,7 @@
           <p:cNvPr id="48" name="Shape 48"/>
           <p:cNvSpPr/>
           <p:nvPr>
-            <p:ph type="title"/>
+            <p:ph type="title" hasCustomPrompt="1"/>
           </p:nvPr>
         </p:nvSpPr>
         <p:spPr>
@@ -1908,7 +1893,6 @@
           <a:bodyPr/>
           <a:lstStyle/>
           <a:p>
-            <a:pPr/>
             <a:r>
               <a:t>标题文本</a:t>
             </a:r>
@@ -1932,8 +1916,10 @@
           <a:bodyPr/>
           <a:lstStyle/>
           <a:p>
-            <a:pPr/>
-            <a:fld id="{86CB4B4D-7CA3-9044-876B-883B54F8677D}" type="slidenum"/>
+            <a:fld id="{86CB4B4D-7CA3-9044-876B-883B54F8677D}" type="slidenum">
+              <a:rPr/>
+            </a:fld>
+            <a:endParaRPr/>
           </a:p>
         </p:txBody>
       </p:sp>
@@ -1942,12 +1928,12 @@
   <p:clrMapOvr>
     <a:masterClrMapping/>
   </p:clrMapOvr>
-  <p:transition xmlns:p14="http://schemas.microsoft.com/office/powerpoint/2010/main" spd="med" advClick="1"/>
+  <p:transition spd="med"/>
 </p:sldLayout>
 </file>
 
 <file path=ppt/slideLayouts/slideLayout6.xml><?xml version="1.0" encoding="utf-8"?>
-<p:sldLayout xmlns:a="http://schemas.openxmlformats.org/drawingml/2006/main" xmlns:r="http://schemas.openxmlformats.org/officeDocument/2006/relationships" xmlns:p="http://schemas.openxmlformats.org/presentationml/2006/main" type="tx" showMasterSp="1" showMasterPhAnim="1">
+<p:sldLayout xmlns:a="http://schemas.openxmlformats.org/drawingml/2006/main" xmlns:r="http://schemas.openxmlformats.org/officeDocument/2006/relationships" xmlns:p="http://schemas.openxmlformats.org/presentationml/2006/main" type="tx">
   <p:cSld name="标题与项目符号">
     <p:spTree>
       <p:nvGrpSpPr>
@@ -1968,7 +1954,7 @@
           <p:cNvPr id="56" name="Shape 56"/>
           <p:cNvSpPr/>
           <p:nvPr>
-            <p:ph type="title"/>
+            <p:ph type="title" hasCustomPrompt="1"/>
           </p:nvPr>
         </p:nvSpPr>
         <p:spPr>
@@ -1980,7 +1966,6 @@
           <a:bodyPr/>
           <a:lstStyle/>
           <a:p>
-            <a:pPr/>
             <a:r>
               <a:t>标题文本</a:t>
             </a:r>
@@ -1992,7 +1977,7 @@
           <p:cNvPr id="57" name="Shape 57"/>
           <p:cNvSpPr/>
           <p:nvPr>
-            <p:ph type="body" idx="1"/>
+            <p:ph type="body" idx="1" hasCustomPrompt="1"/>
           </p:nvPr>
         </p:nvSpPr>
         <p:spPr>
@@ -2004,7 +1989,6 @@
           <a:bodyPr/>
           <a:lstStyle/>
           <a:p>
-            <a:pPr/>
             <a:r>
               <a:t>正文级别 1</a:t>
             </a:r>
@@ -2052,8 +2036,10 @@
           <a:bodyPr/>
           <a:lstStyle/>
           <a:p>
-            <a:pPr/>
-            <a:fld id="{86CB4B4D-7CA3-9044-876B-883B54F8677D}" type="slidenum"/>
+            <a:fld id="{86CB4B4D-7CA3-9044-876B-883B54F8677D}" type="slidenum">
+              <a:rPr/>
+            </a:fld>
+            <a:endParaRPr/>
           </a:p>
         </p:txBody>
       </p:sp>
@@ -2062,12 +2048,12 @@
   <p:clrMapOvr>
     <a:masterClrMapping/>
   </p:clrMapOvr>
-  <p:transition xmlns:p14="http://schemas.microsoft.com/office/powerpoint/2010/main" spd="med" advClick="1"/>
+  <p:transition spd="med"/>
 </p:sldLayout>
 </file>
 
 <file path=ppt/slideLayouts/slideLayout7.xml><?xml version="1.0" encoding="utf-8"?>
-<p:sldLayout xmlns:a="http://schemas.openxmlformats.org/drawingml/2006/main" xmlns:r="http://schemas.openxmlformats.org/officeDocument/2006/relationships" xmlns:p="http://schemas.openxmlformats.org/presentationml/2006/main" type="tx" showMasterSp="1" showMasterPhAnim="1">
+<p:sldLayout xmlns:a="http://schemas.openxmlformats.org/drawingml/2006/main" xmlns:r="http://schemas.openxmlformats.org/officeDocument/2006/relationships" xmlns:p="http://schemas.openxmlformats.org/presentationml/2006/main" type="tx">
   <p:cSld name="标题、项目符号与照片">
     <p:spTree>
       <p:nvGrpSpPr>
@@ -2105,9 +2091,7 @@
             <a:noAutofit/>
           </a:bodyPr>
           <a:lstStyle/>
-          <a:p>
-            <a:pPr/>
-          </a:p>
+          <a:p/>
         </p:txBody>
       </p:sp>
       <p:sp>
@@ -2115,7 +2099,7 @@
           <p:cNvPr id="66" name="Shape 66"/>
           <p:cNvSpPr/>
           <p:nvPr>
-            <p:ph type="title"/>
+            <p:ph type="title" hasCustomPrompt="1"/>
           </p:nvPr>
         </p:nvSpPr>
         <p:spPr>
@@ -2127,7 +2111,6 @@
           <a:bodyPr/>
           <a:lstStyle/>
           <a:p>
-            <a:pPr/>
             <a:r>
               <a:t>标题文本</a:t>
             </a:r>
@@ -2139,7 +2122,7 @@
           <p:cNvPr id="67" name="Shape 67"/>
           <p:cNvSpPr/>
           <p:nvPr>
-            <p:ph type="body" sz="half" idx="1"/>
+            <p:ph type="body" sz="half" idx="1" hasCustomPrompt="1"/>
           </p:nvPr>
         </p:nvSpPr>
         <p:spPr>
@@ -2186,7 +2169,6 @@
             </a:lvl5pPr>
           </a:lstStyle>
           <a:p>
-            <a:pPr/>
             <a:r>
               <a:t>正文级别 1</a:t>
             </a:r>
@@ -2234,8 +2216,10 @@
           <a:bodyPr/>
           <a:lstStyle/>
           <a:p>
-            <a:pPr/>
-            <a:fld id="{86CB4B4D-7CA3-9044-876B-883B54F8677D}" type="slidenum"/>
+            <a:fld id="{86CB4B4D-7CA3-9044-876B-883B54F8677D}" type="slidenum">
+              <a:rPr/>
+            </a:fld>
+            <a:endParaRPr/>
           </a:p>
         </p:txBody>
       </p:sp>
@@ -2244,12 +2228,12 @@
   <p:clrMapOvr>
     <a:masterClrMapping/>
   </p:clrMapOvr>
-  <p:transition xmlns:p14="http://schemas.microsoft.com/office/powerpoint/2010/main" spd="med" advClick="1"/>
+  <p:transition spd="med"/>
 </p:sldLayout>
 </file>
 
 <file path=ppt/slideLayouts/slideLayout8.xml><?xml version="1.0" encoding="utf-8"?>
-<p:sldLayout xmlns:a="http://schemas.openxmlformats.org/drawingml/2006/main" xmlns:r="http://schemas.openxmlformats.org/officeDocument/2006/relationships" xmlns:p="http://schemas.openxmlformats.org/presentationml/2006/main" type="tx" showMasterSp="1" showMasterPhAnim="1">
+<p:sldLayout xmlns:a="http://schemas.openxmlformats.org/drawingml/2006/main" xmlns:r="http://schemas.openxmlformats.org/officeDocument/2006/relationships" xmlns:p="http://schemas.openxmlformats.org/presentationml/2006/main" type="tx">
   <p:cSld name="项目符号">
     <p:spTree>
       <p:nvGrpSpPr>
@@ -2270,7 +2254,7 @@
           <p:cNvPr id="75" name="Shape 75"/>
           <p:cNvSpPr/>
           <p:nvPr>
-            <p:ph type="body" idx="1"/>
+            <p:ph type="body" idx="1" hasCustomPrompt="1"/>
           </p:nvPr>
         </p:nvSpPr>
         <p:spPr>
@@ -2286,7 +2270,6 @@
           <a:bodyPr/>
           <a:lstStyle/>
           <a:p>
-            <a:pPr/>
             <a:r>
               <a:t>正文级别 1</a:t>
             </a:r>
@@ -2334,8 +2317,10 @@
           <a:bodyPr/>
           <a:lstStyle/>
           <a:p>
-            <a:pPr/>
-            <a:fld id="{86CB4B4D-7CA3-9044-876B-883B54F8677D}" type="slidenum"/>
+            <a:fld id="{86CB4B4D-7CA3-9044-876B-883B54F8677D}" type="slidenum">
+              <a:rPr/>
+            </a:fld>
+            <a:endParaRPr/>
           </a:p>
         </p:txBody>
       </p:sp>
@@ -2344,12 +2329,12 @@
   <p:clrMapOvr>
     <a:masterClrMapping/>
   </p:clrMapOvr>
-  <p:transition xmlns:p14="http://schemas.microsoft.com/office/powerpoint/2010/main" spd="med" advClick="1"/>
+  <p:transition spd="med"/>
 </p:sldLayout>
 </file>
 
 <file path=ppt/slideLayouts/slideLayout9.xml><?xml version="1.0" encoding="utf-8"?>
-<p:sldLayout xmlns:a="http://schemas.openxmlformats.org/drawingml/2006/main" xmlns:r="http://schemas.openxmlformats.org/officeDocument/2006/relationships" xmlns:p="http://schemas.openxmlformats.org/presentationml/2006/main" type="tx" showMasterSp="1" showMasterPhAnim="1">
+<p:sldLayout xmlns:a="http://schemas.openxmlformats.org/drawingml/2006/main" xmlns:r="http://schemas.openxmlformats.org/officeDocument/2006/relationships" xmlns:p="http://schemas.openxmlformats.org/presentationml/2006/main" type="tx">
   <p:cSld name="照片 - 3 联">
     <p:spTree>
       <p:nvGrpSpPr>
@@ -2387,9 +2372,7 @@
             <a:noAutofit/>
           </a:bodyPr>
           <a:lstStyle/>
-          <a:p>
-            <a:pPr/>
-          </a:p>
+          <a:p/>
         </p:txBody>
       </p:sp>
       <p:sp>
@@ -2414,9 +2397,7 @@
             <a:noAutofit/>
           </a:bodyPr>
           <a:lstStyle/>
-          <a:p>
-            <a:pPr/>
-          </a:p>
+          <a:p/>
         </p:txBody>
       </p:sp>
       <p:sp>
@@ -2441,9 +2422,7 @@
             <a:noAutofit/>
           </a:bodyPr>
           <a:lstStyle/>
-          <a:p>
-            <a:pPr/>
-          </a:p>
+          <a:p/>
         </p:txBody>
       </p:sp>
       <p:sp>
@@ -2463,8 +2442,10 @@
           <a:bodyPr/>
           <a:lstStyle/>
           <a:p>
-            <a:pPr/>
-            <a:fld id="{86CB4B4D-7CA3-9044-876B-883B54F8677D}" type="slidenum"/>
+            <a:fld id="{86CB4B4D-7CA3-9044-876B-883B54F8677D}" type="slidenum">
+              <a:rPr/>
+            </a:fld>
+            <a:endParaRPr/>
           </a:p>
         </p:txBody>
       </p:sp>
@@ -2473,7 +2454,7 @@
   <p:clrMapOvr>
     <a:masterClrMapping/>
   </p:clrMapOvr>
-  <p:transition xmlns:p14="http://schemas.microsoft.com/office/powerpoint/2010/main" spd="med" advClick="1"/>
+  <p:transition spd="med"/>
 </p:sldLayout>
 </file>
 
@@ -2485,6 +2466,7 @@
         <a:solidFill>
           <a:srgbClr val="FFFFFF"/>
         </a:solidFill>
+        <a:effectLst/>
       </p:bgPr>
     </p:bg>
     <p:spTree>
@@ -2520,19 +2502,13 @@
           <a:ln w="12700">
             <a:miter lim="400000"/>
           </a:ln>
-          <a:extLst>
-            <a:ext uri="{C572A759-6A51-4108-AA02-DFA0A04FC94B}">
-              <ma14:wrappingTextBoxFlag xmlns:ma14="http://schemas.microsoft.com/office/mac/drawingml/2011/main" val="1"/>
-            </a:ext>
-          </a:extLst>
         </p:spPr>
         <p:txBody>
           <a:bodyPr lIns="50800" tIns="50800" rIns="50800" bIns="50800" anchor="ctr">
-            <a:normAutofit fontScale="100000" lnSpcReduction="0"/>
+            <a:normAutofit/>
           </a:bodyPr>
           <a:lstStyle/>
           <a:p>
-            <a:pPr/>
             <a:r>
               <a:t>标题文本</a:t>
             </a:r>
@@ -2558,19 +2534,13 @@
           <a:ln w="12700">
             <a:miter lim="400000"/>
           </a:ln>
-          <a:extLst>
-            <a:ext uri="{C572A759-6A51-4108-AA02-DFA0A04FC94B}">
-              <ma14:wrappingTextBoxFlag xmlns:ma14="http://schemas.microsoft.com/office/mac/drawingml/2011/main" val="1"/>
-            </a:ext>
-          </a:extLst>
         </p:spPr>
         <p:txBody>
           <a:bodyPr lIns="50800" tIns="50800" rIns="50800" bIns="50800" anchor="ctr">
-            <a:normAutofit fontScale="100000" lnSpcReduction="0"/>
+            <a:normAutofit/>
           </a:bodyPr>
           <a:lstStyle/>
           <a:p>
-            <a:pPr/>
             <a:r>
               <a:t>正文级别 1</a:t>
             </a:r>
@@ -2631,8 +2601,10 @@
             </a:lvl1pPr>
           </a:lstStyle>
           <a:p>
-            <a:pPr/>
-            <a:fld id="{86CB4B4D-7CA3-9044-876B-883B54F8677D}" type="slidenum"/>
+            <a:fld id="{86CB4B4D-7CA3-9044-876B-883B54F8677D}" type="slidenum">
+              <a:rPr/>
+            </a:fld>
+            <a:endParaRPr/>
           </a:p>
         </p:txBody>
       </p:sp>
@@ -2640,21 +2612,21 @@
   </p:cSld>
   <p:clrMap bg1="lt1" tx1="dk1" bg2="lt2" tx2="dk2" accent1="accent1" accent2="accent2" accent3="accent3" accent4="accent4" accent5="accent5" accent6="accent6" hlink="hlink" folHlink="folHlink"/>
   <p:sldLayoutIdLst>
-    <p:sldLayoutId id="2147483649" r:id="rId2"/>
-    <p:sldLayoutId id="2147483650" r:id="rId3"/>
-    <p:sldLayoutId id="2147483651" r:id="rId4"/>
-    <p:sldLayoutId id="2147483652" r:id="rId5"/>
-    <p:sldLayoutId id="2147483653" r:id="rId6"/>
-    <p:sldLayoutId id="2147483654" r:id="rId7"/>
-    <p:sldLayoutId id="2147483655" r:id="rId8"/>
-    <p:sldLayoutId id="2147483656" r:id="rId9"/>
-    <p:sldLayoutId id="2147483657" r:id="rId10"/>
-    <p:sldLayoutId id="2147483658" r:id="rId11"/>
-    <p:sldLayoutId id="2147483659" r:id="rId12"/>
-    <p:sldLayoutId id="2147483660" r:id="rId13"/>
-    <p:sldLayoutId id="2147483661" r:id="rId14"/>
+    <p:sldLayoutId id="2147483649" r:id="rId1"/>
+    <p:sldLayoutId id="2147483650" r:id="rId2"/>
+    <p:sldLayoutId id="2147483651" r:id="rId3"/>
+    <p:sldLayoutId id="2147483652" r:id="rId4"/>
+    <p:sldLayoutId id="2147483653" r:id="rId5"/>
+    <p:sldLayoutId id="2147483654" r:id="rId6"/>
+    <p:sldLayoutId id="2147483655" r:id="rId7"/>
+    <p:sldLayoutId id="2147483656" r:id="rId8"/>
+    <p:sldLayoutId id="2147483657" r:id="rId9"/>
+    <p:sldLayoutId id="2147483658" r:id="rId10"/>
+    <p:sldLayoutId id="2147483659" r:id="rId11"/>
+    <p:sldLayoutId id="2147483660" r:id="rId12"/>
+    <p:sldLayoutId id="2147483661" r:id="rId13"/>
   </p:sldLayoutIdLst>
-  <p:transition xmlns:p14="http://schemas.microsoft.com/office/powerpoint/2010/main" spd="med" advClick="1"/>
+  <p:transition spd="med"/>
   <p:txStyles>
     <p:titleStyle>
       <a:lvl1pPr marL="0" marR="0" indent="0" algn="ctr" defTabSz="825500" rtl="0" latinLnBrk="0">
@@ -2671,8 +2643,7 @@
         <a:buSzTx/>
         <a:buFontTx/>
         <a:buNone/>
-        <a:tabLst/>
-        <a:defRPr b="0" baseline="0" cap="none" i="0" spc="0" strike="noStrike" sz="11200" u="none">
+        <a:defRPr sz="11200" b="0" i="0" u="none" strike="noStrike" cap="none" spc="0" baseline="0">
           <a:ln>
             <a:noFill/>
           </a:ln>
@@ -2700,8 +2671,7 @@
         <a:buSzTx/>
         <a:buFontTx/>
         <a:buNone/>
-        <a:tabLst/>
-        <a:defRPr b="0" baseline="0" cap="none" i="0" spc="0" strike="noStrike" sz="11200" u="none">
+        <a:defRPr sz="11200" b="0" i="0" u="none" strike="noStrike" cap="none" spc="0" baseline="0">
           <a:ln>
             <a:noFill/>
           </a:ln>
@@ -2729,8 +2699,7 @@
         <a:buSzTx/>
         <a:buFontTx/>
         <a:buNone/>
-        <a:tabLst/>
-        <a:defRPr b="0" baseline="0" cap="none" i="0" spc="0" strike="noStrike" sz="11200" u="none">
+        <a:defRPr sz="11200" b="0" i="0" u="none" strike="noStrike" cap="none" spc="0" baseline="0">
           <a:ln>
             <a:noFill/>
           </a:ln>
@@ -2758,8 +2727,7 @@
         <a:buSzTx/>
         <a:buFontTx/>
         <a:buNone/>
-        <a:tabLst/>
-        <a:defRPr b="0" baseline="0" cap="none" i="0" spc="0" strike="noStrike" sz="11200" u="none">
+        <a:defRPr sz="11200" b="0" i="0" u="none" strike="noStrike" cap="none" spc="0" baseline="0">
           <a:ln>
             <a:noFill/>
           </a:ln>
@@ -2787,8 +2755,7 @@
         <a:buSzTx/>
         <a:buFontTx/>
         <a:buNone/>
-        <a:tabLst/>
-        <a:defRPr b="0" baseline="0" cap="none" i="0" spc="0" strike="noStrike" sz="11200" u="none">
+        <a:defRPr sz="11200" b="0" i="0" u="none" strike="noStrike" cap="none" spc="0" baseline="0">
           <a:ln>
             <a:noFill/>
           </a:ln>
@@ -2816,8 +2783,7 @@
         <a:buSzTx/>
         <a:buFontTx/>
         <a:buNone/>
-        <a:tabLst/>
-        <a:defRPr b="0" baseline="0" cap="none" i="0" spc="0" strike="noStrike" sz="11200" u="none">
+        <a:defRPr sz="11200" b="0" i="0" u="none" strike="noStrike" cap="none" spc="0" baseline="0">
           <a:ln>
             <a:noFill/>
           </a:ln>
@@ -2845,8 +2811,7 @@
         <a:buSzTx/>
         <a:buFontTx/>
         <a:buNone/>
-        <a:tabLst/>
-        <a:defRPr b="0" baseline="0" cap="none" i="0" spc="0" strike="noStrike" sz="11200" u="none">
+        <a:defRPr sz="11200" b="0" i="0" u="none" strike="noStrike" cap="none" spc="0" baseline="0">
           <a:ln>
             <a:noFill/>
           </a:ln>
@@ -2874,8 +2839,7 @@
         <a:buSzTx/>
         <a:buFontTx/>
         <a:buNone/>
-        <a:tabLst/>
-        <a:defRPr b="0" baseline="0" cap="none" i="0" spc="0" strike="noStrike" sz="11200" u="none">
+        <a:defRPr sz="11200" b="0" i="0" u="none" strike="noStrike" cap="none" spc="0" baseline="0">
           <a:ln>
             <a:noFill/>
           </a:ln>
@@ -2903,8 +2867,7 @@
         <a:buSzTx/>
         <a:buFontTx/>
         <a:buNone/>
-        <a:tabLst/>
-        <a:defRPr b="0" baseline="0" cap="none" i="0" spc="0" strike="noStrike" sz="11200" u="none">
+        <a:defRPr sz="11200" b="0" i="0" u="none" strike="noStrike" cap="none" spc="0" baseline="0">
           <a:ln>
             <a:noFill/>
           </a:ln>
@@ -2934,8 +2897,7 @@
         <a:buSzPct val="75000"/>
         <a:buFontTx/>
         <a:buChar char="•"/>
-        <a:tabLst/>
-        <a:defRPr b="0" baseline="0" cap="none" i="0" spc="0" strike="noStrike" sz="5200" u="none">
+        <a:defRPr sz="5200" b="0" i="0" u="none" strike="noStrike" cap="none" spc="0" baseline="0">
           <a:ln>
             <a:noFill/>
           </a:ln>
@@ -2963,8 +2925,7 @@
         <a:buSzPct val="75000"/>
         <a:buFontTx/>
         <a:buChar char="•"/>
-        <a:tabLst/>
-        <a:defRPr b="0" baseline="0" cap="none" i="0" spc="0" strike="noStrike" sz="5200" u="none">
+        <a:defRPr sz="5200" b="0" i="0" u="none" strike="noStrike" cap="none" spc="0" baseline="0">
           <a:ln>
             <a:noFill/>
           </a:ln>
@@ -2992,8 +2953,7 @@
         <a:buSzPct val="75000"/>
         <a:buFontTx/>
         <a:buChar char="•"/>
-        <a:tabLst/>
-        <a:defRPr b="0" baseline="0" cap="none" i="0" spc="0" strike="noStrike" sz="5200" u="none">
+        <a:defRPr sz="5200" b="0" i="0" u="none" strike="noStrike" cap="none" spc="0" baseline="0">
           <a:ln>
             <a:noFill/>
           </a:ln>
@@ -3021,8 +2981,7 @@
         <a:buSzPct val="75000"/>
         <a:buFontTx/>
         <a:buChar char="•"/>
-        <a:tabLst/>
-        <a:defRPr b="0" baseline="0" cap="none" i="0" spc="0" strike="noStrike" sz="5200" u="none">
+        <a:defRPr sz="5200" b="0" i="0" u="none" strike="noStrike" cap="none" spc="0" baseline="0">
           <a:ln>
             <a:noFill/>
           </a:ln>
@@ -3050,8 +3009,7 @@
         <a:buSzPct val="75000"/>
         <a:buFontTx/>
         <a:buChar char="•"/>
-        <a:tabLst/>
-        <a:defRPr b="0" baseline="0" cap="none" i="0" spc="0" strike="noStrike" sz="5200" u="none">
+        <a:defRPr sz="5200" b="0" i="0" u="none" strike="noStrike" cap="none" spc="0" baseline="0">
           <a:ln>
             <a:noFill/>
           </a:ln>
@@ -3079,8 +3037,7 @@
         <a:buSzPct val="75000"/>
         <a:buFontTx/>
         <a:buChar char="•"/>
-        <a:tabLst/>
-        <a:defRPr b="0" baseline="0" cap="none" i="0" spc="0" strike="noStrike" sz="5200" u="none">
+        <a:defRPr sz="5200" b="0" i="0" u="none" strike="noStrike" cap="none" spc="0" baseline="0">
           <a:ln>
             <a:noFill/>
           </a:ln>
@@ -3108,8 +3065,7 @@
         <a:buSzPct val="75000"/>
         <a:buFontTx/>
         <a:buChar char="•"/>
-        <a:tabLst/>
-        <a:defRPr b="0" baseline="0" cap="none" i="0" spc="0" strike="noStrike" sz="5200" u="none">
+        <a:defRPr sz="5200" b="0" i="0" u="none" strike="noStrike" cap="none" spc="0" baseline="0">
           <a:ln>
             <a:noFill/>
           </a:ln>
@@ -3137,8 +3093,7 @@
         <a:buSzPct val="75000"/>
         <a:buFontTx/>
         <a:buChar char="•"/>
-        <a:tabLst/>
-        <a:defRPr b="0" baseline="0" cap="none" i="0" spc="0" strike="noStrike" sz="5200" u="none">
+        <a:defRPr sz="5200" b="0" i="0" u="none" strike="noStrike" cap="none" spc="0" baseline="0">
           <a:ln>
             <a:noFill/>
           </a:ln>
@@ -3166,8 +3121,7 @@
         <a:buSzPct val="75000"/>
         <a:buFontTx/>
         <a:buChar char="•"/>
-        <a:tabLst/>
-        <a:defRPr b="0" baseline="0" cap="none" i="0" spc="0" strike="noStrike" sz="5200" u="none">
+        <a:defRPr sz="5200" b="0" i="0" u="none" strike="noStrike" cap="none" spc="0" baseline="0">
           <a:ln>
             <a:noFill/>
           </a:ln>
@@ -3197,8 +3151,7 @@
         <a:buSzTx/>
         <a:buFontTx/>
         <a:buNone/>
-        <a:tabLst/>
-        <a:defRPr b="0" baseline="0" cap="none" i="0" spc="0" strike="noStrike" sz="2400" u="none">
+        <a:defRPr sz="2400" b="0" i="0" u="none" strike="noStrike" cap="none" spc="0" baseline="0">
           <a:ln>
             <a:noFill/>
           </a:ln>
@@ -3226,8 +3179,7 @@
         <a:buSzTx/>
         <a:buFontTx/>
         <a:buNone/>
-        <a:tabLst/>
-        <a:defRPr b="0" baseline="0" cap="none" i="0" spc="0" strike="noStrike" sz="2400" u="none">
+        <a:defRPr sz="2400" b="0" i="0" u="none" strike="noStrike" cap="none" spc="0" baseline="0">
           <a:ln>
             <a:noFill/>
           </a:ln>
@@ -3255,8 +3207,7 @@
         <a:buSzTx/>
         <a:buFontTx/>
         <a:buNone/>
-        <a:tabLst/>
-        <a:defRPr b="0" baseline="0" cap="none" i="0" spc="0" strike="noStrike" sz="2400" u="none">
+        <a:defRPr sz="2400" b="0" i="0" u="none" strike="noStrike" cap="none" spc="0" baseline="0">
           <a:ln>
             <a:noFill/>
           </a:ln>
@@ -3284,8 +3235,7 @@
         <a:buSzTx/>
         <a:buFontTx/>
         <a:buNone/>
-        <a:tabLst/>
-        <a:defRPr b="0" baseline="0" cap="none" i="0" spc="0" strike="noStrike" sz="2400" u="none">
+        <a:defRPr sz="2400" b="0" i="0" u="none" strike="noStrike" cap="none" spc="0" baseline="0">
           <a:ln>
             <a:noFill/>
           </a:ln>
@@ -3313,8 +3263,7 @@
         <a:buSzTx/>
         <a:buFontTx/>
         <a:buNone/>
-        <a:tabLst/>
-        <a:defRPr b="0" baseline="0" cap="none" i="0" spc="0" strike="noStrike" sz="2400" u="none">
+        <a:defRPr sz="2400" b="0" i="0" u="none" strike="noStrike" cap="none" spc="0" baseline="0">
           <a:ln>
             <a:noFill/>
           </a:ln>
@@ -3342,8 +3291,7 @@
         <a:buSzTx/>
         <a:buFontTx/>
         <a:buNone/>
-        <a:tabLst/>
-        <a:defRPr b="0" baseline="0" cap="none" i="0" spc="0" strike="noStrike" sz="2400" u="none">
+        <a:defRPr sz="2400" b="0" i="0" u="none" strike="noStrike" cap="none" spc="0" baseline="0">
           <a:ln>
             <a:noFill/>
           </a:ln>
@@ -3371,8 +3319,7 @@
         <a:buSzTx/>
         <a:buFontTx/>
         <a:buNone/>
-        <a:tabLst/>
-        <a:defRPr b="0" baseline="0" cap="none" i="0" spc="0" strike="noStrike" sz="2400" u="none">
+        <a:defRPr sz="2400" b="0" i="0" u="none" strike="noStrike" cap="none" spc="0" baseline="0">
           <a:ln>
             <a:noFill/>
           </a:ln>
@@ -3400,8 +3347,7 @@
         <a:buSzTx/>
         <a:buFontTx/>
         <a:buNone/>
-        <a:tabLst/>
-        <a:defRPr b="0" baseline="0" cap="none" i="0" spc="0" strike="noStrike" sz="2400" u="none">
+        <a:defRPr sz="2400" b="0" i="0" u="none" strike="noStrike" cap="none" spc="0" baseline="0">
           <a:ln>
             <a:noFill/>
           </a:ln>
@@ -3429,8 +3375,7 @@
         <a:buSzTx/>
         <a:buFontTx/>
         <a:buNone/>
-        <a:tabLst/>
-        <a:defRPr b="0" baseline="0" cap="none" i="0" spc="0" strike="noStrike" sz="2400" u="none">
+        <a:defRPr sz="2400" b="0" i="0" u="none" strike="noStrike" cap="none" spc="0" baseline="0">
           <a:ln>
             <a:noFill/>
           </a:ln>
@@ -3450,7 +3395,7 @@
 </file>
 
 <file path=ppt/slides/slide1.xml><?xml version="1.0" encoding="utf-8"?>
-<p:sld xmlns:a="http://schemas.openxmlformats.org/drawingml/2006/main" xmlns:r="http://schemas.openxmlformats.org/officeDocument/2006/relationships" xmlns:p="http://schemas.openxmlformats.org/presentationml/2006/main" showMasterSp="1" showMasterPhAnim="1">
+<p:sld xmlns:a="http://schemas.openxmlformats.org/drawingml/2006/main" xmlns:r="http://schemas.openxmlformats.org/officeDocument/2006/relationships" xmlns:p="http://schemas.openxmlformats.org/presentationml/2006/main">
   <p:cSld>
     <p:spTree>
       <p:nvGrpSpPr>
@@ -3487,16 +3432,16 @@
           <a:bodyPr/>
           <a:lstStyle/>
           <a:p>
-            <a:pPr/>
             <a:r>
               <a:t>Software Engineering</a:t>
             </a:r>
           </a:p>
           <a:p>
-            <a:pPr/>
-            <a:r>
-              <a:t>码农的自我修养</a:t>
-            </a:r>
+            <a:r>
+              <a:rPr lang="zh-CN"/>
+              <a:t>代码中的软件工程</a:t>
+            </a:r>
+            <a:endParaRPr lang="zh-CN"/>
           </a:p>
         </p:txBody>
       </p:sp>
@@ -3521,7 +3466,6 @@
           <a:bodyPr/>
           <a:lstStyle/>
           <a:p>
-            <a:pPr/>
             <a:r>
               <a:t>孟宁</a:t>
             </a:r>
@@ -3537,9 +3481,7 @@
           <p:nvPr/>
         </p:nvPicPr>
         <p:blipFill>
-          <a:blip r:embed="rId2">
-            <a:extLst/>
-          </a:blip>
+          <a:blip r:embed="rId1"/>
           <a:stretch>
             <a:fillRect/>
           </a:stretch>
@@ -3554,6 +3496,8 @@
           </a:prstGeom>
           <a:ln w="12700">
             <a:miter lim="400000"/>
+            <a:headEnd/>
+            <a:tailEnd/>
           </a:ln>
         </p:spPr>
       </p:pic>
@@ -3574,11 +3518,6 @@
           <a:ln w="12700">
             <a:miter lim="400000"/>
           </a:ln>
-          <a:extLst>
-            <a:ext uri="{C572A759-6A51-4108-AA02-DFA0A04FC94B}">
-              <ma14:wrappingTextBoxFlag xmlns:ma14="http://schemas.microsoft.com/office/mac/drawingml/2011/main" val="1"/>
-            </a:ext>
-          </a:extLst>
         </p:spPr>
         <p:txBody>
           <a:bodyPr wrap="none" lIns="50800" tIns="50800" rIns="50800" bIns="50800" anchor="ctr">
@@ -3590,7 +3529,6 @@
             </a:lvl1pPr>
           </a:lstStyle>
           <a:p>
-            <a:pPr/>
             <a:r>
               <a:t>关注孟宁</a:t>
             </a:r>
@@ -3602,12 +3540,238 @@
   <p:clrMapOvr>
     <a:masterClrMapping/>
   </p:clrMapOvr>
-  <p:transition xmlns:p14="http://schemas.microsoft.com/office/powerpoint/2010/main" spd="med" advClick="1"/>
+  <p:transition spd="med"/>
 </p:sld>
 </file>
 
 <file path=ppt/slides/slide10.xml><?xml version="1.0" encoding="utf-8"?>
-<p:sld xmlns:a="http://schemas.openxmlformats.org/drawingml/2006/main" xmlns:r="http://schemas.openxmlformats.org/officeDocument/2006/relationships" xmlns:p="http://schemas.openxmlformats.org/presentationml/2006/main" showMasterSp="1" showMasterPhAnim="1">
+<p:sld xmlns:a="http://schemas.openxmlformats.org/drawingml/2006/main" xmlns:r="http://schemas.openxmlformats.org/officeDocument/2006/relationships" xmlns:p="http://schemas.openxmlformats.org/presentationml/2006/main">
+  <p:cSld>
+    <p:spTree>
+      <p:nvGrpSpPr>
+        <p:cNvPr id="1" name=""/>
+        <p:cNvGrpSpPr/>
+        <p:nvPr/>
+      </p:nvGrpSpPr>
+      <p:grpSpPr>
+        <a:xfrm>
+          <a:off x="0" y="0"/>
+          <a:ext cx="0" cy="0"/>
+          <a:chOff x="0" y="0"/>
+          <a:chExt cx="0" cy="0"/>
+        </a:xfrm>
+      </p:grpSpPr>
+      <p:sp>
+        <p:nvSpPr>
+          <p:cNvPr id="158" name="Shape 158"/>
+          <p:cNvSpPr/>
+          <p:nvPr>
+            <p:ph type="title"/>
+          </p:nvPr>
+        </p:nvSpPr>
+        <p:spPr>
+          <a:prstGeom prst="rect">
+            <a:avLst/>
+          </a:prstGeom>
+        </p:spPr>
+        <p:txBody>
+          <a:bodyPr/>
+          <a:lstStyle>
+            <a:lvl1pPr>
+              <a:defRPr b="1"/>
+            </a:lvl1pPr>
+          </a:lstStyle>
+          <a:p>
+            <a:pPr>
+              <a:defRPr b="0"/>
+            </a:pPr>
+            <a:r>
+              <a:rPr b="1"/>
+              <a:t>陶艺课</a:t>
+            </a:r>
+            <a:endParaRPr b="1"/>
+          </a:p>
+        </p:txBody>
+      </p:sp>
+      <p:pic>
+        <p:nvPicPr>
+          <p:cNvPr id="159" name="image4.jpg"/>
+          <p:cNvPicPr>
+            <a:picLocks noChangeAspect="1"/>
+          </p:cNvPicPr>
+          <p:nvPr/>
+        </p:nvPicPr>
+        <p:blipFill>
+          <a:blip r:embed="rId1"/>
+          <a:stretch>
+            <a:fillRect/>
+          </a:stretch>
+        </p:blipFill>
+        <p:spPr>
+          <a:xfrm>
+            <a:off x="15519400" y="6223000"/>
+            <a:ext cx="5715000" cy="3790950"/>
+          </a:xfrm>
+          <a:prstGeom prst="rect">
+            <a:avLst/>
+          </a:prstGeom>
+          <a:ln w="12700">
+            <a:miter lim="400000"/>
+            <a:headEnd/>
+            <a:tailEnd/>
+          </a:ln>
+        </p:spPr>
+      </p:pic>
+      <p:sp>
+        <p:nvSpPr>
+          <p:cNvPr id="160" name="Shape 160"/>
+          <p:cNvSpPr/>
+          <p:nvPr/>
+        </p:nvSpPr>
+        <p:spPr>
+          <a:xfrm>
+            <a:off x="2870200" y="4800600"/>
+            <a:ext cx="10972800" cy="8209280"/>
+          </a:xfrm>
+          <a:prstGeom prst="rect">
+            <a:avLst/>
+          </a:prstGeom>
+          <a:ln w="12700">
+            <a:miter lim="400000"/>
+          </a:ln>
+        </p:spPr>
+        <p:txBody>
+          <a:bodyPr tIns="91439" bIns="91439">
+            <a:spAutoFit/>
+          </a:bodyPr>
+          <a:lstStyle/>
+          <a:p>
+            <a:pPr algn="l" defTabSz="1828800">
+              <a:defRPr sz="4000">
+                <a:latin typeface="Corbel"/>
+                <a:ea typeface="Corbel"/>
+                <a:cs typeface="Corbel"/>
+                <a:sym typeface="Corbel"/>
+              </a:defRPr>
+            </a:pPr>
+            <a:r>
+              <a:t>一个学期后，真正好的陶艺作品反而是出现在那以量评分的组里。</a:t>
+            </a:r>
+          </a:p>
+          <a:p>
+            <a:pPr marL="571500" indent="-571500" algn="l" defTabSz="1828800">
+              <a:buSzPct val="100000"/>
+              <a:buFont typeface="Arial" panose="020B0604020202090204"/>
+              <a:buChar char="•"/>
+              <a:defRPr sz="4000">
+                <a:latin typeface="Corbel"/>
+                <a:ea typeface="Corbel"/>
+                <a:cs typeface="Corbel"/>
+                <a:sym typeface="Corbel"/>
+              </a:defRPr>
+            </a:pPr>
+            <a:r>
+              <a:t>要敢于开始</a:t>
+            </a:r>
+          </a:p>
+          <a:p>
+            <a:pPr marL="571500" indent="-571500" algn="l" defTabSz="1828800">
+              <a:buSzPct val="100000"/>
+              <a:buFont typeface="Arial" panose="020B0604020202090204"/>
+              <a:buChar char="•"/>
+              <a:defRPr sz="4000">
+                <a:latin typeface="Corbel"/>
+                <a:ea typeface="Corbel"/>
+                <a:cs typeface="Corbel"/>
+                <a:sym typeface="Corbel"/>
+              </a:defRPr>
+            </a:pPr>
+            <a:r>
+              <a:t>所以，请停止抱怨自己实力的不济和各种客观条件的不好，停止对开始的恐惧。只要迈出了第一步，埋着头认真做，不停的尝试，重复，失败再尝试，只要不放弃，就一定能成功的。</a:t>
+            </a:r>
+          </a:p>
+          <a:p>
+            <a:pPr marL="571500" indent="-571500" algn="l" defTabSz="1828800">
+              <a:buSzPct val="100000"/>
+              <a:buFont typeface="Arial" panose="020B0604020202090204"/>
+              <a:buChar char="•"/>
+              <a:defRPr sz="4000">
+                <a:latin typeface="Corbel"/>
+                <a:ea typeface="Corbel"/>
+                <a:cs typeface="Corbel"/>
+                <a:sym typeface="Corbel"/>
+              </a:defRPr>
+            </a:pPr>
+            <a:r>
+              <a:t>阅读：</a:t>
+            </a:r>
+          </a:p>
+          <a:p>
+            <a:pPr algn="l" defTabSz="1828800">
+              <a:defRPr sz="4000">
+                <a:latin typeface="Corbel"/>
+                <a:ea typeface="Corbel"/>
+                <a:cs typeface="Corbel"/>
+                <a:sym typeface="Corbel"/>
+              </a:defRPr>
+            </a:pPr>
+            <a:r>
+              <a:rPr u="sng">
+                <a:solidFill>
+                  <a:srgbClr val="168BBA"/>
+                </a:solidFill>
+                <a:uFill>
+                  <a:solidFill>
+                    <a:srgbClr val="168BBA"/>
+                  </a:solidFill>
+                </a:uFill>
+              </a:rPr>
+              <a:t>http://www.cnblogs.com/codingcrazy/archive/2011/02/28/1967503.html</a:t>
+            </a:r>
+            <a:endParaRPr u="sng">
+              <a:solidFill>
+                <a:srgbClr val="168BBA"/>
+              </a:solidFill>
+              <a:uFill>
+                <a:solidFill>
+                  <a:srgbClr val="168BBA"/>
+                </a:solidFill>
+              </a:uFill>
+            </a:endParaRPr>
+          </a:p>
+          <a:p>
+            <a:pPr marL="571500" indent="-571500" algn="l" defTabSz="1828800">
+              <a:buSzPct val="100000"/>
+              <a:buFont typeface="Arial" panose="020B0604020202090204"/>
+              <a:buChar char="•"/>
+              <a:defRPr sz="4000">
+                <a:latin typeface="Corbel"/>
+                <a:ea typeface="Corbel"/>
+                <a:cs typeface="Corbel"/>
+                <a:sym typeface="Corbel"/>
+              </a:defRPr>
+            </a:pPr>
+          </a:p>
+        </p:txBody>
+      </p:sp>
+    </p:spTree>
+  </p:cSld>
+  <p:clrMapOvr>
+    <a:masterClrMapping/>
+  </p:clrMapOvr>
+  <mc:AlternateContent xmlns:mc="http://schemas.openxmlformats.org/markup-compatibility/2006">
+    <mc:Choice xmlns:p14="http://schemas.microsoft.com/office/powerpoint/2010/main" Requires="p14">
+      <p:transition spd="med" p14:dur="1000"/>
+    </mc:Choice>
+    <mc:Fallback>
+      <p:transition spd="med"/>
+    </mc:Fallback>
+  </mc:AlternateContent>
+</p:sld>
+</file>
+
+<file path=ppt/slides/slide11.xml><?xml version="1.0" encoding="utf-8"?>
+<p:sld xmlns:a="http://schemas.openxmlformats.org/drawingml/2006/main" xmlns:r="http://schemas.openxmlformats.org/officeDocument/2006/relationships" xmlns:p="http://schemas.openxmlformats.org/presentationml/2006/main">
   <p:cSld>
     <p:spTree>
       <p:nvGrpSpPr>
@@ -3651,6 +3815,7 @@
               <a:rPr b="1"/>
               <a:t>为啥要做难的项目？</a:t>
             </a:r>
+            <a:endParaRPr b="1"/>
           </a:p>
         </p:txBody>
       </p:sp>
@@ -3675,90 +3840,17 @@
           <a:bodyPr/>
           <a:lstStyle/>
           <a:p>
-            <a:pPr/>
-            <a:r>
-              <a:rPr u="sng">
-                <a:solidFill>
-                  <a:srgbClr val="168BBA"/>
-                </a:solidFill>
-                <a:uFill>
-                  <a:solidFill>
-                    <a:srgbClr val="168BBA"/>
-                  </a:solidFill>
-                </a:uFill>
-                <a:hlinkClick r:id="rId2" invalidUrl="" action="" tgtFrame="" tooltip="" history="1" highlightClick="0" endSnd="0"/>
-              </a:rPr>
-              <a:t>请先看视频</a:t>
-            </a:r>
-          </a:p>
-          <a:p>
-            <a:pPr/>
-          </a:p>
-          <a:p>
-            <a:pPr/>
-            <a:r>
-              <a:rPr u="sng">
-                <a:solidFill>
-                  <a:srgbClr val="168BBA"/>
-                </a:solidFill>
-                <a:uFill>
-                  <a:solidFill>
-                    <a:srgbClr val="168BBA"/>
-                  </a:solidFill>
-                </a:uFill>
-                <a:hlinkClick r:id="rId2" invalidUrl="" action="" tgtFrame="" tooltip="" history="1" highlightClick="0" endSnd="0"/>
-              </a:rPr>
-              <a:t>http</a:t>
-            </a:r>
-            <a:r>
-              <a:rPr u="sng">
-                <a:solidFill>
-                  <a:srgbClr val="168BBA"/>
-                </a:solidFill>
-                <a:uFill>
-                  <a:solidFill>
-                    <a:srgbClr val="168BBA"/>
-                  </a:solidFill>
-                </a:uFill>
-                <a:hlinkClick r:id="rId2" invalidUrl="" action="" tgtFrame="" tooltip="" history="1" highlightClick="0" endSnd="0"/>
-              </a:rPr>
-              <a:t>://</a:t>
-            </a:r>
-            <a:r>
-              <a:rPr u="sng">
-                <a:solidFill>
-                  <a:srgbClr val="168BBA"/>
-                </a:solidFill>
-                <a:uFill>
-                  <a:solidFill>
-                    <a:srgbClr val="168BBA"/>
-                  </a:solidFill>
-                </a:uFill>
-                <a:hlinkClick r:id="rId2" invalidUrl="" action="" tgtFrame="" tooltip="" history="1" highlightClick="0" endSnd="0"/>
-              </a:rPr>
-              <a:t>weibo.com/tv/v/F6Udt9Say?fid=1034:8003d777aa3f955d0a2d22dfe63bf02e</a:t>
-            </a:r>
-            <a:r>
-              <a:t>  </a:t>
-            </a:r>
-          </a:p>
-          <a:p>
-            <a:pPr/>
-          </a:p>
-          <a:p>
-            <a:pPr/>
-            <a:r>
-              <a:t>“</a:t>
-            </a:r>
-            <a:r>
-              <a:t>老师， 为什么这些软件工程技术在我的项目中没有什么用？</a:t>
-            </a:r>
-            <a:r>
-              <a:t>” </a:t>
-            </a:r>
-          </a:p>
-          <a:p>
-            <a:pPr/>
+            <a:pPr marL="118745" indent="0">
+              <a:buNone/>
+            </a:pPr>
+          </a:p>
+          <a:p/>
+          <a:p>
+            <a:r>
+              <a:t>“老师， 为什么这些软件工程技术在我的项目中没有什么用？” </a:t>
+            </a:r>
+          </a:p>
+          <a:p>
             <a:r>
               <a:t>因为你的项目水太浅！</a:t>
             </a:r>
@@ -3770,12 +3862,19 @@
   <p:clrMapOvr>
     <a:masterClrMapping/>
   </p:clrMapOvr>
-  <p:transition xmlns:p14="http://schemas.microsoft.com/office/powerpoint/2010/main" spd="med" advClick="1" p14:dur="1000"/>
+  <mc:AlternateContent xmlns:mc="http://schemas.openxmlformats.org/markup-compatibility/2006">
+    <mc:Choice xmlns:p14="http://schemas.microsoft.com/office/powerpoint/2010/main" Requires="p14">
+      <p:transition spd="med" p14:dur="1000"/>
+    </mc:Choice>
+    <mc:Fallback>
+      <p:transition spd="med"/>
+    </mc:Fallback>
+  </mc:AlternateContent>
 </p:sld>
 </file>
 
-<file path=ppt/slides/slide11.xml><?xml version="1.0" encoding="utf-8"?>
-<p:sld xmlns:a="http://schemas.openxmlformats.org/drawingml/2006/main" xmlns:r="http://schemas.openxmlformats.org/officeDocument/2006/relationships" xmlns:p="http://schemas.openxmlformats.org/presentationml/2006/main" showMasterSp="1" showMasterPhAnim="1">
+<file path=ppt/slides/slide12.xml><?xml version="1.0" encoding="utf-8"?>
+<p:sld xmlns:a="http://schemas.openxmlformats.org/drawingml/2006/main" xmlns:r="http://schemas.openxmlformats.org/officeDocument/2006/relationships" xmlns:p="http://schemas.openxmlformats.org/presentationml/2006/main">
   <p:cSld>
     <p:spTree>
       <p:nvGrpSpPr>
@@ -3808,7 +3907,6 @@
           <a:bodyPr/>
           <a:lstStyle/>
           <a:p>
-            <a:pPr/>
             <a:r>
               <a:t>I want to teach SE this way</a:t>
             </a:r>
@@ -3843,7 +3941,7 @@
             </a:r>
           </a:p>
           <a:p>
-            <a:pPr lvl="1" marL="1016000" indent="-508000" defTabSz="660400">
+            <a:pPr marL="1016000" lvl="1" indent="-508000" defTabSz="660400">
               <a:spcBef>
                 <a:spcPts val="4700"/>
               </a:spcBef>
@@ -3887,7 +3985,7 @@
             </a:r>
           </a:p>
           <a:p>
-            <a:pPr lvl="1" marL="1016000" indent="-508000" defTabSz="660400">
+            <a:pPr marL="1016000" lvl="1" indent="-508000" defTabSz="660400">
               <a:spcBef>
                 <a:spcPts val="4700"/>
               </a:spcBef>
@@ -3898,7 +3996,7 @@
             </a:r>
           </a:p>
           <a:p>
-            <a:pPr lvl="1" marL="1016000" indent="-508000" defTabSz="660400">
+            <a:pPr marL="1016000" lvl="1" indent="-508000" defTabSz="660400">
               <a:spcBef>
                 <a:spcPts val="4700"/>
               </a:spcBef>
@@ -3915,12 +4013,19 @@
   <p:clrMapOvr>
     <a:masterClrMapping/>
   </p:clrMapOvr>
-  <p:transition xmlns:p14="http://schemas.microsoft.com/office/powerpoint/2010/main" spd="med" advClick="1" p14:dur="1000"/>
+  <mc:AlternateContent xmlns:mc="http://schemas.openxmlformats.org/markup-compatibility/2006">
+    <mc:Choice xmlns:p14="http://schemas.microsoft.com/office/powerpoint/2010/main" Requires="p14">
+      <p:transition spd="med" p14:dur="1000"/>
+    </mc:Choice>
+    <mc:Fallback>
+      <p:transition spd="med"/>
+    </mc:Fallback>
+  </mc:AlternateContent>
 </p:sld>
 </file>
 
-<file path=ppt/slides/slide12.xml><?xml version="1.0" encoding="utf-8"?>
-<p:sld xmlns:a="http://schemas.openxmlformats.org/drawingml/2006/main" xmlns:r="http://schemas.openxmlformats.org/officeDocument/2006/relationships" xmlns:p="http://schemas.openxmlformats.org/presentationml/2006/main" showMasterSp="1" showMasterPhAnim="1">
+<file path=ppt/slides/slide13.xml><?xml version="1.0" encoding="utf-8"?>
+<p:sld xmlns:a="http://schemas.openxmlformats.org/drawingml/2006/main" xmlns:r="http://schemas.openxmlformats.org/officeDocument/2006/relationships" xmlns:p="http://schemas.openxmlformats.org/presentationml/2006/main">
   <p:cSld>
     <p:spTree>
       <p:nvGrpSpPr>
@@ -3953,7 +4058,6 @@
           <a:bodyPr/>
           <a:lstStyle/>
           <a:p>
-            <a:pPr/>
             <a:r>
               <a:rPr b="1"/>
               <a:t>大学教育 </a:t>
@@ -3965,6 +4069,7 @@
               <a:rPr b="1"/>
               <a:t>行业培训</a:t>
             </a:r>
+            <a:endParaRPr b="1"/>
           </a:p>
         </p:txBody>
       </p:sp>
@@ -3996,7 +4101,7 @@
             </a:r>
           </a:p>
           <a:p>
-            <a:pPr lvl="1" marL="1005839" indent="-548639">
+            <a:pPr marL="1005840" lvl="1" indent="-548640">
               <a:lnSpc>
                 <a:spcPct val="96000"/>
               </a:lnSpc>
@@ -4006,7 +4111,7 @@
               <a:buClr>
                 <a:srgbClr val="60B5CC"/>
               </a:buClr>
-              <a:buFont typeface="Wingdings"/>
+              <a:buFont typeface="Wingdings" panose="05000000000000000000"/>
               <a:defRPr sz="3000"/>
             </a:pPr>
             <a:r>
@@ -4014,7 +4119,7 @@
             </a:r>
           </a:p>
           <a:p>
-            <a:pPr lvl="1" marL="1005839" indent="-548639">
+            <a:pPr marL="1005840" lvl="1" indent="-548640">
               <a:lnSpc>
                 <a:spcPct val="96000"/>
               </a:lnSpc>
@@ -4024,16 +4129,17 @@
               <a:buClr>
                 <a:srgbClr val="60B5CC"/>
               </a:buClr>
-              <a:buFont typeface="Wingdings"/>
+              <a:buFont typeface="Wingdings" panose="05000000000000000000"/>
               <a:defRPr sz="3000"/>
             </a:pPr>
             <a:r>
               <a:rPr b="1"/>
               <a:t>课堂练习：请翻译上面这句话</a:t>
             </a:r>
-          </a:p>
-          <a:p>
-            <a:pPr lvl="1" marL="1005839" indent="-548639">
+            <a:endParaRPr b="1"/>
+          </a:p>
+          <a:p>
+            <a:pPr marL="1005840" lvl="1" indent="-548640">
               <a:lnSpc>
                 <a:spcPct val="96000"/>
               </a:lnSpc>
@@ -4043,7 +4149,7 @@
               <a:buClr>
                 <a:srgbClr val="60B5CC"/>
               </a:buClr>
-              <a:buFont typeface="Wingdings"/>
+              <a:buFont typeface="Wingdings" panose="05000000000000000000"/>
               <a:defRPr sz="3000"/>
             </a:pPr>
             <a:r>
@@ -4058,14 +4164,11 @@
               <a:defRPr sz="3400"/>
             </a:pPr>
             <a:r>
-              <a:t>IT </a:t>
-            </a:r>
-            <a:r>
-              <a:t>行业培训</a:t>
-            </a:r>
-          </a:p>
-          <a:p>
-            <a:pPr lvl="1" marL="1005839" indent="-548639">
+              <a:t>IT 行业培训</a:t>
+            </a:r>
+          </a:p>
+          <a:p>
+            <a:pPr marL="1005840" lvl="1" indent="-548640">
               <a:lnSpc>
                 <a:spcPct val="96000"/>
               </a:lnSpc>
@@ -4075,7 +4178,7 @@
               <a:buClr>
                 <a:srgbClr val="60B5CC"/>
               </a:buClr>
-              <a:buFont typeface="Wingdings"/>
+              <a:buFont typeface="Wingdings" panose="05000000000000000000"/>
               <a:defRPr sz="3000"/>
             </a:pPr>
             <a:r>
@@ -4083,7 +4186,7 @@
             </a:r>
           </a:p>
           <a:p>
-            <a:pPr lvl="1" marL="1005839" indent="-548639">
+            <a:pPr marL="1005840" lvl="1" indent="-548640">
               <a:lnSpc>
                 <a:spcPct val="96000"/>
               </a:lnSpc>
@@ -4093,7 +4196,7 @@
               <a:buClr>
                 <a:srgbClr val="60B5CC"/>
               </a:buClr>
-              <a:buFont typeface="Wingdings"/>
+              <a:buFont typeface="Wingdings" panose="05000000000000000000"/>
               <a:defRPr sz="3000"/>
             </a:pPr>
             <a:r>
@@ -4112,7 +4215,7 @@
             </a:r>
           </a:p>
           <a:p>
-            <a:pPr lvl="1" marL="1005839" indent="-548639">
+            <a:pPr marL="1005840" lvl="1" indent="-548640">
               <a:lnSpc>
                 <a:spcPct val="96000"/>
               </a:lnSpc>
@@ -4122,7 +4225,7 @@
               <a:buClr>
                 <a:srgbClr val="60B5CC"/>
               </a:buClr>
-              <a:buFont typeface="Wingdings"/>
+              <a:buFont typeface="Wingdings" panose="05000000000000000000"/>
               <a:defRPr sz="3000"/>
             </a:pPr>
             <a:r>
@@ -4130,7 +4233,7 @@
             </a:r>
           </a:p>
           <a:p>
-            <a:pPr lvl="1" marL="1005839" indent="-548639">
+            <a:pPr marL="1005840" lvl="1" indent="-548640">
               <a:lnSpc>
                 <a:spcPct val="96000"/>
               </a:lnSpc>
@@ -4140,7 +4243,7 @@
               <a:buClr>
                 <a:srgbClr val="60B5CC"/>
               </a:buClr>
-              <a:buFont typeface="Wingdings"/>
+              <a:buFont typeface="Wingdings" panose="05000000000000000000"/>
               <a:defRPr sz="3000"/>
             </a:pPr>
             <a:r>
@@ -4148,7 +4251,7 @@
             </a:r>
           </a:p>
           <a:p>
-            <a:pPr lvl="1" marL="1005839" indent="-548639">
+            <a:pPr marL="1005840" lvl="1" indent="-548640">
               <a:lnSpc>
                 <a:spcPct val="96000"/>
               </a:lnSpc>
@@ -4158,7 +4261,7 @@
               <a:buClr>
                 <a:srgbClr val="60B5CC"/>
               </a:buClr>
-              <a:buFont typeface="Wingdings"/>
+              <a:buFont typeface="Wingdings" panose="05000000000000000000"/>
               <a:defRPr sz="3000"/>
             </a:pPr>
           </a:p>
@@ -4170,23 +4273,11 @@
               <a:defRPr sz="3400"/>
             </a:pPr>
             <a:r>
-              <a:t>讨论：很多学校的计算机课程有很多 </a:t>
-            </a:r>
-            <a:r>
-              <a:t>“</a:t>
-            </a:r>
-            <a:r>
-              <a:t>打代码</a:t>
-            </a:r>
-            <a:r>
-              <a:t>”  </a:t>
-            </a:r>
-            <a:r>
-              <a:t>的练习</a:t>
-            </a:r>
-          </a:p>
-          <a:p>
-            <a:pPr lvl="2" marL="1225296" indent="-457200">
+              <a:t>讨论：很多学校的计算机课程有很多 “打代码”  的练习</a:t>
+            </a:r>
+          </a:p>
+          <a:p>
+            <a:pPr marL="1225550" lvl="2" indent="-457200">
               <a:lnSpc>
                 <a:spcPct val="96000"/>
               </a:lnSpc>
@@ -4196,7 +4287,7 @@
               <a:buClr>
                 <a:srgbClr val="E66C7D"/>
               </a:buClr>
-              <a:buFont typeface="Arial"/>
+              <a:buFont typeface="Arial" panose="020B0604020202090204"/>
               <a:defRPr sz="2600"/>
             </a:pPr>
             <a:r>
@@ -4204,7 +4295,7 @@
             </a:r>
           </a:p>
           <a:p>
-            <a:pPr lvl="2" marL="1225296" indent="-457200">
+            <a:pPr marL="1225550" lvl="2" indent="-457200">
               <a:lnSpc>
                 <a:spcPct val="96000"/>
               </a:lnSpc>
@@ -4214,45 +4305,15 @@
               <a:buClr>
                 <a:srgbClr val="E66C7D"/>
               </a:buClr>
-              <a:buFont typeface="Arial"/>
+              <a:buFont typeface="Arial" panose="020B0604020202090204"/>
               <a:defRPr sz="2600"/>
             </a:pPr>
             <a:r>
-              <a:t>这是</a:t>
-            </a:r>
-            <a:r>
-              <a:t>“</a:t>
-            </a:r>
-            <a:r>
-              <a:t>大学教育</a:t>
-            </a:r>
-            <a:r>
-              <a:t>”  </a:t>
-            </a:r>
-            <a:r>
-              <a:t>还是 </a:t>
-            </a:r>
-            <a:r>
-              <a:t>“</a:t>
-            </a:r>
-            <a:r>
-              <a:t>短期</a:t>
-            </a:r>
-            <a:r>
-              <a:t>IT </a:t>
-            </a:r>
-            <a:r>
-              <a:t>行业培训</a:t>
-            </a:r>
-            <a:r>
-              <a:t>”</a:t>
-            </a:r>
-            <a:r>
-              <a:t>？</a:t>
-            </a:r>
-          </a:p>
-          <a:p>
-            <a:pPr lvl="2" marL="1225296" indent="-457200">
+              <a:t>这是“大学教育”  还是 “短期IT 行业培训”？</a:t>
+            </a:r>
+          </a:p>
+          <a:p>
+            <a:pPr marL="1225550" lvl="2" indent="-457200">
               <a:lnSpc>
                 <a:spcPct val="96000"/>
               </a:lnSpc>
@@ -4262,7 +4323,7 @@
               <a:buClr>
                 <a:srgbClr val="E66C7D"/>
               </a:buClr>
-              <a:buFont typeface="Arial"/>
+              <a:buFont typeface="Arial" panose="020B0604020202090204"/>
               <a:defRPr sz="2600"/>
             </a:pPr>
             <a:r>
@@ -4276,12 +4337,19 @@
   <p:clrMapOvr>
     <a:masterClrMapping/>
   </p:clrMapOvr>
-  <p:transition xmlns:p14="http://schemas.microsoft.com/office/powerpoint/2010/main" spd="med" advClick="1" p14:dur="1000"/>
+  <mc:AlternateContent xmlns:mc="http://schemas.openxmlformats.org/markup-compatibility/2006">
+    <mc:Choice xmlns:p14="http://schemas.microsoft.com/office/powerpoint/2010/main" Requires="p14">
+      <p:transition spd="med" p14:dur="1000"/>
+    </mc:Choice>
+    <mc:Fallback>
+      <p:transition spd="med"/>
+    </mc:Fallback>
+  </mc:AlternateContent>
 </p:sld>
 </file>
 
-<file path=ppt/slides/slide13.xml><?xml version="1.0" encoding="utf-8"?>
-<p:sld xmlns:a="http://schemas.openxmlformats.org/drawingml/2006/main" xmlns:r="http://schemas.openxmlformats.org/officeDocument/2006/relationships" xmlns:p="http://schemas.openxmlformats.org/presentationml/2006/main" showMasterSp="1" showMasterPhAnim="1">
+<file path=ppt/slides/slide14.xml><?xml version="1.0" encoding="utf-8"?>
+<p:sld xmlns:a="http://schemas.openxmlformats.org/drawingml/2006/main" xmlns:r="http://schemas.openxmlformats.org/officeDocument/2006/relationships" xmlns:p="http://schemas.openxmlformats.org/presentationml/2006/main">
   <p:cSld>
     <p:spTree>
       <p:nvGrpSpPr>
@@ -4318,7 +4386,6 @@
             </a:lvl1pPr>
           </a:lstStyle>
           <a:p>
-            <a:pPr/>
             <a:r>
               <a:t>What is Software Engineering（SE）</a:t>
             </a:r>
@@ -4342,19 +4409,16 @@
           <a:bodyPr/>
           <a:lstStyle/>
           <a:p>
-            <a:pPr/>
             <a:r>
               <a:t>Program = data structure + algorithm</a:t>
             </a:r>
           </a:p>
           <a:p>
-            <a:pPr/>
             <a:r>
               <a:t>Software = Program + Software Engineering</a:t>
             </a:r>
           </a:p>
           <a:p>
-            <a:pPr/>
             <a:r>
               <a:t>Software Company = Software + Business Model</a:t>
             </a:r>
@@ -4366,12 +4430,19 @@
   <p:clrMapOvr>
     <a:masterClrMapping/>
   </p:clrMapOvr>
-  <p:transition xmlns:p14="http://schemas.microsoft.com/office/powerpoint/2010/main" spd="med" advClick="1" p14:dur="1000"/>
+  <mc:AlternateContent xmlns:mc="http://schemas.openxmlformats.org/markup-compatibility/2006">
+    <mc:Choice xmlns:p14="http://schemas.microsoft.com/office/powerpoint/2010/main" Requires="p14">
+      <p:transition spd="med" p14:dur="1000"/>
+    </mc:Choice>
+    <mc:Fallback>
+      <p:transition spd="med"/>
+    </mc:Fallback>
+  </mc:AlternateContent>
 </p:sld>
 </file>
 
-<file path=ppt/slides/slide14.xml><?xml version="1.0" encoding="utf-8"?>
-<p:sld xmlns:a="http://schemas.openxmlformats.org/drawingml/2006/main" xmlns:r="http://schemas.openxmlformats.org/officeDocument/2006/relationships" xmlns:p="http://schemas.openxmlformats.org/presentationml/2006/main" showMasterSp="1" showMasterPhAnim="1">
+<file path=ppt/slides/slide15.xml><?xml version="1.0" encoding="utf-8"?>
+<p:sld xmlns:a="http://schemas.openxmlformats.org/drawingml/2006/main" xmlns:r="http://schemas.openxmlformats.org/officeDocument/2006/relationships" xmlns:p="http://schemas.openxmlformats.org/presentationml/2006/main">
   <p:cSld>
     <p:spTree>
       <p:nvGrpSpPr>
@@ -4404,7 +4475,6 @@
           <a:bodyPr/>
           <a:lstStyle/>
           <a:p>
-            <a:pPr/>
             <a:r>
               <a:t>What is SE in Waterfall Model</a:t>
             </a:r>
@@ -4428,77 +4498,77 @@
           <a:bodyPr/>
           <a:lstStyle/>
           <a:p>
-            <a:pPr marL="482600" indent="-482600" defTabSz="627379">
+            <a:pPr marL="482600" indent="-482600" defTabSz="626745">
               <a:spcBef>
                 <a:spcPts val="4400"/>
               </a:spcBef>
-              <a:defRPr sz="3952"/>
+              <a:defRPr sz="3950"/>
             </a:pPr>
             <a:r>
               <a:t>需求分析：分析现有软件,  用你们写的软件的用户量来证明你了解用户的需求</a:t>
             </a:r>
           </a:p>
           <a:p>
-            <a:pPr marL="482600" indent="-482600" defTabSz="627379">
+            <a:pPr marL="482600" indent="-482600" defTabSz="626745">
               <a:spcBef>
                 <a:spcPts val="4400"/>
               </a:spcBef>
-              <a:defRPr sz="3952"/>
+              <a:defRPr sz="3950"/>
             </a:pPr>
             <a:r>
               <a:t>设计阶段：用快速发布来证明设计是有效的,  能适应变化的。</a:t>
             </a:r>
           </a:p>
           <a:p>
-            <a:pPr marL="482600" indent="-482600" defTabSz="627379">
+            <a:pPr marL="482600" indent="-482600" defTabSz="626745">
               <a:spcBef>
                 <a:spcPts val="4400"/>
               </a:spcBef>
-              <a:defRPr sz="3952"/>
+              <a:defRPr sz="3950"/>
             </a:pPr>
             <a:r>
               <a:t>实现阶段：用各种软件工程的衡量手段来证明大家实现的能力。</a:t>
             </a:r>
           </a:p>
           <a:p>
-            <a:pPr marL="482600" indent="-482600" defTabSz="627379">
+            <a:pPr marL="482600" indent="-482600" defTabSz="626745">
               <a:spcBef>
                 <a:spcPts val="4400"/>
               </a:spcBef>
-              <a:defRPr sz="3952"/>
+              <a:defRPr sz="3950"/>
             </a:pPr>
             <a:r>
               <a:t>稳定阶段：证明测试能否覆盖代码的大部分。 </a:t>
             </a:r>
           </a:p>
           <a:p>
-            <a:pPr marL="482600" indent="-482600" defTabSz="627379">
+            <a:pPr marL="482600" indent="-482600" defTabSz="626745">
               <a:spcBef>
                 <a:spcPts val="4400"/>
               </a:spcBef>
-              <a:defRPr sz="3952"/>
+              <a:defRPr sz="3950"/>
             </a:pPr>
             <a:r>
               <a:t>发布阶段： 如期发布, 用户量,  用户评价。 </a:t>
             </a:r>
           </a:p>
           <a:p>
-            <a:pPr marL="482600" indent="-482600" defTabSz="627379">
+            <a:pPr marL="482600" indent="-482600" defTabSz="626745">
               <a:spcBef>
                 <a:spcPts val="4400"/>
               </a:spcBef>
-              <a:defRPr sz="3952"/>
+              <a:defRPr sz="3950"/>
             </a:pPr>
             <a:r>
               <a:t>维护阶段：网上的观众或下一个年级的同学能很愿意接手你们的软件。  </a:t>
             </a:r>
           </a:p>
           <a:p>
-            <a:pPr marL="482600" indent="-482600" defTabSz="627379">
+            <a:pPr marL="482600" indent="-482600" defTabSz="626745">
               <a:spcBef>
                 <a:spcPts val="4400"/>
               </a:spcBef>
-              <a:defRPr sz="3952"/>
+              <a:defRPr sz="3950"/>
             </a:pPr>
             <a:r>
               <a:t>最后大部分同学们能说:  自己做了一个有人用，有生命的软件。 然后下个学期，新的一批学生进来提高这一过程…</a:t>
@@ -4511,12 +4581,19 @@
   <p:clrMapOvr>
     <a:masterClrMapping/>
   </p:clrMapOvr>
-  <p:transition xmlns:p14="http://schemas.microsoft.com/office/powerpoint/2010/main" spd="med" advClick="1" p14:dur="1000"/>
+  <mc:AlternateContent xmlns:mc="http://schemas.openxmlformats.org/markup-compatibility/2006">
+    <mc:Choice xmlns:p14="http://schemas.microsoft.com/office/powerpoint/2010/main" Requires="p14">
+      <p:transition spd="med" p14:dur="1000"/>
+    </mc:Choice>
+    <mc:Fallback>
+      <p:transition spd="med"/>
+    </mc:Fallback>
+  </mc:AlternateContent>
 </p:sld>
 </file>
 
-<file path=ppt/slides/slide15.xml><?xml version="1.0" encoding="utf-8"?>
-<p:sld xmlns:a="http://schemas.openxmlformats.org/drawingml/2006/main" xmlns:r="http://schemas.openxmlformats.org/officeDocument/2006/relationships" xmlns:p="http://schemas.openxmlformats.org/presentationml/2006/main" showMasterSp="1" showMasterPhAnim="1">
+<file path=ppt/slides/slide16.xml><?xml version="1.0" encoding="utf-8"?>
+<p:sld xmlns:a="http://schemas.openxmlformats.org/drawingml/2006/main" xmlns:r="http://schemas.openxmlformats.org/officeDocument/2006/relationships" xmlns:p="http://schemas.openxmlformats.org/presentationml/2006/main">
   <p:cSld>
     <p:spTree>
       <p:nvGrpSpPr>
@@ -4549,7 +4626,6 @@
           <a:bodyPr/>
           <a:lstStyle/>
           <a:p>
-            <a:pPr/>
             <a:r>
               <a:t>我们在实践中能逐步感知到的SE</a:t>
             </a:r>
@@ -4573,31 +4649,26 @@
           <a:bodyPr/>
           <a:lstStyle/>
           <a:p>
-            <a:pPr/>
             <a:r>
               <a:t>工欲善其事必先利其器——Typing - VSCode - Git - Vim - RegEx</a:t>
             </a:r>
           </a:p>
           <a:p>
-            <a:pPr/>
             <a:r>
               <a:t>代码中的软件工程——一个工程化C语言项目范例</a:t>
             </a:r>
           </a:p>
           <a:p>
-            <a:pPr/>
             <a:r>
               <a:t>需求分析与设计——从分析到设计的基本方法</a:t>
             </a:r>
           </a:p>
           <a:p>
-            <a:pPr/>
             <a:r>
               <a:t>软件系统设计——软件的结构、特性和描述方法</a:t>
             </a:r>
           </a:p>
           <a:p>
-            <a:pPr/>
             <a:r>
               <a:t>工程过程与项目管理——软件危机的前生后世</a:t>
             </a:r>
@@ -4621,11 +4692,6 @@
           <a:ln w="12700">
             <a:miter lim="400000"/>
           </a:ln>
-          <a:extLst>
-            <a:ext uri="{C572A759-6A51-4108-AA02-DFA0A04FC94B}">
-              <ma14:wrappingTextBoxFlag xmlns:ma14="http://schemas.microsoft.com/office/mac/drawingml/2011/main" val="1"/>
-            </a:ext>
-          </a:extLst>
         </p:spPr>
         <p:txBody>
           <a:bodyPr wrap="none" lIns="50800" tIns="50800" rIns="50800" bIns="50800" anchor="ctr">
@@ -4637,7 +4703,6 @@
             </a:lvl1pPr>
           </a:lstStyle>
           <a:p>
-            <a:pPr/>
             <a:r>
               <a:t>课程实验作业+工程实践项目</a:t>
             </a:r>
@@ -4649,14 +4714,21 @@
   <p:clrMapOvr>
     <a:masterClrMapping/>
   </p:clrMapOvr>
-  <p:transition xmlns:p14="http://schemas.microsoft.com/office/powerpoint/2010/main" spd="med" advClick="1" p14:dur="1000"/>
+  <mc:AlternateContent xmlns:mc="http://schemas.openxmlformats.org/markup-compatibility/2006">
+    <mc:Choice xmlns:p14="http://schemas.microsoft.com/office/powerpoint/2010/main" Requires="p14">
+      <p:transition spd="med" p14:dur="1000"/>
+    </mc:Choice>
+    <mc:Fallback>
+      <p:transition spd="med"/>
+    </mc:Fallback>
+  </mc:AlternateContent>
   <p:timing>
     <p:tnLst>
       <p:par>
-        <p:cTn id="1" nodeType="tmRoot" restart="never" dur="indefinite" fill="hold">
+        <p:cTn id="1" dur="indefinite" restart="never" fill="hold" nodeType="tmRoot">
           <p:childTnLst>
-            <p:seq concurrent="1" prevAc="none" nextAc="seek">
-              <p:cTn id="2" nodeType="mainSeq" dur="indefinite" fill="hold">
+            <p:seq concurrent="1" nextAc="seek">
+              <p:cTn id="2" dur="indefinite" fill="hold" nodeType="mainSeq">
                 <p:childTnLst>
                   <p:par>
                     <p:cTn id="3" fill="hold">
@@ -4671,17 +4743,17 @@
                             </p:stCondLst>
                             <p:childTnLst>
                               <p:par>
-                                <p:cTn id="5" presetClass="entr" nodeType="clickEffect" presetSubtype="8" presetID="2" grpId="1" fill="hold">
+                                <p:cTn id="5" presetID="2" presetClass="entr" presetSubtype="8" fill="hold" grpId="1" nodeType="clickEffect">
                                   <p:stCondLst>
                                     <p:cond delay="0"/>
                                   </p:stCondLst>
-                                  <p:iterate type="lt" backwards="0">
+                                  <p:iterate type="lt">
                                     <p:tmAbs val="0"/>
                                   </p:iterate>
                                   <p:childTnLst>
                                     <p:set>
                                       <p:cBhvr>
-                                        <p:cTn id="6" fill="hold"/>
+                                        <p:cTn id="6" dur="indefinite" fill="hold"/>
                                         <p:tgtEl>
                                           <p:spTgt spid="181"/>
                                         </p:tgtEl>
@@ -4770,14 +4842,14 @@
       </p:par>
     </p:tnLst>
     <p:bldLst>
-      <p:bldP build="whole" bldLvl="1" animBg="1" rev="0" advAuto="0" spid="181" grpId="1"/>
+      <p:bldP spid="181" grpId="1" animBg="1" advAuto="0"/>
     </p:bldLst>
   </p:timing>
 </p:sld>
 </file>
 
-<file path=ppt/slides/slide16.xml><?xml version="1.0" encoding="utf-8"?>
-<p:sld xmlns:a="http://schemas.openxmlformats.org/drawingml/2006/main" xmlns:r="http://schemas.openxmlformats.org/officeDocument/2006/relationships" xmlns:p="http://schemas.openxmlformats.org/presentationml/2006/main" showMasterSp="1" showMasterPhAnim="1">
+<file path=ppt/slides/slide17.xml><?xml version="1.0" encoding="utf-8"?>
+<p:sld xmlns:a="http://schemas.openxmlformats.org/drawingml/2006/main" xmlns:r="http://schemas.openxmlformats.org/officeDocument/2006/relationships" xmlns:p="http://schemas.openxmlformats.org/presentationml/2006/main">
   <p:cSld>
     <p:spTree>
       <p:nvGrpSpPr>
@@ -4810,7 +4882,6 @@
           <a:bodyPr/>
           <a:lstStyle/>
           <a:p>
-            <a:pPr/>
             <a:r>
               <a:t>“loser” </a:t>
             </a:r>
@@ -4818,6 +4889,7 @@
               <a:rPr b="1"/>
               <a:t>矛盾的行为和期望</a:t>
             </a:r>
+            <a:endParaRPr b="1"/>
           </a:p>
         </p:txBody>
       </p:sp>
@@ -4838,32 +4910,32 @@
           <a:bodyPr/>
           <a:lstStyle/>
           <a:p>
-            <a:pPr marL="751362" indent="-633679" defTabSz="1810511">
-              <a:defRPr sz="6336"/>
+            <a:pPr marL="751205" indent="-633730" defTabSz="1810385">
+              <a:defRPr sz="6335"/>
             </a:pPr>
             <a:r>
               <a:t>父母，既看不起自己的孩子，又希望孩子出人头地 ；</a:t>
             </a:r>
           </a:p>
           <a:p>
-            <a:pPr marL="751362" indent="-633679" defTabSz="1810511">
-              <a:defRPr sz="6336"/>
+            <a:pPr marL="751205" indent="-633730" defTabSz="1810385">
+              <a:defRPr sz="6335"/>
             </a:pPr>
             <a:r>
               <a:t>孩子，既厌恶父母设计的人生，又怕走错路辜负了父母的期望；</a:t>
             </a:r>
           </a:p>
           <a:p>
-            <a:pPr marL="751362" indent="-633679" defTabSz="1810511">
-              <a:defRPr sz="6336"/>
+            <a:pPr marL="751205" indent="-633730" defTabSz="1810385">
+              <a:defRPr sz="6335"/>
             </a:pPr>
             <a:r>
               <a:t>老师，既要求学生乖乖听话，又希望学生有创新精神；</a:t>
             </a:r>
           </a:p>
           <a:p>
-            <a:pPr marL="751362" indent="-633679" defTabSz="1810511">
-              <a:defRPr sz="6336"/>
+            <a:pPr marL="751205" indent="-633730" defTabSz="1810385">
+              <a:defRPr sz="6335"/>
             </a:pPr>
             <a:r>
               <a:t>学生，既不认同老师的观点，又怕得不到那鸡肋的分数。</a:t>
@@ -4876,14 +4948,21 @@
   <p:clrMapOvr>
     <a:masterClrMapping/>
   </p:clrMapOvr>
-  <p:transition xmlns:p14="http://schemas.microsoft.com/office/powerpoint/2010/main" spd="med" advClick="1" p14:dur="1000"/>
+  <mc:AlternateContent xmlns:mc="http://schemas.openxmlformats.org/markup-compatibility/2006">
+    <mc:Choice xmlns:p14="http://schemas.microsoft.com/office/powerpoint/2010/main" Requires="p14">
+      <p:transition spd="med" p14:dur="1000"/>
+    </mc:Choice>
+    <mc:Fallback>
+      <p:transition spd="med"/>
+    </mc:Fallback>
+  </mc:AlternateContent>
   <p:timing>
     <p:tnLst>
       <p:par>
-        <p:cTn id="1" nodeType="tmRoot" restart="never" dur="indefinite" fill="hold">
+        <p:cTn id="1" dur="indefinite" restart="never" fill="hold" nodeType="tmRoot">
           <p:childTnLst>
-            <p:seq concurrent="1" prevAc="none" nextAc="seek">
-              <p:cTn id="2" nodeType="mainSeq" dur="indefinite" fill="hold">
+            <p:seq concurrent="1" nextAc="seek">
+              <p:cTn id="2" dur="indefinite" fill="hold" nodeType="mainSeq">
                 <p:childTnLst>
                   <p:par>
                     <p:cTn id="3" fill="hold">
@@ -4898,17 +4977,17 @@
                             </p:stCondLst>
                             <p:childTnLst>
                               <p:par>
-                                <p:cTn id="5" presetClass="entr" nodeType="clickEffect" presetSubtype="0" presetID="1" grpId="1" fill="hold">
+                                <p:cTn id="5" presetID="1" presetClass="entr" presetSubtype="0" fill="hold" grpId="1" nodeType="clickEffect">
                                   <p:stCondLst>
                                     <p:cond delay="0"/>
                                   </p:stCondLst>
-                                  <p:iterate type="el" backwards="0">
+                                  <p:iterate type="el">
                                     <p:tmAbs val="0"/>
                                   </p:iterate>
                                   <p:childTnLst>
                                     <p:set>
                                       <p:cBhvr>
-                                        <p:cTn id="6" fill="hold"/>
+                                        <p:cTn id="6" dur="indefinite" fill="hold"/>
                                         <p:tgtEl>
                                           <p:spTgt spid="184">
                                             <p:bg/>
@@ -4926,17 +5005,17 @@
                                 </p:cTn>
                               </p:par>
                               <p:par>
-                                <p:cTn id="7" presetClass="entr" nodeType="withEffect" presetSubtype="0" presetID="1" grpId="1" fill="hold">
+                                <p:cTn id="7" presetID="1" presetClass="entr" presetSubtype="0" fill="hold" grpId="1" nodeType="withEffect">
                                   <p:stCondLst>
                                     <p:cond delay="0"/>
                                   </p:stCondLst>
-                                  <p:iterate type="el" backwards="0">
+                                  <p:iterate type="el">
                                     <p:tmAbs val="0"/>
                                   </p:iterate>
                                   <p:childTnLst>
                                     <p:set>
                                       <p:cBhvr>
-                                        <p:cTn id="8" fill="hold"/>
+                                        <p:cTn id="8" dur="indefinite" fill="hold"/>
                                         <p:tgtEl>
                                           <p:spTgt spid="184">
                                             <p:txEl>
@@ -4974,17 +5053,17 @@
                             </p:stCondLst>
                             <p:childTnLst>
                               <p:par>
-                                <p:cTn id="11" presetClass="entr" nodeType="clickEffect" presetSubtype="0" presetID="1" grpId="1" fill="hold">
+                                <p:cTn id="11" presetID="1" presetClass="entr" presetSubtype="0" fill="hold" grpId="1" nodeType="clickEffect">
                                   <p:stCondLst>
                                     <p:cond delay="0"/>
                                   </p:stCondLst>
-                                  <p:iterate type="el" backwards="0">
+                                  <p:iterate type="el">
                                     <p:tmAbs val="0"/>
                                   </p:iterate>
                                   <p:childTnLst>
                                     <p:set>
                                       <p:cBhvr>
-                                        <p:cTn id="12" fill="hold"/>
+                                        <p:cTn id="12" dur="indefinite" fill="hold"/>
                                         <p:tgtEl>
                                           <p:spTgt spid="184">
                                             <p:txEl>
@@ -5022,17 +5101,17 @@
                             </p:stCondLst>
                             <p:childTnLst>
                               <p:par>
-                                <p:cTn id="15" presetClass="entr" nodeType="clickEffect" presetSubtype="0" presetID="1" grpId="1" fill="hold">
+                                <p:cTn id="15" presetID="1" presetClass="entr" presetSubtype="0" fill="hold" grpId="1" nodeType="clickEffect">
                                   <p:stCondLst>
                                     <p:cond delay="0"/>
                                   </p:stCondLst>
-                                  <p:iterate type="el" backwards="0">
+                                  <p:iterate type="el">
                                     <p:tmAbs val="0"/>
                                   </p:iterate>
                                   <p:childTnLst>
                                     <p:set>
                                       <p:cBhvr>
-                                        <p:cTn id="16" fill="hold"/>
+                                        <p:cTn id="16" dur="indefinite" fill="hold"/>
                                         <p:tgtEl>
                                           <p:spTgt spid="184">
                                             <p:txEl>
@@ -5070,17 +5149,17 @@
                             </p:stCondLst>
                             <p:childTnLst>
                               <p:par>
-                                <p:cTn id="19" presetClass="entr" nodeType="clickEffect" presetSubtype="0" presetID="1" grpId="1" fill="hold">
+                                <p:cTn id="19" presetID="1" presetClass="entr" presetSubtype="0" fill="hold" grpId="1" nodeType="clickEffect">
                                   <p:stCondLst>
                                     <p:cond delay="0"/>
                                   </p:stCondLst>
-                                  <p:iterate type="el" backwards="0">
+                                  <p:iterate type="el">
                                     <p:tmAbs val="0"/>
                                   </p:iterate>
                                   <p:childTnLst>
                                     <p:set>
                                       <p:cBhvr>
-                                        <p:cTn id="20" fill="hold"/>
+                                        <p:cTn id="20" dur="indefinite" fill="hold"/>
                                         <p:tgtEl>
                                           <p:spTgt spid="184">
                                             <p:txEl>
@@ -5127,14 +5206,14 @@
       </p:par>
     </p:tnLst>
     <p:bldLst>
-      <p:bldP build="p" bldLvl="1" animBg="1" rev="0" advAuto="0" spid="184" grpId="1"/>
+      <p:bldP spid="184" grpId="1" animBg="1" advAuto="0" build="p"/>
     </p:bldLst>
   </p:timing>
 </p:sld>
 </file>
 
-<file path=ppt/slides/slide17.xml><?xml version="1.0" encoding="utf-8"?>
-<p:sld xmlns:a="http://schemas.openxmlformats.org/drawingml/2006/main" xmlns:r="http://schemas.openxmlformats.org/officeDocument/2006/relationships" xmlns:p="http://schemas.openxmlformats.org/presentationml/2006/main" showMasterSp="1" showMasterPhAnim="1">
+<file path=ppt/slides/slide18.xml><?xml version="1.0" encoding="utf-8"?>
+<p:sld xmlns:a="http://schemas.openxmlformats.org/drawingml/2006/main" xmlns:r="http://schemas.openxmlformats.org/officeDocument/2006/relationships" xmlns:p="http://schemas.openxmlformats.org/presentationml/2006/main">
   <p:cSld>
     <p:spTree>
       <p:nvGrpSpPr>
@@ -5168,31 +5247,37 @@
           <a:lstStyle>
             <a:lvl1pPr>
               <a:defRPr>
-                <a:latin typeface="冬青黑体简体中文 W6"/>
-                <a:ea typeface="冬青黑体简体中文 W6"/>
-                <a:cs typeface="冬青黑体简体中文 W6"/>
-                <a:sym typeface="冬青黑体简体中文 W6"/>
+                <a:latin typeface="冬青黑体简体中文 W6" panose="020B0300000000000000" charset="-122"/>
+                <a:ea typeface="冬青黑体简体中文 W6" panose="020B0300000000000000" charset="-122"/>
+                <a:cs typeface="冬青黑体简体中文 W6" panose="020B0300000000000000" charset="-122"/>
+                <a:sym typeface="冬青黑体简体中文 W6" panose="020B0300000000000000" charset="-122"/>
               </a:defRPr>
             </a:lvl1pPr>
           </a:lstStyle>
           <a:p>
             <a:pPr>
               <a:defRPr>
-                <a:latin typeface="冬青黑体简体中文 W3"/>
-                <a:ea typeface="冬青黑体简体中文 W3"/>
-                <a:cs typeface="冬青黑体简体中文 W3"/>
-                <a:sym typeface="冬青黑体简体中文 W3"/>
+                <a:latin typeface="冬青黑体简体中文 W3" panose="020B0300000000000000" charset="-122"/>
+                <a:ea typeface="冬青黑体简体中文 W3" panose="020B0300000000000000" charset="-122"/>
+                <a:cs typeface="冬青黑体简体中文 W3" panose="020B0300000000000000" charset="-122"/>
+                <a:sym typeface="冬青黑体简体中文 W3" panose="020B0300000000000000" charset="-122"/>
               </a:defRPr>
             </a:pPr>
             <a:r>
               <a:rPr>
-                <a:latin typeface="冬青黑体简体中文 W6"/>
-                <a:ea typeface="冬青黑体简体中文 W6"/>
-                <a:cs typeface="冬青黑体简体中文 W6"/>
-                <a:sym typeface="冬青黑体简体中文 W6"/>
+                <a:latin typeface="冬青黑体简体中文 W6" panose="020B0300000000000000" charset="-122"/>
+                <a:ea typeface="冬青黑体简体中文 W6" panose="020B0300000000000000" charset="-122"/>
+                <a:cs typeface="冬青黑体简体中文 W6" panose="020B0300000000000000" charset="-122"/>
+                <a:sym typeface="冬青黑体简体中文 W6" panose="020B0300000000000000" charset="-122"/>
               </a:rPr>
               <a:t>如何看待学习中的各种失败？</a:t>
             </a:r>
+            <a:endParaRPr>
+              <a:latin typeface="冬青黑体简体中文 W6" panose="020B0300000000000000" charset="-122"/>
+              <a:ea typeface="冬青黑体简体中文 W6" panose="020B0300000000000000" charset="-122"/>
+              <a:cs typeface="冬青黑体简体中文 W6" panose="020B0300000000000000" charset="-122"/>
+              <a:sym typeface="冬青黑体简体中文 W6" panose="020B0300000000000000" charset="-122"/>
+            </a:endParaRPr>
           </a:p>
         </p:txBody>
       </p:sp>
@@ -5205,9 +5290,7 @@
           <p:nvPr/>
         </p:nvPicPr>
         <p:blipFill>
-          <a:blip r:embed="rId2">
-            <a:extLst/>
-          </a:blip>
+          <a:blip r:embed="rId1"/>
           <a:stretch>
             <a:fillRect/>
           </a:stretch>
@@ -5222,6 +5305,8 @@
           </a:prstGeom>
           <a:ln w="12700">
             <a:miter lim="400000"/>
+            <a:headEnd/>
+            <a:tailEnd/>
           </a:ln>
         </p:spPr>
       </p:pic>
@@ -5242,11 +5327,6 @@
           <a:ln w="12700">
             <a:miter lim="400000"/>
           </a:ln>
-          <a:extLst>
-            <a:ext uri="{C572A759-6A51-4108-AA02-DFA0A04FC94B}">
-              <ma14:wrappingTextBoxFlag xmlns:ma14="http://schemas.microsoft.com/office/mac/drawingml/2011/main" val="1"/>
-            </a:ext>
-          </a:extLst>
         </p:spPr>
         <p:txBody>
           <a:bodyPr tIns="91439" bIns="91439">
@@ -5256,13 +5336,13 @@
           <a:p>
             <a:pPr marL="571500" indent="-571500" algn="l" defTabSz="1828800">
               <a:buSzPct val="100000"/>
-              <a:buFont typeface="Arial"/>
+              <a:buFont typeface="Arial" panose="020B0604020202090204"/>
               <a:buChar char="•"/>
               <a:defRPr sz="4800">
-                <a:latin typeface="冬青黑体简体中文 W3"/>
-                <a:ea typeface="冬青黑体简体中文 W3"/>
-                <a:cs typeface="冬青黑体简体中文 W3"/>
-                <a:sym typeface="冬青黑体简体中文 W3"/>
+                <a:latin typeface="冬青黑体简体中文 W3" panose="020B0300000000000000" charset="-122"/>
+                <a:ea typeface="冬青黑体简体中文 W3" panose="020B0300000000000000" charset="-122"/>
+                <a:cs typeface="冬青黑体简体中文 W3" panose="020B0300000000000000" charset="-122"/>
+                <a:sym typeface="冬青黑体简体中文 W3" panose="020B0300000000000000" charset="-122"/>
               </a:defRPr>
             </a:pPr>
             <a:r>
@@ -5272,13 +5352,13 @@
           <a:p>
             <a:pPr marL="571500" indent="-571500" algn="l" defTabSz="1828800">
               <a:buSzPct val="100000"/>
-              <a:buFont typeface="Arial"/>
+              <a:buFont typeface="Arial" panose="020B0604020202090204"/>
               <a:buChar char="•"/>
               <a:defRPr sz="4800">
-                <a:latin typeface="冬青黑体简体中文 W3"/>
-                <a:ea typeface="冬青黑体简体中文 W3"/>
-                <a:cs typeface="冬青黑体简体中文 W3"/>
-                <a:sym typeface="冬青黑体简体中文 W3"/>
+                <a:latin typeface="冬青黑体简体中文 W3" panose="020B0300000000000000" charset="-122"/>
+                <a:ea typeface="冬青黑体简体中文 W3" panose="020B0300000000000000" charset="-122"/>
+                <a:cs typeface="冬青黑体简体中文 W3" panose="020B0300000000000000" charset="-122"/>
+                <a:sym typeface="冬青黑体简体中文 W3" panose="020B0300000000000000" charset="-122"/>
               </a:defRPr>
             </a:pPr>
             <a:r>
@@ -5286,15 +5366,15 @@
             </a:r>
           </a:p>
           <a:p>
-            <a:pPr lvl="1" marL="1028700" indent="-571500" algn="l" defTabSz="1828800">
+            <a:pPr marL="1028700" lvl="1" indent="-571500" algn="l" defTabSz="1828800">
               <a:buSzPct val="100000"/>
-              <a:buFont typeface="Arial"/>
+              <a:buFont typeface="Arial" panose="020B0604020202090204"/>
               <a:buChar char="•"/>
               <a:defRPr sz="4800">
-                <a:latin typeface="冬青黑体简体中文 W3"/>
-                <a:ea typeface="冬青黑体简体中文 W3"/>
-                <a:cs typeface="冬青黑体简体中文 W3"/>
-                <a:sym typeface="冬青黑体简体中文 W3"/>
+                <a:latin typeface="冬青黑体简体中文 W3" panose="020B0300000000000000" charset="-122"/>
+                <a:ea typeface="冬青黑体简体中文 W3" panose="020B0300000000000000" charset="-122"/>
+                <a:cs typeface="冬青黑体简体中文 W3" panose="020B0300000000000000" charset="-122"/>
+                <a:sym typeface="冬青黑体简体中文 W3" panose="020B0300000000000000" charset="-122"/>
               </a:defRPr>
             </a:pPr>
             <a:r>
@@ -5302,15 +5382,15 @@
             </a:r>
           </a:p>
           <a:p>
-            <a:pPr lvl="1" marL="1028700" indent="-571500" algn="l" defTabSz="1828800">
+            <a:pPr marL="1028700" lvl="1" indent="-571500" algn="l" defTabSz="1828800">
               <a:buSzPct val="100000"/>
-              <a:buFont typeface="Arial"/>
+              <a:buFont typeface="Arial" panose="020B0604020202090204"/>
               <a:buChar char="•"/>
               <a:defRPr sz="4800">
-                <a:latin typeface="冬青黑体简体中文 W3"/>
-                <a:ea typeface="冬青黑体简体中文 W3"/>
-                <a:cs typeface="冬青黑体简体中文 W3"/>
-                <a:sym typeface="冬青黑体简体中文 W3"/>
+                <a:latin typeface="冬青黑体简体中文 W3" panose="020B0300000000000000" charset="-122"/>
+                <a:ea typeface="冬青黑体简体中文 W3" panose="020B0300000000000000" charset="-122"/>
+                <a:cs typeface="冬青黑体简体中文 W3" panose="020B0300000000000000" charset="-122"/>
+                <a:sym typeface="冬青黑体简体中文 W3" panose="020B0300000000000000" charset="-122"/>
               </a:defRPr>
             </a:pPr>
             <a:r>
@@ -5318,22 +5398,19 @@
             </a:r>
           </a:p>
           <a:p>
-            <a:pPr lvl="1" marL="1028700" indent="-571500" algn="l" defTabSz="1828800">
+            <a:pPr marL="1028700" lvl="1" indent="-571500" algn="l" defTabSz="1828800">
               <a:buSzPct val="100000"/>
-              <a:buFont typeface="Arial"/>
+              <a:buFont typeface="Arial" panose="020B0604020202090204"/>
               <a:buChar char="•"/>
               <a:defRPr sz="4800">
-                <a:latin typeface="冬青黑体简体中文 W3"/>
-                <a:ea typeface="冬青黑体简体中文 W3"/>
-                <a:cs typeface="冬青黑体简体中文 W3"/>
-                <a:sym typeface="冬青黑体简体中文 W3"/>
+                <a:latin typeface="冬青黑体简体中文 W3" panose="020B0300000000000000" charset="-122"/>
+                <a:ea typeface="冬青黑体简体中文 W3" panose="020B0300000000000000" charset="-122"/>
+                <a:cs typeface="冬青黑体简体中文 W3" panose="020B0300000000000000" charset="-122"/>
+                <a:sym typeface="冬青黑体简体中文 W3" panose="020B0300000000000000" charset="-122"/>
               </a:defRPr>
             </a:pPr>
             <a:r>
-              <a:t>希望最后还能学到点东西  </a:t>
-            </a:r>
-            <a:r>
-              <a:t>☺ </a:t>
+              <a:t>希望最后还能学到点东西  ☺ </a:t>
             </a:r>
           </a:p>
         </p:txBody>
@@ -5343,12 +5420,19 @@
   <p:clrMapOvr>
     <a:masterClrMapping/>
   </p:clrMapOvr>
-  <p:transition xmlns:p14="http://schemas.microsoft.com/office/powerpoint/2010/main" spd="med" advClick="1" p14:dur="1000"/>
+  <mc:AlternateContent xmlns:mc="http://schemas.openxmlformats.org/markup-compatibility/2006">
+    <mc:Choice xmlns:p14="http://schemas.microsoft.com/office/powerpoint/2010/main" Requires="p14">
+      <p:transition spd="med" p14:dur="1000"/>
+    </mc:Choice>
+    <mc:Fallback>
+      <p:transition spd="med"/>
+    </mc:Fallback>
+  </mc:AlternateContent>
 </p:sld>
 </file>
 
-<file path=ppt/slides/slide18.xml><?xml version="1.0" encoding="utf-8"?>
-<p:sld xmlns:a="http://schemas.openxmlformats.org/drawingml/2006/main" xmlns:r="http://schemas.openxmlformats.org/officeDocument/2006/relationships" xmlns:p="http://schemas.openxmlformats.org/presentationml/2006/main" showMasterSp="1" showMasterPhAnim="1">
+<file path=ppt/slides/slide19.xml><?xml version="1.0" encoding="utf-8"?>
+<p:sld xmlns:a="http://schemas.openxmlformats.org/drawingml/2006/main" xmlns:r="http://schemas.openxmlformats.org/officeDocument/2006/relationships" xmlns:p="http://schemas.openxmlformats.org/presentationml/2006/main">
   <p:cSld>
     <p:spTree>
       <p:nvGrpSpPr>
@@ -5381,7 +5465,6 @@
           <a:bodyPr/>
           <a:lstStyle/>
           <a:p>
-            <a:pPr/>
             <a:r>
               <a:t>Text Books</a:t>
             </a:r>
@@ -5405,123 +5488,114 @@
           <a:bodyPr/>
           <a:lstStyle/>
           <a:p>
-            <a:pPr marL="637519" indent="-537667" defTabSz="1536191">
-              <a:defRPr sz="5376"/>
+            <a:pPr marL="637540" indent="-537845" defTabSz="1536065">
+              <a:defRPr sz="5375"/>
             </a:pPr>
             <a:r>
               <a:t>课本</a:t>
             </a:r>
           </a:p>
           <a:p>
-            <a:pPr lvl="1" marL="844905" indent="-460857" defTabSz="1536191">
+            <a:pPr marL="845185" lvl="1" indent="-461010" defTabSz="1536065">
               <a:spcBef>
                 <a:spcPts val="1100"/>
               </a:spcBef>
               <a:buClr>
                 <a:srgbClr val="60B5CC"/>
               </a:buClr>
-              <a:buFont typeface="Wingdings"/>
-              <a:defRPr sz="4703"/>
+              <a:buFont typeface="Wingdings" panose="05000000000000000000"/>
+              <a:defRPr sz="4705"/>
             </a:pPr>
             <a:r>
-              <a:t> </a:t>
-            </a:r>
-            <a:r>
-              <a:t>自编教程</a:t>
-            </a:r>
-          </a:p>
-          <a:p>
-            <a:pPr lvl="1" marL="844905" indent="-460857" defTabSz="1536191">
+              <a:t> 自编教程</a:t>
+            </a:r>
+          </a:p>
+          <a:p>
+            <a:pPr marL="845185" lvl="1" indent="-461010" defTabSz="1536065">
               <a:spcBef>
                 <a:spcPts val="1100"/>
               </a:spcBef>
               <a:buClr>
                 <a:srgbClr val="60B5CC"/>
               </a:buClr>
-              <a:buFont typeface="Wingdings"/>
-              <a:defRPr sz="4703"/>
+              <a:buFont typeface="Wingdings" panose="05000000000000000000"/>
+              <a:defRPr sz="4705"/>
             </a:pPr>
             <a:r>
-              <a:t>《构建之法 </a:t>
-            </a:r>
-            <a:r>
-              <a:t>– </a:t>
-            </a:r>
-            <a:r>
-              <a:t>现代软件工程》</a:t>
-            </a:r>
-          </a:p>
-          <a:p>
-            <a:pPr lvl="1" marL="844905" indent="-460857" defTabSz="1536191">
+              <a:t>《构建之法 – 现代软件工程》</a:t>
+            </a:r>
+          </a:p>
+          <a:p>
+            <a:pPr marL="845185" lvl="1" indent="-461010" defTabSz="1536065">
               <a:spcBef>
                 <a:spcPts val="1100"/>
               </a:spcBef>
               <a:buClr>
                 <a:srgbClr val="60B5CC"/>
               </a:buClr>
-              <a:buFont typeface="Wingdings"/>
-              <a:defRPr sz="4703"/>
+              <a:buFont typeface="Wingdings" panose="05000000000000000000"/>
+              <a:defRPr sz="4705"/>
             </a:pPr>
             <a:r>
               <a:t>《软件工程——理论与实践》</a:t>
             </a:r>
           </a:p>
           <a:p>
-            <a:pPr marL="637519" indent="-537667" defTabSz="1536191">
-              <a:defRPr sz="5376"/>
+            <a:pPr marL="637540" indent="-537845" defTabSz="1536065">
+              <a:defRPr sz="5375"/>
             </a:pPr>
             <a:r>
               <a:t>必读书</a:t>
             </a:r>
           </a:p>
           <a:p>
-            <a:pPr lvl="1" marL="844905" indent="-460857" defTabSz="1536191">
+            <a:pPr marL="845185" lvl="1" indent="-461010" defTabSz="1536065">
               <a:spcBef>
                 <a:spcPts val="1100"/>
               </a:spcBef>
               <a:buClr>
                 <a:srgbClr val="60B5CC"/>
               </a:buClr>
-              <a:buFont typeface="Wingdings"/>
-              <a:defRPr sz="4703"/>
+              <a:buFont typeface="Wingdings" panose="05000000000000000000"/>
+              <a:defRPr sz="4705"/>
             </a:pPr>
             <a:r>
               <a:t>（必读）《梦断代码》http://bestcbooks.com/dreamingincode/</a:t>
             </a:r>
           </a:p>
           <a:p>
-            <a:pPr lvl="1" marL="844905" indent="-460857" defTabSz="1536191">
+            <a:pPr marL="845185" lvl="1" indent="-461010" defTabSz="1536065">
               <a:spcBef>
                 <a:spcPts val="1100"/>
               </a:spcBef>
               <a:buClr>
                 <a:srgbClr val="60B5CC"/>
               </a:buClr>
-              <a:buFont typeface="Wingdings"/>
-              <a:defRPr sz="4703"/>
+              <a:buFont typeface="Wingdings" panose="05000000000000000000"/>
+              <a:defRPr sz="4705"/>
             </a:pPr>
             <a:r>
               <a:t>（必读）《人月神话》Frederick Brooks</a:t>
             </a:r>
           </a:p>
           <a:p>
-            <a:pPr marL="637519" indent="-537667" defTabSz="1536191">
-              <a:defRPr sz="5376"/>
+            <a:pPr marL="637540" indent="-537845" defTabSz="1536065">
+              <a:defRPr sz="5375"/>
             </a:pPr>
             <a:r>
               <a:t>其它参考书</a:t>
             </a:r>
           </a:p>
           <a:p>
-            <a:pPr lvl="1" marL="844905" indent="-460857" defTabSz="1536191">
+            <a:pPr marL="845185" lvl="1" indent="-461010" defTabSz="1536065">
               <a:spcBef>
                 <a:spcPts val="1100"/>
               </a:spcBef>
               <a:buClr>
                 <a:srgbClr val="60B5CC"/>
               </a:buClr>
-              <a:buFont typeface="Wingdings"/>
-              <a:defRPr sz="4703"/>
+              <a:buFont typeface="Wingdings" panose="05000000000000000000"/>
+              <a:defRPr sz="4705"/>
             </a:pPr>
             <a:r>
               <a:rPr u="sng">
@@ -5533,7 +5607,6 @@
                     <a:srgbClr val="168BBA"/>
                   </a:solidFill>
                 </a:uFill>
-                <a:hlinkClick r:id="rId2" invalidUrl="" action="" tgtFrame="" tooltip="" history="1" highlightClick="0" endSnd="0"/>
               </a:rPr>
               <a:t>http://book.douban.com/doulist/1204928/</a:t>
             </a:r>
@@ -5548,14 +5621,21 @@
   <p:clrMapOvr>
     <a:masterClrMapping/>
   </p:clrMapOvr>
-  <p:transition xmlns:p14="http://schemas.microsoft.com/office/powerpoint/2010/main" spd="med" advClick="1" p14:dur="1000"/>
+  <mc:AlternateContent xmlns:mc="http://schemas.openxmlformats.org/markup-compatibility/2006">
+    <mc:Choice xmlns:p14="http://schemas.microsoft.com/office/powerpoint/2010/main" Requires="p14">
+      <p:transition spd="med" p14:dur="1000"/>
+    </mc:Choice>
+    <mc:Fallback>
+      <p:transition spd="med"/>
+    </mc:Fallback>
+  </mc:AlternateContent>
   <p:timing>
     <p:tnLst>
       <p:par>
-        <p:cTn id="1" nodeType="tmRoot" restart="never" dur="indefinite" fill="hold">
+        <p:cTn id="1" dur="indefinite" restart="never" fill="hold" nodeType="tmRoot">
           <p:childTnLst>
-            <p:seq concurrent="1" prevAc="none" nextAc="seek">
-              <p:cTn id="2" nodeType="mainSeq" dur="indefinite" fill="hold">
+            <p:seq concurrent="1" nextAc="seek">
+              <p:cTn id="2" dur="indefinite" fill="hold" nodeType="mainSeq">
                 <p:childTnLst>
                   <p:par>
                     <p:cTn id="3" fill="hold">
@@ -5570,17 +5650,17 @@
                             </p:stCondLst>
                             <p:childTnLst>
                               <p:par>
-                                <p:cTn id="5" presetClass="entr" nodeType="clickEffect" presetID="9" grpId="1" fill="hold">
+                                <p:cTn id="5" presetID="9" presetClass="entr" presetSubtype="0" fill="hold" grpId="1" nodeType="clickEffect">
                                   <p:stCondLst>
                                     <p:cond delay="0"/>
                                   </p:stCondLst>
-                                  <p:iterate type="el" backwards="0">
+                                  <p:iterate type="el">
                                     <p:tmAbs val="0"/>
                                   </p:iterate>
                                   <p:childTnLst>
                                     <p:set>
                                       <p:cBhvr>
-                                        <p:cTn id="6" fill="hold"/>
+                                        <p:cTn id="6" dur="indefinite" fill="hold"/>
                                         <p:tgtEl>
                                           <p:spTgt spid="191">
                                             <p:bg/>
@@ -5594,7 +5674,7 @@
                                         <p:strVal val="visible"/>
                                       </p:to>
                                     </p:set>
-                                    <p:animEffect filter="dissolve" transition="in">
+                                    <p:animEffect transition="in" filter="dissolve">
                                       <p:cBhvr>
                                         <p:cTn id="7" dur="2000"/>
                                         <p:tgtEl>
@@ -5608,17 +5688,17 @@
                                 </p:cTn>
                               </p:par>
                               <p:par>
-                                <p:cTn id="8" presetClass="entr" nodeType="withEffect" presetSubtype="0" presetID="9" grpId="1" fill="hold">
+                                <p:cTn id="8" presetID="9" presetClass="entr" presetSubtype="0" fill="hold" grpId="1" nodeType="withEffect">
                                   <p:stCondLst>
                                     <p:cond delay="0"/>
                                   </p:stCondLst>
-                                  <p:iterate type="el" backwards="0">
+                                  <p:iterate type="el">
                                     <p:tmAbs val="0"/>
                                   </p:iterate>
                                   <p:childTnLst>
                                     <p:set>
                                       <p:cBhvr>
-                                        <p:cTn id="9" fill="hold"/>
+                                        <p:cTn id="9" dur="indefinite" fill="hold"/>
                                         <p:tgtEl>
                                           <p:spTgt spid="191">
                                             <p:txEl>
@@ -5634,7 +5714,7 @@
                                         <p:strVal val="visible"/>
                                       </p:to>
                                     </p:set>
-                                    <p:animEffect filter="dissolve" transition="in">
+                                    <p:animEffect transition="in" filter="dissolve">
                                       <p:cBhvr>
                                         <p:cTn id="10" dur="2000"/>
                                         <p:tgtEl>
@@ -5650,17 +5730,17 @@
                                 </p:cTn>
                               </p:par>
                               <p:par>
-                                <p:cTn id="11" presetClass="entr" nodeType="withEffect" presetSubtype="0" presetID="9" grpId="1" fill="hold">
+                                <p:cTn id="11" presetID="9" presetClass="entr" presetSubtype="0" fill="hold" grpId="1" nodeType="withEffect">
                                   <p:stCondLst>
                                     <p:cond delay="0"/>
                                   </p:stCondLst>
-                                  <p:iterate type="el" backwards="0">
+                                  <p:iterate type="el">
                                     <p:tmAbs val="0"/>
                                   </p:iterate>
                                   <p:childTnLst>
                                     <p:set>
                                       <p:cBhvr>
-                                        <p:cTn id="12" fill="hold"/>
+                                        <p:cTn id="12" dur="indefinite" fill="hold"/>
                                         <p:tgtEl>
                                           <p:spTgt spid="191">
                                             <p:txEl>
@@ -5676,7 +5756,7 @@
                                         <p:strVal val="visible"/>
                                       </p:to>
                                     </p:set>
-                                    <p:animEffect filter="dissolve" transition="in">
+                                    <p:animEffect transition="in" filter="dissolve">
                                       <p:cBhvr>
                                         <p:cTn id="13" dur="2000"/>
                                         <p:tgtEl>
@@ -5692,17 +5772,17 @@
                                 </p:cTn>
                               </p:par>
                               <p:par>
-                                <p:cTn id="14" presetClass="entr" nodeType="withEffect" presetSubtype="0" presetID="9" grpId="1" fill="hold">
+                                <p:cTn id="14" presetID="9" presetClass="entr" presetSubtype="0" fill="hold" grpId="1" nodeType="withEffect">
                                   <p:stCondLst>
                                     <p:cond delay="0"/>
                                   </p:stCondLst>
-                                  <p:iterate type="el" backwards="0">
+                                  <p:iterate type="el">
                                     <p:tmAbs val="0"/>
                                   </p:iterate>
                                   <p:childTnLst>
                                     <p:set>
                                       <p:cBhvr>
-                                        <p:cTn id="15" fill="hold"/>
+                                        <p:cTn id="15" dur="indefinite" fill="hold"/>
                                         <p:tgtEl>
                                           <p:spTgt spid="191">
                                             <p:txEl>
@@ -5718,7 +5798,7 @@
                                         <p:strVal val="visible"/>
                                       </p:to>
                                     </p:set>
-                                    <p:animEffect filter="dissolve" transition="in">
+                                    <p:animEffect transition="in" filter="dissolve">
                                       <p:cBhvr>
                                         <p:cTn id="16" dur="2000"/>
                                         <p:tgtEl>
@@ -5734,17 +5814,17 @@
                                 </p:cTn>
                               </p:par>
                               <p:par>
-                                <p:cTn id="17" presetClass="entr" nodeType="withEffect" presetSubtype="0" presetID="9" grpId="1" fill="hold">
+                                <p:cTn id="17" presetID="9" presetClass="entr" presetSubtype="0" fill="hold" grpId="1" nodeType="withEffect">
                                   <p:stCondLst>
                                     <p:cond delay="0"/>
                                   </p:stCondLst>
-                                  <p:iterate type="el" backwards="0">
+                                  <p:iterate type="el">
                                     <p:tmAbs val="0"/>
                                   </p:iterate>
                                   <p:childTnLst>
                                     <p:set>
                                       <p:cBhvr>
-                                        <p:cTn id="18" fill="hold"/>
+                                        <p:cTn id="18" dur="indefinite" fill="hold"/>
                                         <p:tgtEl>
                                           <p:spTgt spid="191">
                                             <p:txEl>
@@ -5760,7 +5840,7 @@
                                         <p:strVal val="visible"/>
                                       </p:to>
                                     </p:set>
-                                    <p:animEffect filter="dissolve" transition="in">
+                                    <p:animEffect transition="in" filter="dissolve">
                                       <p:cBhvr>
                                         <p:cTn id="19" dur="2000"/>
                                         <p:tgtEl>
@@ -5794,17 +5874,17 @@
                             </p:stCondLst>
                             <p:childTnLst>
                               <p:par>
-                                <p:cTn id="22" presetClass="entr" nodeType="clickEffect" presetID="9" grpId="1" fill="hold">
+                                <p:cTn id="22" presetID="9" presetClass="entr" presetSubtype="0" fill="hold" grpId="1" nodeType="clickEffect">
                                   <p:stCondLst>
                                     <p:cond delay="0"/>
                                   </p:stCondLst>
-                                  <p:iterate type="el" backwards="0">
+                                  <p:iterate type="el">
                                     <p:tmAbs val="0"/>
                                   </p:iterate>
                                   <p:childTnLst>
                                     <p:set>
                                       <p:cBhvr>
-                                        <p:cTn id="23" fill="hold"/>
+                                        <p:cTn id="23" dur="indefinite" fill="hold"/>
                                         <p:tgtEl>
                                           <p:spTgt spid="191">
                                             <p:txEl>
@@ -5820,7 +5900,7 @@
                                         <p:strVal val="visible"/>
                                       </p:to>
                                     </p:set>
-                                    <p:animEffect filter="dissolve" transition="in">
+                                    <p:animEffect transition="in" filter="dissolve">
                                       <p:cBhvr>
                                         <p:cTn id="24" dur="2000"/>
                                         <p:tgtEl>
@@ -5836,17 +5916,17 @@
                                 </p:cTn>
                               </p:par>
                               <p:par>
-                                <p:cTn id="25" presetClass="entr" nodeType="withEffect" presetSubtype="0" presetID="9" grpId="1" fill="hold">
+                                <p:cTn id="25" presetID="9" presetClass="entr" presetSubtype="0" fill="hold" grpId="1" nodeType="withEffect">
                                   <p:stCondLst>
                                     <p:cond delay="0"/>
                                   </p:stCondLst>
-                                  <p:iterate type="el" backwards="0">
+                                  <p:iterate type="el">
                                     <p:tmAbs val="0"/>
                                   </p:iterate>
                                   <p:childTnLst>
                                     <p:set>
                                       <p:cBhvr>
-                                        <p:cTn id="26" fill="hold"/>
+                                        <p:cTn id="26" dur="indefinite" fill="hold"/>
                                         <p:tgtEl>
                                           <p:spTgt spid="191">
                                             <p:txEl>
@@ -5862,7 +5942,7 @@
                                         <p:strVal val="visible"/>
                                       </p:to>
                                     </p:set>
-                                    <p:animEffect filter="dissolve" transition="in">
+                                    <p:animEffect transition="in" filter="dissolve">
                                       <p:cBhvr>
                                         <p:cTn id="27" dur="2000"/>
                                         <p:tgtEl>
@@ -5878,17 +5958,17 @@
                                 </p:cTn>
                               </p:par>
                               <p:par>
-                                <p:cTn id="28" presetClass="entr" nodeType="withEffect" presetSubtype="0" presetID="9" grpId="1" fill="hold">
+                                <p:cTn id="28" presetID="9" presetClass="entr" presetSubtype="0" fill="hold" grpId="1" nodeType="withEffect">
                                   <p:stCondLst>
                                     <p:cond delay="0"/>
                                   </p:stCondLst>
-                                  <p:iterate type="el" backwards="0">
+                                  <p:iterate type="el">
                                     <p:tmAbs val="0"/>
                                   </p:iterate>
                                   <p:childTnLst>
                                     <p:set>
                                       <p:cBhvr>
-                                        <p:cTn id="29" fill="hold"/>
+                                        <p:cTn id="29" dur="indefinite" fill="hold"/>
                                         <p:tgtEl>
                                           <p:spTgt spid="191">
                                             <p:txEl>
@@ -5904,7 +5984,7 @@
                                         <p:strVal val="visible"/>
                                       </p:to>
                                     </p:set>
-                                    <p:animEffect filter="dissolve" transition="in">
+                                    <p:animEffect transition="in" filter="dissolve">
                                       <p:cBhvr>
                                         <p:cTn id="30" dur="2000"/>
                                         <p:tgtEl>
@@ -5938,17 +6018,17 @@
                             </p:stCondLst>
                             <p:childTnLst>
                               <p:par>
-                                <p:cTn id="33" presetClass="entr" nodeType="clickEffect" presetID="9" grpId="1" fill="hold">
+                                <p:cTn id="33" presetID="9" presetClass="entr" presetSubtype="0" fill="hold" grpId="1" nodeType="clickEffect">
                                   <p:stCondLst>
                                     <p:cond delay="0"/>
                                   </p:stCondLst>
-                                  <p:iterate type="el" backwards="0">
+                                  <p:iterate type="el">
                                     <p:tmAbs val="0"/>
                                   </p:iterate>
                                   <p:childTnLst>
                                     <p:set>
                                       <p:cBhvr>
-                                        <p:cTn id="34" fill="hold"/>
+                                        <p:cTn id="34" dur="indefinite" fill="hold"/>
                                         <p:tgtEl>
                                           <p:spTgt spid="191">
                                             <p:txEl>
@@ -5964,7 +6044,7 @@
                                         <p:strVal val="visible"/>
                                       </p:to>
                                     </p:set>
-                                    <p:animEffect filter="dissolve" transition="in">
+                                    <p:animEffect transition="in" filter="dissolve">
                                       <p:cBhvr>
                                         <p:cTn id="35" dur="2000"/>
                                         <p:tgtEl>
@@ -5980,17 +6060,17 @@
                                 </p:cTn>
                               </p:par>
                               <p:par>
-                                <p:cTn id="36" presetClass="entr" nodeType="withEffect" presetSubtype="0" presetID="9" grpId="1" fill="hold">
+                                <p:cTn id="36" presetID="9" presetClass="entr" presetSubtype="0" fill="hold" grpId="1" nodeType="withEffect">
                                   <p:stCondLst>
                                     <p:cond delay="0"/>
                                   </p:stCondLst>
-                                  <p:iterate type="el" backwards="0">
+                                  <p:iterate type="el">
                                     <p:tmAbs val="0"/>
                                   </p:iterate>
                                   <p:childTnLst>
                                     <p:set>
                                       <p:cBhvr>
-                                        <p:cTn id="37" fill="hold"/>
+                                        <p:cTn id="37" dur="indefinite" fill="hold"/>
                                         <p:tgtEl>
                                           <p:spTgt spid="191">
                                             <p:txEl>
@@ -6006,7 +6086,7 @@
                                         <p:strVal val="visible"/>
                                       </p:to>
                                     </p:set>
-                                    <p:animEffect filter="dissolve" transition="in">
+                                    <p:animEffect transition="in" filter="dissolve">
                                       <p:cBhvr>
                                         <p:cTn id="38" dur="2000"/>
                                         <p:tgtEl>
@@ -6049,14 +6129,91 @@
       </p:par>
     </p:tnLst>
     <p:bldLst>
-      <p:bldP build="p" bldLvl="1" animBg="1" rev="0" advAuto="0" spid="191" grpId="1"/>
+      <p:bldP spid="191" grpId="1" animBg="1" advAuto="0" build="p"/>
     </p:bldLst>
   </p:timing>
 </p:sld>
 </file>
 
-<file path=ppt/slides/slide19.xml><?xml version="1.0" encoding="utf-8"?>
-<p:sld xmlns:a="http://schemas.openxmlformats.org/drawingml/2006/main" xmlns:r="http://schemas.openxmlformats.org/officeDocument/2006/relationships" xmlns:p="http://schemas.openxmlformats.org/presentationml/2006/main" showMasterSp="1" showMasterPhAnim="1">
+<file path=ppt/slides/slide2.xml><?xml version="1.0" encoding="utf-8"?>
+<p:sld xmlns:a="http://schemas.openxmlformats.org/drawingml/2006/main" xmlns:r="http://schemas.openxmlformats.org/officeDocument/2006/relationships" xmlns:p="http://schemas.openxmlformats.org/presentationml/2006/main">
+  <p:cSld>
+    <p:spTree>
+      <p:nvGrpSpPr>
+        <p:cNvPr id="1" name=""/>
+        <p:cNvGrpSpPr/>
+        <p:nvPr/>
+      </p:nvGrpSpPr>
+      <p:grpSpPr/>
+      <p:sp>
+        <p:nvSpPr>
+          <p:cNvPr id="3" name="标题 2"/>
+          <p:cNvSpPr/>
+          <p:nvPr>
+            <p:ph type="title"/>
+          </p:nvPr>
+        </p:nvSpPr>
+        <p:spPr/>
+        <p:txBody>
+          <a:bodyPr/>
+          <a:p>
+            <a:endParaRPr lang="zh-CN" altLang="en-US"/>
+          </a:p>
+        </p:txBody>
+      </p:sp>
+      <p:sp>
+        <p:nvSpPr>
+          <p:cNvPr id="4" name="文本占位符 3"/>
+          <p:cNvSpPr/>
+          <p:nvPr>
+            <p:ph type="body" sz="quarter" idx="1"/>
+          </p:nvPr>
+        </p:nvSpPr>
+        <p:spPr/>
+        <p:txBody>
+          <a:bodyPr/>
+          <a:p>
+            <a:endParaRPr lang="zh-CN" altLang="en-US"/>
+          </a:p>
+        </p:txBody>
+      </p:sp>
+      <p:pic>
+        <p:nvPicPr>
+          <p:cNvPr id="5" name="图片占位符 4"/>
+          <p:cNvPicPr>
+            <a:picLocks noChangeAspect="1"/>
+          </p:cNvPicPr>
+          <p:nvPr>
+            <p:ph type="pic" idx="13"/>
+          </p:nvPr>
+        </p:nvPicPr>
+        <p:blipFill>
+          <a:blip r:embed="rId1"/>
+          <a:stretch>
+            <a:fillRect/>
+          </a:stretch>
+        </p:blipFill>
+        <p:spPr>
+          <a:xfrm>
+            <a:off x="6870065" y="8890"/>
+            <a:ext cx="10643870" cy="13707110"/>
+          </a:xfrm>
+          <a:prstGeom prst="rect">
+            <a:avLst/>
+          </a:prstGeom>
+        </p:spPr>
+      </p:pic>
+    </p:spTree>
+  </p:cSld>
+  <p:clrMapOvr>
+    <a:masterClrMapping/>
+  </p:clrMapOvr>
+  <p:transition spd="med"/>
+</p:sld>
+</file>
+
+<file path=ppt/slides/slide20.xml><?xml version="1.0" encoding="utf-8"?>
+<p:sld xmlns:a="http://schemas.openxmlformats.org/drawingml/2006/main" xmlns:r="http://schemas.openxmlformats.org/officeDocument/2006/relationships" xmlns:p="http://schemas.openxmlformats.org/presentationml/2006/main">
   <p:cSld>
     <p:spTree>
       <p:nvGrpSpPr>
@@ -6089,7 +6246,6 @@
           <a:bodyPr/>
           <a:lstStyle/>
           <a:p>
-            <a:pPr/>
             <a:r>
               <a:t>课程成绩构成</a:t>
             </a:r>
@@ -6113,13 +6269,11 @@
           <a:bodyPr/>
           <a:lstStyle/>
           <a:p>
-            <a:pPr/>
             <a:r>
               <a:t>考试占60分</a:t>
             </a:r>
           </a:p>
           <a:p>
-            <a:pPr/>
             <a:r>
               <a:t>实验作业</a:t>
             </a:r>
@@ -6143,12 +6297,170 @@
   <p:clrMapOvr>
     <a:masterClrMapping/>
   </p:clrMapOvr>
-  <p:transition xmlns:p14="http://schemas.microsoft.com/office/powerpoint/2010/main" spd="med" advClick="1" p14:dur="1000"/>
+  <mc:AlternateContent xmlns:mc="http://schemas.openxmlformats.org/markup-compatibility/2006">
+    <mc:Choice xmlns:p14="http://schemas.microsoft.com/office/powerpoint/2010/main" Requires="p14">
+      <p:transition spd="med" p14:dur="1000"/>
+    </mc:Choice>
+    <mc:Fallback>
+      <p:transition spd="med"/>
+    </mc:Fallback>
+  </mc:AlternateContent>
 </p:sld>
 </file>
 
-<file path=ppt/slides/slide2.xml><?xml version="1.0" encoding="utf-8"?>
-<p:sld xmlns:a="http://schemas.openxmlformats.org/drawingml/2006/main" xmlns:r="http://schemas.openxmlformats.org/officeDocument/2006/relationships" xmlns:p="http://schemas.openxmlformats.org/presentationml/2006/main" showMasterSp="1" showMasterPhAnim="1">
+<file path=ppt/slides/slide21.xml><?xml version="1.0" encoding="utf-8"?>
+<p:sld xmlns:a="http://schemas.openxmlformats.org/drawingml/2006/main" xmlns:r="http://schemas.openxmlformats.org/officeDocument/2006/relationships" xmlns:p="http://schemas.openxmlformats.org/presentationml/2006/main">
+  <p:cSld>
+    <p:spTree>
+      <p:nvGrpSpPr>
+        <p:cNvPr id="1" name=""/>
+        <p:cNvGrpSpPr/>
+        <p:nvPr/>
+      </p:nvGrpSpPr>
+      <p:grpSpPr>
+        <a:xfrm>
+          <a:off x="0" y="0"/>
+          <a:ext cx="0" cy="0"/>
+          <a:chOff x="0" y="0"/>
+          <a:chExt cx="0" cy="0"/>
+        </a:xfrm>
+      </p:grpSpPr>
+      <p:sp>
+        <p:nvSpPr>
+          <p:cNvPr id="196" name="Shape 196"/>
+          <p:cNvSpPr/>
+          <p:nvPr>
+            <p:ph type="title"/>
+          </p:nvPr>
+        </p:nvSpPr>
+        <p:spPr>
+          <a:prstGeom prst="rect">
+            <a:avLst/>
+          </a:prstGeom>
+        </p:spPr>
+        <p:txBody>
+          <a:bodyPr/>
+          <a:lstStyle/>
+          <a:p>
+            <a:r>
+              <a:t>课程主页</a:t>
+            </a:r>
+          </a:p>
+        </p:txBody>
+      </p:sp>
+      <p:sp>
+        <p:nvSpPr>
+          <p:cNvPr id="197" name="Shape 197"/>
+          <p:cNvSpPr/>
+          <p:nvPr>
+            <p:ph type="body" idx="1"/>
+          </p:nvPr>
+        </p:nvSpPr>
+        <p:spPr>
+          <a:prstGeom prst="rect">
+            <a:avLst/>
+          </a:prstGeom>
+        </p:spPr>
+        <p:txBody>
+          <a:bodyPr/>
+          <a:lstStyle/>
+          <a:p>
+            <a:r>
+              <a:rPr u="sng"/>
+              <a:t>https://gitee.com/mengning997/se</a:t>
+            </a:r>
+            <a:endParaRPr u="sng"/>
+          </a:p>
+          <a:p>
+            <a:r>
+              <a:rPr u="sng"/>
+              <a:t>mengning@ustc.edu.cn</a:t>
+            </a:r>
+            <a:endParaRPr u="sng"/>
+          </a:p>
+        </p:txBody>
+      </p:sp>
+      <p:pic>
+        <p:nvPicPr>
+          <p:cNvPr id="198" name="image1.png"/>
+          <p:cNvPicPr>
+            <a:picLocks noChangeAspect="1"/>
+          </p:cNvPicPr>
+          <p:nvPr/>
+        </p:nvPicPr>
+        <p:blipFill>
+          <a:blip r:embed="rId1"/>
+          <a:stretch>
+            <a:fillRect/>
+          </a:stretch>
+        </p:blipFill>
+        <p:spPr>
+          <a:xfrm>
+            <a:off x="19086777" y="9340198"/>
+            <a:ext cx="3604908" cy="3604907"/>
+          </a:xfrm>
+          <a:prstGeom prst="rect">
+            <a:avLst/>
+          </a:prstGeom>
+          <a:ln w="12700">
+            <a:miter lim="400000"/>
+            <a:headEnd/>
+            <a:tailEnd/>
+          </a:ln>
+        </p:spPr>
+      </p:pic>
+      <p:sp>
+        <p:nvSpPr>
+          <p:cNvPr id="199" name="Shape 199"/>
+          <p:cNvSpPr/>
+          <p:nvPr/>
+        </p:nvSpPr>
+        <p:spPr>
+          <a:xfrm>
+            <a:off x="20070079" y="12798844"/>
+            <a:ext cx="1638301" cy="635001"/>
+          </a:xfrm>
+          <a:prstGeom prst="rect">
+            <a:avLst/>
+          </a:prstGeom>
+          <a:ln w="12700">
+            <a:miter lim="400000"/>
+          </a:ln>
+        </p:spPr>
+        <p:txBody>
+          <a:bodyPr wrap="none" lIns="50800" tIns="50800" rIns="50800" bIns="50800" anchor="ctr">
+            <a:spAutoFit/>
+          </a:bodyPr>
+          <a:lstStyle>
+            <a:lvl1pPr>
+              <a:defRPr sz="3000"/>
+            </a:lvl1pPr>
+          </a:lstStyle>
+          <a:p>
+            <a:r>
+              <a:t>关注孟宁</a:t>
+            </a:r>
+          </a:p>
+        </p:txBody>
+      </p:sp>
+    </p:spTree>
+  </p:cSld>
+  <p:clrMapOvr>
+    <a:masterClrMapping/>
+  </p:clrMapOvr>
+  <mc:AlternateContent xmlns:mc="http://schemas.openxmlformats.org/markup-compatibility/2006">
+    <mc:Choice xmlns:p14="http://schemas.microsoft.com/office/powerpoint/2010/main" Requires="p14">
+      <p:transition spd="med" p14:dur="1000"/>
+    </mc:Choice>
+    <mc:Fallback>
+      <p:transition spd="med"/>
+    </mc:Fallback>
+  </mc:AlternateContent>
+</p:sld>
+</file>
+
+<file path=ppt/slides/slide3.xml><?xml version="1.0" encoding="utf-8"?>
+<p:sld xmlns:a="http://schemas.openxmlformats.org/drawingml/2006/main" xmlns:r="http://schemas.openxmlformats.org/officeDocument/2006/relationships" xmlns:p="http://schemas.openxmlformats.org/presentationml/2006/main">
   <p:cSld>
     <p:spTree>
       <p:nvGrpSpPr>
@@ -6181,7 +6493,6 @@
           <a:bodyPr/>
           <a:lstStyle/>
           <a:p>
-            <a:pPr/>
             <a:r>
               <a:t>How SE is usually taught</a:t>
             </a:r>
@@ -6209,7 +6520,7 @@
               <a:spcBef>
                 <a:spcPts val="4100"/>
               </a:spcBef>
-              <a:defRPr sz="3639"/>
+              <a:defRPr sz="3640"/>
             </a:pPr>
             <a:r>
               <a:t>需求分析：学生们都不懂企业的需求是什么，上课睡觉。</a:t>
@@ -6220,7 +6531,7 @@
               <a:spcBef>
                 <a:spcPts val="4100"/>
               </a:spcBef>
-              <a:defRPr sz="3639"/>
+              <a:defRPr sz="3640"/>
             </a:pPr>
             <a:r>
               <a:t>设计阶段：学生们画了许多 UML 图，用设计工具画了各种形状的图形，仅此而已。</a:t>
@@ -6231,7 +6542,7 @@
               <a:spcBef>
                 <a:spcPts val="4100"/>
               </a:spcBef>
-              <a:defRPr sz="3639"/>
+              <a:defRPr sz="3640"/>
             </a:pPr>
             <a:r>
               <a:t>实现阶段：学生们开始热烈讨论，UML 图早已经扔到一边。</a:t>
@@ -6242,7 +6553,7 @@
               <a:spcBef>
                 <a:spcPts val="4100"/>
               </a:spcBef>
-              <a:defRPr sz="3639"/>
+              <a:defRPr sz="3640"/>
             </a:pPr>
             <a:r>
               <a:t>稳定阶段：学生们中十分之一的人开始写代码，其他人不知道在干什么．代码大部分情况下都不能工作，所有设计过的种种黑箱和白箱测试都无从开始。</a:t>
@@ -6253,7 +6564,7 @@
               <a:spcBef>
                 <a:spcPts val="4100"/>
               </a:spcBef>
-              <a:defRPr sz="3639"/>
+              <a:defRPr sz="3640"/>
             </a:pPr>
             <a:r>
               <a:t>发布阶段： 这个阶段只有一天时间，就是最后检查的那一天，同时还有人在调试程序．</a:t>
@@ -6264,7 +6575,7 @@
               <a:spcBef>
                 <a:spcPts val="4100"/>
               </a:spcBef>
-              <a:defRPr sz="3639"/>
+              <a:defRPr sz="3640"/>
             </a:pPr>
             <a:r>
               <a:t>维护阶段：课程结束了，同学们对自己的产品没有任何维护，放假了! </a:t>
@@ -6275,7 +6586,7 @@
               <a:spcBef>
                 <a:spcPts val="4100"/>
               </a:spcBef>
-              <a:defRPr sz="3639"/>
+              <a:defRPr sz="3640"/>
             </a:pPr>
             <a:r>
               <a:t>最后大部分同学们都说自己根本没学到什么本事，然后下个学期，新的一批学生进来重复这一过程…</a:t>
@@ -6288,167 +6599,19 @@
   <p:clrMapOvr>
     <a:masterClrMapping/>
   </p:clrMapOvr>
-  <p:transition xmlns:p14="http://schemas.microsoft.com/office/powerpoint/2010/main" spd="med" advClick="1" p14:dur="1000"/>
+  <mc:AlternateContent xmlns:mc="http://schemas.openxmlformats.org/markup-compatibility/2006">
+    <mc:Choice xmlns:p14="http://schemas.microsoft.com/office/powerpoint/2010/main" Requires="p14">
+      <p:transition spd="med" p14:dur="1000"/>
+    </mc:Choice>
+    <mc:Fallback>
+      <p:transition spd="med"/>
+    </mc:Fallback>
+  </mc:AlternateContent>
 </p:sld>
 </file>
 
-<file path=ppt/slides/slide20.xml><?xml version="1.0" encoding="utf-8"?>
-<p:sld xmlns:a="http://schemas.openxmlformats.org/drawingml/2006/main" xmlns:r="http://schemas.openxmlformats.org/officeDocument/2006/relationships" xmlns:p="http://schemas.openxmlformats.org/presentationml/2006/main" showMasterSp="1" showMasterPhAnim="1">
-  <p:cSld>
-    <p:spTree>
-      <p:nvGrpSpPr>
-        <p:cNvPr id="1" name=""/>
-        <p:cNvGrpSpPr/>
-        <p:nvPr/>
-      </p:nvGrpSpPr>
-      <p:grpSpPr>
-        <a:xfrm>
-          <a:off x="0" y="0"/>
-          <a:ext cx="0" cy="0"/>
-          <a:chOff x="0" y="0"/>
-          <a:chExt cx="0" cy="0"/>
-        </a:xfrm>
-      </p:grpSpPr>
-      <p:sp>
-        <p:nvSpPr>
-          <p:cNvPr id="196" name="Shape 196"/>
-          <p:cNvSpPr/>
-          <p:nvPr>
-            <p:ph type="title"/>
-          </p:nvPr>
-        </p:nvSpPr>
-        <p:spPr>
-          <a:prstGeom prst="rect">
-            <a:avLst/>
-          </a:prstGeom>
-        </p:spPr>
-        <p:txBody>
-          <a:bodyPr/>
-          <a:lstStyle/>
-          <a:p>
-            <a:pPr/>
-            <a:r>
-              <a:t>课程主页</a:t>
-            </a:r>
-          </a:p>
-        </p:txBody>
-      </p:sp>
-      <p:sp>
-        <p:nvSpPr>
-          <p:cNvPr id="197" name="Shape 197"/>
-          <p:cNvSpPr/>
-          <p:nvPr>
-            <p:ph type="body" idx="1"/>
-          </p:nvPr>
-        </p:nvSpPr>
-        <p:spPr>
-          <a:prstGeom prst="rect">
-            <a:avLst/>
-          </a:prstGeom>
-        </p:spPr>
-        <p:txBody>
-          <a:bodyPr/>
-          <a:lstStyle/>
-          <a:p>
-            <a:pPr/>
-            <a:r>
-              <a:rPr u="sng">
-                <a:hlinkClick r:id="rId2" invalidUrl="" action="" tgtFrame="" tooltip="" history="1" highlightClick="0" endSnd="0"/>
-              </a:rPr>
-              <a:t>https://gitee.com/mengning997/se</a:t>
-            </a:r>
-          </a:p>
-          <a:p>
-            <a:pPr/>
-            <a:r>
-              <a:rPr u="sng">
-                <a:hlinkClick r:id="rId3" invalidUrl="" action="" tgtFrame="" tooltip="" history="1" highlightClick="0" endSnd="0"/>
-              </a:rPr>
-              <a:t>mengning@ustc.edu.cn</a:t>
-            </a:r>
-          </a:p>
-        </p:txBody>
-      </p:sp>
-      <p:pic>
-        <p:nvPicPr>
-          <p:cNvPr id="198" name="image1.png"/>
-          <p:cNvPicPr>
-            <a:picLocks noChangeAspect="1"/>
-          </p:cNvPicPr>
-          <p:nvPr/>
-        </p:nvPicPr>
-        <p:blipFill>
-          <a:blip r:embed="rId4">
-            <a:extLst/>
-          </a:blip>
-          <a:stretch>
-            <a:fillRect/>
-          </a:stretch>
-        </p:blipFill>
-        <p:spPr>
-          <a:xfrm>
-            <a:off x="19086777" y="9340198"/>
-            <a:ext cx="3604908" cy="3604907"/>
-          </a:xfrm>
-          <a:prstGeom prst="rect">
-            <a:avLst/>
-          </a:prstGeom>
-          <a:ln w="12700">
-            <a:miter lim="400000"/>
-          </a:ln>
-        </p:spPr>
-      </p:pic>
-      <p:sp>
-        <p:nvSpPr>
-          <p:cNvPr id="199" name="Shape 199"/>
-          <p:cNvSpPr/>
-          <p:nvPr/>
-        </p:nvSpPr>
-        <p:spPr>
-          <a:xfrm>
-            <a:off x="20070079" y="12798844"/>
-            <a:ext cx="1638301" cy="635001"/>
-          </a:xfrm>
-          <a:prstGeom prst="rect">
-            <a:avLst/>
-          </a:prstGeom>
-          <a:ln w="12700">
-            <a:miter lim="400000"/>
-          </a:ln>
-          <a:extLst>
-            <a:ext uri="{C572A759-6A51-4108-AA02-DFA0A04FC94B}">
-              <ma14:wrappingTextBoxFlag xmlns:ma14="http://schemas.microsoft.com/office/mac/drawingml/2011/main" val="1"/>
-            </a:ext>
-          </a:extLst>
-        </p:spPr>
-        <p:txBody>
-          <a:bodyPr wrap="none" lIns="50800" tIns="50800" rIns="50800" bIns="50800" anchor="ctr">
-            <a:spAutoFit/>
-          </a:bodyPr>
-          <a:lstStyle>
-            <a:lvl1pPr>
-              <a:defRPr sz="3000"/>
-            </a:lvl1pPr>
-          </a:lstStyle>
-          <a:p>
-            <a:pPr/>
-            <a:r>
-              <a:t>关注孟宁</a:t>
-            </a:r>
-          </a:p>
-        </p:txBody>
-      </p:sp>
-    </p:spTree>
-  </p:cSld>
-  <p:clrMapOvr>
-    <a:masterClrMapping/>
-  </p:clrMapOvr>
-  <p:transition xmlns:p14="http://schemas.microsoft.com/office/powerpoint/2010/main" spd="med" advClick="1" p14:dur="1000"/>
-</p:sld>
-</file>
-
-<file path=ppt/slides/slide3.xml><?xml version="1.0" encoding="utf-8"?>
-<p:sld xmlns:a="http://schemas.openxmlformats.org/drawingml/2006/main" xmlns:r="http://schemas.openxmlformats.org/officeDocument/2006/relationships" xmlns:p="http://schemas.openxmlformats.org/presentationml/2006/main" showMasterSp="1" showMasterPhAnim="1">
+<file path=ppt/slides/slide4.xml><?xml version="1.0" encoding="utf-8"?>
+<p:sld xmlns:a="http://schemas.openxmlformats.org/drawingml/2006/main" xmlns:r="http://schemas.openxmlformats.org/officeDocument/2006/relationships" xmlns:p="http://schemas.openxmlformats.org/presentationml/2006/main">
   <p:cSld>
     <p:spTree>
       <p:nvGrpSpPr>
@@ -6481,7 +6644,6 @@
           <a:bodyPr/>
           <a:lstStyle/>
           <a:p>
-            <a:pPr/>
             <a:r>
               <a:t>How SE should be taught</a:t>
             </a:r>
@@ -6505,77 +6667,77 @@
           <a:bodyPr/>
           <a:lstStyle/>
           <a:p>
-            <a:pPr marL="482600" indent="-482600" defTabSz="627379">
+            <a:pPr marL="482600" indent="-482600" defTabSz="626745">
               <a:spcBef>
                 <a:spcPts val="4400"/>
               </a:spcBef>
-              <a:defRPr sz="3952"/>
+              <a:defRPr sz="3950"/>
             </a:pPr>
             <a:r>
               <a:t>需求分析：分析现有软件,  用你们写的软件的用户量来证明你了解用户的需求</a:t>
             </a:r>
           </a:p>
           <a:p>
-            <a:pPr marL="482600" indent="-482600" defTabSz="627379">
+            <a:pPr marL="482600" indent="-482600" defTabSz="626745">
               <a:spcBef>
                 <a:spcPts val="4400"/>
               </a:spcBef>
-              <a:defRPr sz="3952"/>
+              <a:defRPr sz="3950"/>
             </a:pPr>
             <a:r>
               <a:t>设计阶段：用快速发布来证明设计是有效的,  能适应变化的。</a:t>
             </a:r>
           </a:p>
           <a:p>
-            <a:pPr marL="482600" indent="-482600" defTabSz="627379">
+            <a:pPr marL="482600" indent="-482600" defTabSz="626745">
               <a:spcBef>
                 <a:spcPts val="4400"/>
               </a:spcBef>
-              <a:defRPr sz="3952"/>
+              <a:defRPr sz="3950"/>
             </a:pPr>
             <a:r>
               <a:t>实现阶段：用各种软件工程的衡量手段来证明大家实现的能力。</a:t>
             </a:r>
           </a:p>
           <a:p>
-            <a:pPr marL="482600" indent="-482600" defTabSz="627379">
+            <a:pPr marL="482600" indent="-482600" defTabSz="626745">
               <a:spcBef>
                 <a:spcPts val="4400"/>
               </a:spcBef>
-              <a:defRPr sz="3952"/>
+              <a:defRPr sz="3950"/>
             </a:pPr>
             <a:r>
               <a:t>稳定阶段：证明测试能否覆盖代码的大部分。 </a:t>
             </a:r>
           </a:p>
           <a:p>
-            <a:pPr marL="482600" indent="-482600" defTabSz="627379">
+            <a:pPr marL="482600" indent="-482600" defTabSz="626745">
               <a:spcBef>
                 <a:spcPts val="4400"/>
               </a:spcBef>
-              <a:defRPr sz="3952"/>
+              <a:defRPr sz="3950"/>
             </a:pPr>
             <a:r>
               <a:t>发布阶段： 如期发布, 用户量,  用户评价。 </a:t>
             </a:r>
           </a:p>
           <a:p>
-            <a:pPr marL="482600" indent="-482600" defTabSz="627379">
+            <a:pPr marL="482600" indent="-482600" defTabSz="626745">
               <a:spcBef>
                 <a:spcPts val="4400"/>
               </a:spcBef>
-              <a:defRPr sz="3952"/>
+              <a:defRPr sz="3950"/>
             </a:pPr>
             <a:r>
               <a:t>维护阶段：网上的观众或下一个年级的同学能很愿意接手你们的软件。  </a:t>
             </a:r>
           </a:p>
           <a:p>
-            <a:pPr marL="482600" indent="-482600" defTabSz="627379">
+            <a:pPr marL="482600" indent="-482600" defTabSz="626745">
               <a:spcBef>
                 <a:spcPts val="4400"/>
               </a:spcBef>
-              <a:defRPr sz="3952"/>
+              <a:defRPr sz="3950"/>
             </a:pPr>
             <a:r>
               <a:t>最后大部分同学们能说:  自己做了一个有人用，有生命的软件。 然后下个学期，新的一批学生进来提高这一过程…</a:t>
@@ -6588,12 +6750,19 @@
   <p:clrMapOvr>
     <a:masterClrMapping/>
   </p:clrMapOvr>
-  <p:transition xmlns:p14="http://schemas.microsoft.com/office/powerpoint/2010/main" spd="med" advClick="1" p14:dur="1000"/>
+  <mc:AlternateContent xmlns:mc="http://schemas.openxmlformats.org/markup-compatibility/2006">
+    <mc:Choice xmlns:p14="http://schemas.microsoft.com/office/powerpoint/2010/main" Requires="p14">
+      <p:transition spd="med" p14:dur="1000"/>
+    </mc:Choice>
+    <mc:Fallback>
+      <p:transition spd="med"/>
+    </mc:Fallback>
+  </mc:AlternateContent>
 </p:sld>
 </file>
 
-<file path=ppt/slides/slide4.xml><?xml version="1.0" encoding="utf-8"?>
-<p:sld xmlns:a="http://schemas.openxmlformats.org/drawingml/2006/main" xmlns:r="http://schemas.openxmlformats.org/officeDocument/2006/relationships" xmlns:p="http://schemas.openxmlformats.org/presentationml/2006/main" showMasterSp="1" showMasterPhAnim="1">
+<file path=ppt/slides/slide5.xml><?xml version="1.0" encoding="utf-8"?>
+<p:sld xmlns:a="http://schemas.openxmlformats.org/drawingml/2006/main" xmlns:r="http://schemas.openxmlformats.org/officeDocument/2006/relationships" xmlns:p="http://schemas.openxmlformats.org/presentationml/2006/main">
   <p:cSld>
     <p:spTree>
       <p:nvGrpSpPr>
@@ -6626,7 +6795,6 @@
           <a:bodyPr/>
           <a:lstStyle/>
           <a:p>
-            <a:pPr/>
             <a:r>
               <a:t>现实 vs. 理想</a:t>
             </a:r>
@@ -6738,15 +6906,10 @@
           <a:ln w="12700">
             <a:miter lim="400000"/>
           </a:ln>
-          <a:extLst>
-            <a:ext uri="{C572A759-6A51-4108-AA02-DFA0A04FC94B}">
-              <ma14:wrappingTextBoxFlag xmlns:ma14="http://schemas.microsoft.com/office/mac/drawingml/2011/main" val="1"/>
-            </a:ext>
-          </a:extLst>
         </p:spPr>
         <p:txBody>
           <a:bodyPr lIns="50800" tIns="50800" rIns="50800" bIns="50800" anchor="ctr">
-            <a:normAutofit fontScale="100000" lnSpcReduction="0"/>
+            <a:normAutofit/>
           </a:bodyPr>
           <a:lstStyle/>
           <a:p>
@@ -6756,7 +6919,7 @@
               </a:spcBef>
               <a:buSzPct val="75000"/>
               <a:buChar char="•"/>
-              <a:defRPr sz="3639"/>
+              <a:defRPr sz="3640"/>
             </a:pPr>
             <a:r>
               <a:t>需求分析：分析现有软件, 归纳初步需求；基础差的同学学习技术</a:t>
@@ -6769,7 +6932,7 @@
               </a:spcBef>
               <a:buSzPct val="75000"/>
               <a:buChar char="•"/>
-              <a:defRPr sz="3639"/>
+              <a:defRPr sz="3640"/>
             </a:pPr>
             <a:r>
               <a:t>设计阶段：用快速发布来证明设计是有效的,  能适应变化的。</a:t>
@@ -6782,7 +6945,7 @@
               </a:spcBef>
               <a:buSzPct val="75000"/>
               <a:buChar char="•"/>
-              <a:defRPr sz="3639"/>
+              <a:defRPr sz="3640"/>
             </a:pPr>
             <a:r>
               <a:t>实现阶段：用各种软件工程的衡量手段来证明大家实现的能力。</a:t>
@@ -6795,7 +6958,7 @@
               </a:spcBef>
               <a:buSzPct val="75000"/>
               <a:buChar char="•"/>
-              <a:defRPr sz="3639"/>
+              <a:defRPr sz="3640"/>
             </a:pPr>
             <a:r>
               <a:t>稳定阶段：证明测试能否覆盖代码的大部分。 </a:t>
@@ -6808,7 +6971,7 @@
               </a:spcBef>
               <a:buSzPct val="75000"/>
               <a:buChar char="•"/>
-              <a:defRPr sz="3639"/>
+              <a:defRPr sz="3640"/>
             </a:pPr>
             <a:r>
               <a:t>发布阶段： 如期发布, 用户量,  用户评价。</a:t>
@@ -6821,7 +6984,7 @@
               </a:spcBef>
               <a:buSzPct val="75000"/>
               <a:buChar char="•"/>
-              <a:defRPr sz="3639"/>
+              <a:defRPr sz="3640"/>
             </a:pPr>
             <a:r>
               <a:t>维护阶段：网上的观众或下一个年级的同学能很愿意接手你们的软件。  </a:t>
@@ -6834,12 +6997,19 @@
   <p:clrMapOvr>
     <a:masterClrMapping/>
   </p:clrMapOvr>
-  <p:transition xmlns:p14="http://schemas.microsoft.com/office/powerpoint/2010/main" spd="med" advClick="1" p14:dur="1000"/>
+  <mc:AlternateContent xmlns:mc="http://schemas.openxmlformats.org/markup-compatibility/2006">
+    <mc:Choice xmlns:p14="http://schemas.microsoft.com/office/powerpoint/2010/main" Requires="p14">
+      <p:transition spd="med" p14:dur="1000"/>
+    </mc:Choice>
+    <mc:Fallback>
+      <p:transition spd="med"/>
+    </mc:Fallback>
+  </mc:AlternateContent>
 </p:sld>
 </file>
 
-<file path=ppt/slides/slide5.xml><?xml version="1.0" encoding="utf-8"?>
-<p:sld xmlns:a="http://schemas.openxmlformats.org/drawingml/2006/main" xmlns:r="http://schemas.openxmlformats.org/officeDocument/2006/relationships" xmlns:p="http://schemas.openxmlformats.org/presentationml/2006/main" showMasterSp="1" showMasterPhAnim="1">
+<file path=ppt/slides/slide6.xml><?xml version="1.0" encoding="utf-8"?>
+<p:sld xmlns:a="http://schemas.openxmlformats.org/drawingml/2006/main" xmlns:r="http://schemas.openxmlformats.org/officeDocument/2006/relationships" xmlns:p="http://schemas.openxmlformats.org/presentationml/2006/main">
   <p:cSld>
     <p:spTree>
       <p:nvGrpSpPr>
@@ -6872,7 +7042,6 @@
           <a:bodyPr/>
           <a:lstStyle/>
           <a:p>
-            <a:pPr/>
             <a:r>
               <a:t>I want to teach SE this way</a:t>
             </a:r>
@@ -6896,25 +7065,21 @@
           <a:bodyPr/>
           <a:lstStyle/>
           <a:p>
-            <a:pPr/>
             <a:r>
               <a:t>现实与理想之间需要一些适当的台阶</a:t>
             </a:r>
           </a:p>
           <a:p>
-            <a:pPr/>
             <a:r>
               <a:t>Step by Step，Learning by doing</a:t>
             </a:r>
           </a:p>
           <a:p>
-            <a:pPr/>
             <a:r>
               <a:t>由近及远、由浅入深、多学多练，有针对性的训练程序员的基本功</a:t>
             </a:r>
           </a:p>
           <a:p>
-            <a:pPr/>
             <a:r>
               <a:t>单项技能训练（课程实验作业） + 工程实践项目（学院统一组织）</a:t>
             </a:r>
@@ -6926,12 +7091,19 @@
   <p:clrMapOvr>
     <a:masterClrMapping/>
   </p:clrMapOvr>
-  <p:transition xmlns:p14="http://schemas.microsoft.com/office/powerpoint/2010/main" spd="med" advClick="1" p14:dur="1000"/>
+  <mc:AlternateContent xmlns:mc="http://schemas.openxmlformats.org/markup-compatibility/2006">
+    <mc:Choice xmlns:p14="http://schemas.microsoft.com/office/powerpoint/2010/main" Requires="p14">
+      <p:transition spd="med" p14:dur="1000"/>
+    </mc:Choice>
+    <mc:Fallback>
+      <p:transition spd="med"/>
+    </mc:Fallback>
+  </mc:AlternateContent>
 </p:sld>
 </file>
 
-<file path=ppt/slides/slide6.xml><?xml version="1.0" encoding="utf-8"?>
-<p:sld xmlns:a="http://schemas.openxmlformats.org/drawingml/2006/main" xmlns:r="http://schemas.openxmlformats.org/officeDocument/2006/relationships" xmlns:p="http://schemas.openxmlformats.org/presentationml/2006/main" showMasterSp="1" showMasterPhAnim="1">
+<file path=ppt/slides/slide7.xml><?xml version="1.0" encoding="utf-8"?>
+<p:sld xmlns:a="http://schemas.openxmlformats.org/drawingml/2006/main" xmlns:r="http://schemas.openxmlformats.org/officeDocument/2006/relationships" xmlns:p="http://schemas.openxmlformats.org/presentationml/2006/main">
   <p:cSld>
     <p:spTree>
       <p:nvGrpSpPr>
@@ -6964,19 +7136,14 @@
           <a:ln w="12700">
             <a:miter lim="400000"/>
           </a:ln>
-          <a:extLst>
-            <a:ext uri="{C572A759-6A51-4108-AA02-DFA0A04FC94B}">
-              <ma14:wrappingTextBoxFlag xmlns:ma14="http://schemas.microsoft.com/office/mac/drawingml/2011/main" val="1"/>
-            </a:ext>
-          </a:extLst>
         </p:spPr>
         <p:txBody>
           <a:bodyPr tIns="91439" bIns="91439">
-            <a:normAutofit fontScale="100000" lnSpcReduction="0"/>
+            <a:normAutofit/>
           </a:bodyPr>
           <a:lstStyle/>
           <a:p>
-            <a:pPr marL="758952" indent="-640080" algn="l" defTabSz="1828800">
+            <a:pPr marL="758825" indent="-640080" algn="l" defTabSz="1828800">
               <a:lnSpc>
                 <a:spcPct val="90000"/>
               </a:lnSpc>
@@ -6984,7 +7151,7 @@
                 <a:srgbClr val="F0AD00"/>
               </a:buClr>
               <a:buSzPct val="80000"/>
-              <a:buFont typeface="Wingdings 2"/>
+              <a:buFont typeface="Wingdings 2" panose="05020102010507070707"/>
               <a:buChar char="◼"/>
               <a:defRPr sz="5800">
                 <a:latin typeface="Corbel"/>
@@ -6998,7 +7165,7 @@
             </a:r>
           </a:p>
           <a:p>
-            <a:pPr lvl="1" marL="1307591" indent="-914400" algn="l" defTabSz="1828800">
+            <a:pPr marL="1307465" lvl="1" indent="-914400" algn="l" defTabSz="1828800">
               <a:lnSpc>
                 <a:spcPct val="90000"/>
               </a:lnSpc>
@@ -7009,7 +7176,7 @@
                 <a:srgbClr val="60B5CC"/>
               </a:buClr>
               <a:buSzPct val="90000"/>
-              <a:buAutoNum type="alphaLcParenR" startAt="1"/>
+              <a:buAutoNum type="alphaLcParenR"/>
               <a:defRPr>
                 <a:latin typeface="Corbel"/>
                 <a:ea typeface="Corbel"/>
@@ -7022,7 +7189,7 @@
             </a:r>
           </a:p>
           <a:p>
-            <a:pPr lvl="1" marL="1307591" indent="-914400" algn="l" defTabSz="1828800">
+            <a:pPr marL="1307465" lvl="1" indent="-914400" algn="l" defTabSz="1828800">
               <a:lnSpc>
                 <a:spcPct val="90000"/>
               </a:lnSpc>
@@ -7033,7 +7200,7 @@
                 <a:srgbClr val="60B5CC"/>
               </a:buClr>
               <a:buSzPct val="90000"/>
-              <a:buAutoNum type="alphaLcParenR" startAt="1"/>
+              <a:buAutoNum type="alphaLcParenR"/>
               <a:defRPr>
                 <a:latin typeface="Corbel"/>
                 <a:ea typeface="Corbel"/>
@@ -7046,7 +7213,7 @@
             </a:r>
           </a:p>
           <a:p>
-            <a:pPr lvl="1" marL="1307591" indent="-914400" algn="l" defTabSz="1828800">
+            <a:pPr marL="1307465" lvl="1" indent="-914400" algn="l" defTabSz="1828800">
               <a:lnSpc>
                 <a:spcPct val="90000"/>
               </a:lnSpc>
@@ -7057,7 +7224,7 @@
                 <a:srgbClr val="60B5CC"/>
               </a:buClr>
               <a:buSzPct val="90000"/>
-              <a:buAutoNum type="alphaLcParenR" startAt="1"/>
+              <a:buAutoNum type="alphaLcParenR"/>
               <a:defRPr>
                 <a:latin typeface="Corbel"/>
                 <a:ea typeface="Corbel"/>
@@ -7070,7 +7237,7 @@
             </a:r>
           </a:p>
           <a:p>
-            <a:pPr lvl="1" marL="1307591" indent="-914400" algn="l" defTabSz="1828800">
+            <a:pPr marL="1307465" lvl="1" indent="-914400" algn="l" defTabSz="1828800">
               <a:lnSpc>
                 <a:spcPct val="90000"/>
               </a:lnSpc>
@@ -7081,7 +7248,7 @@
                 <a:srgbClr val="60B5CC"/>
               </a:buClr>
               <a:buSzPct val="90000"/>
-              <a:buAutoNum type="alphaLcParenR" startAt="1"/>
+              <a:buAutoNum type="alphaLcParenR"/>
               <a:defRPr>
                 <a:latin typeface="Corbel"/>
                 <a:ea typeface="Corbel"/>
@@ -7090,17 +7257,11 @@
               </a:defRPr>
             </a:pPr>
             <a:r>
-              <a:t>weapon has </a:t>
-            </a:r>
-            <a:r>
-              <a:t>same</a:t>
-            </a:r>
-            <a:r>
-              <a:t> weight</a:t>
-            </a:r>
-          </a:p>
-          <a:p>
-            <a:pPr lvl="1" marL="1307591" indent="-914400" algn="l" defTabSz="1828800">
+              <a:t>weapon has same weight</a:t>
+            </a:r>
+          </a:p>
+          <a:p>
+            <a:pPr marL="1307465" lvl="1" indent="-914400" algn="l" defTabSz="1828800">
               <a:lnSpc>
                 <a:spcPct val="90000"/>
               </a:lnSpc>
@@ -7111,7 +7272,7 @@
                 <a:srgbClr val="60B5CC"/>
               </a:buClr>
               <a:buSzPct val="90000"/>
-              <a:buAutoNum type="alphaLcParenR" startAt="1"/>
+              <a:buAutoNum type="alphaLcParenR"/>
               <a:defRPr>
                 <a:latin typeface="Corbel"/>
                 <a:ea typeface="Corbel"/>
@@ -7120,13 +7281,7 @@
               </a:defRPr>
             </a:pPr>
             <a:r>
-              <a:t>weapon has </a:t>
-            </a:r>
-            <a:r>
-              <a:t>twice</a:t>
-            </a:r>
-            <a:r>
-              <a:t> the weight</a:t>
+              <a:t>weapon has twice the weight</a:t>
             </a:r>
           </a:p>
         </p:txBody>
@@ -7140,9 +7295,7 @@
           <p:nvPr/>
         </p:nvPicPr>
         <p:blipFill>
-          <a:blip r:embed="rId2">
-            <a:extLst/>
-          </a:blip>
+          <a:blip r:embed="rId1"/>
           <a:stretch>
             <a:fillRect/>
           </a:stretch>
@@ -7157,6 +7310,8 @@
           </a:prstGeom>
           <a:ln w="12700">
             <a:miter lim="400000"/>
+            <a:headEnd/>
+            <a:tailEnd/>
           </a:ln>
         </p:spPr>
       </p:pic>
@@ -7165,14 +7320,21 @@
   <p:clrMapOvr>
     <a:masterClrMapping/>
   </p:clrMapOvr>
-  <p:transition xmlns:p14="http://schemas.microsoft.com/office/powerpoint/2010/main" spd="med" advClick="1" p14:dur="1000"/>
+  <mc:AlternateContent xmlns:mc="http://schemas.openxmlformats.org/markup-compatibility/2006">
+    <mc:Choice xmlns:p14="http://schemas.microsoft.com/office/powerpoint/2010/main" Requires="p14">
+      <p:transition spd="med" p14:dur="1000"/>
+    </mc:Choice>
+    <mc:Fallback>
+      <p:transition spd="med"/>
+    </mc:Fallback>
+  </mc:AlternateContent>
   <p:timing>
     <p:tnLst>
       <p:par>
-        <p:cTn id="1" nodeType="tmRoot" restart="never" dur="indefinite" fill="hold">
+        <p:cTn id="1" dur="indefinite" restart="never" fill="hold" nodeType="tmRoot">
           <p:childTnLst>
-            <p:seq concurrent="1" prevAc="none" nextAc="seek">
-              <p:cTn id="2" nodeType="mainSeq" dur="indefinite" fill="hold">
+            <p:seq concurrent="1" nextAc="seek">
+              <p:cTn id="2" dur="indefinite" fill="hold" nodeType="mainSeq">
                 <p:childTnLst>
                   <p:par>
                     <p:cTn id="3" fill="hold">
@@ -7187,17 +7349,17 @@
                             </p:stCondLst>
                             <p:childTnLst>
                               <p:par>
-                                <p:cTn id="5" presetClass="entr" nodeType="clickEffect" presetID="9" grpId="1" fill="hold">
+                                <p:cTn id="5" presetID="9" presetClass="entr" presetSubtype="0" fill="hold" grpId="1" nodeType="clickEffect">
                                   <p:stCondLst>
                                     <p:cond delay="0"/>
                                   </p:stCondLst>
-                                  <p:iterate type="el" backwards="0">
+                                  <p:iterate type="el">
                                     <p:tmAbs val="0"/>
                                   </p:iterate>
                                   <p:childTnLst>
                                     <p:set>
                                       <p:cBhvr>
-                                        <p:cTn id="6" fill="hold"/>
+                                        <p:cTn id="6" dur="indefinite" fill="hold"/>
                                         <p:tgtEl>
                                           <p:spTgt spid="148">
                                             <p:bg/>
@@ -7211,7 +7373,7 @@
                                         <p:strVal val="visible"/>
                                       </p:to>
                                     </p:set>
-                                    <p:animEffect filter="dissolve" transition="in">
+                                    <p:animEffect transition="in" filter="dissolve">
                                       <p:cBhvr>
                                         <p:cTn id="7" dur="2000"/>
                                         <p:tgtEl>
@@ -7225,17 +7387,17 @@
                                 </p:cTn>
                               </p:par>
                               <p:par>
-                                <p:cTn id="8" presetClass="entr" nodeType="withEffect" presetSubtype="0" presetID="9" grpId="1" fill="hold">
+                                <p:cTn id="8" presetID="9" presetClass="entr" presetSubtype="0" fill="hold" grpId="1" nodeType="withEffect">
                                   <p:stCondLst>
                                     <p:cond delay="0"/>
                                   </p:stCondLst>
-                                  <p:iterate type="el" backwards="0">
+                                  <p:iterate type="el">
                                     <p:tmAbs val="0"/>
                                   </p:iterate>
                                   <p:childTnLst>
                                     <p:set>
                                       <p:cBhvr>
-                                        <p:cTn id="9" fill="hold"/>
+                                        <p:cTn id="9" dur="indefinite" fill="hold"/>
                                         <p:tgtEl>
                                           <p:spTgt spid="148">
                                             <p:txEl>
@@ -7251,7 +7413,7 @@
                                         <p:strVal val="visible"/>
                                       </p:to>
                                     </p:set>
-                                    <p:animEffect filter="dissolve" transition="in">
+                                    <p:animEffect transition="in" filter="dissolve">
                                       <p:cBhvr>
                                         <p:cTn id="10" dur="2000"/>
                                         <p:tgtEl>
@@ -7285,17 +7447,17 @@
                             </p:stCondLst>
                             <p:childTnLst>
                               <p:par>
-                                <p:cTn id="13" presetClass="entr" nodeType="clickEffect" presetID="9" grpId="1" fill="hold">
+                                <p:cTn id="13" presetID="9" presetClass="entr" presetSubtype="0" fill="hold" grpId="1" nodeType="clickEffect">
                                   <p:stCondLst>
                                     <p:cond delay="0"/>
                                   </p:stCondLst>
-                                  <p:iterate type="el" backwards="0">
+                                  <p:iterate type="el">
                                     <p:tmAbs val="0"/>
                                   </p:iterate>
                                   <p:childTnLst>
                                     <p:set>
                                       <p:cBhvr>
-                                        <p:cTn id="14" fill="hold"/>
+                                        <p:cTn id="14" dur="indefinite" fill="hold"/>
                                         <p:tgtEl>
                                           <p:spTgt spid="148">
                                             <p:txEl>
@@ -7311,7 +7473,7 @@
                                         <p:strVal val="visible"/>
                                       </p:to>
                                     </p:set>
-                                    <p:animEffect filter="dissolve" transition="in">
+                                    <p:animEffect transition="in" filter="dissolve">
                                       <p:cBhvr>
                                         <p:cTn id="15" dur="2000"/>
                                         <p:tgtEl>
@@ -7345,17 +7507,17 @@
                             </p:stCondLst>
                             <p:childTnLst>
                               <p:par>
-                                <p:cTn id="18" presetClass="entr" nodeType="clickEffect" presetID="9" grpId="1" fill="hold">
+                                <p:cTn id="18" presetID="9" presetClass="entr" presetSubtype="0" fill="hold" grpId="1" nodeType="clickEffect">
                                   <p:stCondLst>
                                     <p:cond delay="0"/>
                                   </p:stCondLst>
-                                  <p:iterate type="el" backwards="0">
+                                  <p:iterate type="el">
                                     <p:tmAbs val="0"/>
                                   </p:iterate>
                                   <p:childTnLst>
                                     <p:set>
                                       <p:cBhvr>
-                                        <p:cTn id="19" fill="hold"/>
+                                        <p:cTn id="19" dur="indefinite" fill="hold"/>
                                         <p:tgtEl>
                                           <p:spTgt spid="148">
                                             <p:txEl>
@@ -7371,7 +7533,7 @@
                                         <p:strVal val="visible"/>
                                       </p:to>
                                     </p:set>
-                                    <p:animEffect filter="dissolve" transition="in">
+                                    <p:animEffect transition="in" filter="dissolve">
                                       <p:cBhvr>
                                         <p:cTn id="20" dur="2000"/>
                                         <p:tgtEl>
@@ -7405,17 +7567,17 @@
                             </p:stCondLst>
                             <p:childTnLst>
                               <p:par>
-                                <p:cTn id="23" presetClass="entr" nodeType="clickEffect" presetID="9" grpId="1" fill="hold">
+                                <p:cTn id="23" presetID="9" presetClass="entr" presetSubtype="0" fill="hold" grpId="1" nodeType="clickEffect">
                                   <p:stCondLst>
                                     <p:cond delay="0"/>
                                   </p:stCondLst>
-                                  <p:iterate type="el" backwards="0">
+                                  <p:iterate type="el">
                                     <p:tmAbs val="0"/>
                                   </p:iterate>
                                   <p:childTnLst>
                                     <p:set>
                                       <p:cBhvr>
-                                        <p:cTn id="24" fill="hold"/>
+                                        <p:cTn id="24" dur="indefinite" fill="hold"/>
                                         <p:tgtEl>
                                           <p:spTgt spid="148">
                                             <p:txEl>
@@ -7431,7 +7593,7 @@
                                         <p:strVal val="visible"/>
                                       </p:to>
                                     </p:set>
-                                    <p:animEffect filter="dissolve" transition="in">
+                                    <p:animEffect transition="in" filter="dissolve">
                                       <p:cBhvr>
                                         <p:cTn id="25" dur="2000"/>
                                         <p:tgtEl>
@@ -7465,17 +7627,17 @@
                             </p:stCondLst>
                             <p:childTnLst>
                               <p:par>
-                                <p:cTn id="28" presetClass="entr" nodeType="clickEffect" presetID="9" grpId="1" fill="hold">
+                                <p:cTn id="28" presetID="9" presetClass="entr" presetSubtype="0" fill="hold" grpId="1" nodeType="clickEffect">
                                   <p:stCondLst>
                                     <p:cond delay="0"/>
                                   </p:stCondLst>
-                                  <p:iterate type="el" backwards="0">
+                                  <p:iterate type="el">
                                     <p:tmAbs val="0"/>
                                   </p:iterate>
                                   <p:childTnLst>
                                     <p:set>
                                       <p:cBhvr>
-                                        <p:cTn id="29" fill="hold"/>
+                                        <p:cTn id="29" dur="indefinite" fill="hold"/>
                                         <p:tgtEl>
                                           <p:spTgt spid="148">
                                             <p:txEl>
@@ -7491,7 +7653,7 @@
                                         <p:strVal val="visible"/>
                                       </p:to>
                                     </p:set>
-                                    <p:animEffect filter="dissolve" transition="in">
+                                    <p:animEffect transition="in" filter="dissolve">
                                       <p:cBhvr>
                                         <p:cTn id="30" dur="2000"/>
                                         <p:tgtEl>
@@ -7525,17 +7687,17 @@
                             </p:stCondLst>
                             <p:childTnLst>
                               <p:par>
-                                <p:cTn id="33" presetClass="entr" nodeType="clickEffect" presetID="9" grpId="1" fill="hold">
+                                <p:cTn id="33" presetID="9" presetClass="entr" presetSubtype="0" fill="hold" grpId="1" nodeType="clickEffect">
                                   <p:stCondLst>
                                     <p:cond delay="0"/>
                                   </p:stCondLst>
-                                  <p:iterate type="el" backwards="0">
+                                  <p:iterate type="el">
                                     <p:tmAbs val="0"/>
                                   </p:iterate>
                                   <p:childTnLst>
                                     <p:set>
                                       <p:cBhvr>
-                                        <p:cTn id="34" fill="hold"/>
+                                        <p:cTn id="34" dur="indefinite" fill="hold"/>
                                         <p:tgtEl>
                                           <p:spTgt spid="148">
                                             <p:txEl>
@@ -7551,7 +7713,7 @@
                                         <p:strVal val="visible"/>
                                       </p:to>
                                     </p:set>
-                                    <p:animEffect filter="dissolve" transition="in">
+                                    <p:animEffect transition="in" filter="dissolve">
                                       <p:cBhvr>
                                         <p:cTn id="35" dur="2000"/>
                                         <p:tgtEl>
@@ -7585,7 +7747,7 @@
                             </p:stCondLst>
                             <p:childTnLst>
                               <p:par>
-                                <p:cTn id="38" presetClass="emph" nodeType="clickEffect" presetSubtype="0" presetID="6" grpId="2" accel="50000" decel="50000" fill="hold">
+                                <p:cTn id="38" presetID="6" presetClass="emph" presetSubtype="0" accel="50000" decel="50000" fill="hold" grpId="2" nodeType="clickEffect">
                                   <p:stCondLst>
                                     <p:cond delay="0"/>
                                   </p:stCondLst>
@@ -7604,46 +7766,6 @@
                                       <p:by x="150000" y="150000"/>
                                     </p:animScale>
                                   </p:childTnLst>
-                                </p:cTn>
-                              </p:par>
-                              <p:par>
-                                <p:cTn id="40" presetClass="emph" nodeType="withEffect" presetSubtype="0" presetID="6" grpId="2" fill="hold">
-                                  <p:stCondLst>
-                                    <p:cond delay="0"/>
-                                  </p:stCondLst>
-                                  <p:childTnLst/>
-                                </p:cTn>
-                              </p:par>
-                              <p:par>
-                                <p:cTn id="41" presetClass="emph" nodeType="withEffect" presetSubtype="0" presetID="6" grpId="2" fill="hold">
-                                  <p:stCondLst>
-                                    <p:cond delay="0"/>
-                                  </p:stCondLst>
-                                  <p:childTnLst/>
-                                </p:cTn>
-                              </p:par>
-                              <p:par>
-                                <p:cTn id="42" presetClass="emph" nodeType="withEffect" presetSubtype="0" presetID="6" grpId="2" fill="hold">
-                                  <p:stCondLst>
-                                    <p:cond delay="0"/>
-                                  </p:stCondLst>
-                                  <p:childTnLst/>
-                                </p:cTn>
-                              </p:par>
-                              <p:par>
-                                <p:cTn id="43" presetClass="emph" nodeType="withEffect" presetSubtype="0" presetID="6" grpId="2" fill="hold">
-                                  <p:stCondLst>
-                                    <p:cond delay="0"/>
-                                  </p:stCondLst>
-                                  <p:childTnLst/>
-                                </p:cTn>
-                              </p:par>
-                              <p:par>
-                                <p:cTn id="44" presetClass="emph" nodeType="withEffect" presetSubtype="0" presetID="6" grpId="2" fill="hold">
-                                  <p:stCondLst>
-                                    <p:cond delay="0"/>
-                                  </p:stCondLst>
-                                  <p:childTnLst/>
                                 </p:cTn>
                               </p:par>
                             </p:childTnLst>
@@ -7674,15 +7796,15 @@
       </p:par>
     </p:tnLst>
     <p:bldLst>
-      <p:bldP build="p" bldLvl="5" animBg="1" rev="0" advAuto="0" spid="148" grpId="2"/>
-      <p:bldP build="p" bldLvl="5" animBg="1" rev="0" advAuto="0" spid="148" grpId="1"/>
+      <p:bldP spid="148" grpId="2" bldLvl="5" animBg="1" advAuto="0" build="p"/>
+      <p:bldP spid="148" grpId="1" bldLvl="5" animBg="1" advAuto="0" build="p"/>
     </p:bldLst>
   </p:timing>
 </p:sld>
 </file>
 
-<file path=ppt/slides/slide7.xml><?xml version="1.0" encoding="utf-8"?>
-<p:sld xmlns:a="http://schemas.openxmlformats.org/drawingml/2006/main" xmlns:r="http://schemas.openxmlformats.org/officeDocument/2006/relationships" xmlns:p="http://schemas.openxmlformats.org/presentationml/2006/main" showMasterSp="1" showMasterPhAnim="1">
+<file path=ppt/slides/slide8.xml><?xml version="1.0" encoding="utf-8"?>
+<p:sld xmlns:a="http://schemas.openxmlformats.org/drawingml/2006/main" xmlns:r="http://schemas.openxmlformats.org/officeDocument/2006/relationships" xmlns:p="http://schemas.openxmlformats.org/presentationml/2006/main">
   <p:cSld>
     <p:spTree>
       <p:nvGrpSpPr>
@@ -7715,7 +7837,6 @@
           <a:bodyPr/>
           <a:lstStyle/>
           <a:p>
-            <a:pPr/>
             <a:r>
               <a:t>I want to teach SE this way</a:t>
             </a:r>
@@ -7739,31 +7860,26 @@
           <a:bodyPr/>
           <a:lstStyle/>
           <a:p>
-            <a:pPr/>
             <a:r>
               <a:t>工欲善其事必先利其器——Typing - VSCode - Git - Vim - RegEx</a:t>
             </a:r>
           </a:p>
           <a:p>
-            <a:pPr/>
             <a:r>
               <a:t>代码中的软件工程——一个工程化C语言项目范例</a:t>
             </a:r>
           </a:p>
           <a:p>
-            <a:pPr/>
             <a:r>
               <a:t>需求分析与设计——从分析到设计的基本方法</a:t>
             </a:r>
           </a:p>
           <a:p>
-            <a:pPr/>
             <a:r>
               <a:t>软件系统设计——代码的结构、特性和描述方法</a:t>
             </a:r>
           </a:p>
           <a:p>
-            <a:pPr/>
             <a:r>
               <a:t>工程过程与项目管理——软件危机的前生后世</a:t>
             </a:r>
@@ -7787,11 +7903,6 @@
           <a:ln w="12700">
             <a:miter lim="400000"/>
           </a:ln>
-          <a:extLst>
-            <a:ext uri="{C572A759-6A51-4108-AA02-DFA0A04FC94B}">
-              <ma14:wrappingTextBoxFlag xmlns:ma14="http://schemas.microsoft.com/office/mac/drawingml/2011/main" val="1"/>
-            </a:ext>
-          </a:extLst>
         </p:spPr>
         <p:txBody>
           <a:bodyPr wrap="none" lIns="50800" tIns="50800" rIns="50800" bIns="50800" anchor="ctr">
@@ -7803,7 +7914,6 @@
             </a:lvl1pPr>
           </a:lstStyle>
           <a:p>
-            <a:pPr/>
             <a:r>
               <a:t>课程实验作业+工程实践项目</a:t>
             </a:r>
@@ -7815,14 +7925,21 @@
   <p:clrMapOvr>
     <a:masterClrMapping/>
   </p:clrMapOvr>
-  <p:transition xmlns:p14="http://schemas.microsoft.com/office/powerpoint/2010/main" spd="med" advClick="1" p14:dur="1000"/>
+  <mc:AlternateContent xmlns:mc="http://schemas.openxmlformats.org/markup-compatibility/2006">
+    <mc:Choice xmlns:p14="http://schemas.microsoft.com/office/powerpoint/2010/main" Requires="p14">
+      <p:transition spd="med" p14:dur="1000"/>
+    </mc:Choice>
+    <mc:Fallback>
+      <p:transition spd="med"/>
+    </mc:Fallback>
+  </mc:AlternateContent>
   <p:timing>
     <p:tnLst>
       <p:par>
-        <p:cTn id="1" nodeType="tmRoot" restart="never" dur="indefinite" fill="hold">
+        <p:cTn id="1" dur="indefinite" restart="never" fill="hold" nodeType="tmRoot">
           <p:childTnLst>
-            <p:seq concurrent="1" prevAc="none" nextAc="seek">
-              <p:cTn id="2" nodeType="mainSeq" dur="indefinite" fill="hold">
+            <p:seq concurrent="1" nextAc="seek">
+              <p:cTn id="2" dur="indefinite" fill="hold" nodeType="mainSeq">
                 <p:childTnLst>
                   <p:par>
                     <p:cTn id="3" fill="hold">
@@ -7837,17 +7954,17 @@
                             </p:stCondLst>
                             <p:childTnLst>
                               <p:par>
-                                <p:cTn id="5" presetClass="entr" nodeType="clickEffect" presetSubtype="8" presetID="2" grpId="1" fill="hold">
+                                <p:cTn id="5" presetID="2" presetClass="entr" presetSubtype="8" fill="hold" grpId="1" nodeType="clickEffect">
                                   <p:stCondLst>
                                     <p:cond delay="0"/>
                                   </p:stCondLst>
-                                  <p:iterate type="lt" backwards="0">
+                                  <p:iterate type="lt">
                                     <p:tmAbs val="0"/>
                                   </p:iterate>
                                   <p:childTnLst>
                                     <p:set>
                                       <p:cBhvr>
-                                        <p:cTn id="6" fill="hold"/>
+                                        <p:cTn id="6" dur="indefinite" fill="hold"/>
                                         <p:tgtEl>
                                           <p:spTgt spid="153"/>
                                         </p:tgtEl>
@@ -7936,14 +8053,14 @@
       </p:par>
     </p:tnLst>
     <p:bldLst>
-      <p:bldP build="whole" bldLvl="1" animBg="1" rev="0" advAuto="0" spid="153" grpId="1"/>
+      <p:bldP spid="153" grpId="1" animBg="1" advAuto="0"/>
     </p:bldLst>
   </p:timing>
 </p:sld>
 </file>
 
-<file path=ppt/slides/slide8.xml><?xml version="1.0" encoding="utf-8"?>
-<p:sld xmlns:a="http://schemas.openxmlformats.org/drawingml/2006/main" xmlns:r="http://schemas.openxmlformats.org/officeDocument/2006/relationships" xmlns:p="http://schemas.openxmlformats.org/presentationml/2006/main" showMasterSp="1" showMasterPhAnim="1">
+<file path=ppt/slides/slide9.xml><?xml version="1.0" encoding="utf-8"?>
+<p:sld xmlns:a="http://schemas.openxmlformats.org/drawingml/2006/main" xmlns:r="http://schemas.openxmlformats.org/officeDocument/2006/relationships" xmlns:p="http://schemas.openxmlformats.org/presentationml/2006/main">
   <p:cSld>
     <p:spTree>
       <p:nvGrpSpPr>
@@ -7987,6 +8104,7 @@
               <a:rPr b="1"/>
               <a:t>为啥那么多动手的练习？</a:t>
             </a:r>
+            <a:endParaRPr b="1"/>
           </a:p>
         </p:txBody>
       </p:sp>
@@ -8011,19 +8129,17 @@
           <a:bodyPr/>
           <a:lstStyle/>
           <a:p>
-            <a:pPr/>
             <a:r>
               <a:t>因为以前动手太少</a:t>
             </a:r>
           </a:p>
           <a:p>
-            <a:pPr/>
             <a:r>
               <a:t>没有量的积累，不会有进一步讨论和探索的基础，也没有掌握理论的条件。 </a:t>
             </a:r>
           </a:p>
           <a:p>
-            <a:pPr marL="0" indent="118871">
+            <a:pPr marL="0" indent="118745">
               <a:buSzTx/>
               <a:buNone/>
             </a:pPr>
@@ -8038,14 +8154,21 @@
   <p:clrMapOvr>
     <a:masterClrMapping/>
   </p:clrMapOvr>
-  <p:transition xmlns:p14="http://schemas.microsoft.com/office/powerpoint/2010/main" spd="med" advClick="1" p14:dur="1000"/>
+  <mc:AlternateContent xmlns:mc="http://schemas.openxmlformats.org/markup-compatibility/2006">
+    <mc:Choice xmlns:p14="http://schemas.microsoft.com/office/powerpoint/2010/main" Requires="p14">
+      <p:transition spd="med" p14:dur="1000"/>
+    </mc:Choice>
+    <mc:Fallback>
+      <p:transition spd="med"/>
+    </mc:Fallback>
+  </mc:AlternateContent>
   <p:timing>
     <p:tnLst>
       <p:par>
-        <p:cTn id="1" nodeType="tmRoot" restart="never" dur="indefinite" fill="hold">
+        <p:cTn id="1" dur="indefinite" restart="never" fill="hold" nodeType="tmRoot">
           <p:childTnLst>
-            <p:seq concurrent="1" prevAc="none" nextAc="seek">
-              <p:cTn id="2" nodeType="mainSeq" dur="indefinite" fill="hold">
+            <p:seq concurrent="1" nextAc="seek">
+              <p:cTn id="2" dur="indefinite" fill="hold" nodeType="mainSeq">
                 <p:childTnLst>
                   <p:par>
                     <p:cTn id="3" fill="hold">
@@ -8060,17 +8183,17 @@
                             </p:stCondLst>
                             <p:childTnLst>
                               <p:par>
-                                <p:cTn id="5" presetClass="entr" nodeType="clickEffect" presetID="9" grpId="1" fill="hold">
+                                <p:cTn id="5" presetID="9" presetClass="entr" presetSubtype="0" fill="hold" grpId="1" nodeType="clickEffect">
                                   <p:stCondLst>
                                     <p:cond delay="0"/>
                                   </p:stCondLst>
-                                  <p:iterate type="el" backwards="0">
+                                  <p:iterate type="el">
                                     <p:tmAbs val="0"/>
                                   </p:iterate>
                                   <p:childTnLst>
                                     <p:set>
                                       <p:cBhvr>
-                                        <p:cTn id="6" fill="hold"/>
+                                        <p:cTn id="6" dur="indefinite" fill="hold"/>
                                         <p:tgtEl>
                                           <p:spTgt spid="156">
                                             <p:bg/>
@@ -8084,7 +8207,7 @@
                                         <p:strVal val="visible"/>
                                       </p:to>
                                     </p:set>
-                                    <p:animEffect filter="dissolve" transition="in">
+                                    <p:animEffect transition="in" filter="dissolve">
                                       <p:cBhvr>
                                         <p:cTn id="7" dur="2000"/>
                                         <p:tgtEl>
@@ -8098,17 +8221,17 @@
                                 </p:cTn>
                               </p:par>
                               <p:par>
-                                <p:cTn id="8" presetClass="entr" nodeType="withEffect" presetSubtype="0" presetID="9" grpId="1" fill="hold">
+                                <p:cTn id="8" presetID="9" presetClass="entr" presetSubtype="0" fill="hold" grpId="1" nodeType="withEffect">
                                   <p:stCondLst>
                                     <p:cond delay="0"/>
                                   </p:stCondLst>
-                                  <p:iterate type="el" backwards="0">
+                                  <p:iterate type="el">
                                     <p:tmAbs val="0"/>
                                   </p:iterate>
                                   <p:childTnLst>
                                     <p:set>
                                       <p:cBhvr>
-                                        <p:cTn id="9" fill="hold"/>
+                                        <p:cTn id="9" dur="indefinite" fill="hold"/>
                                         <p:tgtEl>
                                           <p:spTgt spid="156">
                                             <p:txEl>
@@ -8124,7 +8247,7 @@
                                         <p:strVal val="visible"/>
                                       </p:to>
                                     </p:set>
-                                    <p:animEffect filter="dissolve" transition="in">
+                                    <p:animEffect transition="in" filter="dissolve">
                                       <p:cBhvr>
                                         <p:cTn id="10" dur="2000"/>
                                         <p:tgtEl>
@@ -8158,17 +8281,17 @@
                             </p:stCondLst>
                             <p:childTnLst>
                               <p:par>
-                                <p:cTn id="13" presetClass="entr" nodeType="clickEffect" presetID="9" grpId="1" fill="hold">
+                                <p:cTn id="13" presetID="9" presetClass="entr" presetSubtype="0" fill="hold" grpId="1" nodeType="clickEffect">
                                   <p:stCondLst>
                                     <p:cond delay="0"/>
                                   </p:stCondLst>
-                                  <p:iterate type="el" backwards="0">
+                                  <p:iterate type="el">
                                     <p:tmAbs val="0"/>
                                   </p:iterate>
                                   <p:childTnLst>
                                     <p:set>
                                       <p:cBhvr>
-                                        <p:cTn id="14" fill="hold"/>
+                                        <p:cTn id="14" dur="indefinite" fill="hold"/>
                                         <p:tgtEl>
                                           <p:spTgt spid="156">
                                             <p:txEl>
@@ -8184,7 +8307,7 @@
                                         <p:strVal val="visible"/>
                                       </p:to>
                                     </p:set>
-                                    <p:animEffect filter="dissolve" transition="in">
+                                    <p:animEffect transition="in" filter="dissolve">
                                       <p:cBhvr>
                                         <p:cTn id="15" dur="2000"/>
                                         <p:tgtEl>
@@ -8218,17 +8341,17 @@
                             </p:stCondLst>
                             <p:childTnLst>
                               <p:par>
-                                <p:cTn id="18" presetClass="entr" nodeType="clickEffect" presetID="9" grpId="1" fill="hold">
+                                <p:cTn id="18" presetID="9" presetClass="entr" presetSubtype="0" fill="hold" grpId="1" nodeType="clickEffect">
                                   <p:stCondLst>
                                     <p:cond delay="0"/>
                                   </p:stCondLst>
-                                  <p:iterate type="el" backwards="0">
+                                  <p:iterate type="el">
                                     <p:tmAbs val="0"/>
                                   </p:iterate>
                                   <p:childTnLst>
                                     <p:set>
                                       <p:cBhvr>
-                                        <p:cTn id="19" fill="hold"/>
+                                        <p:cTn id="19" dur="indefinite" fill="hold"/>
                                         <p:tgtEl>
                                           <p:spTgt spid="156">
                                             <p:txEl>
@@ -8244,7 +8367,7 @@
                                         <p:strVal val="visible"/>
                                       </p:to>
                                     </p:set>
-                                    <p:animEffect filter="dissolve" transition="in">
+                                    <p:animEffect transition="in" filter="dissolve">
                                       <p:cBhvr>
                                         <p:cTn id="20" dur="2000"/>
                                         <p:tgtEl>
@@ -8287,234 +8410,14 @@
       </p:par>
     </p:tnLst>
     <p:bldLst>
-      <p:bldP build="p" bldLvl="1" animBg="1" rev="0" advAuto="0" spid="156" grpId="1"/>
+      <p:bldP spid="156" grpId="1" animBg="1" advAuto="0" build="p"/>
     </p:bldLst>
   </p:timing>
 </p:sld>
 </file>
 
-<file path=ppt/slides/slide9.xml><?xml version="1.0" encoding="utf-8"?>
-<p:sld xmlns:a="http://schemas.openxmlformats.org/drawingml/2006/main" xmlns:r="http://schemas.openxmlformats.org/officeDocument/2006/relationships" xmlns:p="http://schemas.openxmlformats.org/presentationml/2006/main" showMasterSp="1" showMasterPhAnim="1">
-  <p:cSld>
-    <p:spTree>
-      <p:nvGrpSpPr>
-        <p:cNvPr id="1" name=""/>
-        <p:cNvGrpSpPr/>
-        <p:nvPr/>
-      </p:nvGrpSpPr>
-      <p:grpSpPr>
-        <a:xfrm>
-          <a:off x="0" y="0"/>
-          <a:ext cx="0" cy="0"/>
-          <a:chOff x="0" y="0"/>
-          <a:chExt cx="0" cy="0"/>
-        </a:xfrm>
-      </p:grpSpPr>
-      <p:sp>
-        <p:nvSpPr>
-          <p:cNvPr id="158" name="Shape 158"/>
-          <p:cNvSpPr/>
-          <p:nvPr>
-            <p:ph type="title"/>
-          </p:nvPr>
-        </p:nvSpPr>
-        <p:spPr>
-          <a:prstGeom prst="rect">
-            <a:avLst/>
-          </a:prstGeom>
-        </p:spPr>
-        <p:txBody>
-          <a:bodyPr/>
-          <a:lstStyle>
-            <a:lvl1pPr>
-              <a:defRPr b="1"/>
-            </a:lvl1pPr>
-          </a:lstStyle>
-          <a:p>
-            <a:pPr>
-              <a:defRPr b="0"/>
-            </a:pPr>
-            <a:r>
-              <a:rPr b="1"/>
-              <a:t>陶艺课</a:t>
-            </a:r>
-          </a:p>
-        </p:txBody>
-      </p:sp>
-      <p:pic>
-        <p:nvPicPr>
-          <p:cNvPr id="159" name="image4.jpg"/>
-          <p:cNvPicPr>
-            <a:picLocks noChangeAspect="1"/>
-          </p:cNvPicPr>
-          <p:nvPr/>
-        </p:nvPicPr>
-        <p:blipFill>
-          <a:blip r:embed="rId2">
-            <a:extLst/>
-          </a:blip>
-          <a:stretch>
-            <a:fillRect/>
-          </a:stretch>
-        </p:blipFill>
-        <p:spPr>
-          <a:xfrm>
-            <a:off x="15519400" y="6223000"/>
-            <a:ext cx="5715000" cy="3790950"/>
-          </a:xfrm>
-          <a:prstGeom prst="rect">
-            <a:avLst/>
-          </a:prstGeom>
-          <a:ln w="12700">
-            <a:miter lim="400000"/>
-          </a:ln>
-        </p:spPr>
-      </p:pic>
-      <p:sp>
-        <p:nvSpPr>
-          <p:cNvPr id="160" name="Shape 160"/>
-          <p:cNvSpPr/>
-          <p:nvPr/>
-        </p:nvSpPr>
-        <p:spPr>
-          <a:xfrm>
-            <a:off x="2870200" y="4800600"/>
-            <a:ext cx="10972800" cy="8209280"/>
-          </a:xfrm>
-          <a:prstGeom prst="rect">
-            <a:avLst/>
-          </a:prstGeom>
-          <a:ln w="12700">
-            <a:miter lim="400000"/>
-          </a:ln>
-          <a:extLst>
-            <a:ext uri="{C572A759-6A51-4108-AA02-DFA0A04FC94B}">
-              <ma14:wrappingTextBoxFlag xmlns:ma14="http://schemas.microsoft.com/office/mac/drawingml/2011/main" val="1"/>
-            </a:ext>
-          </a:extLst>
-        </p:spPr>
-        <p:txBody>
-          <a:bodyPr tIns="91439" bIns="91439">
-            <a:spAutoFit/>
-          </a:bodyPr>
-          <a:lstStyle/>
-          <a:p>
-            <a:pPr algn="l" defTabSz="1828800">
-              <a:defRPr sz="4000">
-                <a:latin typeface="Corbel"/>
-                <a:ea typeface="Corbel"/>
-                <a:cs typeface="Corbel"/>
-                <a:sym typeface="Corbel"/>
-              </a:defRPr>
-            </a:pPr>
-            <a:r>
-              <a:t>一个学期后，真正好的陶艺作品反而是出现在那以量评分的组里。</a:t>
-            </a:r>
-          </a:p>
-          <a:p>
-            <a:pPr marL="571500" indent="-571500" algn="l" defTabSz="1828800">
-              <a:buSzPct val="100000"/>
-              <a:buFont typeface="Arial"/>
-              <a:buChar char="•"/>
-              <a:defRPr sz="4000">
-                <a:latin typeface="Corbel"/>
-                <a:ea typeface="Corbel"/>
-                <a:cs typeface="Corbel"/>
-                <a:sym typeface="Corbel"/>
-              </a:defRPr>
-            </a:pPr>
-            <a:r>
-              <a:t>要敢于开始</a:t>
-            </a:r>
-          </a:p>
-          <a:p>
-            <a:pPr marL="571500" indent="-571500" algn="l" defTabSz="1828800">
-              <a:buSzPct val="100000"/>
-              <a:buFont typeface="Arial"/>
-              <a:buChar char="•"/>
-              <a:defRPr sz="4000">
-                <a:latin typeface="Corbel"/>
-                <a:ea typeface="Corbel"/>
-                <a:cs typeface="Corbel"/>
-                <a:sym typeface="Corbel"/>
-              </a:defRPr>
-            </a:pPr>
-            <a:r>
-              <a:t>所以，请停止抱怨自己实力的不济和各种客观条件的不好，停止对开始的恐惧。只要迈出了第一步，埋着头认真做，不停的尝试，重复，失败</a:t>
-            </a:r>
-            <a:r>
-              <a:t>再</a:t>
-            </a:r>
-            <a:r>
-              <a:t>尝试，只要不放弃，就一定能成功的。</a:t>
-            </a:r>
-          </a:p>
-          <a:p>
-            <a:pPr marL="571500" indent="-571500" algn="l" defTabSz="1828800">
-              <a:buSzPct val="100000"/>
-              <a:buFont typeface="Arial"/>
-              <a:buChar char="•"/>
-              <a:defRPr sz="4000">
-                <a:latin typeface="Corbel"/>
-                <a:ea typeface="Corbel"/>
-                <a:cs typeface="Corbel"/>
-                <a:sym typeface="Corbel"/>
-              </a:defRPr>
-            </a:pPr>
-            <a:r>
-              <a:t>阅读：</a:t>
-            </a:r>
-          </a:p>
-          <a:p>
-            <a:pPr algn="l" defTabSz="1828800">
-              <a:defRPr sz="4000">
-                <a:latin typeface="Corbel"/>
-                <a:ea typeface="Corbel"/>
-                <a:cs typeface="Corbel"/>
-                <a:sym typeface="Corbel"/>
-              </a:defRPr>
-            </a:pPr>
-            <a:r>
-              <a:rPr u="sng">
-                <a:solidFill>
-                  <a:srgbClr val="168BBA"/>
-                </a:solidFill>
-                <a:uFill>
-                  <a:solidFill>
-                    <a:srgbClr val="168BBA"/>
-                  </a:solidFill>
-                </a:uFill>
-                <a:hlinkClick r:id="rId3" invalidUrl="" action="" tgtFrame="" tooltip="" history="1" highlightClick="0" endSnd="0"/>
-              </a:rPr>
-              <a:t>http://www.cnblogs.com/codingcrazy/archive/2011/02/28/1967503.html</a:t>
-            </a:r>
-          </a:p>
-          <a:p>
-            <a:pPr marL="571500" indent="-571500" algn="l" defTabSz="1828800">
-              <a:buSzPct val="100000"/>
-              <a:buFont typeface="Arial"/>
-              <a:buChar char="•"/>
-              <a:defRPr sz="4000">
-                <a:latin typeface="Corbel"/>
-                <a:ea typeface="Corbel"/>
-                <a:cs typeface="Corbel"/>
-                <a:sym typeface="Corbel"/>
-              </a:defRPr>
-            </a:pPr>
-          </a:p>
-        </p:txBody>
-      </p:sp>
-    </p:spTree>
-  </p:cSld>
-  <p:clrMapOvr>
-    <a:masterClrMapping/>
-  </p:clrMapOvr>
-  <p:transition xmlns:p14="http://schemas.microsoft.com/office/powerpoint/2010/main" spd="med" advClick="1" p14:dur="1000"/>
-</p:sld>
-</file>
-
 <file path=ppt/theme/theme1.xml><?xml version="1.0" encoding="utf-8"?>
-<a:theme xmlns:a="http://schemas.openxmlformats.org/drawingml/2006/main" xmlns:r="http://schemas.openxmlformats.org/officeDocument/2006/relationships" name="White">
+<a:theme xmlns:a="http://schemas.openxmlformats.org/drawingml/2006/main" name="White">
   <a:themeElements>
     <a:clrScheme name="White">
       <a:dk1>
@@ -8640,7 +8543,7 @@
       <a:effectStyleLst>
         <a:effectStyle>
           <a:effectLst>
-            <a:outerShdw sx="100000" sy="100000" kx="0" ky="0" algn="b" rotWithShape="0" blurRad="38100" dist="25400" dir="5400000">
+            <a:outerShdw blurRad="38100" dist="25400" dir="5400000" rotWithShape="0">
               <a:srgbClr val="000000">
                 <a:alpha val="50000"/>
               </a:srgbClr>
@@ -8649,7 +8552,7 @@
         </a:effectStyle>
         <a:effectStyle>
           <a:effectLst>
-            <a:outerShdw sx="100000" sy="100000" kx="0" ky="0" algn="b" rotWithShape="0" blurRad="50800" dist="12700" dir="0">
+            <a:outerShdw blurRad="50800" dist="12700" rotWithShape="0">
               <a:srgbClr val="000000">
                 <a:alpha val="50000"/>
               </a:srgbClr>
@@ -8658,7 +8561,7 @@
         </a:effectStyle>
         <a:effectStyle>
           <a:effectLst>
-            <a:outerShdw sx="100000" sy="100000" kx="0" ky="0" algn="b" rotWithShape="0" blurRad="38100" dist="25400" dir="5400000">
+            <a:outerShdw blurRad="38100" dist="25400" dir="5400000" rotWithShape="0">
               <a:srgbClr val="000000">
                 <a:alpha val="50000"/>
               </a:srgbClr>
@@ -8722,8 +8625,8 @@
     <a:spDef>
       <a:spPr>
         <a:blipFill rotWithShape="1">
-          <a:blip r:embed="rId1"/>
-          <a:srcRect l="0" t="0" r="0" b="0"/>
+          <a:blip xmlns:r="http://schemas.openxmlformats.org/officeDocument/2006/relationships" r:embed="rId1"/>
+          <a:srcRect/>
           <a:tile tx="0" ty="0" sx="100000" sy="100000" flip="none" algn="tl"/>
         </a:blipFill>
         <a:ln w="12700" cap="flat">
@@ -8731,13 +8634,12 @@
           <a:miter lim="400000"/>
         </a:ln>
         <a:effectLst>
-          <a:outerShdw sx="100000" sy="100000" kx="0" ky="0" algn="b" rotWithShape="0" blurRad="38100" dist="25400" dir="5400000">
+          <a:outerShdw blurRad="38100" dist="25400" dir="5400000" rotWithShape="0">
             <a:srgbClr val="000000">
               <a:alpha val="50000"/>
             </a:srgbClr>
           </a:outerShdw>
         </a:effectLst>
-        <a:sp3d/>
       </a:spPr>
       <a:bodyPr rot="0" spcFirstLastPara="1" vertOverflow="overflow" horzOverflow="overflow" vert="horz" wrap="square" lIns="50800" tIns="50800" rIns="50800" bIns="50800" numCol="1" spcCol="38100" rtlCol="0" anchor="ctr" upright="0">
         <a:spAutoFit/>
@@ -8757,8 +8659,7 @@
           <a:buSzTx/>
           <a:buFontTx/>
           <a:buNone/>
-          <a:tabLst/>
-          <a:defRPr b="0" baseline="0" cap="none" i="0" spc="0" strike="noStrike" sz="3200" u="none" kumimoji="0" normalizeH="0">
+          <a:defRPr kumimoji="0" sz="3200" b="0" i="0" u="none" strike="noStrike" cap="none" spc="0" normalizeH="0" baseline="0">
             <a:ln>
               <a:noFill/>
             </a:ln>
@@ -8787,8 +8688,7 @@
           <a:buSzTx/>
           <a:buFontTx/>
           <a:buNone/>
-          <a:tabLst/>
-          <a:defRPr b="0" baseline="0" cap="none" i="0" spc="0" strike="noStrike" sz="1800" u="none" kumimoji="0" normalizeH="0">
+          <a:defRPr kumimoji="0" sz="1800" b="0" i="0" u="none" strike="noStrike" cap="none" spc="0" normalizeH="0" baseline="0">
             <a:ln>
               <a:noFill/>
             </a:ln>
@@ -8813,8 +8713,7 @@
           <a:buSzTx/>
           <a:buFontTx/>
           <a:buNone/>
-          <a:tabLst/>
-          <a:defRPr b="0" baseline="0" cap="none" i="0" spc="0" strike="noStrike" sz="1800" u="none" kumimoji="0" normalizeH="0">
+          <a:defRPr kumimoji="0" sz="1800" b="0" i="0" u="none" strike="noStrike" cap="none" spc="0" normalizeH="0" baseline="0">
             <a:ln>
               <a:noFill/>
             </a:ln>
@@ -8839,8 +8738,7 @@
           <a:buSzTx/>
           <a:buFontTx/>
           <a:buNone/>
-          <a:tabLst/>
-          <a:defRPr b="0" baseline="0" cap="none" i="0" spc="0" strike="noStrike" sz="1800" u="none" kumimoji="0" normalizeH="0">
+          <a:defRPr kumimoji="0" sz="1800" b="0" i="0" u="none" strike="noStrike" cap="none" spc="0" normalizeH="0" baseline="0">
             <a:ln>
               <a:noFill/>
             </a:ln>
@@ -8865,8 +8763,7 @@
           <a:buSzTx/>
           <a:buFontTx/>
           <a:buNone/>
-          <a:tabLst/>
-          <a:defRPr b="0" baseline="0" cap="none" i="0" spc="0" strike="noStrike" sz="1800" u="none" kumimoji="0" normalizeH="0">
+          <a:defRPr kumimoji="0" sz="1800" b="0" i="0" u="none" strike="noStrike" cap="none" spc="0" normalizeH="0" baseline="0">
             <a:ln>
               <a:noFill/>
             </a:ln>
@@ -8891,8 +8788,7 @@
           <a:buSzTx/>
           <a:buFontTx/>
           <a:buNone/>
-          <a:tabLst/>
-          <a:defRPr b="0" baseline="0" cap="none" i="0" spc="0" strike="noStrike" sz="1800" u="none" kumimoji="0" normalizeH="0">
+          <a:defRPr kumimoji="0" sz="1800" b="0" i="0" u="none" strike="noStrike" cap="none" spc="0" normalizeH="0" baseline="0">
             <a:ln>
               <a:noFill/>
             </a:ln>
@@ -8917,8 +8813,7 @@
           <a:buSzTx/>
           <a:buFontTx/>
           <a:buNone/>
-          <a:tabLst/>
-          <a:defRPr b="0" baseline="0" cap="none" i="0" spc="0" strike="noStrike" sz="1800" u="none" kumimoji="0" normalizeH="0">
+          <a:defRPr kumimoji="0" sz="1800" b="0" i="0" u="none" strike="noStrike" cap="none" spc="0" normalizeH="0" baseline="0">
             <a:ln>
               <a:noFill/>
             </a:ln>
@@ -8943,8 +8838,7 @@
           <a:buSzTx/>
           <a:buFontTx/>
           <a:buNone/>
-          <a:tabLst/>
-          <a:defRPr b="0" baseline="0" cap="none" i="0" spc="0" strike="noStrike" sz="1800" u="none" kumimoji="0" normalizeH="0">
+          <a:defRPr kumimoji="0" sz="1800" b="0" i="0" u="none" strike="noStrike" cap="none" spc="0" normalizeH="0" baseline="0">
             <a:ln>
               <a:noFill/>
             </a:ln>
@@ -8969,8 +8863,7 @@
           <a:buSzTx/>
           <a:buFontTx/>
           <a:buNone/>
-          <a:tabLst/>
-          <a:defRPr b="0" baseline="0" cap="none" i="0" spc="0" strike="noStrike" sz="1800" u="none" kumimoji="0" normalizeH="0">
+          <a:defRPr kumimoji="0" sz="1800" b="0" i="0" u="none" strike="noStrike" cap="none" spc="0" normalizeH="0" baseline="0">
             <a:ln>
               <a:noFill/>
             </a:ln>
@@ -8995,8 +8888,7 @@
           <a:buSzTx/>
           <a:buFontTx/>
           <a:buNone/>
-          <a:tabLst/>
-          <a:defRPr b="0" baseline="0" cap="none" i="0" spc="0" strike="noStrike" sz="1800" u="none" kumimoji="0" normalizeH="0">
+          <a:defRPr kumimoji="0" sz="1800" b="0" i="0" u="none" strike="noStrike" cap="none" spc="0" normalizeH="0" baseline="0">
             <a:ln>
               <a:noFill/>
             </a:ln>
@@ -9009,9 +8901,15 @@
         </a:lvl9pPr>
       </a:lstStyle>
       <a:style>
-        <a:lnRef idx="0"/>
-        <a:fillRef idx="0"/>
-        <a:effectRef idx="0"/>
+        <a:lnRef idx="0">
+          <a:srgbClr val="FFFFFF"/>
+        </a:lnRef>
+        <a:fillRef idx="0">
+          <a:srgbClr val="FFFFFF"/>
+        </a:fillRef>
+        <a:effectRef idx="0">
+          <a:srgbClr val="FFFFFF"/>
+        </a:effectRef>
         <a:fontRef idx="none"/>
       </a:style>
     </a:spDef>
@@ -9025,8 +8923,6 @@
           <a:prstDash val="solid"/>
           <a:miter lim="400000"/>
         </a:ln>
-        <a:effectLst/>
-        <a:sp3d/>
       </a:spPr>
       <a:bodyPr rot="0" spcFirstLastPara="1" vertOverflow="overflow" horzOverflow="overflow" vert="horz" wrap="square" lIns="91439" tIns="45719" rIns="91439" bIns="45719" numCol="1" spcCol="38100" rtlCol="0" anchor="t" upright="0">
         <a:noAutofit/>
@@ -9046,8 +8942,7 @@
           <a:buSzTx/>
           <a:buFontTx/>
           <a:buNone/>
-          <a:tabLst/>
-          <a:defRPr b="0" baseline="0" cap="none" i="0" spc="0" strike="noStrike" sz="1800" u="none" kumimoji="0" normalizeH="0">
+          <a:defRPr kumimoji="0" sz="1800" b="0" i="0" u="none" strike="noStrike" cap="none" spc="0" normalizeH="0" baseline="0">
             <a:ln>
               <a:noFill/>
             </a:ln>
@@ -9072,8 +8967,7 @@
           <a:buSzTx/>
           <a:buFontTx/>
           <a:buNone/>
-          <a:tabLst/>
-          <a:defRPr b="0" baseline="0" cap="none" i="0" spc="0" strike="noStrike" sz="1800" u="none" kumimoji="0" normalizeH="0">
+          <a:defRPr kumimoji="0" sz="1800" b="0" i="0" u="none" strike="noStrike" cap="none" spc="0" normalizeH="0" baseline="0">
             <a:ln>
               <a:noFill/>
             </a:ln>
@@ -9098,8 +8992,7 @@
           <a:buSzTx/>
           <a:buFontTx/>
           <a:buNone/>
-          <a:tabLst/>
-          <a:defRPr b="0" baseline="0" cap="none" i="0" spc="0" strike="noStrike" sz="1800" u="none" kumimoji="0" normalizeH="0">
+          <a:defRPr kumimoji="0" sz="1800" b="0" i="0" u="none" strike="noStrike" cap="none" spc="0" normalizeH="0" baseline="0">
             <a:ln>
               <a:noFill/>
             </a:ln>
@@ -9124,8 +9017,7 @@
           <a:buSzTx/>
           <a:buFontTx/>
           <a:buNone/>
-          <a:tabLst/>
-          <a:defRPr b="0" baseline="0" cap="none" i="0" spc="0" strike="noStrike" sz="1800" u="none" kumimoji="0" normalizeH="0">
+          <a:defRPr kumimoji="0" sz="1800" b="0" i="0" u="none" strike="noStrike" cap="none" spc="0" normalizeH="0" baseline="0">
             <a:ln>
               <a:noFill/>
             </a:ln>
@@ -9150,8 +9042,7 @@
           <a:buSzTx/>
           <a:buFontTx/>
           <a:buNone/>
-          <a:tabLst/>
-          <a:defRPr b="0" baseline="0" cap="none" i="0" spc="0" strike="noStrike" sz="1800" u="none" kumimoji="0" normalizeH="0">
+          <a:defRPr kumimoji="0" sz="1800" b="0" i="0" u="none" strike="noStrike" cap="none" spc="0" normalizeH="0" baseline="0">
             <a:ln>
               <a:noFill/>
             </a:ln>
@@ -9176,8 +9067,7 @@
           <a:buSzTx/>
           <a:buFontTx/>
           <a:buNone/>
-          <a:tabLst/>
-          <a:defRPr b="0" baseline="0" cap="none" i="0" spc="0" strike="noStrike" sz="1800" u="none" kumimoji="0" normalizeH="0">
+          <a:defRPr kumimoji="0" sz="1800" b="0" i="0" u="none" strike="noStrike" cap="none" spc="0" normalizeH="0" baseline="0">
             <a:ln>
               <a:noFill/>
             </a:ln>
@@ -9202,8 +9092,7 @@
           <a:buSzTx/>
           <a:buFontTx/>
           <a:buNone/>
-          <a:tabLst/>
-          <a:defRPr b="0" baseline="0" cap="none" i="0" spc="0" strike="noStrike" sz="1800" u="none" kumimoji="0" normalizeH="0">
+          <a:defRPr kumimoji="0" sz="1800" b="0" i="0" u="none" strike="noStrike" cap="none" spc="0" normalizeH="0" baseline="0">
             <a:ln>
               <a:noFill/>
             </a:ln>
@@ -9228,8 +9117,7 @@
           <a:buSzTx/>
           <a:buFontTx/>
           <a:buNone/>
-          <a:tabLst/>
-          <a:defRPr b="0" baseline="0" cap="none" i="0" spc="0" strike="noStrike" sz="1800" u="none" kumimoji="0" normalizeH="0">
+          <a:defRPr kumimoji="0" sz="1800" b="0" i="0" u="none" strike="noStrike" cap="none" spc="0" normalizeH="0" baseline="0">
             <a:ln>
               <a:noFill/>
             </a:ln>
@@ -9254,8 +9142,7 @@
           <a:buSzTx/>
           <a:buFontTx/>
           <a:buNone/>
-          <a:tabLst/>
-          <a:defRPr b="0" baseline="0" cap="none" i="0" spc="0" strike="noStrike" sz="1800" u="none" kumimoji="0" normalizeH="0">
+          <a:defRPr kumimoji="0" sz="1800" b="0" i="0" u="none" strike="noStrike" cap="none" spc="0" normalizeH="0" baseline="0">
             <a:ln>
               <a:noFill/>
             </a:ln>
@@ -9280,8 +9167,7 @@
           <a:buSzTx/>
           <a:buFontTx/>
           <a:buNone/>
-          <a:tabLst/>
-          <a:defRPr b="0" baseline="0" cap="none" i="0" spc="0" strike="noStrike" sz="1800" u="none" kumimoji="0" normalizeH="0">
+          <a:defRPr kumimoji="0" sz="1800" b="0" i="0" u="none" strike="noStrike" cap="none" spc="0" normalizeH="0" baseline="0">
             <a:ln>
               <a:noFill/>
             </a:ln>
@@ -9294,9 +9180,15 @@
         </a:lvl9pPr>
       </a:lstStyle>
       <a:style>
-        <a:lnRef idx="0"/>
-        <a:fillRef idx="0"/>
-        <a:effectRef idx="0"/>
+        <a:lnRef idx="0">
+          <a:srgbClr val="FFFFFF"/>
+        </a:lnRef>
+        <a:fillRef idx="0">
+          <a:srgbClr val="FFFFFF"/>
+        </a:fillRef>
+        <a:effectRef idx="0">
+          <a:srgbClr val="FFFFFF"/>
+        </a:effectRef>
         <a:fontRef idx="none"/>
       </a:style>
     </a:lnDef>
@@ -9307,8 +9199,6 @@
           <a:noFill/>
           <a:miter lim="400000"/>
         </a:ln>
-        <a:effectLst/>
-        <a:sp3d/>
       </a:spPr>
       <a:bodyPr rot="0" spcFirstLastPara="1" vertOverflow="overflow" horzOverflow="overflow" vert="horz" wrap="square" lIns="50800" tIns="50800" rIns="50800" bIns="50800" numCol="1" spcCol="38100" rtlCol="0" anchor="ctr" upright="0">
         <a:spAutoFit/>
@@ -9328,8 +9218,7 @@
           <a:buSzTx/>
           <a:buFontTx/>
           <a:buNone/>
-          <a:tabLst/>
-          <a:defRPr b="0" baseline="0" cap="none" i="0" spc="0" strike="noStrike" sz="5000" u="none" kumimoji="0" normalizeH="0">
+          <a:defRPr kumimoji="0" sz="5000" b="0" i="0" u="none" strike="noStrike" cap="none" spc="0" normalizeH="0" baseline="0">
             <a:ln>
               <a:noFill/>
             </a:ln>
@@ -9358,8 +9247,7 @@
           <a:buSzTx/>
           <a:buFontTx/>
           <a:buNone/>
-          <a:tabLst/>
-          <a:defRPr b="0" baseline="0" cap="none" i="0" spc="0" strike="noStrike" sz="1800" u="none" kumimoji="0" normalizeH="0">
+          <a:defRPr kumimoji="0" sz="1800" b="0" i="0" u="none" strike="noStrike" cap="none" spc="0" normalizeH="0" baseline="0">
             <a:ln>
               <a:noFill/>
             </a:ln>
@@ -9384,8 +9272,7 @@
           <a:buSzTx/>
           <a:buFontTx/>
           <a:buNone/>
-          <a:tabLst/>
-          <a:defRPr b="0" baseline="0" cap="none" i="0" spc="0" strike="noStrike" sz="1800" u="none" kumimoji="0" normalizeH="0">
+          <a:defRPr kumimoji="0" sz="1800" b="0" i="0" u="none" strike="noStrike" cap="none" spc="0" normalizeH="0" baseline="0">
             <a:ln>
               <a:noFill/>
             </a:ln>
@@ -9410,8 +9297,7 @@
           <a:buSzTx/>
           <a:buFontTx/>
           <a:buNone/>
-          <a:tabLst/>
-          <a:defRPr b="0" baseline="0" cap="none" i="0" spc="0" strike="noStrike" sz="1800" u="none" kumimoji="0" normalizeH="0">
+          <a:defRPr kumimoji="0" sz="1800" b="0" i="0" u="none" strike="noStrike" cap="none" spc="0" normalizeH="0" baseline="0">
             <a:ln>
               <a:noFill/>
             </a:ln>
@@ -9436,8 +9322,7 @@
           <a:buSzTx/>
           <a:buFontTx/>
           <a:buNone/>
-          <a:tabLst/>
-          <a:defRPr b="0" baseline="0" cap="none" i="0" spc="0" strike="noStrike" sz="1800" u="none" kumimoji="0" normalizeH="0">
+          <a:defRPr kumimoji="0" sz="1800" b="0" i="0" u="none" strike="noStrike" cap="none" spc="0" normalizeH="0" baseline="0">
             <a:ln>
               <a:noFill/>
             </a:ln>
@@ -9462,8 +9347,7 @@
           <a:buSzTx/>
           <a:buFontTx/>
           <a:buNone/>
-          <a:tabLst/>
-          <a:defRPr b="0" baseline="0" cap="none" i="0" spc="0" strike="noStrike" sz="1800" u="none" kumimoji="0" normalizeH="0">
+          <a:defRPr kumimoji="0" sz="1800" b="0" i="0" u="none" strike="noStrike" cap="none" spc="0" normalizeH="0" baseline="0">
             <a:ln>
               <a:noFill/>
             </a:ln>
@@ -9488,8 +9372,7 @@
           <a:buSzTx/>
           <a:buFontTx/>
           <a:buNone/>
-          <a:tabLst/>
-          <a:defRPr b="0" baseline="0" cap="none" i="0" spc="0" strike="noStrike" sz="1800" u="none" kumimoji="0" normalizeH="0">
+          <a:defRPr kumimoji="0" sz="1800" b="0" i="0" u="none" strike="noStrike" cap="none" spc="0" normalizeH="0" baseline="0">
             <a:ln>
               <a:noFill/>
             </a:ln>
@@ -9514,8 +9397,7 @@
           <a:buSzTx/>
           <a:buFontTx/>
           <a:buNone/>
-          <a:tabLst/>
-          <a:defRPr b="0" baseline="0" cap="none" i="0" spc="0" strike="noStrike" sz="1800" u="none" kumimoji="0" normalizeH="0">
+          <a:defRPr kumimoji="0" sz="1800" b="0" i="0" u="none" strike="noStrike" cap="none" spc="0" normalizeH="0" baseline="0">
             <a:ln>
               <a:noFill/>
             </a:ln>
@@ -9540,8 +9422,7 @@
           <a:buSzTx/>
           <a:buFontTx/>
           <a:buNone/>
-          <a:tabLst/>
-          <a:defRPr b="0" baseline="0" cap="none" i="0" spc="0" strike="noStrike" sz="1800" u="none" kumimoji="0" normalizeH="0">
+          <a:defRPr kumimoji="0" sz="1800" b="0" i="0" u="none" strike="noStrike" cap="none" spc="0" normalizeH="0" baseline="0">
             <a:ln>
               <a:noFill/>
             </a:ln>
@@ -9566,8 +9447,7 @@
           <a:buSzTx/>
           <a:buFontTx/>
           <a:buNone/>
-          <a:tabLst/>
-          <a:defRPr b="0" baseline="0" cap="none" i="0" spc="0" strike="noStrike" sz="1800" u="none" kumimoji="0" normalizeH="0">
+          <a:defRPr kumimoji="0" sz="1800" b="0" i="0" u="none" strike="noStrike" cap="none" spc="0" normalizeH="0" baseline="0">
             <a:ln>
               <a:noFill/>
             </a:ln>
@@ -9580,18 +9460,29 @@
         </a:lvl9pPr>
       </a:lstStyle>
       <a:style>
-        <a:lnRef idx="0"/>
-        <a:fillRef idx="0"/>
-        <a:effectRef idx="0"/>
+        <a:lnRef idx="0">
+          <a:srgbClr val="FFFFFF"/>
+        </a:lnRef>
+        <a:fillRef idx="0">
+          <a:srgbClr val="FFFFFF"/>
+        </a:fillRef>
+        <a:effectRef idx="0">
+          <a:srgbClr val="FFFFFF"/>
+        </a:effectRef>
         <a:fontRef idx="none"/>
       </a:style>
     </a:txDef>
   </a:objectDefaults>
+  <a:extLst>
+    <a:ext uri="{05A4C25C-085E-4340-85A3-A5531E510DB2}">
+      <thm15:themeFamily xmlns:thm15="http://schemas.microsoft.com/office/thememl/2012/main" name="Office Theme" id="{62F939B6-93AF-4DB8-9C6B-D6C7DFDC589F}" vid="{4A3C46E8-61CC-4603-A589-7422A47A8E4A}"/>
+    </a:ext>
+  </a:extLst>
 </a:theme>
 </file>
 
 <file path=ppt/theme/theme2.xml><?xml version="1.0" encoding="utf-8"?>
-<a:theme xmlns:a="http://schemas.openxmlformats.org/drawingml/2006/main" xmlns:r="http://schemas.openxmlformats.org/officeDocument/2006/relationships" name="White">
+<a:theme xmlns:a="http://schemas.openxmlformats.org/drawingml/2006/main" name="White">
   <a:themeElements>
     <a:clrScheme name="White">
       <a:dk1>
@@ -9717,7 +9608,7 @@
       <a:effectStyleLst>
         <a:effectStyle>
           <a:effectLst>
-            <a:outerShdw sx="100000" sy="100000" kx="0" ky="0" algn="b" rotWithShape="0" blurRad="38100" dist="25400" dir="5400000">
+            <a:outerShdw blurRad="38100" dist="25400" dir="5400000" rotWithShape="0">
               <a:srgbClr val="000000">
                 <a:alpha val="50000"/>
               </a:srgbClr>
@@ -9726,7 +9617,7 @@
         </a:effectStyle>
         <a:effectStyle>
           <a:effectLst>
-            <a:outerShdw sx="100000" sy="100000" kx="0" ky="0" algn="b" rotWithShape="0" blurRad="50800" dist="12700" dir="0">
+            <a:outerShdw blurRad="50800" dist="12700" rotWithShape="0">
               <a:srgbClr val="000000">
                 <a:alpha val="50000"/>
               </a:srgbClr>
@@ -9735,7 +9626,7 @@
         </a:effectStyle>
         <a:effectStyle>
           <a:effectLst>
-            <a:outerShdw sx="100000" sy="100000" kx="0" ky="0" algn="b" rotWithShape="0" blurRad="38100" dist="25400" dir="5400000">
+            <a:outerShdw blurRad="38100" dist="25400" dir="5400000" rotWithShape="0">
               <a:srgbClr val="000000">
                 <a:alpha val="50000"/>
               </a:srgbClr>
@@ -9799,8 +9690,8 @@
     <a:spDef>
       <a:spPr>
         <a:blipFill rotWithShape="1">
-          <a:blip r:embed="rId1"/>
-          <a:srcRect l="0" t="0" r="0" b="0"/>
+          <a:blip xmlns:r="http://schemas.openxmlformats.org/officeDocument/2006/relationships" r:embed="rId1"/>
+          <a:srcRect/>
           <a:tile tx="0" ty="0" sx="100000" sy="100000" flip="none" algn="tl"/>
         </a:blipFill>
         <a:ln w="12700" cap="flat">
@@ -9808,13 +9699,12 @@
           <a:miter lim="400000"/>
         </a:ln>
         <a:effectLst>
-          <a:outerShdw sx="100000" sy="100000" kx="0" ky="0" algn="b" rotWithShape="0" blurRad="38100" dist="25400" dir="5400000">
+          <a:outerShdw blurRad="38100" dist="25400" dir="5400000" rotWithShape="0">
             <a:srgbClr val="000000">
               <a:alpha val="50000"/>
             </a:srgbClr>
           </a:outerShdw>
         </a:effectLst>
-        <a:sp3d/>
       </a:spPr>
       <a:bodyPr rot="0" spcFirstLastPara="1" vertOverflow="overflow" horzOverflow="overflow" vert="horz" wrap="square" lIns="50800" tIns="50800" rIns="50800" bIns="50800" numCol="1" spcCol="38100" rtlCol="0" anchor="ctr" upright="0">
         <a:spAutoFit/>
@@ -9834,8 +9724,7 @@
           <a:buSzTx/>
           <a:buFontTx/>
           <a:buNone/>
-          <a:tabLst/>
-          <a:defRPr b="0" baseline="0" cap="none" i="0" spc="0" strike="noStrike" sz="3200" u="none" kumimoji="0" normalizeH="0">
+          <a:defRPr kumimoji="0" sz="3200" b="0" i="0" u="none" strike="noStrike" cap="none" spc="0" normalizeH="0" baseline="0">
             <a:ln>
               <a:noFill/>
             </a:ln>
@@ -9864,8 +9753,7 @@
           <a:buSzTx/>
           <a:buFontTx/>
           <a:buNone/>
-          <a:tabLst/>
-          <a:defRPr b="0" baseline="0" cap="none" i="0" spc="0" strike="noStrike" sz="1800" u="none" kumimoji="0" normalizeH="0">
+          <a:defRPr kumimoji="0" sz="1800" b="0" i="0" u="none" strike="noStrike" cap="none" spc="0" normalizeH="0" baseline="0">
             <a:ln>
               <a:noFill/>
             </a:ln>
@@ -9890,8 +9778,7 @@
           <a:buSzTx/>
           <a:buFontTx/>
           <a:buNone/>
-          <a:tabLst/>
-          <a:defRPr b="0" baseline="0" cap="none" i="0" spc="0" strike="noStrike" sz="1800" u="none" kumimoji="0" normalizeH="0">
+          <a:defRPr kumimoji="0" sz="1800" b="0" i="0" u="none" strike="noStrike" cap="none" spc="0" normalizeH="0" baseline="0">
             <a:ln>
               <a:noFill/>
             </a:ln>
@@ -9916,8 +9803,7 @@
           <a:buSzTx/>
           <a:buFontTx/>
           <a:buNone/>
-          <a:tabLst/>
-          <a:defRPr b="0" baseline="0" cap="none" i="0" spc="0" strike="noStrike" sz="1800" u="none" kumimoji="0" normalizeH="0">
+          <a:defRPr kumimoji="0" sz="1800" b="0" i="0" u="none" strike="noStrike" cap="none" spc="0" normalizeH="0" baseline="0">
             <a:ln>
               <a:noFill/>
             </a:ln>
@@ -9942,8 +9828,7 @@
           <a:buSzTx/>
           <a:buFontTx/>
           <a:buNone/>
-          <a:tabLst/>
-          <a:defRPr b="0" baseline="0" cap="none" i="0" spc="0" strike="noStrike" sz="1800" u="none" kumimoji="0" normalizeH="0">
+          <a:defRPr kumimoji="0" sz="1800" b="0" i="0" u="none" strike="noStrike" cap="none" spc="0" normalizeH="0" baseline="0">
             <a:ln>
               <a:noFill/>
             </a:ln>
@@ -9968,8 +9853,7 @@
           <a:buSzTx/>
           <a:buFontTx/>
           <a:buNone/>
-          <a:tabLst/>
-          <a:defRPr b="0" baseline="0" cap="none" i="0" spc="0" strike="noStrike" sz="1800" u="none" kumimoji="0" normalizeH="0">
+          <a:defRPr kumimoji="0" sz="1800" b="0" i="0" u="none" strike="noStrike" cap="none" spc="0" normalizeH="0" baseline="0">
             <a:ln>
               <a:noFill/>
             </a:ln>
@@ -9994,8 +9878,7 @@
           <a:buSzTx/>
           <a:buFontTx/>
           <a:buNone/>
-          <a:tabLst/>
-          <a:defRPr b="0" baseline="0" cap="none" i="0" spc="0" strike="noStrike" sz="1800" u="none" kumimoji="0" normalizeH="0">
+          <a:defRPr kumimoji="0" sz="1800" b="0" i="0" u="none" strike="noStrike" cap="none" spc="0" normalizeH="0" baseline="0">
             <a:ln>
               <a:noFill/>
             </a:ln>
@@ -10020,8 +9903,7 @@
           <a:buSzTx/>
           <a:buFontTx/>
           <a:buNone/>
-          <a:tabLst/>
-          <a:defRPr b="0" baseline="0" cap="none" i="0" spc="0" strike="noStrike" sz="1800" u="none" kumimoji="0" normalizeH="0">
+          <a:defRPr kumimoji="0" sz="1800" b="0" i="0" u="none" strike="noStrike" cap="none" spc="0" normalizeH="0" baseline="0">
             <a:ln>
               <a:noFill/>
             </a:ln>
@@ -10046,8 +9928,7 @@
           <a:buSzTx/>
           <a:buFontTx/>
           <a:buNone/>
-          <a:tabLst/>
-          <a:defRPr b="0" baseline="0" cap="none" i="0" spc="0" strike="noStrike" sz="1800" u="none" kumimoji="0" normalizeH="0">
+          <a:defRPr kumimoji="0" sz="1800" b="0" i="0" u="none" strike="noStrike" cap="none" spc="0" normalizeH="0" baseline="0">
             <a:ln>
               <a:noFill/>
             </a:ln>
@@ -10072,8 +9953,7 @@
           <a:buSzTx/>
           <a:buFontTx/>
           <a:buNone/>
-          <a:tabLst/>
-          <a:defRPr b="0" baseline="0" cap="none" i="0" spc="0" strike="noStrike" sz="1800" u="none" kumimoji="0" normalizeH="0">
+          <a:defRPr kumimoji="0" sz="1800" b="0" i="0" u="none" strike="noStrike" cap="none" spc="0" normalizeH="0" baseline="0">
             <a:ln>
               <a:noFill/>
             </a:ln>
@@ -10086,9 +9966,15 @@
         </a:lvl9pPr>
       </a:lstStyle>
       <a:style>
-        <a:lnRef idx="0"/>
-        <a:fillRef idx="0"/>
-        <a:effectRef idx="0"/>
+        <a:lnRef idx="0">
+          <a:srgbClr val="FFFFFF"/>
+        </a:lnRef>
+        <a:fillRef idx="0">
+          <a:srgbClr val="FFFFFF"/>
+        </a:fillRef>
+        <a:effectRef idx="0">
+          <a:srgbClr val="FFFFFF"/>
+        </a:effectRef>
         <a:fontRef idx="none"/>
       </a:style>
     </a:spDef>
@@ -10102,8 +9988,6 @@
           <a:prstDash val="solid"/>
           <a:miter lim="400000"/>
         </a:ln>
-        <a:effectLst/>
-        <a:sp3d/>
       </a:spPr>
       <a:bodyPr rot="0" spcFirstLastPara="1" vertOverflow="overflow" horzOverflow="overflow" vert="horz" wrap="square" lIns="91439" tIns="45719" rIns="91439" bIns="45719" numCol="1" spcCol="38100" rtlCol="0" anchor="t" upright="0">
         <a:noAutofit/>
@@ -10123,8 +10007,7 @@
           <a:buSzTx/>
           <a:buFontTx/>
           <a:buNone/>
-          <a:tabLst/>
-          <a:defRPr b="0" baseline="0" cap="none" i="0" spc="0" strike="noStrike" sz="1800" u="none" kumimoji="0" normalizeH="0">
+          <a:defRPr kumimoji="0" sz="1800" b="0" i="0" u="none" strike="noStrike" cap="none" spc="0" normalizeH="0" baseline="0">
             <a:ln>
               <a:noFill/>
             </a:ln>
@@ -10149,8 +10032,7 @@
           <a:buSzTx/>
           <a:buFontTx/>
           <a:buNone/>
-          <a:tabLst/>
-          <a:defRPr b="0" baseline="0" cap="none" i="0" spc="0" strike="noStrike" sz="1800" u="none" kumimoji="0" normalizeH="0">
+          <a:defRPr kumimoji="0" sz="1800" b="0" i="0" u="none" strike="noStrike" cap="none" spc="0" normalizeH="0" baseline="0">
             <a:ln>
               <a:noFill/>
             </a:ln>
@@ -10175,8 +10057,7 @@
           <a:buSzTx/>
           <a:buFontTx/>
           <a:buNone/>
-          <a:tabLst/>
-          <a:defRPr b="0" baseline="0" cap="none" i="0" spc="0" strike="noStrike" sz="1800" u="none" kumimoji="0" normalizeH="0">
+          <a:defRPr kumimoji="0" sz="1800" b="0" i="0" u="none" strike="noStrike" cap="none" spc="0" normalizeH="0" baseline="0">
             <a:ln>
               <a:noFill/>
             </a:ln>
@@ -10201,8 +10082,7 @@
           <a:buSzTx/>
           <a:buFontTx/>
           <a:buNone/>
-          <a:tabLst/>
-          <a:defRPr b="0" baseline="0" cap="none" i="0" spc="0" strike="noStrike" sz="1800" u="none" kumimoji="0" normalizeH="0">
+          <a:defRPr kumimoji="0" sz="1800" b="0" i="0" u="none" strike="noStrike" cap="none" spc="0" normalizeH="0" baseline="0">
             <a:ln>
               <a:noFill/>
             </a:ln>
@@ -10227,8 +10107,7 @@
           <a:buSzTx/>
           <a:buFontTx/>
           <a:buNone/>
-          <a:tabLst/>
-          <a:defRPr b="0" baseline="0" cap="none" i="0" spc="0" strike="noStrike" sz="1800" u="none" kumimoji="0" normalizeH="0">
+          <a:defRPr kumimoji="0" sz="1800" b="0" i="0" u="none" strike="noStrike" cap="none" spc="0" normalizeH="0" baseline="0">
             <a:ln>
               <a:noFill/>
             </a:ln>
@@ -10253,8 +10132,7 @@
           <a:buSzTx/>
           <a:buFontTx/>
           <a:buNone/>
-          <a:tabLst/>
-          <a:defRPr b="0" baseline="0" cap="none" i="0" spc="0" strike="noStrike" sz="1800" u="none" kumimoji="0" normalizeH="0">
+          <a:defRPr kumimoji="0" sz="1800" b="0" i="0" u="none" strike="noStrike" cap="none" spc="0" normalizeH="0" baseline="0">
             <a:ln>
               <a:noFill/>
             </a:ln>
@@ -10279,8 +10157,7 @@
           <a:buSzTx/>
           <a:buFontTx/>
           <a:buNone/>
-          <a:tabLst/>
-          <a:defRPr b="0" baseline="0" cap="none" i="0" spc="0" strike="noStrike" sz="1800" u="none" kumimoji="0" normalizeH="0">
+          <a:defRPr kumimoji="0" sz="1800" b="0" i="0" u="none" strike="noStrike" cap="none" spc="0" normalizeH="0" baseline="0">
             <a:ln>
               <a:noFill/>
             </a:ln>
@@ -10305,8 +10182,7 @@
           <a:buSzTx/>
           <a:buFontTx/>
           <a:buNone/>
-          <a:tabLst/>
-          <a:defRPr b="0" baseline="0" cap="none" i="0" spc="0" strike="noStrike" sz="1800" u="none" kumimoji="0" normalizeH="0">
+          <a:defRPr kumimoji="0" sz="1800" b="0" i="0" u="none" strike="noStrike" cap="none" spc="0" normalizeH="0" baseline="0">
             <a:ln>
               <a:noFill/>
             </a:ln>
@@ -10331,8 +10207,7 @@
           <a:buSzTx/>
           <a:buFontTx/>
           <a:buNone/>
-          <a:tabLst/>
-          <a:defRPr b="0" baseline="0" cap="none" i="0" spc="0" strike="noStrike" sz="1800" u="none" kumimoji="0" normalizeH="0">
+          <a:defRPr kumimoji="0" sz="1800" b="0" i="0" u="none" strike="noStrike" cap="none" spc="0" normalizeH="0" baseline="0">
             <a:ln>
               <a:noFill/>
             </a:ln>
@@ -10357,8 +10232,7 @@
           <a:buSzTx/>
           <a:buFontTx/>
           <a:buNone/>
-          <a:tabLst/>
-          <a:defRPr b="0" baseline="0" cap="none" i="0" spc="0" strike="noStrike" sz="1800" u="none" kumimoji="0" normalizeH="0">
+          <a:defRPr kumimoji="0" sz="1800" b="0" i="0" u="none" strike="noStrike" cap="none" spc="0" normalizeH="0" baseline="0">
             <a:ln>
               <a:noFill/>
             </a:ln>
@@ -10371,9 +10245,15 @@
         </a:lvl9pPr>
       </a:lstStyle>
       <a:style>
-        <a:lnRef idx="0"/>
-        <a:fillRef idx="0"/>
-        <a:effectRef idx="0"/>
+        <a:lnRef idx="0">
+          <a:srgbClr val="FFFFFF"/>
+        </a:lnRef>
+        <a:fillRef idx="0">
+          <a:srgbClr val="FFFFFF"/>
+        </a:fillRef>
+        <a:effectRef idx="0">
+          <a:srgbClr val="FFFFFF"/>
+        </a:effectRef>
         <a:fontRef idx="none"/>
       </a:style>
     </a:lnDef>
@@ -10384,8 +10264,6 @@
           <a:noFill/>
           <a:miter lim="400000"/>
         </a:ln>
-        <a:effectLst/>
-        <a:sp3d/>
       </a:spPr>
       <a:bodyPr rot="0" spcFirstLastPara="1" vertOverflow="overflow" horzOverflow="overflow" vert="horz" wrap="square" lIns="50800" tIns="50800" rIns="50800" bIns="50800" numCol="1" spcCol="38100" rtlCol="0" anchor="ctr" upright="0">
         <a:spAutoFit/>
@@ -10405,8 +10283,7 @@
           <a:buSzTx/>
           <a:buFontTx/>
           <a:buNone/>
-          <a:tabLst/>
-          <a:defRPr b="0" baseline="0" cap="none" i="0" spc="0" strike="noStrike" sz="5000" u="none" kumimoji="0" normalizeH="0">
+          <a:defRPr kumimoji="0" sz="5000" b="0" i="0" u="none" strike="noStrike" cap="none" spc="0" normalizeH="0" baseline="0">
             <a:ln>
               <a:noFill/>
             </a:ln>
@@ -10435,8 +10312,7 @@
           <a:buSzTx/>
           <a:buFontTx/>
           <a:buNone/>
-          <a:tabLst/>
-          <a:defRPr b="0" baseline="0" cap="none" i="0" spc="0" strike="noStrike" sz="1800" u="none" kumimoji="0" normalizeH="0">
+          <a:defRPr kumimoji="0" sz="1800" b="0" i="0" u="none" strike="noStrike" cap="none" spc="0" normalizeH="0" baseline="0">
             <a:ln>
               <a:noFill/>
             </a:ln>
@@ -10461,8 +10337,7 @@
           <a:buSzTx/>
           <a:buFontTx/>
           <a:buNone/>
-          <a:tabLst/>
-          <a:defRPr b="0" baseline="0" cap="none" i="0" spc="0" strike="noStrike" sz="1800" u="none" kumimoji="0" normalizeH="0">
+          <a:defRPr kumimoji="0" sz="1800" b="0" i="0" u="none" strike="noStrike" cap="none" spc="0" normalizeH="0" baseline="0">
             <a:ln>
               <a:noFill/>
             </a:ln>
@@ -10487,8 +10362,7 @@
           <a:buSzTx/>
           <a:buFontTx/>
           <a:buNone/>
-          <a:tabLst/>
-          <a:defRPr b="0" baseline="0" cap="none" i="0" spc="0" strike="noStrike" sz="1800" u="none" kumimoji="0" normalizeH="0">
+          <a:defRPr kumimoji="0" sz="1800" b="0" i="0" u="none" strike="noStrike" cap="none" spc="0" normalizeH="0" baseline="0">
             <a:ln>
               <a:noFill/>
             </a:ln>
@@ -10513,8 +10387,7 @@
           <a:buSzTx/>
           <a:buFontTx/>
           <a:buNone/>
-          <a:tabLst/>
-          <a:defRPr b="0" baseline="0" cap="none" i="0" spc="0" strike="noStrike" sz="1800" u="none" kumimoji="0" normalizeH="0">
+          <a:defRPr kumimoji="0" sz="1800" b="0" i="0" u="none" strike="noStrike" cap="none" spc="0" normalizeH="0" baseline="0">
             <a:ln>
               <a:noFill/>
             </a:ln>
@@ -10539,8 +10412,7 @@
           <a:buSzTx/>
           <a:buFontTx/>
           <a:buNone/>
-          <a:tabLst/>
-          <a:defRPr b="0" baseline="0" cap="none" i="0" spc="0" strike="noStrike" sz="1800" u="none" kumimoji="0" normalizeH="0">
+          <a:defRPr kumimoji="0" sz="1800" b="0" i="0" u="none" strike="noStrike" cap="none" spc="0" normalizeH="0" baseline="0">
             <a:ln>
               <a:noFill/>
             </a:ln>
@@ -10565,8 +10437,7 @@
           <a:buSzTx/>
           <a:buFontTx/>
           <a:buNone/>
-          <a:tabLst/>
-          <a:defRPr b="0" baseline="0" cap="none" i="0" spc="0" strike="noStrike" sz="1800" u="none" kumimoji="0" normalizeH="0">
+          <a:defRPr kumimoji="0" sz="1800" b="0" i="0" u="none" strike="noStrike" cap="none" spc="0" normalizeH="0" baseline="0">
             <a:ln>
               <a:noFill/>
             </a:ln>
@@ -10591,8 +10462,7 @@
           <a:buSzTx/>
           <a:buFontTx/>
           <a:buNone/>
-          <a:tabLst/>
-          <a:defRPr b="0" baseline="0" cap="none" i="0" spc="0" strike="noStrike" sz="1800" u="none" kumimoji="0" normalizeH="0">
+          <a:defRPr kumimoji="0" sz="1800" b="0" i="0" u="none" strike="noStrike" cap="none" spc="0" normalizeH="0" baseline="0">
             <a:ln>
               <a:noFill/>
             </a:ln>
@@ -10617,8 +10487,7 @@
           <a:buSzTx/>
           <a:buFontTx/>
           <a:buNone/>
-          <a:tabLst/>
-          <a:defRPr b="0" baseline="0" cap="none" i="0" spc="0" strike="noStrike" sz="1800" u="none" kumimoji="0" normalizeH="0">
+          <a:defRPr kumimoji="0" sz="1800" b="0" i="0" u="none" strike="noStrike" cap="none" spc="0" normalizeH="0" baseline="0">
             <a:ln>
               <a:noFill/>
             </a:ln>
@@ -10643,8 +10512,7 @@
           <a:buSzTx/>
           <a:buFontTx/>
           <a:buNone/>
-          <a:tabLst/>
-          <a:defRPr b="0" baseline="0" cap="none" i="0" spc="0" strike="noStrike" sz="1800" u="none" kumimoji="0" normalizeH="0">
+          <a:defRPr kumimoji="0" sz="1800" b="0" i="0" u="none" strike="noStrike" cap="none" spc="0" normalizeH="0" baseline="0">
             <a:ln>
               <a:noFill/>
             </a:ln>
@@ -10657,12 +10525,23 @@
         </a:lvl9pPr>
       </a:lstStyle>
       <a:style>
-        <a:lnRef idx="0"/>
-        <a:fillRef idx="0"/>
-        <a:effectRef idx="0"/>
+        <a:lnRef idx="0">
+          <a:srgbClr val="FFFFFF"/>
+        </a:lnRef>
+        <a:fillRef idx="0">
+          <a:srgbClr val="FFFFFF"/>
+        </a:fillRef>
+        <a:effectRef idx="0">
+          <a:srgbClr val="FFFFFF"/>
+        </a:effectRef>
         <a:fontRef idx="none"/>
       </a:style>
     </a:txDef>
   </a:objectDefaults>
+  <a:extLst>
+    <a:ext uri="{05A4C25C-085E-4340-85A3-A5531E510DB2}">
+      <thm15:themeFamily xmlns:thm15="http://schemas.microsoft.com/office/thememl/2012/main" name="Office Theme" id="{62F939B6-93AF-4DB8-9C6B-D6C7DFDC589F}" vid="{4A3C46E8-61CC-4603-A589-7422A47A8E4A}"/>
+    </a:ext>
+  </a:extLst>
 </a:theme>
 </file>
--- a/ppt/软件工程-码农的自我修养.pptx
+++ b/ppt/软件工程-码农的自我修养.pptx
@@ -5507,7 +5507,11 @@
               <a:defRPr sz="4705"/>
             </a:pPr>
             <a:r>
-              <a:t> 自编教程</a:t>
+              <a:t> 自编</a:t>
+            </a:r>
+            <a:r>
+              <a:rPr lang="zh-CN"/>
+              <a:t>教材《代码中的软件工程》</a:t>
             </a:r>
           </a:p>
           <a:p>

--- a/ppt/软件工程-码农的自我修养.pptx
+++ b/ppt/软件工程-码农的自我修养.pptx
@@ -556,10 +556,10 @@
                 <a:spcPct val="100000"/>
               </a:lnSpc>
               <a:defRPr sz="1200">
-                <a:latin typeface="Calibri"/>
-                <a:ea typeface="Calibri"/>
-                <a:cs typeface="Calibri"/>
-                <a:sym typeface="Calibri"/>
+                <a:latin typeface="Calibri" panose="020F0502020204030204"/>
+                <a:ea typeface="Calibri" panose="020F0502020204030204"/>
+                <a:cs typeface="Calibri" panose="020F0502020204030204"/>
+                <a:sym typeface="Calibri" panose="020F0502020204030204"/>
               </a:defRPr>
             </a:pPr>
             <a:r>
@@ -572,10 +572,10 @@
                 <a:spcPct val="100000"/>
               </a:lnSpc>
               <a:defRPr sz="1200">
-                <a:latin typeface="Calibri"/>
-                <a:ea typeface="Calibri"/>
-                <a:cs typeface="Calibri"/>
-                <a:sym typeface="Calibri"/>
+                <a:latin typeface="Calibri" panose="020F0502020204030204"/>
+                <a:ea typeface="Calibri" panose="020F0502020204030204"/>
+                <a:cs typeface="Calibri" panose="020F0502020204030204"/>
+                <a:sym typeface="Calibri" panose="020F0502020204030204"/>
               </a:defRPr>
             </a:pPr>
             <a:r>
@@ -588,10 +588,10 @@
                 <a:spcPct val="100000"/>
               </a:lnSpc>
               <a:defRPr sz="1200">
-                <a:latin typeface="Calibri"/>
-                <a:ea typeface="Calibri"/>
-                <a:cs typeface="Calibri"/>
-                <a:sym typeface="Calibri"/>
+                <a:latin typeface="Calibri" panose="020F0502020204030204"/>
+                <a:ea typeface="Calibri" panose="020F0502020204030204"/>
+                <a:cs typeface="Calibri" panose="020F0502020204030204"/>
+                <a:sym typeface="Calibri" panose="020F0502020204030204"/>
               </a:defRPr>
             </a:pPr>
             <a:r>
@@ -604,10 +604,10 @@
                 <a:spcPct val="100000"/>
               </a:lnSpc>
               <a:defRPr sz="1200">
-                <a:latin typeface="Calibri"/>
-                <a:ea typeface="Calibri"/>
-                <a:cs typeface="Calibri"/>
-                <a:sym typeface="Calibri"/>
+                <a:latin typeface="Calibri" panose="020F0502020204030204"/>
+                <a:ea typeface="Calibri" panose="020F0502020204030204"/>
+                <a:cs typeface="Calibri" panose="020F0502020204030204"/>
+                <a:sym typeface="Calibri" panose="020F0502020204030204"/>
               </a:defRPr>
             </a:pPr>
           </a:p>
@@ -617,10 +617,10 @@
                 <a:spcPct val="100000"/>
               </a:lnSpc>
               <a:defRPr sz="1200">
-                <a:latin typeface="Calibri"/>
-                <a:ea typeface="Calibri"/>
-                <a:cs typeface="Calibri"/>
-                <a:sym typeface="Calibri"/>
+                <a:latin typeface="Calibri" panose="020F0502020204030204"/>
+                <a:ea typeface="Calibri" panose="020F0502020204030204"/>
+                <a:cs typeface="Calibri" panose="020F0502020204030204"/>
+                <a:sym typeface="Calibri" panose="020F0502020204030204"/>
               </a:defRPr>
             </a:pPr>
             <a:r>
@@ -1116,10 +1116,10 @@
                 <a:solidFill>
                   <a:srgbClr val="FFFFFF"/>
                 </a:solidFill>
-                <a:latin typeface="Corbel"/>
-                <a:ea typeface="Corbel"/>
-                <a:cs typeface="Corbel"/>
-                <a:sym typeface="Corbel"/>
+                <a:latin typeface="Corbel" panose="020B0503020204020204"/>
+                <a:ea typeface="Corbel" panose="020B0503020204020204"/>
+                <a:cs typeface="Corbel" panose="020B0503020204020204"/>
+                <a:sym typeface="Corbel" panose="020B0503020204020204"/>
               </a:defRPr>
             </a:pPr>
           </a:p>
@@ -1156,10 +1156,10 @@
                 <a:solidFill>
                   <a:srgbClr val="FFFFFF"/>
                 </a:solidFill>
-                <a:latin typeface="Corbel"/>
-                <a:ea typeface="Corbel"/>
-                <a:cs typeface="Corbel"/>
-                <a:sym typeface="Corbel"/>
+                <a:latin typeface="Corbel" panose="020B0503020204020204"/>
+                <a:ea typeface="Corbel" panose="020B0503020204020204"/>
+                <a:cs typeface="Corbel" panose="020B0503020204020204"/>
+                <a:sym typeface="Corbel" panose="020B0503020204020204"/>
               </a:defRPr>
             </a:pPr>
           </a:p>
@@ -1190,10 +1190,10 @@
                 <a:solidFill>
                   <a:srgbClr val="F0AD00"/>
                 </a:solidFill>
-                <a:latin typeface="Corbel"/>
-                <a:ea typeface="Corbel"/>
-                <a:cs typeface="Corbel"/>
-                <a:sym typeface="Corbel"/>
+                <a:latin typeface="Corbel" panose="020B0503020204020204"/>
+                <a:ea typeface="Corbel" panose="020B0503020204020204"/>
+                <a:cs typeface="Corbel" panose="020B0503020204020204"/>
+                <a:sym typeface="Corbel" panose="020B0503020204020204"/>
               </a:defRPr>
             </a:lvl1pPr>
           </a:lstStyle>
@@ -1235,10 +1235,10 @@
               <a:buFont typeface="Wingdings 2" panose="05020102010507070707"/>
               <a:buChar char="◼"/>
               <a:defRPr sz="6400">
-                <a:latin typeface="Corbel"/>
-                <a:ea typeface="Corbel"/>
-                <a:cs typeface="Corbel"/>
-                <a:sym typeface="Corbel"/>
+                <a:latin typeface="Corbel" panose="020B0503020204020204"/>
+                <a:ea typeface="Corbel" panose="020B0503020204020204"/>
+                <a:cs typeface="Corbel" panose="020B0503020204020204"/>
+                <a:sym typeface="Corbel" panose="020B0503020204020204"/>
               </a:defRPr>
             </a:lvl1pPr>
             <a:lvl2pPr marL="1083945" indent="-626745" defTabSz="1828800">
@@ -1252,10 +1252,10 @@
               <a:buFont typeface="Wingdings 2" panose="05020102010507070707"/>
               <a:buChar char="▪"/>
               <a:defRPr sz="6400">
-                <a:latin typeface="Corbel"/>
-                <a:ea typeface="Corbel"/>
-                <a:cs typeface="Corbel"/>
-                <a:sym typeface="Corbel"/>
+                <a:latin typeface="Corbel" panose="020B0503020204020204"/>
+                <a:ea typeface="Corbel" panose="020B0503020204020204"/>
+                <a:cs typeface="Corbel" panose="020B0503020204020204"/>
+                <a:sym typeface="Corbel" panose="020B0503020204020204"/>
               </a:defRPr>
             </a:lvl2pPr>
             <a:lvl3pPr marL="1377950" indent="-609600" defTabSz="1828800">
@@ -1269,10 +1269,10 @@
               <a:buFont typeface="Wingdings 2" panose="05020102010507070707"/>
               <a:buChar char="▪"/>
               <a:defRPr sz="6400">
-                <a:latin typeface="Corbel"/>
-                <a:ea typeface="Corbel"/>
-                <a:cs typeface="Corbel"/>
-                <a:sym typeface="Corbel"/>
+                <a:latin typeface="Corbel" panose="020B0503020204020204"/>
+                <a:ea typeface="Corbel" panose="020B0503020204020204"/>
+                <a:cs typeface="Corbel" panose="020B0503020204020204"/>
+                <a:sym typeface="Corbel" panose="020B0503020204020204"/>
               </a:defRPr>
             </a:lvl3pPr>
             <a:lvl4pPr marL="1618615" indent="-585470" defTabSz="1828800">
@@ -1286,10 +1286,10 @@
               <a:buFont typeface="Wingdings 2" panose="05020102010507070707"/>
               <a:buChar char="▪"/>
               <a:defRPr sz="6400">
-                <a:latin typeface="Corbel"/>
-                <a:ea typeface="Corbel"/>
-                <a:cs typeface="Corbel"/>
-                <a:sym typeface="Corbel"/>
+                <a:latin typeface="Corbel" panose="020B0503020204020204"/>
+                <a:ea typeface="Corbel" panose="020B0503020204020204"/>
+                <a:cs typeface="Corbel" panose="020B0503020204020204"/>
+                <a:sym typeface="Corbel" panose="020B0503020204020204"/>
               </a:defRPr>
             </a:lvl4pPr>
             <a:lvl5pPr marL="1828800" indent="-585470" defTabSz="1828800">
@@ -1303,10 +1303,10 @@
               <a:buFont typeface="Wingdings 2" panose="05020102010507070707"/>
               <a:buChar char=""/>
               <a:defRPr sz="6400">
-                <a:latin typeface="Corbel"/>
-                <a:ea typeface="Corbel"/>
-                <a:cs typeface="Corbel"/>
-                <a:sym typeface="Corbel"/>
+                <a:latin typeface="Corbel" panose="020B0503020204020204"/>
+                <a:ea typeface="Corbel" panose="020B0503020204020204"/>
+                <a:cs typeface="Corbel" panose="020B0503020204020204"/>
+                <a:sym typeface="Corbel" panose="020B0503020204020204"/>
               </a:defRPr>
             </a:lvl5pPr>
           </a:lstStyle>
@@ -1366,10 +1366,10 @@
                 <a:solidFill>
                   <a:srgbClr val="414141"/>
                 </a:solidFill>
-                <a:latin typeface="Corbel"/>
-                <a:ea typeface="Corbel"/>
-                <a:cs typeface="Corbel"/>
-                <a:sym typeface="Corbel"/>
+                <a:latin typeface="Corbel" panose="020B0503020204020204"/>
+                <a:ea typeface="Corbel" panose="020B0503020204020204"/>
+                <a:cs typeface="Corbel" panose="020B0503020204020204"/>
+                <a:sym typeface="Corbel" panose="020B0503020204020204"/>
               </a:defRPr>
             </a:lvl1pPr>
           </a:lstStyle>
@@ -3447,70 +3447,14 @@
       </p:sp>
       <p:sp>
         <p:nvSpPr>
-          <p:cNvPr id="131" name="Shape 131"/>
-          <p:cNvSpPr/>
-          <p:nvPr>
-            <p:ph type="subTitle" sz="quarter" idx="1"/>
-          </p:nvPr>
-        </p:nvSpPr>
-        <p:spPr>
-          <a:xfrm>
-            <a:off x="1778000" y="9537700"/>
-            <a:ext cx="20828000" cy="1587500"/>
-          </a:xfrm>
-          <a:prstGeom prst="rect">
-            <a:avLst/>
-          </a:prstGeom>
-        </p:spPr>
-        <p:txBody>
-          <a:bodyPr/>
-          <a:lstStyle/>
-          <a:p>
-            <a:r>
-              <a:t>孟宁</a:t>
-            </a:r>
-          </a:p>
-        </p:txBody>
-      </p:sp>
-      <p:pic>
-        <p:nvPicPr>
-          <p:cNvPr id="132" name="image1.png"/>
-          <p:cNvPicPr>
-            <a:picLocks noChangeAspect="1"/>
-          </p:cNvPicPr>
-          <p:nvPr/>
-        </p:nvPicPr>
-        <p:blipFill>
-          <a:blip r:embed="rId1"/>
-          <a:stretch>
-            <a:fillRect/>
-          </a:stretch>
-        </p:blipFill>
-        <p:spPr>
-          <a:xfrm>
-            <a:off x="19086777" y="9340198"/>
-            <a:ext cx="3604908" cy="3604907"/>
-          </a:xfrm>
-          <a:prstGeom prst="rect">
-            <a:avLst/>
-          </a:prstGeom>
-          <a:ln w="12700">
-            <a:miter lim="400000"/>
-            <a:headEnd/>
-            <a:tailEnd/>
-          </a:ln>
-        </p:spPr>
-      </p:pic>
-      <p:sp>
-        <p:nvSpPr>
-          <p:cNvPr id="133" name="Shape 133"/>
+          <p:cNvPr id="158" name="Shape 158"/>
           <p:cNvSpPr/>
           <p:nvPr/>
         </p:nvSpPr>
         <p:spPr>
           <a:xfrm>
-            <a:off x="20070079" y="12798844"/>
-            <a:ext cx="1638301" cy="635001"/>
+            <a:off x="1778000" y="8417759"/>
+            <a:ext cx="20828000" cy="1587501"/>
           </a:xfrm>
           <a:prstGeom prst="rect">
             <a:avLst/>
@@ -3520,18 +3464,35 @@
           </a:ln>
         </p:spPr>
         <p:txBody>
-          <a:bodyPr wrap="none" lIns="50800" tIns="50800" rIns="50800" bIns="50800" anchor="ctr">
-            <a:spAutoFit/>
+          <a:bodyPr lIns="50800" tIns="50800" rIns="50800" bIns="50800">
+            <a:normAutofit/>
           </a:bodyPr>
           <a:lstStyle>
             <a:lvl1pPr>
-              <a:defRPr sz="3000"/>
+              <a:defRPr sz="4400"/>
             </a:lvl1pPr>
           </a:lstStyle>
           <a:p>
             <a:r>
-              <a:t>关注孟宁</a:t>
-            </a:r>
+              <a:rPr>
+                <a:sym typeface="+mn-ea"/>
+              </a:rPr>
+              <a:t>孟宁</a:t>
+            </a:r>
+            <a:endParaRPr>
+              <a:sym typeface="+mn-ea"/>
+            </a:endParaRPr>
+          </a:p>
+          <a:p>
+            <a:r>
+              <a:rPr lang="en-US" altLang="zh-CN">
+                <a:sym typeface="+mn-ea"/>
+              </a:rPr>
+              <a:t>mengning@ustc.edu.cn</a:t>
+            </a:r>
+            <a:endParaRPr lang="en-US" altLang="zh-CN">
+              <a:sym typeface="+mn-ea"/>
+            </a:endParaRPr>
           </a:p>
         </p:txBody>
       </p:sp>
@@ -3648,10 +3609,10 @@
           <a:p>
             <a:pPr algn="l" defTabSz="1828800">
               <a:defRPr sz="4000">
-                <a:latin typeface="Corbel"/>
-                <a:ea typeface="Corbel"/>
-                <a:cs typeface="Corbel"/>
-                <a:sym typeface="Corbel"/>
+                <a:latin typeface="Corbel" panose="020B0503020204020204"/>
+                <a:ea typeface="Corbel" panose="020B0503020204020204"/>
+                <a:cs typeface="Corbel" panose="020B0503020204020204"/>
+                <a:sym typeface="Corbel" panose="020B0503020204020204"/>
               </a:defRPr>
             </a:pPr>
             <a:r>
@@ -3661,13 +3622,13 @@
           <a:p>
             <a:pPr marL="571500" indent="-571500" algn="l" defTabSz="1828800">
               <a:buSzPct val="100000"/>
-              <a:buFont typeface="Arial" panose="020B0604020202090204"/>
+              <a:buFont typeface="Arial" panose="020B0604020202020204"/>
               <a:buChar char="•"/>
               <a:defRPr sz="4000">
-                <a:latin typeface="Corbel"/>
-                <a:ea typeface="Corbel"/>
-                <a:cs typeface="Corbel"/>
-                <a:sym typeface="Corbel"/>
+                <a:latin typeface="Corbel" panose="020B0503020204020204"/>
+                <a:ea typeface="Corbel" panose="020B0503020204020204"/>
+                <a:cs typeface="Corbel" panose="020B0503020204020204"/>
+                <a:sym typeface="Corbel" panose="020B0503020204020204"/>
               </a:defRPr>
             </a:pPr>
             <a:r>
@@ -3677,13 +3638,13 @@
           <a:p>
             <a:pPr marL="571500" indent="-571500" algn="l" defTabSz="1828800">
               <a:buSzPct val="100000"/>
-              <a:buFont typeface="Arial" panose="020B0604020202090204"/>
+              <a:buFont typeface="Arial" panose="020B0604020202020204"/>
               <a:buChar char="•"/>
               <a:defRPr sz="4000">
-                <a:latin typeface="Corbel"/>
-                <a:ea typeface="Corbel"/>
-                <a:cs typeface="Corbel"/>
-                <a:sym typeface="Corbel"/>
+                <a:latin typeface="Corbel" panose="020B0503020204020204"/>
+                <a:ea typeface="Corbel" panose="020B0503020204020204"/>
+                <a:cs typeface="Corbel" panose="020B0503020204020204"/>
+                <a:sym typeface="Corbel" panose="020B0503020204020204"/>
               </a:defRPr>
             </a:pPr>
             <a:r>
@@ -3693,13 +3654,13 @@
           <a:p>
             <a:pPr marL="571500" indent="-571500" algn="l" defTabSz="1828800">
               <a:buSzPct val="100000"/>
-              <a:buFont typeface="Arial" panose="020B0604020202090204"/>
+              <a:buFont typeface="Arial" panose="020B0604020202020204"/>
               <a:buChar char="•"/>
               <a:defRPr sz="4000">
-                <a:latin typeface="Corbel"/>
-                <a:ea typeface="Corbel"/>
-                <a:cs typeface="Corbel"/>
-                <a:sym typeface="Corbel"/>
+                <a:latin typeface="Corbel" panose="020B0503020204020204"/>
+                <a:ea typeface="Corbel" panose="020B0503020204020204"/>
+                <a:cs typeface="Corbel" panose="020B0503020204020204"/>
+                <a:sym typeface="Corbel" panose="020B0503020204020204"/>
               </a:defRPr>
             </a:pPr>
             <a:r>
@@ -3709,10 +3670,10 @@
           <a:p>
             <a:pPr algn="l" defTabSz="1828800">
               <a:defRPr sz="4000">
-                <a:latin typeface="Corbel"/>
-                <a:ea typeface="Corbel"/>
-                <a:cs typeface="Corbel"/>
-                <a:sym typeface="Corbel"/>
+                <a:latin typeface="Corbel" panose="020B0503020204020204"/>
+                <a:ea typeface="Corbel" panose="020B0503020204020204"/>
+                <a:cs typeface="Corbel" panose="020B0503020204020204"/>
+                <a:sym typeface="Corbel" panose="020B0503020204020204"/>
               </a:defRPr>
             </a:pPr>
             <a:r>
@@ -3742,13 +3703,13 @@
           <a:p>
             <a:pPr marL="571500" indent="-571500" algn="l" defTabSz="1828800">
               <a:buSzPct val="100000"/>
-              <a:buFont typeface="Arial" panose="020B0604020202090204"/>
+              <a:buFont typeface="Arial" panose="020B0604020202020204"/>
               <a:buChar char="•"/>
               <a:defRPr sz="4000">
-                <a:latin typeface="Corbel"/>
-                <a:ea typeface="Corbel"/>
-                <a:cs typeface="Corbel"/>
-                <a:sym typeface="Corbel"/>
+                <a:latin typeface="Corbel" panose="020B0503020204020204"/>
+                <a:ea typeface="Corbel" panose="020B0503020204020204"/>
+                <a:cs typeface="Corbel" panose="020B0503020204020204"/>
+                <a:sym typeface="Corbel" panose="020B0503020204020204"/>
               </a:defRPr>
             </a:pPr>
           </a:p>
@@ -4101,6 +4062,14 @@
             </a:r>
           </a:p>
           <a:p>
+            <a:pPr>
+              <a:lnSpc>
+                <a:spcPct val="96000"/>
+              </a:lnSpc>
+              <a:defRPr sz="3400"/>
+            </a:pPr>
+          </a:p>
+          <a:p>
             <a:pPr marL="1005840" lvl="1" indent="-548640">
               <a:lnSpc>
                 <a:spcPct val="96000"/>
@@ -4157,17 +4126,6 @@
             </a:r>
           </a:p>
           <a:p>
-            <a:pPr>
-              <a:lnSpc>
-                <a:spcPct val="96000"/>
-              </a:lnSpc>
-              <a:defRPr sz="3400"/>
-            </a:pPr>
-            <a:r>
-              <a:t>IT 行业培训</a:t>
-            </a:r>
-          </a:p>
-          <a:p>
             <a:pPr marL="1005840" lvl="1" indent="-548640">
               <a:lnSpc>
                 <a:spcPct val="96000"/>
@@ -4181,9 +4139,25 @@
               <a:buFont typeface="Wingdings" panose="05000000000000000000"/>
               <a:defRPr sz="3000"/>
             </a:pPr>
-            <a:r>
-              <a:t>用已有的技术解决现有的问题，获得实用技能</a:t>
-            </a:r>
+          </a:p>
+          <a:p>
+            <a:pPr>
+              <a:lnSpc>
+                <a:spcPct val="96000"/>
+              </a:lnSpc>
+              <a:defRPr sz="3400"/>
+            </a:pPr>
+            <a:r>
+              <a:t>IT 行业培训</a:t>
+            </a:r>
+          </a:p>
+          <a:p>
+            <a:pPr>
+              <a:lnSpc>
+                <a:spcPct val="96000"/>
+              </a:lnSpc>
+              <a:defRPr sz="3400"/>
+            </a:pPr>
           </a:p>
           <a:p>
             <a:pPr marL="1005840" lvl="1" indent="-548640">
@@ -4200,18 +4174,7 @@
               <a:defRPr sz="3000"/>
             </a:pPr>
             <a:r>
-              <a:t>目的：人才马上能用</a:t>
-            </a:r>
-          </a:p>
-          <a:p>
-            <a:pPr>
-              <a:lnSpc>
-                <a:spcPct val="96000"/>
-              </a:lnSpc>
-              <a:defRPr sz="3400"/>
-            </a:pPr>
-            <a:r>
-              <a:t>大学当然可以讲目前流行的技术，解决目前的问题</a:t>
+              <a:t>用已有的技术解决现有的问题，获得实用技能</a:t>
             </a:r>
           </a:p>
           <a:p>
@@ -4229,7 +4192,7 @@
               <a:defRPr sz="3000"/>
             </a:pPr>
             <a:r>
-              <a:t>目的是要知其然，并知其所以然，在其中锻炼自我学习， 探索的能力。</a:t>
+              <a:t>目的：人才马上能用</a:t>
             </a:r>
           </a:p>
           <a:p>
@@ -4246,9 +4209,25 @@
               <a:buFont typeface="Wingdings" panose="05000000000000000000"/>
               <a:defRPr sz="3000"/>
             </a:pPr>
-            <a:r>
-              <a:t>要不断提问， 不断深入探索</a:t>
-            </a:r>
+          </a:p>
+          <a:p>
+            <a:pPr>
+              <a:lnSpc>
+                <a:spcPct val="96000"/>
+              </a:lnSpc>
+              <a:defRPr sz="3400"/>
+            </a:pPr>
+            <a:r>
+              <a:t>大学当然可以讲目前流行的技术，解决目前的问题</a:t>
+            </a:r>
+          </a:p>
+          <a:p>
+            <a:pPr>
+              <a:lnSpc>
+                <a:spcPct val="96000"/>
+              </a:lnSpc>
+              <a:defRPr sz="3400"/>
+            </a:pPr>
           </a:p>
           <a:p>
             <a:pPr marL="1005840" lvl="1" indent="-548640">
@@ -4264,70 +4243,26 @@
               <a:buFont typeface="Wingdings" panose="05000000000000000000"/>
               <a:defRPr sz="3000"/>
             </a:pPr>
-          </a:p>
-          <a:p>
-            <a:pPr>
-              <a:lnSpc>
-                <a:spcPct val="96000"/>
-              </a:lnSpc>
-              <a:defRPr sz="3400"/>
-            </a:pPr>
-            <a:r>
-              <a:t>讨论：很多学校的计算机课程有很多 “打代码”  的练习</a:t>
-            </a:r>
-          </a:p>
-          <a:p>
-            <a:pPr marL="1225550" lvl="2" indent="-457200">
+            <a:r>
+              <a:t>目的是要知其然，并知其所以然，在其中锻炼自我学习， 探索的能力。</a:t>
+            </a:r>
+          </a:p>
+          <a:p>
+            <a:pPr marL="1005840" lvl="1" indent="-548640">
               <a:lnSpc>
                 <a:spcPct val="96000"/>
               </a:lnSpc>
               <a:spcBef>
-                <a:spcPts val="600"/>
+                <a:spcPts val="700"/>
               </a:spcBef>
               <a:buClr>
-                <a:srgbClr val="E66C7D"/>
+                <a:srgbClr val="60B5CC"/>
               </a:buClr>
-              <a:buFont typeface="Arial" panose="020B0604020202090204"/>
-              <a:defRPr sz="2600"/>
+              <a:buFont typeface="Wingdings" panose="05000000000000000000"/>
+              <a:defRPr sz="3000"/>
             </a:pPr>
             <a:r>
-              <a:t>学生上机就是把代码输入，通过测试，下机</a:t>
-            </a:r>
-          </a:p>
-          <a:p>
-            <a:pPr marL="1225550" lvl="2" indent="-457200">
-              <a:lnSpc>
-                <a:spcPct val="96000"/>
-              </a:lnSpc>
-              <a:spcBef>
-                <a:spcPts val="600"/>
-              </a:spcBef>
-              <a:buClr>
-                <a:srgbClr val="E66C7D"/>
-              </a:buClr>
-              <a:buFont typeface="Arial" panose="020B0604020202090204"/>
-              <a:defRPr sz="2600"/>
-            </a:pPr>
-            <a:r>
-              <a:t>这是“大学教育”  还是 “短期IT 行业培训”？</a:t>
-            </a:r>
-          </a:p>
-          <a:p>
-            <a:pPr marL="1225550" lvl="2" indent="-457200">
-              <a:lnSpc>
-                <a:spcPct val="96000"/>
-              </a:lnSpc>
-              <a:spcBef>
-                <a:spcPts val="600"/>
-              </a:spcBef>
-              <a:buClr>
-                <a:srgbClr val="E66C7D"/>
-              </a:buClr>
-              <a:buFont typeface="Arial" panose="020B0604020202090204"/>
-              <a:defRPr sz="2600"/>
-            </a:pPr>
-            <a:r>
-              <a:t>这种练习的效果如何？ </a:t>
+              <a:t>要不断提问， 不断深入探索</a:t>
             </a:r>
           </a:p>
         </p:txBody>
@@ -5336,7 +5271,7 @@
           <a:p>
             <a:pPr marL="571500" indent="-571500" algn="l" defTabSz="1828800">
               <a:buSzPct val="100000"/>
-              <a:buFont typeface="Arial" panose="020B0604020202090204"/>
+              <a:buFont typeface="Arial" panose="020B0604020202020204"/>
               <a:buChar char="•"/>
               <a:defRPr sz="4800">
                 <a:latin typeface="冬青黑体简体中文 W3" panose="020B0300000000000000" charset="-122"/>
@@ -5352,7 +5287,7 @@
           <a:p>
             <a:pPr marL="571500" indent="-571500" algn="l" defTabSz="1828800">
               <a:buSzPct val="100000"/>
-              <a:buFont typeface="Arial" panose="020B0604020202090204"/>
+              <a:buFont typeface="Arial" panose="020B0604020202020204"/>
               <a:buChar char="•"/>
               <a:defRPr sz="4800">
                 <a:latin typeface="冬青黑体简体中文 W3" panose="020B0300000000000000" charset="-122"/>
@@ -5368,7 +5303,7 @@
           <a:p>
             <a:pPr marL="1028700" lvl="1" indent="-571500" algn="l" defTabSz="1828800">
               <a:buSzPct val="100000"/>
-              <a:buFont typeface="Arial" panose="020B0604020202090204"/>
+              <a:buFont typeface="Arial" panose="020B0604020202020204"/>
               <a:buChar char="•"/>
               <a:defRPr sz="4800">
                 <a:latin typeface="冬青黑体简体中文 W3" panose="020B0300000000000000" charset="-122"/>
@@ -5384,7 +5319,7 @@
           <a:p>
             <a:pPr marL="1028700" lvl="1" indent="-571500" algn="l" defTabSz="1828800">
               <a:buSzPct val="100000"/>
-              <a:buFont typeface="Arial" panose="020B0604020202090204"/>
+              <a:buFont typeface="Arial" panose="020B0604020202020204"/>
               <a:buChar char="•"/>
               <a:defRPr sz="4800">
                 <a:latin typeface="冬青黑体简体中文 W3" panose="020B0300000000000000" charset="-122"/>
@@ -5400,7 +5335,7 @@
           <a:p>
             <a:pPr marL="1028700" lvl="1" indent="-571500" algn="l" defTabSz="1828800">
               <a:buSzPct val="100000"/>
-              <a:buFont typeface="Arial" panose="020B0604020202090204"/>
+              <a:buFont typeface="Arial" panose="020B0604020202020204"/>
               <a:buChar char="•"/>
               <a:defRPr sz="4800">
                 <a:latin typeface="冬青黑体简体中文 W3" panose="020B0300000000000000" charset="-122"/>
@@ -5513,6 +5448,7 @@
               <a:rPr lang="zh-CN"/>
               <a:t>教材《代码中的软件工程》</a:t>
             </a:r>
+            <a:endParaRPr lang="zh-CN"/>
           </a:p>
           <a:p>
             <a:pPr marL="845185" lvl="1" indent="-461010" defTabSz="1536065">
@@ -6384,69 +6320,6 @@
           </a:p>
         </p:txBody>
       </p:sp>
-      <p:pic>
-        <p:nvPicPr>
-          <p:cNvPr id="198" name="image1.png"/>
-          <p:cNvPicPr>
-            <a:picLocks noChangeAspect="1"/>
-          </p:cNvPicPr>
-          <p:nvPr/>
-        </p:nvPicPr>
-        <p:blipFill>
-          <a:blip r:embed="rId1"/>
-          <a:stretch>
-            <a:fillRect/>
-          </a:stretch>
-        </p:blipFill>
-        <p:spPr>
-          <a:xfrm>
-            <a:off x="19086777" y="9340198"/>
-            <a:ext cx="3604908" cy="3604907"/>
-          </a:xfrm>
-          <a:prstGeom prst="rect">
-            <a:avLst/>
-          </a:prstGeom>
-          <a:ln w="12700">
-            <a:miter lim="400000"/>
-            <a:headEnd/>
-            <a:tailEnd/>
-          </a:ln>
-        </p:spPr>
-      </p:pic>
-      <p:sp>
-        <p:nvSpPr>
-          <p:cNvPr id="199" name="Shape 199"/>
-          <p:cNvSpPr/>
-          <p:nvPr/>
-        </p:nvSpPr>
-        <p:spPr>
-          <a:xfrm>
-            <a:off x="20070079" y="12798844"/>
-            <a:ext cx="1638301" cy="635001"/>
-          </a:xfrm>
-          <a:prstGeom prst="rect">
-            <a:avLst/>
-          </a:prstGeom>
-          <a:ln w="12700">
-            <a:miter lim="400000"/>
-          </a:ln>
-        </p:spPr>
-        <p:txBody>
-          <a:bodyPr wrap="none" lIns="50800" tIns="50800" rIns="50800" bIns="50800" anchor="ctr">
-            <a:spAutoFit/>
-          </a:bodyPr>
-          <a:lstStyle>
-            <a:lvl1pPr>
-              <a:defRPr sz="3000"/>
-            </a:lvl1pPr>
-          </a:lstStyle>
-          <a:p>
-            <a:r>
-              <a:t>关注孟宁</a:t>
-            </a:r>
-          </a:p>
-        </p:txBody>
-      </p:sp>
     </p:spTree>
   </p:cSld>
   <p:clrMapOvr>
@@ -7158,10 +7031,10 @@
               <a:buFont typeface="Wingdings 2" panose="05020102010507070707"/>
               <a:buChar char="◼"/>
               <a:defRPr sz="5800">
-                <a:latin typeface="Corbel"/>
-                <a:ea typeface="Corbel"/>
-                <a:cs typeface="Corbel"/>
-                <a:sym typeface="Corbel"/>
+                <a:latin typeface="Corbel" panose="020B0503020204020204"/>
+                <a:ea typeface="Corbel" panose="020B0503020204020204"/>
+                <a:cs typeface="Corbel" panose="020B0503020204020204"/>
+                <a:sym typeface="Corbel" panose="020B0503020204020204"/>
               </a:defRPr>
             </a:pPr>
             <a:r>
@@ -7182,10 +7055,10 @@
               <a:buSzPct val="90000"/>
               <a:buAutoNum type="alphaLcParenR"/>
               <a:defRPr>
-                <a:latin typeface="Corbel"/>
-                <a:ea typeface="Corbel"/>
-                <a:cs typeface="Corbel"/>
-                <a:sym typeface="Corbel"/>
+                <a:latin typeface="Corbel" panose="020B0503020204020204"/>
+                <a:ea typeface="Corbel" panose="020B0503020204020204"/>
+                <a:cs typeface="Corbel" panose="020B0503020204020204"/>
+                <a:sym typeface="Corbel" panose="020B0503020204020204"/>
               </a:defRPr>
             </a:pPr>
             <a:r>
@@ -7206,10 +7079,10 @@
               <a:buSzPct val="90000"/>
               <a:buAutoNum type="alphaLcParenR"/>
               <a:defRPr>
-                <a:latin typeface="Corbel"/>
-                <a:ea typeface="Corbel"/>
-                <a:cs typeface="Corbel"/>
-                <a:sym typeface="Corbel"/>
+                <a:latin typeface="Corbel" panose="020B0503020204020204"/>
+                <a:ea typeface="Corbel" panose="020B0503020204020204"/>
+                <a:cs typeface="Corbel" panose="020B0503020204020204"/>
+                <a:sym typeface="Corbel" panose="020B0503020204020204"/>
               </a:defRPr>
             </a:pPr>
             <a:r>
@@ -7230,10 +7103,10 @@
               <a:buSzPct val="90000"/>
               <a:buAutoNum type="alphaLcParenR"/>
               <a:defRPr>
-                <a:latin typeface="Corbel"/>
-                <a:ea typeface="Corbel"/>
-                <a:cs typeface="Corbel"/>
-                <a:sym typeface="Corbel"/>
+                <a:latin typeface="Corbel" panose="020B0503020204020204"/>
+                <a:ea typeface="Corbel" panose="020B0503020204020204"/>
+                <a:cs typeface="Corbel" panose="020B0503020204020204"/>
+                <a:sym typeface="Corbel" panose="020B0503020204020204"/>
               </a:defRPr>
             </a:pPr>
             <a:r>
@@ -7254,10 +7127,10 @@
               <a:buSzPct val="90000"/>
               <a:buAutoNum type="alphaLcParenR"/>
               <a:defRPr>
-                <a:latin typeface="Corbel"/>
-                <a:ea typeface="Corbel"/>
-                <a:cs typeface="Corbel"/>
-                <a:sym typeface="Corbel"/>
+                <a:latin typeface="Corbel" panose="020B0503020204020204"/>
+                <a:ea typeface="Corbel" panose="020B0503020204020204"/>
+                <a:cs typeface="Corbel" panose="020B0503020204020204"/>
+                <a:sym typeface="Corbel" panose="020B0503020204020204"/>
               </a:defRPr>
             </a:pPr>
             <a:r>
@@ -7278,10 +7151,10 @@
               <a:buSzPct val="90000"/>
               <a:buAutoNum type="alphaLcParenR"/>
               <a:defRPr>
-                <a:latin typeface="Corbel"/>
-                <a:ea typeface="Corbel"/>
-                <a:cs typeface="Corbel"/>
-                <a:sym typeface="Corbel"/>
+                <a:latin typeface="Corbel" panose="020B0503020204020204"/>
+                <a:ea typeface="Corbel" panose="020B0503020204020204"/>
+                <a:cs typeface="Corbel" panose="020B0503020204020204"/>
+                <a:sym typeface="Corbel" panose="020B0503020204020204"/>
               </a:defRPr>
             </a:pPr>
             <a:r>
